--- a/Latent Subgraphs.pptx
+++ b/Latent Subgraphs.pptx
@@ -5,9 +5,19 @@
     <p:sldMasterId id="2147483648" r:id="rId1"/>
   </p:sldMasterIdLst>
   <p:sldIdLst>
-    <p:sldId id="256" r:id="rId2"/>
-    <p:sldId id="257" r:id="rId3"/>
-    <p:sldId id="258" r:id="rId4"/>
+    <p:sldId id="261" r:id="rId2"/>
+    <p:sldId id="256" r:id="rId3"/>
+    <p:sldId id="262" r:id="rId4"/>
+    <p:sldId id="257" r:id="rId5"/>
+    <p:sldId id="263" r:id="rId6"/>
+    <p:sldId id="258" r:id="rId7"/>
+    <p:sldId id="264" r:id="rId8"/>
+    <p:sldId id="259" r:id="rId9"/>
+    <p:sldId id="265" r:id="rId10"/>
+    <p:sldId id="260" r:id="rId11"/>
+    <p:sldId id="266" r:id="rId12"/>
+    <p:sldId id="267" r:id="rId13"/>
+    <p:sldId id="268" r:id="rId14"/>
   </p:sldIdLst>
   <p:sldSz cx="12192000" cy="6858000"/>
   <p:notesSz cx="6858000" cy="9144000"/>
@@ -106,13 +116,18 @@
       </a:defRPr>
     </a:lvl9pPr>
   </p:defaultTextStyle>
+  <p:extLst>
+    <p:ext uri="{EFAFB233-063F-42B5-8137-9DF3F51BA10A}">
+      <p15:sldGuideLst xmlns:p15="http://schemas.microsoft.com/office/powerpoint/2012/main"/>
+    </p:ext>
+  </p:extLst>
 </p:presentation>
 </file>
 
 <file path=ppt/revisionInfo.xml><?xml version="1.0" encoding="utf-8"?>
 <p1510:revInfo xmlns:a="http://schemas.openxmlformats.org/drawingml/2006/main" xmlns:r="http://schemas.openxmlformats.org/officeDocument/2006/relationships" xmlns:p1510="http://schemas.microsoft.com/office/powerpoint/2015/10/main">
   <p1510:revLst>
-    <p1510:client id="{62296B02-FF6D-4E03-834C-A905267B6D21}" v="16" dt="2024-02-23T14:10:33.270"/>
+    <p1510:client id="{62296B02-FF6D-4E03-834C-A905267B6D21}" v="73" dt="2024-03-13T18:33:26.499"/>
   </p1510:revLst>
 </p1510:revInfo>
 </file>
@@ -122,18 +137,26 @@
   <pc:docChgLst>
     <pc:chgData name="byron dodd" userId="5f8f3b5ac755099a" providerId="LiveId" clId="{62296B02-FF6D-4E03-834C-A905267B6D21}"/>
     <pc:docChg chg="undo redo custSel addSld modSld">
-      <pc:chgData name="byron dodd" userId="5f8f3b5ac755099a" providerId="LiveId" clId="{62296B02-FF6D-4E03-834C-A905267B6D21}" dt="2024-02-23T16:01:35.037" v="653" actId="478"/>
+      <pc:chgData name="byron dodd" userId="5f8f3b5ac755099a" providerId="LiveId" clId="{62296B02-FF6D-4E03-834C-A905267B6D21}" dt="2024-03-13T18:33:29.153" v="1507" actId="20577"/>
       <pc:docMkLst>
         <pc:docMk/>
       </pc:docMkLst>
       <pc:sldChg chg="addSp delSp modSp mod">
-        <pc:chgData name="byron dodd" userId="5f8f3b5ac755099a" providerId="LiveId" clId="{62296B02-FF6D-4E03-834C-A905267B6D21}" dt="2024-02-23T15:06:33.807" v="638" actId="11529"/>
+        <pc:chgData name="byron dodd" userId="5f8f3b5ac755099a" providerId="LiveId" clId="{62296B02-FF6D-4E03-834C-A905267B6D21}" dt="2024-03-11T17:52:07.999" v="923" actId="20577"/>
         <pc:sldMkLst>
           <pc:docMk/>
           <pc:sldMk cId="2305744929" sldId="256"/>
         </pc:sldMkLst>
         <pc:spChg chg="mod">
-          <ac:chgData name="byron dodd" userId="5f8f3b5ac755099a" providerId="LiveId" clId="{62296B02-FF6D-4E03-834C-A905267B6D21}" dt="2024-02-23T15:01:23.357" v="616" actId="1076"/>
+          <ac:chgData name="byron dodd" userId="5f8f3b5ac755099a" providerId="LiveId" clId="{62296B02-FF6D-4E03-834C-A905267B6D21}" dt="2024-02-27T15:15:56.240" v="671" actId="20577"/>
+          <ac:spMkLst>
+            <pc:docMk/>
+            <pc:sldMk cId="2305744929" sldId="256"/>
+            <ac:spMk id="4" creationId="{F42F9336-7388-77C5-4A65-1DC70E8EB262}"/>
+          </ac:spMkLst>
+        </pc:spChg>
+        <pc:spChg chg="mod">
+          <ac:chgData name="byron dodd" userId="5f8f3b5ac755099a" providerId="LiveId" clId="{62296B02-FF6D-4E03-834C-A905267B6D21}" dt="2024-03-06T13:57:31.678" v="890" actId="207"/>
           <ac:spMkLst>
             <pc:docMk/>
             <pc:sldMk cId="2305744929" sldId="256"/>
@@ -141,7 +164,7 @@
           </ac:spMkLst>
         </pc:spChg>
         <pc:spChg chg="mod">
-          <ac:chgData name="byron dodd" userId="5f8f3b5ac755099a" providerId="LiveId" clId="{62296B02-FF6D-4E03-834C-A905267B6D21}" dt="2024-02-23T15:01:38.065" v="621" actId="1076"/>
+          <ac:chgData name="byron dodd" userId="5f8f3b5ac755099a" providerId="LiveId" clId="{62296B02-FF6D-4E03-834C-A905267B6D21}" dt="2024-03-06T13:57:31.678" v="890" actId="207"/>
           <ac:spMkLst>
             <pc:docMk/>
             <pc:sldMk cId="2305744929" sldId="256"/>
@@ -157,7 +180,7 @@
           </ac:spMkLst>
         </pc:spChg>
         <pc:spChg chg="mod">
-          <ac:chgData name="byron dodd" userId="5f8f3b5ac755099a" providerId="LiveId" clId="{62296B02-FF6D-4E03-834C-A905267B6D21}" dt="2024-02-23T15:01:44.139" v="622" actId="1076"/>
+          <ac:chgData name="byron dodd" userId="5f8f3b5ac755099a" providerId="LiveId" clId="{62296B02-FF6D-4E03-834C-A905267B6D21}" dt="2024-02-27T15:15:53.092" v="667" actId="14100"/>
           <ac:spMkLst>
             <pc:docMk/>
             <pc:sldMk cId="2305744929" sldId="256"/>
@@ -172,6 +195,30 @@
             <ac:spMk id="25" creationId="{FE4C0839-885A-E4B0-B6FE-FCD05A327770}"/>
           </ac:spMkLst>
         </pc:spChg>
+        <pc:spChg chg="mod">
+          <ac:chgData name="byron dodd" userId="5f8f3b5ac755099a" providerId="LiveId" clId="{62296B02-FF6D-4E03-834C-A905267B6D21}" dt="2024-02-27T15:16:11.870" v="677" actId="20577"/>
+          <ac:spMkLst>
+            <pc:docMk/>
+            <pc:sldMk cId="2305744929" sldId="256"/>
+            <ac:spMk id="46" creationId="{A5CF54D8-8E1B-7A16-2B1C-7AD714DAFD73}"/>
+          </ac:spMkLst>
+        </pc:spChg>
+        <pc:spChg chg="mod">
+          <ac:chgData name="byron dodd" userId="5f8f3b5ac755099a" providerId="LiveId" clId="{62296B02-FF6D-4E03-834C-A905267B6D21}" dt="2024-02-27T15:16:13.819" v="679" actId="20577"/>
+          <ac:spMkLst>
+            <pc:docMk/>
+            <pc:sldMk cId="2305744929" sldId="256"/>
+            <ac:spMk id="47" creationId="{019DDCE3-01DC-F4C7-13BB-C3097B43FD86}"/>
+          </ac:spMkLst>
+        </pc:spChg>
+        <pc:spChg chg="mod">
+          <ac:chgData name="byron dodd" userId="5f8f3b5ac755099a" providerId="LiveId" clId="{62296B02-FF6D-4E03-834C-A905267B6D21}" dt="2024-03-11T17:52:07.999" v="923" actId="20577"/>
+          <ac:spMkLst>
+            <pc:docMk/>
+            <pc:sldMk cId="2305744929" sldId="256"/>
+            <ac:spMk id="50" creationId="{5B513961-8217-C0C3-D6AA-05C54A7E0A83}"/>
+          </ac:spMkLst>
+        </pc:spChg>
         <pc:spChg chg="add del mod">
           <ac:chgData name="byron dodd" userId="5f8f3b5ac755099a" providerId="LiveId" clId="{62296B02-FF6D-4E03-834C-A905267B6D21}" dt="2024-02-22T19:07:21.242" v="577"/>
           <ac:spMkLst>
@@ -180,6 +227,14 @@
             <ac:spMk id="51" creationId="{F75510B6-E6B2-105D-774A-02865E61311C}"/>
           </ac:spMkLst>
         </pc:spChg>
+        <pc:cxnChg chg="add del mod">
+          <ac:chgData name="byron dodd" userId="5f8f3b5ac755099a" providerId="LiveId" clId="{62296B02-FF6D-4E03-834C-A905267B6D21}" dt="2024-02-27T15:15:53.092" v="667" actId="14100"/>
+          <ac:cxnSpMkLst>
+            <pc:docMk/>
+            <pc:sldMk cId="2305744929" sldId="256"/>
+            <ac:cxnSpMk id="3" creationId="{61C55F86-6F97-83A4-689A-58112C96EBB3}"/>
+          </ac:cxnSpMkLst>
+        </pc:cxnChg>
         <pc:cxnChg chg="del">
           <ac:chgData name="byron dodd" userId="5f8f3b5ac755099a" providerId="LiveId" clId="{62296B02-FF6D-4E03-834C-A905267B6D21}" dt="2024-02-22T19:59:59.190" v="579" actId="478"/>
           <ac:cxnSpMkLst>
@@ -188,6 +243,14 @@
             <ac:cxnSpMk id="12" creationId="{0FBE6D39-60DA-C1F3-E478-0CDD1B6D3B62}"/>
           </ac:cxnSpMkLst>
         </pc:cxnChg>
+        <pc:cxnChg chg="add mod">
+          <ac:chgData name="byron dodd" userId="5f8f3b5ac755099a" providerId="LiveId" clId="{62296B02-FF6D-4E03-834C-A905267B6D21}" dt="2024-03-07T17:16:09.129" v="892" actId="13822"/>
+          <ac:cxnSpMkLst>
+            <pc:docMk/>
+            <pc:sldMk cId="2305744929" sldId="256"/>
+            <ac:cxnSpMk id="14" creationId="{92219C4D-1258-A929-A29B-F3E998DB10E4}"/>
+          </ac:cxnSpMkLst>
+        </pc:cxnChg>
         <pc:cxnChg chg="del mod">
           <ac:chgData name="byron dodd" userId="5f8f3b5ac755099a" providerId="LiveId" clId="{62296B02-FF6D-4E03-834C-A905267B6D21}" dt="2024-02-22T19:59:57.277" v="578" actId="478"/>
           <ac:cxnSpMkLst>
@@ -204,6 +267,22 @@
             <ac:cxnSpMk id="16" creationId="{BC2E1512-5D46-FB09-34E9-B9CC2C03C16F}"/>
           </ac:cxnSpMkLst>
         </pc:cxnChg>
+        <pc:cxnChg chg="del">
+          <ac:chgData name="byron dodd" userId="5f8f3b5ac755099a" providerId="LiveId" clId="{62296B02-FF6D-4E03-834C-A905267B6D21}" dt="2024-03-06T13:57:21.411" v="888" actId="478"/>
+          <ac:cxnSpMkLst>
+            <pc:docMk/>
+            <pc:sldMk cId="2305744929" sldId="256"/>
+            <ac:cxnSpMk id="18" creationId="{C9AF874B-05AB-42C9-801C-CEC6BF2F7387}"/>
+          </ac:cxnSpMkLst>
+        </pc:cxnChg>
+        <pc:cxnChg chg="add mod">
+          <ac:chgData name="byron dodd" userId="5f8f3b5ac755099a" providerId="LiveId" clId="{62296B02-FF6D-4E03-834C-A905267B6D21}" dt="2024-03-07T17:16:09.129" v="892" actId="13822"/>
+          <ac:cxnSpMkLst>
+            <pc:docMk/>
+            <pc:sldMk cId="2305744929" sldId="256"/>
+            <ac:cxnSpMk id="19" creationId="{C1D796CB-823C-2829-883E-D6B22E700242}"/>
+          </ac:cxnSpMkLst>
+        </pc:cxnChg>
         <pc:cxnChg chg="del mod">
           <ac:chgData name="byron dodd" userId="5f8f3b5ac755099a" providerId="LiveId" clId="{62296B02-FF6D-4E03-834C-A905267B6D21}" dt="2024-02-23T15:02:14.311" v="626" actId="478"/>
           <ac:cxnSpMkLst>
@@ -213,7 +292,7 @@
           </ac:cxnSpMkLst>
         </pc:cxnChg>
         <pc:cxnChg chg="mod">
-          <ac:chgData name="byron dodd" userId="5f8f3b5ac755099a" providerId="LiveId" clId="{62296B02-FF6D-4E03-834C-A905267B6D21}" dt="2024-02-23T15:01:44.139" v="622" actId="1076"/>
+          <ac:chgData name="byron dodd" userId="5f8f3b5ac755099a" providerId="LiveId" clId="{62296B02-FF6D-4E03-834C-A905267B6D21}" dt="2024-02-27T15:15:53.092" v="667" actId="14100"/>
           <ac:cxnSpMkLst>
             <pc:docMk/>
             <pc:sldMk cId="2305744929" sldId="256"/>
@@ -244,16 +323,16 @@
             <ac:cxnSpMk id="60" creationId="{E141D7C6-F5B5-7A76-174E-DFDE3CA96D5E}"/>
           </ac:cxnSpMkLst>
         </pc:cxnChg>
-        <pc:cxnChg chg="add mod">
-          <ac:chgData name="byron dodd" userId="5f8f3b5ac755099a" providerId="LiveId" clId="{62296B02-FF6D-4E03-834C-A905267B6D21}" dt="2024-02-23T15:06:28.826" v="637" actId="14100"/>
+        <pc:cxnChg chg="add del mod">
+          <ac:chgData name="byron dodd" userId="5f8f3b5ac755099a" providerId="LiveId" clId="{62296B02-FF6D-4E03-834C-A905267B6D21}" dt="2024-03-06T13:56:34.870" v="881" actId="478"/>
           <ac:cxnSpMkLst>
             <pc:docMk/>
             <pc:sldMk cId="2305744929" sldId="256"/>
             <ac:cxnSpMk id="62" creationId="{7C9243A8-339D-A248-29CA-132A41CDAF2F}"/>
           </ac:cxnSpMkLst>
         </pc:cxnChg>
-        <pc:cxnChg chg="add">
-          <ac:chgData name="byron dodd" userId="5f8f3b5ac755099a" providerId="LiveId" clId="{62296B02-FF6D-4E03-834C-A905267B6D21}" dt="2024-02-23T15:06:33.807" v="638" actId="11529"/>
+        <pc:cxnChg chg="add del mod">
+          <ac:chgData name="byron dodd" userId="5f8f3b5ac755099a" providerId="LiveId" clId="{62296B02-FF6D-4E03-834C-A905267B6D21}" dt="2024-03-06T13:57:09.251" v="886" actId="478"/>
           <ac:cxnSpMkLst>
             <pc:docMk/>
             <pc:sldMk cId="2305744929" sldId="256"/>
@@ -262,12 +341,20 @@
         </pc:cxnChg>
       </pc:sldChg>
       <pc:sldChg chg="addSp delSp modSp mod">
-        <pc:chgData name="byron dodd" userId="5f8f3b5ac755099a" providerId="LiveId" clId="{62296B02-FF6D-4E03-834C-A905267B6D21}" dt="2024-02-23T15:27:54.033" v="648" actId="14100"/>
+        <pc:chgData name="byron dodd" userId="5f8f3b5ac755099a" providerId="LiveId" clId="{62296B02-FF6D-4E03-834C-A905267B6D21}" dt="2024-03-11T17:52:44.114" v="946" actId="20577"/>
         <pc:sldMkLst>
           <pc:docMk/>
           <pc:sldMk cId="490602433" sldId="257"/>
         </pc:sldMkLst>
         <pc:spChg chg="mod">
+          <ac:chgData name="byron dodd" userId="5f8f3b5ac755099a" providerId="LiveId" clId="{62296B02-FF6D-4E03-834C-A905267B6D21}" dt="2024-03-11T17:52:44.114" v="946" actId="20577"/>
+          <ac:spMkLst>
+            <pc:docMk/>
+            <pc:sldMk cId="490602433" sldId="257"/>
+            <ac:spMk id="4" creationId="{A48D7CBE-5AD5-4B7E-A0AD-03646A8A1A30}"/>
+          </ac:spMkLst>
+        </pc:spChg>
+        <pc:spChg chg="mod">
           <ac:chgData name="byron dodd" userId="5f8f3b5ac755099a" providerId="LiveId" clId="{62296B02-FF6D-4E03-834C-A905267B6D21}" dt="2024-02-23T15:27:54.033" v="648" actId="14100"/>
           <ac:spMkLst>
             <pc:docMk/>
@@ -275,6 +362,22 @@
             <ac:spMk id="10" creationId="{A2A4CEA4-37D6-27EB-513D-5DB433892F9F}"/>
           </ac:spMkLst>
         </pc:spChg>
+        <pc:spChg chg="mod">
+          <ac:chgData name="byron dodd" userId="5f8f3b5ac755099a" providerId="LiveId" clId="{62296B02-FF6D-4E03-834C-A905267B6D21}" dt="2024-02-27T15:16:20.609" v="681" actId="20577"/>
+          <ac:spMkLst>
+            <pc:docMk/>
+            <pc:sldMk cId="490602433" sldId="257"/>
+            <ac:spMk id="21" creationId="{E4EDECA9-9653-07BC-C8F5-931D3D50694B}"/>
+          </ac:spMkLst>
+        </pc:spChg>
+        <pc:spChg chg="mod">
+          <ac:chgData name="byron dodd" userId="5f8f3b5ac755099a" providerId="LiveId" clId="{62296B02-FF6D-4E03-834C-A905267B6D21}" dt="2024-02-27T15:16:22.842" v="683" actId="20577"/>
+          <ac:spMkLst>
+            <pc:docMk/>
+            <pc:sldMk cId="490602433" sldId="257"/>
+            <ac:spMk id="22" creationId="{5B89A478-C26E-B97C-C729-A007003B38AB}"/>
+          </ac:spMkLst>
+        </pc:spChg>
         <pc:cxnChg chg="mod">
           <ac:chgData name="byron dodd" userId="5f8f3b5ac755099a" providerId="LiveId" clId="{62296B02-FF6D-4E03-834C-A905267B6D21}" dt="2024-02-23T15:27:54.033" v="648" actId="14100"/>
           <ac:cxnSpMkLst>
@@ -309,7 +412,7 @@
         </pc:cxnChg>
       </pc:sldChg>
       <pc:sldChg chg="addSp delSp modSp new mod">
-        <pc:chgData name="byron dodd" userId="5f8f3b5ac755099a" providerId="LiveId" clId="{62296B02-FF6D-4E03-834C-A905267B6D21}" dt="2024-02-23T16:01:35.037" v="653" actId="478"/>
+        <pc:chgData name="byron dodd" userId="5f8f3b5ac755099a" providerId="LiveId" clId="{62296B02-FF6D-4E03-834C-A905267B6D21}" dt="2024-03-11T17:53:40.980" v="962" actId="20577"/>
         <pc:sldMkLst>
           <pc:docMk/>
           <pc:sldMk cId="3978740458" sldId="258"/>
@@ -331,7 +434,7 @@
           </ac:spMkLst>
         </pc:spChg>
         <pc:spChg chg="add mod">
-          <ac:chgData name="byron dodd" userId="5f8f3b5ac755099a" providerId="LiveId" clId="{62296B02-FF6D-4E03-834C-A905267B6D21}" dt="2024-02-23T16:01:32.097" v="652" actId="20577"/>
+          <ac:chgData name="byron dodd" userId="5f8f3b5ac755099a" providerId="LiveId" clId="{62296B02-FF6D-4E03-834C-A905267B6D21}" dt="2024-03-11T17:53:40.980" v="962" actId="20577"/>
           <ac:spMkLst>
             <pc:docMk/>
             <pc:sldMk cId="3978740458" sldId="258"/>
@@ -571,13 +674,1619 @@
           </ac:cxnSpMkLst>
         </pc:cxnChg>
         <pc:cxnChg chg="add mod">
-          <ac:chgData name="byron dodd" userId="5f8f3b5ac755099a" providerId="LiveId" clId="{62296B02-FF6D-4E03-834C-A905267B6D21}" dt="2024-02-23T15:01:16.070" v="608" actId="13822"/>
+          <ac:chgData name="byron dodd" userId="5f8f3b5ac755099a" providerId="LiveId" clId="{62296B02-FF6D-4E03-834C-A905267B6D21}" dt="2024-03-07T17:36:58.409" v="897" actId="13822"/>
           <ac:cxnSpMkLst>
             <pc:docMk/>
             <pc:sldMk cId="3978740458" sldId="258"/>
             <ac:cxnSpMk id="54" creationId="{EA9CEFEF-4407-2A62-7F00-763723CE6670}"/>
           </ac:cxnSpMkLst>
         </pc:cxnChg>
+      </pc:sldChg>
+      <pc:sldChg chg="addSp delSp modSp new mod">
+        <pc:chgData name="byron dodd" userId="5f8f3b5ac755099a" providerId="LiveId" clId="{62296B02-FF6D-4E03-834C-A905267B6D21}" dt="2024-03-11T17:54:43.206" v="973" actId="20577"/>
+        <pc:sldMkLst>
+          <pc:docMk/>
+          <pc:sldMk cId="2721401281" sldId="259"/>
+        </pc:sldMkLst>
+        <pc:spChg chg="del">
+          <ac:chgData name="byron dodd" userId="5f8f3b5ac755099a" providerId="LiveId" clId="{62296B02-FF6D-4E03-834C-A905267B6D21}" dt="2024-03-01T11:02:24.129" v="686" actId="478"/>
+          <ac:spMkLst>
+            <pc:docMk/>
+            <pc:sldMk cId="2721401281" sldId="259"/>
+            <ac:spMk id="2" creationId="{2B9B6C20-54AD-1EAA-6D87-6E310BB18061}"/>
+          </ac:spMkLst>
+        </pc:spChg>
+        <pc:spChg chg="del">
+          <ac:chgData name="byron dodd" userId="5f8f3b5ac755099a" providerId="LiveId" clId="{62296B02-FF6D-4E03-834C-A905267B6D21}" dt="2024-03-01T11:02:23.505" v="685" actId="478"/>
+          <ac:spMkLst>
+            <pc:docMk/>
+            <pc:sldMk cId="2721401281" sldId="259"/>
+            <ac:spMk id="3" creationId="{B8B7FAA2-718B-AD29-65E4-EFFD57F49F92}"/>
+          </ac:spMkLst>
+        </pc:spChg>
+        <pc:spChg chg="add mod">
+          <ac:chgData name="byron dodd" userId="5f8f3b5ac755099a" providerId="LiveId" clId="{62296B02-FF6D-4E03-834C-A905267B6D21}" dt="2024-03-01T11:02:36.906" v="687"/>
+          <ac:spMkLst>
+            <pc:docMk/>
+            <pc:sldMk cId="2721401281" sldId="259"/>
+            <ac:spMk id="4" creationId="{B7CAF3BB-2E8D-CDC9-0F8A-79DC2B37F343}"/>
+          </ac:spMkLst>
+        </pc:spChg>
+        <pc:spChg chg="add mod">
+          <ac:chgData name="byron dodd" userId="5f8f3b5ac755099a" providerId="LiveId" clId="{62296B02-FF6D-4E03-834C-A905267B6D21}" dt="2024-03-01T11:02:36.906" v="687"/>
+          <ac:spMkLst>
+            <pc:docMk/>
+            <pc:sldMk cId="2721401281" sldId="259"/>
+            <ac:spMk id="5" creationId="{835FE92E-8268-6723-FA90-1A64BB331FC4}"/>
+          </ac:spMkLst>
+        </pc:spChg>
+        <pc:spChg chg="add mod">
+          <ac:chgData name="byron dodd" userId="5f8f3b5ac755099a" providerId="LiveId" clId="{62296B02-FF6D-4E03-834C-A905267B6D21}" dt="2024-03-01T11:02:36.906" v="687"/>
+          <ac:spMkLst>
+            <pc:docMk/>
+            <pc:sldMk cId="2721401281" sldId="259"/>
+            <ac:spMk id="14" creationId="{855ACD01-556E-8E7E-85BF-52429E9DD26A}"/>
+          </ac:spMkLst>
+        </pc:spChg>
+        <pc:spChg chg="add mod">
+          <ac:chgData name="byron dodd" userId="5f8f3b5ac755099a" providerId="LiveId" clId="{62296B02-FF6D-4E03-834C-A905267B6D21}" dt="2024-03-01T11:05:24.791" v="747" actId="14100"/>
+          <ac:spMkLst>
+            <pc:docMk/>
+            <pc:sldMk cId="2721401281" sldId="259"/>
+            <ac:spMk id="16" creationId="{01EC3734-0E68-F1D3-6429-CB621E6E3579}"/>
+          </ac:spMkLst>
+        </pc:spChg>
+        <pc:spChg chg="add mod">
+          <ac:chgData name="byron dodd" userId="5f8f3b5ac755099a" providerId="LiveId" clId="{62296B02-FF6D-4E03-834C-A905267B6D21}" dt="2024-03-01T11:05:22.541" v="746" actId="14100"/>
+          <ac:spMkLst>
+            <pc:docMk/>
+            <pc:sldMk cId="2721401281" sldId="259"/>
+            <ac:spMk id="17" creationId="{0CC0023F-D546-037A-7BB7-667FD9FD70D5}"/>
+          </ac:spMkLst>
+        </pc:spChg>
+        <pc:spChg chg="add del mod">
+          <ac:chgData name="byron dodd" userId="5f8f3b5ac755099a" providerId="LiveId" clId="{62296B02-FF6D-4E03-834C-A905267B6D21}" dt="2024-03-01T11:03:08.432" v="690" actId="478"/>
+          <ac:spMkLst>
+            <pc:docMk/>
+            <pc:sldMk cId="2721401281" sldId="259"/>
+            <ac:spMk id="18" creationId="{AD7AF488-B5B1-AC64-7EC9-6A118F21759C}"/>
+          </ac:spMkLst>
+        </pc:spChg>
+        <pc:spChg chg="add mod">
+          <ac:chgData name="byron dodd" userId="5f8f3b5ac755099a" providerId="LiveId" clId="{62296B02-FF6D-4E03-834C-A905267B6D21}" dt="2024-03-01T11:04:53.299" v="712" actId="20577"/>
+          <ac:spMkLst>
+            <pc:docMk/>
+            <pc:sldMk cId="2721401281" sldId="259"/>
+            <ac:spMk id="28" creationId="{C4A6F438-835D-762B-C1F2-2E37D7CD5086}"/>
+          </ac:spMkLst>
+        </pc:spChg>
+        <pc:spChg chg="add mod">
+          <ac:chgData name="byron dodd" userId="5f8f3b5ac755099a" providerId="LiveId" clId="{62296B02-FF6D-4E03-834C-A905267B6D21}" dt="2024-03-01T11:06:08.165" v="749" actId="20577"/>
+          <ac:spMkLst>
+            <pc:docMk/>
+            <pc:sldMk cId="2721401281" sldId="259"/>
+            <ac:spMk id="30" creationId="{DF45C446-EE10-B21E-1662-0B7DE3571BF9}"/>
+          </ac:spMkLst>
+        </pc:spChg>
+        <pc:spChg chg="add mod">
+          <ac:chgData name="byron dodd" userId="5f8f3b5ac755099a" providerId="LiveId" clId="{62296B02-FF6D-4E03-834C-A905267B6D21}" dt="2024-03-11T17:54:43.206" v="973" actId="20577"/>
+          <ac:spMkLst>
+            <pc:docMk/>
+            <pc:sldMk cId="2721401281" sldId="259"/>
+            <ac:spMk id="31" creationId="{BC216585-9EDB-0617-02E8-FDD012A67CE3}"/>
+          </ac:spMkLst>
+        </pc:spChg>
+        <pc:spChg chg="add mod">
+          <ac:chgData name="byron dodd" userId="5f8f3b5ac755099a" providerId="LiveId" clId="{62296B02-FF6D-4E03-834C-A905267B6D21}" dt="2024-03-01T11:23:09.089" v="799" actId="20577"/>
+          <ac:spMkLst>
+            <pc:docMk/>
+            <pc:sldMk cId="2721401281" sldId="259"/>
+            <ac:spMk id="75" creationId="{EEF414F8-D4C2-5C0B-0CFF-2796697A4298}"/>
+          </ac:spMkLst>
+        </pc:spChg>
+        <pc:spChg chg="add mod">
+          <ac:chgData name="byron dodd" userId="5f8f3b5ac755099a" providerId="LiveId" clId="{62296B02-FF6D-4E03-834C-A905267B6D21}" dt="2024-03-01T11:23:11.842" v="802" actId="20577"/>
+          <ac:spMkLst>
+            <pc:docMk/>
+            <pc:sldMk cId="2721401281" sldId="259"/>
+            <ac:spMk id="76" creationId="{57B6E2BF-5F5C-C87F-B4DB-30D2F76BC6F0}"/>
+          </ac:spMkLst>
+        </pc:spChg>
+        <pc:spChg chg="add mod">
+          <ac:chgData name="byron dodd" userId="5f8f3b5ac755099a" providerId="LiveId" clId="{62296B02-FF6D-4E03-834C-A905267B6D21}" dt="2024-03-01T11:23:15.221" v="805" actId="20577"/>
+          <ac:spMkLst>
+            <pc:docMk/>
+            <pc:sldMk cId="2721401281" sldId="259"/>
+            <ac:spMk id="78" creationId="{9161D0F8-8EAC-E67D-BBDC-9AAA82196F0C}"/>
+          </ac:spMkLst>
+        </pc:spChg>
+        <pc:spChg chg="add mod">
+          <ac:chgData name="byron dodd" userId="5f8f3b5ac755099a" providerId="LiveId" clId="{62296B02-FF6D-4E03-834C-A905267B6D21}" dt="2024-03-01T11:23:17.819" v="807" actId="20577"/>
+          <ac:spMkLst>
+            <pc:docMk/>
+            <pc:sldMk cId="2721401281" sldId="259"/>
+            <ac:spMk id="79" creationId="{1A326F35-68A3-8BE2-085F-130496EC8E72}"/>
+          </ac:spMkLst>
+        </pc:spChg>
+        <pc:cxnChg chg="add mod">
+          <ac:chgData name="byron dodd" userId="5f8f3b5ac755099a" providerId="LiveId" clId="{62296B02-FF6D-4E03-834C-A905267B6D21}" dt="2024-03-01T11:02:36.906" v="687"/>
+          <ac:cxnSpMkLst>
+            <pc:docMk/>
+            <pc:sldMk cId="2721401281" sldId="259"/>
+            <ac:cxnSpMk id="6" creationId="{F17DCB33-70D1-DB1F-D0E2-A9421663DCD1}"/>
+          </ac:cxnSpMkLst>
+        </pc:cxnChg>
+        <pc:cxnChg chg="add mod">
+          <ac:chgData name="byron dodd" userId="5f8f3b5ac755099a" providerId="LiveId" clId="{62296B02-FF6D-4E03-834C-A905267B6D21}" dt="2024-03-01T11:02:36.906" v="687"/>
+          <ac:cxnSpMkLst>
+            <pc:docMk/>
+            <pc:sldMk cId="2721401281" sldId="259"/>
+            <ac:cxnSpMk id="7" creationId="{4FE1ADE0-604A-5728-3598-16DD2F9D963D}"/>
+          </ac:cxnSpMkLst>
+        </pc:cxnChg>
+        <pc:cxnChg chg="add mod">
+          <ac:chgData name="byron dodd" userId="5f8f3b5ac755099a" providerId="LiveId" clId="{62296B02-FF6D-4E03-834C-A905267B6D21}" dt="2024-03-01T11:02:36.906" v="687"/>
+          <ac:cxnSpMkLst>
+            <pc:docMk/>
+            <pc:sldMk cId="2721401281" sldId="259"/>
+            <ac:cxnSpMk id="8" creationId="{57FA9021-1EAD-A619-99CC-EDB297209DF6}"/>
+          </ac:cxnSpMkLst>
+        </pc:cxnChg>
+        <pc:cxnChg chg="add mod">
+          <ac:chgData name="byron dodd" userId="5f8f3b5ac755099a" providerId="LiveId" clId="{62296B02-FF6D-4E03-834C-A905267B6D21}" dt="2024-03-01T11:02:36.906" v="687"/>
+          <ac:cxnSpMkLst>
+            <pc:docMk/>
+            <pc:sldMk cId="2721401281" sldId="259"/>
+            <ac:cxnSpMk id="9" creationId="{A00F08D6-6755-4F2B-B1A0-C0F0FBBF7D00}"/>
+          </ac:cxnSpMkLst>
+        </pc:cxnChg>
+        <pc:cxnChg chg="add mod">
+          <ac:chgData name="byron dodd" userId="5f8f3b5ac755099a" providerId="LiveId" clId="{62296B02-FF6D-4E03-834C-A905267B6D21}" dt="2024-03-01T11:02:36.906" v="687"/>
+          <ac:cxnSpMkLst>
+            <pc:docMk/>
+            <pc:sldMk cId="2721401281" sldId="259"/>
+            <ac:cxnSpMk id="10" creationId="{48EED57F-9EF9-80A9-4A30-1D91C824D0F4}"/>
+          </ac:cxnSpMkLst>
+        </pc:cxnChg>
+        <pc:cxnChg chg="add mod">
+          <ac:chgData name="byron dodd" userId="5f8f3b5ac755099a" providerId="LiveId" clId="{62296B02-FF6D-4E03-834C-A905267B6D21}" dt="2024-03-01T11:02:36.906" v="687"/>
+          <ac:cxnSpMkLst>
+            <pc:docMk/>
+            <pc:sldMk cId="2721401281" sldId="259"/>
+            <ac:cxnSpMk id="11" creationId="{8EE537B1-DC1D-D286-91F5-71D4424237D2}"/>
+          </ac:cxnSpMkLst>
+        </pc:cxnChg>
+        <pc:cxnChg chg="add mod">
+          <ac:chgData name="byron dodd" userId="5f8f3b5ac755099a" providerId="LiveId" clId="{62296B02-FF6D-4E03-834C-A905267B6D21}" dt="2024-03-01T11:02:36.906" v="687"/>
+          <ac:cxnSpMkLst>
+            <pc:docMk/>
+            <pc:sldMk cId="2721401281" sldId="259"/>
+            <ac:cxnSpMk id="12" creationId="{BA6DB793-976E-4BA7-FF4C-591AD3146A95}"/>
+          </ac:cxnSpMkLst>
+        </pc:cxnChg>
+        <pc:cxnChg chg="add mod">
+          <ac:chgData name="byron dodd" userId="5f8f3b5ac755099a" providerId="LiveId" clId="{62296B02-FF6D-4E03-834C-A905267B6D21}" dt="2024-03-01T11:02:36.906" v="687"/>
+          <ac:cxnSpMkLst>
+            <pc:docMk/>
+            <pc:sldMk cId="2721401281" sldId="259"/>
+            <ac:cxnSpMk id="13" creationId="{1F507910-E556-90F3-E5D3-EA13E501F53B}"/>
+          </ac:cxnSpMkLst>
+        </pc:cxnChg>
+        <pc:cxnChg chg="add mod">
+          <ac:chgData name="byron dodd" userId="5f8f3b5ac755099a" providerId="LiveId" clId="{62296B02-FF6D-4E03-834C-A905267B6D21}" dt="2024-03-01T11:02:36.906" v="687"/>
+          <ac:cxnSpMkLst>
+            <pc:docMk/>
+            <pc:sldMk cId="2721401281" sldId="259"/>
+            <ac:cxnSpMk id="15" creationId="{BE4439B8-29A0-F609-13C0-2D4C3EED65F1}"/>
+          </ac:cxnSpMkLst>
+        </pc:cxnChg>
+        <pc:cxnChg chg="add del mod">
+          <ac:chgData name="byron dodd" userId="5f8f3b5ac755099a" providerId="LiveId" clId="{62296B02-FF6D-4E03-834C-A905267B6D21}" dt="2024-03-01T11:03:02.942" v="689" actId="478"/>
+          <ac:cxnSpMkLst>
+            <pc:docMk/>
+            <pc:sldMk cId="2721401281" sldId="259"/>
+            <ac:cxnSpMk id="19" creationId="{57828DBE-3503-CAA7-2574-14373280BFF5}"/>
+          </ac:cxnSpMkLst>
+        </pc:cxnChg>
+        <pc:cxnChg chg="add del mod">
+          <ac:chgData name="byron dodd" userId="5f8f3b5ac755099a" providerId="LiveId" clId="{62296B02-FF6D-4E03-834C-A905267B6D21}" dt="2024-03-01T11:03:02.942" v="689" actId="478"/>
+          <ac:cxnSpMkLst>
+            <pc:docMk/>
+            <pc:sldMk cId="2721401281" sldId="259"/>
+            <ac:cxnSpMk id="20" creationId="{3BF9A04C-69D5-D47F-8EA7-D26F5A4BDE64}"/>
+          </ac:cxnSpMkLst>
+        </pc:cxnChg>
+        <pc:cxnChg chg="add del mod">
+          <ac:chgData name="byron dodd" userId="5f8f3b5ac755099a" providerId="LiveId" clId="{62296B02-FF6D-4E03-834C-A905267B6D21}" dt="2024-03-01T11:03:02.942" v="689" actId="478"/>
+          <ac:cxnSpMkLst>
+            <pc:docMk/>
+            <pc:sldMk cId="2721401281" sldId="259"/>
+            <ac:cxnSpMk id="21" creationId="{425C3036-DFE2-3B7D-B488-F315B1FD4AC5}"/>
+          </ac:cxnSpMkLst>
+        </pc:cxnChg>
+        <pc:cxnChg chg="add del mod">
+          <ac:chgData name="byron dodd" userId="5f8f3b5ac755099a" providerId="LiveId" clId="{62296B02-FF6D-4E03-834C-A905267B6D21}" dt="2024-03-01T11:03:02.942" v="689" actId="478"/>
+          <ac:cxnSpMkLst>
+            <pc:docMk/>
+            <pc:sldMk cId="2721401281" sldId="259"/>
+            <ac:cxnSpMk id="22" creationId="{673FD8B6-1104-A20A-C3C8-7ACEE6B0A44D}"/>
+          </ac:cxnSpMkLst>
+        </pc:cxnChg>
+        <pc:cxnChg chg="add del mod">
+          <ac:chgData name="byron dodd" userId="5f8f3b5ac755099a" providerId="LiveId" clId="{62296B02-FF6D-4E03-834C-A905267B6D21}" dt="2024-03-01T11:03:02.942" v="689" actId="478"/>
+          <ac:cxnSpMkLst>
+            <pc:docMk/>
+            <pc:sldMk cId="2721401281" sldId="259"/>
+            <ac:cxnSpMk id="23" creationId="{21993224-E8D2-1D67-057E-48C35EDA256D}"/>
+          </ac:cxnSpMkLst>
+        </pc:cxnChg>
+        <pc:cxnChg chg="add del mod">
+          <ac:chgData name="byron dodd" userId="5f8f3b5ac755099a" providerId="LiveId" clId="{62296B02-FF6D-4E03-834C-A905267B6D21}" dt="2024-03-01T11:03:02.942" v="689" actId="478"/>
+          <ac:cxnSpMkLst>
+            <pc:docMk/>
+            <pc:sldMk cId="2721401281" sldId="259"/>
+            <ac:cxnSpMk id="24" creationId="{AD440956-79E3-6966-3299-5829C19C3C83}"/>
+          </ac:cxnSpMkLst>
+        </pc:cxnChg>
+        <pc:cxnChg chg="add del mod">
+          <ac:chgData name="byron dodd" userId="5f8f3b5ac755099a" providerId="LiveId" clId="{62296B02-FF6D-4E03-834C-A905267B6D21}" dt="2024-03-01T11:03:02.942" v="689" actId="478"/>
+          <ac:cxnSpMkLst>
+            <pc:docMk/>
+            <pc:sldMk cId="2721401281" sldId="259"/>
+            <ac:cxnSpMk id="25" creationId="{D7DD17D7-D8AC-3846-9551-5433E5B3681C}"/>
+          </ac:cxnSpMkLst>
+        </pc:cxnChg>
+        <pc:cxnChg chg="add del mod">
+          <ac:chgData name="byron dodd" userId="5f8f3b5ac755099a" providerId="LiveId" clId="{62296B02-FF6D-4E03-834C-A905267B6D21}" dt="2024-03-01T11:03:02.942" v="689" actId="478"/>
+          <ac:cxnSpMkLst>
+            <pc:docMk/>
+            <pc:sldMk cId="2721401281" sldId="259"/>
+            <ac:cxnSpMk id="26" creationId="{579E527F-69AE-FA63-04EF-3ADF7B81110F}"/>
+          </ac:cxnSpMkLst>
+        </pc:cxnChg>
+        <pc:cxnChg chg="add del mod">
+          <ac:chgData name="byron dodd" userId="5f8f3b5ac755099a" providerId="LiveId" clId="{62296B02-FF6D-4E03-834C-A905267B6D21}" dt="2024-03-01T11:03:02.942" v="689" actId="478"/>
+          <ac:cxnSpMkLst>
+            <pc:docMk/>
+            <pc:sldMk cId="2721401281" sldId="259"/>
+            <ac:cxnSpMk id="27" creationId="{A8A38E02-C8AB-4764-C2A3-5FA72CEA08D5}"/>
+          </ac:cxnSpMkLst>
+        </pc:cxnChg>
+        <pc:cxnChg chg="add del mod">
+          <ac:chgData name="byron dodd" userId="5f8f3b5ac755099a" providerId="LiveId" clId="{62296B02-FF6D-4E03-834C-A905267B6D21}" dt="2024-03-01T11:03:02.942" v="689" actId="478"/>
+          <ac:cxnSpMkLst>
+            <pc:docMk/>
+            <pc:sldMk cId="2721401281" sldId="259"/>
+            <ac:cxnSpMk id="29" creationId="{432D3B93-237D-3174-7941-BC475780171B}"/>
+          </ac:cxnSpMkLst>
+        </pc:cxnChg>
+        <pc:cxnChg chg="add">
+          <ac:chgData name="byron dodd" userId="5f8f3b5ac755099a" providerId="LiveId" clId="{62296B02-FF6D-4E03-834C-A905267B6D21}" dt="2024-03-01T11:06:23.231" v="750" actId="11529"/>
+          <ac:cxnSpMkLst>
+            <pc:docMk/>
+            <pc:sldMk cId="2721401281" sldId="259"/>
+            <ac:cxnSpMk id="33" creationId="{12B96AFA-2AE5-4904-DA74-C7A235CDBE7C}"/>
+          </ac:cxnSpMkLst>
+        </pc:cxnChg>
+        <pc:cxnChg chg="add mod">
+          <ac:chgData name="byron dodd" userId="5f8f3b5ac755099a" providerId="LiveId" clId="{62296B02-FF6D-4E03-834C-A905267B6D21}" dt="2024-03-01T11:06:27.156" v="752" actId="1076"/>
+          <ac:cxnSpMkLst>
+            <pc:docMk/>
+            <pc:sldMk cId="2721401281" sldId="259"/>
+            <ac:cxnSpMk id="34" creationId="{F344EA75-3C6B-A2F7-3063-C0A2308D1C99}"/>
+          </ac:cxnSpMkLst>
+        </pc:cxnChg>
+        <pc:cxnChg chg="add mod">
+          <ac:chgData name="byron dodd" userId="5f8f3b5ac755099a" providerId="LiveId" clId="{62296B02-FF6D-4E03-834C-A905267B6D21}" dt="2024-03-01T11:06:35.062" v="754" actId="1076"/>
+          <ac:cxnSpMkLst>
+            <pc:docMk/>
+            <pc:sldMk cId="2721401281" sldId="259"/>
+            <ac:cxnSpMk id="35" creationId="{E2467746-3BD7-8C6B-96C8-F5075F67AA48}"/>
+          </ac:cxnSpMkLst>
+        </pc:cxnChg>
+        <pc:cxnChg chg="add">
+          <ac:chgData name="byron dodd" userId="5f8f3b5ac755099a" providerId="LiveId" clId="{62296B02-FF6D-4E03-834C-A905267B6D21}" dt="2024-03-01T11:06:42.288" v="755" actId="11529"/>
+          <ac:cxnSpMkLst>
+            <pc:docMk/>
+            <pc:sldMk cId="2721401281" sldId="259"/>
+            <ac:cxnSpMk id="37" creationId="{0ED43509-FDF0-B1D9-74DD-7AF0E19DC2FD}"/>
+          </ac:cxnSpMkLst>
+        </pc:cxnChg>
+        <pc:cxnChg chg="add mod">
+          <ac:chgData name="byron dodd" userId="5f8f3b5ac755099a" providerId="LiveId" clId="{62296B02-FF6D-4E03-834C-A905267B6D21}" dt="2024-03-01T11:06:46.536" v="757" actId="1076"/>
+          <ac:cxnSpMkLst>
+            <pc:docMk/>
+            <pc:sldMk cId="2721401281" sldId="259"/>
+            <ac:cxnSpMk id="38" creationId="{583BFD43-9164-F860-D542-C1303CDC349F}"/>
+          </ac:cxnSpMkLst>
+        </pc:cxnChg>
+        <pc:cxnChg chg="add mod">
+          <ac:chgData name="byron dodd" userId="5f8f3b5ac755099a" providerId="LiveId" clId="{62296B02-FF6D-4E03-834C-A905267B6D21}" dt="2024-03-01T11:06:49.599" v="759" actId="1076"/>
+          <ac:cxnSpMkLst>
+            <pc:docMk/>
+            <pc:sldMk cId="2721401281" sldId="259"/>
+            <ac:cxnSpMk id="39" creationId="{B7FEC19E-E9E3-1F6C-5079-84EFD611040D}"/>
+          </ac:cxnSpMkLst>
+        </pc:cxnChg>
+        <pc:cxnChg chg="add">
+          <ac:chgData name="byron dodd" userId="5f8f3b5ac755099a" providerId="LiveId" clId="{62296B02-FF6D-4E03-834C-A905267B6D21}" dt="2024-03-01T11:07:11.122" v="760" actId="11529"/>
+          <ac:cxnSpMkLst>
+            <pc:docMk/>
+            <pc:sldMk cId="2721401281" sldId="259"/>
+            <ac:cxnSpMk id="41" creationId="{477B52F5-040A-7169-C38D-141C085457A1}"/>
+          </ac:cxnSpMkLst>
+        </pc:cxnChg>
+        <pc:cxnChg chg="add del">
+          <ac:chgData name="byron dodd" userId="5f8f3b5ac755099a" providerId="LiveId" clId="{62296B02-FF6D-4E03-834C-A905267B6D21}" dt="2024-03-01T11:07:34.019" v="764" actId="478"/>
+          <ac:cxnSpMkLst>
+            <pc:docMk/>
+            <pc:sldMk cId="2721401281" sldId="259"/>
+            <ac:cxnSpMk id="43" creationId="{C921B206-12D0-9237-1087-7662CC4A0C3D}"/>
+          </ac:cxnSpMkLst>
+        </pc:cxnChg>
+        <pc:cxnChg chg="add del">
+          <ac:chgData name="byron dodd" userId="5f8f3b5ac755099a" providerId="LiveId" clId="{62296B02-FF6D-4E03-834C-A905267B6D21}" dt="2024-03-01T11:07:29.166" v="763" actId="478"/>
+          <ac:cxnSpMkLst>
+            <pc:docMk/>
+            <pc:sldMk cId="2721401281" sldId="259"/>
+            <ac:cxnSpMk id="45" creationId="{68BC1C8A-7F29-F929-AE4B-854FC4FE3B7D}"/>
+          </ac:cxnSpMkLst>
+        </pc:cxnChg>
+        <pc:cxnChg chg="add">
+          <ac:chgData name="byron dodd" userId="5f8f3b5ac755099a" providerId="LiveId" clId="{62296B02-FF6D-4E03-834C-A905267B6D21}" dt="2024-03-01T11:07:40.289" v="765" actId="11529"/>
+          <ac:cxnSpMkLst>
+            <pc:docMk/>
+            <pc:sldMk cId="2721401281" sldId="259"/>
+            <ac:cxnSpMk id="47" creationId="{A90A89CB-3ED4-218C-D4FD-01778238A75F}"/>
+          </ac:cxnSpMkLst>
+        </pc:cxnChg>
+        <pc:cxnChg chg="add">
+          <ac:chgData name="byron dodd" userId="5f8f3b5ac755099a" providerId="LiveId" clId="{62296B02-FF6D-4E03-834C-A905267B6D21}" dt="2024-03-01T11:07:46.150" v="766" actId="11529"/>
+          <ac:cxnSpMkLst>
+            <pc:docMk/>
+            <pc:sldMk cId="2721401281" sldId="259"/>
+            <ac:cxnSpMk id="49" creationId="{30CA707A-6079-BB54-F86F-CE4CF4A39C08}"/>
+          </ac:cxnSpMkLst>
+        </pc:cxnChg>
+        <pc:cxnChg chg="add">
+          <ac:chgData name="byron dodd" userId="5f8f3b5ac755099a" providerId="LiveId" clId="{62296B02-FF6D-4E03-834C-A905267B6D21}" dt="2024-03-01T11:08:03.940" v="767" actId="11529"/>
+          <ac:cxnSpMkLst>
+            <pc:docMk/>
+            <pc:sldMk cId="2721401281" sldId="259"/>
+            <ac:cxnSpMk id="51" creationId="{435CA067-DBAE-592E-5CF9-FFC4F1CD7623}"/>
+          </ac:cxnSpMkLst>
+        </pc:cxnChg>
+        <pc:cxnChg chg="add mod">
+          <ac:chgData name="byron dodd" userId="5f8f3b5ac755099a" providerId="LiveId" clId="{62296B02-FF6D-4E03-834C-A905267B6D21}" dt="2024-03-01T11:08:28.989" v="770" actId="14100"/>
+          <ac:cxnSpMkLst>
+            <pc:docMk/>
+            <pc:sldMk cId="2721401281" sldId="259"/>
+            <ac:cxnSpMk id="53" creationId="{A5516800-68D0-D668-FA0C-FE7CCF44FC1E}"/>
+          </ac:cxnSpMkLst>
+        </pc:cxnChg>
+        <pc:cxnChg chg="add">
+          <ac:chgData name="byron dodd" userId="5f8f3b5ac755099a" providerId="LiveId" clId="{62296B02-FF6D-4E03-834C-A905267B6D21}" dt="2024-03-01T11:08:25.557" v="769" actId="11529"/>
+          <ac:cxnSpMkLst>
+            <pc:docMk/>
+            <pc:sldMk cId="2721401281" sldId="259"/>
+            <ac:cxnSpMk id="55" creationId="{E489BEC4-5F3C-7629-6F5F-BA695B88CF76}"/>
+          </ac:cxnSpMkLst>
+        </pc:cxnChg>
+        <pc:cxnChg chg="add del mod">
+          <ac:chgData name="byron dodd" userId="5f8f3b5ac755099a" providerId="LiveId" clId="{62296B02-FF6D-4E03-834C-A905267B6D21}" dt="2024-03-01T11:08:49.011" v="773" actId="478"/>
+          <ac:cxnSpMkLst>
+            <pc:docMk/>
+            <pc:sldMk cId="2721401281" sldId="259"/>
+            <ac:cxnSpMk id="58" creationId="{5B1B95D1-44B9-FDE1-4BF4-643B330CF278}"/>
+          </ac:cxnSpMkLst>
+        </pc:cxnChg>
+        <pc:cxnChg chg="add mod">
+          <ac:chgData name="byron dodd" userId="5f8f3b5ac755099a" providerId="LiveId" clId="{62296B02-FF6D-4E03-834C-A905267B6D21}" dt="2024-03-01T11:09:12.237" v="777" actId="14100"/>
+          <ac:cxnSpMkLst>
+            <pc:docMk/>
+            <pc:sldMk cId="2721401281" sldId="259"/>
+            <ac:cxnSpMk id="61" creationId="{B98AE542-EE85-49C5-0F59-DBD18C697D1B}"/>
+          </ac:cxnSpMkLst>
+        </pc:cxnChg>
+        <pc:cxnChg chg="add del">
+          <ac:chgData name="byron dodd" userId="5f8f3b5ac755099a" providerId="LiveId" clId="{62296B02-FF6D-4E03-834C-A905267B6D21}" dt="2024-03-01T11:09:08.160" v="776" actId="478"/>
+          <ac:cxnSpMkLst>
+            <pc:docMk/>
+            <pc:sldMk cId="2721401281" sldId="259"/>
+            <ac:cxnSpMk id="63" creationId="{76081FE0-AFBC-0602-A7DA-5BC2031DD01A}"/>
+          </ac:cxnSpMkLst>
+        </pc:cxnChg>
+        <pc:cxnChg chg="add">
+          <ac:chgData name="byron dodd" userId="5f8f3b5ac755099a" providerId="LiveId" clId="{62296B02-FF6D-4E03-834C-A905267B6D21}" dt="2024-03-01T11:09:16.281" v="778" actId="11529"/>
+          <ac:cxnSpMkLst>
+            <pc:docMk/>
+            <pc:sldMk cId="2721401281" sldId="259"/>
+            <ac:cxnSpMk id="66" creationId="{D4C9ABA6-66CB-0BD9-3BA1-C32465153229}"/>
+          </ac:cxnSpMkLst>
+        </pc:cxnChg>
+        <pc:cxnChg chg="add del mod">
+          <ac:chgData name="byron dodd" userId="5f8f3b5ac755099a" providerId="LiveId" clId="{62296B02-FF6D-4E03-834C-A905267B6D21}" dt="2024-03-01T11:09:47.080" v="783" actId="478"/>
+          <ac:cxnSpMkLst>
+            <pc:docMk/>
+            <pc:sldMk cId="2721401281" sldId="259"/>
+            <ac:cxnSpMk id="67" creationId="{35EDDA85-8879-1D48-0DD8-F8B0D8D43E20}"/>
+          </ac:cxnSpMkLst>
+        </pc:cxnChg>
+        <pc:cxnChg chg="add del mod">
+          <ac:chgData name="byron dodd" userId="5f8f3b5ac755099a" providerId="LiveId" clId="{62296B02-FF6D-4E03-834C-A905267B6D21}" dt="2024-03-01T11:09:43.556" v="782" actId="478"/>
+          <ac:cxnSpMkLst>
+            <pc:docMk/>
+            <pc:sldMk cId="2721401281" sldId="259"/>
+            <ac:cxnSpMk id="68" creationId="{55D9A1C0-4C3B-8317-0825-CE22AFF67424}"/>
+          </ac:cxnSpMkLst>
+        </pc:cxnChg>
+        <pc:cxnChg chg="add">
+          <ac:chgData name="byron dodd" userId="5f8f3b5ac755099a" providerId="LiveId" clId="{62296B02-FF6D-4E03-834C-A905267B6D21}" dt="2024-03-01T11:09:55.190" v="784" actId="11529"/>
+          <ac:cxnSpMkLst>
+            <pc:docMk/>
+            <pc:sldMk cId="2721401281" sldId="259"/>
+            <ac:cxnSpMk id="70" creationId="{B7BF56AF-2A8A-6685-2CF8-9D15B02D7F53}"/>
+          </ac:cxnSpMkLst>
+        </pc:cxnChg>
+        <pc:cxnChg chg="add mod">
+          <ac:chgData name="byron dodd" userId="5f8f3b5ac755099a" providerId="LiveId" clId="{62296B02-FF6D-4E03-834C-A905267B6D21}" dt="2024-03-01T11:10:06.782" v="787" actId="14100"/>
+          <ac:cxnSpMkLst>
+            <pc:docMk/>
+            <pc:sldMk cId="2721401281" sldId="259"/>
+            <ac:cxnSpMk id="72" creationId="{EE32DE65-ABF8-3BF1-2B69-486AABEE9CE1}"/>
+          </ac:cxnSpMkLst>
+        </pc:cxnChg>
+        <pc:cxnChg chg="add mod">
+          <ac:chgData name="byron dodd" userId="5f8f3b5ac755099a" providerId="LiveId" clId="{62296B02-FF6D-4E03-834C-A905267B6D21}" dt="2024-03-01T11:22:59.520" v="789" actId="1076"/>
+          <ac:cxnSpMkLst>
+            <pc:docMk/>
+            <pc:sldMk cId="2721401281" sldId="259"/>
+            <ac:cxnSpMk id="77" creationId="{CBD9B6E7-A44E-ABFB-2068-2CDB6EC2F6EC}"/>
+          </ac:cxnSpMkLst>
+        </pc:cxnChg>
+        <pc:cxnChg chg="add mod">
+          <ac:chgData name="byron dodd" userId="5f8f3b5ac755099a" providerId="LiveId" clId="{62296B02-FF6D-4E03-834C-A905267B6D21}" dt="2024-03-01T11:23:03.329" v="791" actId="1076"/>
+          <ac:cxnSpMkLst>
+            <pc:docMk/>
+            <pc:sldMk cId="2721401281" sldId="259"/>
+            <ac:cxnSpMk id="80" creationId="{C7CB16BF-DB75-4CD2-ACB0-E8250BE955C3}"/>
+          </ac:cxnSpMkLst>
+        </pc:cxnChg>
+      </pc:sldChg>
+      <pc:sldChg chg="addSp delSp modSp add mod">
+        <pc:chgData name="byron dodd" userId="5f8f3b5ac755099a" providerId="LiveId" clId="{62296B02-FF6D-4E03-834C-A905267B6D21}" dt="2024-03-11T18:59:18.241" v="1025" actId="14100"/>
+        <pc:sldMkLst>
+          <pc:docMk/>
+          <pc:sldMk cId="559934091" sldId="260"/>
+        </pc:sldMkLst>
+        <pc:spChg chg="add mod">
+          <ac:chgData name="byron dodd" userId="5f8f3b5ac755099a" providerId="LiveId" clId="{62296B02-FF6D-4E03-834C-A905267B6D21}" dt="2024-03-11T18:35:20.424" v="988" actId="20577"/>
+          <ac:spMkLst>
+            <pc:docMk/>
+            <pc:sldMk cId="559934091" sldId="260"/>
+            <ac:spMk id="2" creationId="{51174590-1E45-1F7F-6586-C09927B4A971}"/>
+          </ac:spMkLst>
+        </pc:spChg>
+        <pc:spChg chg="add mod">
+          <ac:chgData name="byron dodd" userId="5f8f3b5ac755099a" providerId="LiveId" clId="{62296B02-FF6D-4E03-834C-A905267B6D21}" dt="2024-03-11T18:36:56.520" v="1001" actId="20577"/>
+          <ac:spMkLst>
+            <pc:docMk/>
+            <pc:sldMk cId="559934091" sldId="260"/>
+            <ac:spMk id="11" creationId="{D38AB345-9E23-6F6A-7E35-FEBF688B78AD}"/>
+          </ac:spMkLst>
+        </pc:spChg>
+        <pc:spChg chg="add mod">
+          <ac:chgData name="byron dodd" userId="5f8f3b5ac755099a" providerId="LiveId" clId="{62296B02-FF6D-4E03-834C-A905267B6D21}" dt="2024-03-11T18:37:06.261" v="1006" actId="20577"/>
+          <ac:spMkLst>
+            <pc:docMk/>
+            <pc:sldMk cId="559934091" sldId="260"/>
+            <ac:spMk id="14" creationId="{F69D3F75-28C3-3D3D-E2D1-32E4C2DD07CD}"/>
+          </ac:spMkLst>
+        </pc:spChg>
+        <pc:spChg chg="mod">
+          <ac:chgData name="byron dodd" userId="5f8f3b5ac755099a" providerId="LiveId" clId="{62296B02-FF6D-4E03-834C-A905267B6D21}" dt="2024-03-01T16:29:33.577" v="838" actId="20577"/>
+          <ac:spMkLst>
+            <pc:docMk/>
+            <pc:sldMk cId="559934091" sldId="260"/>
+            <ac:spMk id="17" creationId="{0CC0023F-D546-037A-7BB7-667FD9FD70D5}"/>
+          </ac:spMkLst>
+        </pc:spChg>
+        <pc:spChg chg="mod">
+          <ac:chgData name="byron dodd" userId="5f8f3b5ac755099a" providerId="LiveId" clId="{62296B02-FF6D-4E03-834C-A905267B6D21}" dt="2024-03-01T16:32:55.070" v="857" actId="20577"/>
+          <ac:spMkLst>
+            <pc:docMk/>
+            <pc:sldMk cId="559934091" sldId="260"/>
+            <ac:spMk id="28" creationId="{C4A6F438-835D-762B-C1F2-2E37D7CD5086}"/>
+          </ac:spMkLst>
+        </pc:spChg>
+        <pc:spChg chg="mod">
+          <ac:chgData name="byron dodd" userId="5f8f3b5ac755099a" providerId="LiveId" clId="{62296B02-FF6D-4E03-834C-A905267B6D21}" dt="2024-03-01T16:29:42.774" v="847" actId="20577"/>
+          <ac:spMkLst>
+            <pc:docMk/>
+            <pc:sldMk cId="559934091" sldId="260"/>
+            <ac:spMk id="30" creationId="{DF45C446-EE10-B21E-1662-0B7DE3571BF9}"/>
+          </ac:spMkLst>
+        </pc:spChg>
+        <pc:spChg chg="mod">
+          <ac:chgData name="byron dodd" userId="5f8f3b5ac755099a" providerId="LiveId" clId="{62296B02-FF6D-4E03-834C-A905267B6D21}" dt="2024-03-11T18:16:51.607" v="983" actId="20577"/>
+          <ac:spMkLst>
+            <pc:docMk/>
+            <pc:sldMk cId="559934091" sldId="260"/>
+            <ac:spMk id="31" creationId="{BC216585-9EDB-0617-02E8-FDD012A67CE3}"/>
+          </ac:spMkLst>
+        </pc:spChg>
+        <pc:spChg chg="del">
+          <ac:chgData name="byron dodd" userId="5f8f3b5ac755099a" providerId="LiveId" clId="{62296B02-FF6D-4E03-834C-A905267B6D21}" dt="2024-03-01T16:28:23.703" v="814" actId="478"/>
+          <ac:spMkLst>
+            <pc:docMk/>
+            <pc:sldMk cId="559934091" sldId="260"/>
+            <ac:spMk id="75" creationId="{EEF414F8-D4C2-5C0B-0CFF-2796697A4298}"/>
+          </ac:spMkLst>
+        </pc:spChg>
+        <pc:spChg chg="del">
+          <ac:chgData name="byron dodd" userId="5f8f3b5ac755099a" providerId="LiveId" clId="{62296B02-FF6D-4E03-834C-A905267B6D21}" dt="2024-03-01T16:28:23.703" v="814" actId="478"/>
+          <ac:spMkLst>
+            <pc:docMk/>
+            <pc:sldMk cId="559934091" sldId="260"/>
+            <ac:spMk id="76" creationId="{57B6E2BF-5F5C-C87F-B4DB-30D2F76BC6F0}"/>
+          </ac:spMkLst>
+        </pc:spChg>
+        <pc:spChg chg="del">
+          <ac:chgData name="byron dodd" userId="5f8f3b5ac755099a" providerId="LiveId" clId="{62296B02-FF6D-4E03-834C-A905267B6D21}" dt="2024-03-01T16:28:23.703" v="814" actId="478"/>
+          <ac:spMkLst>
+            <pc:docMk/>
+            <pc:sldMk cId="559934091" sldId="260"/>
+            <ac:spMk id="78" creationId="{9161D0F8-8EAC-E67D-BBDC-9AAA82196F0C}"/>
+          </ac:spMkLst>
+        </pc:spChg>
+        <pc:spChg chg="del">
+          <ac:chgData name="byron dodd" userId="5f8f3b5ac755099a" providerId="LiveId" clId="{62296B02-FF6D-4E03-834C-A905267B6D21}" dt="2024-03-01T16:28:23.703" v="814" actId="478"/>
+          <ac:spMkLst>
+            <pc:docMk/>
+            <pc:sldMk cId="559934091" sldId="260"/>
+            <ac:spMk id="79" creationId="{1A326F35-68A3-8BE2-085F-130496EC8E72}"/>
+          </ac:spMkLst>
+        </pc:spChg>
+        <pc:cxnChg chg="add">
+          <ac:chgData name="byron dodd" userId="5f8f3b5ac755099a" providerId="LiveId" clId="{62296B02-FF6D-4E03-834C-A905267B6D21}" dt="2024-03-01T16:30:50.850" v="848" actId="11529"/>
+          <ac:cxnSpMkLst>
+            <pc:docMk/>
+            <pc:sldMk cId="559934091" sldId="260"/>
+            <ac:cxnSpMk id="3" creationId="{D7CCDBD8-288E-99CA-BFFB-F6E19CBAA33F}"/>
+          </ac:cxnSpMkLst>
+        </pc:cxnChg>
+        <pc:cxnChg chg="add mod">
+          <ac:chgData name="byron dodd" userId="5f8f3b5ac755099a" providerId="LiveId" clId="{62296B02-FF6D-4E03-834C-A905267B6D21}" dt="2024-03-11T18:59:18.241" v="1025" actId="14100"/>
+          <ac:cxnSpMkLst>
+            <pc:docMk/>
+            <pc:sldMk cId="559934091" sldId="260"/>
+            <ac:cxnSpMk id="4" creationId="{BD507C62-BD1F-ECD9-EF42-FC267F6546F9}"/>
+          </ac:cxnSpMkLst>
+        </pc:cxnChg>
+        <pc:cxnChg chg="add">
+          <ac:chgData name="byron dodd" userId="5f8f3b5ac755099a" providerId="LiveId" clId="{62296B02-FF6D-4E03-834C-A905267B6D21}" dt="2024-03-01T16:31:05.873" v="849" actId="11529"/>
+          <ac:cxnSpMkLst>
+            <pc:docMk/>
+            <pc:sldMk cId="559934091" sldId="260"/>
+            <ac:cxnSpMk id="5" creationId="{437E0203-95B0-4651-D490-D2B4C5CC5D8C}"/>
+          </ac:cxnSpMkLst>
+        </pc:cxnChg>
+        <pc:cxnChg chg="add mod">
+          <ac:chgData name="byron dodd" userId="5f8f3b5ac755099a" providerId="LiveId" clId="{62296B02-FF6D-4E03-834C-A905267B6D21}" dt="2024-03-01T16:31:12.800" v="852" actId="14100"/>
+          <ac:cxnSpMkLst>
+            <pc:docMk/>
+            <pc:sldMk cId="559934091" sldId="260"/>
+            <ac:cxnSpMk id="6" creationId="{2EB2C06C-0038-0CCE-0D30-29E5C87A845B}"/>
+          </ac:cxnSpMkLst>
+        </pc:cxnChg>
+        <pc:cxnChg chg="add mod">
+          <ac:chgData name="byron dodd" userId="5f8f3b5ac755099a" providerId="LiveId" clId="{62296B02-FF6D-4E03-834C-A905267B6D21}" dt="2024-03-11T18:59:14.810" v="1024" actId="14100"/>
+          <ac:cxnSpMkLst>
+            <pc:docMk/>
+            <pc:sldMk cId="559934091" sldId="260"/>
+            <ac:cxnSpMk id="8" creationId="{5C76AC0D-B5A8-DB80-671D-9BE4FA51ECF3}"/>
+          </ac:cxnSpMkLst>
+        </pc:cxnChg>
+        <pc:cxnChg chg="add mod">
+          <ac:chgData name="byron dodd" userId="5f8f3b5ac755099a" providerId="LiveId" clId="{62296B02-FF6D-4E03-834C-A905267B6D21}" dt="2024-03-01T16:31:28.516" v="855" actId="14100"/>
+          <ac:cxnSpMkLst>
+            <pc:docMk/>
+            <pc:sldMk cId="559934091" sldId="260"/>
+            <ac:cxnSpMk id="9" creationId="{1106B00C-B2E2-B094-6B82-5EBF4DE7ACEB}"/>
+          </ac:cxnSpMkLst>
+        </pc:cxnChg>
+        <pc:cxnChg chg="add mod">
+          <ac:chgData name="byron dodd" userId="5f8f3b5ac755099a" providerId="LiveId" clId="{62296B02-FF6D-4E03-834C-A905267B6D21}" dt="2024-03-01T16:33:22.939" v="862" actId="14100"/>
+          <ac:cxnSpMkLst>
+            <pc:docMk/>
+            <pc:sldMk cId="559934091" sldId="260"/>
+            <ac:cxnSpMk id="12" creationId="{B9264382-3AE0-7565-8392-4074A51E9524}"/>
+          </ac:cxnSpMkLst>
+        </pc:cxnChg>
+        <pc:cxnChg chg="add mod">
+          <ac:chgData name="byron dodd" userId="5f8f3b5ac755099a" providerId="LiveId" clId="{62296B02-FF6D-4E03-834C-A905267B6D21}" dt="2024-03-07T17:36:38.286" v="896" actId="13822"/>
+          <ac:cxnSpMkLst>
+            <pc:docMk/>
+            <pc:sldMk cId="559934091" sldId="260"/>
+            <ac:cxnSpMk id="13" creationId="{9463AFE4-2171-885E-59F7-4785BDAE7CE6}"/>
+          </ac:cxnSpMkLst>
+        </pc:cxnChg>
+        <pc:cxnChg chg="add mod">
+          <ac:chgData name="byron dodd" userId="5f8f3b5ac755099a" providerId="LiveId" clId="{62296B02-FF6D-4E03-834C-A905267B6D21}" dt="2024-03-11T18:59:14.463" v="1023" actId="14100"/>
+          <ac:cxnSpMkLst>
+            <pc:docMk/>
+            <pc:sldMk cId="559934091" sldId="260"/>
+            <ac:cxnSpMk id="15" creationId="{35DB7D8C-13FA-B5B6-11B0-0909E3C60CFC}"/>
+          </ac:cxnSpMkLst>
+        </pc:cxnChg>
+        <pc:cxnChg chg="add mod">
+          <ac:chgData name="byron dodd" userId="5f8f3b5ac755099a" providerId="LiveId" clId="{62296B02-FF6D-4E03-834C-A905267B6D21}" dt="2024-03-11T18:38:47.577" v="1013" actId="14100"/>
+          <ac:cxnSpMkLst>
+            <pc:docMk/>
+            <pc:sldMk cId="559934091" sldId="260"/>
+            <ac:cxnSpMk id="19" creationId="{7E792D36-18C4-FD75-BBF9-D50F74895A24}"/>
+          </ac:cxnSpMkLst>
+        </pc:cxnChg>
+        <pc:cxnChg chg="add">
+          <ac:chgData name="byron dodd" userId="5f8f3b5ac755099a" providerId="LiveId" clId="{62296B02-FF6D-4E03-834C-A905267B6D21}" dt="2024-03-01T16:33:38.567" v="863" actId="11529"/>
+          <ac:cxnSpMkLst>
+            <pc:docMk/>
+            <pc:sldMk cId="559934091" sldId="260"/>
+            <ac:cxnSpMk id="20" creationId="{7A7F22AC-2AB4-F4DB-FBA5-40B2473D6153}"/>
+          </ac:cxnSpMkLst>
+        </pc:cxnChg>
+        <pc:cxnChg chg="add mod">
+          <ac:chgData name="byron dodd" userId="5f8f3b5ac755099a" providerId="LiveId" clId="{62296B02-FF6D-4E03-834C-A905267B6D21}" dt="2024-03-01T16:33:49.545" v="867" actId="14100"/>
+          <ac:cxnSpMkLst>
+            <pc:docMk/>
+            <pc:sldMk cId="559934091" sldId="260"/>
+            <ac:cxnSpMk id="21" creationId="{5C7B4657-754D-2990-2C45-6BDD329A6EC4}"/>
+          </ac:cxnSpMkLst>
+        </pc:cxnChg>
+        <pc:cxnChg chg="add mod">
+          <ac:chgData name="byron dodd" userId="5f8f3b5ac755099a" providerId="LiveId" clId="{62296B02-FF6D-4E03-834C-A905267B6D21}" dt="2024-03-07T17:36:34.761" v="895" actId="13822"/>
+          <ac:cxnSpMkLst>
+            <pc:docMk/>
+            <pc:sldMk cId="559934091" sldId="260"/>
+            <ac:cxnSpMk id="25" creationId="{8E8DEEE3-A4BE-A016-D6BA-3C2F2C09BF89}"/>
+          </ac:cxnSpMkLst>
+        </pc:cxnChg>
+        <pc:cxnChg chg="add del mod">
+          <ac:chgData name="byron dodd" userId="5f8f3b5ac755099a" providerId="LiveId" clId="{62296B02-FF6D-4E03-834C-A905267B6D21}" dt="2024-03-11T18:52:56.074" v="1015" actId="478"/>
+          <ac:cxnSpMkLst>
+            <pc:docMk/>
+            <pc:sldMk cId="559934091" sldId="260"/>
+            <ac:cxnSpMk id="27" creationId="{247D9019-DAF9-5234-E708-C76D0F378251}"/>
+          </ac:cxnSpMkLst>
+        </pc:cxnChg>
+        <pc:cxnChg chg="add del mod">
+          <ac:chgData name="byron dodd" userId="5f8f3b5ac755099a" providerId="LiveId" clId="{62296B02-FF6D-4E03-834C-A905267B6D21}" dt="2024-03-11T18:52:54.492" v="1014" actId="478"/>
+          <ac:cxnSpMkLst>
+            <pc:docMk/>
+            <pc:sldMk cId="559934091" sldId="260"/>
+            <ac:cxnSpMk id="32" creationId="{575DB756-9219-7B04-0850-6BC20E79C8B9}"/>
+          </ac:cxnSpMkLst>
+        </pc:cxnChg>
+        <pc:cxnChg chg="del">
+          <ac:chgData name="byron dodd" userId="5f8f3b5ac755099a" providerId="LiveId" clId="{62296B02-FF6D-4E03-834C-A905267B6D21}" dt="2024-03-01T16:29:01.144" v="815" actId="478"/>
+          <ac:cxnSpMkLst>
+            <pc:docMk/>
+            <pc:sldMk cId="559934091" sldId="260"/>
+            <ac:cxnSpMk id="33" creationId="{12B96AFA-2AE5-4904-DA74-C7A235CDBE7C}"/>
+          </ac:cxnSpMkLst>
+        </pc:cxnChg>
+        <pc:cxnChg chg="del">
+          <ac:chgData name="byron dodd" userId="5f8f3b5ac755099a" providerId="LiveId" clId="{62296B02-FF6D-4E03-834C-A905267B6D21}" dt="2024-03-01T16:29:01.144" v="815" actId="478"/>
+          <ac:cxnSpMkLst>
+            <pc:docMk/>
+            <pc:sldMk cId="559934091" sldId="260"/>
+            <ac:cxnSpMk id="34" creationId="{F344EA75-3C6B-A2F7-3063-C0A2308D1C99}"/>
+          </ac:cxnSpMkLst>
+        </pc:cxnChg>
+        <pc:cxnChg chg="del">
+          <ac:chgData name="byron dodd" userId="5f8f3b5ac755099a" providerId="LiveId" clId="{62296B02-FF6D-4E03-834C-A905267B6D21}" dt="2024-03-01T16:29:01.144" v="815" actId="478"/>
+          <ac:cxnSpMkLst>
+            <pc:docMk/>
+            <pc:sldMk cId="559934091" sldId="260"/>
+            <ac:cxnSpMk id="35" creationId="{E2467746-3BD7-8C6B-96C8-F5075F67AA48}"/>
+          </ac:cxnSpMkLst>
+        </pc:cxnChg>
+        <pc:cxnChg chg="del">
+          <ac:chgData name="byron dodd" userId="5f8f3b5ac755099a" providerId="LiveId" clId="{62296B02-FF6D-4E03-834C-A905267B6D21}" dt="2024-03-01T16:29:01.144" v="815" actId="478"/>
+          <ac:cxnSpMkLst>
+            <pc:docMk/>
+            <pc:sldMk cId="559934091" sldId="260"/>
+            <ac:cxnSpMk id="37" creationId="{0ED43509-FDF0-B1D9-74DD-7AF0E19DC2FD}"/>
+          </ac:cxnSpMkLst>
+        </pc:cxnChg>
+        <pc:cxnChg chg="del">
+          <ac:chgData name="byron dodd" userId="5f8f3b5ac755099a" providerId="LiveId" clId="{62296B02-FF6D-4E03-834C-A905267B6D21}" dt="2024-03-01T16:29:01.144" v="815" actId="478"/>
+          <ac:cxnSpMkLst>
+            <pc:docMk/>
+            <pc:sldMk cId="559934091" sldId="260"/>
+            <ac:cxnSpMk id="38" creationId="{583BFD43-9164-F860-D542-C1303CDC349F}"/>
+          </ac:cxnSpMkLst>
+        </pc:cxnChg>
+        <pc:cxnChg chg="del">
+          <ac:chgData name="byron dodd" userId="5f8f3b5ac755099a" providerId="LiveId" clId="{62296B02-FF6D-4E03-834C-A905267B6D21}" dt="2024-03-01T16:29:01.144" v="815" actId="478"/>
+          <ac:cxnSpMkLst>
+            <pc:docMk/>
+            <pc:sldMk cId="559934091" sldId="260"/>
+            <ac:cxnSpMk id="39" creationId="{B7FEC19E-E9E3-1F6C-5079-84EFD611040D}"/>
+          </ac:cxnSpMkLst>
+        </pc:cxnChg>
+        <pc:cxnChg chg="add del mod">
+          <ac:chgData name="byron dodd" userId="5f8f3b5ac755099a" providerId="LiveId" clId="{62296B02-FF6D-4E03-834C-A905267B6D21}" dt="2024-03-11T18:53:06.950" v="1016" actId="478"/>
+          <ac:cxnSpMkLst>
+            <pc:docMk/>
+            <pc:sldMk cId="559934091" sldId="260"/>
+            <ac:cxnSpMk id="40" creationId="{46FC950D-2919-DD1F-180C-40DC34AF6B98}"/>
+          </ac:cxnSpMkLst>
+        </pc:cxnChg>
+        <pc:cxnChg chg="del">
+          <ac:chgData name="byron dodd" userId="5f8f3b5ac755099a" providerId="LiveId" clId="{62296B02-FF6D-4E03-834C-A905267B6D21}" dt="2024-03-01T16:29:05.382" v="816" actId="478"/>
+          <ac:cxnSpMkLst>
+            <pc:docMk/>
+            <pc:sldMk cId="559934091" sldId="260"/>
+            <ac:cxnSpMk id="41" creationId="{477B52F5-040A-7169-C38D-141C085457A1}"/>
+          </ac:cxnSpMkLst>
+        </pc:cxnChg>
+        <pc:cxnChg chg="add mod">
+          <ac:chgData name="byron dodd" userId="5f8f3b5ac755099a" providerId="LiveId" clId="{62296B02-FF6D-4E03-834C-A905267B6D21}" dt="2024-03-07T17:36:34.761" v="895" actId="13822"/>
+          <ac:cxnSpMkLst>
+            <pc:docMk/>
+            <pc:sldMk cId="559934091" sldId="260"/>
+            <ac:cxnSpMk id="43" creationId="{A13A174E-083E-C11D-0FEF-7302EC745AF8}"/>
+          </ac:cxnSpMkLst>
+        </pc:cxnChg>
+        <pc:cxnChg chg="del">
+          <ac:chgData name="byron dodd" userId="5f8f3b5ac755099a" providerId="LiveId" clId="{62296B02-FF6D-4E03-834C-A905267B6D21}" dt="2024-03-01T16:29:05.382" v="816" actId="478"/>
+          <ac:cxnSpMkLst>
+            <pc:docMk/>
+            <pc:sldMk cId="559934091" sldId="260"/>
+            <ac:cxnSpMk id="47" creationId="{A90A89CB-3ED4-218C-D4FD-01778238A75F}"/>
+          </ac:cxnSpMkLst>
+        </pc:cxnChg>
+        <pc:cxnChg chg="del">
+          <ac:chgData name="byron dodd" userId="5f8f3b5ac755099a" providerId="LiveId" clId="{62296B02-FF6D-4E03-834C-A905267B6D21}" dt="2024-03-01T16:29:01.144" v="815" actId="478"/>
+          <ac:cxnSpMkLst>
+            <pc:docMk/>
+            <pc:sldMk cId="559934091" sldId="260"/>
+            <ac:cxnSpMk id="49" creationId="{30CA707A-6079-BB54-F86F-CE4CF4A39C08}"/>
+          </ac:cxnSpMkLst>
+        </pc:cxnChg>
+        <pc:cxnChg chg="del">
+          <ac:chgData name="byron dodd" userId="5f8f3b5ac755099a" providerId="LiveId" clId="{62296B02-FF6D-4E03-834C-A905267B6D21}" dt="2024-03-01T16:29:01.144" v="815" actId="478"/>
+          <ac:cxnSpMkLst>
+            <pc:docMk/>
+            <pc:sldMk cId="559934091" sldId="260"/>
+            <ac:cxnSpMk id="51" creationId="{435CA067-DBAE-592E-5CF9-FFC4F1CD7623}"/>
+          </ac:cxnSpMkLst>
+        </pc:cxnChg>
+        <pc:cxnChg chg="del">
+          <ac:chgData name="byron dodd" userId="5f8f3b5ac755099a" providerId="LiveId" clId="{62296B02-FF6D-4E03-834C-A905267B6D21}" dt="2024-03-01T16:29:01.144" v="815" actId="478"/>
+          <ac:cxnSpMkLst>
+            <pc:docMk/>
+            <pc:sldMk cId="559934091" sldId="260"/>
+            <ac:cxnSpMk id="53" creationId="{A5516800-68D0-D668-FA0C-FE7CCF44FC1E}"/>
+          </ac:cxnSpMkLst>
+        </pc:cxnChg>
+        <pc:cxnChg chg="del">
+          <ac:chgData name="byron dodd" userId="5f8f3b5ac755099a" providerId="LiveId" clId="{62296B02-FF6D-4E03-834C-A905267B6D21}" dt="2024-03-01T16:29:01.144" v="815" actId="478"/>
+          <ac:cxnSpMkLst>
+            <pc:docMk/>
+            <pc:sldMk cId="559934091" sldId="260"/>
+            <ac:cxnSpMk id="55" creationId="{E489BEC4-5F3C-7629-6F5F-BA695B88CF76}"/>
+          </ac:cxnSpMkLst>
+        </pc:cxnChg>
+        <pc:cxnChg chg="del">
+          <ac:chgData name="byron dodd" userId="5f8f3b5ac755099a" providerId="LiveId" clId="{62296B02-FF6D-4E03-834C-A905267B6D21}" dt="2024-03-01T16:29:05.382" v="816" actId="478"/>
+          <ac:cxnSpMkLst>
+            <pc:docMk/>
+            <pc:sldMk cId="559934091" sldId="260"/>
+            <ac:cxnSpMk id="61" creationId="{B98AE542-EE85-49C5-0F59-DBD18C697D1B}"/>
+          </ac:cxnSpMkLst>
+        </pc:cxnChg>
+        <pc:cxnChg chg="del">
+          <ac:chgData name="byron dodd" userId="5f8f3b5ac755099a" providerId="LiveId" clId="{62296B02-FF6D-4E03-834C-A905267B6D21}" dt="2024-03-01T16:29:05.382" v="816" actId="478"/>
+          <ac:cxnSpMkLst>
+            <pc:docMk/>
+            <pc:sldMk cId="559934091" sldId="260"/>
+            <ac:cxnSpMk id="66" creationId="{D4C9ABA6-66CB-0BD9-3BA1-C32465153229}"/>
+          </ac:cxnSpMkLst>
+        </pc:cxnChg>
+        <pc:cxnChg chg="del">
+          <ac:chgData name="byron dodd" userId="5f8f3b5ac755099a" providerId="LiveId" clId="{62296B02-FF6D-4E03-834C-A905267B6D21}" dt="2024-03-01T16:29:01.144" v="815" actId="478"/>
+          <ac:cxnSpMkLst>
+            <pc:docMk/>
+            <pc:sldMk cId="559934091" sldId="260"/>
+            <ac:cxnSpMk id="70" creationId="{B7BF56AF-2A8A-6685-2CF8-9D15B02D7F53}"/>
+          </ac:cxnSpMkLst>
+        </pc:cxnChg>
+        <pc:cxnChg chg="del">
+          <ac:chgData name="byron dodd" userId="5f8f3b5ac755099a" providerId="LiveId" clId="{62296B02-FF6D-4E03-834C-A905267B6D21}" dt="2024-03-01T16:29:01.144" v="815" actId="478"/>
+          <ac:cxnSpMkLst>
+            <pc:docMk/>
+            <pc:sldMk cId="559934091" sldId="260"/>
+            <ac:cxnSpMk id="72" creationId="{EE32DE65-ABF8-3BF1-2B69-486AABEE9CE1}"/>
+          </ac:cxnSpMkLst>
+        </pc:cxnChg>
+        <pc:cxnChg chg="del">
+          <ac:chgData name="byron dodd" userId="5f8f3b5ac755099a" providerId="LiveId" clId="{62296B02-FF6D-4E03-834C-A905267B6D21}" dt="2024-03-01T16:28:23.703" v="814" actId="478"/>
+          <ac:cxnSpMkLst>
+            <pc:docMk/>
+            <pc:sldMk cId="559934091" sldId="260"/>
+            <ac:cxnSpMk id="77" creationId="{CBD9B6E7-A44E-ABFB-2068-2CDB6EC2F6EC}"/>
+          </ac:cxnSpMkLst>
+        </pc:cxnChg>
+        <pc:cxnChg chg="del">
+          <ac:chgData name="byron dodd" userId="5f8f3b5ac755099a" providerId="LiveId" clId="{62296B02-FF6D-4E03-834C-A905267B6D21}" dt="2024-03-01T16:28:23.703" v="814" actId="478"/>
+          <ac:cxnSpMkLst>
+            <pc:docMk/>
+            <pc:sldMk cId="559934091" sldId="260"/>
+            <ac:cxnSpMk id="80" creationId="{C7CB16BF-DB75-4CD2-ACB0-E8250BE955C3}"/>
+          </ac:cxnSpMkLst>
+        </pc:cxnChg>
+      </pc:sldChg>
+      <pc:sldChg chg="addSp delSp modSp new mod">
+        <pc:chgData name="byron dodd" userId="5f8f3b5ac755099a" providerId="LiveId" clId="{62296B02-FF6D-4E03-834C-A905267B6D21}" dt="2024-03-11T17:51:58.980" v="920" actId="1076"/>
+        <pc:sldMkLst>
+          <pc:docMk/>
+          <pc:sldMk cId="1695618499" sldId="261"/>
+        </pc:sldMkLst>
+        <pc:spChg chg="del">
+          <ac:chgData name="byron dodd" userId="5f8f3b5ac755099a" providerId="LiveId" clId="{62296B02-FF6D-4E03-834C-A905267B6D21}" dt="2024-03-11T17:51:36.021" v="899" actId="478"/>
+          <ac:spMkLst>
+            <pc:docMk/>
+            <pc:sldMk cId="1695618499" sldId="261"/>
+            <ac:spMk id="2" creationId="{A6F5C870-CB5F-033A-52D8-BBC3E923BA99}"/>
+          </ac:spMkLst>
+        </pc:spChg>
+        <pc:spChg chg="del">
+          <ac:chgData name="byron dodd" userId="5f8f3b5ac755099a" providerId="LiveId" clId="{62296B02-FF6D-4E03-834C-A905267B6D21}" dt="2024-03-11T17:51:37.774" v="900" actId="478"/>
+          <ac:spMkLst>
+            <pc:docMk/>
+            <pc:sldMk cId="1695618499" sldId="261"/>
+            <ac:spMk id="3" creationId="{0EC51C2B-FA93-B47D-0EC4-0E6A445AF5FB}"/>
+          </ac:spMkLst>
+        </pc:spChg>
+        <pc:spChg chg="add mod">
+          <ac:chgData name="byron dodd" userId="5f8f3b5ac755099a" providerId="LiveId" clId="{62296B02-FF6D-4E03-834C-A905267B6D21}" dt="2024-03-11T17:51:58.980" v="920" actId="1076"/>
+          <ac:spMkLst>
+            <pc:docMk/>
+            <pc:sldMk cId="1695618499" sldId="261"/>
+            <ac:spMk id="4" creationId="{E398BAD2-DB9E-8B00-8733-FC775775F8F3}"/>
+          </ac:spMkLst>
+        </pc:spChg>
+      </pc:sldChg>
+      <pc:sldChg chg="modSp add mod">
+        <pc:chgData name="byron dodd" userId="5f8f3b5ac755099a" providerId="LiveId" clId="{62296B02-FF6D-4E03-834C-A905267B6D21}" dt="2024-03-11T17:52:33.871" v="943" actId="20577"/>
+        <pc:sldMkLst>
+          <pc:docMk/>
+          <pc:sldMk cId="4232521461" sldId="262"/>
+        </pc:sldMkLst>
+        <pc:spChg chg="mod">
+          <ac:chgData name="byron dodd" userId="5f8f3b5ac755099a" providerId="LiveId" clId="{62296B02-FF6D-4E03-834C-A905267B6D21}" dt="2024-03-11T17:52:33.871" v="943" actId="20577"/>
+          <ac:spMkLst>
+            <pc:docMk/>
+            <pc:sldMk cId="4232521461" sldId="262"/>
+            <ac:spMk id="4" creationId="{E398BAD2-DB9E-8B00-8733-FC775775F8F3}"/>
+          </ac:spMkLst>
+        </pc:spChg>
+      </pc:sldChg>
+      <pc:sldChg chg="modSp add mod">
+        <pc:chgData name="byron dodd" userId="5f8f3b5ac755099a" providerId="LiveId" clId="{62296B02-FF6D-4E03-834C-A905267B6D21}" dt="2024-03-11T17:52:49.440" v="954" actId="20577"/>
+        <pc:sldMkLst>
+          <pc:docMk/>
+          <pc:sldMk cId="953593045" sldId="263"/>
+        </pc:sldMkLst>
+        <pc:spChg chg="mod">
+          <ac:chgData name="byron dodd" userId="5f8f3b5ac755099a" providerId="LiveId" clId="{62296B02-FF6D-4E03-834C-A905267B6D21}" dt="2024-03-11T17:52:49.440" v="954" actId="20577"/>
+          <ac:spMkLst>
+            <pc:docMk/>
+            <pc:sldMk cId="953593045" sldId="263"/>
+            <ac:spMk id="4" creationId="{E398BAD2-DB9E-8B00-8733-FC775775F8F3}"/>
+          </ac:spMkLst>
+        </pc:spChg>
+      </pc:sldChg>
+      <pc:sldChg chg="modSp add mod">
+        <pc:chgData name="byron dodd" userId="5f8f3b5ac755099a" providerId="LiveId" clId="{62296B02-FF6D-4E03-834C-A905267B6D21}" dt="2024-03-11T17:54:30.815" v="965" actId="20577"/>
+        <pc:sldMkLst>
+          <pc:docMk/>
+          <pc:sldMk cId="876943472" sldId="264"/>
+        </pc:sldMkLst>
+        <pc:spChg chg="mod">
+          <ac:chgData name="byron dodd" userId="5f8f3b5ac755099a" providerId="LiveId" clId="{62296B02-FF6D-4E03-834C-A905267B6D21}" dt="2024-03-11T17:54:30.815" v="965" actId="20577"/>
+          <ac:spMkLst>
+            <pc:docMk/>
+            <pc:sldMk cId="876943472" sldId="264"/>
+            <ac:spMk id="4" creationId="{E398BAD2-DB9E-8B00-8733-FC775775F8F3}"/>
+          </ac:spMkLst>
+        </pc:spChg>
+      </pc:sldChg>
+      <pc:sldChg chg="modSp add mod">
+        <pc:chgData name="byron dodd" userId="5f8f3b5ac755099a" providerId="LiveId" clId="{62296B02-FF6D-4E03-834C-A905267B6D21}" dt="2024-03-11T17:54:38.158" v="970" actId="20577"/>
+        <pc:sldMkLst>
+          <pc:docMk/>
+          <pc:sldMk cId="1613699915" sldId="265"/>
+        </pc:sldMkLst>
+        <pc:spChg chg="mod">
+          <ac:chgData name="byron dodd" userId="5f8f3b5ac755099a" providerId="LiveId" clId="{62296B02-FF6D-4E03-834C-A905267B6D21}" dt="2024-03-11T17:54:38.158" v="970" actId="20577"/>
+          <ac:spMkLst>
+            <pc:docMk/>
+            <pc:sldMk cId="1613699915" sldId="265"/>
+            <ac:spMk id="4" creationId="{E398BAD2-DB9E-8B00-8733-FC775775F8F3}"/>
+          </ac:spMkLst>
+        </pc:spChg>
+      </pc:sldChg>
+      <pc:sldChg chg="addSp delSp modSp new mod">
+        <pc:chgData name="byron dodd" userId="5f8f3b5ac755099a" providerId="LiveId" clId="{62296B02-FF6D-4E03-834C-A905267B6D21}" dt="2024-03-12T13:23:44.459" v="1045" actId="20577"/>
+        <pc:sldMkLst>
+          <pc:docMk/>
+          <pc:sldMk cId="2812805550" sldId="266"/>
+        </pc:sldMkLst>
+        <pc:spChg chg="del">
+          <ac:chgData name="byron dodd" userId="5f8f3b5ac755099a" providerId="LiveId" clId="{62296B02-FF6D-4E03-834C-A905267B6D21}" dt="2024-03-12T13:23:37.372" v="1028" actId="478"/>
+          <ac:spMkLst>
+            <pc:docMk/>
+            <pc:sldMk cId="2812805550" sldId="266"/>
+            <ac:spMk id="2" creationId="{1B870DA1-69C2-748A-F9F9-D997F803C7A7}"/>
+          </ac:spMkLst>
+        </pc:spChg>
+        <pc:spChg chg="del">
+          <ac:chgData name="byron dodd" userId="5f8f3b5ac755099a" providerId="LiveId" clId="{62296B02-FF6D-4E03-834C-A905267B6D21}" dt="2024-03-12T13:23:33.236" v="1027" actId="478"/>
+          <ac:spMkLst>
+            <pc:docMk/>
+            <pc:sldMk cId="2812805550" sldId="266"/>
+            <ac:spMk id="3" creationId="{22D7FDCA-D286-2DB0-8262-99E928B3824E}"/>
+          </ac:spMkLst>
+        </pc:spChg>
+        <pc:spChg chg="add mod">
+          <ac:chgData name="byron dodd" userId="5f8f3b5ac755099a" providerId="LiveId" clId="{62296B02-FF6D-4E03-834C-A905267B6D21}" dt="2024-03-12T13:23:44.459" v="1045" actId="20577"/>
+          <ac:spMkLst>
+            <pc:docMk/>
+            <pc:sldMk cId="2812805550" sldId="266"/>
+            <ac:spMk id="4" creationId="{2991220B-FC51-3C40-E596-FC763D47AF10}"/>
+          </ac:spMkLst>
+        </pc:spChg>
+      </pc:sldChg>
+      <pc:sldChg chg="addSp delSp modSp new mod">
+        <pc:chgData name="byron dodd" userId="5f8f3b5ac755099a" providerId="LiveId" clId="{62296B02-FF6D-4E03-834C-A905267B6D21}" dt="2024-03-12T13:43:10.725" v="1489" actId="1076"/>
+        <pc:sldMkLst>
+          <pc:docMk/>
+          <pc:sldMk cId="2504913997" sldId="267"/>
+        </pc:sldMkLst>
+        <pc:spChg chg="del">
+          <ac:chgData name="byron dodd" userId="5f8f3b5ac755099a" providerId="LiveId" clId="{62296B02-FF6D-4E03-834C-A905267B6D21}" dt="2024-03-12T13:23:50.293" v="1047" actId="478"/>
+          <ac:spMkLst>
+            <pc:docMk/>
+            <pc:sldMk cId="2504913997" sldId="267"/>
+            <ac:spMk id="2" creationId="{FD660AFB-4DC8-5563-88C5-54CAC4C2388F}"/>
+          </ac:spMkLst>
+        </pc:spChg>
+        <pc:spChg chg="del">
+          <ac:chgData name="byron dodd" userId="5f8f3b5ac755099a" providerId="LiveId" clId="{62296B02-FF6D-4E03-834C-A905267B6D21}" dt="2024-03-12T13:23:50.293" v="1047" actId="478"/>
+          <ac:spMkLst>
+            <pc:docMk/>
+            <pc:sldMk cId="2504913997" sldId="267"/>
+            <ac:spMk id="3" creationId="{499C94ED-715D-7BDA-AA0D-4DA12C3EBB0C}"/>
+          </ac:spMkLst>
+        </pc:spChg>
+        <pc:spChg chg="add del mod">
+          <ac:chgData name="byron dodd" userId="5f8f3b5ac755099a" providerId="LiveId" clId="{62296B02-FF6D-4E03-834C-A905267B6D21}" dt="2024-03-12T13:24:28.102" v="1049" actId="478"/>
+          <ac:spMkLst>
+            <pc:docMk/>
+            <pc:sldMk cId="2504913997" sldId="267"/>
+            <ac:spMk id="4" creationId="{86978579-2825-CECC-01C7-7C65E9FFBB7C}"/>
+          </ac:spMkLst>
+        </pc:spChg>
+        <pc:spChg chg="add del mod">
+          <ac:chgData name="byron dodd" userId="5f8f3b5ac755099a" providerId="LiveId" clId="{62296B02-FF6D-4E03-834C-A905267B6D21}" dt="2024-03-12T13:24:28.102" v="1049" actId="478"/>
+          <ac:spMkLst>
+            <pc:docMk/>
+            <pc:sldMk cId="2504913997" sldId="267"/>
+            <ac:spMk id="5" creationId="{36D899DD-6939-9EA5-936C-AC84FBF1A38B}"/>
+          </ac:spMkLst>
+        </pc:spChg>
+        <pc:spChg chg="add del mod">
+          <ac:chgData name="byron dodd" userId="5f8f3b5ac755099a" providerId="LiveId" clId="{62296B02-FF6D-4E03-834C-A905267B6D21}" dt="2024-03-12T13:24:28.102" v="1049" actId="478"/>
+          <ac:spMkLst>
+            <pc:docMk/>
+            <pc:sldMk cId="2504913997" sldId="267"/>
+            <ac:spMk id="6" creationId="{8C6C7F7C-BEE5-1071-B318-923E8A3A3E91}"/>
+          </ac:spMkLst>
+        </pc:spChg>
+        <pc:spChg chg="add del mod">
+          <ac:chgData name="byron dodd" userId="5f8f3b5ac755099a" providerId="LiveId" clId="{62296B02-FF6D-4E03-834C-A905267B6D21}" dt="2024-03-12T13:24:28.102" v="1049" actId="478"/>
+          <ac:spMkLst>
+            <pc:docMk/>
+            <pc:sldMk cId="2504913997" sldId="267"/>
+            <ac:spMk id="7" creationId="{9AEF1ED5-5915-7D8F-162E-3452371ED69C}"/>
+          </ac:spMkLst>
+        </pc:spChg>
+        <pc:spChg chg="add del mod">
+          <ac:chgData name="byron dodd" userId="5f8f3b5ac755099a" providerId="LiveId" clId="{62296B02-FF6D-4E03-834C-A905267B6D21}" dt="2024-03-12T13:24:28.102" v="1049" actId="478"/>
+          <ac:spMkLst>
+            <pc:docMk/>
+            <pc:sldMk cId="2504913997" sldId="267"/>
+            <ac:spMk id="18" creationId="{F7F226C8-BFE2-3E6F-FEAC-9F01B817AA7B}"/>
+          </ac:spMkLst>
+        </pc:spChg>
+        <pc:spChg chg="add del mod">
+          <ac:chgData name="byron dodd" userId="5f8f3b5ac755099a" providerId="LiveId" clId="{62296B02-FF6D-4E03-834C-A905267B6D21}" dt="2024-03-12T13:24:30.588" v="1050" actId="478"/>
+          <ac:spMkLst>
+            <pc:docMk/>
+            <pc:sldMk cId="2504913997" sldId="267"/>
+            <ac:spMk id="21" creationId="{2750F5CE-8981-9E2B-79C7-306D579BEAC0}"/>
+          </ac:spMkLst>
+        </pc:spChg>
+        <pc:spChg chg="add del mod">
+          <ac:chgData name="byron dodd" userId="5f8f3b5ac755099a" providerId="LiveId" clId="{62296B02-FF6D-4E03-834C-A905267B6D21}" dt="2024-03-12T13:24:28.102" v="1049" actId="478"/>
+          <ac:spMkLst>
+            <pc:docMk/>
+            <pc:sldMk cId="2504913997" sldId="267"/>
+            <ac:spMk id="22" creationId="{C468AE20-A108-507E-269B-A4EDCB719D76}"/>
+          </ac:spMkLst>
+        </pc:spChg>
+        <pc:spChg chg="add mod">
+          <ac:chgData name="byron dodd" userId="5f8f3b5ac755099a" providerId="LiveId" clId="{62296B02-FF6D-4E03-834C-A905267B6D21}" dt="2024-03-12T13:31:55.766" v="1369" actId="1076"/>
+          <ac:spMkLst>
+            <pc:docMk/>
+            <pc:sldMk cId="2504913997" sldId="267"/>
+            <ac:spMk id="25" creationId="{462B0F59-FABA-4068-C9EC-FD36DD18B1C1}"/>
+          </ac:spMkLst>
+        </pc:spChg>
+        <pc:spChg chg="add mod">
+          <ac:chgData name="byron dodd" userId="5f8f3b5ac755099a" providerId="LiveId" clId="{62296B02-FF6D-4E03-834C-A905267B6D21}" dt="2024-03-12T13:28:24.842" v="1193" actId="1076"/>
+          <ac:spMkLst>
+            <pc:docMk/>
+            <pc:sldMk cId="2504913997" sldId="267"/>
+            <ac:spMk id="26" creationId="{04CA2DF5-D8B5-B775-5D8B-43999191C610}"/>
+          </ac:spMkLst>
+        </pc:spChg>
+        <pc:spChg chg="add del mod">
+          <ac:chgData name="byron dodd" userId="5f8f3b5ac755099a" providerId="LiveId" clId="{62296B02-FF6D-4E03-834C-A905267B6D21}" dt="2024-03-12T13:27:11.417" v="1166" actId="1076"/>
+          <ac:spMkLst>
+            <pc:docMk/>
+            <pc:sldMk cId="2504913997" sldId="267"/>
+            <ac:spMk id="27" creationId="{1F96F13A-4E64-203D-BE70-7D314474F20E}"/>
+          </ac:spMkLst>
+        </pc:spChg>
+        <pc:spChg chg="add mod">
+          <ac:chgData name="byron dodd" userId="5f8f3b5ac755099a" providerId="LiveId" clId="{62296B02-FF6D-4E03-834C-A905267B6D21}" dt="2024-03-12T13:26:44.149" v="1155" actId="1076"/>
+          <ac:spMkLst>
+            <pc:docMk/>
+            <pc:sldMk cId="2504913997" sldId="267"/>
+            <ac:spMk id="28" creationId="{C2E2CE5C-E58D-1EA7-99CA-501F9C89283B}"/>
+          </ac:spMkLst>
+        </pc:spChg>
+        <pc:spChg chg="add mod">
+          <ac:chgData name="byron dodd" userId="5f8f3b5ac755099a" providerId="LiveId" clId="{62296B02-FF6D-4E03-834C-A905267B6D21}" dt="2024-03-12T13:33:16.893" v="1397" actId="1076"/>
+          <ac:spMkLst>
+            <pc:docMk/>
+            <pc:sldMk cId="2504913997" sldId="267"/>
+            <ac:spMk id="32" creationId="{AB8F8BFE-8BD5-5B69-7BCF-B4AD00A1CFF0}"/>
+          </ac:spMkLst>
+        </pc:spChg>
+        <pc:spChg chg="add mod">
+          <ac:chgData name="byron dodd" userId="5f8f3b5ac755099a" providerId="LiveId" clId="{62296B02-FF6D-4E03-834C-A905267B6D21}" dt="2024-03-12T13:27:34.322" v="1184" actId="20577"/>
+          <ac:spMkLst>
+            <pc:docMk/>
+            <pc:sldMk cId="2504913997" sldId="267"/>
+            <ac:spMk id="33" creationId="{91BC4ED6-2D8A-FD18-45EC-ED7662446F99}"/>
+          </ac:spMkLst>
+        </pc:spChg>
+        <pc:spChg chg="add mod">
+          <ac:chgData name="byron dodd" userId="5f8f3b5ac755099a" providerId="LiveId" clId="{62296B02-FF6D-4E03-834C-A905267B6D21}" dt="2024-03-12T13:27:21.114" v="1170" actId="20577"/>
+          <ac:spMkLst>
+            <pc:docMk/>
+            <pc:sldMk cId="2504913997" sldId="267"/>
+            <ac:spMk id="34" creationId="{E72A24DF-9900-C54E-B27A-73AA9DE6079F}"/>
+          </ac:spMkLst>
+        </pc:spChg>
+        <pc:spChg chg="add mod">
+          <ac:chgData name="byron dodd" userId="5f8f3b5ac755099a" providerId="LiveId" clId="{62296B02-FF6D-4E03-834C-A905267B6D21}" dt="2024-03-12T13:28:43.802" v="1205" actId="20577"/>
+          <ac:spMkLst>
+            <pc:docMk/>
+            <pc:sldMk cId="2504913997" sldId="267"/>
+            <ac:spMk id="38" creationId="{4F7B2CA1-494F-658D-8825-ADD01639E8B6}"/>
+          </ac:spMkLst>
+        </pc:spChg>
+        <pc:spChg chg="add mod">
+          <ac:chgData name="byron dodd" userId="5f8f3b5ac755099a" providerId="LiveId" clId="{62296B02-FF6D-4E03-834C-A905267B6D21}" dt="2024-03-12T13:28:35.772" v="1197" actId="1076"/>
+          <ac:spMkLst>
+            <pc:docMk/>
+            <pc:sldMk cId="2504913997" sldId="267"/>
+            <ac:spMk id="39" creationId="{D172E2FC-DBE3-F76E-191E-0DB8376FF05A}"/>
+          </ac:spMkLst>
+        </pc:spChg>
+        <pc:spChg chg="add mod">
+          <ac:chgData name="byron dodd" userId="5f8f3b5ac755099a" providerId="LiveId" clId="{62296B02-FF6D-4E03-834C-A905267B6D21}" dt="2024-03-12T13:28:37.823" v="1199" actId="20577"/>
+          <ac:spMkLst>
+            <pc:docMk/>
+            <pc:sldMk cId="2504913997" sldId="267"/>
+            <ac:spMk id="40" creationId="{3B2B7C2D-D34B-6E38-FAD9-99A9849A3EDB}"/>
+          </ac:spMkLst>
+        </pc:spChg>
+        <pc:spChg chg="add mod">
+          <ac:chgData name="byron dodd" userId="5f8f3b5ac755099a" providerId="LiveId" clId="{62296B02-FF6D-4E03-834C-A905267B6D21}" dt="2024-03-12T13:29:35.985" v="1251" actId="1076"/>
+          <ac:spMkLst>
+            <pc:docMk/>
+            <pc:sldMk cId="2504913997" sldId="267"/>
+            <ac:spMk id="42" creationId="{7B04AE67-AA2D-4B40-3930-6C3AE0A26069}"/>
+          </ac:spMkLst>
+        </pc:spChg>
+        <pc:spChg chg="add mod">
+          <ac:chgData name="byron dodd" userId="5f8f3b5ac755099a" providerId="LiveId" clId="{62296B02-FF6D-4E03-834C-A905267B6D21}" dt="2024-03-12T13:29:44.518" v="1258" actId="20577"/>
+          <ac:spMkLst>
+            <pc:docMk/>
+            <pc:sldMk cId="2504913997" sldId="267"/>
+            <ac:spMk id="43" creationId="{D22F33CD-4A63-7797-1B0F-C0DEFF6DCD35}"/>
+          </ac:spMkLst>
+        </pc:spChg>
+        <pc:spChg chg="add mod">
+          <ac:chgData name="byron dodd" userId="5f8f3b5ac755099a" providerId="LiveId" clId="{62296B02-FF6D-4E03-834C-A905267B6D21}" dt="2024-03-12T13:29:33.437" v="1250" actId="1076"/>
+          <ac:spMkLst>
+            <pc:docMk/>
+            <pc:sldMk cId="2504913997" sldId="267"/>
+            <ac:spMk id="44" creationId="{AF64E0C7-F21B-4977-613F-FD6C9F5B7537}"/>
+          </ac:spMkLst>
+        </pc:spChg>
+        <pc:spChg chg="add mod">
+          <ac:chgData name="byron dodd" userId="5f8f3b5ac755099a" providerId="LiveId" clId="{62296B02-FF6D-4E03-834C-A905267B6D21}" dt="2024-03-12T13:31:06.005" v="1343" actId="1076"/>
+          <ac:spMkLst>
+            <pc:docMk/>
+            <pc:sldMk cId="2504913997" sldId="267"/>
+            <ac:spMk id="46" creationId="{C79F8B9C-22D0-42CF-BEF6-04A2D3793A52}"/>
+          </ac:spMkLst>
+        </pc:spChg>
+        <pc:spChg chg="add mod">
+          <ac:chgData name="byron dodd" userId="5f8f3b5ac755099a" providerId="LiveId" clId="{62296B02-FF6D-4E03-834C-A905267B6D21}" dt="2024-03-12T13:30:31.400" v="1260" actId="1076"/>
+          <ac:spMkLst>
+            <pc:docMk/>
+            <pc:sldMk cId="2504913997" sldId="267"/>
+            <ac:spMk id="47" creationId="{58AD94B6-A8BE-1575-2BEE-EC945FB17CA6}"/>
+          </ac:spMkLst>
+        </pc:spChg>
+        <pc:spChg chg="add mod">
+          <ac:chgData name="byron dodd" userId="5f8f3b5ac755099a" providerId="LiveId" clId="{62296B02-FF6D-4E03-834C-A905267B6D21}" dt="2024-03-12T13:30:59.664" v="1342" actId="20577"/>
+          <ac:spMkLst>
+            <pc:docMk/>
+            <pc:sldMk cId="2504913997" sldId="267"/>
+            <ac:spMk id="48" creationId="{CDC215CE-2CCF-9D44-1780-B81456D2FCF6}"/>
+          </ac:spMkLst>
+        </pc:spChg>
+        <pc:spChg chg="add mod">
+          <ac:chgData name="byron dodd" userId="5f8f3b5ac755099a" providerId="LiveId" clId="{62296B02-FF6D-4E03-834C-A905267B6D21}" dt="2024-03-12T13:31:44.296" v="1366" actId="20577"/>
+          <ac:spMkLst>
+            <pc:docMk/>
+            <pc:sldMk cId="2504913997" sldId="267"/>
+            <ac:spMk id="50" creationId="{85142FF3-ADF8-1BC9-B6BF-5605570D30A5}"/>
+          </ac:spMkLst>
+        </pc:spChg>
+        <pc:spChg chg="add mod">
+          <ac:chgData name="byron dodd" userId="5f8f3b5ac755099a" providerId="LiveId" clId="{62296B02-FF6D-4E03-834C-A905267B6D21}" dt="2024-03-12T13:31:18.107" v="1345" actId="1076"/>
+          <ac:spMkLst>
+            <pc:docMk/>
+            <pc:sldMk cId="2504913997" sldId="267"/>
+            <ac:spMk id="51" creationId="{293EF533-5330-3B93-F1EF-D3601F08509F}"/>
+          </ac:spMkLst>
+        </pc:spChg>
+        <pc:spChg chg="add mod">
+          <ac:chgData name="byron dodd" userId="5f8f3b5ac755099a" providerId="LiveId" clId="{62296B02-FF6D-4E03-834C-A905267B6D21}" dt="2024-03-12T13:31:47.904" v="1368" actId="20577"/>
+          <ac:spMkLst>
+            <pc:docMk/>
+            <pc:sldMk cId="2504913997" sldId="267"/>
+            <ac:spMk id="52" creationId="{C4E91E7B-B681-27FF-919D-89AC7F8D7D8B}"/>
+          </ac:spMkLst>
+        </pc:spChg>
+        <pc:spChg chg="add mod">
+          <ac:chgData name="byron dodd" userId="5f8f3b5ac755099a" providerId="LiveId" clId="{62296B02-FF6D-4E03-834C-A905267B6D21}" dt="2024-03-12T13:33:01.443" v="1392" actId="1076"/>
+          <ac:spMkLst>
+            <pc:docMk/>
+            <pc:sldMk cId="2504913997" sldId="267"/>
+            <ac:spMk id="54" creationId="{8C2F828E-6E72-4222-2EAC-32B47248B7E5}"/>
+          </ac:spMkLst>
+        </pc:spChg>
+        <pc:spChg chg="add mod">
+          <ac:chgData name="byron dodd" userId="5f8f3b5ac755099a" providerId="LiveId" clId="{62296B02-FF6D-4E03-834C-A905267B6D21}" dt="2024-03-12T13:34:00.674" v="1418" actId="20577"/>
+          <ac:spMkLst>
+            <pc:docMk/>
+            <pc:sldMk cId="2504913997" sldId="267"/>
+            <ac:spMk id="55" creationId="{2EDCA0F7-7603-6372-B888-ED30FE717265}"/>
+          </ac:spMkLst>
+        </pc:spChg>
+        <pc:spChg chg="add mod">
+          <ac:chgData name="byron dodd" userId="5f8f3b5ac755099a" providerId="LiveId" clId="{62296B02-FF6D-4E03-834C-A905267B6D21}" dt="2024-03-12T13:33:34.763" v="1403" actId="1076"/>
+          <ac:spMkLst>
+            <pc:docMk/>
+            <pc:sldMk cId="2504913997" sldId="267"/>
+            <ac:spMk id="56" creationId="{9ECF80DF-D3DF-4120-59A1-E70F9C2D0C0E}"/>
+          </ac:spMkLst>
+        </pc:spChg>
+        <pc:spChg chg="add mod">
+          <ac:chgData name="byron dodd" userId="5f8f3b5ac755099a" providerId="LiveId" clId="{62296B02-FF6D-4E03-834C-A905267B6D21}" dt="2024-03-12T13:33:11.370" v="1395" actId="1076"/>
+          <ac:spMkLst>
+            <pc:docMk/>
+            <pc:sldMk cId="2504913997" sldId="267"/>
+            <ac:spMk id="59" creationId="{EF3A631A-B75B-8CEE-59A0-74DD1AA24AB8}"/>
+          </ac:spMkLst>
+        </pc:spChg>
+        <pc:spChg chg="add mod">
+          <ac:chgData name="byron dodd" userId="5f8f3b5ac755099a" providerId="LiveId" clId="{62296B02-FF6D-4E03-834C-A905267B6D21}" dt="2024-03-12T13:35:31.521" v="1424" actId="20577"/>
+          <ac:spMkLst>
+            <pc:docMk/>
+            <pc:sldMk cId="2504913997" sldId="267"/>
+            <ac:spMk id="67" creationId="{4D2F671E-DEDF-3EA2-98C4-532E048302A7}"/>
+          </ac:spMkLst>
+        </pc:spChg>
+        <pc:spChg chg="add mod">
+          <ac:chgData name="byron dodd" userId="5f8f3b5ac755099a" providerId="LiveId" clId="{62296B02-FF6D-4E03-834C-A905267B6D21}" dt="2024-03-12T13:35:28.173" v="1420" actId="1076"/>
+          <ac:spMkLst>
+            <pc:docMk/>
+            <pc:sldMk cId="2504913997" sldId="267"/>
+            <ac:spMk id="68" creationId="{DB32294A-D897-71E8-463C-A04E93510B01}"/>
+          </ac:spMkLst>
+        </pc:spChg>
+        <pc:spChg chg="add mod">
+          <ac:chgData name="byron dodd" userId="5f8f3b5ac755099a" providerId="LiveId" clId="{62296B02-FF6D-4E03-834C-A905267B6D21}" dt="2024-03-12T13:35:42.578" v="1426" actId="20577"/>
+          <ac:spMkLst>
+            <pc:docMk/>
+            <pc:sldMk cId="2504913997" sldId="267"/>
+            <ac:spMk id="69" creationId="{C2180443-6A8B-11BC-99C9-8687C36E7231}"/>
+          </ac:spMkLst>
+        </pc:spChg>
+        <pc:spChg chg="add mod">
+          <ac:chgData name="byron dodd" userId="5f8f3b5ac755099a" providerId="LiveId" clId="{62296B02-FF6D-4E03-834C-A905267B6D21}" dt="2024-03-12T13:40:29.648" v="1427"/>
+          <ac:spMkLst>
+            <pc:docMk/>
+            <pc:sldMk cId="2504913997" sldId="267"/>
+            <ac:spMk id="72" creationId="{76ACCFC8-B2BA-27B8-1969-D4F705D34D49}"/>
+          </ac:spMkLst>
+        </pc:spChg>
+        <pc:spChg chg="add mod">
+          <ac:chgData name="byron dodd" userId="5f8f3b5ac755099a" providerId="LiveId" clId="{62296B02-FF6D-4E03-834C-A905267B6D21}" dt="2024-03-12T13:40:53.295" v="1448" actId="20577"/>
+          <ac:spMkLst>
+            <pc:docMk/>
+            <pc:sldMk cId="2504913997" sldId="267"/>
+            <ac:spMk id="73" creationId="{EF14E379-4840-DFF3-005B-B16209B8D79D}"/>
+          </ac:spMkLst>
+        </pc:spChg>
+        <pc:spChg chg="add mod">
+          <ac:chgData name="byron dodd" userId="5f8f3b5ac755099a" providerId="LiveId" clId="{62296B02-FF6D-4E03-834C-A905267B6D21}" dt="2024-03-12T13:41:10.733" v="1459" actId="20577"/>
+          <ac:spMkLst>
+            <pc:docMk/>
+            <pc:sldMk cId="2504913997" sldId="267"/>
+            <ac:spMk id="74" creationId="{6EA5F7E9-AA76-70EF-5A72-69791B8948E1}"/>
+          </ac:spMkLst>
+        </pc:spChg>
+        <pc:spChg chg="add mod">
+          <ac:chgData name="byron dodd" userId="5f8f3b5ac755099a" providerId="LiveId" clId="{62296B02-FF6D-4E03-834C-A905267B6D21}" dt="2024-03-12T13:41:25.898" v="1467" actId="14100"/>
+          <ac:spMkLst>
+            <pc:docMk/>
+            <pc:sldMk cId="2504913997" sldId="267"/>
+            <ac:spMk id="75" creationId="{4B57AEB8-99B6-96AE-D48E-1FE90E1DEF8E}"/>
+          </ac:spMkLst>
+        </pc:spChg>
+        <pc:spChg chg="add mod">
+          <ac:chgData name="byron dodd" userId="5f8f3b5ac755099a" providerId="LiveId" clId="{62296B02-FF6D-4E03-834C-A905267B6D21}" dt="2024-03-12T13:42:45.219" v="1483" actId="20577"/>
+          <ac:spMkLst>
+            <pc:docMk/>
+            <pc:sldMk cId="2504913997" sldId="267"/>
+            <ac:spMk id="81" creationId="{E1F696EF-B2C5-D272-357B-C881562E2530}"/>
+          </ac:spMkLst>
+        </pc:spChg>
+        <pc:spChg chg="add del mod">
+          <ac:chgData name="byron dodd" userId="5f8f3b5ac755099a" providerId="LiveId" clId="{62296B02-FF6D-4E03-834C-A905267B6D21}" dt="2024-03-12T13:42:58.524" v="1486" actId="478"/>
+          <ac:spMkLst>
+            <pc:docMk/>
+            <pc:sldMk cId="2504913997" sldId="267"/>
+            <ac:spMk id="82" creationId="{39D61474-BF82-8C71-280A-F82663C351A2}"/>
+          </ac:spMkLst>
+        </pc:spChg>
+        <pc:spChg chg="add del mod">
+          <ac:chgData name="byron dodd" userId="5f8f3b5ac755099a" providerId="LiveId" clId="{62296B02-FF6D-4E03-834C-A905267B6D21}" dt="2024-03-12T13:43:01.469" v="1487" actId="478"/>
+          <ac:spMkLst>
+            <pc:docMk/>
+            <pc:sldMk cId="2504913997" sldId="267"/>
+            <ac:spMk id="83" creationId="{40684601-4666-C0B7-FD4C-8D26FB10B589}"/>
+          </ac:spMkLst>
+        </pc:spChg>
+        <pc:spChg chg="add mod">
+          <ac:chgData name="byron dodd" userId="5f8f3b5ac755099a" providerId="LiveId" clId="{62296B02-FF6D-4E03-834C-A905267B6D21}" dt="2024-03-12T13:43:10.725" v="1489" actId="1076"/>
+          <ac:spMkLst>
+            <pc:docMk/>
+            <pc:sldMk cId="2504913997" sldId="267"/>
+            <ac:spMk id="85" creationId="{521A1962-FC36-F4B4-4507-87B09E4B2A2A}"/>
+          </ac:spMkLst>
+        </pc:spChg>
+        <pc:spChg chg="add mod">
+          <ac:chgData name="byron dodd" userId="5f8f3b5ac755099a" providerId="LiveId" clId="{62296B02-FF6D-4E03-834C-A905267B6D21}" dt="2024-03-12T13:43:10.725" v="1489" actId="1076"/>
+          <ac:spMkLst>
+            <pc:docMk/>
+            <pc:sldMk cId="2504913997" sldId="267"/>
+            <ac:spMk id="86" creationId="{045BB1F1-8332-EB14-CC83-BC944F93709B}"/>
+          </ac:spMkLst>
+        </pc:spChg>
+        <pc:cxnChg chg="add del mod">
+          <ac:chgData name="byron dodd" userId="5f8f3b5ac755099a" providerId="LiveId" clId="{62296B02-FF6D-4E03-834C-A905267B6D21}" dt="2024-03-12T13:24:28.102" v="1049" actId="478"/>
+          <ac:cxnSpMkLst>
+            <pc:docMk/>
+            <pc:sldMk cId="2504913997" sldId="267"/>
+            <ac:cxnSpMk id="8" creationId="{D346ED09-F663-D3FF-789F-98001EA95742}"/>
+          </ac:cxnSpMkLst>
+        </pc:cxnChg>
+        <pc:cxnChg chg="add del mod">
+          <ac:chgData name="byron dodd" userId="5f8f3b5ac755099a" providerId="LiveId" clId="{62296B02-FF6D-4E03-834C-A905267B6D21}" dt="2024-03-12T13:24:28.102" v="1049" actId="478"/>
+          <ac:cxnSpMkLst>
+            <pc:docMk/>
+            <pc:sldMk cId="2504913997" sldId="267"/>
+            <ac:cxnSpMk id="9" creationId="{741DBB1E-0021-B57D-93D1-3CA96B14538F}"/>
+          </ac:cxnSpMkLst>
+        </pc:cxnChg>
+        <pc:cxnChg chg="add del mod">
+          <ac:chgData name="byron dodd" userId="5f8f3b5ac755099a" providerId="LiveId" clId="{62296B02-FF6D-4E03-834C-A905267B6D21}" dt="2024-03-12T13:24:28.102" v="1049" actId="478"/>
+          <ac:cxnSpMkLst>
+            <pc:docMk/>
+            <pc:sldMk cId="2504913997" sldId="267"/>
+            <ac:cxnSpMk id="10" creationId="{D56E50AB-6DB8-5291-FFEB-8804A16D61BC}"/>
+          </ac:cxnSpMkLst>
+        </pc:cxnChg>
+        <pc:cxnChg chg="add del mod">
+          <ac:chgData name="byron dodd" userId="5f8f3b5ac755099a" providerId="LiveId" clId="{62296B02-FF6D-4E03-834C-A905267B6D21}" dt="2024-03-12T13:24:28.102" v="1049" actId="478"/>
+          <ac:cxnSpMkLst>
+            <pc:docMk/>
+            <pc:sldMk cId="2504913997" sldId="267"/>
+            <ac:cxnSpMk id="11" creationId="{D9CCE7CD-44BA-A5F0-DCCC-6971F081FF56}"/>
+          </ac:cxnSpMkLst>
+        </pc:cxnChg>
+        <pc:cxnChg chg="add del mod">
+          <ac:chgData name="byron dodd" userId="5f8f3b5ac755099a" providerId="LiveId" clId="{62296B02-FF6D-4E03-834C-A905267B6D21}" dt="2024-03-12T13:24:28.102" v="1049" actId="478"/>
+          <ac:cxnSpMkLst>
+            <pc:docMk/>
+            <pc:sldMk cId="2504913997" sldId="267"/>
+            <ac:cxnSpMk id="12" creationId="{1881E4F2-6659-3125-DDCF-36A8E87EF920}"/>
+          </ac:cxnSpMkLst>
+        </pc:cxnChg>
+        <pc:cxnChg chg="add del mod">
+          <ac:chgData name="byron dodd" userId="5f8f3b5ac755099a" providerId="LiveId" clId="{62296B02-FF6D-4E03-834C-A905267B6D21}" dt="2024-03-12T13:24:28.102" v="1049" actId="478"/>
+          <ac:cxnSpMkLst>
+            <pc:docMk/>
+            <pc:sldMk cId="2504913997" sldId="267"/>
+            <ac:cxnSpMk id="13" creationId="{39E1B050-D9E7-6C09-E349-F39CB83E6B46}"/>
+          </ac:cxnSpMkLst>
+        </pc:cxnChg>
+        <pc:cxnChg chg="add del mod">
+          <ac:chgData name="byron dodd" userId="5f8f3b5ac755099a" providerId="LiveId" clId="{62296B02-FF6D-4E03-834C-A905267B6D21}" dt="2024-03-12T13:24:28.102" v="1049" actId="478"/>
+          <ac:cxnSpMkLst>
+            <pc:docMk/>
+            <pc:sldMk cId="2504913997" sldId="267"/>
+            <ac:cxnSpMk id="14" creationId="{FD92306E-D6D9-8076-9058-D9FA35A20AA7}"/>
+          </ac:cxnSpMkLst>
+        </pc:cxnChg>
+        <pc:cxnChg chg="add del mod">
+          <ac:chgData name="byron dodd" userId="5f8f3b5ac755099a" providerId="LiveId" clId="{62296B02-FF6D-4E03-834C-A905267B6D21}" dt="2024-03-12T13:24:28.102" v="1049" actId="478"/>
+          <ac:cxnSpMkLst>
+            <pc:docMk/>
+            <pc:sldMk cId="2504913997" sldId="267"/>
+            <ac:cxnSpMk id="15" creationId="{28C9CE31-0C8F-D13D-69F9-641E3ACB6316}"/>
+          </ac:cxnSpMkLst>
+        </pc:cxnChg>
+        <pc:cxnChg chg="add del mod">
+          <ac:chgData name="byron dodd" userId="5f8f3b5ac755099a" providerId="LiveId" clId="{62296B02-FF6D-4E03-834C-A905267B6D21}" dt="2024-03-12T13:24:28.102" v="1049" actId="478"/>
+          <ac:cxnSpMkLst>
+            <pc:docMk/>
+            <pc:sldMk cId="2504913997" sldId="267"/>
+            <ac:cxnSpMk id="16" creationId="{4AE61D60-307E-8341-3D17-F9A01C88886F}"/>
+          </ac:cxnSpMkLst>
+        </pc:cxnChg>
+        <pc:cxnChg chg="add del mod">
+          <ac:chgData name="byron dodd" userId="5f8f3b5ac755099a" providerId="LiveId" clId="{62296B02-FF6D-4E03-834C-A905267B6D21}" dt="2024-03-12T13:24:28.102" v="1049" actId="478"/>
+          <ac:cxnSpMkLst>
+            <pc:docMk/>
+            <pc:sldMk cId="2504913997" sldId="267"/>
+            <ac:cxnSpMk id="17" creationId="{B7B2B1FB-9C14-B3E4-3814-8B2B624863F4}"/>
+          </ac:cxnSpMkLst>
+        </pc:cxnChg>
+        <pc:cxnChg chg="add del mod">
+          <ac:chgData name="byron dodd" userId="5f8f3b5ac755099a" providerId="LiveId" clId="{62296B02-FF6D-4E03-834C-A905267B6D21}" dt="2024-03-12T13:24:28.102" v="1049" actId="478"/>
+          <ac:cxnSpMkLst>
+            <pc:docMk/>
+            <pc:sldMk cId="2504913997" sldId="267"/>
+            <ac:cxnSpMk id="19" creationId="{DE7BFDCF-20DB-CF42-C3B1-73149B11C90E}"/>
+          </ac:cxnSpMkLst>
+        </pc:cxnChg>
+        <pc:cxnChg chg="add del mod">
+          <ac:chgData name="byron dodd" userId="5f8f3b5ac755099a" providerId="LiveId" clId="{62296B02-FF6D-4E03-834C-A905267B6D21}" dt="2024-03-12T13:24:28.102" v="1049" actId="478"/>
+          <ac:cxnSpMkLst>
+            <pc:docMk/>
+            <pc:sldMk cId="2504913997" sldId="267"/>
+            <ac:cxnSpMk id="20" creationId="{DB78DEDE-0AF2-04F9-0F76-CB9FC8DCFE67}"/>
+          </ac:cxnSpMkLst>
+        </pc:cxnChg>
+        <pc:cxnChg chg="add del mod">
+          <ac:chgData name="byron dodd" userId="5f8f3b5ac755099a" providerId="LiveId" clId="{62296B02-FF6D-4E03-834C-A905267B6D21}" dt="2024-03-12T13:24:28.102" v="1049" actId="478"/>
+          <ac:cxnSpMkLst>
+            <pc:docMk/>
+            <pc:sldMk cId="2504913997" sldId="267"/>
+            <ac:cxnSpMk id="23" creationId="{C792EA9D-3A15-6B91-94BB-17502965AB27}"/>
+          </ac:cxnSpMkLst>
+        </pc:cxnChg>
+        <pc:cxnChg chg="add del mod">
+          <ac:chgData name="byron dodd" userId="5f8f3b5ac755099a" providerId="LiveId" clId="{62296B02-FF6D-4E03-834C-A905267B6D21}" dt="2024-03-12T13:24:28.102" v="1049" actId="478"/>
+          <ac:cxnSpMkLst>
+            <pc:docMk/>
+            <pc:sldMk cId="2504913997" sldId="267"/>
+            <ac:cxnSpMk id="24" creationId="{F1B75336-6F47-1031-705C-72C526D0ADF2}"/>
+          </ac:cxnSpMkLst>
+        </pc:cxnChg>
+        <pc:cxnChg chg="add mod">
+          <ac:chgData name="byron dodd" userId="5f8f3b5ac755099a" providerId="LiveId" clId="{62296B02-FF6D-4E03-834C-A905267B6D21}" dt="2024-03-12T13:26:55.976" v="1158" actId="14100"/>
+          <ac:cxnSpMkLst>
+            <pc:docMk/>
+            <pc:sldMk cId="2504913997" sldId="267"/>
+            <ac:cxnSpMk id="30" creationId="{F325A4BA-7478-15F0-4D71-A3E59F51ED3A}"/>
+          </ac:cxnSpMkLst>
+        </pc:cxnChg>
+        <pc:cxnChg chg="add mod">
+          <ac:chgData name="byron dodd" userId="5f8f3b5ac755099a" providerId="LiveId" clId="{62296B02-FF6D-4E03-834C-A905267B6D21}" dt="2024-03-12T13:27:17.760" v="1168" actId="1076"/>
+          <ac:cxnSpMkLst>
+            <pc:docMk/>
+            <pc:sldMk cId="2504913997" sldId="267"/>
+            <ac:cxnSpMk id="35" creationId="{E636B01C-A1EF-D70B-5A25-A35143977115}"/>
+          </ac:cxnSpMkLst>
+        </pc:cxnChg>
+        <pc:cxnChg chg="add mod">
+          <ac:chgData name="byron dodd" userId="5f8f3b5ac755099a" providerId="LiveId" clId="{62296B02-FF6D-4E03-834C-A905267B6D21}" dt="2024-03-12T13:27:41.981" v="1187" actId="14100"/>
+          <ac:cxnSpMkLst>
+            <pc:docMk/>
+            <pc:sldMk cId="2504913997" sldId="267"/>
+            <ac:cxnSpMk id="36" creationId="{3C5BE584-2997-CFC7-C42E-4829143AFC07}"/>
+          </ac:cxnSpMkLst>
+        </pc:cxnChg>
+        <pc:cxnChg chg="add mod">
+          <ac:chgData name="byron dodd" userId="5f8f3b5ac755099a" providerId="LiveId" clId="{62296B02-FF6D-4E03-834C-A905267B6D21}" dt="2024-03-12T13:28:35.772" v="1197" actId="1076"/>
+          <ac:cxnSpMkLst>
+            <pc:docMk/>
+            <pc:sldMk cId="2504913997" sldId="267"/>
+            <ac:cxnSpMk id="41" creationId="{F1378EB4-F64B-8365-8851-0C382083526B}"/>
+          </ac:cxnSpMkLst>
+        </pc:cxnChg>
+        <pc:cxnChg chg="add mod">
+          <ac:chgData name="byron dodd" userId="5f8f3b5ac755099a" providerId="LiveId" clId="{62296B02-FF6D-4E03-834C-A905267B6D21}" dt="2024-03-12T13:29:33.437" v="1250" actId="1076"/>
+          <ac:cxnSpMkLst>
+            <pc:docMk/>
+            <pc:sldMk cId="2504913997" sldId="267"/>
+            <ac:cxnSpMk id="45" creationId="{E837D108-9D9E-F7CD-A5D0-24AB11DDC2FD}"/>
+          </ac:cxnSpMkLst>
+        </pc:cxnChg>
+        <pc:cxnChg chg="add mod">
+          <ac:chgData name="byron dodd" userId="5f8f3b5ac755099a" providerId="LiveId" clId="{62296B02-FF6D-4E03-834C-A905267B6D21}" dt="2024-03-12T13:30:31.400" v="1260" actId="1076"/>
+          <ac:cxnSpMkLst>
+            <pc:docMk/>
+            <pc:sldMk cId="2504913997" sldId="267"/>
+            <ac:cxnSpMk id="49" creationId="{119B54F1-18D8-2E8C-7EFC-D5FED8A88C80}"/>
+          </ac:cxnSpMkLst>
+        </pc:cxnChg>
+        <pc:cxnChg chg="add mod">
+          <ac:chgData name="byron dodd" userId="5f8f3b5ac755099a" providerId="LiveId" clId="{62296B02-FF6D-4E03-834C-A905267B6D21}" dt="2024-03-12T13:31:18.107" v="1345" actId="1076"/>
+          <ac:cxnSpMkLst>
+            <pc:docMk/>
+            <pc:sldMk cId="2504913997" sldId="267"/>
+            <ac:cxnSpMk id="53" creationId="{06D6C561-AA03-479B-0936-769097FA4B45}"/>
+          </ac:cxnSpMkLst>
+        </pc:cxnChg>
+        <pc:cxnChg chg="add mod">
+          <ac:chgData name="byron dodd" userId="5f8f3b5ac755099a" providerId="LiveId" clId="{62296B02-FF6D-4E03-834C-A905267B6D21}" dt="2024-03-12T13:33:49.398" v="1409" actId="14100"/>
+          <ac:cxnSpMkLst>
+            <pc:docMk/>
+            <pc:sldMk cId="2504913997" sldId="267"/>
+            <ac:cxnSpMk id="57" creationId="{E23F9E94-595A-90FC-C3A1-D3FD900778C8}"/>
+          </ac:cxnSpMkLst>
+        </pc:cxnChg>
+        <pc:cxnChg chg="add mod">
+          <ac:chgData name="byron dodd" userId="5f8f3b5ac755099a" providerId="LiveId" clId="{62296B02-FF6D-4E03-834C-A905267B6D21}" dt="2024-03-12T13:33:52.211" v="1410" actId="14100"/>
+          <ac:cxnSpMkLst>
+            <pc:docMk/>
+            <pc:sldMk cId="2504913997" sldId="267"/>
+            <ac:cxnSpMk id="58" creationId="{5D469093-042A-8509-1156-693F7D107A1B}"/>
+          </ac:cxnSpMkLst>
+        </pc:cxnChg>
+        <pc:cxnChg chg="add mod">
+          <ac:chgData name="byron dodd" userId="5f8f3b5ac755099a" providerId="LiveId" clId="{62296B02-FF6D-4E03-834C-A905267B6D21}" dt="2024-03-12T13:33:11.370" v="1395" actId="1076"/>
+          <ac:cxnSpMkLst>
+            <pc:docMk/>
+            <pc:sldMk cId="2504913997" sldId="267"/>
+            <ac:cxnSpMk id="60" creationId="{1085038F-A8C3-70AE-091D-AB810963FCAC}"/>
+          </ac:cxnSpMkLst>
+        </pc:cxnChg>
+        <pc:cxnChg chg="add mod">
+          <ac:chgData name="byron dodd" userId="5f8f3b5ac755099a" providerId="LiveId" clId="{62296B02-FF6D-4E03-834C-A905267B6D21}" dt="2024-03-12T13:33:11.370" v="1395" actId="1076"/>
+          <ac:cxnSpMkLst>
+            <pc:docMk/>
+            <pc:sldMk cId="2504913997" sldId="267"/>
+            <ac:cxnSpMk id="61" creationId="{4203278A-4992-F4B1-F796-0D69BAFF1A85}"/>
+          </ac:cxnSpMkLst>
+        </pc:cxnChg>
+        <pc:cxnChg chg="add mod">
+          <ac:chgData name="byron dodd" userId="5f8f3b5ac755099a" providerId="LiveId" clId="{62296B02-FF6D-4E03-834C-A905267B6D21}" dt="2024-03-12T13:41:47.325" v="1472" actId="14100"/>
+          <ac:cxnSpMkLst>
+            <pc:docMk/>
+            <pc:sldMk cId="2504913997" sldId="267"/>
+            <ac:cxnSpMk id="70" creationId="{BA9E723B-93BA-3898-F43F-DF901F7BA551}"/>
+          </ac:cxnSpMkLst>
+        </pc:cxnChg>
+        <pc:cxnChg chg="add mod">
+          <ac:chgData name="byron dodd" userId="5f8f3b5ac755099a" providerId="LiveId" clId="{62296B02-FF6D-4E03-834C-A905267B6D21}" dt="2024-03-12T13:41:32.953" v="1468" actId="14100"/>
+          <ac:cxnSpMkLst>
+            <pc:docMk/>
+            <pc:sldMk cId="2504913997" sldId="267"/>
+            <ac:cxnSpMk id="71" creationId="{BE81B834-DEAF-B263-2AE9-4F9F38C1E27B}"/>
+          </ac:cxnSpMkLst>
+        </pc:cxnChg>
+        <pc:cxnChg chg="add mod">
+          <ac:chgData name="byron dodd" userId="5f8f3b5ac755099a" providerId="LiveId" clId="{62296B02-FF6D-4E03-834C-A905267B6D21}" dt="2024-03-12T13:41:52.858" v="1475" actId="14100"/>
+          <ac:cxnSpMkLst>
+            <pc:docMk/>
+            <pc:sldMk cId="2504913997" sldId="267"/>
+            <ac:cxnSpMk id="79" creationId="{815EF30E-16F9-6766-6030-31F9155FD8F8}"/>
+          </ac:cxnSpMkLst>
+        </pc:cxnChg>
+        <pc:cxnChg chg="add del mod">
+          <ac:chgData name="byron dodd" userId="5f8f3b5ac755099a" providerId="LiveId" clId="{62296B02-FF6D-4E03-834C-A905267B6D21}" dt="2024-03-12T13:43:01.469" v="1487" actId="478"/>
+          <ac:cxnSpMkLst>
+            <pc:docMk/>
+            <pc:sldMk cId="2504913997" sldId="267"/>
+            <ac:cxnSpMk id="84" creationId="{314AF560-DD09-EE04-3B6E-0D40A577D097}"/>
+          </ac:cxnSpMkLst>
+        </pc:cxnChg>
+        <pc:cxnChg chg="add mod">
+          <ac:chgData name="byron dodd" userId="5f8f3b5ac755099a" providerId="LiveId" clId="{62296B02-FF6D-4E03-834C-A905267B6D21}" dt="2024-03-12T13:43:10.725" v="1489" actId="1076"/>
+          <ac:cxnSpMkLst>
+            <pc:docMk/>
+            <pc:sldMk cId="2504913997" sldId="267"/>
+            <ac:cxnSpMk id="87" creationId="{265F9CC0-9B7B-F1A6-160F-A8652423DA33}"/>
+          </ac:cxnSpMkLst>
+        </pc:cxnChg>
+        <pc:cxnChg chg="add mod">
+          <ac:chgData name="byron dodd" userId="5f8f3b5ac755099a" providerId="LiveId" clId="{62296B02-FF6D-4E03-834C-A905267B6D21}" dt="2024-03-12T13:43:10.725" v="1489" actId="1076"/>
+          <ac:cxnSpMkLst>
+            <pc:docMk/>
+            <pc:sldMk cId="2504913997" sldId="267"/>
+            <ac:cxnSpMk id="88" creationId="{EC2DB351-8AF8-C701-7BBB-F9DE56147020}"/>
+          </ac:cxnSpMkLst>
+        </pc:cxnChg>
+      </pc:sldChg>
+      <pc:sldChg chg="addSp delSp modSp new mod">
+        <pc:chgData name="byron dodd" userId="5f8f3b5ac755099a" providerId="LiveId" clId="{62296B02-FF6D-4E03-834C-A905267B6D21}" dt="2024-03-13T18:33:29.153" v="1507" actId="20577"/>
+        <pc:sldMkLst>
+          <pc:docMk/>
+          <pc:sldMk cId="416268104" sldId="268"/>
+        </pc:sldMkLst>
+        <pc:spChg chg="del">
+          <ac:chgData name="byron dodd" userId="5f8f3b5ac755099a" providerId="LiveId" clId="{62296B02-FF6D-4E03-834C-A905267B6D21}" dt="2024-03-13T18:33:19.654" v="1492" actId="478"/>
+          <ac:spMkLst>
+            <pc:docMk/>
+            <pc:sldMk cId="416268104" sldId="268"/>
+            <ac:spMk id="2" creationId="{DC19B053-0CAE-180B-E293-D981AE240176}"/>
+          </ac:spMkLst>
+        </pc:spChg>
+        <pc:spChg chg="del">
+          <ac:chgData name="byron dodd" userId="5f8f3b5ac755099a" providerId="LiveId" clId="{62296B02-FF6D-4E03-834C-A905267B6D21}" dt="2024-03-13T18:33:16.202" v="1491" actId="478"/>
+          <ac:spMkLst>
+            <pc:docMk/>
+            <pc:sldMk cId="416268104" sldId="268"/>
+            <ac:spMk id="3" creationId="{D75DE9F8-7F4E-D765-2BE5-D151CD2DCD25}"/>
+          </ac:spMkLst>
+        </pc:spChg>
+        <pc:spChg chg="add mod">
+          <ac:chgData name="byron dodd" userId="5f8f3b5ac755099a" providerId="LiveId" clId="{62296B02-FF6D-4E03-834C-A905267B6D21}" dt="2024-03-13T18:33:29.153" v="1507" actId="20577"/>
+          <ac:spMkLst>
+            <pc:docMk/>
+            <pc:sldMk cId="416268104" sldId="268"/>
+            <ac:spMk id="4" creationId="{03CC48CC-4805-1CED-FFFD-411CCF68737C}"/>
+          </ac:spMkLst>
+        </pc:spChg>
       </pc:sldChg>
     </pc:docChg>
   </pc:docChgLst>
@@ -733,7 +2442,7 @@
           <a:p>
             <a:fld id="{EF65BAF8-CD10-4897-980A-0A7E77145E05}" type="datetimeFigureOut">
               <a:rPr lang="en-GB" smtClean="0"/>
-              <a:t>20/02/2024</a:t>
+              <a:t>09/03/2024</a:t>
             </a:fld>
             <a:endParaRPr lang="en-GB"/>
           </a:p>
@@ -933,7 +2642,7 @@
           <a:p>
             <a:fld id="{EF65BAF8-CD10-4897-980A-0A7E77145E05}" type="datetimeFigureOut">
               <a:rPr lang="en-GB" smtClean="0"/>
-              <a:t>20/02/2024</a:t>
+              <a:t>09/03/2024</a:t>
             </a:fld>
             <a:endParaRPr lang="en-GB"/>
           </a:p>
@@ -1143,7 +2852,7 @@
           <a:p>
             <a:fld id="{EF65BAF8-CD10-4897-980A-0A7E77145E05}" type="datetimeFigureOut">
               <a:rPr lang="en-GB" smtClean="0"/>
-              <a:t>20/02/2024</a:t>
+              <a:t>09/03/2024</a:t>
             </a:fld>
             <a:endParaRPr lang="en-GB"/>
           </a:p>
@@ -1343,7 +3052,7 @@
           <a:p>
             <a:fld id="{EF65BAF8-CD10-4897-980A-0A7E77145E05}" type="datetimeFigureOut">
               <a:rPr lang="en-GB" smtClean="0"/>
-              <a:t>20/02/2024</a:t>
+              <a:t>09/03/2024</a:t>
             </a:fld>
             <a:endParaRPr lang="en-GB"/>
           </a:p>
@@ -1619,7 +3328,7 @@
           <a:p>
             <a:fld id="{EF65BAF8-CD10-4897-980A-0A7E77145E05}" type="datetimeFigureOut">
               <a:rPr lang="en-GB" smtClean="0"/>
-              <a:t>20/02/2024</a:t>
+              <a:t>09/03/2024</a:t>
             </a:fld>
             <a:endParaRPr lang="en-GB"/>
           </a:p>
@@ -1887,7 +3596,7 @@
           <a:p>
             <a:fld id="{EF65BAF8-CD10-4897-980A-0A7E77145E05}" type="datetimeFigureOut">
               <a:rPr lang="en-GB" smtClean="0"/>
-              <a:t>20/02/2024</a:t>
+              <a:t>09/03/2024</a:t>
             </a:fld>
             <a:endParaRPr lang="en-GB"/>
           </a:p>
@@ -2302,7 +4011,7 @@
           <a:p>
             <a:fld id="{EF65BAF8-CD10-4897-980A-0A7E77145E05}" type="datetimeFigureOut">
               <a:rPr lang="en-GB" smtClean="0"/>
-              <a:t>20/02/2024</a:t>
+              <a:t>09/03/2024</a:t>
             </a:fld>
             <a:endParaRPr lang="en-GB"/>
           </a:p>
@@ -2444,7 +4153,7 @@
           <a:p>
             <a:fld id="{EF65BAF8-CD10-4897-980A-0A7E77145E05}" type="datetimeFigureOut">
               <a:rPr lang="en-GB" smtClean="0"/>
-              <a:t>20/02/2024</a:t>
+              <a:t>09/03/2024</a:t>
             </a:fld>
             <a:endParaRPr lang="en-GB"/>
           </a:p>
@@ -2557,7 +4266,7 @@
           <a:p>
             <a:fld id="{EF65BAF8-CD10-4897-980A-0A7E77145E05}" type="datetimeFigureOut">
               <a:rPr lang="en-GB" smtClean="0"/>
-              <a:t>20/02/2024</a:t>
+              <a:t>09/03/2024</a:t>
             </a:fld>
             <a:endParaRPr lang="en-GB"/>
           </a:p>
@@ -2870,7 +4579,7 @@
           <a:p>
             <a:fld id="{EF65BAF8-CD10-4897-980A-0A7E77145E05}" type="datetimeFigureOut">
               <a:rPr lang="en-GB" smtClean="0"/>
-              <a:t>20/02/2024</a:t>
+              <a:t>09/03/2024</a:t>
             </a:fld>
             <a:endParaRPr lang="en-GB"/>
           </a:p>
@@ -3159,7 +4868,7 @@
           <a:p>
             <a:fld id="{EF65BAF8-CD10-4897-980A-0A7E77145E05}" type="datetimeFigureOut">
               <a:rPr lang="en-GB" smtClean="0"/>
-              <a:t>20/02/2024</a:t>
+              <a:t>09/03/2024</a:t>
             </a:fld>
             <a:endParaRPr lang="en-GB"/>
           </a:p>
@@ -3402,7 +5111,7 @@
           <a:p>
             <a:fld id="{EF65BAF8-CD10-4897-980A-0A7E77145E05}" type="datetimeFigureOut">
               <a:rPr lang="en-GB" smtClean="0"/>
-              <a:t>20/02/2024</a:t>
+              <a:t>09/03/2024</a:t>
             </a:fld>
             <a:endParaRPr lang="en-GB"/>
           </a:p>
@@ -3824,7 +5533,7 @@
           <p:cNvPr id="4" name="TextBox 3">
             <a:extLst>
               <a:ext uri="{FF2B5EF4-FFF2-40B4-BE49-F238E27FC236}">
-                <a16:creationId xmlns:a16="http://schemas.microsoft.com/office/drawing/2014/main" id="{F42F9336-7388-77C5-4A65-1DC70E8EB262}"/>
+                <a16:creationId xmlns:a16="http://schemas.microsoft.com/office/drawing/2014/main" id="{E398BAD2-DB9E-8B00-8733-FC775775F8F3}"/>
               </a:ext>
             </a:extLst>
           </p:cNvPr>
@@ -3833,8 +5542,8 @@
         </p:nvSpPr>
         <p:spPr>
           <a:xfrm>
-            <a:off x="870012" y="1473693"/>
-            <a:ext cx="790112" cy="369332"/>
+            <a:off x="2737282" y="2024108"/>
+            <a:ext cx="6551720" cy="584775"/>
           </a:xfrm>
           <a:prstGeom prst="rect">
             <a:avLst/>
@@ -3847,19 +5556,50 @@
           </a:bodyPr>
           <a:lstStyle/>
           <a:p>
-            <a:r>
-              <a:rPr lang="en-GB" dirty="0"/>
-              <a:t>T1</a:t>
-            </a:r>
-          </a:p>
-        </p:txBody>
-      </p:sp>
-      <p:sp>
-        <p:nvSpPr>
-          <p:cNvPr id="5" name="TextBox 4">
-            <a:extLst>
-              <a:ext uri="{FF2B5EF4-FFF2-40B4-BE49-F238E27FC236}">
-                <a16:creationId xmlns:a16="http://schemas.microsoft.com/office/drawing/2014/main" id="{7AB1EC9D-5FCD-1B4B-858C-C59518794A96}"/>
+            <a:pPr algn="ctr"/>
+            <a:r>
+              <a:rPr lang="en-GB" sz="3200" dirty="0"/>
+              <a:t>Compressor </a:t>
+            </a:r>
+          </a:p>
+        </p:txBody>
+      </p:sp>
+    </p:spTree>
+    <p:extLst>
+      <p:ext uri="{BB962C8B-B14F-4D97-AF65-F5344CB8AC3E}">
+        <p14:creationId xmlns:p14="http://schemas.microsoft.com/office/powerpoint/2010/main" val="1695618499"/>
+      </p:ext>
+    </p:extLst>
+  </p:cSld>
+  <p:clrMapOvr>
+    <a:masterClrMapping/>
+  </p:clrMapOvr>
+</p:sld>
+</file>
+
+<file path=ppt/slides/slide10.xml><?xml version="1.0" encoding="utf-8"?>
+<p:sld xmlns:a="http://schemas.openxmlformats.org/drawingml/2006/main" xmlns:r="http://schemas.openxmlformats.org/officeDocument/2006/relationships" xmlns:p="http://schemas.openxmlformats.org/presentationml/2006/main">
+  <p:cSld>
+    <p:spTree>
+      <p:nvGrpSpPr>
+        <p:cNvPr id="1" name=""/>
+        <p:cNvGrpSpPr/>
+        <p:nvPr/>
+      </p:nvGrpSpPr>
+      <p:grpSpPr>
+        <a:xfrm>
+          <a:off x="0" y="0"/>
+          <a:ext cx="0" cy="0"/>
+          <a:chOff x="0" y="0"/>
+          <a:chExt cx="0" cy="0"/>
+        </a:xfrm>
+      </p:grpSpPr>
+      <p:sp>
+        <p:nvSpPr>
+          <p:cNvPr id="16" name="TextBox 15">
+            <a:extLst>
+              <a:ext uri="{FF2B5EF4-FFF2-40B4-BE49-F238E27FC236}">
+                <a16:creationId xmlns:a16="http://schemas.microsoft.com/office/drawing/2014/main" id="{01EC3734-0E68-F1D3-6429-CB621E6E3579}"/>
               </a:ext>
             </a:extLst>
           </p:cNvPr>
@@ -3868,8 +5608,8 @@
         </p:nvSpPr>
         <p:spPr>
           <a:xfrm>
-            <a:off x="1417468" y="2354062"/>
-            <a:ext cx="790112" cy="369332"/>
+            <a:off x="1100831" y="2015230"/>
+            <a:ext cx="772358" cy="2585323"/>
           </a:xfrm>
           <a:prstGeom prst="rect">
             <a:avLst/>
@@ -3884,17 +5624,47 @@
           <a:p>
             <a:r>
               <a:rPr lang="en-GB" dirty="0"/>
-              <a:t>F1</a:t>
-            </a:r>
-          </a:p>
-        </p:txBody>
-      </p:sp>
-      <p:sp>
-        <p:nvSpPr>
-          <p:cNvPr id="6" name="TextBox 5">
-            <a:extLst>
-              <a:ext uri="{FF2B5EF4-FFF2-40B4-BE49-F238E27FC236}">
-                <a16:creationId xmlns:a16="http://schemas.microsoft.com/office/drawing/2014/main" id="{F58A8B83-5EBA-2526-90D9-517719F87385}"/>
+              <a:t>T in</a:t>
+            </a:r>
+          </a:p>
+          <a:p>
+            <a:endParaRPr lang="en-GB" dirty="0"/>
+          </a:p>
+          <a:p>
+            <a:endParaRPr lang="en-GB" dirty="0"/>
+          </a:p>
+          <a:p>
+            <a:endParaRPr lang="en-GB" dirty="0"/>
+          </a:p>
+          <a:p>
+            <a:r>
+              <a:rPr lang="en-GB" dirty="0"/>
+              <a:t>P in </a:t>
+            </a:r>
+          </a:p>
+          <a:p>
+            <a:endParaRPr lang="en-GB" dirty="0"/>
+          </a:p>
+          <a:p>
+            <a:endParaRPr lang="en-GB" dirty="0"/>
+          </a:p>
+          <a:p>
+            <a:endParaRPr lang="en-GB" dirty="0"/>
+          </a:p>
+          <a:p>
+            <a:r>
+              <a:rPr lang="en-GB" dirty="0"/>
+              <a:t>F in </a:t>
+            </a:r>
+          </a:p>
+        </p:txBody>
+      </p:sp>
+      <p:sp>
+        <p:nvSpPr>
+          <p:cNvPr id="17" name="TextBox 16">
+            <a:extLst>
+              <a:ext uri="{FF2B5EF4-FFF2-40B4-BE49-F238E27FC236}">
+                <a16:creationId xmlns:a16="http://schemas.microsoft.com/office/drawing/2014/main" id="{0CC0023F-D546-037A-7BB7-667FD9FD70D5}"/>
               </a:ext>
             </a:extLst>
           </p:cNvPr>
@@ -3903,8 +5673,8 @@
         </p:nvSpPr>
         <p:spPr>
           <a:xfrm>
-            <a:off x="1899082" y="1509373"/>
-            <a:ext cx="790112" cy="369332"/>
+            <a:off x="6304624" y="2015230"/>
+            <a:ext cx="868533" cy="2585323"/>
           </a:xfrm>
           <a:prstGeom prst="rect">
             <a:avLst/>
@@ -3919,17 +5689,47 @@
           <a:p>
             <a:r>
               <a:rPr lang="en-GB" dirty="0"/>
-              <a:t>P1</a:t>
-            </a:r>
-          </a:p>
-        </p:txBody>
-      </p:sp>
-      <p:sp>
-        <p:nvSpPr>
-          <p:cNvPr id="7" name="TextBox 6">
-            <a:extLst>
-              <a:ext uri="{FF2B5EF4-FFF2-40B4-BE49-F238E27FC236}">
-                <a16:creationId xmlns:a16="http://schemas.microsoft.com/office/drawing/2014/main" id="{CF8BF53C-8CB2-468D-FC1A-C956BE36342E}"/>
+              <a:t>T gas</a:t>
+            </a:r>
+          </a:p>
+          <a:p>
+            <a:endParaRPr lang="en-GB" dirty="0"/>
+          </a:p>
+          <a:p>
+            <a:endParaRPr lang="en-GB" dirty="0"/>
+          </a:p>
+          <a:p>
+            <a:endParaRPr lang="en-GB" dirty="0"/>
+          </a:p>
+          <a:p>
+            <a:r>
+              <a:rPr lang="en-GB" dirty="0"/>
+              <a:t>P gas </a:t>
+            </a:r>
+          </a:p>
+          <a:p>
+            <a:endParaRPr lang="en-GB" dirty="0"/>
+          </a:p>
+          <a:p>
+            <a:endParaRPr lang="en-GB" dirty="0"/>
+          </a:p>
+          <a:p>
+            <a:endParaRPr lang="en-GB" dirty="0"/>
+          </a:p>
+          <a:p>
+            <a:r>
+              <a:rPr lang="en-GB" dirty="0"/>
+              <a:t>F gas </a:t>
+            </a:r>
+          </a:p>
+        </p:txBody>
+      </p:sp>
+      <p:sp>
+        <p:nvSpPr>
+          <p:cNvPr id="28" name="TextBox 27">
+            <a:extLst>
+              <a:ext uri="{FF2B5EF4-FFF2-40B4-BE49-F238E27FC236}">
+                <a16:creationId xmlns:a16="http://schemas.microsoft.com/office/drawing/2014/main" id="{C4A6F438-835D-762B-C1F2-2E37D7CD5086}"/>
               </a:ext>
             </a:extLst>
           </p:cNvPr>
@@ -3938,8 +5738,8 @@
         </p:nvSpPr>
         <p:spPr>
           <a:xfrm>
-            <a:off x="3757104" y="1058496"/>
-            <a:ext cx="790112" cy="369332"/>
+            <a:off x="2608551" y="1275723"/>
+            <a:ext cx="3266986" cy="369332"/>
           </a:xfrm>
           <a:prstGeom prst="rect">
             <a:avLst/>
@@ -3954,17 +5754,17 @@
           <a:p>
             <a:r>
               <a:rPr lang="en-GB" dirty="0"/>
-              <a:t>W</a:t>
-            </a:r>
-          </a:p>
-        </p:txBody>
-      </p:sp>
-      <p:sp>
-        <p:nvSpPr>
-          <p:cNvPr id="8" name="TextBox 7">
-            <a:extLst>
-              <a:ext uri="{FF2B5EF4-FFF2-40B4-BE49-F238E27FC236}">
-                <a16:creationId xmlns:a16="http://schemas.microsoft.com/office/drawing/2014/main" id="{BD082F9B-1049-C6CA-7571-0A0C6255177A}"/>
+              <a:t>T unit	   P unit	       L unit</a:t>
+            </a:r>
+          </a:p>
+        </p:txBody>
+      </p:sp>
+      <p:sp>
+        <p:nvSpPr>
+          <p:cNvPr id="30" name="TextBox 29">
+            <a:extLst>
+              <a:ext uri="{FF2B5EF4-FFF2-40B4-BE49-F238E27FC236}">
+                <a16:creationId xmlns:a16="http://schemas.microsoft.com/office/drawing/2014/main" id="{DF45C446-EE10-B21E-1662-0B7DE3571BF9}"/>
               </a:ext>
             </a:extLst>
           </p:cNvPr>
@@ -3973,8 +5773,8 @@
         </p:nvSpPr>
         <p:spPr>
           <a:xfrm>
-            <a:off x="3038384" y="1505503"/>
-            <a:ext cx="790112" cy="369332"/>
+            <a:off x="2608551" y="4837149"/>
+            <a:ext cx="3266986" cy="369332"/>
           </a:xfrm>
           <a:prstGeom prst="rect">
             <a:avLst/>
@@ -3989,17 +5789,38 @@
           <a:p>
             <a:r>
               <a:rPr lang="en-GB" dirty="0"/>
-              <a:t>P2</a:t>
-            </a:r>
-          </a:p>
-        </p:txBody>
-      </p:sp>
-      <p:sp>
-        <p:nvSpPr>
-          <p:cNvPr id="9" name="TextBox 8">
-            <a:extLst>
-              <a:ext uri="{FF2B5EF4-FFF2-40B4-BE49-F238E27FC236}">
-                <a16:creationId xmlns:a16="http://schemas.microsoft.com/office/drawing/2014/main" id="{A34FC2E9-791B-1BCA-8DF7-852BB9A7FC94}"/>
+              <a:t>T </a:t>
+            </a:r>
+            <a:r>
+              <a:rPr lang="en-GB" dirty="0" err="1"/>
+              <a:t>liq</a:t>
+            </a:r>
+            <a:r>
+              <a:rPr lang="en-GB" dirty="0"/>
+              <a:t>	   P </a:t>
+            </a:r>
+            <a:r>
+              <a:rPr lang="en-GB" dirty="0" err="1"/>
+              <a:t>liq</a:t>
+            </a:r>
+            <a:r>
+              <a:rPr lang="en-GB" dirty="0"/>
+              <a:t>	       F </a:t>
+            </a:r>
+            <a:r>
+              <a:rPr lang="en-GB" dirty="0" err="1"/>
+              <a:t>liq</a:t>
+            </a:r>
+            <a:endParaRPr lang="en-GB" dirty="0"/>
+          </a:p>
+        </p:txBody>
+      </p:sp>
+      <p:sp>
+        <p:nvSpPr>
+          <p:cNvPr id="31" name="TextBox 30">
+            <a:extLst>
+              <a:ext uri="{FF2B5EF4-FFF2-40B4-BE49-F238E27FC236}">
+                <a16:creationId xmlns:a16="http://schemas.microsoft.com/office/drawing/2014/main" id="{BC216585-9EDB-0617-02E8-FDD012A67CE3}"/>
               </a:ext>
             </a:extLst>
           </p:cNvPr>
@@ -4008,8 +5829,8 @@
         </p:nvSpPr>
         <p:spPr>
           <a:xfrm>
-            <a:off x="3828496" y="1550062"/>
-            <a:ext cx="790112" cy="369332"/>
+            <a:off x="8478175" y="675495"/>
+            <a:ext cx="1731145" cy="369332"/>
           </a:xfrm>
           <a:prstGeom prst="rect">
             <a:avLst/>
@@ -4024,52 +5845,17 @@
           <a:p>
             <a:r>
               <a:rPr lang="en-GB" dirty="0"/>
-              <a:t>T2</a:t>
-            </a:r>
-          </a:p>
-        </p:txBody>
-      </p:sp>
-      <p:sp>
-        <p:nvSpPr>
-          <p:cNvPr id="10" name="TextBox 9">
-            <a:extLst>
-              <a:ext uri="{FF2B5EF4-FFF2-40B4-BE49-F238E27FC236}">
-                <a16:creationId xmlns:a16="http://schemas.microsoft.com/office/drawing/2014/main" id="{F6E75630-1796-04FA-7D71-F04E5B95FA64}"/>
-              </a:ext>
-            </a:extLst>
-          </p:cNvPr>
-          <p:cNvSpPr txBox="1"/>
-          <p:nvPr/>
-        </p:nvSpPr>
-        <p:spPr>
-          <a:xfrm>
-            <a:off x="4369295" y="2354062"/>
-            <a:ext cx="790112" cy="369332"/>
-          </a:xfrm>
-          <a:prstGeom prst="rect">
-            <a:avLst/>
-          </a:prstGeom>
-          <a:noFill/>
-        </p:spPr>
-        <p:txBody>
-          <a:bodyPr wrap="square" rtlCol="0">
-            <a:spAutoFit/>
-          </a:bodyPr>
-          <a:lstStyle/>
-          <a:p>
-            <a:r>
-              <a:rPr lang="en-GB" dirty="0"/>
-              <a:t>F2</a:t>
+              <a:t>C1</a:t>
             </a:r>
           </a:p>
         </p:txBody>
       </p:sp>
       <p:cxnSp>
         <p:nvCxnSpPr>
-          <p:cNvPr id="18" name="Straight Arrow Connector 17">
-            <a:extLst>
-              <a:ext uri="{FF2B5EF4-FFF2-40B4-BE49-F238E27FC236}">
-                <a16:creationId xmlns:a16="http://schemas.microsoft.com/office/drawing/2014/main" id="{C9AF874B-05AB-42C9-801C-CEC6BF2F7387}"/>
+          <p:cNvPr id="3" name="Straight Arrow Connector 2">
+            <a:extLst>
+              <a:ext uri="{FF2B5EF4-FFF2-40B4-BE49-F238E27FC236}">
+                <a16:creationId xmlns:a16="http://schemas.microsoft.com/office/drawing/2014/main" id="{D7CCDBD8-288E-99CA-BFFB-F6E19CBAA33F}"/>
               </a:ext>
             </a:extLst>
           </p:cNvPr>
@@ -4077,9 +5863,9 @@
           <p:nvPr/>
         </p:nvCxnSpPr>
         <p:spPr>
-          <a:xfrm>
-            <a:off x="2459115" y="1658359"/>
-            <a:ext cx="550415" cy="0"/>
+          <a:xfrm flipV="1">
+            <a:off x="1713390" y="1645055"/>
+            <a:ext cx="1091954" cy="574362"/>
           </a:xfrm>
           <a:prstGeom prst="straightConnector1">
             <a:avLst/>
@@ -4105,22 +5891,20 @@
       </p:cxnSp>
       <p:cxnSp>
         <p:nvCxnSpPr>
-          <p:cNvPr id="22" name="Straight Arrow Connector 21">
-            <a:extLst>
-              <a:ext uri="{FF2B5EF4-FFF2-40B4-BE49-F238E27FC236}">
-                <a16:creationId xmlns:a16="http://schemas.microsoft.com/office/drawing/2014/main" id="{3A725855-4B46-0F4E-F20F-A90731CA7162}"/>
-              </a:ext>
-            </a:extLst>
-          </p:cNvPr>
-          <p:cNvCxnSpPr>
-            <a:endCxn id="10" idx="1"/>
-          </p:cNvCxnSpPr>
+          <p:cNvPr id="5" name="Straight Arrow Connector 4">
+            <a:extLst>
+              <a:ext uri="{FF2B5EF4-FFF2-40B4-BE49-F238E27FC236}">
+                <a16:creationId xmlns:a16="http://schemas.microsoft.com/office/drawing/2014/main" id="{437E0203-95B0-4651-D490-D2B4C5CC5D8C}"/>
+              </a:ext>
+            </a:extLst>
+          </p:cNvPr>
+          <p:cNvCxnSpPr/>
           <p:nvPr/>
         </p:nvCxnSpPr>
         <p:spPr>
           <a:xfrm>
-            <a:off x="1927194" y="2538728"/>
-            <a:ext cx="2442101" cy="0"/>
+            <a:off x="3009530" y="1645055"/>
+            <a:ext cx="0" cy="3192094"/>
           </a:xfrm>
           <a:prstGeom prst="straightConnector1">
             <a:avLst/>
@@ -4146,121 +5930,10 @@
       </p:cxnSp>
       <p:cxnSp>
         <p:nvCxnSpPr>
-          <p:cNvPr id="24" name="Straight Arrow Connector 23">
-            <a:extLst>
-              <a:ext uri="{FF2B5EF4-FFF2-40B4-BE49-F238E27FC236}">
-                <a16:creationId xmlns:a16="http://schemas.microsoft.com/office/drawing/2014/main" id="{7991D60F-90D1-2778-0ACB-3FF27B8376EE}"/>
-              </a:ext>
-            </a:extLst>
-          </p:cNvPr>
-          <p:cNvCxnSpPr>
-            <a:endCxn id="9" idx="1"/>
-          </p:cNvCxnSpPr>
-          <p:nvPr/>
-        </p:nvCxnSpPr>
-        <p:spPr>
-          <a:xfrm>
-            <a:off x="3498541" y="1734728"/>
-            <a:ext cx="329955" cy="0"/>
-          </a:xfrm>
-          <a:prstGeom prst="straightConnector1">
-            <a:avLst/>
-          </a:prstGeom>
-          <a:ln>
-            <a:tailEnd type="triangle"/>
-          </a:ln>
-        </p:spPr>
-        <p:style>
-          <a:lnRef idx="2">
-            <a:schemeClr val="accent1"/>
-          </a:lnRef>
-          <a:fillRef idx="0">
-            <a:schemeClr val="accent1"/>
-          </a:fillRef>
-          <a:effectRef idx="1">
-            <a:schemeClr val="accent1"/>
-          </a:effectRef>
-          <a:fontRef idx="minor">
-            <a:schemeClr val="tx1"/>
-          </a:fontRef>
-        </p:style>
-      </p:cxnSp>
-      <p:sp>
-        <p:nvSpPr>
-          <p:cNvPr id="46" name="TextBox 45">
-            <a:extLst>
-              <a:ext uri="{FF2B5EF4-FFF2-40B4-BE49-F238E27FC236}">
-                <a16:creationId xmlns:a16="http://schemas.microsoft.com/office/drawing/2014/main" id="{A5CF54D8-8E1B-7A16-2B1C-7AD714DAFD73}"/>
-              </a:ext>
-            </a:extLst>
-          </p:cNvPr>
-          <p:cNvSpPr txBox="1"/>
-          <p:nvPr/>
-        </p:nvSpPr>
-        <p:spPr>
-          <a:xfrm>
-            <a:off x="1927194" y="3280297"/>
-            <a:ext cx="790112" cy="369332"/>
-          </a:xfrm>
-          <a:prstGeom prst="rect">
-            <a:avLst/>
-          </a:prstGeom>
-          <a:noFill/>
-        </p:spPr>
-        <p:txBody>
-          <a:bodyPr wrap="square" rtlCol="0">
-            <a:spAutoFit/>
-          </a:bodyPr>
-          <a:lstStyle/>
-          <a:p>
-            <a:r>
-              <a:rPr lang="en-GB" dirty="0"/>
-              <a:t>x1</a:t>
-            </a:r>
-          </a:p>
-        </p:txBody>
-      </p:sp>
-      <p:sp>
-        <p:nvSpPr>
-          <p:cNvPr id="47" name="TextBox 46">
-            <a:extLst>
-              <a:ext uri="{FF2B5EF4-FFF2-40B4-BE49-F238E27FC236}">
-                <a16:creationId xmlns:a16="http://schemas.microsoft.com/office/drawing/2014/main" id="{019DDCE3-01DC-F4C7-13BB-C3097B43FD86}"/>
-              </a:ext>
-            </a:extLst>
-          </p:cNvPr>
-          <p:cNvSpPr txBox="1"/>
-          <p:nvPr/>
-        </p:nvSpPr>
-        <p:spPr>
-          <a:xfrm>
-            <a:off x="4369295" y="3280297"/>
-            <a:ext cx="790112" cy="369332"/>
-          </a:xfrm>
-          <a:prstGeom prst="rect">
-            <a:avLst/>
-          </a:prstGeom>
-          <a:noFill/>
-        </p:spPr>
-        <p:txBody>
-          <a:bodyPr wrap="square" rtlCol="0">
-            <a:spAutoFit/>
-          </a:bodyPr>
-          <a:lstStyle/>
-          <a:p>
-            <a:r>
-              <a:rPr lang="en-GB" dirty="0"/>
-              <a:t>x2</a:t>
-            </a:r>
-          </a:p>
-        </p:txBody>
-      </p:sp>
-      <p:cxnSp>
-        <p:nvCxnSpPr>
-          <p:cNvPr id="48" name="Straight Arrow Connector 47">
-            <a:extLst>
-              <a:ext uri="{FF2B5EF4-FFF2-40B4-BE49-F238E27FC236}">
-                <a16:creationId xmlns:a16="http://schemas.microsoft.com/office/drawing/2014/main" id="{8BFFCC9F-B973-5AA9-DACA-DDD56A15FD67}"/>
+          <p:cNvPr id="6" name="Straight Arrow Connector 5">
+            <a:extLst>
+              <a:ext uri="{FF2B5EF4-FFF2-40B4-BE49-F238E27FC236}">
+                <a16:creationId xmlns:a16="http://schemas.microsoft.com/office/drawing/2014/main" id="{2EB2C06C-0038-0CCE-0D30-29E5C87A845B}"/>
               </a:ext>
             </a:extLst>
           </p:cNvPr>
@@ -4271,90 +5944,11 @@
         </p:nvCxnSpPr>
         <p:spPr>
           <a:xfrm>
-            <a:off x="2399930" y="3464963"/>
-            <a:ext cx="1753773" cy="0"/>
+            <a:off x="3187083" y="1651519"/>
+            <a:ext cx="3117541" cy="567898"/>
           </a:xfrm>
           <a:prstGeom prst="straightConnector1">
             <a:avLst/>
-          </a:prstGeom>
-          <a:ln>
-            <a:tailEnd type="triangle"/>
-          </a:ln>
-        </p:spPr>
-        <p:style>
-          <a:lnRef idx="2">
-            <a:schemeClr val="accent1"/>
-          </a:lnRef>
-          <a:fillRef idx="0">
-            <a:schemeClr val="accent1"/>
-          </a:fillRef>
-          <a:effectRef idx="1">
-            <a:schemeClr val="accent1"/>
-          </a:effectRef>
-          <a:fontRef idx="minor">
-            <a:schemeClr val="tx1"/>
-          </a:fontRef>
-        </p:style>
-      </p:cxnSp>
-      <p:sp>
-        <p:nvSpPr>
-          <p:cNvPr id="50" name="TextBox 49">
-            <a:extLst>
-              <a:ext uri="{FF2B5EF4-FFF2-40B4-BE49-F238E27FC236}">
-                <a16:creationId xmlns:a16="http://schemas.microsoft.com/office/drawing/2014/main" id="{5B513961-8217-C0C3-D6AA-05C54A7E0A83}"/>
-              </a:ext>
-            </a:extLst>
-          </p:cNvPr>
-          <p:cNvSpPr txBox="1"/>
-          <p:nvPr/>
-        </p:nvSpPr>
-        <p:spPr>
-          <a:xfrm>
-            <a:off x="7785717" y="1180730"/>
-            <a:ext cx="3061316" cy="369332"/>
-          </a:xfrm>
-          <a:prstGeom prst="rect">
-            <a:avLst/>
-          </a:prstGeom>
-          <a:noFill/>
-        </p:spPr>
-        <p:txBody>
-          <a:bodyPr wrap="square" rtlCol="0">
-            <a:spAutoFit/>
-          </a:bodyPr>
-          <a:lstStyle/>
-          <a:p>
-            <a:r>
-              <a:rPr lang="en-GB" dirty="0"/>
-              <a:t>Compressor </a:t>
-            </a:r>
-          </a:p>
-        </p:txBody>
-      </p:sp>
-      <p:cxnSp>
-        <p:nvCxnSpPr>
-          <p:cNvPr id="62" name="Connector: Curved 61">
-            <a:extLst>
-              <a:ext uri="{FF2B5EF4-FFF2-40B4-BE49-F238E27FC236}">
-                <a16:creationId xmlns:a16="http://schemas.microsoft.com/office/drawing/2014/main" id="{7C9243A8-339D-A248-29CA-132A41CDAF2F}"/>
-              </a:ext>
-            </a:extLst>
-          </p:cNvPr>
-          <p:cNvCxnSpPr>
-            <a:cxnSpLocks/>
-            <a:stCxn id="7" idx="1"/>
-          </p:cNvCxnSpPr>
-          <p:nvPr/>
-        </p:nvCxnSpPr>
-        <p:spPr>
-          <a:xfrm rot="10800000" flipV="1">
-            <a:off x="3276816" y="1243161"/>
-            <a:ext cx="480288" cy="214597"/>
-          </a:xfrm>
-          <a:prstGeom prst="curvedConnector3">
-            <a:avLst>
-              <a:gd name="adj1" fmla="val 118391"/>
-            </a:avLst>
           </a:prstGeom>
           <a:ln>
             <a:tailEnd type="triangle"/>
@@ -4377,22 +5971,541 @@
       </p:cxnSp>
       <p:cxnSp>
         <p:nvCxnSpPr>
-          <p:cNvPr id="72" name="Straight Arrow Connector 71">
-            <a:extLst>
-              <a:ext uri="{FF2B5EF4-FFF2-40B4-BE49-F238E27FC236}">
-                <a16:creationId xmlns:a16="http://schemas.microsoft.com/office/drawing/2014/main" id="{143C4AC0-FC93-5BE2-EB82-2277BD46D8EE}"/>
+          <p:cNvPr id="9" name="Straight Arrow Connector 8">
+            <a:extLst>
+              <a:ext uri="{FF2B5EF4-FFF2-40B4-BE49-F238E27FC236}">
+                <a16:creationId xmlns:a16="http://schemas.microsoft.com/office/drawing/2014/main" id="{1106B00C-B2E2-B094-6B82-5EBF4DE7ACEB}"/>
               </a:ext>
             </a:extLst>
           </p:cNvPr>
           <p:cNvCxnSpPr>
-            <a:stCxn id="8" idx="0"/>
+            <a:cxnSpLocks/>
           </p:cNvCxnSpPr>
           <p:nvPr/>
         </p:nvCxnSpPr>
         <p:spPr>
           <a:xfrm flipV="1">
-            <a:off x="3433440" y="1359367"/>
-            <a:ext cx="395056" cy="146136"/>
+            <a:off x="1668261" y="1651519"/>
+            <a:ext cx="2442839" cy="1651726"/>
+          </a:xfrm>
+          <a:prstGeom prst="straightConnector1">
+            <a:avLst/>
+          </a:prstGeom>
+          <a:ln>
+            <a:tailEnd type="triangle"/>
+          </a:ln>
+        </p:spPr>
+        <p:style>
+          <a:lnRef idx="2">
+            <a:schemeClr val="accent1"/>
+          </a:lnRef>
+          <a:fillRef idx="0">
+            <a:schemeClr val="accent1"/>
+          </a:fillRef>
+          <a:effectRef idx="1">
+            <a:schemeClr val="accent1"/>
+          </a:effectRef>
+          <a:fontRef idx="minor">
+            <a:schemeClr val="tx1"/>
+          </a:fontRef>
+        </p:style>
+      </p:cxnSp>
+      <p:cxnSp>
+        <p:nvCxnSpPr>
+          <p:cNvPr id="12" name="Straight Arrow Connector 11">
+            <a:extLst>
+              <a:ext uri="{FF2B5EF4-FFF2-40B4-BE49-F238E27FC236}">
+                <a16:creationId xmlns:a16="http://schemas.microsoft.com/office/drawing/2014/main" id="{B9264382-3AE0-7565-8392-4074A51E9524}"/>
+              </a:ext>
+            </a:extLst>
+          </p:cNvPr>
+          <p:cNvCxnSpPr>
+            <a:cxnSpLocks/>
+          </p:cNvCxnSpPr>
+          <p:nvPr/>
+        </p:nvCxnSpPr>
+        <p:spPr>
+          <a:xfrm flipH="1">
+            <a:off x="4111100" y="1651519"/>
+            <a:ext cx="860395" cy="3185630"/>
+          </a:xfrm>
+          <a:prstGeom prst="straightConnector1">
+            <a:avLst/>
+          </a:prstGeom>
+          <a:ln>
+            <a:tailEnd type="triangle"/>
+          </a:ln>
+        </p:spPr>
+        <p:style>
+          <a:lnRef idx="2">
+            <a:schemeClr val="accent1"/>
+          </a:lnRef>
+          <a:fillRef idx="0">
+            <a:schemeClr val="accent1"/>
+          </a:fillRef>
+          <a:effectRef idx="1">
+            <a:schemeClr val="accent1"/>
+          </a:effectRef>
+          <a:fontRef idx="minor">
+            <a:schemeClr val="tx1"/>
+          </a:fontRef>
+        </p:style>
+      </p:cxnSp>
+      <p:cxnSp>
+        <p:nvCxnSpPr>
+          <p:cNvPr id="13" name="Straight Arrow Connector 12">
+            <a:extLst>
+              <a:ext uri="{FF2B5EF4-FFF2-40B4-BE49-F238E27FC236}">
+                <a16:creationId xmlns:a16="http://schemas.microsoft.com/office/drawing/2014/main" id="{9463AFE4-2171-885E-59F7-4785BDAE7CE6}"/>
+              </a:ext>
+            </a:extLst>
+          </p:cNvPr>
+          <p:cNvCxnSpPr>
+            <a:cxnSpLocks/>
+          </p:cNvCxnSpPr>
+          <p:nvPr/>
+        </p:nvCxnSpPr>
+        <p:spPr>
+          <a:xfrm flipH="1">
+            <a:off x="5157926" y="1645055"/>
+            <a:ext cx="106532" cy="3192094"/>
+          </a:xfrm>
+          <a:prstGeom prst="straightConnector1">
+            <a:avLst/>
+          </a:prstGeom>
+          <a:ln>
+            <a:tailEnd type="triangle"/>
+          </a:ln>
+        </p:spPr>
+        <p:style>
+          <a:lnRef idx="2">
+            <a:schemeClr val="accent1"/>
+          </a:lnRef>
+          <a:fillRef idx="0">
+            <a:schemeClr val="accent1"/>
+          </a:fillRef>
+          <a:effectRef idx="1">
+            <a:schemeClr val="accent1"/>
+          </a:effectRef>
+          <a:fontRef idx="minor">
+            <a:schemeClr val="tx1"/>
+          </a:fontRef>
+        </p:style>
+      </p:cxnSp>
+      <p:cxnSp>
+        <p:nvCxnSpPr>
+          <p:cNvPr id="20" name="Straight Arrow Connector 19">
+            <a:extLst>
+              <a:ext uri="{FF2B5EF4-FFF2-40B4-BE49-F238E27FC236}">
+                <a16:creationId xmlns:a16="http://schemas.microsoft.com/office/drawing/2014/main" id="{7A7F22AC-2AB4-F4DB-FBA5-40B2473D6153}"/>
+              </a:ext>
+            </a:extLst>
+          </p:cNvPr>
+          <p:cNvCxnSpPr>
+            <a:stCxn id="28" idx="2"/>
+          </p:cNvCxnSpPr>
+          <p:nvPr/>
+        </p:nvCxnSpPr>
+        <p:spPr>
+          <a:xfrm>
+            <a:off x="4242044" y="1645055"/>
+            <a:ext cx="2062580" cy="1542028"/>
+          </a:xfrm>
+          <a:prstGeom prst="straightConnector1">
+            <a:avLst/>
+          </a:prstGeom>
+          <a:ln>
+            <a:tailEnd type="triangle"/>
+          </a:ln>
+        </p:spPr>
+        <p:style>
+          <a:lnRef idx="2">
+            <a:schemeClr val="accent1"/>
+          </a:lnRef>
+          <a:fillRef idx="0">
+            <a:schemeClr val="accent1"/>
+          </a:fillRef>
+          <a:effectRef idx="1">
+            <a:schemeClr val="accent1"/>
+          </a:effectRef>
+          <a:fontRef idx="minor">
+            <a:schemeClr val="tx1"/>
+          </a:fontRef>
+        </p:style>
+      </p:cxnSp>
+      <p:cxnSp>
+        <p:nvCxnSpPr>
+          <p:cNvPr id="21" name="Straight Arrow Connector 20">
+            <a:extLst>
+              <a:ext uri="{FF2B5EF4-FFF2-40B4-BE49-F238E27FC236}">
+                <a16:creationId xmlns:a16="http://schemas.microsoft.com/office/drawing/2014/main" id="{5C7B4657-754D-2990-2C45-6BDD329A6EC4}"/>
+              </a:ext>
+            </a:extLst>
+          </p:cNvPr>
+          <p:cNvCxnSpPr>
+            <a:cxnSpLocks/>
+            <a:stCxn id="28" idx="2"/>
+          </p:cNvCxnSpPr>
+          <p:nvPr/>
+        </p:nvCxnSpPr>
+        <p:spPr>
+          <a:xfrm>
+            <a:off x="4242044" y="1645055"/>
+            <a:ext cx="2034472" cy="2605746"/>
+          </a:xfrm>
+          <a:prstGeom prst="straightConnector1">
+            <a:avLst/>
+          </a:prstGeom>
+          <a:ln>
+            <a:tailEnd type="triangle"/>
+          </a:ln>
+        </p:spPr>
+        <p:style>
+          <a:lnRef idx="2">
+            <a:schemeClr val="accent1"/>
+          </a:lnRef>
+          <a:fillRef idx="0">
+            <a:schemeClr val="accent1"/>
+          </a:fillRef>
+          <a:effectRef idx="1">
+            <a:schemeClr val="accent1"/>
+          </a:effectRef>
+          <a:fontRef idx="minor">
+            <a:schemeClr val="tx1"/>
+          </a:fontRef>
+        </p:style>
+      </p:cxnSp>
+      <p:cxnSp>
+        <p:nvCxnSpPr>
+          <p:cNvPr id="25" name="Straight Arrow Connector 24">
+            <a:extLst>
+              <a:ext uri="{FF2B5EF4-FFF2-40B4-BE49-F238E27FC236}">
+                <a16:creationId xmlns:a16="http://schemas.microsoft.com/office/drawing/2014/main" id="{8E8DEEE3-A4BE-A016-D6BA-3C2F2C09BF89}"/>
+              </a:ext>
+            </a:extLst>
+          </p:cNvPr>
+          <p:cNvCxnSpPr/>
+          <p:nvPr/>
+        </p:nvCxnSpPr>
+        <p:spPr>
+          <a:xfrm flipV="1">
+            <a:off x="1713390" y="1651519"/>
+            <a:ext cx="2237173" cy="2698539"/>
+          </a:xfrm>
+          <a:prstGeom prst="straightConnector1">
+            <a:avLst/>
+          </a:prstGeom>
+          <a:ln>
+            <a:tailEnd type="triangle"/>
+          </a:ln>
+        </p:spPr>
+        <p:style>
+          <a:lnRef idx="2">
+            <a:schemeClr val="accent1"/>
+          </a:lnRef>
+          <a:fillRef idx="0">
+            <a:schemeClr val="accent1"/>
+          </a:fillRef>
+          <a:effectRef idx="1">
+            <a:schemeClr val="accent1"/>
+          </a:effectRef>
+          <a:fontRef idx="minor">
+            <a:schemeClr val="tx1"/>
+          </a:fontRef>
+        </p:style>
+      </p:cxnSp>
+      <p:cxnSp>
+        <p:nvCxnSpPr>
+          <p:cNvPr id="43" name="Straight Arrow Connector 42">
+            <a:extLst>
+              <a:ext uri="{FF2B5EF4-FFF2-40B4-BE49-F238E27FC236}">
+                <a16:creationId xmlns:a16="http://schemas.microsoft.com/office/drawing/2014/main" id="{A13A174E-083E-C11D-0FEF-7302EC745AF8}"/>
+              </a:ext>
+            </a:extLst>
+          </p:cNvPr>
+          <p:cNvCxnSpPr/>
+          <p:nvPr/>
+        </p:nvCxnSpPr>
+        <p:spPr>
+          <a:xfrm flipV="1">
+            <a:off x="1713390" y="1645055"/>
+            <a:ext cx="3471169" cy="2705003"/>
+          </a:xfrm>
+          <a:prstGeom prst="straightConnector1">
+            <a:avLst/>
+          </a:prstGeom>
+          <a:ln>
+            <a:tailEnd type="triangle"/>
+          </a:ln>
+        </p:spPr>
+        <p:style>
+          <a:lnRef idx="2">
+            <a:schemeClr val="accent1"/>
+          </a:lnRef>
+          <a:fillRef idx="0">
+            <a:schemeClr val="accent1"/>
+          </a:fillRef>
+          <a:effectRef idx="1">
+            <a:schemeClr val="accent1"/>
+          </a:effectRef>
+          <a:fontRef idx="minor">
+            <a:schemeClr val="tx1"/>
+          </a:fontRef>
+        </p:style>
+      </p:cxnSp>
+      <p:sp>
+        <p:nvSpPr>
+          <p:cNvPr id="2" name="TextBox 1">
+            <a:extLst>
+              <a:ext uri="{FF2B5EF4-FFF2-40B4-BE49-F238E27FC236}">
+                <a16:creationId xmlns:a16="http://schemas.microsoft.com/office/drawing/2014/main" id="{51174590-1E45-1F7F-6586-C09927B4A971}"/>
+              </a:ext>
+            </a:extLst>
+          </p:cNvPr>
+          <p:cNvSpPr txBox="1"/>
+          <p:nvPr/>
+        </p:nvSpPr>
+        <p:spPr>
+          <a:xfrm>
+            <a:off x="763480" y="310718"/>
+            <a:ext cx="949910" cy="369332"/>
+          </a:xfrm>
+          <a:prstGeom prst="rect">
+            <a:avLst/>
+          </a:prstGeom>
+          <a:noFill/>
+        </p:spPr>
+        <p:txBody>
+          <a:bodyPr wrap="square" rtlCol="0">
+            <a:spAutoFit/>
+          </a:bodyPr>
+          <a:lstStyle/>
+          <a:p>
+            <a:r>
+              <a:rPr lang="en-GB" dirty="0"/>
+              <a:t>X in</a:t>
+            </a:r>
+          </a:p>
+        </p:txBody>
+      </p:sp>
+      <p:cxnSp>
+        <p:nvCxnSpPr>
+          <p:cNvPr id="4" name="Straight Arrow Connector 3">
+            <a:extLst>
+              <a:ext uri="{FF2B5EF4-FFF2-40B4-BE49-F238E27FC236}">
+                <a16:creationId xmlns:a16="http://schemas.microsoft.com/office/drawing/2014/main" id="{BD507C62-BD1F-ECD9-EF42-FC267F6546F9}"/>
+              </a:ext>
+            </a:extLst>
+          </p:cNvPr>
+          <p:cNvCxnSpPr>
+            <a:cxnSpLocks/>
+          </p:cNvCxnSpPr>
+          <p:nvPr/>
+        </p:nvCxnSpPr>
+        <p:spPr>
+          <a:xfrm>
+            <a:off x="1327212" y="630177"/>
+            <a:ext cx="2454675" cy="652010"/>
+          </a:xfrm>
+          <a:prstGeom prst="straightConnector1">
+            <a:avLst/>
+          </a:prstGeom>
+          <a:ln>
+            <a:tailEnd type="triangle"/>
+          </a:ln>
+        </p:spPr>
+        <p:style>
+          <a:lnRef idx="2">
+            <a:schemeClr val="accent1"/>
+          </a:lnRef>
+          <a:fillRef idx="0">
+            <a:schemeClr val="accent1"/>
+          </a:fillRef>
+          <a:effectRef idx="1">
+            <a:schemeClr val="accent1"/>
+          </a:effectRef>
+          <a:fontRef idx="minor">
+            <a:schemeClr val="tx1"/>
+          </a:fontRef>
+        </p:style>
+      </p:cxnSp>
+      <p:cxnSp>
+        <p:nvCxnSpPr>
+          <p:cNvPr id="8" name="Straight Arrow Connector 7">
+            <a:extLst>
+              <a:ext uri="{FF2B5EF4-FFF2-40B4-BE49-F238E27FC236}">
+                <a16:creationId xmlns:a16="http://schemas.microsoft.com/office/drawing/2014/main" id="{5C76AC0D-B5A8-DB80-671D-9BE4FA51ECF3}"/>
+              </a:ext>
+            </a:extLst>
+          </p:cNvPr>
+          <p:cNvCxnSpPr>
+            <a:cxnSpLocks/>
+          </p:cNvCxnSpPr>
+          <p:nvPr/>
+        </p:nvCxnSpPr>
+        <p:spPr>
+          <a:xfrm>
+            <a:off x="1277646" y="507261"/>
+            <a:ext cx="3625047" cy="815021"/>
+          </a:xfrm>
+          <a:prstGeom prst="straightConnector1">
+            <a:avLst/>
+          </a:prstGeom>
+          <a:ln>
+            <a:tailEnd type="triangle"/>
+          </a:ln>
+        </p:spPr>
+        <p:style>
+          <a:lnRef idx="2">
+            <a:schemeClr val="accent1"/>
+          </a:lnRef>
+          <a:fillRef idx="0">
+            <a:schemeClr val="accent1"/>
+          </a:fillRef>
+          <a:effectRef idx="1">
+            <a:schemeClr val="accent1"/>
+          </a:effectRef>
+          <a:fontRef idx="minor">
+            <a:schemeClr val="tx1"/>
+          </a:fontRef>
+        </p:style>
+      </p:cxnSp>
+      <p:sp>
+        <p:nvSpPr>
+          <p:cNvPr id="11" name="TextBox 10">
+            <a:extLst>
+              <a:ext uri="{FF2B5EF4-FFF2-40B4-BE49-F238E27FC236}">
+                <a16:creationId xmlns:a16="http://schemas.microsoft.com/office/drawing/2014/main" id="{D38AB345-9E23-6F6A-7E35-FEBF688B78AD}"/>
+              </a:ext>
+            </a:extLst>
+          </p:cNvPr>
+          <p:cNvSpPr txBox="1"/>
+          <p:nvPr/>
+        </p:nvSpPr>
+        <p:spPr>
+          <a:xfrm>
+            <a:off x="6526567" y="137929"/>
+            <a:ext cx="949910" cy="369332"/>
+          </a:xfrm>
+          <a:prstGeom prst="rect">
+            <a:avLst/>
+          </a:prstGeom>
+          <a:noFill/>
+        </p:spPr>
+        <p:txBody>
+          <a:bodyPr wrap="square" rtlCol="0">
+            <a:spAutoFit/>
+          </a:bodyPr>
+          <a:lstStyle/>
+          <a:p>
+            <a:r>
+              <a:rPr lang="en-GB" dirty="0"/>
+              <a:t>X gas</a:t>
+            </a:r>
+          </a:p>
+        </p:txBody>
+      </p:sp>
+      <p:sp>
+        <p:nvSpPr>
+          <p:cNvPr id="14" name="TextBox 13">
+            <a:extLst>
+              <a:ext uri="{FF2B5EF4-FFF2-40B4-BE49-F238E27FC236}">
+                <a16:creationId xmlns:a16="http://schemas.microsoft.com/office/drawing/2014/main" id="{F69D3F75-28C3-3D3D-E2D1-32E4C2DD07CD}"/>
+              </a:ext>
+            </a:extLst>
+          </p:cNvPr>
+          <p:cNvSpPr txBox="1"/>
+          <p:nvPr/>
+        </p:nvSpPr>
+        <p:spPr>
+          <a:xfrm>
+            <a:off x="6526567" y="750974"/>
+            <a:ext cx="949910" cy="369332"/>
+          </a:xfrm>
+          <a:prstGeom prst="rect">
+            <a:avLst/>
+          </a:prstGeom>
+          <a:noFill/>
+        </p:spPr>
+        <p:txBody>
+          <a:bodyPr wrap="square" rtlCol="0">
+            <a:spAutoFit/>
+          </a:bodyPr>
+          <a:lstStyle/>
+          <a:p>
+            <a:r>
+              <a:rPr lang="en-GB" dirty="0"/>
+              <a:t>X </a:t>
+            </a:r>
+            <a:r>
+              <a:rPr lang="en-GB" dirty="0" err="1"/>
+              <a:t>liq</a:t>
+            </a:r>
+            <a:endParaRPr lang="en-GB" dirty="0"/>
+          </a:p>
+        </p:txBody>
+      </p:sp>
+      <p:cxnSp>
+        <p:nvCxnSpPr>
+          <p:cNvPr id="15" name="Straight Arrow Connector 14">
+            <a:extLst>
+              <a:ext uri="{FF2B5EF4-FFF2-40B4-BE49-F238E27FC236}">
+                <a16:creationId xmlns:a16="http://schemas.microsoft.com/office/drawing/2014/main" id="{35DB7D8C-13FA-B5B6-11B0-0909E3C60CFC}"/>
+              </a:ext>
+            </a:extLst>
+          </p:cNvPr>
+          <p:cNvCxnSpPr>
+            <a:cxnSpLocks/>
+            <a:stCxn id="28" idx="0"/>
+          </p:cNvCxnSpPr>
+          <p:nvPr/>
+        </p:nvCxnSpPr>
+        <p:spPr>
+          <a:xfrm flipV="1">
+            <a:off x="4242044" y="985310"/>
+            <a:ext cx="2126944" cy="290413"/>
+          </a:xfrm>
+          <a:prstGeom prst="straightConnector1">
+            <a:avLst/>
+          </a:prstGeom>
+          <a:ln>
+            <a:tailEnd type="triangle"/>
+          </a:ln>
+        </p:spPr>
+        <p:style>
+          <a:lnRef idx="2">
+            <a:schemeClr val="accent1"/>
+          </a:lnRef>
+          <a:fillRef idx="0">
+            <a:schemeClr val="accent1"/>
+          </a:fillRef>
+          <a:effectRef idx="1">
+            <a:schemeClr val="accent1"/>
+          </a:effectRef>
+          <a:fontRef idx="minor">
+            <a:schemeClr val="tx1"/>
+          </a:fontRef>
+        </p:style>
+      </p:cxnSp>
+      <p:cxnSp>
+        <p:nvCxnSpPr>
+          <p:cNvPr id="19" name="Straight Arrow Connector 18">
+            <a:extLst>
+              <a:ext uri="{FF2B5EF4-FFF2-40B4-BE49-F238E27FC236}">
+                <a16:creationId xmlns:a16="http://schemas.microsoft.com/office/drawing/2014/main" id="{7E792D36-18C4-FD75-BBF9-D50F74895A24}"/>
+              </a:ext>
+            </a:extLst>
+          </p:cNvPr>
+          <p:cNvCxnSpPr>
+            <a:cxnSpLocks/>
+            <a:endCxn id="11" idx="1"/>
+          </p:cNvCxnSpPr>
+          <p:nvPr/>
+        </p:nvCxnSpPr>
+        <p:spPr>
+          <a:xfrm flipV="1">
+            <a:off x="4099266" y="322595"/>
+            <a:ext cx="2427301" cy="984493"/>
           </a:xfrm>
           <a:prstGeom prst="straightConnector1">
             <a:avLst/>
@@ -4419,7 +6532,1976 @@
     </p:spTree>
     <p:extLst>
       <p:ext uri="{BB962C8B-B14F-4D97-AF65-F5344CB8AC3E}">
-        <p14:creationId xmlns:p14="http://schemas.microsoft.com/office/powerpoint/2010/main" val="2305744929"/>
+        <p14:creationId xmlns:p14="http://schemas.microsoft.com/office/powerpoint/2010/main" val="559934091"/>
+      </p:ext>
+    </p:extLst>
+  </p:cSld>
+  <p:clrMapOvr>
+    <a:masterClrMapping/>
+  </p:clrMapOvr>
+</p:sld>
+</file>
+
+<file path=ppt/slides/slide11.xml><?xml version="1.0" encoding="utf-8"?>
+<p:sld xmlns:a="http://schemas.openxmlformats.org/drawingml/2006/main" xmlns:r="http://schemas.openxmlformats.org/officeDocument/2006/relationships" xmlns:p="http://schemas.openxmlformats.org/presentationml/2006/main">
+  <p:cSld>
+    <p:spTree>
+      <p:nvGrpSpPr>
+        <p:cNvPr id="1" name=""/>
+        <p:cNvGrpSpPr/>
+        <p:nvPr/>
+      </p:nvGrpSpPr>
+      <p:grpSpPr>
+        <a:xfrm>
+          <a:off x="0" y="0"/>
+          <a:ext cx="0" cy="0"/>
+          <a:chOff x="0" y="0"/>
+          <a:chExt cx="0" cy="0"/>
+        </a:xfrm>
+      </p:grpSpPr>
+      <p:sp>
+        <p:nvSpPr>
+          <p:cNvPr id="4" name="TextBox 3">
+            <a:extLst>
+              <a:ext uri="{FF2B5EF4-FFF2-40B4-BE49-F238E27FC236}">
+                <a16:creationId xmlns:a16="http://schemas.microsoft.com/office/drawing/2014/main" id="{2991220B-FC51-3C40-E596-FC763D47AF10}"/>
+              </a:ext>
+            </a:extLst>
+          </p:cNvPr>
+          <p:cNvSpPr txBox="1"/>
+          <p:nvPr/>
+        </p:nvSpPr>
+        <p:spPr>
+          <a:xfrm>
+            <a:off x="2737282" y="2024108"/>
+            <a:ext cx="6551720" cy="584775"/>
+          </a:xfrm>
+          <a:prstGeom prst="rect">
+            <a:avLst/>
+          </a:prstGeom>
+          <a:noFill/>
+        </p:spPr>
+        <p:txBody>
+          <a:bodyPr wrap="square" rtlCol="0">
+            <a:spAutoFit/>
+          </a:bodyPr>
+          <a:lstStyle/>
+          <a:p>
+            <a:pPr algn="ctr"/>
+            <a:r>
+              <a:rPr lang="en-GB" sz="3200" dirty="0"/>
+              <a:t>Reactor</a:t>
+            </a:r>
+          </a:p>
+        </p:txBody>
+      </p:sp>
+    </p:spTree>
+    <p:extLst>
+      <p:ext uri="{BB962C8B-B14F-4D97-AF65-F5344CB8AC3E}">
+        <p14:creationId xmlns:p14="http://schemas.microsoft.com/office/powerpoint/2010/main" val="2812805550"/>
+      </p:ext>
+    </p:extLst>
+  </p:cSld>
+  <p:clrMapOvr>
+    <a:masterClrMapping/>
+  </p:clrMapOvr>
+</p:sld>
+</file>
+
+<file path=ppt/slides/slide12.xml><?xml version="1.0" encoding="utf-8"?>
+<p:sld xmlns:a="http://schemas.openxmlformats.org/drawingml/2006/main" xmlns:r="http://schemas.openxmlformats.org/officeDocument/2006/relationships" xmlns:p="http://schemas.openxmlformats.org/presentationml/2006/main">
+  <p:cSld>
+    <p:spTree>
+      <p:nvGrpSpPr>
+        <p:cNvPr id="1" name=""/>
+        <p:cNvGrpSpPr/>
+        <p:nvPr/>
+      </p:nvGrpSpPr>
+      <p:grpSpPr>
+        <a:xfrm>
+          <a:off x="0" y="0"/>
+          <a:ext cx="0" cy="0"/>
+          <a:chOff x="0" y="0"/>
+          <a:chExt cx="0" cy="0"/>
+        </a:xfrm>
+      </p:grpSpPr>
+      <p:sp>
+        <p:nvSpPr>
+          <p:cNvPr id="25" name="TextBox 24">
+            <a:extLst>
+              <a:ext uri="{FF2B5EF4-FFF2-40B4-BE49-F238E27FC236}">
+                <a16:creationId xmlns:a16="http://schemas.microsoft.com/office/drawing/2014/main" id="{462B0F59-FABA-4068-C9EC-FD36DD18B1C1}"/>
+              </a:ext>
+            </a:extLst>
+          </p:cNvPr>
+          <p:cNvSpPr txBox="1"/>
+          <p:nvPr/>
+        </p:nvSpPr>
+        <p:spPr>
+          <a:xfrm>
+            <a:off x="8893811" y="121497"/>
+            <a:ext cx="1731145" cy="369332"/>
+          </a:xfrm>
+          <a:prstGeom prst="rect">
+            <a:avLst/>
+          </a:prstGeom>
+          <a:noFill/>
+        </p:spPr>
+        <p:txBody>
+          <a:bodyPr wrap="square" rtlCol="0">
+            <a:spAutoFit/>
+          </a:bodyPr>
+          <a:lstStyle/>
+          <a:p>
+            <a:r>
+              <a:rPr lang="en-GB" dirty="0"/>
+              <a:t>SV1 R1</a:t>
+            </a:r>
+          </a:p>
+        </p:txBody>
+      </p:sp>
+      <p:sp>
+        <p:nvSpPr>
+          <p:cNvPr id="26" name="TextBox 25">
+            <a:extLst>
+              <a:ext uri="{FF2B5EF4-FFF2-40B4-BE49-F238E27FC236}">
+                <a16:creationId xmlns:a16="http://schemas.microsoft.com/office/drawing/2014/main" id="{04CA2DF5-D8B5-B775-5D8B-43999191C610}"/>
+              </a:ext>
+            </a:extLst>
+          </p:cNvPr>
+          <p:cNvSpPr txBox="1"/>
+          <p:nvPr/>
+        </p:nvSpPr>
+        <p:spPr>
+          <a:xfrm>
+            <a:off x="682102" y="306163"/>
+            <a:ext cx="6063448" cy="369332"/>
+          </a:xfrm>
+          <a:prstGeom prst="rect">
+            <a:avLst/>
+          </a:prstGeom>
+          <a:noFill/>
+        </p:spPr>
+        <p:txBody>
+          <a:bodyPr wrap="square" rtlCol="0">
+            <a:spAutoFit/>
+          </a:bodyPr>
+          <a:lstStyle/>
+          <a:p>
+            <a:r>
+              <a:rPr lang="en-GB" dirty="0"/>
+              <a:t>For every stream with a liquid or solid component </a:t>
+            </a:r>
+          </a:p>
+        </p:txBody>
+      </p:sp>
+      <p:sp>
+        <p:nvSpPr>
+          <p:cNvPr id="27" name="TextBox 26">
+            <a:extLst>
+              <a:ext uri="{FF2B5EF4-FFF2-40B4-BE49-F238E27FC236}">
+                <a16:creationId xmlns:a16="http://schemas.microsoft.com/office/drawing/2014/main" id="{1F96F13A-4E64-203D-BE70-7D314474F20E}"/>
+              </a:ext>
+            </a:extLst>
+          </p:cNvPr>
+          <p:cNvSpPr txBox="1"/>
+          <p:nvPr/>
+        </p:nvSpPr>
+        <p:spPr>
+          <a:xfrm>
+            <a:off x="914400" y="860161"/>
+            <a:ext cx="905522" cy="369332"/>
+          </a:xfrm>
+          <a:prstGeom prst="rect">
+            <a:avLst/>
+          </a:prstGeom>
+          <a:noFill/>
+        </p:spPr>
+        <p:txBody>
+          <a:bodyPr wrap="square" rtlCol="0">
+            <a:spAutoFit/>
+          </a:bodyPr>
+          <a:lstStyle/>
+          <a:p>
+            <a:r>
+              <a:rPr lang="en-GB" dirty="0"/>
+              <a:t>F in </a:t>
+            </a:r>
+            <a:r>
+              <a:rPr lang="en-GB" dirty="0" err="1"/>
+              <a:t>i</a:t>
+            </a:r>
+            <a:endParaRPr lang="en-GB" dirty="0"/>
+          </a:p>
+        </p:txBody>
+      </p:sp>
+      <p:sp>
+        <p:nvSpPr>
+          <p:cNvPr id="28" name="TextBox 27">
+            <a:extLst>
+              <a:ext uri="{FF2B5EF4-FFF2-40B4-BE49-F238E27FC236}">
+                <a16:creationId xmlns:a16="http://schemas.microsoft.com/office/drawing/2014/main" id="{C2E2CE5C-E58D-1EA7-99CA-501F9C89283B}"/>
+              </a:ext>
+            </a:extLst>
+          </p:cNvPr>
+          <p:cNvSpPr txBox="1"/>
+          <p:nvPr/>
+        </p:nvSpPr>
+        <p:spPr>
+          <a:xfrm>
+            <a:off x="2647025" y="848545"/>
+            <a:ext cx="905522" cy="369332"/>
+          </a:xfrm>
+          <a:prstGeom prst="rect">
+            <a:avLst/>
+          </a:prstGeom>
+          <a:noFill/>
+        </p:spPr>
+        <p:txBody>
+          <a:bodyPr wrap="square" rtlCol="0">
+            <a:spAutoFit/>
+          </a:bodyPr>
+          <a:lstStyle/>
+          <a:p>
+            <a:r>
+              <a:rPr lang="en-GB" dirty="0"/>
+              <a:t>L unit</a:t>
+            </a:r>
+          </a:p>
+        </p:txBody>
+      </p:sp>
+      <p:cxnSp>
+        <p:nvCxnSpPr>
+          <p:cNvPr id="30" name="Straight Arrow Connector 29">
+            <a:extLst>
+              <a:ext uri="{FF2B5EF4-FFF2-40B4-BE49-F238E27FC236}">
+                <a16:creationId xmlns:a16="http://schemas.microsoft.com/office/drawing/2014/main" id="{F325A4BA-7478-15F0-4D71-A3E59F51ED3A}"/>
+              </a:ext>
+            </a:extLst>
+          </p:cNvPr>
+          <p:cNvCxnSpPr>
+            <a:cxnSpLocks/>
+            <a:endCxn id="28" idx="1"/>
+          </p:cNvCxnSpPr>
+          <p:nvPr/>
+        </p:nvCxnSpPr>
+        <p:spPr>
+          <a:xfrm flipV="1">
+            <a:off x="1669002" y="1033211"/>
+            <a:ext cx="978023" cy="11616"/>
+          </a:xfrm>
+          <a:prstGeom prst="straightConnector1">
+            <a:avLst/>
+          </a:prstGeom>
+          <a:ln>
+            <a:tailEnd type="triangle"/>
+          </a:ln>
+        </p:spPr>
+        <p:style>
+          <a:lnRef idx="2">
+            <a:schemeClr val="dk1"/>
+          </a:lnRef>
+          <a:fillRef idx="0">
+            <a:schemeClr val="dk1"/>
+          </a:fillRef>
+          <a:effectRef idx="1">
+            <a:schemeClr val="dk1"/>
+          </a:effectRef>
+          <a:fontRef idx="minor">
+            <a:schemeClr val="tx1"/>
+          </a:fontRef>
+        </p:style>
+      </p:cxnSp>
+      <p:sp>
+        <p:nvSpPr>
+          <p:cNvPr id="32" name="TextBox 31">
+            <a:extLst>
+              <a:ext uri="{FF2B5EF4-FFF2-40B4-BE49-F238E27FC236}">
+                <a16:creationId xmlns:a16="http://schemas.microsoft.com/office/drawing/2014/main" id="{AB8F8BFE-8BD5-5B69-7BCF-B4AD00A1CFF0}"/>
+              </a:ext>
+            </a:extLst>
+          </p:cNvPr>
+          <p:cNvSpPr txBox="1"/>
+          <p:nvPr/>
+        </p:nvSpPr>
+        <p:spPr>
+          <a:xfrm>
+            <a:off x="665826" y="1328574"/>
+            <a:ext cx="6063448" cy="369332"/>
+          </a:xfrm>
+          <a:prstGeom prst="rect">
+            <a:avLst/>
+          </a:prstGeom>
+          <a:noFill/>
+        </p:spPr>
+        <p:txBody>
+          <a:bodyPr wrap="square" rtlCol="0">
+            <a:spAutoFit/>
+          </a:bodyPr>
+          <a:lstStyle/>
+          <a:p>
+            <a:r>
+              <a:rPr lang="en-GB" dirty="0"/>
+              <a:t>For every stream with a gas component </a:t>
+            </a:r>
+          </a:p>
+        </p:txBody>
+      </p:sp>
+      <p:sp>
+        <p:nvSpPr>
+          <p:cNvPr id="33" name="TextBox 32">
+            <a:extLst>
+              <a:ext uri="{FF2B5EF4-FFF2-40B4-BE49-F238E27FC236}">
+                <a16:creationId xmlns:a16="http://schemas.microsoft.com/office/drawing/2014/main" id="{91BC4ED6-2D8A-FD18-45EC-ED7662446F99}"/>
+              </a:ext>
+            </a:extLst>
+          </p:cNvPr>
+          <p:cNvSpPr txBox="1"/>
+          <p:nvPr/>
+        </p:nvSpPr>
+        <p:spPr>
+          <a:xfrm>
+            <a:off x="914400" y="1917954"/>
+            <a:ext cx="905522" cy="923330"/>
+          </a:xfrm>
+          <a:prstGeom prst="rect">
+            <a:avLst/>
+          </a:prstGeom>
+          <a:noFill/>
+        </p:spPr>
+        <p:txBody>
+          <a:bodyPr wrap="square" rtlCol="0">
+            <a:spAutoFit/>
+          </a:bodyPr>
+          <a:lstStyle/>
+          <a:p>
+            <a:r>
+              <a:rPr lang="en-GB" dirty="0"/>
+              <a:t>F in </a:t>
+            </a:r>
+            <a:r>
+              <a:rPr lang="en-GB" dirty="0" err="1"/>
+              <a:t>i</a:t>
+            </a:r>
+            <a:endParaRPr lang="en-GB" dirty="0"/>
+          </a:p>
+          <a:p>
+            <a:endParaRPr lang="en-GB" dirty="0"/>
+          </a:p>
+          <a:p>
+            <a:r>
+              <a:rPr lang="en-GB" dirty="0"/>
+              <a:t>P in </a:t>
+            </a:r>
+            <a:r>
+              <a:rPr lang="en-GB" dirty="0" err="1"/>
+              <a:t>i</a:t>
+            </a:r>
+            <a:r>
+              <a:rPr lang="en-GB" dirty="0"/>
+              <a:t> </a:t>
+            </a:r>
+          </a:p>
+        </p:txBody>
+      </p:sp>
+      <p:sp>
+        <p:nvSpPr>
+          <p:cNvPr id="34" name="TextBox 33">
+            <a:extLst>
+              <a:ext uri="{FF2B5EF4-FFF2-40B4-BE49-F238E27FC236}">
+                <a16:creationId xmlns:a16="http://schemas.microsoft.com/office/drawing/2014/main" id="{E72A24DF-9900-C54E-B27A-73AA9DE6079F}"/>
+              </a:ext>
+            </a:extLst>
+          </p:cNvPr>
+          <p:cNvSpPr txBox="1"/>
+          <p:nvPr/>
+        </p:nvSpPr>
+        <p:spPr>
+          <a:xfrm>
+            <a:off x="2647025" y="1906338"/>
+            <a:ext cx="905522" cy="369332"/>
+          </a:xfrm>
+          <a:prstGeom prst="rect">
+            <a:avLst/>
+          </a:prstGeom>
+          <a:noFill/>
+        </p:spPr>
+        <p:txBody>
+          <a:bodyPr wrap="square" rtlCol="0">
+            <a:spAutoFit/>
+          </a:bodyPr>
+          <a:lstStyle/>
+          <a:p>
+            <a:r>
+              <a:rPr lang="en-GB" dirty="0"/>
+              <a:t>P unit</a:t>
+            </a:r>
+          </a:p>
+        </p:txBody>
+      </p:sp>
+      <p:cxnSp>
+        <p:nvCxnSpPr>
+          <p:cNvPr id="35" name="Straight Arrow Connector 34">
+            <a:extLst>
+              <a:ext uri="{FF2B5EF4-FFF2-40B4-BE49-F238E27FC236}">
+                <a16:creationId xmlns:a16="http://schemas.microsoft.com/office/drawing/2014/main" id="{E636B01C-A1EF-D70B-5A25-A35143977115}"/>
+              </a:ext>
+            </a:extLst>
+          </p:cNvPr>
+          <p:cNvCxnSpPr>
+            <a:cxnSpLocks/>
+            <a:endCxn id="34" idx="1"/>
+          </p:cNvCxnSpPr>
+          <p:nvPr/>
+        </p:nvCxnSpPr>
+        <p:spPr>
+          <a:xfrm flipV="1">
+            <a:off x="1669002" y="2091004"/>
+            <a:ext cx="978023" cy="11616"/>
+          </a:xfrm>
+          <a:prstGeom prst="straightConnector1">
+            <a:avLst/>
+          </a:prstGeom>
+          <a:ln>
+            <a:tailEnd type="triangle"/>
+          </a:ln>
+        </p:spPr>
+        <p:style>
+          <a:lnRef idx="2">
+            <a:schemeClr val="dk1"/>
+          </a:lnRef>
+          <a:fillRef idx="0">
+            <a:schemeClr val="dk1"/>
+          </a:fillRef>
+          <a:effectRef idx="1">
+            <a:schemeClr val="dk1"/>
+          </a:effectRef>
+          <a:fontRef idx="minor">
+            <a:schemeClr val="tx1"/>
+          </a:fontRef>
+        </p:style>
+      </p:cxnSp>
+      <p:cxnSp>
+        <p:nvCxnSpPr>
+          <p:cNvPr id="36" name="Straight Arrow Connector 35">
+            <a:extLst>
+              <a:ext uri="{FF2B5EF4-FFF2-40B4-BE49-F238E27FC236}">
+                <a16:creationId xmlns:a16="http://schemas.microsoft.com/office/drawing/2014/main" id="{3C5BE584-2997-CFC7-C42E-4829143AFC07}"/>
+              </a:ext>
+            </a:extLst>
+          </p:cNvPr>
+          <p:cNvCxnSpPr>
+            <a:cxnSpLocks/>
+          </p:cNvCxnSpPr>
+          <p:nvPr/>
+        </p:nvCxnSpPr>
+        <p:spPr>
+          <a:xfrm flipV="1">
+            <a:off x="1599460" y="2287286"/>
+            <a:ext cx="1134862" cy="398823"/>
+          </a:xfrm>
+          <a:prstGeom prst="straightConnector1">
+            <a:avLst/>
+          </a:prstGeom>
+          <a:ln>
+            <a:tailEnd type="triangle"/>
+          </a:ln>
+        </p:spPr>
+        <p:style>
+          <a:lnRef idx="2">
+            <a:schemeClr val="dk1"/>
+          </a:lnRef>
+          <a:fillRef idx="0">
+            <a:schemeClr val="dk1"/>
+          </a:fillRef>
+          <a:effectRef idx="1">
+            <a:schemeClr val="dk1"/>
+          </a:effectRef>
+          <a:fontRef idx="minor">
+            <a:schemeClr val="tx1"/>
+          </a:fontRef>
+        </p:style>
+      </p:cxnSp>
+      <p:sp>
+        <p:nvSpPr>
+          <p:cNvPr id="38" name="TextBox 37">
+            <a:extLst>
+              <a:ext uri="{FF2B5EF4-FFF2-40B4-BE49-F238E27FC236}">
+                <a16:creationId xmlns:a16="http://schemas.microsoft.com/office/drawing/2014/main" id="{4F7B2CA1-494F-658D-8825-ADD01639E8B6}"/>
+              </a:ext>
+            </a:extLst>
+          </p:cNvPr>
+          <p:cNvSpPr txBox="1"/>
+          <p:nvPr/>
+        </p:nvSpPr>
+        <p:spPr>
+          <a:xfrm>
+            <a:off x="682102" y="2870775"/>
+            <a:ext cx="6063448" cy="369332"/>
+          </a:xfrm>
+          <a:prstGeom prst="rect">
+            <a:avLst/>
+          </a:prstGeom>
+          <a:noFill/>
+        </p:spPr>
+        <p:txBody>
+          <a:bodyPr wrap="square" rtlCol="0">
+            <a:spAutoFit/>
+          </a:bodyPr>
+          <a:lstStyle/>
+          <a:p>
+            <a:r>
+              <a:rPr lang="en-GB" dirty="0"/>
+              <a:t>For every stream</a:t>
+            </a:r>
+          </a:p>
+        </p:txBody>
+      </p:sp>
+      <p:sp>
+        <p:nvSpPr>
+          <p:cNvPr id="39" name="TextBox 38">
+            <a:extLst>
+              <a:ext uri="{FF2B5EF4-FFF2-40B4-BE49-F238E27FC236}">
+                <a16:creationId xmlns:a16="http://schemas.microsoft.com/office/drawing/2014/main" id="{D172E2FC-DBE3-F76E-191E-0DB8376FF05A}"/>
+              </a:ext>
+            </a:extLst>
+          </p:cNvPr>
+          <p:cNvSpPr txBox="1"/>
+          <p:nvPr/>
+        </p:nvSpPr>
+        <p:spPr>
+          <a:xfrm>
+            <a:off x="914400" y="3307539"/>
+            <a:ext cx="905522" cy="369332"/>
+          </a:xfrm>
+          <a:prstGeom prst="rect">
+            <a:avLst/>
+          </a:prstGeom>
+          <a:noFill/>
+        </p:spPr>
+        <p:txBody>
+          <a:bodyPr wrap="square" rtlCol="0">
+            <a:spAutoFit/>
+          </a:bodyPr>
+          <a:lstStyle/>
+          <a:p>
+            <a:r>
+              <a:rPr lang="en-GB" dirty="0"/>
+              <a:t>F in </a:t>
+            </a:r>
+            <a:r>
+              <a:rPr lang="en-GB" dirty="0" err="1"/>
+              <a:t>i</a:t>
+            </a:r>
+            <a:endParaRPr lang="en-GB" dirty="0"/>
+          </a:p>
+        </p:txBody>
+      </p:sp>
+      <p:sp>
+        <p:nvSpPr>
+          <p:cNvPr id="40" name="TextBox 39">
+            <a:extLst>
+              <a:ext uri="{FF2B5EF4-FFF2-40B4-BE49-F238E27FC236}">
+                <a16:creationId xmlns:a16="http://schemas.microsoft.com/office/drawing/2014/main" id="{3B2B7C2D-D34B-6E38-FAD9-99A9849A3EDB}"/>
+              </a:ext>
+            </a:extLst>
+          </p:cNvPr>
+          <p:cNvSpPr txBox="1"/>
+          <p:nvPr/>
+        </p:nvSpPr>
+        <p:spPr>
+          <a:xfrm>
+            <a:off x="2647025" y="3295923"/>
+            <a:ext cx="905522" cy="369332"/>
+          </a:xfrm>
+          <a:prstGeom prst="rect">
+            <a:avLst/>
+          </a:prstGeom>
+          <a:noFill/>
+        </p:spPr>
+        <p:txBody>
+          <a:bodyPr wrap="square" rtlCol="0">
+            <a:spAutoFit/>
+          </a:bodyPr>
+          <a:lstStyle/>
+          <a:p>
+            <a:r>
+              <a:rPr lang="en-GB" dirty="0"/>
+              <a:t>T unit</a:t>
+            </a:r>
+          </a:p>
+        </p:txBody>
+      </p:sp>
+      <p:cxnSp>
+        <p:nvCxnSpPr>
+          <p:cNvPr id="41" name="Straight Arrow Connector 40">
+            <a:extLst>
+              <a:ext uri="{FF2B5EF4-FFF2-40B4-BE49-F238E27FC236}">
+                <a16:creationId xmlns:a16="http://schemas.microsoft.com/office/drawing/2014/main" id="{F1378EB4-F64B-8365-8851-0C382083526B}"/>
+              </a:ext>
+            </a:extLst>
+          </p:cNvPr>
+          <p:cNvCxnSpPr>
+            <a:cxnSpLocks/>
+            <a:endCxn id="40" idx="1"/>
+          </p:cNvCxnSpPr>
+          <p:nvPr/>
+        </p:nvCxnSpPr>
+        <p:spPr>
+          <a:xfrm flipV="1">
+            <a:off x="1669002" y="3480589"/>
+            <a:ext cx="978023" cy="11616"/>
+          </a:xfrm>
+          <a:prstGeom prst="straightConnector1">
+            <a:avLst/>
+          </a:prstGeom>
+          <a:ln>
+            <a:tailEnd type="triangle"/>
+          </a:ln>
+        </p:spPr>
+        <p:style>
+          <a:lnRef idx="2">
+            <a:schemeClr val="dk1"/>
+          </a:lnRef>
+          <a:fillRef idx="0">
+            <a:schemeClr val="dk1"/>
+          </a:fillRef>
+          <a:effectRef idx="1">
+            <a:schemeClr val="dk1"/>
+          </a:effectRef>
+          <a:fontRef idx="minor">
+            <a:schemeClr val="tx1"/>
+          </a:fontRef>
+        </p:style>
+      </p:cxnSp>
+      <p:sp>
+        <p:nvSpPr>
+          <p:cNvPr id="42" name="TextBox 41">
+            <a:extLst>
+              <a:ext uri="{FF2B5EF4-FFF2-40B4-BE49-F238E27FC236}">
+                <a16:creationId xmlns:a16="http://schemas.microsoft.com/office/drawing/2014/main" id="{7B04AE67-AA2D-4B40-3930-6C3AE0A26069}"/>
+              </a:ext>
+            </a:extLst>
+          </p:cNvPr>
+          <p:cNvSpPr txBox="1"/>
+          <p:nvPr/>
+        </p:nvSpPr>
+        <p:spPr>
+          <a:xfrm>
+            <a:off x="665826" y="3771574"/>
+            <a:ext cx="6063448" cy="369332"/>
+          </a:xfrm>
+          <a:prstGeom prst="rect">
+            <a:avLst/>
+          </a:prstGeom>
+          <a:noFill/>
+        </p:spPr>
+        <p:txBody>
+          <a:bodyPr wrap="square" rtlCol="0">
+            <a:spAutoFit/>
+          </a:bodyPr>
+          <a:lstStyle/>
+          <a:p>
+            <a:r>
+              <a:rPr lang="en-GB" dirty="0"/>
+              <a:t>For every measured component which is a reactant </a:t>
+            </a:r>
+          </a:p>
+        </p:txBody>
+      </p:sp>
+      <p:sp>
+        <p:nvSpPr>
+          <p:cNvPr id="43" name="TextBox 42">
+            <a:extLst>
+              <a:ext uri="{FF2B5EF4-FFF2-40B4-BE49-F238E27FC236}">
+                <a16:creationId xmlns:a16="http://schemas.microsoft.com/office/drawing/2014/main" id="{D22F33CD-4A63-7797-1B0F-C0DEFF6DCD35}"/>
+              </a:ext>
+            </a:extLst>
+          </p:cNvPr>
+          <p:cNvSpPr txBox="1"/>
+          <p:nvPr/>
+        </p:nvSpPr>
+        <p:spPr>
+          <a:xfrm>
+            <a:off x="914400" y="4325572"/>
+            <a:ext cx="905522" cy="369332"/>
+          </a:xfrm>
+          <a:prstGeom prst="rect">
+            <a:avLst/>
+          </a:prstGeom>
+          <a:noFill/>
+        </p:spPr>
+        <p:txBody>
+          <a:bodyPr wrap="square" rtlCol="0">
+            <a:spAutoFit/>
+          </a:bodyPr>
+          <a:lstStyle/>
+          <a:p>
+            <a:r>
+              <a:rPr lang="en-GB" dirty="0"/>
+              <a:t>X </a:t>
+            </a:r>
+            <a:r>
+              <a:rPr lang="en-GB" dirty="0" err="1"/>
+              <a:t>inA</a:t>
+            </a:r>
+            <a:r>
+              <a:rPr lang="en-GB" dirty="0"/>
+              <a:t> </a:t>
+            </a:r>
+            <a:r>
+              <a:rPr lang="en-GB" dirty="0" err="1"/>
+              <a:t>i</a:t>
+            </a:r>
+            <a:endParaRPr lang="en-GB" dirty="0"/>
+          </a:p>
+        </p:txBody>
+      </p:sp>
+      <p:sp>
+        <p:nvSpPr>
+          <p:cNvPr id="44" name="TextBox 43">
+            <a:extLst>
+              <a:ext uri="{FF2B5EF4-FFF2-40B4-BE49-F238E27FC236}">
+                <a16:creationId xmlns:a16="http://schemas.microsoft.com/office/drawing/2014/main" id="{AF64E0C7-F21B-4977-613F-FD6C9F5B7537}"/>
+              </a:ext>
+            </a:extLst>
+          </p:cNvPr>
+          <p:cNvSpPr txBox="1"/>
+          <p:nvPr/>
+        </p:nvSpPr>
+        <p:spPr>
+          <a:xfrm>
+            <a:off x="2647025" y="4313956"/>
+            <a:ext cx="905522" cy="369332"/>
+          </a:xfrm>
+          <a:prstGeom prst="rect">
+            <a:avLst/>
+          </a:prstGeom>
+          <a:noFill/>
+        </p:spPr>
+        <p:txBody>
+          <a:bodyPr wrap="square" rtlCol="0">
+            <a:spAutoFit/>
+          </a:bodyPr>
+          <a:lstStyle/>
+          <a:p>
+            <a:r>
+              <a:rPr lang="en-GB" dirty="0"/>
+              <a:t>T unit</a:t>
+            </a:r>
+          </a:p>
+        </p:txBody>
+      </p:sp>
+      <p:cxnSp>
+        <p:nvCxnSpPr>
+          <p:cNvPr id="45" name="Straight Arrow Connector 44">
+            <a:extLst>
+              <a:ext uri="{FF2B5EF4-FFF2-40B4-BE49-F238E27FC236}">
+                <a16:creationId xmlns:a16="http://schemas.microsoft.com/office/drawing/2014/main" id="{E837D108-9D9E-F7CD-A5D0-24AB11DDC2FD}"/>
+              </a:ext>
+            </a:extLst>
+          </p:cNvPr>
+          <p:cNvCxnSpPr>
+            <a:cxnSpLocks/>
+            <a:endCxn id="44" idx="1"/>
+          </p:cNvCxnSpPr>
+          <p:nvPr/>
+        </p:nvCxnSpPr>
+        <p:spPr>
+          <a:xfrm flipV="1">
+            <a:off x="1669002" y="4498622"/>
+            <a:ext cx="978023" cy="11616"/>
+          </a:xfrm>
+          <a:prstGeom prst="straightConnector1">
+            <a:avLst/>
+          </a:prstGeom>
+          <a:ln>
+            <a:tailEnd type="triangle"/>
+          </a:ln>
+        </p:spPr>
+        <p:style>
+          <a:lnRef idx="2">
+            <a:schemeClr val="dk1"/>
+          </a:lnRef>
+          <a:fillRef idx="0">
+            <a:schemeClr val="dk1"/>
+          </a:fillRef>
+          <a:effectRef idx="1">
+            <a:schemeClr val="dk1"/>
+          </a:effectRef>
+          <a:fontRef idx="minor">
+            <a:schemeClr val="tx1"/>
+          </a:fontRef>
+        </p:style>
+      </p:cxnSp>
+      <p:sp>
+        <p:nvSpPr>
+          <p:cNvPr id="46" name="TextBox 45">
+            <a:extLst>
+              <a:ext uri="{FF2B5EF4-FFF2-40B4-BE49-F238E27FC236}">
+                <a16:creationId xmlns:a16="http://schemas.microsoft.com/office/drawing/2014/main" id="{C79F8B9C-22D0-42CF-BEF6-04A2D3793A52}"/>
+              </a:ext>
+            </a:extLst>
+          </p:cNvPr>
+          <p:cNvSpPr txBox="1"/>
+          <p:nvPr/>
+        </p:nvSpPr>
+        <p:spPr>
+          <a:xfrm>
+            <a:off x="665826" y="4808277"/>
+            <a:ext cx="6063448" cy="646331"/>
+          </a:xfrm>
+          <a:prstGeom prst="rect">
+            <a:avLst/>
+          </a:prstGeom>
+          <a:noFill/>
+        </p:spPr>
+        <p:txBody>
+          <a:bodyPr wrap="square" rtlCol="0">
+            <a:spAutoFit/>
+          </a:bodyPr>
+          <a:lstStyle/>
+          <a:p>
+            <a:r>
+              <a:rPr lang="en-GB" dirty="0"/>
+              <a:t>If there is no gas element to any stream, then for every stream</a:t>
+            </a:r>
+          </a:p>
+        </p:txBody>
+      </p:sp>
+      <p:sp>
+        <p:nvSpPr>
+          <p:cNvPr id="47" name="TextBox 46">
+            <a:extLst>
+              <a:ext uri="{FF2B5EF4-FFF2-40B4-BE49-F238E27FC236}">
+                <a16:creationId xmlns:a16="http://schemas.microsoft.com/office/drawing/2014/main" id="{58AD94B6-A8BE-1575-2BEE-EC945FB17CA6}"/>
+              </a:ext>
+            </a:extLst>
+          </p:cNvPr>
+          <p:cNvSpPr txBox="1"/>
+          <p:nvPr/>
+        </p:nvSpPr>
+        <p:spPr>
+          <a:xfrm>
+            <a:off x="914400" y="5362275"/>
+            <a:ext cx="905522" cy="369332"/>
+          </a:xfrm>
+          <a:prstGeom prst="rect">
+            <a:avLst/>
+          </a:prstGeom>
+          <a:noFill/>
+        </p:spPr>
+        <p:txBody>
+          <a:bodyPr wrap="square" rtlCol="0">
+            <a:spAutoFit/>
+          </a:bodyPr>
+          <a:lstStyle/>
+          <a:p>
+            <a:r>
+              <a:rPr lang="en-GB" dirty="0"/>
+              <a:t>F in </a:t>
+            </a:r>
+            <a:r>
+              <a:rPr lang="en-GB" dirty="0" err="1"/>
+              <a:t>i</a:t>
+            </a:r>
+            <a:endParaRPr lang="en-GB" dirty="0"/>
+          </a:p>
+        </p:txBody>
+      </p:sp>
+      <p:sp>
+        <p:nvSpPr>
+          <p:cNvPr id="48" name="TextBox 47">
+            <a:extLst>
+              <a:ext uri="{FF2B5EF4-FFF2-40B4-BE49-F238E27FC236}">
+                <a16:creationId xmlns:a16="http://schemas.microsoft.com/office/drawing/2014/main" id="{CDC215CE-2CCF-9D44-1780-B81456D2FCF6}"/>
+              </a:ext>
+            </a:extLst>
+          </p:cNvPr>
+          <p:cNvSpPr txBox="1"/>
+          <p:nvPr/>
+        </p:nvSpPr>
+        <p:spPr>
+          <a:xfrm>
+            <a:off x="2647025" y="5350659"/>
+            <a:ext cx="905522" cy="369332"/>
+          </a:xfrm>
+          <a:prstGeom prst="rect">
+            <a:avLst/>
+          </a:prstGeom>
+          <a:noFill/>
+        </p:spPr>
+        <p:txBody>
+          <a:bodyPr wrap="square" rtlCol="0">
+            <a:spAutoFit/>
+          </a:bodyPr>
+          <a:lstStyle/>
+          <a:p>
+            <a:r>
+              <a:rPr lang="en-GB" dirty="0"/>
+              <a:t>P unit</a:t>
+            </a:r>
+          </a:p>
+        </p:txBody>
+      </p:sp>
+      <p:cxnSp>
+        <p:nvCxnSpPr>
+          <p:cNvPr id="49" name="Straight Arrow Connector 48">
+            <a:extLst>
+              <a:ext uri="{FF2B5EF4-FFF2-40B4-BE49-F238E27FC236}">
+                <a16:creationId xmlns:a16="http://schemas.microsoft.com/office/drawing/2014/main" id="{119B54F1-18D8-2E8C-7EFC-D5FED8A88C80}"/>
+              </a:ext>
+            </a:extLst>
+          </p:cNvPr>
+          <p:cNvCxnSpPr>
+            <a:cxnSpLocks/>
+            <a:endCxn id="48" idx="1"/>
+          </p:cNvCxnSpPr>
+          <p:nvPr/>
+        </p:nvCxnSpPr>
+        <p:spPr>
+          <a:xfrm flipV="1">
+            <a:off x="1669002" y="5535325"/>
+            <a:ext cx="978023" cy="11616"/>
+          </a:xfrm>
+          <a:prstGeom prst="straightConnector1">
+            <a:avLst/>
+          </a:prstGeom>
+          <a:ln>
+            <a:tailEnd type="triangle"/>
+          </a:ln>
+        </p:spPr>
+        <p:style>
+          <a:lnRef idx="2">
+            <a:schemeClr val="dk1"/>
+          </a:lnRef>
+          <a:fillRef idx="0">
+            <a:schemeClr val="dk1"/>
+          </a:fillRef>
+          <a:effectRef idx="1">
+            <a:schemeClr val="dk1"/>
+          </a:effectRef>
+          <a:fontRef idx="minor">
+            <a:schemeClr val="tx1"/>
+          </a:fontRef>
+        </p:style>
+      </p:cxnSp>
+      <p:sp>
+        <p:nvSpPr>
+          <p:cNvPr id="50" name="TextBox 49">
+            <a:extLst>
+              <a:ext uri="{FF2B5EF4-FFF2-40B4-BE49-F238E27FC236}">
+                <a16:creationId xmlns:a16="http://schemas.microsoft.com/office/drawing/2014/main" id="{85142FF3-ADF8-1BC9-B6BF-5605570D30A5}"/>
+              </a:ext>
+            </a:extLst>
+          </p:cNvPr>
+          <p:cNvSpPr txBox="1"/>
+          <p:nvPr/>
+        </p:nvSpPr>
+        <p:spPr>
+          <a:xfrm>
+            <a:off x="665826" y="5797913"/>
+            <a:ext cx="6063448" cy="646331"/>
+          </a:xfrm>
+          <a:prstGeom prst="rect">
+            <a:avLst/>
+          </a:prstGeom>
+          <a:noFill/>
+        </p:spPr>
+        <p:txBody>
+          <a:bodyPr wrap="square" rtlCol="0">
+            <a:spAutoFit/>
+          </a:bodyPr>
+          <a:lstStyle/>
+          <a:p>
+            <a:r>
+              <a:rPr lang="en-GB" dirty="0"/>
+              <a:t>If there is only pure gas in every stream, then for every stream</a:t>
+            </a:r>
+          </a:p>
+        </p:txBody>
+      </p:sp>
+      <p:sp>
+        <p:nvSpPr>
+          <p:cNvPr id="51" name="TextBox 50">
+            <a:extLst>
+              <a:ext uri="{FF2B5EF4-FFF2-40B4-BE49-F238E27FC236}">
+                <a16:creationId xmlns:a16="http://schemas.microsoft.com/office/drawing/2014/main" id="{293EF533-5330-3B93-F1EF-D3601F08509F}"/>
+              </a:ext>
+            </a:extLst>
+          </p:cNvPr>
+          <p:cNvSpPr txBox="1"/>
+          <p:nvPr/>
+        </p:nvSpPr>
+        <p:spPr>
+          <a:xfrm>
+            <a:off x="914400" y="6351911"/>
+            <a:ext cx="905522" cy="369332"/>
+          </a:xfrm>
+          <a:prstGeom prst="rect">
+            <a:avLst/>
+          </a:prstGeom>
+          <a:noFill/>
+        </p:spPr>
+        <p:txBody>
+          <a:bodyPr wrap="square" rtlCol="0">
+            <a:spAutoFit/>
+          </a:bodyPr>
+          <a:lstStyle/>
+          <a:p>
+            <a:r>
+              <a:rPr lang="en-GB" dirty="0"/>
+              <a:t>F in </a:t>
+            </a:r>
+            <a:r>
+              <a:rPr lang="en-GB" dirty="0" err="1"/>
+              <a:t>i</a:t>
+            </a:r>
+            <a:endParaRPr lang="en-GB" dirty="0"/>
+          </a:p>
+        </p:txBody>
+      </p:sp>
+      <p:sp>
+        <p:nvSpPr>
+          <p:cNvPr id="52" name="TextBox 51">
+            <a:extLst>
+              <a:ext uri="{FF2B5EF4-FFF2-40B4-BE49-F238E27FC236}">
+                <a16:creationId xmlns:a16="http://schemas.microsoft.com/office/drawing/2014/main" id="{C4E91E7B-B681-27FF-919D-89AC7F8D7D8B}"/>
+              </a:ext>
+            </a:extLst>
+          </p:cNvPr>
+          <p:cNvSpPr txBox="1"/>
+          <p:nvPr/>
+        </p:nvSpPr>
+        <p:spPr>
+          <a:xfrm>
+            <a:off x="2647025" y="6340295"/>
+            <a:ext cx="905522" cy="369332"/>
+          </a:xfrm>
+          <a:prstGeom prst="rect">
+            <a:avLst/>
+          </a:prstGeom>
+          <a:noFill/>
+        </p:spPr>
+        <p:txBody>
+          <a:bodyPr wrap="square" rtlCol="0">
+            <a:spAutoFit/>
+          </a:bodyPr>
+          <a:lstStyle/>
+          <a:p>
+            <a:r>
+              <a:rPr lang="en-GB" dirty="0"/>
+              <a:t>L unit</a:t>
+            </a:r>
+          </a:p>
+        </p:txBody>
+      </p:sp>
+      <p:cxnSp>
+        <p:nvCxnSpPr>
+          <p:cNvPr id="53" name="Straight Arrow Connector 52">
+            <a:extLst>
+              <a:ext uri="{FF2B5EF4-FFF2-40B4-BE49-F238E27FC236}">
+                <a16:creationId xmlns:a16="http://schemas.microsoft.com/office/drawing/2014/main" id="{06D6C561-AA03-479B-0936-769097FA4B45}"/>
+              </a:ext>
+            </a:extLst>
+          </p:cNvPr>
+          <p:cNvCxnSpPr>
+            <a:cxnSpLocks/>
+            <a:endCxn id="52" idx="1"/>
+          </p:cNvCxnSpPr>
+          <p:nvPr/>
+        </p:nvCxnSpPr>
+        <p:spPr>
+          <a:xfrm flipV="1">
+            <a:off x="1669002" y="6524961"/>
+            <a:ext cx="978023" cy="11616"/>
+          </a:xfrm>
+          <a:prstGeom prst="straightConnector1">
+            <a:avLst/>
+          </a:prstGeom>
+          <a:ln>
+            <a:tailEnd type="triangle"/>
+          </a:ln>
+        </p:spPr>
+        <p:style>
+          <a:lnRef idx="2">
+            <a:schemeClr val="dk1"/>
+          </a:lnRef>
+          <a:fillRef idx="0">
+            <a:schemeClr val="dk1"/>
+          </a:fillRef>
+          <a:effectRef idx="1">
+            <a:schemeClr val="dk1"/>
+          </a:effectRef>
+          <a:fontRef idx="minor">
+            <a:schemeClr val="tx1"/>
+          </a:fontRef>
+        </p:style>
+      </p:cxnSp>
+      <p:sp>
+        <p:nvSpPr>
+          <p:cNvPr id="54" name="TextBox 53">
+            <a:extLst>
+              <a:ext uri="{FF2B5EF4-FFF2-40B4-BE49-F238E27FC236}">
+                <a16:creationId xmlns:a16="http://schemas.microsoft.com/office/drawing/2014/main" id="{8C2F828E-6E72-4222-2EAC-32B47248B7E5}"/>
+              </a:ext>
+            </a:extLst>
+          </p:cNvPr>
+          <p:cNvSpPr txBox="1"/>
+          <p:nvPr/>
+        </p:nvSpPr>
+        <p:spPr>
+          <a:xfrm>
+            <a:off x="6513251" y="827689"/>
+            <a:ext cx="6063448" cy="369332"/>
+          </a:xfrm>
+          <a:prstGeom prst="rect">
+            <a:avLst/>
+          </a:prstGeom>
+          <a:noFill/>
+        </p:spPr>
+        <p:txBody>
+          <a:bodyPr wrap="square" rtlCol="0">
+            <a:spAutoFit/>
+          </a:bodyPr>
+          <a:lstStyle/>
+          <a:p>
+            <a:r>
+              <a:rPr lang="en-GB" dirty="0"/>
+              <a:t>For every pure gas stream</a:t>
+            </a:r>
+          </a:p>
+        </p:txBody>
+      </p:sp>
+      <p:sp>
+        <p:nvSpPr>
+          <p:cNvPr id="55" name="TextBox 54">
+            <a:extLst>
+              <a:ext uri="{FF2B5EF4-FFF2-40B4-BE49-F238E27FC236}">
+                <a16:creationId xmlns:a16="http://schemas.microsoft.com/office/drawing/2014/main" id="{2EDCA0F7-7603-6372-B888-ED30FE717265}"/>
+              </a:ext>
+            </a:extLst>
+          </p:cNvPr>
+          <p:cNvSpPr txBox="1"/>
+          <p:nvPr/>
+        </p:nvSpPr>
+        <p:spPr>
+          <a:xfrm>
+            <a:off x="8489428" y="1324736"/>
+            <a:ext cx="905522" cy="923330"/>
+          </a:xfrm>
+          <a:prstGeom prst="rect">
+            <a:avLst/>
+          </a:prstGeom>
+          <a:noFill/>
+        </p:spPr>
+        <p:txBody>
+          <a:bodyPr wrap="square" rtlCol="0">
+            <a:spAutoFit/>
+          </a:bodyPr>
+          <a:lstStyle/>
+          <a:p>
+            <a:r>
+              <a:rPr lang="en-GB" dirty="0"/>
+              <a:t>F out </a:t>
+            </a:r>
+            <a:r>
+              <a:rPr lang="en-GB" dirty="0" err="1"/>
+              <a:t>i</a:t>
+            </a:r>
+            <a:endParaRPr lang="en-GB" dirty="0"/>
+          </a:p>
+          <a:p>
+            <a:endParaRPr lang="en-GB" dirty="0"/>
+          </a:p>
+          <a:p>
+            <a:r>
+              <a:rPr lang="en-GB" dirty="0"/>
+              <a:t>P out </a:t>
+            </a:r>
+            <a:r>
+              <a:rPr lang="en-GB" dirty="0" err="1"/>
+              <a:t>i</a:t>
+            </a:r>
+            <a:r>
+              <a:rPr lang="en-GB" dirty="0"/>
+              <a:t> </a:t>
+            </a:r>
+          </a:p>
+        </p:txBody>
+      </p:sp>
+      <p:sp>
+        <p:nvSpPr>
+          <p:cNvPr id="56" name="TextBox 55">
+            <a:extLst>
+              <a:ext uri="{FF2B5EF4-FFF2-40B4-BE49-F238E27FC236}">
+                <a16:creationId xmlns:a16="http://schemas.microsoft.com/office/drawing/2014/main" id="{9ECF80DF-D3DF-4120-59A1-E70F9C2D0C0E}"/>
+              </a:ext>
+            </a:extLst>
+          </p:cNvPr>
+          <p:cNvSpPr txBox="1"/>
+          <p:nvPr/>
+        </p:nvSpPr>
+        <p:spPr>
+          <a:xfrm>
+            <a:off x="6541363" y="1405453"/>
+            <a:ext cx="905522" cy="369332"/>
+          </a:xfrm>
+          <a:prstGeom prst="rect">
+            <a:avLst/>
+          </a:prstGeom>
+          <a:noFill/>
+        </p:spPr>
+        <p:txBody>
+          <a:bodyPr wrap="square" rtlCol="0">
+            <a:spAutoFit/>
+          </a:bodyPr>
+          <a:lstStyle/>
+          <a:p>
+            <a:r>
+              <a:rPr lang="en-GB" dirty="0"/>
+              <a:t>P unit</a:t>
+            </a:r>
+          </a:p>
+        </p:txBody>
+      </p:sp>
+      <p:cxnSp>
+        <p:nvCxnSpPr>
+          <p:cNvPr id="57" name="Straight Arrow Connector 56">
+            <a:extLst>
+              <a:ext uri="{FF2B5EF4-FFF2-40B4-BE49-F238E27FC236}">
+                <a16:creationId xmlns:a16="http://schemas.microsoft.com/office/drawing/2014/main" id="{E23F9E94-595A-90FC-C3A1-D3FD900778C8}"/>
+              </a:ext>
+            </a:extLst>
+          </p:cNvPr>
+          <p:cNvCxnSpPr>
+            <a:cxnSpLocks/>
+          </p:cNvCxnSpPr>
+          <p:nvPr/>
+        </p:nvCxnSpPr>
+        <p:spPr>
+          <a:xfrm flipV="1">
+            <a:off x="7318204" y="1513240"/>
+            <a:ext cx="1171224" cy="20641"/>
+          </a:xfrm>
+          <a:prstGeom prst="straightConnector1">
+            <a:avLst/>
+          </a:prstGeom>
+          <a:ln>
+            <a:tailEnd type="triangle"/>
+          </a:ln>
+        </p:spPr>
+        <p:style>
+          <a:lnRef idx="2">
+            <a:schemeClr val="dk1"/>
+          </a:lnRef>
+          <a:fillRef idx="0">
+            <a:schemeClr val="dk1"/>
+          </a:fillRef>
+          <a:effectRef idx="1">
+            <a:schemeClr val="dk1"/>
+          </a:effectRef>
+          <a:fontRef idx="minor">
+            <a:schemeClr val="tx1"/>
+          </a:fontRef>
+        </p:style>
+      </p:cxnSp>
+      <p:cxnSp>
+        <p:nvCxnSpPr>
+          <p:cNvPr id="58" name="Straight Arrow Connector 57">
+            <a:extLst>
+              <a:ext uri="{FF2B5EF4-FFF2-40B4-BE49-F238E27FC236}">
+                <a16:creationId xmlns:a16="http://schemas.microsoft.com/office/drawing/2014/main" id="{5D469093-042A-8509-1156-693F7D107A1B}"/>
+              </a:ext>
+            </a:extLst>
+          </p:cNvPr>
+          <p:cNvCxnSpPr>
+            <a:cxnSpLocks/>
+          </p:cNvCxnSpPr>
+          <p:nvPr/>
+        </p:nvCxnSpPr>
+        <p:spPr>
+          <a:xfrm>
+            <a:off x="7204364" y="1697906"/>
+            <a:ext cx="1318198" cy="285311"/>
+          </a:xfrm>
+          <a:prstGeom prst="straightConnector1">
+            <a:avLst/>
+          </a:prstGeom>
+          <a:ln>
+            <a:tailEnd type="triangle"/>
+          </a:ln>
+        </p:spPr>
+        <p:style>
+          <a:lnRef idx="2">
+            <a:schemeClr val="dk1"/>
+          </a:lnRef>
+          <a:fillRef idx="0">
+            <a:schemeClr val="dk1"/>
+          </a:fillRef>
+          <a:effectRef idx="1">
+            <a:schemeClr val="dk1"/>
+          </a:effectRef>
+          <a:fontRef idx="minor">
+            <a:schemeClr val="tx1"/>
+          </a:fontRef>
+        </p:style>
+      </p:cxnSp>
+      <p:sp>
+        <p:nvSpPr>
+          <p:cNvPr id="67" name="TextBox 66">
+            <a:extLst>
+              <a:ext uri="{FF2B5EF4-FFF2-40B4-BE49-F238E27FC236}">
+                <a16:creationId xmlns:a16="http://schemas.microsoft.com/office/drawing/2014/main" id="{4D2F671E-DEDF-3EA2-98C4-532E048302A7}"/>
+              </a:ext>
+            </a:extLst>
+          </p:cNvPr>
+          <p:cNvSpPr txBox="1"/>
+          <p:nvPr/>
+        </p:nvSpPr>
+        <p:spPr>
+          <a:xfrm>
+            <a:off x="6541363" y="2281256"/>
+            <a:ext cx="6063448" cy="369332"/>
+          </a:xfrm>
+          <a:prstGeom prst="rect">
+            <a:avLst/>
+          </a:prstGeom>
+          <a:noFill/>
+        </p:spPr>
+        <p:txBody>
+          <a:bodyPr wrap="square" rtlCol="0">
+            <a:spAutoFit/>
+          </a:bodyPr>
+          <a:lstStyle/>
+          <a:p>
+            <a:r>
+              <a:rPr lang="en-GB" dirty="0"/>
+              <a:t>For every non pure gas stream</a:t>
+            </a:r>
+          </a:p>
+        </p:txBody>
+      </p:sp>
+      <p:sp>
+        <p:nvSpPr>
+          <p:cNvPr id="68" name="TextBox 67">
+            <a:extLst>
+              <a:ext uri="{FF2B5EF4-FFF2-40B4-BE49-F238E27FC236}">
+                <a16:creationId xmlns:a16="http://schemas.microsoft.com/office/drawing/2014/main" id="{DB32294A-D897-71E8-463C-A04E93510B01}"/>
+              </a:ext>
+            </a:extLst>
+          </p:cNvPr>
+          <p:cNvSpPr txBox="1"/>
+          <p:nvPr/>
+        </p:nvSpPr>
+        <p:spPr>
+          <a:xfrm>
+            <a:off x="8517540" y="2778303"/>
+            <a:ext cx="905522" cy="923330"/>
+          </a:xfrm>
+          <a:prstGeom prst="rect">
+            <a:avLst/>
+          </a:prstGeom>
+          <a:noFill/>
+        </p:spPr>
+        <p:txBody>
+          <a:bodyPr wrap="square" rtlCol="0">
+            <a:spAutoFit/>
+          </a:bodyPr>
+          <a:lstStyle/>
+          <a:p>
+            <a:r>
+              <a:rPr lang="en-GB" dirty="0"/>
+              <a:t>F out </a:t>
+            </a:r>
+            <a:r>
+              <a:rPr lang="en-GB" dirty="0" err="1"/>
+              <a:t>i</a:t>
+            </a:r>
+            <a:endParaRPr lang="en-GB" dirty="0"/>
+          </a:p>
+          <a:p>
+            <a:endParaRPr lang="en-GB" dirty="0"/>
+          </a:p>
+          <a:p>
+            <a:r>
+              <a:rPr lang="en-GB" dirty="0"/>
+              <a:t>P out </a:t>
+            </a:r>
+            <a:r>
+              <a:rPr lang="en-GB" dirty="0" err="1"/>
+              <a:t>i</a:t>
+            </a:r>
+            <a:r>
+              <a:rPr lang="en-GB" dirty="0"/>
+              <a:t> </a:t>
+            </a:r>
+          </a:p>
+        </p:txBody>
+      </p:sp>
+      <p:sp>
+        <p:nvSpPr>
+          <p:cNvPr id="69" name="TextBox 68">
+            <a:extLst>
+              <a:ext uri="{FF2B5EF4-FFF2-40B4-BE49-F238E27FC236}">
+                <a16:creationId xmlns:a16="http://schemas.microsoft.com/office/drawing/2014/main" id="{C2180443-6A8B-11BC-99C9-8687C36E7231}"/>
+              </a:ext>
+            </a:extLst>
+          </p:cNvPr>
+          <p:cNvSpPr txBox="1"/>
+          <p:nvPr/>
+        </p:nvSpPr>
+        <p:spPr>
+          <a:xfrm>
+            <a:off x="6569475" y="2859020"/>
+            <a:ext cx="905522" cy="369332"/>
+          </a:xfrm>
+          <a:prstGeom prst="rect">
+            <a:avLst/>
+          </a:prstGeom>
+          <a:noFill/>
+        </p:spPr>
+        <p:txBody>
+          <a:bodyPr wrap="square" rtlCol="0">
+            <a:spAutoFit/>
+          </a:bodyPr>
+          <a:lstStyle/>
+          <a:p>
+            <a:r>
+              <a:rPr lang="en-GB" dirty="0"/>
+              <a:t>L unit</a:t>
+            </a:r>
+          </a:p>
+        </p:txBody>
+      </p:sp>
+      <p:cxnSp>
+        <p:nvCxnSpPr>
+          <p:cNvPr id="70" name="Straight Arrow Connector 69">
+            <a:extLst>
+              <a:ext uri="{FF2B5EF4-FFF2-40B4-BE49-F238E27FC236}">
+                <a16:creationId xmlns:a16="http://schemas.microsoft.com/office/drawing/2014/main" id="{BA9E723B-93BA-3898-F43F-DF901F7BA551}"/>
+              </a:ext>
+            </a:extLst>
+          </p:cNvPr>
+          <p:cNvCxnSpPr>
+            <a:cxnSpLocks/>
+          </p:cNvCxnSpPr>
+          <p:nvPr/>
+        </p:nvCxnSpPr>
+        <p:spPr>
+          <a:xfrm>
+            <a:off x="7318204" y="4641606"/>
+            <a:ext cx="675152" cy="119609"/>
+          </a:xfrm>
+          <a:prstGeom prst="straightConnector1">
+            <a:avLst/>
+          </a:prstGeom>
+          <a:ln>
+            <a:tailEnd type="triangle"/>
+          </a:ln>
+        </p:spPr>
+        <p:style>
+          <a:lnRef idx="2">
+            <a:schemeClr val="dk1"/>
+          </a:lnRef>
+          <a:fillRef idx="0">
+            <a:schemeClr val="dk1"/>
+          </a:fillRef>
+          <a:effectRef idx="1">
+            <a:schemeClr val="dk1"/>
+          </a:effectRef>
+          <a:fontRef idx="minor">
+            <a:schemeClr val="tx1"/>
+          </a:fontRef>
+        </p:style>
+      </p:cxnSp>
+      <p:cxnSp>
+        <p:nvCxnSpPr>
+          <p:cNvPr id="71" name="Straight Arrow Connector 70">
+            <a:extLst>
+              <a:ext uri="{FF2B5EF4-FFF2-40B4-BE49-F238E27FC236}">
+                <a16:creationId xmlns:a16="http://schemas.microsoft.com/office/drawing/2014/main" id="{BE81B834-DEAF-B263-2AE9-4F9F38C1E27B}"/>
+              </a:ext>
+            </a:extLst>
+          </p:cNvPr>
+          <p:cNvCxnSpPr>
+            <a:cxnSpLocks/>
+          </p:cNvCxnSpPr>
+          <p:nvPr/>
+        </p:nvCxnSpPr>
+        <p:spPr>
+          <a:xfrm>
+            <a:off x="7379450" y="3172114"/>
+            <a:ext cx="1171224" cy="264670"/>
+          </a:xfrm>
+          <a:prstGeom prst="straightConnector1">
+            <a:avLst/>
+          </a:prstGeom>
+          <a:ln>
+            <a:tailEnd type="triangle"/>
+          </a:ln>
+        </p:spPr>
+        <p:style>
+          <a:lnRef idx="2">
+            <a:schemeClr val="dk1"/>
+          </a:lnRef>
+          <a:fillRef idx="0">
+            <a:schemeClr val="dk1"/>
+          </a:fillRef>
+          <a:effectRef idx="1">
+            <a:schemeClr val="dk1"/>
+          </a:effectRef>
+          <a:fontRef idx="minor">
+            <a:schemeClr val="tx1"/>
+          </a:fontRef>
+        </p:style>
+      </p:cxnSp>
+      <p:sp>
+        <p:nvSpPr>
+          <p:cNvPr id="73" name="TextBox 72">
+            <a:extLst>
+              <a:ext uri="{FF2B5EF4-FFF2-40B4-BE49-F238E27FC236}">
+                <a16:creationId xmlns:a16="http://schemas.microsoft.com/office/drawing/2014/main" id="{EF14E379-4840-DFF3-005B-B16209B8D79D}"/>
+              </a:ext>
+            </a:extLst>
+          </p:cNvPr>
+          <p:cNvSpPr txBox="1"/>
+          <p:nvPr/>
+        </p:nvSpPr>
+        <p:spPr>
+          <a:xfrm>
+            <a:off x="6569475" y="3815995"/>
+            <a:ext cx="6063448" cy="369332"/>
+          </a:xfrm>
+          <a:prstGeom prst="rect">
+            <a:avLst/>
+          </a:prstGeom>
+          <a:noFill/>
+        </p:spPr>
+        <p:txBody>
+          <a:bodyPr wrap="square" rtlCol="0">
+            <a:spAutoFit/>
+          </a:bodyPr>
+          <a:lstStyle/>
+          <a:p>
+            <a:r>
+              <a:rPr lang="en-GB" dirty="0"/>
+              <a:t>For every measured component </a:t>
+            </a:r>
+          </a:p>
+        </p:txBody>
+      </p:sp>
+      <p:sp>
+        <p:nvSpPr>
+          <p:cNvPr id="74" name="TextBox 73">
+            <a:extLst>
+              <a:ext uri="{FF2B5EF4-FFF2-40B4-BE49-F238E27FC236}">
+                <a16:creationId xmlns:a16="http://schemas.microsoft.com/office/drawing/2014/main" id="{6EA5F7E9-AA76-70EF-5A72-69791B8948E1}"/>
+              </a:ext>
+            </a:extLst>
+          </p:cNvPr>
+          <p:cNvSpPr txBox="1"/>
+          <p:nvPr/>
+        </p:nvSpPr>
+        <p:spPr>
+          <a:xfrm>
+            <a:off x="6572525" y="4437622"/>
+            <a:ext cx="905522" cy="923330"/>
+          </a:xfrm>
+          <a:prstGeom prst="rect">
+            <a:avLst/>
+          </a:prstGeom>
+          <a:noFill/>
+        </p:spPr>
+        <p:txBody>
+          <a:bodyPr wrap="square" rtlCol="0">
+            <a:spAutoFit/>
+          </a:bodyPr>
+          <a:lstStyle/>
+          <a:p>
+            <a:r>
+              <a:rPr lang="en-GB" dirty="0"/>
+              <a:t>P unit</a:t>
+            </a:r>
+          </a:p>
+          <a:p>
+            <a:endParaRPr lang="en-GB" dirty="0"/>
+          </a:p>
+          <a:p>
+            <a:r>
+              <a:rPr lang="en-GB" dirty="0"/>
+              <a:t>T unit </a:t>
+            </a:r>
+          </a:p>
+        </p:txBody>
+      </p:sp>
+      <p:sp>
+        <p:nvSpPr>
+          <p:cNvPr id="75" name="TextBox 74">
+            <a:extLst>
+              <a:ext uri="{FF2B5EF4-FFF2-40B4-BE49-F238E27FC236}">
+                <a16:creationId xmlns:a16="http://schemas.microsoft.com/office/drawing/2014/main" id="{4B57AEB8-99B6-96AE-D48E-1FE90E1DEF8E}"/>
+              </a:ext>
+            </a:extLst>
+          </p:cNvPr>
+          <p:cNvSpPr txBox="1"/>
+          <p:nvPr/>
+        </p:nvSpPr>
+        <p:spPr>
+          <a:xfrm>
+            <a:off x="7993356" y="4714621"/>
+            <a:ext cx="993626" cy="369332"/>
+          </a:xfrm>
+          <a:prstGeom prst="rect">
+            <a:avLst/>
+          </a:prstGeom>
+          <a:noFill/>
+        </p:spPr>
+        <p:txBody>
+          <a:bodyPr wrap="square" rtlCol="0">
+            <a:spAutoFit/>
+          </a:bodyPr>
+          <a:lstStyle/>
+          <a:p>
+            <a:r>
+              <a:rPr lang="en-GB" dirty="0"/>
+              <a:t>X </a:t>
+            </a:r>
+            <a:r>
+              <a:rPr lang="en-GB" dirty="0" err="1"/>
+              <a:t>outA</a:t>
+            </a:r>
+            <a:r>
+              <a:rPr lang="en-GB" dirty="0"/>
+              <a:t> </a:t>
+            </a:r>
+            <a:r>
+              <a:rPr lang="en-GB" dirty="0" err="1"/>
+              <a:t>i</a:t>
+            </a:r>
+            <a:endParaRPr lang="en-GB" dirty="0"/>
+          </a:p>
+        </p:txBody>
+      </p:sp>
+      <p:cxnSp>
+        <p:nvCxnSpPr>
+          <p:cNvPr id="79" name="Straight Arrow Connector 78">
+            <a:extLst>
+              <a:ext uri="{FF2B5EF4-FFF2-40B4-BE49-F238E27FC236}">
+                <a16:creationId xmlns:a16="http://schemas.microsoft.com/office/drawing/2014/main" id="{815EF30E-16F9-6766-6030-31F9155FD8F8}"/>
+              </a:ext>
+            </a:extLst>
+          </p:cNvPr>
+          <p:cNvCxnSpPr>
+            <a:cxnSpLocks/>
+          </p:cNvCxnSpPr>
+          <p:nvPr/>
+        </p:nvCxnSpPr>
+        <p:spPr>
+          <a:xfrm flipV="1">
+            <a:off x="7289910" y="5013510"/>
+            <a:ext cx="703446" cy="203984"/>
+          </a:xfrm>
+          <a:prstGeom prst="straightConnector1">
+            <a:avLst/>
+          </a:prstGeom>
+          <a:ln>
+            <a:tailEnd type="triangle"/>
+          </a:ln>
+        </p:spPr>
+        <p:style>
+          <a:lnRef idx="2">
+            <a:schemeClr val="dk1"/>
+          </a:lnRef>
+          <a:fillRef idx="0">
+            <a:schemeClr val="dk1"/>
+          </a:fillRef>
+          <a:effectRef idx="1">
+            <a:schemeClr val="dk1"/>
+          </a:effectRef>
+          <a:fontRef idx="minor">
+            <a:schemeClr val="tx1"/>
+          </a:fontRef>
+        </p:style>
+      </p:cxnSp>
+      <p:sp>
+        <p:nvSpPr>
+          <p:cNvPr id="81" name="TextBox 80">
+            <a:extLst>
+              <a:ext uri="{FF2B5EF4-FFF2-40B4-BE49-F238E27FC236}">
+                <a16:creationId xmlns:a16="http://schemas.microsoft.com/office/drawing/2014/main" id="{E1F696EF-B2C5-D272-357B-C881562E2530}"/>
+              </a:ext>
+            </a:extLst>
+          </p:cNvPr>
+          <p:cNvSpPr txBox="1"/>
+          <p:nvPr/>
+        </p:nvSpPr>
+        <p:spPr>
+          <a:xfrm>
+            <a:off x="6286154" y="5359417"/>
+            <a:ext cx="6063448" cy="369332"/>
+          </a:xfrm>
+          <a:prstGeom prst="rect">
+            <a:avLst/>
+          </a:prstGeom>
+          <a:noFill/>
+        </p:spPr>
+        <p:txBody>
+          <a:bodyPr wrap="square" rtlCol="0">
+            <a:spAutoFit/>
+          </a:bodyPr>
+          <a:lstStyle/>
+          <a:p>
+            <a:r>
+              <a:rPr lang="en-GB" dirty="0"/>
+              <a:t>If there is no pure gas stream, then for every stream</a:t>
+            </a:r>
+          </a:p>
+        </p:txBody>
+      </p:sp>
+      <p:sp>
+        <p:nvSpPr>
+          <p:cNvPr id="85" name="TextBox 84">
+            <a:extLst>
+              <a:ext uri="{FF2B5EF4-FFF2-40B4-BE49-F238E27FC236}">
+                <a16:creationId xmlns:a16="http://schemas.microsoft.com/office/drawing/2014/main" id="{521A1962-FC36-F4B4-4507-87B09E4B2A2A}"/>
+              </a:ext>
+            </a:extLst>
+          </p:cNvPr>
+          <p:cNvSpPr txBox="1"/>
+          <p:nvPr/>
+        </p:nvSpPr>
+        <p:spPr>
+          <a:xfrm>
+            <a:off x="8526419" y="5736514"/>
+            <a:ext cx="905522" cy="923330"/>
+          </a:xfrm>
+          <a:prstGeom prst="rect">
+            <a:avLst/>
+          </a:prstGeom>
+          <a:noFill/>
+        </p:spPr>
+        <p:txBody>
+          <a:bodyPr wrap="square" rtlCol="0">
+            <a:spAutoFit/>
+          </a:bodyPr>
+          <a:lstStyle/>
+          <a:p>
+            <a:r>
+              <a:rPr lang="en-GB" dirty="0"/>
+              <a:t>F out </a:t>
+            </a:r>
+            <a:r>
+              <a:rPr lang="en-GB" dirty="0" err="1"/>
+              <a:t>i</a:t>
+            </a:r>
+            <a:endParaRPr lang="en-GB" dirty="0"/>
+          </a:p>
+          <a:p>
+            <a:endParaRPr lang="en-GB" dirty="0"/>
+          </a:p>
+          <a:p>
+            <a:r>
+              <a:rPr lang="en-GB" dirty="0"/>
+              <a:t>P out </a:t>
+            </a:r>
+            <a:r>
+              <a:rPr lang="en-GB" dirty="0" err="1"/>
+              <a:t>i</a:t>
+            </a:r>
+            <a:r>
+              <a:rPr lang="en-GB" dirty="0"/>
+              <a:t> </a:t>
+            </a:r>
+          </a:p>
+        </p:txBody>
+      </p:sp>
+      <p:sp>
+        <p:nvSpPr>
+          <p:cNvPr id="86" name="TextBox 85">
+            <a:extLst>
+              <a:ext uri="{FF2B5EF4-FFF2-40B4-BE49-F238E27FC236}">
+                <a16:creationId xmlns:a16="http://schemas.microsoft.com/office/drawing/2014/main" id="{045BB1F1-8332-EB14-CC83-BC944F93709B}"/>
+              </a:ext>
+            </a:extLst>
+          </p:cNvPr>
+          <p:cNvSpPr txBox="1"/>
+          <p:nvPr/>
+        </p:nvSpPr>
+        <p:spPr>
+          <a:xfrm>
+            <a:off x="6578354" y="5817231"/>
+            <a:ext cx="905522" cy="369332"/>
+          </a:xfrm>
+          <a:prstGeom prst="rect">
+            <a:avLst/>
+          </a:prstGeom>
+          <a:noFill/>
+        </p:spPr>
+        <p:txBody>
+          <a:bodyPr wrap="square" rtlCol="0">
+            <a:spAutoFit/>
+          </a:bodyPr>
+          <a:lstStyle/>
+          <a:p>
+            <a:r>
+              <a:rPr lang="en-GB" dirty="0"/>
+              <a:t>P unit</a:t>
+            </a:r>
+          </a:p>
+        </p:txBody>
+      </p:sp>
+      <p:cxnSp>
+        <p:nvCxnSpPr>
+          <p:cNvPr id="87" name="Straight Arrow Connector 86">
+            <a:extLst>
+              <a:ext uri="{FF2B5EF4-FFF2-40B4-BE49-F238E27FC236}">
+                <a16:creationId xmlns:a16="http://schemas.microsoft.com/office/drawing/2014/main" id="{265F9CC0-9B7B-F1A6-160F-A8652423DA33}"/>
+              </a:ext>
+            </a:extLst>
+          </p:cNvPr>
+          <p:cNvCxnSpPr>
+            <a:cxnSpLocks/>
+          </p:cNvCxnSpPr>
+          <p:nvPr/>
+        </p:nvCxnSpPr>
+        <p:spPr>
+          <a:xfrm flipV="1">
+            <a:off x="7355195" y="5925018"/>
+            <a:ext cx="1171224" cy="20641"/>
+          </a:xfrm>
+          <a:prstGeom prst="straightConnector1">
+            <a:avLst/>
+          </a:prstGeom>
+          <a:ln>
+            <a:tailEnd type="triangle"/>
+          </a:ln>
+        </p:spPr>
+        <p:style>
+          <a:lnRef idx="2">
+            <a:schemeClr val="dk1"/>
+          </a:lnRef>
+          <a:fillRef idx="0">
+            <a:schemeClr val="dk1"/>
+          </a:fillRef>
+          <a:effectRef idx="1">
+            <a:schemeClr val="dk1"/>
+          </a:effectRef>
+          <a:fontRef idx="minor">
+            <a:schemeClr val="tx1"/>
+          </a:fontRef>
+        </p:style>
+      </p:cxnSp>
+      <p:cxnSp>
+        <p:nvCxnSpPr>
+          <p:cNvPr id="88" name="Straight Arrow Connector 87">
+            <a:extLst>
+              <a:ext uri="{FF2B5EF4-FFF2-40B4-BE49-F238E27FC236}">
+                <a16:creationId xmlns:a16="http://schemas.microsoft.com/office/drawing/2014/main" id="{EC2DB351-8AF8-C701-7BBB-F9DE56147020}"/>
+              </a:ext>
+            </a:extLst>
+          </p:cNvPr>
+          <p:cNvCxnSpPr>
+            <a:cxnSpLocks/>
+          </p:cNvCxnSpPr>
+          <p:nvPr/>
+        </p:nvCxnSpPr>
+        <p:spPr>
+          <a:xfrm>
+            <a:off x="7241355" y="6109684"/>
+            <a:ext cx="1318198" cy="285311"/>
+          </a:xfrm>
+          <a:prstGeom prst="straightConnector1">
+            <a:avLst/>
+          </a:prstGeom>
+          <a:ln>
+            <a:tailEnd type="triangle"/>
+          </a:ln>
+        </p:spPr>
+        <p:style>
+          <a:lnRef idx="2">
+            <a:schemeClr val="dk1"/>
+          </a:lnRef>
+          <a:fillRef idx="0">
+            <a:schemeClr val="dk1"/>
+          </a:fillRef>
+          <a:effectRef idx="1">
+            <a:schemeClr val="dk1"/>
+          </a:effectRef>
+          <a:fontRef idx="minor">
+            <a:schemeClr val="tx1"/>
+          </a:fontRef>
+        </p:style>
+      </p:cxnSp>
+    </p:spTree>
+    <p:extLst>
+      <p:ext uri="{BB962C8B-B14F-4D97-AF65-F5344CB8AC3E}">
+        <p14:creationId xmlns:p14="http://schemas.microsoft.com/office/powerpoint/2010/main" val="2504913997"/>
+      </p:ext>
+    </p:extLst>
+  </p:cSld>
+  <p:clrMapOvr>
+    <a:masterClrMapping/>
+  </p:clrMapOvr>
+</p:sld>
+</file>
+
+<file path=ppt/slides/slide13.xml><?xml version="1.0" encoding="utf-8"?>
+<p:sld xmlns:a="http://schemas.openxmlformats.org/drawingml/2006/main" xmlns:r="http://schemas.openxmlformats.org/officeDocument/2006/relationships" xmlns:p="http://schemas.openxmlformats.org/presentationml/2006/main">
+  <p:cSld>
+    <p:spTree>
+      <p:nvGrpSpPr>
+        <p:cNvPr id="1" name=""/>
+        <p:cNvGrpSpPr/>
+        <p:nvPr/>
+      </p:nvGrpSpPr>
+      <p:grpSpPr>
+        <a:xfrm>
+          <a:off x="0" y="0"/>
+          <a:ext cx="0" cy="0"/>
+          <a:chOff x="0" y="0"/>
+          <a:chExt cx="0" cy="0"/>
+        </a:xfrm>
+      </p:grpSpPr>
+      <p:sp>
+        <p:nvSpPr>
+          <p:cNvPr id="4" name="TextBox 3">
+            <a:extLst>
+              <a:ext uri="{FF2B5EF4-FFF2-40B4-BE49-F238E27FC236}">
+                <a16:creationId xmlns:a16="http://schemas.microsoft.com/office/drawing/2014/main" id="{03CC48CC-4805-1CED-FFFD-411CCF68737C}"/>
+              </a:ext>
+            </a:extLst>
+          </p:cNvPr>
+          <p:cNvSpPr txBox="1"/>
+          <p:nvPr/>
+        </p:nvSpPr>
+        <p:spPr>
+          <a:xfrm>
+            <a:off x="3045041" y="1686757"/>
+            <a:ext cx="5495277" cy="369332"/>
+          </a:xfrm>
+          <a:prstGeom prst="rect">
+            <a:avLst/>
+          </a:prstGeom>
+          <a:noFill/>
+        </p:spPr>
+        <p:txBody>
+          <a:bodyPr wrap="square" rtlCol="0">
+            <a:spAutoFit/>
+          </a:bodyPr>
+          <a:lstStyle/>
+          <a:p>
+            <a:r>
+              <a:rPr lang="en-GB" dirty="0"/>
+              <a:t>Jacket stuff </a:t>
+            </a:r>
+          </a:p>
+        </p:txBody>
+      </p:sp>
+    </p:spTree>
+    <p:extLst>
+      <p:ext uri="{BB962C8B-B14F-4D97-AF65-F5344CB8AC3E}">
+        <p14:creationId xmlns:p14="http://schemas.microsoft.com/office/powerpoint/2010/main" val="416268104"/>
       </p:ext>
     </p:extLst>
   </p:cSld>
@@ -4451,7 +8533,7 @@
           <p:cNvPr id="4" name="TextBox 3">
             <a:extLst>
               <a:ext uri="{FF2B5EF4-FFF2-40B4-BE49-F238E27FC236}">
-                <a16:creationId xmlns:a16="http://schemas.microsoft.com/office/drawing/2014/main" id="{A48D7CBE-5AD5-4B7E-A0AD-03646A8A1A30}"/>
+                <a16:creationId xmlns:a16="http://schemas.microsoft.com/office/drawing/2014/main" id="{F42F9336-7388-77C5-4A65-1DC70E8EB262}"/>
               </a:ext>
             </a:extLst>
           </p:cNvPr>
@@ -4460,8 +8542,8 @@
         </p:nvSpPr>
         <p:spPr>
           <a:xfrm>
-            <a:off x="7785717" y="1180730"/>
-            <a:ext cx="3061316" cy="369332"/>
+            <a:off x="870012" y="1473693"/>
+            <a:ext cx="790112" cy="369332"/>
           </a:xfrm>
           <a:prstGeom prst="rect">
             <a:avLst/>
@@ -4476,7 +8558,7 @@
           <a:p>
             <a:r>
               <a:rPr lang="en-GB" dirty="0"/>
-              <a:t>Valve</a:t>
+              <a:t>T1</a:t>
             </a:r>
           </a:p>
         </p:txBody>
@@ -4486,7 +8568,7 @@
           <p:cNvPr id="5" name="TextBox 4">
             <a:extLst>
               <a:ext uri="{FF2B5EF4-FFF2-40B4-BE49-F238E27FC236}">
-                <a16:creationId xmlns:a16="http://schemas.microsoft.com/office/drawing/2014/main" id="{F91B2C44-4419-F36F-4DEC-42C574EA251E}"/>
+                <a16:creationId xmlns:a16="http://schemas.microsoft.com/office/drawing/2014/main" id="{7AB1EC9D-5FCD-1B4B-858C-C59518794A96}"/>
               </a:ext>
             </a:extLst>
           </p:cNvPr>
@@ -4495,7 +8577,7 @@
         </p:nvSpPr>
         <p:spPr>
           <a:xfrm>
-            <a:off x="870012" y="1473693"/>
+            <a:off x="1417468" y="2354062"/>
             <a:ext cx="790112" cy="369332"/>
           </a:xfrm>
           <a:prstGeom prst="rect">
@@ -4511,7 +8593,7 @@
           <a:p>
             <a:r>
               <a:rPr lang="en-GB" dirty="0"/>
-              <a:t>T1</a:t>
+              <a:t>F1</a:t>
             </a:r>
           </a:p>
         </p:txBody>
@@ -4521,7 +8603,7 @@
           <p:cNvPr id="6" name="TextBox 5">
             <a:extLst>
               <a:ext uri="{FF2B5EF4-FFF2-40B4-BE49-F238E27FC236}">
-                <a16:creationId xmlns:a16="http://schemas.microsoft.com/office/drawing/2014/main" id="{3E518BFA-C283-CA19-4D0C-81BE9D03A109}"/>
+                <a16:creationId xmlns:a16="http://schemas.microsoft.com/office/drawing/2014/main" id="{F58A8B83-5EBA-2526-90D9-517719F87385}"/>
               </a:ext>
             </a:extLst>
           </p:cNvPr>
@@ -4530,7 +8612,7 @@
         </p:nvSpPr>
         <p:spPr>
           <a:xfrm>
-            <a:off x="1417468" y="2354062"/>
+            <a:off x="1899082" y="1509373"/>
             <a:ext cx="790112" cy="369332"/>
           </a:xfrm>
           <a:prstGeom prst="rect">
@@ -4546,7 +8628,7 @@
           <a:p>
             <a:r>
               <a:rPr lang="en-GB" dirty="0"/>
-              <a:t>F1</a:t>
+              <a:t>P1</a:t>
             </a:r>
           </a:p>
         </p:txBody>
@@ -4556,7 +8638,7 @@
           <p:cNvPr id="7" name="TextBox 6">
             <a:extLst>
               <a:ext uri="{FF2B5EF4-FFF2-40B4-BE49-F238E27FC236}">
-                <a16:creationId xmlns:a16="http://schemas.microsoft.com/office/drawing/2014/main" id="{0DD3E957-DE5C-5AA6-E624-69B627C94228}"/>
+                <a16:creationId xmlns:a16="http://schemas.microsoft.com/office/drawing/2014/main" id="{CF8BF53C-8CB2-468D-FC1A-C956BE36342E}"/>
               </a:ext>
             </a:extLst>
           </p:cNvPr>
@@ -4565,7 +8647,7 @@
         </p:nvSpPr>
         <p:spPr>
           <a:xfrm>
-            <a:off x="1901301" y="1473693"/>
+            <a:off x="2459115" y="942915"/>
             <a:ext cx="790112" cy="369332"/>
           </a:xfrm>
           <a:prstGeom prst="rect">
@@ -4581,7 +8663,7 @@
           <a:p>
             <a:r>
               <a:rPr lang="en-GB" dirty="0"/>
-              <a:t>P1</a:t>
+              <a:t>W</a:t>
             </a:r>
           </a:p>
         </p:txBody>
@@ -4591,7 +8673,7 @@
           <p:cNvPr id="8" name="TextBox 7">
             <a:extLst>
               <a:ext uri="{FF2B5EF4-FFF2-40B4-BE49-F238E27FC236}">
-                <a16:creationId xmlns:a16="http://schemas.microsoft.com/office/drawing/2014/main" id="{F355E964-7F0E-990E-5778-13136080D1DA}"/>
+                <a16:creationId xmlns:a16="http://schemas.microsoft.com/office/drawing/2014/main" id="{BD082F9B-1049-C6CA-7571-0A0C6255177A}"/>
               </a:ext>
             </a:extLst>
           </p:cNvPr>
@@ -4600,7 +8682,7 @@
         </p:nvSpPr>
         <p:spPr>
           <a:xfrm>
-            <a:off x="3204101" y="1473693"/>
+            <a:off x="3038384" y="1505503"/>
             <a:ext cx="790112" cy="369332"/>
           </a:xfrm>
           <a:prstGeom prst="rect">
@@ -4615,10 +8697,9 @@
           <a:lstStyle/>
           <a:p>
             <a:r>
-              <a:rPr lang="en-GB" dirty="0" err="1"/>
-              <a:t>Vpos</a:t>
-            </a:r>
-            <a:endParaRPr lang="en-GB" dirty="0"/>
+              <a:rPr lang="en-GB" dirty="0"/>
+              <a:t>P2</a:t>
+            </a:r>
           </a:p>
         </p:txBody>
       </p:sp>
@@ -4627,7 +8708,7 @@
           <p:cNvPr id="9" name="TextBox 8">
             <a:extLst>
               <a:ext uri="{FF2B5EF4-FFF2-40B4-BE49-F238E27FC236}">
-                <a16:creationId xmlns:a16="http://schemas.microsoft.com/office/drawing/2014/main" id="{A83903E8-7450-FF37-AB67-08525F5E1348}"/>
+                <a16:creationId xmlns:a16="http://schemas.microsoft.com/office/drawing/2014/main" id="{A34FC2E9-791B-1BCA-8DF7-852BB9A7FC94}"/>
               </a:ext>
             </a:extLst>
           </p:cNvPr>
@@ -4636,8 +8717,8 @@
         </p:nvSpPr>
         <p:spPr>
           <a:xfrm>
-            <a:off x="4670395" y="1473693"/>
-            <a:ext cx="790112" cy="369332"/>
+            <a:off x="3828496" y="1550062"/>
+            <a:ext cx="540799" cy="369332"/>
           </a:xfrm>
           <a:prstGeom prst="rect">
             <a:avLst/>
@@ -4652,7 +8733,7 @@
           <a:p>
             <a:r>
               <a:rPr lang="en-GB" dirty="0"/>
-              <a:t>P2</a:t>
+              <a:t>T2</a:t>
             </a:r>
           </a:p>
         </p:txBody>
@@ -4662,7 +8743,7 @@
           <p:cNvPr id="10" name="TextBox 9">
             <a:extLst>
               <a:ext uri="{FF2B5EF4-FFF2-40B4-BE49-F238E27FC236}">
-                <a16:creationId xmlns:a16="http://schemas.microsoft.com/office/drawing/2014/main" id="{A2A4CEA4-37D6-27EB-513D-5DB433892F9F}"/>
+                <a16:creationId xmlns:a16="http://schemas.microsoft.com/office/drawing/2014/main" id="{F6E75630-1796-04FA-7D71-F04E5B95FA64}"/>
               </a:ext>
             </a:extLst>
           </p:cNvPr>
@@ -4671,7 +8752,7 @@
         </p:nvSpPr>
         <p:spPr>
           <a:xfrm>
-            <a:off x="5460507" y="1473693"/>
+            <a:off x="4369295" y="2354062"/>
             <a:ext cx="790112" cy="369332"/>
           </a:xfrm>
           <a:prstGeom prst="rect">
@@ -4687,41 +8768,6 @@
           <a:p>
             <a:r>
               <a:rPr lang="en-GB" dirty="0"/>
-              <a:t>T2</a:t>
-            </a:r>
-          </a:p>
-        </p:txBody>
-      </p:sp>
-      <p:sp>
-        <p:nvSpPr>
-          <p:cNvPr id="11" name="TextBox 10">
-            <a:extLst>
-              <a:ext uri="{FF2B5EF4-FFF2-40B4-BE49-F238E27FC236}">
-                <a16:creationId xmlns:a16="http://schemas.microsoft.com/office/drawing/2014/main" id="{24F1D201-02F2-CD3E-37F4-CD78701B0008}"/>
-              </a:ext>
-            </a:extLst>
-          </p:cNvPr>
-          <p:cNvSpPr txBox="1"/>
-          <p:nvPr/>
-        </p:nvSpPr>
-        <p:spPr>
-          <a:xfrm>
-            <a:off x="4369295" y="2354062"/>
-            <a:ext cx="790112" cy="369332"/>
-          </a:xfrm>
-          <a:prstGeom prst="rect">
-            <a:avLst/>
-          </a:prstGeom>
-          <a:noFill/>
-        </p:spPr>
-        <p:txBody>
-          <a:bodyPr wrap="square" rtlCol="0">
-            <a:spAutoFit/>
-          </a:bodyPr>
-          <a:lstStyle/>
-          <a:p>
-            <a:r>
-              <a:rPr lang="en-GB" dirty="0"/>
               <a:t>F2</a:t>
             </a:r>
           </a:p>
@@ -4729,22 +8775,22 @@
       </p:sp>
       <p:cxnSp>
         <p:nvCxnSpPr>
-          <p:cNvPr id="15" name="Straight Arrow Connector 14">
-            <a:extLst>
-              <a:ext uri="{FF2B5EF4-FFF2-40B4-BE49-F238E27FC236}">
-                <a16:creationId xmlns:a16="http://schemas.microsoft.com/office/drawing/2014/main" id="{056D271D-50DE-A16E-7FFE-2EB66F7E6F44}"/>
+          <p:cNvPr id="22" name="Straight Arrow Connector 21">
+            <a:extLst>
+              <a:ext uri="{FF2B5EF4-FFF2-40B4-BE49-F238E27FC236}">
+                <a16:creationId xmlns:a16="http://schemas.microsoft.com/office/drawing/2014/main" id="{3A725855-4B46-0F4E-F20F-A90731CA7162}"/>
               </a:ext>
             </a:extLst>
           </p:cNvPr>
           <p:cNvCxnSpPr>
-            <a:cxnSpLocks/>
+            <a:endCxn id="10" idx="1"/>
           </p:cNvCxnSpPr>
           <p:nvPr/>
         </p:nvCxnSpPr>
         <p:spPr>
-          <a:xfrm flipH="1">
-            <a:off x="2459115" y="1658359"/>
-            <a:ext cx="577048" cy="0"/>
+          <a:xfrm>
+            <a:off x="1927194" y="2538728"/>
+            <a:ext cx="2442101" cy="0"/>
           </a:xfrm>
           <a:prstGeom prst="straightConnector1">
             <a:avLst/>
@@ -4770,25 +8816,217 @@
       </p:cxnSp>
       <p:cxnSp>
         <p:nvCxnSpPr>
-          <p:cNvPr id="16" name="Straight Arrow Connector 15">
-            <a:extLst>
-              <a:ext uri="{FF2B5EF4-FFF2-40B4-BE49-F238E27FC236}">
-                <a16:creationId xmlns:a16="http://schemas.microsoft.com/office/drawing/2014/main" id="{F20A9663-12ED-7D34-A5F7-4D3651939AE6}"/>
+          <p:cNvPr id="24" name="Straight Arrow Connector 23">
+            <a:extLst>
+              <a:ext uri="{FF2B5EF4-FFF2-40B4-BE49-F238E27FC236}">
+                <a16:creationId xmlns:a16="http://schemas.microsoft.com/office/drawing/2014/main" id="{7991D60F-90D1-2778-0ACB-3FF27B8376EE}"/>
               </a:ext>
             </a:extLst>
           </p:cNvPr>
           <p:cNvCxnSpPr>
+            <a:cxnSpLocks/>
             <a:endCxn id="9" idx="1"/>
           </p:cNvCxnSpPr>
           <p:nvPr/>
         </p:nvCxnSpPr>
         <p:spPr>
           <a:xfrm>
-            <a:off x="3967578" y="1658359"/>
-            <a:ext cx="702817" cy="0"/>
+            <a:off x="3498541" y="1734728"/>
+            <a:ext cx="329955" cy="0"/>
           </a:xfrm>
           <a:prstGeom prst="straightConnector1">
             <a:avLst/>
+          </a:prstGeom>
+          <a:ln>
+            <a:tailEnd type="triangle"/>
+          </a:ln>
+        </p:spPr>
+        <p:style>
+          <a:lnRef idx="2">
+            <a:schemeClr val="accent1"/>
+          </a:lnRef>
+          <a:fillRef idx="0">
+            <a:schemeClr val="accent1"/>
+          </a:fillRef>
+          <a:effectRef idx="1">
+            <a:schemeClr val="accent1"/>
+          </a:effectRef>
+          <a:fontRef idx="minor">
+            <a:schemeClr val="tx1"/>
+          </a:fontRef>
+        </p:style>
+      </p:cxnSp>
+      <p:sp>
+        <p:nvSpPr>
+          <p:cNvPr id="46" name="TextBox 45">
+            <a:extLst>
+              <a:ext uri="{FF2B5EF4-FFF2-40B4-BE49-F238E27FC236}">
+                <a16:creationId xmlns:a16="http://schemas.microsoft.com/office/drawing/2014/main" id="{A5CF54D8-8E1B-7A16-2B1C-7AD714DAFD73}"/>
+              </a:ext>
+            </a:extLst>
+          </p:cNvPr>
+          <p:cNvSpPr txBox="1"/>
+          <p:nvPr/>
+        </p:nvSpPr>
+        <p:spPr>
+          <a:xfrm>
+            <a:off x="1927194" y="3280297"/>
+            <a:ext cx="790112" cy="369332"/>
+          </a:xfrm>
+          <a:prstGeom prst="rect">
+            <a:avLst/>
+          </a:prstGeom>
+          <a:noFill/>
+        </p:spPr>
+        <p:txBody>
+          <a:bodyPr wrap="square" rtlCol="0">
+            <a:spAutoFit/>
+          </a:bodyPr>
+          <a:lstStyle/>
+          <a:p>
+            <a:r>
+              <a:rPr lang="en-GB" dirty="0"/>
+              <a:t>X1</a:t>
+            </a:r>
+          </a:p>
+        </p:txBody>
+      </p:sp>
+      <p:sp>
+        <p:nvSpPr>
+          <p:cNvPr id="47" name="TextBox 46">
+            <a:extLst>
+              <a:ext uri="{FF2B5EF4-FFF2-40B4-BE49-F238E27FC236}">
+                <a16:creationId xmlns:a16="http://schemas.microsoft.com/office/drawing/2014/main" id="{019DDCE3-01DC-F4C7-13BB-C3097B43FD86}"/>
+              </a:ext>
+            </a:extLst>
+          </p:cNvPr>
+          <p:cNvSpPr txBox="1"/>
+          <p:nvPr/>
+        </p:nvSpPr>
+        <p:spPr>
+          <a:xfrm>
+            <a:off x="4369295" y="3280297"/>
+            <a:ext cx="790112" cy="369332"/>
+          </a:xfrm>
+          <a:prstGeom prst="rect">
+            <a:avLst/>
+          </a:prstGeom>
+          <a:noFill/>
+        </p:spPr>
+        <p:txBody>
+          <a:bodyPr wrap="square" rtlCol="0">
+            <a:spAutoFit/>
+          </a:bodyPr>
+          <a:lstStyle/>
+          <a:p>
+            <a:r>
+              <a:rPr lang="en-GB" dirty="0"/>
+              <a:t>X2</a:t>
+            </a:r>
+          </a:p>
+        </p:txBody>
+      </p:sp>
+      <p:cxnSp>
+        <p:nvCxnSpPr>
+          <p:cNvPr id="48" name="Straight Arrow Connector 47">
+            <a:extLst>
+              <a:ext uri="{FF2B5EF4-FFF2-40B4-BE49-F238E27FC236}">
+                <a16:creationId xmlns:a16="http://schemas.microsoft.com/office/drawing/2014/main" id="{8BFFCC9F-B973-5AA9-DACA-DDD56A15FD67}"/>
+              </a:ext>
+            </a:extLst>
+          </p:cNvPr>
+          <p:cNvCxnSpPr>
+            <a:cxnSpLocks/>
+          </p:cNvCxnSpPr>
+          <p:nvPr/>
+        </p:nvCxnSpPr>
+        <p:spPr>
+          <a:xfrm>
+            <a:off x="2399930" y="3464963"/>
+            <a:ext cx="1753773" cy="0"/>
+          </a:xfrm>
+          <a:prstGeom prst="straightConnector1">
+            <a:avLst/>
+          </a:prstGeom>
+          <a:ln>
+            <a:tailEnd type="triangle"/>
+          </a:ln>
+        </p:spPr>
+        <p:style>
+          <a:lnRef idx="2">
+            <a:schemeClr val="accent1"/>
+          </a:lnRef>
+          <a:fillRef idx="0">
+            <a:schemeClr val="accent1"/>
+          </a:fillRef>
+          <a:effectRef idx="1">
+            <a:schemeClr val="accent1"/>
+          </a:effectRef>
+          <a:fontRef idx="minor">
+            <a:schemeClr val="tx1"/>
+          </a:fontRef>
+        </p:style>
+      </p:cxnSp>
+      <p:sp>
+        <p:nvSpPr>
+          <p:cNvPr id="50" name="TextBox 49">
+            <a:extLst>
+              <a:ext uri="{FF2B5EF4-FFF2-40B4-BE49-F238E27FC236}">
+                <a16:creationId xmlns:a16="http://schemas.microsoft.com/office/drawing/2014/main" id="{5B513961-8217-C0C3-D6AA-05C54A7E0A83}"/>
+              </a:ext>
+            </a:extLst>
+          </p:cNvPr>
+          <p:cNvSpPr txBox="1"/>
+          <p:nvPr/>
+        </p:nvSpPr>
+        <p:spPr>
+          <a:xfrm>
+            <a:off x="7785717" y="1180730"/>
+            <a:ext cx="3061316" cy="369332"/>
+          </a:xfrm>
+          <a:prstGeom prst="rect">
+            <a:avLst/>
+          </a:prstGeom>
+          <a:noFill/>
+        </p:spPr>
+        <p:txBody>
+          <a:bodyPr wrap="square" rtlCol="0">
+            <a:spAutoFit/>
+          </a:bodyPr>
+          <a:lstStyle/>
+          <a:p>
+            <a:r>
+              <a:rPr lang="en-GB" dirty="0"/>
+              <a:t>SV1</a:t>
+            </a:r>
+          </a:p>
+        </p:txBody>
+      </p:sp>
+      <p:cxnSp>
+        <p:nvCxnSpPr>
+          <p:cNvPr id="3" name="Connector: Curved 2">
+            <a:extLst>
+              <a:ext uri="{FF2B5EF4-FFF2-40B4-BE49-F238E27FC236}">
+                <a16:creationId xmlns:a16="http://schemas.microsoft.com/office/drawing/2014/main" id="{61C55F86-6F97-83A4-689A-58112C96EBB3}"/>
+              </a:ext>
+            </a:extLst>
+          </p:cNvPr>
+          <p:cNvCxnSpPr>
+            <a:cxnSpLocks/>
+            <a:stCxn id="4" idx="2"/>
+            <a:endCxn id="9" idx="2"/>
+          </p:cNvCxnSpPr>
+          <p:nvPr/>
+        </p:nvCxnSpPr>
+        <p:spPr>
+          <a:xfrm rot="16200000" flipH="1">
+            <a:off x="2643798" y="464295"/>
+            <a:ext cx="76369" cy="2833828"/>
+          </a:xfrm>
+          <a:prstGeom prst="curvedConnector3">
+            <a:avLst>
+              <a:gd name="adj1" fmla="val 399336"/>
+            </a:avLst>
           </a:prstGeom>
           <a:ln>
             <a:tailEnd type="triangle"/>
@@ -4811,22 +9049,22 @@
       </p:cxnSp>
       <p:cxnSp>
         <p:nvCxnSpPr>
-          <p:cNvPr id="17" name="Straight Arrow Connector 16">
-            <a:extLst>
-              <a:ext uri="{FF2B5EF4-FFF2-40B4-BE49-F238E27FC236}">
-                <a16:creationId xmlns:a16="http://schemas.microsoft.com/office/drawing/2014/main" id="{AC86F235-EFB6-EFC5-97B7-1DC0F04CB867}"/>
+          <p:cNvPr id="14" name="Straight Arrow Connector 13">
+            <a:extLst>
+              <a:ext uri="{FF2B5EF4-FFF2-40B4-BE49-F238E27FC236}">
+                <a16:creationId xmlns:a16="http://schemas.microsoft.com/office/drawing/2014/main" id="{92219C4D-1258-A929-A29B-F3E998DB10E4}"/>
               </a:ext>
             </a:extLst>
           </p:cNvPr>
           <p:cNvCxnSpPr>
-            <a:endCxn id="11" idx="1"/>
+            <a:stCxn id="6" idx="0"/>
           </p:cNvCxnSpPr>
           <p:nvPr/>
         </p:nvCxnSpPr>
         <p:spPr>
-          <a:xfrm>
-            <a:off x="1927194" y="2538728"/>
-            <a:ext cx="2442101" cy="0"/>
+          <a:xfrm flipV="1">
+            <a:off x="2294138" y="1242874"/>
+            <a:ext cx="262631" cy="266499"/>
           </a:xfrm>
           <a:prstGeom prst="straightConnector1">
             <a:avLst/>
@@ -4852,122 +9090,10 @@
       </p:cxnSp>
       <p:cxnSp>
         <p:nvCxnSpPr>
-          <p:cNvPr id="18" name="Straight Arrow Connector 17">
-            <a:extLst>
-              <a:ext uri="{FF2B5EF4-FFF2-40B4-BE49-F238E27FC236}">
-                <a16:creationId xmlns:a16="http://schemas.microsoft.com/office/drawing/2014/main" id="{B0018FC7-8A98-9FE9-9CF5-277A28D662E0}"/>
-              </a:ext>
-            </a:extLst>
-          </p:cNvPr>
-          <p:cNvCxnSpPr>
-            <a:cxnSpLocks/>
-            <a:endCxn id="10" idx="1"/>
-          </p:cNvCxnSpPr>
-          <p:nvPr/>
-        </p:nvCxnSpPr>
-        <p:spPr>
-          <a:xfrm>
-            <a:off x="5130552" y="1658359"/>
-            <a:ext cx="329955" cy="0"/>
-          </a:xfrm>
-          <a:prstGeom prst="straightConnector1">
-            <a:avLst/>
-          </a:prstGeom>
-          <a:ln>
-            <a:tailEnd type="triangle"/>
-          </a:ln>
-        </p:spPr>
-        <p:style>
-          <a:lnRef idx="2">
-            <a:schemeClr val="accent1"/>
-          </a:lnRef>
-          <a:fillRef idx="0">
-            <a:schemeClr val="accent1"/>
-          </a:fillRef>
-          <a:effectRef idx="1">
-            <a:schemeClr val="accent1"/>
-          </a:effectRef>
-          <a:fontRef idx="minor">
-            <a:schemeClr val="tx1"/>
-          </a:fontRef>
-        </p:style>
-      </p:cxnSp>
-      <p:sp>
-        <p:nvSpPr>
-          <p:cNvPr id="21" name="TextBox 20">
-            <a:extLst>
-              <a:ext uri="{FF2B5EF4-FFF2-40B4-BE49-F238E27FC236}">
-                <a16:creationId xmlns:a16="http://schemas.microsoft.com/office/drawing/2014/main" id="{E4EDECA9-9653-07BC-C8F5-931D3D50694B}"/>
-              </a:ext>
-            </a:extLst>
-          </p:cNvPr>
-          <p:cNvSpPr txBox="1"/>
-          <p:nvPr/>
-        </p:nvSpPr>
-        <p:spPr>
-          <a:xfrm>
-            <a:off x="1927194" y="3280297"/>
-            <a:ext cx="790112" cy="369332"/>
-          </a:xfrm>
-          <a:prstGeom prst="rect">
-            <a:avLst/>
-          </a:prstGeom>
-          <a:noFill/>
-        </p:spPr>
-        <p:txBody>
-          <a:bodyPr wrap="square" rtlCol="0">
-            <a:spAutoFit/>
-          </a:bodyPr>
-          <a:lstStyle/>
-          <a:p>
-            <a:r>
-              <a:rPr lang="en-GB" dirty="0"/>
-              <a:t>x1</a:t>
-            </a:r>
-          </a:p>
-        </p:txBody>
-      </p:sp>
-      <p:sp>
-        <p:nvSpPr>
-          <p:cNvPr id="22" name="TextBox 21">
-            <a:extLst>
-              <a:ext uri="{FF2B5EF4-FFF2-40B4-BE49-F238E27FC236}">
-                <a16:creationId xmlns:a16="http://schemas.microsoft.com/office/drawing/2014/main" id="{5B89A478-C26E-B97C-C729-A007003B38AB}"/>
-              </a:ext>
-            </a:extLst>
-          </p:cNvPr>
-          <p:cNvSpPr txBox="1"/>
-          <p:nvPr/>
-        </p:nvSpPr>
-        <p:spPr>
-          <a:xfrm>
-            <a:off x="4369295" y="3280297"/>
-            <a:ext cx="790112" cy="369332"/>
-          </a:xfrm>
-          <a:prstGeom prst="rect">
-            <a:avLst/>
-          </a:prstGeom>
-          <a:noFill/>
-        </p:spPr>
-        <p:txBody>
-          <a:bodyPr wrap="square" rtlCol="0">
-            <a:spAutoFit/>
-          </a:bodyPr>
-          <a:lstStyle/>
-          <a:p>
-            <a:r>
-              <a:rPr lang="en-GB" dirty="0"/>
-              <a:t>x2</a:t>
-            </a:r>
-          </a:p>
-        </p:txBody>
-      </p:sp>
-      <p:cxnSp>
-        <p:nvCxnSpPr>
-          <p:cNvPr id="23" name="Straight Arrow Connector 22">
-            <a:extLst>
-              <a:ext uri="{FF2B5EF4-FFF2-40B4-BE49-F238E27FC236}">
-                <a16:creationId xmlns:a16="http://schemas.microsoft.com/office/drawing/2014/main" id="{0CD63032-4821-F855-5397-3DC98D3E2595}"/>
+          <p:cNvPr id="19" name="Straight Arrow Connector 18">
+            <a:extLst>
+              <a:ext uri="{FF2B5EF4-FFF2-40B4-BE49-F238E27FC236}">
+                <a16:creationId xmlns:a16="http://schemas.microsoft.com/office/drawing/2014/main" id="{C1D796CB-823C-2829-883E-D6B22E700242}"/>
               </a:ext>
             </a:extLst>
           </p:cNvPr>
@@ -4978,227 +9104,14 @@
         </p:nvCxnSpPr>
         <p:spPr>
           <a:xfrm>
-            <a:off x="2399930" y="3464963"/>
-            <a:ext cx="1753773" cy="0"/>
+            <a:off x="2735986" y="1183195"/>
+            <a:ext cx="481615" cy="355642"/>
           </a:xfrm>
           <a:prstGeom prst="straightConnector1">
             <a:avLst/>
           </a:prstGeom>
           <a:ln>
-            <a:tailEnd type="triangle"/>
-          </a:ln>
-        </p:spPr>
-        <p:style>
-          <a:lnRef idx="2">
-            <a:schemeClr val="accent1"/>
-          </a:lnRef>
-          <a:fillRef idx="0">
-            <a:schemeClr val="accent1"/>
-          </a:fillRef>
-          <a:effectRef idx="1">
-            <a:schemeClr val="accent1"/>
-          </a:effectRef>
-          <a:fontRef idx="minor">
-            <a:schemeClr val="tx1"/>
-          </a:fontRef>
-        </p:style>
-      </p:cxnSp>
-      <p:cxnSp>
-        <p:nvCxnSpPr>
-          <p:cNvPr id="26" name="Straight Arrow Connector 25">
-            <a:extLst>
-              <a:ext uri="{FF2B5EF4-FFF2-40B4-BE49-F238E27FC236}">
-                <a16:creationId xmlns:a16="http://schemas.microsoft.com/office/drawing/2014/main" id="{FAE58AB7-EEBE-3F1D-CFC1-B2F8B3D9DC85}"/>
-              </a:ext>
-            </a:extLst>
-          </p:cNvPr>
-          <p:cNvCxnSpPr>
-            <a:cxnSpLocks/>
-          </p:cNvCxnSpPr>
-          <p:nvPr/>
-        </p:nvCxnSpPr>
-        <p:spPr>
-          <a:xfrm flipH="1">
-            <a:off x="1305018" y="1658359"/>
-            <a:ext cx="577048" cy="0"/>
-          </a:xfrm>
-          <a:prstGeom prst="straightConnector1">
-            <a:avLst/>
-          </a:prstGeom>
-          <a:ln>
-            <a:tailEnd type="triangle"/>
-          </a:ln>
-        </p:spPr>
-        <p:style>
-          <a:lnRef idx="2">
-            <a:schemeClr val="accent1"/>
-          </a:lnRef>
-          <a:fillRef idx="0">
-            <a:schemeClr val="accent1"/>
-          </a:fillRef>
-          <a:effectRef idx="1">
-            <a:schemeClr val="accent1"/>
-          </a:effectRef>
-          <a:fontRef idx="minor">
-            <a:schemeClr val="tx1"/>
-          </a:fontRef>
-        </p:style>
-      </p:cxnSp>
-      <p:cxnSp>
-        <p:nvCxnSpPr>
-          <p:cNvPr id="27" name="Straight Arrow Connector 26">
-            <a:extLst>
-              <a:ext uri="{FF2B5EF4-FFF2-40B4-BE49-F238E27FC236}">
-                <a16:creationId xmlns:a16="http://schemas.microsoft.com/office/drawing/2014/main" id="{6B4EFFA7-3C00-B788-1576-402D5059D648}"/>
-              </a:ext>
-            </a:extLst>
-          </p:cNvPr>
-          <p:cNvCxnSpPr>
-            <a:cxnSpLocks/>
-            <a:endCxn id="6" idx="0"/>
-          </p:cNvCxnSpPr>
-          <p:nvPr/>
-        </p:nvCxnSpPr>
-        <p:spPr>
-          <a:xfrm flipH="1">
-            <a:off x="1812524" y="1843025"/>
-            <a:ext cx="255973" cy="511037"/>
-          </a:xfrm>
-          <a:prstGeom prst="straightConnector1">
-            <a:avLst/>
-          </a:prstGeom>
-          <a:ln>
-            <a:tailEnd type="triangle"/>
-          </a:ln>
-        </p:spPr>
-        <p:style>
-          <a:lnRef idx="2">
-            <a:schemeClr val="accent1"/>
-          </a:lnRef>
-          <a:fillRef idx="0">
-            <a:schemeClr val="accent1"/>
-          </a:fillRef>
-          <a:effectRef idx="1">
-            <a:schemeClr val="accent1"/>
-          </a:effectRef>
-          <a:fontRef idx="minor">
-            <a:schemeClr val="tx1"/>
-          </a:fontRef>
-        </p:style>
-      </p:cxnSp>
-      <p:cxnSp>
-        <p:nvCxnSpPr>
-          <p:cNvPr id="30" name="Straight Arrow Connector 29">
-            <a:extLst>
-              <a:ext uri="{FF2B5EF4-FFF2-40B4-BE49-F238E27FC236}">
-                <a16:creationId xmlns:a16="http://schemas.microsoft.com/office/drawing/2014/main" id="{55619323-02CE-7C1D-D714-4342777845CC}"/>
-              </a:ext>
-            </a:extLst>
-          </p:cNvPr>
-          <p:cNvCxnSpPr>
-            <a:cxnSpLocks/>
-            <a:endCxn id="11" idx="0"/>
-          </p:cNvCxnSpPr>
-          <p:nvPr/>
-        </p:nvCxnSpPr>
-        <p:spPr>
-          <a:xfrm flipH="1">
-            <a:off x="4764351" y="1843025"/>
-            <a:ext cx="73979" cy="511037"/>
-          </a:xfrm>
-          <a:prstGeom prst="straightConnector1">
-            <a:avLst/>
-          </a:prstGeom>
-          <a:ln>
-            <a:tailEnd type="triangle"/>
-          </a:ln>
-        </p:spPr>
-        <p:style>
-          <a:lnRef idx="2">
-            <a:schemeClr val="accent1"/>
-          </a:lnRef>
-          <a:fillRef idx="0">
-            <a:schemeClr val="accent1"/>
-          </a:fillRef>
-          <a:effectRef idx="1">
-            <a:schemeClr val="accent1"/>
-          </a:effectRef>
-          <a:fontRef idx="minor">
-            <a:schemeClr val="tx1"/>
-          </a:fontRef>
-        </p:style>
-      </p:cxnSp>
-      <p:cxnSp>
-        <p:nvCxnSpPr>
-          <p:cNvPr id="39" name="Connector: Curved 38">
-            <a:extLst>
-              <a:ext uri="{FF2B5EF4-FFF2-40B4-BE49-F238E27FC236}">
-                <a16:creationId xmlns:a16="http://schemas.microsoft.com/office/drawing/2014/main" id="{7A379C2D-6199-A262-C77A-00F6C80A4F50}"/>
-              </a:ext>
-            </a:extLst>
-          </p:cNvPr>
-          <p:cNvCxnSpPr>
-            <a:stCxn id="7" idx="0"/>
-            <a:endCxn id="9" idx="0"/>
-          </p:cNvCxnSpPr>
-          <p:nvPr/>
-        </p:nvCxnSpPr>
-        <p:spPr>
-          <a:xfrm rot="5400000" flipH="1" flipV="1">
-            <a:off x="3680904" y="89146"/>
-            <a:ext cx="12700" cy="2769094"/>
-          </a:xfrm>
-          <a:prstGeom prst="curvedConnector3">
-            <a:avLst>
-              <a:gd name="adj1" fmla="val 1800000"/>
-            </a:avLst>
-          </a:prstGeom>
-          <a:ln>
-            <a:tailEnd type="triangle"/>
-          </a:ln>
-        </p:spPr>
-        <p:style>
-          <a:lnRef idx="2">
-            <a:schemeClr val="accent1"/>
-          </a:lnRef>
-          <a:fillRef idx="0">
-            <a:schemeClr val="accent1"/>
-          </a:fillRef>
-          <a:effectRef idx="1">
-            <a:schemeClr val="accent1"/>
-          </a:effectRef>
-          <a:fontRef idx="minor">
-            <a:schemeClr val="tx1"/>
-          </a:fontRef>
-        </p:style>
-      </p:cxnSp>
-      <p:cxnSp>
-        <p:nvCxnSpPr>
-          <p:cNvPr id="41" name="Connector: Curved 40">
-            <a:extLst>
-              <a:ext uri="{FF2B5EF4-FFF2-40B4-BE49-F238E27FC236}">
-                <a16:creationId xmlns:a16="http://schemas.microsoft.com/office/drawing/2014/main" id="{05859186-4CFC-A836-948F-DC2DB179F799}"/>
-              </a:ext>
-            </a:extLst>
-          </p:cNvPr>
-          <p:cNvCxnSpPr>
-            <a:cxnSpLocks/>
-            <a:stCxn id="5" idx="0"/>
-            <a:endCxn id="10" idx="0"/>
-          </p:cNvCxnSpPr>
-          <p:nvPr/>
-        </p:nvCxnSpPr>
-        <p:spPr>
-          <a:xfrm rot="5400000" flipH="1" flipV="1">
-            <a:off x="3560315" y="-821554"/>
-            <a:ext cx="12700" cy="4590495"/>
-          </a:xfrm>
-          <a:prstGeom prst="curvedConnector3">
-            <a:avLst>
-              <a:gd name="adj1" fmla="val 3897087"/>
-            </a:avLst>
-          </a:prstGeom>
-          <a:ln>
+            <a:headEnd type="triangle"/>
             <a:tailEnd type="triangle"/>
           </a:ln>
         </p:spPr>
@@ -5220,7 +9133,7 @@
     </p:spTree>
     <p:extLst>
       <p:ext uri="{BB962C8B-B14F-4D97-AF65-F5344CB8AC3E}">
-        <p14:creationId xmlns:p14="http://schemas.microsoft.com/office/powerpoint/2010/main" val="490602433"/>
+        <p14:creationId xmlns:p14="http://schemas.microsoft.com/office/powerpoint/2010/main" val="2305744929"/>
       </p:ext>
     </p:extLst>
   </p:cSld>
@@ -5252,7 +9165,7 @@
           <p:cNvPr id="4" name="TextBox 3">
             <a:extLst>
               <a:ext uri="{FF2B5EF4-FFF2-40B4-BE49-F238E27FC236}">
-                <a16:creationId xmlns:a16="http://schemas.microsoft.com/office/drawing/2014/main" id="{349397C4-EAE2-7959-DC83-BD29117951DF}"/>
+                <a16:creationId xmlns:a16="http://schemas.microsoft.com/office/drawing/2014/main" id="{E398BAD2-DB9E-8B00-8733-FC775775F8F3}"/>
               </a:ext>
             </a:extLst>
           </p:cNvPr>
@@ -5261,8 +9174,8 @@
         </p:nvSpPr>
         <p:spPr>
           <a:xfrm>
-            <a:off x="8558074" y="249913"/>
-            <a:ext cx="1731145" cy="369332"/>
+            <a:off x="2737282" y="2024108"/>
+            <a:ext cx="6551720" cy="584775"/>
           </a:xfrm>
           <a:prstGeom prst="rect">
             <a:avLst/>
@@ -5275,9 +9188,942 @@
           </a:bodyPr>
           <a:lstStyle/>
           <a:p>
+            <a:pPr algn="ctr"/>
+            <a:r>
+              <a:rPr lang="en-GB" sz="3200" dirty="0"/>
+              <a:t>Control valve </a:t>
+            </a:r>
+          </a:p>
+        </p:txBody>
+      </p:sp>
+    </p:spTree>
+    <p:extLst>
+      <p:ext uri="{BB962C8B-B14F-4D97-AF65-F5344CB8AC3E}">
+        <p14:creationId xmlns:p14="http://schemas.microsoft.com/office/powerpoint/2010/main" val="4232521461"/>
+      </p:ext>
+    </p:extLst>
+  </p:cSld>
+  <p:clrMapOvr>
+    <a:masterClrMapping/>
+  </p:clrMapOvr>
+</p:sld>
+</file>
+
+<file path=ppt/slides/slide4.xml><?xml version="1.0" encoding="utf-8"?>
+<p:sld xmlns:a="http://schemas.openxmlformats.org/drawingml/2006/main" xmlns:r="http://schemas.openxmlformats.org/officeDocument/2006/relationships" xmlns:p="http://schemas.openxmlformats.org/presentationml/2006/main">
+  <p:cSld>
+    <p:spTree>
+      <p:nvGrpSpPr>
+        <p:cNvPr id="1" name=""/>
+        <p:cNvGrpSpPr/>
+        <p:nvPr/>
+      </p:nvGrpSpPr>
+      <p:grpSpPr>
+        <a:xfrm>
+          <a:off x="0" y="0"/>
+          <a:ext cx="0" cy="0"/>
+          <a:chOff x="0" y="0"/>
+          <a:chExt cx="0" cy="0"/>
+        </a:xfrm>
+      </p:grpSpPr>
+      <p:sp>
+        <p:nvSpPr>
+          <p:cNvPr id="4" name="TextBox 3">
+            <a:extLst>
+              <a:ext uri="{FF2B5EF4-FFF2-40B4-BE49-F238E27FC236}">
+                <a16:creationId xmlns:a16="http://schemas.microsoft.com/office/drawing/2014/main" id="{A48D7CBE-5AD5-4B7E-A0AD-03646A8A1A30}"/>
+              </a:ext>
+            </a:extLst>
+          </p:cNvPr>
+          <p:cNvSpPr txBox="1"/>
+          <p:nvPr/>
+        </p:nvSpPr>
+        <p:spPr>
+          <a:xfrm>
+            <a:off x="7785717" y="1180730"/>
+            <a:ext cx="3061316" cy="369332"/>
+          </a:xfrm>
+          <a:prstGeom prst="rect">
+            <a:avLst/>
+          </a:prstGeom>
+          <a:noFill/>
+        </p:spPr>
+        <p:txBody>
+          <a:bodyPr wrap="square" rtlCol="0">
+            <a:spAutoFit/>
+          </a:bodyPr>
+          <a:lstStyle/>
+          <a:p>
             <a:r>
               <a:rPr lang="en-GB" dirty="0"/>
+              <a:t>SV1</a:t>
+            </a:r>
+          </a:p>
+        </p:txBody>
+      </p:sp>
+      <p:sp>
+        <p:nvSpPr>
+          <p:cNvPr id="5" name="TextBox 4">
+            <a:extLst>
+              <a:ext uri="{FF2B5EF4-FFF2-40B4-BE49-F238E27FC236}">
+                <a16:creationId xmlns:a16="http://schemas.microsoft.com/office/drawing/2014/main" id="{F91B2C44-4419-F36F-4DEC-42C574EA251E}"/>
+              </a:ext>
+            </a:extLst>
+          </p:cNvPr>
+          <p:cNvSpPr txBox="1"/>
+          <p:nvPr/>
+        </p:nvSpPr>
+        <p:spPr>
+          <a:xfrm>
+            <a:off x="870012" y="1473693"/>
+            <a:ext cx="790112" cy="369332"/>
+          </a:xfrm>
+          <a:prstGeom prst="rect">
+            <a:avLst/>
+          </a:prstGeom>
+          <a:noFill/>
+        </p:spPr>
+        <p:txBody>
+          <a:bodyPr wrap="square" rtlCol="0">
+            <a:spAutoFit/>
+          </a:bodyPr>
+          <a:lstStyle/>
+          <a:p>
+            <a:r>
+              <a:rPr lang="en-GB" dirty="0"/>
+              <a:t>T1</a:t>
+            </a:r>
+          </a:p>
+        </p:txBody>
+      </p:sp>
+      <p:sp>
+        <p:nvSpPr>
+          <p:cNvPr id="6" name="TextBox 5">
+            <a:extLst>
+              <a:ext uri="{FF2B5EF4-FFF2-40B4-BE49-F238E27FC236}">
+                <a16:creationId xmlns:a16="http://schemas.microsoft.com/office/drawing/2014/main" id="{3E518BFA-C283-CA19-4D0C-81BE9D03A109}"/>
+              </a:ext>
+            </a:extLst>
+          </p:cNvPr>
+          <p:cNvSpPr txBox="1"/>
+          <p:nvPr/>
+        </p:nvSpPr>
+        <p:spPr>
+          <a:xfrm>
+            <a:off x="1417468" y="2354062"/>
+            <a:ext cx="790112" cy="369332"/>
+          </a:xfrm>
+          <a:prstGeom prst="rect">
+            <a:avLst/>
+          </a:prstGeom>
+          <a:noFill/>
+        </p:spPr>
+        <p:txBody>
+          <a:bodyPr wrap="square" rtlCol="0">
+            <a:spAutoFit/>
+          </a:bodyPr>
+          <a:lstStyle/>
+          <a:p>
+            <a:r>
+              <a:rPr lang="en-GB" dirty="0"/>
+              <a:t>F1</a:t>
+            </a:r>
+          </a:p>
+        </p:txBody>
+      </p:sp>
+      <p:sp>
+        <p:nvSpPr>
+          <p:cNvPr id="7" name="TextBox 6">
+            <a:extLst>
+              <a:ext uri="{FF2B5EF4-FFF2-40B4-BE49-F238E27FC236}">
+                <a16:creationId xmlns:a16="http://schemas.microsoft.com/office/drawing/2014/main" id="{0DD3E957-DE5C-5AA6-E624-69B627C94228}"/>
+              </a:ext>
+            </a:extLst>
+          </p:cNvPr>
+          <p:cNvSpPr txBox="1"/>
+          <p:nvPr/>
+        </p:nvSpPr>
+        <p:spPr>
+          <a:xfrm>
+            <a:off x="1901301" y="1473693"/>
+            <a:ext cx="790112" cy="369332"/>
+          </a:xfrm>
+          <a:prstGeom prst="rect">
+            <a:avLst/>
+          </a:prstGeom>
+          <a:noFill/>
+        </p:spPr>
+        <p:txBody>
+          <a:bodyPr wrap="square" rtlCol="0">
+            <a:spAutoFit/>
+          </a:bodyPr>
+          <a:lstStyle/>
+          <a:p>
+            <a:r>
+              <a:rPr lang="en-GB" dirty="0"/>
+              <a:t>P1</a:t>
+            </a:r>
+          </a:p>
+        </p:txBody>
+      </p:sp>
+      <p:sp>
+        <p:nvSpPr>
+          <p:cNvPr id="8" name="TextBox 7">
+            <a:extLst>
+              <a:ext uri="{FF2B5EF4-FFF2-40B4-BE49-F238E27FC236}">
+                <a16:creationId xmlns:a16="http://schemas.microsoft.com/office/drawing/2014/main" id="{F355E964-7F0E-990E-5778-13136080D1DA}"/>
+              </a:ext>
+            </a:extLst>
+          </p:cNvPr>
+          <p:cNvSpPr txBox="1"/>
+          <p:nvPr/>
+        </p:nvSpPr>
+        <p:spPr>
+          <a:xfrm>
+            <a:off x="3204101" y="1473693"/>
+            <a:ext cx="790112" cy="369332"/>
+          </a:xfrm>
+          <a:prstGeom prst="rect">
+            <a:avLst/>
+          </a:prstGeom>
+          <a:noFill/>
+        </p:spPr>
+        <p:txBody>
+          <a:bodyPr wrap="square" rtlCol="0">
+            <a:spAutoFit/>
+          </a:bodyPr>
+          <a:lstStyle/>
+          <a:p>
+            <a:r>
+              <a:rPr lang="en-GB" dirty="0" err="1"/>
+              <a:t>Vpos</a:t>
+            </a:r>
+            <a:endParaRPr lang="en-GB" dirty="0"/>
+          </a:p>
+        </p:txBody>
+      </p:sp>
+      <p:sp>
+        <p:nvSpPr>
+          <p:cNvPr id="9" name="TextBox 8">
+            <a:extLst>
+              <a:ext uri="{FF2B5EF4-FFF2-40B4-BE49-F238E27FC236}">
+                <a16:creationId xmlns:a16="http://schemas.microsoft.com/office/drawing/2014/main" id="{A83903E8-7450-FF37-AB67-08525F5E1348}"/>
+              </a:ext>
+            </a:extLst>
+          </p:cNvPr>
+          <p:cNvSpPr txBox="1"/>
+          <p:nvPr/>
+        </p:nvSpPr>
+        <p:spPr>
+          <a:xfrm>
+            <a:off x="4670395" y="1473693"/>
+            <a:ext cx="790112" cy="369332"/>
+          </a:xfrm>
+          <a:prstGeom prst="rect">
+            <a:avLst/>
+          </a:prstGeom>
+          <a:noFill/>
+        </p:spPr>
+        <p:txBody>
+          <a:bodyPr wrap="square" rtlCol="0">
+            <a:spAutoFit/>
+          </a:bodyPr>
+          <a:lstStyle/>
+          <a:p>
+            <a:r>
+              <a:rPr lang="en-GB" dirty="0"/>
+              <a:t>P2</a:t>
+            </a:r>
+          </a:p>
+        </p:txBody>
+      </p:sp>
+      <p:sp>
+        <p:nvSpPr>
+          <p:cNvPr id="10" name="TextBox 9">
+            <a:extLst>
+              <a:ext uri="{FF2B5EF4-FFF2-40B4-BE49-F238E27FC236}">
+                <a16:creationId xmlns:a16="http://schemas.microsoft.com/office/drawing/2014/main" id="{A2A4CEA4-37D6-27EB-513D-5DB433892F9F}"/>
+              </a:ext>
+            </a:extLst>
+          </p:cNvPr>
+          <p:cNvSpPr txBox="1"/>
+          <p:nvPr/>
+        </p:nvSpPr>
+        <p:spPr>
+          <a:xfrm>
+            <a:off x="5460507" y="1473693"/>
+            <a:ext cx="790112" cy="369332"/>
+          </a:xfrm>
+          <a:prstGeom prst="rect">
+            <a:avLst/>
+          </a:prstGeom>
+          <a:noFill/>
+        </p:spPr>
+        <p:txBody>
+          <a:bodyPr wrap="square" rtlCol="0">
+            <a:spAutoFit/>
+          </a:bodyPr>
+          <a:lstStyle/>
+          <a:p>
+            <a:r>
+              <a:rPr lang="en-GB" dirty="0"/>
+              <a:t>T2</a:t>
+            </a:r>
+          </a:p>
+        </p:txBody>
+      </p:sp>
+      <p:sp>
+        <p:nvSpPr>
+          <p:cNvPr id="11" name="TextBox 10">
+            <a:extLst>
+              <a:ext uri="{FF2B5EF4-FFF2-40B4-BE49-F238E27FC236}">
+                <a16:creationId xmlns:a16="http://schemas.microsoft.com/office/drawing/2014/main" id="{24F1D201-02F2-CD3E-37F4-CD78701B0008}"/>
+              </a:ext>
+            </a:extLst>
+          </p:cNvPr>
+          <p:cNvSpPr txBox="1"/>
+          <p:nvPr/>
+        </p:nvSpPr>
+        <p:spPr>
+          <a:xfrm>
+            <a:off x="4369295" y="2354062"/>
+            <a:ext cx="790112" cy="369332"/>
+          </a:xfrm>
+          <a:prstGeom prst="rect">
+            <a:avLst/>
+          </a:prstGeom>
+          <a:noFill/>
+        </p:spPr>
+        <p:txBody>
+          <a:bodyPr wrap="square" rtlCol="0">
+            <a:spAutoFit/>
+          </a:bodyPr>
+          <a:lstStyle/>
+          <a:p>
+            <a:r>
+              <a:rPr lang="en-GB" dirty="0"/>
+              <a:t>F2</a:t>
+            </a:r>
+          </a:p>
+        </p:txBody>
+      </p:sp>
+      <p:cxnSp>
+        <p:nvCxnSpPr>
+          <p:cNvPr id="15" name="Straight Arrow Connector 14">
+            <a:extLst>
+              <a:ext uri="{FF2B5EF4-FFF2-40B4-BE49-F238E27FC236}">
+                <a16:creationId xmlns:a16="http://schemas.microsoft.com/office/drawing/2014/main" id="{056D271D-50DE-A16E-7FFE-2EB66F7E6F44}"/>
+              </a:ext>
+            </a:extLst>
+          </p:cNvPr>
+          <p:cNvCxnSpPr>
+            <a:cxnSpLocks/>
+          </p:cNvCxnSpPr>
+          <p:nvPr/>
+        </p:nvCxnSpPr>
+        <p:spPr>
+          <a:xfrm flipH="1">
+            <a:off x="2459115" y="1658359"/>
+            <a:ext cx="577048" cy="0"/>
+          </a:xfrm>
+          <a:prstGeom prst="straightConnector1">
+            <a:avLst/>
+          </a:prstGeom>
+          <a:ln>
+            <a:tailEnd type="triangle"/>
+          </a:ln>
+        </p:spPr>
+        <p:style>
+          <a:lnRef idx="2">
+            <a:schemeClr val="accent1"/>
+          </a:lnRef>
+          <a:fillRef idx="0">
+            <a:schemeClr val="accent1"/>
+          </a:fillRef>
+          <a:effectRef idx="1">
+            <a:schemeClr val="accent1"/>
+          </a:effectRef>
+          <a:fontRef idx="minor">
+            <a:schemeClr val="tx1"/>
+          </a:fontRef>
+        </p:style>
+      </p:cxnSp>
+      <p:cxnSp>
+        <p:nvCxnSpPr>
+          <p:cNvPr id="16" name="Straight Arrow Connector 15">
+            <a:extLst>
+              <a:ext uri="{FF2B5EF4-FFF2-40B4-BE49-F238E27FC236}">
+                <a16:creationId xmlns:a16="http://schemas.microsoft.com/office/drawing/2014/main" id="{F20A9663-12ED-7D34-A5F7-4D3651939AE6}"/>
+              </a:ext>
+            </a:extLst>
+          </p:cNvPr>
+          <p:cNvCxnSpPr>
+            <a:endCxn id="9" idx="1"/>
+          </p:cNvCxnSpPr>
+          <p:nvPr/>
+        </p:nvCxnSpPr>
+        <p:spPr>
+          <a:xfrm>
+            <a:off x="3967578" y="1658359"/>
+            <a:ext cx="702817" cy="0"/>
+          </a:xfrm>
+          <a:prstGeom prst="straightConnector1">
+            <a:avLst/>
+          </a:prstGeom>
+          <a:ln>
+            <a:tailEnd type="triangle"/>
+          </a:ln>
+        </p:spPr>
+        <p:style>
+          <a:lnRef idx="2">
+            <a:schemeClr val="accent1"/>
+          </a:lnRef>
+          <a:fillRef idx="0">
+            <a:schemeClr val="accent1"/>
+          </a:fillRef>
+          <a:effectRef idx="1">
+            <a:schemeClr val="accent1"/>
+          </a:effectRef>
+          <a:fontRef idx="minor">
+            <a:schemeClr val="tx1"/>
+          </a:fontRef>
+        </p:style>
+      </p:cxnSp>
+      <p:cxnSp>
+        <p:nvCxnSpPr>
+          <p:cNvPr id="17" name="Straight Arrow Connector 16">
+            <a:extLst>
+              <a:ext uri="{FF2B5EF4-FFF2-40B4-BE49-F238E27FC236}">
+                <a16:creationId xmlns:a16="http://schemas.microsoft.com/office/drawing/2014/main" id="{AC86F235-EFB6-EFC5-97B7-1DC0F04CB867}"/>
+              </a:ext>
+            </a:extLst>
+          </p:cNvPr>
+          <p:cNvCxnSpPr>
+            <a:endCxn id="11" idx="1"/>
+          </p:cNvCxnSpPr>
+          <p:nvPr/>
+        </p:nvCxnSpPr>
+        <p:spPr>
+          <a:xfrm>
+            <a:off x="1927194" y="2538728"/>
+            <a:ext cx="2442101" cy="0"/>
+          </a:xfrm>
+          <a:prstGeom prst="straightConnector1">
+            <a:avLst/>
+          </a:prstGeom>
+          <a:ln>
+            <a:tailEnd type="triangle"/>
+          </a:ln>
+        </p:spPr>
+        <p:style>
+          <a:lnRef idx="2">
+            <a:schemeClr val="accent1"/>
+          </a:lnRef>
+          <a:fillRef idx="0">
+            <a:schemeClr val="accent1"/>
+          </a:fillRef>
+          <a:effectRef idx="1">
+            <a:schemeClr val="accent1"/>
+          </a:effectRef>
+          <a:fontRef idx="minor">
+            <a:schemeClr val="tx1"/>
+          </a:fontRef>
+        </p:style>
+      </p:cxnSp>
+      <p:cxnSp>
+        <p:nvCxnSpPr>
+          <p:cNvPr id="18" name="Straight Arrow Connector 17">
+            <a:extLst>
+              <a:ext uri="{FF2B5EF4-FFF2-40B4-BE49-F238E27FC236}">
+                <a16:creationId xmlns:a16="http://schemas.microsoft.com/office/drawing/2014/main" id="{B0018FC7-8A98-9FE9-9CF5-277A28D662E0}"/>
+              </a:ext>
+            </a:extLst>
+          </p:cNvPr>
+          <p:cNvCxnSpPr>
+            <a:cxnSpLocks/>
+            <a:endCxn id="10" idx="1"/>
+          </p:cNvCxnSpPr>
+          <p:nvPr/>
+        </p:nvCxnSpPr>
+        <p:spPr>
+          <a:xfrm>
+            <a:off x="5130552" y="1658359"/>
+            <a:ext cx="329955" cy="0"/>
+          </a:xfrm>
+          <a:prstGeom prst="straightConnector1">
+            <a:avLst/>
+          </a:prstGeom>
+          <a:ln>
+            <a:tailEnd type="triangle"/>
+          </a:ln>
+        </p:spPr>
+        <p:style>
+          <a:lnRef idx="2">
+            <a:schemeClr val="accent1"/>
+          </a:lnRef>
+          <a:fillRef idx="0">
+            <a:schemeClr val="accent1"/>
+          </a:fillRef>
+          <a:effectRef idx="1">
+            <a:schemeClr val="accent1"/>
+          </a:effectRef>
+          <a:fontRef idx="minor">
+            <a:schemeClr val="tx1"/>
+          </a:fontRef>
+        </p:style>
+      </p:cxnSp>
+      <p:sp>
+        <p:nvSpPr>
+          <p:cNvPr id="21" name="TextBox 20">
+            <a:extLst>
+              <a:ext uri="{FF2B5EF4-FFF2-40B4-BE49-F238E27FC236}">
+                <a16:creationId xmlns:a16="http://schemas.microsoft.com/office/drawing/2014/main" id="{E4EDECA9-9653-07BC-C8F5-931D3D50694B}"/>
+              </a:ext>
+            </a:extLst>
+          </p:cNvPr>
+          <p:cNvSpPr txBox="1"/>
+          <p:nvPr/>
+        </p:nvSpPr>
+        <p:spPr>
+          <a:xfrm>
+            <a:off x="1927194" y="3280297"/>
+            <a:ext cx="790112" cy="369332"/>
+          </a:xfrm>
+          <a:prstGeom prst="rect">
+            <a:avLst/>
+          </a:prstGeom>
+          <a:noFill/>
+        </p:spPr>
+        <p:txBody>
+          <a:bodyPr wrap="square" rtlCol="0">
+            <a:spAutoFit/>
+          </a:bodyPr>
+          <a:lstStyle/>
+          <a:p>
+            <a:r>
+              <a:rPr lang="en-GB" dirty="0"/>
+              <a:t>X1</a:t>
+            </a:r>
+          </a:p>
+        </p:txBody>
+      </p:sp>
+      <p:sp>
+        <p:nvSpPr>
+          <p:cNvPr id="22" name="TextBox 21">
+            <a:extLst>
+              <a:ext uri="{FF2B5EF4-FFF2-40B4-BE49-F238E27FC236}">
+                <a16:creationId xmlns:a16="http://schemas.microsoft.com/office/drawing/2014/main" id="{5B89A478-C26E-B97C-C729-A007003B38AB}"/>
+              </a:ext>
+            </a:extLst>
+          </p:cNvPr>
+          <p:cNvSpPr txBox="1"/>
+          <p:nvPr/>
+        </p:nvSpPr>
+        <p:spPr>
+          <a:xfrm>
+            <a:off x="4369295" y="3280297"/>
+            <a:ext cx="790112" cy="369332"/>
+          </a:xfrm>
+          <a:prstGeom prst="rect">
+            <a:avLst/>
+          </a:prstGeom>
+          <a:noFill/>
+        </p:spPr>
+        <p:txBody>
+          <a:bodyPr wrap="square" rtlCol="0">
+            <a:spAutoFit/>
+          </a:bodyPr>
+          <a:lstStyle/>
+          <a:p>
+            <a:r>
+              <a:rPr lang="en-GB" dirty="0"/>
+              <a:t>X2</a:t>
+            </a:r>
+          </a:p>
+        </p:txBody>
+      </p:sp>
+      <p:cxnSp>
+        <p:nvCxnSpPr>
+          <p:cNvPr id="23" name="Straight Arrow Connector 22">
+            <a:extLst>
+              <a:ext uri="{FF2B5EF4-FFF2-40B4-BE49-F238E27FC236}">
+                <a16:creationId xmlns:a16="http://schemas.microsoft.com/office/drawing/2014/main" id="{0CD63032-4821-F855-5397-3DC98D3E2595}"/>
+              </a:ext>
+            </a:extLst>
+          </p:cNvPr>
+          <p:cNvCxnSpPr>
+            <a:cxnSpLocks/>
+          </p:cNvCxnSpPr>
+          <p:nvPr/>
+        </p:nvCxnSpPr>
+        <p:spPr>
+          <a:xfrm>
+            <a:off x="2399930" y="3464963"/>
+            <a:ext cx="1753773" cy="0"/>
+          </a:xfrm>
+          <a:prstGeom prst="straightConnector1">
+            <a:avLst/>
+          </a:prstGeom>
+          <a:ln>
+            <a:tailEnd type="triangle"/>
+          </a:ln>
+        </p:spPr>
+        <p:style>
+          <a:lnRef idx="2">
+            <a:schemeClr val="accent1"/>
+          </a:lnRef>
+          <a:fillRef idx="0">
+            <a:schemeClr val="accent1"/>
+          </a:fillRef>
+          <a:effectRef idx="1">
+            <a:schemeClr val="accent1"/>
+          </a:effectRef>
+          <a:fontRef idx="minor">
+            <a:schemeClr val="tx1"/>
+          </a:fontRef>
+        </p:style>
+      </p:cxnSp>
+      <p:cxnSp>
+        <p:nvCxnSpPr>
+          <p:cNvPr id="26" name="Straight Arrow Connector 25">
+            <a:extLst>
+              <a:ext uri="{FF2B5EF4-FFF2-40B4-BE49-F238E27FC236}">
+                <a16:creationId xmlns:a16="http://schemas.microsoft.com/office/drawing/2014/main" id="{FAE58AB7-EEBE-3F1D-CFC1-B2F8B3D9DC85}"/>
+              </a:ext>
+            </a:extLst>
+          </p:cNvPr>
+          <p:cNvCxnSpPr>
+            <a:cxnSpLocks/>
+          </p:cNvCxnSpPr>
+          <p:nvPr/>
+        </p:nvCxnSpPr>
+        <p:spPr>
+          <a:xfrm flipH="1">
+            <a:off x="1305018" y="1658359"/>
+            <a:ext cx="577048" cy="0"/>
+          </a:xfrm>
+          <a:prstGeom prst="straightConnector1">
+            <a:avLst/>
+          </a:prstGeom>
+          <a:ln>
+            <a:tailEnd type="triangle"/>
+          </a:ln>
+        </p:spPr>
+        <p:style>
+          <a:lnRef idx="2">
+            <a:schemeClr val="accent1"/>
+          </a:lnRef>
+          <a:fillRef idx="0">
+            <a:schemeClr val="accent1"/>
+          </a:fillRef>
+          <a:effectRef idx="1">
+            <a:schemeClr val="accent1"/>
+          </a:effectRef>
+          <a:fontRef idx="minor">
+            <a:schemeClr val="tx1"/>
+          </a:fontRef>
+        </p:style>
+      </p:cxnSp>
+      <p:cxnSp>
+        <p:nvCxnSpPr>
+          <p:cNvPr id="27" name="Straight Arrow Connector 26">
+            <a:extLst>
+              <a:ext uri="{FF2B5EF4-FFF2-40B4-BE49-F238E27FC236}">
+                <a16:creationId xmlns:a16="http://schemas.microsoft.com/office/drawing/2014/main" id="{6B4EFFA7-3C00-B788-1576-402D5059D648}"/>
+              </a:ext>
+            </a:extLst>
+          </p:cNvPr>
+          <p:cNvCxnSpPr>
+            <a:cxnSpLocks/>
+            <a:endCxn id="6" idx="0"/>
+          </p:cNvCxnSpPr>
+          <p:nvPr/>
+        </p:nvCxnSpPr>
+        <p:spPr>
+          <a:xfrm flipH="1">
+            <a:off x="1812524" y="1843025"/>
+            <a:ext cx="255973" cy="511037"/>
+          </a:xfrm>
+          <a:prstGeom prst="straightConnector1">
+            <a:avLst/>
+          </a:prstGeom>
+          <a:ln>
+            <a:tailEnd type="triangle"/>
+          </a:ln>
+        </p:spPr>
+        <p:style>
+          <a:lnRef idx="2">
+            <a:schemeClr val="accent1"/>
+          </a:lnRef>
+          <a:fillRef idx="0">
+            <a:schemeClr val="accent1"/>
+          </a:fillRef>
+          <a:effectRef idx="1">
+            <a:schemeClr val="accent1"/>
+          </a:effectRef>
+          <a:fontRef idx="minor">
+            <a:schemeClr val="tx1"/>
+          </a:fontRef>
+        </p:style>
+      </p:cxnSp>
+      <p:cxnSp>
+        <p:nvCxnSpPr>
+          <p:cNvPr id="30" name="Straight Arrow Connector 29">
+            <a:extLst>
+              <a:ext uri="{FF2B5EF4-FFF2-40B4-BE49-F238E27FC236}">
+                <a16:creationId xmlns:a16="http://schemas.microsoft.com/office/drawing/2014/main" id="{55619323-02CE-7C1D-D714-4342777845CC}"/>
+              </a:ext>
+            </a:extLst>
+          </p:cNvPr>
+          <p:cNvCxnSpPr>
+            <a:cxnSpLocks/>
+            <a:endCxn id="11" idx="0"/>
+          </p:cNvCxnSpPr>
+          <p:nvPr/>
+        </p:nvCxnSpPr>
+        <p:spPr>
+          <a:xfrm flipH="1">
+            <a:off x="4764351" y="1843025"/>
+            <a:ext cx="73979" cy="511037"/>
+          </a:xfrm>
+          <a:prstGeom prst="straightConnector1">
+            <a:avLst/>
+          </a:prstGeom>
+          <a:ln>
+            <a:tailEnd type="triangle"/>
+          </a:ln>
+        </p:spPr>
+        <p:style>
+          <a:lnRef idx="2">
+            <a:schemeClr val="accent1"/>
+          </a:lnRef>
+          <a:fillRef idx="0">
+            <a:schemeClr val="accent1"/>
+          </a:fillRef>
+          <a:effectRef idx="1">
+            <a:schemeClr val="accent1"/>
+          </a:effectRef>
+          <a:fontRef idx="minor">
+            <a:schemeClr val="tx1"/>
+          </a:fontRef>
+        </p:style>
+      </p:cxnSp>
+      <p:cxnSp>
+        <p:nvCxnSpPr>
+          <p:cNvPr id="39" name="Connector: Curved 38">
+            <a:extLst>
+              <a:ext uri="{FF2B5EF4-FFF2-40B4-BE49-F238E27FC236}">
+                <a16:creationId xmlns:a16="http://schemas.microsoft.com/office/drawing/2014/main" id="{7A379C2D-6199-A262-C77A-00F6C80A4F50}"/>
+              </a:ext>
+            </a:extLst>
+          </p:cNvPr>
+          <p:cNvCxnSpPr>
+            <a:stCxn id="7" idx="0"/>
+            <a:endCxn id="9" idx="0"/>
+          </p:cNvCxnSpPr>
+          <p:nvPr/>
+        </p:nvCxnSpPr>
+        <p:spPr>
+          <a:xfrm rot="5400000" flipH="1" flipV="1">
+            <a:off x="3680904" y="89146"/>
+            <a:ext cx="12700" cy="2769094"/>
+          </a:xfrm>
+          <a:prstGeom prst="curvedConnector3">
+            <a:avLst>
+              <a:gd name="adj1" fmla="val 1800000"/>
+            </a:avLst>
+          </a:prstGeom>
+          <a:ln>
+            <a:tailEnd type="triangle"/>
+          </a:ln>
+        </p:spPr>
+        <p:style>
+          <a:lnRef idx="2">
+            <a:schemeClr val="accent1"/>
+          </a:lnRef>
+          <a:fillRef idx="0">
+            <a:schemeClr val="accent1"/>
+          </a:fillRef>
+          <a:effectRef idx="1">
+            <a:schemeClr val="accent1"/>
+          </a:effectRef>
+          <a:fontRef idx="minor">
+            <a:schemeClr val="tx1"/>
+          </a:fontRef>
+        </p:style>
+      </p:cxnSp>
+      <p:cxnSp>
+        <p:nvCxnSpPr>
+          <p:cNvPr id="41" name="Connector: Curved 40">
+            <a:extLst>
+              <a:ext uri="{FF2B5EF4-FFF2-40B4-BE49-F238E27FC236}">
+                <a16:creationId xmlns:a16="http://schemas.microsoft.com/office/drawing/2014/main" id="{05859186-4CFC-A836-948F-DC2DB179F799}"/>
+              </a:ext>
+            </a:extLst>
+          </p:cNvPr>
+          <p:cNvCxnSpPr>
+            <a:cxnSpLocks/>
+            <a:stCxn id="5" idx="0"/>
+            <a:endCxn id="10" idx="0"/>
+          </p:cNvCxnSpPr>
+          <p:nvPr/>
+        </p:nvCxnSpPr>
+        <p:spPr>
+          <a:xfrm rot="5400000" flipH="1" flipV="1">
+            <a:off x="3560315" y="-821554"/>
+            <a:ext cx="12700" cy="4590495"/>
+          </a:xfrm>
+          <a:prstGeom prst="curvedConnector3">
+            <a:avLst>
+              <a:gd name="adj1" fmla="val 3897087"/>
+            </a:avLst>
+          </a:prstGeom>
+          <a:ln>
+            <a:tailEnd type="triangle"/>
+          </a:ln>
+        </p:spPr>
+        <p:style>
+          <a:lnRef idx="2">
+            <a:schemeClr val="accent1"/>
+          </a:lnRef>
+          <a:fillRef idx="0">
+            <a:schemeClr val="accent1"/>
+          </a:fillRef>
+          <a:effectRef idx="1">
+            <a:schemeClr val="accent1"/>
+          </a:effectRef>
+          <a:fontRef idx="minor">
+            <a:schemeClr val="tx1"/>
+          </a:fontRef>
+        </p:style>
+      </p:cxnSp>
+    </p:spTree>
+    <p:extLst>
+      <p:ext uri="{BB962C8B-B14F-4D97-AF65-F5344CB8AC3E}">
+        <p14:creationId xmlns:p14="http://schemas.microsoft.com/office/powerpoint/2010/main" val="490602433"/>
+      </p:ext>
+    </p:extLst>
+  </p:cSld>
+  <p:clrMapOvr>
+    <a:masterClrMapping/>
+  </p:clrMapOvr>
+</p:sld>
+</file>
+
+<file path=ppt/slides/slide5.xml><?xml version="1.0" encoding="utf-8"?>
+<p:sld xmlns:a="http://schemas.openxmlformats.org/drawingml/2006/main" xmlns:r="http://schemas.openxmlformats.org/officeDocument/2006/relationships" xmlns:p="http://schemas.openxmlformats.org/presentationml/2006/main">
+  <p:cSld>
+    <p:spTree>
+      <p:nvGrpSpPr>
+        <p:cNvPr id="1" name=""/>
+        <p:cNvGrpSpPr/>
+        <p:nvPr/>
+      </p:nvGrpSpPr>
+      <p:grpSpPr>
+        <a:xfrm>
+          <a:off x="0" y="0"/>
+          <a:ext cx="0" cy="0"/>
+          <a:chOff x="0" y="0"/>
+          <a:chExt cx="0" cy="0"/>
+        </a:xfrm>
+      </p:grpSpPr>
+      <p:sp>
+        <p:nvSpPr>
+          <p:cNvPr id="4" name="TextBox 3">
+            <a:extLst>
+              <a:ext uri="{FF2B5EF4-FFF2-40B4-BE49-F238E27FC236}">
+                <a16:creationId xmlns:a16="http://schemas.microsoft.com/office/drawing/2014/main" id="{E398BAD2-DB9E-8B00-8733-FC775775F8F3}"/>
+              </a:ext>
+            </a:extLst>
+          </p:cNvPr>
+          <p:cNvSpPr txBox="1"/>
+          <p:nvPr/>
+        </p:nvSpPr>
+        <p:spPr>
+          <a:xfrm>
+            <a:off x="2737282" y="2024108"/>
+            <a:ext cx="6551720" cy="584775"/>
+          </a:xfrm>
+          <a:prstGeom prst="rect">
+            <a:avLst/>
+          </a:prstGeom>
+          <a:noFill/>
+        </p:spPr>
+        <p:txBody>
+          <a:bodyPr wrap="square" rtlCol="0">
+            <a:spAutoFit/>
+          </a:bodyPr>
+          <a:lstStyle/>
+          <a:p>
+            <a:pPr algn="ctr"/>
+            <a:r>
+              <a:rPr lang="en-GB" sz="3200" dirty="0"/>
               <a:t>Furnace </a:t>
+            </a:r>
+          </a:p>
+        </p:txBody>
+      </p:sp>
+    </p:spTree>
+    <p:extLst>
+      <p:ext uri="{BB962C8B-B14F-4D97-AF65-F5344CB8AC3E}">
+        <p14:creationId xmlns:p14="http://schemas.microsoft.com/office/powerpoint/2010/main" val="953593045"/>
+      </p:ext>
+    </p:extLst>
+  </p:cSld>
+  <p:clrMapOvr>
+    <a:masterClrMapping/>
+  </p:clrMapOvr>
+</p:sld>
+</file>
+
+<file path=ppt/slides/slide6.xml><?xml version="1.0" encoding="utf-8"?>
+<p:sld xmlns:a="http://schemas.openxmlformats.org/drawingml/2006/main" xmlns:r="http://schemas.openxmlformats.org/officeDocument/2006/relationships" xmlns:p="http://schemas.openxmlformats.org/presentationml/2006/main">
+  <p:cSld>
+    <p:spTree>
+      <p:nvGrpSpPr>
+        <p:cNvPr id="1" name=""/>
+        <p:cNvGrpSpPr/>
+        <p:nvPr/>
+      </p:nvGrpSpPr>
+      <p:grpSpPr>
+        <a:xfrm>
+          <a:off x="0" y="0"/>
+          <a:ext cx="0" cy="0"/>
+          <a:chOff x="0" y="0"/>
+          <a:chExt cx="0" cy="0"/>
+        </a:xfrm>
+      </p:grpSpPr>
+      <p:sp>
+        <p:nvSpPr>
+          <p:cNvPr id="4" name="TextBox 3">
+            <a:extLst>
+              <a:ext uri="{FF2B5EF4-FFF2-40B4-BE49-F238E27FC236}">
+                <a16:creationId xmlns:a16="http://schemas.microsoft.com/office/drawing/2014/main" id="{349397C4-EAE2-7959-DC83-BD29117951DF}"/>
+              </a:ext>
+            </a:extLst>
+          </p:cNvPr>
+          <p:cNvSpPr txBox="1"/>
+          <p:nvPr/>
+        </p:nvSpPr>
+        <p:spPr>
+          <a:xfrm>
+            <a:off x="8478175" y="675495"/>
+            <a:ext cx="1731145" cy="369332"/>
+          </a:xfrm>
+          <a:prstGeom prst="rect">
+            <a:avLst/>
+          </a:prstGeom>
+          <a:noFill/>
+        </p:spPr>
+        <p:txBody>
+          <a:bodyPr wrap="square" rtlCol="0">
+            <a:spAutoFit/>
+          </a:bodyPr>
+          <a:lstStyle/>
+          <a:p>
+            <a:r>
+              <a:rPr lang="en-GB" dirty="0"/>
+              <a:t>SV1 C1</a:t>
             </a:r>
           </a:p>
         </p:txBody>
@@ -6368,6 +11214,1303 @@
     <p:extLst>
       <p:ext uri="{BB962C8B-B14F-4D97-AF65-F5344CB8AC3E}">
         <p14:creationId xmlns:p14="http://schemas.microsoft.com/office/powerpoint/2010/main" val="3978740458"/>
+      </p:ext>
+    </p:extLst>
+  </p:cSld>
+  <p:clrMapOvr>
+    <a:masterClrMapping/>
+  </p:clrMapOvr>
+</p:sld>
+</file>
+
+<file path=ppt/slides/slide7.xml><?xml version="1.0" encoding="utf-8"?>
+<p:sld xmlns:a="http://schemas.openxmlformats.org/drawingml/2006/main" xmlns:r="http://schemas.openxmlformats.org/officeDocument/2006/relationships" xmlns:p="http://schemas.openxmlformats.org/presentationml/2006/main">
+  <p:cSld>
+    <p:spTree>
+      <p:nvGrpSpPr>
+        <p:cNvPr id="1" name=""/>
+        <p:cNvGrpSpPr/>
+        <p:nvPr/>
+      </p:nvGrpSpPr>
+      <p:grpSpPr>
+        <a:xfrm>
+          <a:off x="0" y="0"/>
+          <a:ext cx="0" cy="0"/>
+          <a:chOff x="0" y="0"/>
+          <a:chExt cx="0" cy="0"/>
+        </a:xfrm>
+      </p:grpSpPr>
+      <p:sp>
+        <p:nvSpPr>
+          <p:cNvPr id="4" name="TextBox 3">
+            <a:extLst>
+              <a:ext uri="{FF2B5EF4-FFF2-40B4-BE49-F238E27FC236}">
+                <a16:creationId xmlns:a16="http://schemas.microsoft.com/office/drawing/2014/main" id="{E398BAD2-DB9E-8B00-8733-FC775775F8F3}"/>
+              </a:ext>
+            </a:extLst>
+          </p:cNvPr>
+          <p:cNvSpPr txBox="1"/>
+          <p:nvPr/>
+        </p:nvSpPr>
+        <p:spPr>
+          <a:xfrm>
+            <a:off x="2737282" y="2024108"/>
+            <a:ext cx="6551720" cy="584775"/>
+          </a:xfrm>
+          <a:prstGeom prst="rect">
+            <a:avLst/>
+          </a:prstGeom>
+          <a:noFill/>
+        </p:spPr>
+        <p:txBody>
+          <a:bodyPr wrap="square" rtlCol="0">
+            <a:spAutoFit/>
+          </a:bodyPr>
+          <a:lstStyle/>
+          <a:p>
+            <a:pPr algn="ctr"/>
+            <a:r>
+              <a:rPr lang="en-GB" sz="3200" dirty="0"/>
+              <a:t>Hex</a:t>
+            </a:r>
+          </a:p>
+        </p:txBody>
+      </p:sp>
+    </p:spTree>
+    <p:extLst>
+      <p:ext uri="{BB962C8B-B14F-4D97-AF65-F5344CB8AC3E}">
+        <p14:creationId xmlns:p14="http://schemas.microsoft.com/office/powerpoint/2010/main" val="876943472"/>
+      </p:ext>
+    </p:extLst>
+  </p:cSld>
+  <p:clrMapOvr>
+    <a:masterClrMapping/>
+  </p:clrMapOvr>
+</p:sld>
+</file>
+
+<file path=ppt/slides/slide8.xml><?xml version="1.0" encoding="utf-8"?>
+<p:sld xmlns:a="http://schemas.openxmlformats.org/drawingml/2006/main" xmlns:r="http://schemas.openxmlformats.org/officeDocument/2006/relationships" xmlns:p="http://schemas.openxmlformats.org/presentationml/2006/main">
+  <p:cSld>
+    <p:spTree>
+      <p:nvGrpSpPr>
+        <p:cNvPr id="1" name=""/>
+        <p:cNvGrpSpPr/>
+        <p:nvPr/>
+      </p:nvGrpSpPr>
+      <p:grpSpPr>
+        <a:xfrm>
+          <a:off x="0" y="0"/>
+          <a:ext cx="0" cy="0"/>
+          <a:chOff x="0" y="0"/>
+          <a:chExt cx="0" cy="0"/>
+        </a:xfrm>
+      </p:grpSpPr>
+      <p:sp>
+        <p:nvSpPr>
+          <p:cNvPr id="16" name="TextBox 15">
+            <a:extLst>
+              <a:ext uri="{FF2B5EF4-FFF2-40B4-BE49-F238E27FC236}">
+                <a16:creationId xmlns:a16="http://schemas.microsoft.com/office/drawing/2014/main" id="{01EC3734-0E68-F1D3-6429-CB621E6E3579}"/>
+              </a:ext>
+            </a:extLst>
+          </p:cNvPr>
+          <p:cNvSpPr txBox="1"/>
+          <p:nvPr/>
+        </p:nvSpPr>
+        <p:spPr>
+          <a:xfrm>
+            <a:off x="1100831" y="2015230"/>
+            <a:ext cx="772358" cy="2585323"/>
+          </a:xfrm>
+          <a:prstGeom prst="rect">
+            <a:avLst/>
+          </a:prstGeom>
+          <a:noFill/>
+        </p:spPr>
+        <p:txBody>
+          <a:bodyPr wrap="square" rtlCol="0">
+            <a:spAutoFit/>
+          </a:bodyPr>
+          <a:lstStyle/>
+          <a:p>
+            <a:r>
+              <a:rPr lang="en-GB" dirty="0"/>
+              <a:t>T in</a:t>
+            </a:r>
+          </a:p>
+          <a:p>
+            <a:endParaRPr lang="en-GB" dirty="0"/>
+          </a:p>
+          <a:p>
+            <a:endParaRPr lang="en-GB" dirty="0"/>
+          </a:p>
+          <a:p>
+            <a:endParaRPr lang="en-GB" dirty="0"/>
+          </a:p>
+          <a:p>
+            <a:r>
+              <a:rPr lang="en-GB" dirty="0"/>
+              <a:t>P in </a:t>
+            </a:r>
+          </a:p>
+          <a:p>
+            <a:endParaRPr lang="en-GB" dirty="0"/>
+          </a:p>
+          <a:p>
+            <a:endParaRPr lang="en-GB" dirty="0"/>
+          </a:p>
+          <a:p>
+            <a:endParaRPr lang="en-GB" dirty="0"/>
+          </a:p>
+          <a:p>
+            <a:r>
+              <a:rPr lang="en-GB" dirty="0"/>
+              <a:t>F in </a:t>
+            </a:r>
+          </a:p>
+        </p:txBody>
+      </p:sp>
+      <p:sp>
+        <p:nvSpPr>
+          <p:cNvPr id="17" name="TextBox 16">
+            <a:extLst>
+              <a:ext uri="{FF2B5EF4-FFF2-40B4-BE49-F238E27FC236}">
+                <a16:creationId xmlns:a16="http://schemas.microsoft.com/office/drawing/2014/main" id="{0CC0023F-D546-037A-7BB7-667FD9FD70D5}"/>
+              </a:ext>
+            </a:extLst>
+          </p:cNvPr>
+          <p:cNvSpPr txBox="1"/>
+          <p:nvPr/>
+        </p:nvSpPr>
+        <p:spPr>
+          <a:xfrm>
+            <a:off x="6304624" y="2015230"/>
+            <a:ext cx="868533" cy="2585323"/>
+          </a:xfrm>
+          <a:prstGeom prst="rect">
+            <a:avLst/>
+          </a:prstGeom>
+          <a:noFill/>
+        </p:spPr>
+        <p:txBody>
+          <a:bodyPr wrap="square" rtlCol="0">
+            <a:spAutoFit/>
+          </a:bodyPr>
+          <a:lstStyle/>
+          <a:p>
+            <a:r>
+              <a:rPr lang="en-GB" dirty="0"/>
+              <a:t>T out</a:t>
+            </a:r>
+          </a:p>
+          <a:p>
+            <a:endParaRPr lang="en-GB" dirty="0"/>
+          </a:p>
+          <a:p>
+            <a:endParaRPr lang="en-GB" dirty="0"/>
+          </a:p>
+          <a:p>
+            <a:endParaRPr lang="en-GB" dirty="0"/>
+          </a:p>
+          <a:p>
+            <a:r>
+              <a:rPr lang="en-GB" dirty="0"/>
+              <a:t>P out </a:t>
+            </a:r>
+          </a:p>
+          <a:p>
+            <a:endParaRPr lang="en-GB" dirty="0"/>
+          </a:p>
+          <a:p>
+            <a:endParaRPr lang="en-GB" dirty="0"/>
+          </a:p>
+          <a:p>
+            <a:endParaRPr lang="en-GB" dirty="0"/>
+          </a:p>
+          <a:p>
+            <a:r>
+              <a:rPr lang="en-GB" dirty="0"/>
+              <a:t>F out </a:t>
+            </a:r>
+          </a:p>
+        </p:txBody>
+      </p:sp>
+      <p:sp>
+        <p:nvSpPr>
+          <p:cNvPr id="28" name="TextBox 27">
+            <a:extLst>
+              <a:ext uri="{FF2B5EF4-FFF2-40B4-BE49-F238E27FC236}">
+                <a16:creationId xmlns:a16="http://schemas.microsoft.com/office/drawing/2014/main" id="{C4A6F438-835D-762B-C1F2-2E37D7CD5086}"/>
+              </a:ext>
+            </a:extLst>
+          </p:cNvPr>
+          <p:cNvSpPr txBox="1"/>
+          <p:nvPr/>
+        </p:nvSpPr>
+        <p:spPr>
+          <a:xfrm>
+            <a:off x="2608551" y="1275723"/>
+            <a:ext cx="3266986" cy="369332"/>
+          </a:xfrm>
+          <a:prstGeom prst="rect">
+            <a:avLst/>
+          </a:prstGeom>
+          <a:noFill/>
+        </p:spPr>
+        <p:txBody>
+          <a:bodyPr wrap="square" rtlCol="0">
+            <a:spAutoFit/>
+          </a:bodyPr>
+          <a:lstStyle/>
+          <a:p>
+            <a:r>
+              <a:rPr lang="en-GB" dirty="0"/>
+              <a:t>T </a:t>
+            </a:r>
+            <a:r>
+              <a:rPr lang="en-GB" dirty="0" err="1"/>
+              <a:t>uin</a:t>
+            </a:r>
+            <a:r>
+              <a:rPr lang="en-GB" dirty="0"/>
+              <a:t>	   P </a:t>
+            </a:r>
+            <a:r>
+              <a:rPr lang="en-GB" dirty="0" err="1"/>
+              <a:t>uin</a:t>
+            </a:r>
+            <a:r>
+              <a:rPr lang="en-GB" dirty="0"/>
+              <a:t>	       F </a:t>
+            </a:r>
+            <a:r>
+              <a:rPr lang="en-GB" dirty="0" err="1"/>
+              <a:t>uin</a:t>
+            </a:r>
+            <a:endParaRPr lang="en-GB" dirty="0"/>
+          </a:p>
+        </p:txBody>
+      </p:sp>
+      <p:sp>
+        <p:nvSpPr>
+          <p:cNvPr id="30" name="TextBox 29">
+            <a:extLst>
+              <a:ext uri="{FF2B5EF4-FFF2-40B4-BE49-F238E27FC236}">
+                <a16:creationId xmlns:a16="http://schemas.microsoft.com/office/drawing/2014/main" id="{DF45C446-EE10-B21E-1662-0B7DE3571BF9}"/>
+              </a:ext>
+            </a:extLst>
+          </p:cNvPr>
+          <p:cNvSpPr txBox="1"/>
+          <p:nvPr/>
+        </p:nvSpPr>
+        <p:spPr>
+          <a:xfrm>
+            <a:off x="2608551" y="4837149"/>
+            <a:ext cx="3266986" cy="369332"/>
+          </a:xfrm>
+          <a:prstGeom prst="rect">
+            <a:avLst/>
+          </a:prstGeom>
+          <a:noFill/>
+        </p:spPr>
+        <p:txBody>
+          <a:bodyPr wrap="square" rtlCol="0">
+            <a:spAutoFit/>
+          </a:bodyPr>
+          <a:lstStyle/>
+          <a:p>
+            <a:r>
+              <a:rPr lang="en-GB" dirty="0"/>
+              <a:t>T </a:t>
+            </a:r>
+            <a:r>
+              <a:rPr lang="en-GB" dirty="0" err="1"/>
+              <a:t>uout</a:t>
+            </a:r>
+            <a:r>
+              <a:rPr lang="en-GB" dirty="0"/>
+              <a:t>	   P </a:t>
+            </a:r>
+            <a:r>
+              <a:rPr lang="en-GB" dirty="0" err="1"/>
+              <a:t>uout</a:t>
+            </a:r>
+            <a:r>
+              <a:rPr lang="en-GB" dirty="0"/>
+              <a:t>	       F </a:t>
+            </a:r>
+            <a:r>
+              <a:rPr lang="en-GB" dirty="0" err="1"/>
+              <a:t>uout</a:t>
+            </a:r>
+            <a:endParaRPr lang="en-GB" dirty="0"/>
+          </a:p>
+        </p:txBody>
+      </p:sp>
+      <p:sp>
+        <p:nvSpPr>
+          <p:cNvPr id="31" name="TextBox 30">
+            <a:extLst>
+              <a:ext uri="{FF2B5EF4-FFF2-40B4-BE49-F238E27FC236}">
+                <a16:creationId xmlns:a16="http://schemas.microsoft.com/office/drawing/2014/main" id="{BC216585-9EDB-0617-02E8-FDD012A67CE3}"/>
+              </a:ext>
+            </a:extLst>
+          </p:cNvPr>
+          <p:cNvSpPr txBox="1"/>
+          <p:nvPr/>
+        </p:nvSpPr>
+        <p:spPr>
+          <a:xfrm>
+            <a:off x="8478175" y="675495"/>
+            <a:ext cx="1731145" cy="369332"/>
+          </a:xfrm>
+          <a:prstGeom prst="rect">
+            <a:avLst/>
+          </a:prstGeom>
+          <a:noFill/>
+        </p:spPr>
+        <p:txBody>
+          <a:bodyPr wrap="square" rtlCol="0">
+            <a:spAutoFit/>
+          </a:bodyPr>
+          <a:lstStyle/>
+          <a:p>
+            <a:r>
+              <a:rPr lang="en-GB" dirty="0"/>
+              <a:t>SV1</a:t>
+            </a:r>
+          </a:p>
+        </p:txBody>
+      </p:sp>
+      <p:cxnSp>
+        <p:nvCxnSpPr>
+          <p:cNvPr id="33" name="Straight Arrow Connector 32">
+            <a:extLst>
+              <a:ext uri="{FF2B5EF4-FFF2-40B4-BE49-F238E27FC236}">
+                <a16:creationId xmlns:a16="http://schemas.microsoft.com/office/drawing/2014/main" id="{12B96AFA-2AE5-4904-DA74-C7A235CDBE7C}"/>
+              </a:ext>
+            </a:extLst>
+          </p:cNvPr>
+          <p:cNvCxnSpPr/>
+          <p:nvPr/>
+        </p:nvCxnSpPr>
+        <p:spPr>
+          <a:xfrm>
+            <a:off x="2982897" y="1645055"/>
+            <a:ext cx="0" cy="3060110"/>
+          </a:xfrm>
+          <a:prstGeom prst="straightConnector1">
+            <a:avLst/>
+          </a:prstGeom>
+          <a:ln>
+            <a:tailEnd type="triangle"/>
+          </a:ln>
+        </p:spPr>
+        <p:style>
+          <a:lnRef idx="2">
+            <a:schemeClr val="accent1"/>
+          </a:lnRef>
+          <a:fillRef idx="0">
+            <a:schemeClr val="accent1"/>
+          </a:fillRef>
+          <a:effectRef idx="1">
+            <a:schemeClr val="accent1"/>
+          </a:effectRef>
+          <a:fontRef idx="minor">
+            <a:schemeClr val="tx1"/>
+          </a:fontRef>
+        </p:style>
+      </p:cxnSp>
+      <p:cxnSp>
+        <p:nvCxnSpPr>
+          <p:cNvPr id="34" name="Straight Arrow Connector 33">
+            <a:extLst>
+              <a:ext uri="{FF2B5EF4-FFF2-40B4-BE49-F238E27FC236}">
+                <a16:creationId xmlns:a16="http://schemas.microsoft.com/office/drawing/2014/main" id="{F344EA75-3C6B-A2F7-3063-C0A2308D1C99}"/>
+              </a:ext>
+            </a:extLst>
+          </p:cNvPr>
+          <p:cNvCxnSpPr/>
+          <p:nvPr/>
+        </p:nvCxnSpPr>
+        <p:spPr>
+          <a:xfrm>
+            <a:off x="4094086" y="1645055"/>
+            <a:ext cx="0" cy="3060110"/>
+          </a:xfrm>
+          <a:prstGeom prst="straightConnector1">
+            <a:avLst/>
+          </a:prstGeom>
+          <a:ln>
+            <a:tailEnd type="triangle"/>
+          </a:ln>
+        </p:spPr>
+        <p:style>
+          <a:lnRef idx="2">
+            <a:schemeClr val="accent1"/>
+          </a:lnRef>
+          <a:fillRef idx="0">
+            <a:schemeClr val="accent1"/>
+          </a:fillRef>
+          <a:effectRef idx="1">
+            <a:schemeClr val="accent1"/>
+          </a:effectRef>
+          <a:fontRef idx="minor">
+            <a:schemeClr val="tx1"/>
+          </a:fontRef>
+        </p:style>
+      </p:cxnSp>
+      <p:cxnSp>
+        <p:nvCxnSpPr>
+          <p:cNvPr id="35" name="Straight Arrow Connector 34">
+            <a:extLst>
+              <a:ext uri="{FF2B5EF4-FFF2-40B4-BE49-F238E27FC236}">
+                <a16:creationId xmlns:a16="http://schemas.microsoft.com/office/drawing/2014/main" id="{E2467746-3BD7-8C6B-96C8-F5075F67AA48}"/>
+              </a:ext>
+            </a:extLst>
+          </p:cNvPr>
+          <p:cNvCxnSpPr/>
+          <p:nvPr/>
+        </p:nvCxnSpPr>
+        <p:spPr>
+          <a:xfrm>
+            <a:off x="5160886" y="1645055"/>
+            <a:ext cx="0" cy="3060110"/>
+          </a:xfrm>
+          <a:prstGeom prst="straightConnector1">
+            <a:avLst/>
+          </a:prstGeom>
+          <a:ln>
+            <a:tailEnd type="triangle"/>
+          </a:ln>
+        </p:spPr>
+        <p:style>
+          <a:lnRef idx="2">
+            <a:schemeClr val="accent1"/>
+          </a:lnRef>
+          <a:fillRef idx="0">
+            <a:schemeClr val="accent1"/>
+          </a:fillRef>
+          <a:effectRef idx="1">
+            <a:schemeClr val="accent1"/>
+          </a:effectRef>
+          <a:fontRef idx="minor">
+            <a:schemeClr val="tx1"/>
+          </a:fontRef>
+        </p:style>
+      </p:cxnSp>
+      <p:cxnSp>
+        <p:nvCxnSpPr>
+          <p:cNvPr id="37" name="Straight Arrow Connector 36">
+            <a:extLst>
+              <a:ext uri="{FF2B5EF4-FFF2-40B4-BE49-F238E27FC236}">
+                <a16:creationId xmlns:a16="http://schemas.microsoft.com/office/drawing/2014/main" id="{0ED43509-FDF0-B1D9-74DD-7AF0E19DC2FD}"/>
+              </a:ext>
+            </a:extLst>
+          </p:cNvPr>
+          <p:cNvCxnSpPr/>
+          <p:nvPr/>
+        </p:nvCxnSpPr>
+        <p:spPr>
+          <a:xfrm>
+            <a:off x="1873189" y="2175029"/>
+            <a:ext cx="4431435" cy="0"/>
+          </a:xfrm>
+          <a:prstGeom prst="straightConnector1">
+            <a:avLst/>
+          </a:prstGeom>
+          <a:ln>
+            <a:tailEnd type="triangle"/>
+          </a:ln>
+        </p:spPr>
+        <p:style>
+          <a:lnRef idx="2">
+            <a:schemeClr val="accent1"/>
+          </a:lnRef>
+          <a:fillRef idx="0">
+            <a:schemeClr val="accent1"/>
+          </a:fillRef>
+          <a:effectRef idx="1">
+            <a:schemeClr val="accent1"/>
+          </a:effectRef>
+          <a:fontRef idx="minor">
+            <a:schemeClr val="tx1"/>
+          </a:fontRef>
+        </p:style>
+      </p:cxnSp>
+      <p:cxnSp>
+        <p:nvCxnSpPr>
+          <p:cNvPr id="38" name="Straight Arrow Connector 37">
+            <a:extLst>
+              <a:ext uri="{FF2B5EF4-FFF2-40B4-BE49-F238E27FC236}">
+                <a16:creationId xmlns:a16="http://schemas.microsoft.com/office/drawing/2014/main" id="{583BFD43-9164-F860-D542-C1303CDC349F}"/>
+              </a:ext>
+            </a:extLst>
+          </p:cNvPr>
+          <p:cNvCxnSpPr/>
+          <p:nvPr/>
+        </p:nvCxnSpPr>
+        <p:spPr>
+          <a:xfrm>
+            <a:off x="1873189" y="3303972"/>
+            <a:ext cx="4431435" cy="0"/>
+          </a:xfrm>
+          <a:prstGeom prst="straightConnector1">
+            <a:avLst/>
+          </a:prstGeom>
+          <a:ln>
+            <a:tailEnd type="triangle"/>
+          </a:ln>
+        </p:spPr>
+        <p:style>
+          <a:lnRef idx="2">
+            <a:schemeClr val="accent1"/>
+          </a:lnRef>
+          <a:fillRef idx="0">
+            <a:schemeClr val="accent1"/>
+          </a:fillRef>
+          <a:effectRef idx="1">
+            <a:schemeClr val="accent1"/>
+          </a:effectRef>
+          <a:fontRef idx="minor">
+            <a:schemeClr val="tx1"/>
+          </a:fontRef>
+        </p:style>
+      </p:cxnSp>
+      <p:cxnSp>
+        <p:nvCxnSpPr>
+          <p:cNvPr id="39" name="Straight Arrow Connector 38">
+            <a:extLst>
+              <a:ext uri="{FF2B5EF4-FFF2-40B4-BE49-F238E27FC236}">
+                <a16:creationId xmlns:a16="http://schemas.microsoft.com/office/drawing/2014/main" id="{B7FEC19E-E9E3-1F6C-5079-84EFD611040D}"/>
+              </a:ext>
+            </a:extLst>
+          </p:cNvPr>
+          <p:cNvCxnSpPr/>
+          <p:nvPr/>
+        </p:nvCxnSpPr>
+        <p:spPr>
+          <a:xfrm>
+            <a:off x="1873189" y="4397405"/>
+            <a:ext cx="4431435" cy="0"/>
+          </a:xfrm>
+          <a:prstGeom prst="straightConnector1">
+            <a:avLst/>
+          </a:prstGeom>
+          <a:ln>
+            <a:tailEnd type="triangle"/>
+          </a:ln>
+        </p:spPr>
+        <p:style>
+          <a:lnRef idx="2">
+            <a:schemeClr val="accent1"/>
+          </a:lnRef>
+          <a:fillRef idx="0">
+            <a:schemeClr val="accent1"/>
+          </a:fillRef>
+          <a:effectRef idx="1">
+            <a:schemeClr val="accent1"/>
+          </a:effectRef>
+          <a:fontRef idx="minor">
+            <a:schemeClr val="tx1"/>
+          </a:fontRef>
+        </p:style>
+      </p:cxnSp>
+      <p:cxnSp>
+        <p:nvCxnSpPr>
+          <p:cNvPr id="41" name="Straight Arrow Connector 40">
+            <a:extLst>
+              <a:ext uri="{FF2B5EF4-FFF2-40B4-BE49-F238E27FC236}">
+                <a16:creationId xmlns:a16="http://schemas.microsoft.com/office/drawing/2014/main" id="{477B52F5-040A-7169-C38D-141C085457A1}"/>
+              </a:ext>
+            </a:extLst>
+          </p:cNvPr>
+          <p:cNvCxnSpPr/>
+          <p:nvPr/>
+        </p:nvCxnSpPr>
+        <p:spPr>
+          <a:xfrm>
+            <a:off x="1740023" y="2343705"/>
+            <a:ext cx="1145220" cy="2423604"/>
+          </a:xfrm>
+          <a:prstGeom prst="straightConnector1">
+            <a:avLst/>
+          </a:prstGeom>
+          <a:ln>
+            <a:tailEnd type="triangle"/>
+          </a:ln>
+        </p:spPr>
+        <p:style>
+          <a:lnRef idx="2">
+            <a:schemeClr val="accent1"/>
+          </a:lnRef>
+          <a:fillRef idx="0">
+            <a:schemeClr val="accent1"/>
+          </a:fillRef>
+          <a:effectRef idx="1">
+            <a:schemeClr val="accent1"/>
+          </a:effectRef>
+          <a:fontRef idx="minor">
+            <a:schemeClr val="tx1"/>
+          </a:fontRef>
+        </p:style>
+      </p:cxnSp>
+      <p:cxnSp>
+        <p:nvCxnSpPr>
+          <p:cNvPr id="47" name="Straight Arrow Connector 46">
+            <a:extLst>
+              <a:ext uri="{FF2B5EF4-FFF2-40B4-BE49-F238E27FC236}">
+                <a16:creationId xmlns:a16="http://schemas.microsoft.com/office/drawing/2014/main" id="{A90A89CB-3ED4-218C-D4FD-01778238A75F}"/>
+              </a:ext>
+            </a:extLst>
+          </p:cNvPr>
+          <p:cNvCxnSpPr/>
+          <p:nvPr/>
+        </p:nvCxnSpPr>
+        <p:spPr>
+          <a:xfrm>
+            <a:off x="1740023" y="4474346"/>
+            <a:ext cx="868528" cy="362803"/>
+          </a:xfrm>
+          <a:prstGeom prst="straightConnector1">
+            <a:avLst/>
+          </a:prstGeom>
+          <a:ln>
+            <a:tailEnd type="triangle"/>
+          </a:ln>
+        </p:spPr>
+        <p:style>
+          <a:lnRef idx="2">
+            <a:schemeClr val="accent1"/>
+          </a:lnRef>
+          <a:fillRef idx="0">
+            <a:schemeClr val="accent1"/>
+          </a:fillRef>
+          <a:effectRef idx="1">
+            <a:schemeClr val="accent1"/>
+          </a:effectRef>
+          <a:fontRef idx="minor">
+            <a:schemeClr val="tx1"/>
+          </a:fontRef>
+        </p:style>
+      </p:cxnSp>
+      <p:cxnSp>
+        <p:nvCxnSpPr>
+          <p:cNvPr id="49" name="Straight Arrow Connector 48">
+            <a:extLst>
+              <a:ext uri="{FF2B5EF4-FFF2-40B4-BE49-F238E27FC236}">
+                <a16:creationId xmlns:a16="http://schemas.microsoft.com/office/drawing/2014/main" id="{30CA707A-6079-BB54-F86F-CE4CF4A39C08}"/>
+              </a:ext>
+            </a:extLst>
+          </p:cNvPr>
+          <p:cNvCxnSpPr/>
+          <p:nvPr/>
+        </p:nvCxnSpPr>
+        <p:spPr>
+          <a:xfrm flipH="1">
+            <a:off x="3178206" y="1651519"/>
+            <a:ext cx="1828803" cy="3115790"/>
+          </a:xfrm>
+          <a:prstGeom prst="straightConnector1">
+            <a:avLst/>
+          </a:prstGeom>
+          <a:ln>
+            <a:tailEnd type="triangle"/>
+          </a:ln>
+        </p:spPr>
+        <p:style>
+          <a:lnRef idx="2">
+            <a:schemeClr val="accent1"/>
+          </a:lnRef>
+          <a:fillRef idx="0">
+            <a:schemeClr val="accent1"/>
+          </a:fillRef>
+          <a:effectRef idx="1">
+            <a:schemeClr val="accent1"/>
+          </a:effectRef>
+          <a:fontRef idx="minor">
+            <a:schemeClr val="tx1"/>
+          </a:fontRef>
+        </p:style>
+      </p:cxnSp>
+      <p:cxnSp>
+        <p:nvCxnSpPr>
+          <p:cNvPr id="51" name="Straight Arrow Connector 50">
+            <a:extLst>
+              <a:ext uri="{FF2B5EF4-FFF2-40B4-BE49-F238E27FC236}">
+                <a16:creationId xmlns:a16="http://schemas.microsoft.com/office/drawing/2014/main" id="{435CA067-DBAE-592E-5CF9-FFC4F1CD7623}"/>
+              </a:ext>
+            </a:extLst>
+          </p:cNvPr>
+          <p:cNvCxnSpPr/>
+          <p:nvPr/>
+        </p:nvCxnSpPr>
+        <p:spPr>
+          <a:xfrm>
+            <a:off x="5495278" y="1645055"/>
+            <a:ext cx="809346" cy="370175"/>
+          </a:xfrm>
+          <a:prstGeom prst="straightConnector1">
+            <a:avLst/>
+          </a:prstGeom>
+          <a:ln>
+            <a:tailEnd type="triangle"/>
+          </a:ln>
+        </p:spPr>
+        <p:style>
+          <a:lnRef idx="2">
+            <a:schemeClr val="accent1"/>
+          </a:lnRef>
+          <a:fillRef idx="0">
+            <a:schemeClr val="accent1"/>
+          </a:fillRef>
+          <a:effectRef idx="1">
+            <a:schemeClr val="accent1"/>
+          </a:effectRef>
+          <a:fontRef idx="minor">
+            <a:schemeClr val="tx1"/>
+          </a:fontRef>
+        </p:style>
+      </p:cxnSp>
+      <p:cxnSp>
+        <p:nvCxnSpPr>
+          <p:cNvPr id="53" name="Straight Arrow Connector 52">
+            <a:extLst>
+              <a:ext uri="{FF2B5EF4-FFF2-40B4-BE49-F238E27FC236}">
+                <a16:creationId xmlns:a16="http://schemas.microsoft.com/office/drawing/2014/main" id="{A5516800-68D0-D668-FA0C-FE7CCF44FC1E}"/>
+              </a:ext>
+            </a:extLst>
+          </p:cNvPr>
+          <p:cNvCxnSpPr>
+            <a:cxnSpLocks/>
+          </p:cNvCxnSpPr>
+          <p:nvPr/>
+        </p:nvCxnSpPr>
+        <p:spPr>
+          <a:xfrm>
+            <a:off x="3136775" y="1645055"/>
+            <a:ext cx="3167849" cy="458952"/>
+          </a:xfrm>
+          <a:prstGeom prst="straightConnector1">
+            <a:avLst/>
+          </a:prstGeom>
+          <a:ln>
+            <a:tailEnd type="triangle"/>
+          </a:ln>
+        </p:spPr>
+        <p:style>
+          <a:lnRef idx="2">
+            <a:schemeClr val="accent1"/>
+          </a:lnRef>
+          <a:fillRef idx="0">
+            <a:schemeClr val="accent1"/>
+          </a:fillRef>
+          <a:effectRef idx="1">
+            <a:schemeClr val="accent1"/>
+          </a:effectRef>
+          <a:fontRef idx="minor">
+            <a:schemeClr val="tx1"/>
+          </a:fontRef>
+        </p:style>
+      </p:cxnSp>
+      <p:cxnSp>
+        <p:nvCxnSpPr>
+          <p:cNvPr id="55" name="Straight Arrow Connector 54">
+            <a:extLst>
+              <a:ext uri="{FF2B5EF4-FFF2-40B4-BE49-F238E27FC236}">
+                <a16:creationId xmlns:a16="http://schemas.microsoft.com/office/drawing/2014/main" id="{E489BEC4-5F3C-7629-6F5F-BA695B88CF76}"/>
+              </a:ext>
+            </a:extLst>
+          </p:cNvPr>
+          <p:cNvCxnSpPr/>
+          <p:nvPr/>
+        </p:nvCxnSpPr>
+        <p:spPr>
+          <a:xfrm flipV="1">
+            <a:off x="1740018" y="2281561"/>
+            <a:ext cx="4469910" cy="2041864"/>
+          </a:xfrm>
+          <a:prstGeom prst="straightConnector1">
+            <a:avLst/>
+          </a:prstGeom>
+          <a:ln>
+            <a:tailEnd type="triangle"/>
+          </a:ln>
+        </p:spPr>
+        <p:style>
+          <a:lnRef idx="2">
+            <a:schemeClr val="accent1"/>
+          </a:lnRef>
+          <a:fillRef idx="0">
+            <a:schemeClr val="accent1"/>
+          </a:fillRef>
+          <a:effectRef idx="1">
+            <a:schemeClr val="accent1"/>
+          </a:effectRef>
+          <a:fontRef idx="minor">
+            <a:schemeClr val="tx1"/>
+          </a:fontRef>
+        </p:style>
+      </p:cxnSp>
+      <p:cxnSp>
+        <p:nvCxnSpPr>
+          <p:cNvPr id="61" name="Straight Connector 60">
+            <a:extLst>
+              <a:ext uri="{FF2B5EF4-FFF2-40B4-BE49-F238E27FC236}">
+                <a16:creationId xmlns:a16="http://schemas.microsoft.com/office/drawing/2014/main" id="{B98AE542-EE85-49C5-0F59-DBD18C697D1B}"/>
+              </a:ext>
+            </a:extLst>
+          </p:cNvPr>
+          <p:cNvCxnSpPr>
+            <a:cxnSpLocks/>
+          </p:cNvCxnSpPr>
+          <p:nvPr/>
+        </p:nvCxnSpPr>
+        <p:spPr>
+          <a:xfrm>
+            <a:off x="3136775" y="5206481"/>
+            <a:ext cx="378782" cy="369332"/>
+          </a:xfrm>
+          <a:prstGeom prst="line">
+            <a:avLst/>
+          </a:prstGeom>
+        </p:spPr>
+        <p:style>
+          <a:lnRef idx="2">
+            <a:schemeClr val="accent1"/>
+          </a:lnRef>
+          <a:fillRef idx="0">
+            <a:schemeClr val="accent1"/>
+          </a:fillRef>
+          <a:effectRef idx="1">
+            <a:schemeClr val="accent1"/>
+          </a:effectRef>
+          <a:fontRef idx="minor">
+            <a:schemeClr val="tx1"/>
+          </a:fontRef>
+        </p:style>
+      </p:cxnSp>
+      <p:cxnSp>
+        <p:nvCxnSpPr>
+          <p:cNvPr id="66" name="Straight Arrow Connector 65">
+            <a:extLst>
+              <a:ext uri="{FF2B5EF4-FFF2-40B4-BE49-F238E27FC236}">
+                <a16:creationId xmlns:a16="http://schemas.microsoft.com/office/drawing/2014/main" id="{D4C9ABA6-66CB-0BD9-3BA1-C32465153229}"/>
+              </a:ext>
+            </a:extLst>
+          </p:cNvPr>
+          <p:cNvCxnSpPr/>
+          <p:nvPr/>
+        </p:nvCxnSpPr>
+        <p:spPr>
+          <a:xfrm flipV="1">
+            <a:off x="3524435" y="5212945"/>
+            <a:ext cx="470516" cy="362868"/>
+          </a:xfrm>
+          <a:prstGeom prst="straightConnector1">
+            <a:avLst/>
+          </a:prstGeom>
+          <a:ln>
+            <a:tailEnd type="triangle"/>
+          </a:ln>
+        </p:spPr>
+        <p:style>
+          <a:lnRef idx="2">
+            <a:schemeClr val="accent1"/>
+          </a:lnRef>
+          <a:fillRef idx="0">
+            <a:schemeClr val="accent1"/>
+          </a:fillRef>
+          <a:effectRef idx="1">
+            <a:schemeClr val="accent1"/>
+          </a:effectRef>
+          <a:fontRef idx="minor">
+            <a:schemeClr val="tx1"/>
+          </a:fontRef>
+        </p:style>
+      </p:cxnSp>
+      <p:cxnSp>
+        <p:nvCxnSpPr>
+          <p:cNvPr id="70" name="Straight Connector 69">
+            <a:extLst>
+              <a:ext uri="{FF2B5EF4-FFF2-40B4-BE49-F238E27FC236}">
+                <a16:creationId xmlns:a16="http://schemas.microsoft.com/office/drawing/2014/main" id="{B7BF56AF-2A8A-6685-2CF8-9D15B02D7F53}"/>
+              </a:ext>
+            </a:extLst>
+          </p:cNvPr>
+          <p:cNvCxnSpPr/>
+          <p:nvPr/>
+        </p:nvCxnSpPr>
+        <p:spPr>
+          <a:xfrm>
+            <a:off x="7004482" y="2281561"/>
+            <a:ext cx="550415" cy="479394"/>
+          </a:xfrm>
+          <a:prstGeom prst="line">
+            <a:avLst/>
+          </a:prstGeom>
+        </p:spPr>
+        <p:style>
+          <a:lnRef idx="2">
+            <a:schemeClr val="accent1"/>
+          </a:lnRef>
+          <a:fillRef idx="0">
+            <a:schemeClr val="accent1"/>
+          </a:fillRef>
+          <a:effectRef idx="1">
+            <a:schemeClr val="accent1"/>
+          </a:effectRef>
+          <a:fontRef idx="minor">
+            <a:schemeClr val="tx1"/>
+          </a:fontRef>
+        </p:style>
+      </p:cxnSp>
+      <p:cxnSp>
+        <p:nvCxnSpPr>
+          <p:cNvPr id="72" name="Straight Arrow Connector 71">
+            <a:extLst>
+              <a:ext uri="{FF2B5EF4-FFF2-40B4-BE49-F238E27FC236}">
+                <a16:creationId xmlns:a16="http://schemas.microsoft.com/office/drawing/2014/main" id="{EE32DE65-ABF8-3BF1-2B69-486AABEE9CE1}"/>
+              </a:ext>
+            </a:extLst>
+          </p:cNvPr>
+          <p:cNvCxnSpPr>
+            <a:cxnSpLocks/>
+          </p:cNvCxnSpPr>
+          <p:nvPr/>
+        </p:nvCxnSpPr>
+        <p:spPr>
+          <a:xfrm flipH="1">
+            <a:off x="7004482" y="2760955"/>
+            <a:ext cx="550415" cy="543017"/>
+          </a:xfrm>
+          <a:prstGeom prst="straightConnector1">
+            <a:avLst/>
+          </a:prstGeom>
+          <a:ln>
+            <a:tailEnd type="triangle"/>
+          </a:ln>
+        </p:spPr>
+        <p:style>
+          <a:lnRef idx="2">
+            <a:schemeClr val="accent1"/>
+          </a:lnRef>
+          <a:fillRef idx="0">
+            <a:schemeClr val="accent1"/>
+          </a:fillRef>
+          <a:effectRef idx="1">
+            <a:schemeClr val="accent1"/>
+          </a:effectRef>
+          <a:fontRef idx="minor">
+            <a:schemeClr val="tx1"/>
+          </a:fontRef>
+        </p:style>
+      </p:cxnSp>
+      <p:sp>
+        <p:nvSpPr>
+          <p:cNvPr id="75" name="TextBox 74">
+            <a:extLst>
+              <a:ext uri="{FF2B5EF4-FFF2-40B4-BE49-F238E27FC236}">
+                <a16:creationId xmlns:a16="http://schemas.microsoft.com/office/drawing/2014/main" id="{EEF414F8-D4C2-5C0B-0CFF-2796697A4298}"/>
+              </a:ext>
+            </a:extLst>
+          </p:cNvPr>
+          <p:cNvSpPr txBox="1"/>
+          <p:nvPr/>
+        </p:nvSpPr>
+        <p:spPr>
+          <a:xfrm>
+            <a:off x="8035770" y="4105014"/>
+            <a:ext cx="884809" cy="369332"/>
+          </a:xfrm>
+          <a:prstGeom prst="rect">
+            <a:avLst/>
+          </a:prstGeom>
+          <a:noFill/>
+        </p:spPr>
+        <p:txBody>
+          <a:bodyPr wrap="square" rtlCol="0">
+            <a:spAutoFit/>
+          </a:bodyPr>
+          <a:lstStyle/>
+          <a:p>
+            <a:r>
+              <a:rPr lang="en-GB" dirty="0"/>
+              <a:t>X </a:t>
+            </a:r>
+            <a:r>
+              <a:rPr lang="en-GB" dirty="0" err="1"/>
+              <a:t>uout</a:t>
+            </a:r>
+            <a:r>
+              <a:rPr lang="en-GB" dirty="0"/>
+              <a:t> </a:t>
+            </a:r>
+          </a:p>
+        </p:txBody>
+      </p:sp>
+      <p:sp>
+        <p:nvSpPr>
+          <p:cNvPr id="76" name="TextBox 75">
+            <a:extLst>
+              <a:ext uri="{FF2B5EF4-FFF2-40B4-BE49-F238E27FC236}">
+                <a16:creationId xmlns:a16="http://schemas.microsoft.com/office/drawing/2014/main" id="{57B6E2BF-5F5C-C87F-B4DB-30D2F76BC6F0}"/>
+              </a:ext>
+            </a:extLst>
+          </p:cNvPr>
+          <p:cNvSpPr txBox="1"/>
+          <p:nvPr/>
+        </p:nvSpPr>
+        <p:spPr>
+          <a:xfrm>
+            <a:off x="10389831" y="4092094"/>
+            <a:ext cx="884809" cy="369332"/>
+          </a:xfrm>
+          <a:prstGeom prst="rect">
+            <a:avLst/>
+          </a:prstGeom>
+          <a:noFill/>
+        </p:spPr>
+        <p:txBody>
+          <a:bodyPr wrap="square" rtlCol="0">
+            <a:spAutoFit/>
+          </a:bodyPr>
+          <a:lstStyle/>
+          <a:p>
+            <a:r>
+              <a:rPr lang="en-GB" dirty="0"/>
+              <a:t>X </a:t>
+            </a:r>
+            <a:r>
+              <a:rPr lang="en-GB" dirty="0" err="1"/>
+              <a:t>uin</a:t>
+            </a:r>
+            <a:r>
+              <a:rPr lang="en-GB" dirty="0"/>
+              <a:t> </a:t>
+            </a:r>
+          </a:p>
+        </p:txBody>
+      </p:sp>
+      <p:cxnSp>
+        <p:nvCxnSpPr>
+          <p:cNvPr id="77" name="Straight Arrow Connector 76">
+            <a:extLst>
+              <a:ext uri="{FF2B5EF4-FFF2-40B4-BE49-F238E27FC236}">
+                <a16:creationId xmlns:a16="http://schemas.microsoft.com/office/drawing/2014/main" id="{CBD9B6E7-A44E-ABFB-2068-2CDB6EC2F6EC}"/>
+              </a:ext>
+            </a:extLst>
+          </p:cNvPr>
+          <p:cNvCxnSpPr/>
+          <p:nvPr/>
+        </p:nvCxnSpPr>
+        <p:spPr>
+          <a:xfrm flipH="1">
+            <a:off x="8831804" y="4289680"/>
+            <a:ext cx="1509202" cy="0"/>
+          </a:xfrm>
+          <a:prstGeom prst="straightConnector1">
+            <a:avLst/>
+          </a:prstGeom>
+          <a:ln>
+            <a:tailEnd type="triangle"/>
+          </a:ln>
+        </p:spPr>
+        <p:style>
+          <a:lnRef idx="2">
+            <a:schemeClr val="accent1"/>
+          </a:lnRef>
+          <a:fillRef idx="0">
+            <a:schemeClr val="accent1"/>
+          </a:fillRef>
+          <a:effectRef idx="1">
+            <a:schemeClr val="accent1"/>
+          </a:effectRef>
+          <a:fontRef idx="minor">
+            <a:schemeClr val="tx1"/>
+          </a:fontRef>
+        </p:style>
+      </p:cxnSp>
+      <p:sp>
+        <p:nvSpPr>
+          <p:cNvPr id="78" name="TextBox 77">
+            <a:extLst>
+              <a:ext uri="{FF2B5EF4-FFF2-40B4-BE49-F238E27FC236}">
+                <a16:creationId xmlns:a16="http://schemas.microsoft.com/office/drawing/2014/main" id="{9161D0F8-8EAC-E67D-BBDC-9AAA82196F0C}"/>
+              </a:ext>
+            </a:extLst>
+          </p:cNvPr>
+          <p:cNvSpPr txBox="1"/>
+          <p:nvPr/>
+        </p:nvSpPr>
+        <p:spPr>
+          <a:xfrm>
+            <a:off x="8052048" y="4958750"/>
+            <a:ext cx="884809" cy="369332"/>
+          </a:xfrm>
+          <a:prstGeom prst="rect">
+            <a:avLst/>
+          </a:prstGeom>
+          <a:noFill/>
+        </p:spPr>
+        <p:txBody>
+          <a:bodyPr wrap="square" rtlCol="0">
+            <a:spAutoFit/>
+          </a:bodyPr>
+          <a:lstStyle/>
+          <a:p>
+            <a:r>
+              <a:rPr lang="en-GB" dirty="0"/>
+              <a:t>X out </a:t>
+            </a:r>
+          </a:p>
+        </p:txBody>
+      </p:sp>
+      <p:sp>
+        <p:nvSpPr>
+          <p:cNvPr id="79" name="TextBox 78">
+            <a:extLst>
+              <a:ext uri="{FF2B5EF4-FFF2-40B4-BE49-F238E27FC236}">
+                <a16:creationId xmlns:a16="http://schemas.microsoft.com/office/drawing/2014/main" id="{1A326F35-68A3-8BE2-085F-130496EC8E72}"/>
+              </a:ext>
+            </a:extLst>
+          </p:cNvPr>
+          <p:cNvSpPr txBox="1"/>
+          <p:nvPr/>
+        </p:nvSpPr>
+        <p:spPr>
+          <a:xfrm>
+            <a:off x="10406109" y="4945830"/>
+            <a:ext cx="884809" cy="369332"/>
+          </a:xfrm>
+          <a:prstGeom prst="rect">
+            <a:avLst/>
+          </a:prstGeom>
+          <a:noFill/>
+        </p:spPr>
+        <p:txBody>
+          <a:bodyPr wrap="square" rtlCol="0">
+            <a:spAutoFit/>
+          </a:bodyPr>
+          <a:lstStyle/>
+          <a:p>
+            <a:r>
+              <a:rPr lang="en-GB" dirty="0"/>
+              <a:t>X in </a:t>
+            </a:r>
+          </a:p>
+        </p:txBody>
+      </p:sp>
+      <p:cxnSp>
+        <p:nvCxnSpPr>
+          <p:cNvPr id="80" name="Straight Arrow Connector 79">
+            <a:extLst>
+              <a:ext uri="{FF2B5EF4-FFF2-40B4-BE49-F238E27FC236}">
+                <a16:creationId xmlns:a16="http://schemas.microsoft.com/office/drawing/2014/main" id="{C7CB16BF-DB75-4CD2-ACB0-E8250BE955C3}"/>
+              </a:ext>
+            </a:extLst>
+          </p:cNvPr>
+          <p:cNvCxnSpPr/>
+          <p:nvPr/>
+        </p:nvCxnSpPr>
+        <p:spPr>
+          <a:xfrm flipH="1">
+            <a:off x="8848082" y="5143416"/>
+            <a:ext cx="1509202" cy="0"/>
+          </a:xfrm>
+          <a:prstGeom prst="straightConnector1">
+            <a:avLst/>
+          </a:prstGeom>
+          <a:ln>
+            <a:tailEnd type="triangle"/>
+          </a:ln>
+        </p:spPr>
+        <p:style>
+          <a:lnRef idx="2">
+            <a:schemeClr val="accent1"/>
+          </a:lnRef>
+          <a:fillRef idx="0">
+            <a:schemeClr val="accent1"/>
+          </a:fillRef>
+          <a:effectRef idx="1">
+            <a:schemeClr val="accent1"/>
+          </a:effectRef>
+          <a:fontRef idx="minor">
+            <a:schemeClr val="tx1"/>
+          </a:fontRef>
+        </p:style>
+      </p:cxnSp>
+    </p:spTree>
+    <p:extLst>
+      <p:ext uri="{BB962C8B-B14F-4D97-AF65-F5344CB8AC3E}">
+        <p14:creationId xmlns:p14="http://schemas.microsoft.com/office/powerpoint/2010/main" val="2721401281"/>
+      </p:ext>
+    </p:extLst>
+  </p:cSld>
+  <p:clrMapOvr>
+    <a:masterClrMapping/>
+  </p:clrMapOvr>
+</p:sld>
+</file>
+
+<file path=ppt/slides/slide9.xml><?xml version="1.0" encoding="utf-8"?>
+<p:sld xmlns:a="http://schemas.openxmlformats.org/drawingml/2006/main" xmlns:r="http://schemas.openxmlformats.org/officeDocument/2006/relationships" xmlns:p="http://schemas.openxmlformats.org/presentationml/2006/main">
+  <p:cSld>
+    <p:spTree>
+      <p:nvGrpSpPr>
+        <p:cNvPr id="1" name=""/>
+        <p:cNvGrpSpPr/>
+        <p:nvPr/>
+      </p:nvGrpSpPr>
+      <p:grpSpPr>
+        <a:xfrm>
+          <a:off x="0" y="0"/>
+          <a:ext cx="0" cy="0"/>
+          <a:chOff x="0" y="0"/>
+          <a:chExt cx="0" cy="0"/>
+        </a:xfrm>
+      </p:grpSpPr>
+      <p:sp>
+        <p:nvSpPr>
+          <p:cNvPr id="4" name="TextBox 3">
+            <a:extLst>
+              <a:ext uri="{FF2B5EF4-FFF2-40B4-BE49-F238E27FC236}">
+                <a16:creationId xmlns:a16="http://schemas.microsoft.com/office/drawing/2014/main" id="{E398BAD2-DB9E-8B00-8733-FC775775F8F3}"/>
+              </a:ext>
+            </a:extLst>
+          </p:cNvPr>
+          <p:cNvSpPr txBox="1"/>
+          <p:nvPr/>
+        </p:nvSpPr>
+        <p:spPr>
+          <a:xfrm>
+            <a:off x="2737282" y="2024108"/>
+            <a:ext cx="6551720" cy="584775"/>
+          </a:xfrm>
+          <a:prstGeom prst="rect">
+            <a:avLst/>
+          </a:prstGeom>
+          <a:noFill/>
+        </p:spPr>
+        <p:txBody>
+          <a:bodyPr wrap="square" rtlCol="0">
+            <a:spAutoFit/>
+          </a:bodyPr>
+          <a:lstStyle/>
+          <a:p>
+            <a:pPr algn="ctr"/>
+            <a:r>
+              <a:rPr lang="en-GB" sz="3200" dirty="0"/>
+              <a:t>Flash</a:t>
+            </a:r>
+          </a:p>
+        </p:txBody>
+      </p:sp>
+    </p:spTree>
+    <p:extLst>
+      <p:ext uri="{BB962C8B-B14F-4D97-AF65-F5344CB8AC3E}">
+        <p14:creationId xmlns:p14="http://schemas.microsoft.com/office/powerpoint/2010/main" val="1613699915"/>
       </p:ext>
     </p:extLst>
   </p:cSld>

--- a/Latent Subgraphs.pptx
+++ b/Latent Subgraphs.pptx
@@ -18,6 +18,8 @@
     <p:sldId id="266" r:id="rId12"/>
     <p:sldId id="267" r:id="rId13"/>
     <p:sldId id="268" r:id="rId14"/>
+    <p:sldId id="270" r:id="rId15"/>
+    <p:sldId id="271" r:id="rId16"/>
   </p:sldIdLst>
   <p:sldSz cx="12192000" cy="6858000"/>
   <p:notesSz cx="6858000" cy="9144000"/>
@@ -127,7 +129,7 @@
 <file path=ppt/revisionInfo.xml><?xml version="1.0" encoding="utf-8"?>
 <p1510:revInfo xmlns:a="http://schemas.openxmlformats.org/drawingml/2006/main" xmlns:r="http://schemas.openxmlformats.org/officeDocument/2006/relationships" xmlns:p1510="http://schemas.microsoft.com/office/powerpoint/2015/10/main">
   <p1510:revLst>
-    <p1510:client id="{62296B02-FF6D-4E03-834C-A905267B6D21}" v="73" dt="2024-03-13T18:33:26.499"/>
+    <p1510:client id="{62296B02-FF6D-4E03-834C-A905267B6D21}" v="104" dt="2024-03-24T14:42:55.282"/>
   </p1510:revLst>
 </p1510:revInfo>
 </file>
@@ -136,13 +138,13 @@
 <pc:chgInfo xmlns:a="http://schemas.openxmlformats.org/drawingml/2006/main" xmlns:r="http://schemas.openxmlformats.org/officeDocument/2006/relationships" xmlns:ac="http://schemas.microsoft.com/office/drawing/2013/main/command" xmlns:pc="http://schemas.microsoft.com/office/powerpoint/2013/main/command">
   <pc:docChgLst>
     <pc:chgData name="byron dodd" userId="5f8f3b5ac755099a" providerId="LiveId" clId="{62296B02-FF6D-4E03-834C-A905267B6D21}"/>
-    <pc:docChg chg="undo redo custSel addSld modSld">
-      <pc:chgData name="byron dodd" userId="5f8f3b5ac755099a" providerId="LiveId" clId="{62296B02-FF6D-4E03-834C-A905267B6D21}" dt="2024-03-13T18:33:29.153" v="1507" actId="20577"/>
+    <pc:docChg chg="undo redo custSel addSld delSld modSld">
+      <pc:chgData name="byron dodd" userId="5f8f3b5ac755099a" providerId="LiveId" clId="{62296B02-FF6D-4E03-834C-A905267B6D21}" dt="2024-03-24T15:50:26.251" v="2185" actId="478"/>
       <pc:docMkLst>
         <pc:docMk/>
       </pc:docMkLst>
       <pc:sldChg chg="addSp delSp modSp mod">
-        <pc:chgData name="byron dodd" userId="5f8f3b5ac755099a" providerId="LiveId" clId="{62296B02-FF6D-4E03-834C-A905267B6D21}" dt="2024-03-11T17:52:07.999" v="923" actId="20577"/>
+        <pc:chgData name="byron dodd" userId="5f8f3b5ac755099a" providerId="LiveId" clId="{62296B02-FF6D-4E03-834C-A905267B6D21}" dt="2024-03-24T15:49:47.763" v="2181" actId="478"/>
         <pc:sldMkLst>
           <pc:docMk/>
           <pc:sldMk cId="2305744929" sldId="256"/>
@@ -307,6 +309,14 @@
             <ac:cxnSpMk id="39" creationId="{86EF2C25-888E-C717-2290-32F3307F8FC5}"/>
           </ac:cxnSpMkLst>
         </pc:cxnChg>
+        <pc:cxnChg chg="del">
+          <ac:chgData name="byron dodd" userId="5f8f3b5ac755099a" providerId="LiveId" clId="{62296B02-FF6D-4E03-834C-A905267B6D21}" dt="2024-03-24T15:49:47.763" v="2181" actId="478"/>
+          <ac:cxnSpMkLst>
+            <pc:docMk/>
+            <pc:sldMk cId="2305744929" sldId="256"/>
+            <ac:cxnSpMk id="48" creationId="{8BFFCC9F-B973-5AA9-DACA-DDD56A15FD67}"/>
+          </ac:cxnSpMkLst>
+        </pc:cxnChg>
         <pc:cxnChg chg="add del">
           <ac:chgData name="byron dodd" userId="5f8f3b5ac755099a" providerId="LiveId" clId="{62296B02-FF6D-4E03-834C-A905267B6D21}" dt="2024-02-23T15:02:07.431" v="624" actId="11529"/>
           <ac:cxnSpMkLst>
@@ -341,7 +351,7 @@
         </pc:cxnChg>
       </pc:sldChg>
       <pc:sldChg chg="addSp delSp modSp mod">
-        <pc:chgData name="byron dodd" userId="5f8f3b5ac755099a" providerId="LiveId" clId="{62296B02-FF6D-4E03-834C-A905267B6D21}" dt="2024-03-11T17:52:44.114" v="946" actId="20577"/>
+        <pc:chgData name="byron dodd" userId="5f8f3b5ac755099a" providerId="LiveId" clId="{62296B02-FF6D-4E03-834C-A905267B6D21}" dt="2024-03-24T15:49:56.223" v="2182" actId="478"/>
         <pc:sldMkLst>
           <pc:docMk/>
           <pc:sldMk cId="490602433" sldId="257"/>
@@ -386,6 +396,14 @@
             <ac:cxnSpMk id="18" creationId="{B0018FC7-8A98-9FE9-9CF5-277A28D662E0}"/>
           </ac:cxnSpMkLst>
         </pc:cxnChg>
+        <pc:cxnChg chg="del">
+          <ac:chgData name="byron dodd" userId="5f8f3b5ac755099a" providerId="LiveId" clId="{62296B02-FF6D-4E03-834C-A905267B6D21}" dt="2024-03-24T15:49:56.223" v="2182" actId="478"/>
+          <ac:cxnSpMkLst>
+            <pc:docMk/>
+            <pc:sldMk cId="490602433" sldId="257"/>
+            <ac:cxnSpMk id="23" creationId="{0CD63032-4821-F855-5397-3DC98D3E2595}"/>
+          </ac:cxnSpMkLst>
+        </pc:cxnChg>
         <pc:cxnChg chg="add del mod">
           <ac:chgData name="byron dodd" userId="5f8f3b5ac755099a" providerId="LiveId" clId="{62296B02-FF6D-4E03-834C-A905267B6D21}" dt="2024-02-23T15:23:47.123" v="643" actId="478"/>
           <ac:cxnSpMkLst>
@@ -412,7 +430,7 @@
         </pc:cxnChg>
       </pc:sldChg>
       <pc:sldChg chg="addSp delSp modSp new mod">
-        <pc:chgData name="byron dodd" userId="5f8f3b5ac755099a" providerId="LiveId" clId="{62296B02-FF6D-4E03-834C-A905267B6D21}" dt="2024-03-11T17:53:40.980" v="962" actId="20577"/>
+        <pc:chgData name="byron dodd" userId="5f8f3b5ac755099a" providerId="LiveId" clId="{62296B02-FF6D-4E03-834C-A905267B6D21}" dt="2024-03-24T15:50:10.406" v="2183" actId="478"/>
         <pc:sldMkLst>
           <pc:docMk/>
           <pc:sldMk cId="3978740458" sldId="258"/>
@@ -657,8 +675,8 @@
             <ac:cxnSpMk id="45" creationId="{7C0389AB-91F0-8573-5C1E-C0DC41B42EA5}"/>
           </ac:cxnSpMkLst>
         </pc:cxnChg>
-        <pc:cxnChg chg="add mod">
-          <ac:chgData name="byron dodd" userId="5f8f3b5ac755099a" providerId="LiveId" clId="{62296B02-FF6D-4E03-834C-A905267B6D21}" dt="2024-02-22T18:48:06.924" v="549" actId="1076"/>
+        <pc:cxnChg chg="add del mod">
+          <ac:chgData name="byron dodd" userId="5f8f3b5ac755099a" providerId="LiveId" clId="{62296B02-FF6D-4E03-834C-A905267B6D21}" dt="2024-03-24T15:50:10.406" v="2183" actId="478"/>
           <ac:cxnSpMkLst>
             <pc:docMk/>
             <pc:sldMk cId="3978740458" sldId="258"/>
@@ -683,7 +701,7 @@
         </pc:cxnChg>
       </pc:sldChg>
       <pc:sldChg chg="addSp delSp modSp new mod">
-        <pc:chgData name="byron dodd" userId="5f8f3b5ac755099a" providerId="LiveId" clId="{62296B02-FF6D-4E03-834C-A905267B6D21}" dt="2024-03-11T17:54:43.206" v="973" actId="20577"/>
+        <pc:chgData name="byron dodd" userId="5f8f3b5ac755099a" providerId="LiveId" clId="{62296B02-FF6D-4E03-834C-A905267B6D21}" dt="2024-03-24T15:50:26.251" v="2185" actId="478"/>
         <pc:sldMkLst>
           <pc:docMk/>
           <pc:sldMk cId="2721401281" sldId="259"/>
@@ -1136,16 +1154,16 @@
             <ac:cxnSpMk id="72" creationId="{EE32DE65-ABF8-3BF1-2B69-486AABEE9CE1}"/>
           </ac:cxnSpMkLst>
         </pc:cxnChg>
-        <pc:cxnChg chg="add mod">
-          <ac:chgData name="byron dodd" userId="5f8f3b5ac755099a" providerId="LiveId" clId="{62296B02-FF6D-4E03-834C-A905267B6D21}" dt="2024-03-01T11:22:59.520" v="789" actId="1076"/>
+        <pc:cxnChg chg="add del mod">
+          <ac:chgData name="byron dodd" userId="5f8f3b5ac755099a" providerId="LiveId" clId="{62296B02-FF6D-4E03-834C-A905267B6D21}" dt="2024-03-24T15:50:23.162" v="2184" actId="478"/>
           <ac:cxnSpMkLst>
             <pc:docMk/>
             <pc:sldMk cId="2721401281" sldId="259"/>
             <ac:cxnSpMk id="77" creationId="{CBD9B6E7-A44E-ABFB-2068-2CDB6EC2F6EC}"/>
           </ac:cxnSpMkLst>
         </pc:cxnChg>
-        <pc:cxnChg chg="add mod">
-          <ac:chgData name="byron dodd" userId="5f8f3b5ac755099a" providerId="LiveId" clId="{62296B02-FF6D-4E03-834C-A905267B6D21}" dt="2024-03-01T11:23:03.329" v="791" actId="1076"/>
+        <pc:cxnChg chg="add del mod">
+          <ac:chgData name="byron dodd" userId="5f8f3b5ac755099a" providerId="LiveId" clId="{62296B02-FF6D-4E03-834C-A905267B6D21}" dt="2024-03-24T15:50:26.251" v="2185" actId="478"/>
           <ac:cxnSpMkLst>
             <pc:docMk/>
             <pc:sldMk cId="2721401281" sldId="259"/>
@@ -1651,7 +1669,7 @@
         </pc:spChg>
       </pc:sldChg>
       <pc:sldChg chg="addSp delSp modSp new mod">
-        <pc:chgData name="byron dodd" userId="5f8f3b5ac755099a" providerId="LiveId" clId="{62296B02-FF6D-4E03-834C-A905267B6D21}" dt="2024-03-12T13:43:10.725" v="1489" actId="1076"/>
+        <pc:chgData name="byron dodd" userId="5f8f3b5ac755099a" providerId="LiveId" clId="{62296B02-FF6D-4E03-834C-A905267B6D21}" dt="2024-03-24T13:58:10.177" v="2043" actId="14100"/>
         <pc:sldMkLst>
           <pc:docMk/>
           <pc:sldMk cId="2504913997" sldId="267"/>
@@ -2008,6 +2026,14 @@
             <ac:spMk id="86" creationId="{045BB1F1-8332-EB14-CC83-BC944F93709B}"/>
           </ac:spMkLst>
         </pc:spChg>
+        <pc:cxnChg chg="add mod">
+          <ac:chgData name="byron dodd" userId="5f8f3b5ac755099a" providerId="LiveId" clId="{62296B02-FF6D-4E03-834C-A905267B6D21}" dt="2024-03-24T13:58:10.177" v="2043" actId="14100"/>
+          <ac:cxnSpMkLst>
+            <pc:docMk/>
+            <pc:sldMk cId="2504913997" sldId="267"/>
+            <ac:cxnSpMk id="2" creationId="{7F0435F9-689F-A272-0F3B-7C63F4028B65}"/>
+          </ac:cxnSpMkLst>
+        </pc:cxnChg>
         <pc:cxnChg chg="add del mod">
           <ac:chgData name="byron dodd" userId="5f8f3b5ac755099a" providerId="LiveId" clId="{62296B02-FF6D-4E03-834C-A905267B6D21}" dt="2024-03-12T13:24:28.102" v="1049" actId="478"/>
           <ac:cxnSpMkLst>
@@ -2258,17 +2284,33 @@
         </pc:cxnChg>
       </pc:sldChg>
       <pc:sldChg chg="addSp delSp modSp new mod">
-        <pc:chgData name="byron dodd" userId="5f8f3b5ac755099a" providerId="LiveId" clId="{62296B02-FF6D-4E03-834C-A905267B6D21}" dt="2024-03-13T18:33:29.153" v="1507" actId="20577"/>
+        <pc:chgData name="byron dodd" userId="5f8f3b5ac755099a" providerId="LiveId" clId="{62296B02-FF6D-4E03-834C-A905267B6D21}" dt="2024-03-24T13:05:29.866" v="1622" actId="11529"/>
         <pc:sldMkLst>
           <pc:docMk/>
           <pc:sldMk cId="416268104" sldId="268"/>
         </pc:sldMkLst>
+        <pc:spChg chg="add mod">
+          <ac:chgData name="byron dodd" userId="5f8f3b5ac755099a" providerId="LiveId" clId="{62296B02-FF6D-4E03-834C-A905267B6D21}" dt="2024-03-24T13:03:34.183" v="1578" actId="20577"/>
+          <ac:spMkLst>
+            <pc:docMk/>
+            <pc:sldMk cId="416268104" sldId="268"/>
+            <ac:spMk id="2" creationId="{B7A12954-7D35-8755-902F-1A85B45F300C}"/>
+          </ac:spMkLst>
+        </pc:spChg>
         <pc:spChg chg="del">
           <ac:chgData name="byron dodd" userId="5f8f3b5ac755099a" providerId="LiveId" clId="{62296B02-FF6D-4E03-834C-A905267B6D21}" dt="2024-03-13T18:33:19.654" v="1492" actId="478"/>
           <ac:spMkLst>
             <pc:docMk/>
             <pc:sldMk cId="416268104" sldId="268"/>
             <ac:spMk id="2" creationId="{DC19B053-0CAE-180B-E293-D981AE240176}"/>
+          </ac:spMkLst>
+        </pc:spChg>
+        <pc:spChg chg="add mod">
+          <ac:chgData name="byron dodd" userId="5f8f3b5ac755099a" providerId="LiveId" clId="{62296B02-FF6D-4E03-834C-A905267B6D21}" dt="2024-03-24T13:03:43.693" v="1601" actId="20577"/>
+          <ac:spMkLst>
+            <pc:docMk/>
+            <pc:sldMk cId="416268104" sldId="268"/>
+            <ac:spMk id="3" creationId="{363A7D98-ED3B-B1A5-93E5-B6BB2DC9E106}"/>
           </ac:spMkLst>
         </pc:spChg>
         <pc:spChg chg="del">
@@ -2280,13 +2322,657 @@
           </ac:spMkLst>
         </pc:spChg>
         <pc:spChg chg="add mod">
-          <ac:chgData name="byron dodd" userId="5f8f3b5ac755099a" providerId="LiveId" clId="{62296B02-FF6D-4E03-834C-A905267B6D21}" dt="2024-03-13T18:33:29.153" v="1507" actId="20577"/>
+          <ac:chgData name="byron dodd" userId="5f8f3b5ac755099a" providerId="LiveId" clId="{62296B02-FF6D-4E03-834C-A905267B6D21}" dt="2024-03-24T13:01:09.701" v="1548" actId="14100"/>
           <ac:spMkLst>
             <pc:docMk/>
             <pc:sldMk cId="416268104" sldId="268"/>
             <ac:spMk id="4" creationId="{03CC48CC-4805-1CED-FFFD-411CCF68737C}"/>
           </ac:spMkLst>
         </pc:spChg>
+        <pc:spChg chg="add mod">
+          <ac:chgData name="byron dodd" userId="5f8f3b5ac755099a" providerId="LiveId" clId="{62296B02-FF6D-4E03-834C-A905267B6D21}" dt="2024-03-24T13:04:11.734" v="1614" actId="1076"/>
+          <ac:spMkLst>
+            <pc:docMk/>
+            <pc:sldMk cId="416268104" sldId="268"/>
+            <ac:spMk id="5" creationId="{67ACF857-897D-5B76-73DF-5F28B9A03C09}"/>
+          </ac:spMkLst>
+        </pc:spChg>
+        <pc:cxnChg chg="add">
+          <ac:chgData name="byron dodd" userId="5f8f3b5ac755099a" providerId="LiveId" clId="{62296B02-FF6D-4E03-834C-A905267B6D21}" dt="2024-03-24T13:04:21.322" v="1615" actId="11529"/>
+          <ac:cxnSpMkLst>
+            <pc:docMk/>
+            <pc:sldMk cId="416268104" sldId="268"/>
+            <ac:cxnSpMk id="7" creationId="{73C60EC8-D1A8-9482-0C77-53AC020DD1AB}"/>
+          </ac:cxnSpMkLst>
+        </pc:cxnChg>
+        <pc:cxnChg chg="add">
+          <ac:chgData name="byron dodd" userId="5f8f3b5ac755099a" providerId="LiveId" clId="{62296B02-FF6D-4E03-834C-A905267B6D21}" dt="2024-03-24T13:04:31.024" v="1616" actId="11529"/>
+          <ac:cxnSpMkLst>
+            <pc:docMk/>
+            <pc:sldMk cId="416268104" sldId="268"/>
+            <ac:cxnSpMk id="9" creationId="{DD10D43A-6379-B3ED-E1EA-D80F3BBBB098}"/>
+          </ac:cxnSpMkLst>
+        </pc:cxnChg>
+        <pc:cxnChg chg="add mod">
+          <ac:chgData name="byron dodd" userId="5f8f3b5ac755099a" providerId="LiveId" clId="{62296B02-FF6D-4E03-834C-A905267B6D21}" dt="2024-03-24T13:05:06.287" v="1618" actId="1076"/>
+          <ac:cxnSpMkLst>
+            <pc:docMk/>
+            <pc:sldMk cId="416268104" sldId="268"/>
+            <ac:cxnSpMk id="10" creationId="{6AE6E463-F137-1E7F-B7A9-E8E0D1782402}"/>
+          </ac:cxnSpMkLst>
+        </pc:cxnChg>
+        <pc:cxnChg chg="add">
+          <ac:chgData name="byron dodd" userId="5f8f3b5ac755099a" providerId="LiveId" clId="{62296B02-FF6D-4E03-834C-A905267B6D21}" dt="2024-03-24T13:05:12.203" v="1619" actId="11529"/>
+          <ac:cxnSpMkLst>
+            <pc:docMk/>
+            <pc:sldMk cId="416268104" sldId="268"/>
+            <ac:cxnSpMk id="12" creationId="{8379ED2B-19A1-D5F7-C2F4-F329B4F996C9}"/>
+          </ac:cxnSpMkLst>
+        </pc:cxnChg>
+        <pc:cxnChg chg="add del">
+          <ac:chgData name="byron dodd" userId="5f8f3b5ac755099a" providerId="LiveId" clId="{62296B02-FF6D-4E03-834C-A905267B6D21}" dt="2024-03-24T13:05:22.148" v="1621" actId="478"/>
+          <ac:cxnSpMkLst>
+            <pc:docMk/>
+            <pc:sldMk cId="416268104" sldId="268"/>
+            <ac:cxnSpMk id="14" creationId="{20972A9E-1003-DFAA-B112-A442B3541B6E}"/>
+          </ac:cxnSpMkLst>
+        </pc:cxnChg>
+        <pc:cxnChg chg="add">
+          <ac:chgData name="byron dodd" userId="5f8f3b5ac755099a" providerId="LiveId" clId="{62296B02-FF6D-4E03-834C-A905267B6D21}" dt="2024-03-24T13:05:29.866" v="1622" actId="11529"/>
+          <ac:cxnSpMkLst>
+            <pc:docMk/>
+            <pc:sldMk cId="416268104" sldId="268"/>
+            <ac:cxnSpMk id="16" creationId="{CCEE3DE2-0AAB-3AE1-157B-026EDD2B791D}"/>
+          </ac:cxnSpMkLst>
+        </pc:cxnChg>
+      </pc:sldChg>
+      <pc:sldChg chg="delSp new del mod">
+        <pc:chgData name="byron dodd" userId="5f8f3b5ac755099a" providerId="LiveId" clId="{62296B02-FF6D-4E03-834C-A905267B6D21}" dt="2024-03-24T13:01:00.025" v="1532" actId="47"/>
+        <pc:sldMkLst>
+          <pc:docMk/>
+          <pc:sldMk cId="3495054644" sldId="269"/>
+        </pc:sldMkLst>
+        <pc:spChg chg="del">
+          <ac:chgData name="byron dodd" userId="5f8f3b5ac755099a" providerId="LiveId" clId="{62296B02-FF6D-4E03-834C-A905267B6D21}" dt="2024-03-24T13:00:45.105" v="1511" actId="478"/>
+          <ac:spMkLst>
+            <pc:docMk/>
+            <pc:sldMk cId="3495054644" sldId="269"/>
+            <ac:spMk id="2" creationId="{492A7949-F649-014F-A2EE-14C08256C3B5}"/>
+          </ac:spMkLst>
+        </pc:spChg>
+        <pc:spChg chg="del">
+          <ac:chgData name="byron dodd" userId="5f8f3b5ac755099a" providerId="LiveId" clId="{62296B02-FF6D-4E03-834C-A905267B6D21}" dt="2024-03-24T13:00:45.105" v="1511" actId="478"/>
+          <ac:spMkLst>
+            <pc:docMk/>
+            <pc:sldMk cId="3495054644" sldId="269"/>
+            <ac:spMk id="3" creationId="{7276626B-D0A6-2EB8-A75D-4F92057E4ADB}"/>
+          </ac:spMkLst>
+        </pc:spChg>
+      </pc:sldChg>
+      <pc:sldChg chg="new del">
+        <pc:chgData name="byron dodd" userId="5f8f3b5ac755099a" providerId="LiveId" clId="{62296B02-FF6D-4E03-834C-A905267B6D21}" dt="2024-03-24T13:00:39.720" v="1509" actId="47"/>
+        <pc:sldMkLst>
+          <pc:docMk/>
+          <pc:sldMk cId="3991515901" sldId="269"/>
+        </pc:sldMkLst>
+      </pc:sldChg>
+      <pc:sldChg chg="modSp add mod">
+        <pc:chgData name="byron dodd" userId="5f8f3b5ac755099a" providerId="LiveId" clId="{62296B02-FF6D-4E03-834C-A905267B6D21}" dt="2024-03-24T13:00:54.191" v="1531" actId="20577"/>
+        <pc:sldMkLst>
+          <pc:docMk/>
+          <pc:sldMk cId="1667024621" sldId="270"/>
+        </pc:sldMkLst>
+        <pc:spChg chg="mod">
+          <ac:chgData name="byron dodd" userId="5f8f3b5ac755099a" providerId="LiveId" clId="{62296B02-FF6D-4E03-834C-A905267B6D21}" dt="2024-03-24T13:00:54.191" v="1531" actId="20577"/>
+          <ac:spMkLst>
+            <pc:docMk/>
+            <pc:sldMk cId="1667024621" sldId="270"/>
+            <ac:spMk id="4" creationId="{2991220B-FC51-3C40-E596-FC763D47AF10}"/>
+          </ac:spMkLst>
+        </pc:spChg>
+      </pc:sldChg>
+      <pc:sldChg chg="addSp delSp modSp new mod">
+        <pc:chgData name="byron dodd" userId="5f8f3b5ac755099a" providerId="LiveId" clId="{62296B02-FF6D-4E03-834C-A905267B6D21}" dt="2024-03-24T14:42:58.744" v="2180" actId="14100"/>
+        <pc:sldMkLst>
+          <pc:docMk/>
+          <pc:sldMk cId="1148910802" sldId="271"/>
+        </pc:sldMkLst>
+        <pc:spChg chg="del">
+          <ac:chgData name="byron dodd" userId="5f8f3b5ac755099a" providerId="LiveId" clId="{62296B02-FF6D-4E03-834C-A905267B6D21}" dt="2024-03-24T13:05:47.164" v="1624" actId="478"/>
+          <ac:spMkLst>
+            <pc:docMk/>
+            <pc:sldMk cId="1148910802" sldId="271"/>
+            <ac:spMk id="2" creationId="{922D83CE-E12D-29DE-5585-6AFDCC53A98D}"/>
+          </ac:spMkLst>
+        </pc:spChg>
+        <pc:spChg chg="del">
+          <ac:chgData name="byron dodd" userId="5f8f3b5ac755099a" providerId="LiveId" clId="{62296B02-FF6D-4E03-834C-A905267B6D21}" dt="2024-03-24T13:05:51.388" v="1625" actId="478"/>
+          <ac:spMkLst>
+            <pc:docMk/>
+            <pc:sldMk cId="1148910802" sldId="271"/>
+            <ac:spMk id="3" creationId="{8EDFD3A1-161F-4228-ECCC-9E13D7C697DD}"/>
+          </ac:spMkLst>
+        </pc:spChg>
+        <pc:spChg chg="add mod">
+          <ac:chgData name="byron dodd" userId="5f8f3b5ac755099a" providerId="LiveId" clId="{62296B02-FF6D-4E03-834C-A905267B6D21}" dt="2024-03-24T13:16:11.860" v="1837" actId="20577"/>
+          <ac:spMkLst>
+            <pc:docMk/>
+            <pc:sldMk cId="1148910802" sldId="271"/>
+            <ac:spMk id="4" creationId="{0FC03B4C-1DFA-E49A-360A-408EC8C9BCF4}"/>
+          </ac:spMkLst>
+        </pc:spChg>
+        <pc:spChg chg="add mod">
+          <ac:chgData name="byron dodd" userId="5f8f3b5ac755099a" providerId="LiveId" clId="{62296B02-FF6D-4E03-834C-A905267B6D21}" dt="2024-03-24T13:09:40.403" v="1691" actId="1076"/>
+          <ac:spMkLst>
+            <pc:docMk/>
+            <pc:sldMk cId="1148910802" sldId="271"/>
+            <ac:spMk id="5" creationId="{8ECAAAC3-A086-E8E7-8085-E3A1D4019E91}"/>
+          </ac:spMkLst>
+        </pc:spChg>
+        <pc:spChg chg="add mod">
+          <ac:chgData name="byron dodd" userId="5f8f3b5ac755099a" providerId="LiveId" clId="{62296B02-FF6D-4E03-834C-A905267B6D21}" dt="2024-03-24T13:14:33.680" v="1806" actId="20577"/>
+          <ac:spMkLst>
+            <pc:docMk/>
+            <pc:sldMk cId="1148910802" sldId="271"/>
+            <ac:spMk id="6" creationId="{D362B4BE-AA48-C931-1484-4EC8BDDCC1AB}"/>
+          </ac:spMkLst>
+        </pc:spChg>
+        <pc:spChg chg="add mod">
+          <ac:chgData name="byron dodd" userId="5f8f3b5ac755099a" providerId="LiveId" clId="{62296B02-FF6D-4E03-834C-A905267B6D21}" dt="2024-03-24T13:09:55.977" v="1700" actId="1076"/>
+          <ac:spMkLst>
+            <pc:docMk/>
+            <pc:sldMk cId="1148910802" sldId="271"/>
+            <ac:spMk id="20" creationId="{4A927AF0-9B37-5EF7-E86C-A41924686BAD}"/>
+          </ac:spMkLst>
+        </pc:spChg>
+        <pc:spChg chg="add mod">
+          <ac:chgData name="byron dodd" userId="5f8f3b5ac755099a" providerId="LiveId" clId="{62296B02-FF6D-4E03-834C-A905267B6D21}" dt="2024-03-24T13:16:00.588" v="1834" actId="1076"/>
+          <ac:spMkLst>
+            <pc:docMk/>
+            <pc:sldMk cId="1148910802" sldId="271"/>
+            <ac:spMk id="23" creationId="{F6BCE33F-433A-0225-F274-CD20EE390F2C}"/>
+          </ac:spMkLst>
+        </pc:spChg>
+        <pc:spChg chg="add mod">
+          <ac:chgData name="byron dodd" userId="5f8f3b5ac755099a" providerId="LiveId" clId="{62296B02-FF6D-4E03-834C-A905267B6D21}" dt="2024-03-24T13:15:53.597" v="1833" actId="1076"/>
+          <ac:spMkLst>
+            <pc:docMk/>
+            <pc:sldMk cId="1148910802" sldId="271"/>
+            <ac:spMk id="28" creationId="{E07DA3DA-4307-94C1-1AF1-E08422B8AEB1}"/>
+          </ac:spMkLst>
+        </pc:spChg>
+        <pc:spChg chg="add mod">
+          <ac:chgData name="byron dodd" userId="5f8f3b5ac755099a" providerId="LiveId" clId="{62296B02-FF6D-4E03-834C-A905267B6D21}" dt="2024-03-24T13:15:53.597" v="1833" actId="1076"/>
+          <ac:spMkLst>
+            <pc:docMk/>
+            <pc:sldMk cId="1148910802" sldId="271"/>
+            <ac:spMk id="29" creationId="{20AC8B69-4764-E7DF-73A9-0FB4B5F40AAC}"/>
+          </ac:spMkLst>
+        </pc:spChg>
+        <pc:spChg chg="add mod">
+          <ac:chgData name="byron dodd" userId="5f8f3b5ac755099a" providerId="LiveId" clId="{62296B02-FF6D-4E03-834C-A905267B6D21}" dt="2024-03-24T13:15:53.597" v="1833" actId="1076"/>
+          <ac:spMkLst>
+            <pc:docMk/>
+            <pc:sldMk cId="1148910802" sldId="271"/>
+            <ac:spMk id="30" creationId="{8F97C6A7-A233-EF15-B062-D82E60830F77}"/>
+          </ac:spMkLst>
+        </pc:spChg>
+        <pc:spChg chg="add mod">
+          <ac:chgData name="byron dodd" userId="5f8f3b5ac755099a" providerId="LiveId" clId="{62296B02-FF6D-4E03-834C-A905267B6D21}" dt="2024-03-24T13:15:53.597" v="1833" actId="1076"/>
+          <ac:spMkLst>
+            <pc:docMk/>
+            <pc:sldMk cId="1148910802" sldId="271"/>
+            <ac:spMk id="31" creationId="{1232EACC-3D25-7625-F295-AA76E5D46FCF}"/>
+          </ac:spMkLst>
+        </pc:spChg>
+        <pc:spChg chg="add mod">
+          <ac:chgData name="byron dodd" userId="5f8f3b5ac755099a" providerId="LiveId" clId="{62296B02-FF6D-4E03-834C-A905267B6D21}" dt="2024-03-24T13:17:26.805" v="1843" actId="1076"/>
+          <ac:spMkLst>
+            <pc:docMk/>
+            <pc:sldMk cId="1148910802" sldId="271"/>
+            <ac:spMk id="32" creationId="{A80E79CE-8021-E9D6-6C91-382C93242E6A}"/>
+          </ac:spMkLst>
+        </pc:spChg>
+        <pc:spChg chg="add mod">
+          <ac:chgData name="byron dodd" userId="5f8f3b5ac755099a" providerId="LiveId" clId="{62296B02-FF6D-4E03-834C-A905267B6D21}" dt="2024-03-24T13:17:53.270" v="1851" actId="20577"/>
+          <ac:spMkLst>
+            <pc:docMk/>
+            <pc:sldMk cId="1148910802" sldId="271"/>
+            <ac:spMk id="56" creationId="{BE8C561F-0F7B-2886-4559-C5A460B87952}"/>
+          </ac:spMkLst>
+        </pc:spChg>
+        <pc:spChg chg="add mod">
+          <ac:chgData name="byron dodd" userId="5f8f3b5ac755099a" providerId="LiveId" clId="{62296B02-FF6D-4E03-834C-A905267B6D21}" dt="2024-03-24T13:21:08.706" v="1915" actId="1076"/>
+          <ac:spMkLst>
+            <pc:docMk/>
+            <pc:sldMk cId="1148910802" sldId="271"/>
+            <ac:spMk id="57" creationId="{DF2E920F-E729-E5D5-F47F-524185E004BB}"/>
+          </ac:spMkLst>
+        </pc:spChg>
+        <pc:spChg chg="add del mod">
+          <ac:chgData name="byron dodd" userId="5f8f3b5ac755099a" providerId="LiveId" clId="{62296B02-FF6D-4E03-834C-A905267B6D21}" dt="2024-03-24T13:21:03.322" v="1914" actId="478"/>
+          <ac:spMkLst>
+            <pc:docMk/>
+            <pc:sldMk cId="1148910802" sldId="271"/>
+            <ac:spMk id="58" creationId="{C01D6ACD-C5F1-9665-7462-A2A113C304E2}"/>
+          </ac:spMkLst>
+        </pc:spChg>
+        <pc:spChg chg="add mod">
+          <ac:chgData name="byron dodd" userId="5f8f3b5ac755099a" providerId="LiveId" clId="{62296B02-FF6D-4E03-834C-A905267B6D21}" dt="2024-03-24T13:21:08.706" v="1915" actId="1076"/>
+          <ac:spMkLst>
+            <pc:docMk/>
+            <pc:sldMk cId="1148910802" sldId="271"/>
+            <ac:spMk id="59" creationId="{32B942D2-E5B5-51B1-EB3D-54028B7D8B44}"/>
+          </ac:spMkLst>
+        </pc:spChg>
+        <pc:spChg chg="add mod">
+          <ac:chgData name="byron dodd" userId="5f8f3b5ac755099a" providerId="LiveId" clId="{62296B02-FF6D-4E03-834C-A905267B6D21}" dt="2024-03-24T13:21:08.706" v="1915" actId="1076"/>
+          <ac:spMkLst>
+            <pc:docMk/>
+            <pc:sldMk cId="1148910802" sldId="271"/>
+            <ac:spMk id="60" creationId="{AFF3F93F-801D-C5BE-BDD7-7FFB96FACB28}"/>
+          </ac:spMkLst>
+        </pc:spChg>
+        <pc:spChg chg="add mod">
+          <ac:chgData name="byron dodd" userId="5f8f3b5ac755099a" providerId="LiveId" clId="{62296B02-FF6D-4E03-834C-A905267B6D21}" dt="2024-03-24T13:21:08.706" v="1915" actId="1076"/>
+          <ac:spMkLst>
+            <pc:docMk/>
+            <pc:sldMk cId="1148910802" sldId="271"/>
+            <ac:spMk id="66" creationId="{58344319-60CB-D581-E90B-A2B353D8707F}"/>
+          </ac:spMkLst>
+        </pc:spChg>
+        <pc:spChg chg="add mod">
+          <ac:chgData name="byron dodd" userId="5f8f3b5ac755099a" providerId="LiveId" clId="{62296B02-FF6D-4E03-834C-A905267B6D21}" dt="2024-03-24T13:21:11.722" v="1916" actId="1076"/>
+          <ac:spMkLst>
+            <pc:docMk/>
+            <pc:sldMk cId="1148910802" sldId="271"/>
+            <ac:spMk id="72" creationId="{B5626447-F07F-B7F7-5C7F-E4E914866165}"/>
+          </ac:spMkLst>
+        </pc:spChg>
+        <pc:spChg chg="add mod">
+          <ac:chgData name="byron dodd" userId="5f8f3b5ac755099a" providerId="LiveId" clId="{62296B02-FF6D-4E03-834C-A905267B6D21}" dt="2024-03-24T13:21:56.007" v="1952" actId="20577"/>
+          <ac:spMkLst>
+            <pc:docMk/>
+            <pc:sldMk cId="1148910802" sldId="271"/>
+            <ac:spMk id="73" creationId="{ECD73BBC-9E19-8958-93A4-11C102C6701D}"/>
+          </ac:spMkLst>
+        </pc:spChg>
+        <pc:spChg chg="add mod">
+          <ac:chgData name="byron dodd" userId="5f8f3b5ac755099a" providerId="LiveId" clId="{62296B02-FF6D-4E03-834C-A905267B6D21}" dt="2024-03-24T13:38:31.888" v="2018" actId="1076"/>
+          <ac:spMkLst>
+            <pc:docMk/>
+            <pc:sldMk cId="1148910802" sldId="271"/>
+            <ac:spMk id="74" creationId="{FB9DCE32-8CB7-6785-F480-1BF2A7534831}"/>
+          </ac:spMkLst>
+        </pc:spChg>
+        <pc:spChg chg="add mod">
+          <ac:chgData name="byron dodd" userId="5f8f3b5ac755099a" providerId="LiveId" clId="{62296B02-FF6D-4E03-834C-A905267B6D21}" dt="2024-03-24T13:38:31.888" v="2018" actId="1076"/>
+          <ac:spMkLst>
+            <pc:docMk/>
+            <pc:sldMk cId="1148910802" sldId="271"/>
+            <ac:spMk id="75" creationId="{27E4B88E-C343-E9F3-F820-7A3A5D788E05}"/>
+          </ac:spMkLst>
+        </pc:spChg>
+        <pc:spChg chg="add mod">
+          <ac:chgData name="byron dodd" userId="5f8f3b5ac755099a" providerId="LiveId" clId="{62296B02-FF6D-4E03-834C-A905267B6D21}" dt="2024-03-24T13:38:50.519" v="2038" actId="20577"/>
+          <ac:spMkLst>
+            <pc:docMk/>
+            <pc:sldMk cId="1148910802" sldId="271"/>
+            <ac:spMk id="76" creationId="{EB79F545-8EF5-E797-DF2D-C262C64249F9}"/>
+          </ac:spMkLst>
+        </pc:spChg>
+        <pc:spChg chg="add mod">
+          <ac:chgData name="byron dodd" userId="5f8f3b5ac755099a" providerId="LiveId" clId="{62296B02-FF6D-4E03-834C-A905267B6D21}" dt="2024-03-24T14:15:20.132" v="2111" actId="1076"/>
+          <ac:spMkLst>
+            <pc:docMk/>
+            <pc:sldMk cId="1148910802" sldId="271"/>
+            <ac:spMk id="89" creationId="{A5DB48B7-BC60-24FE-DB55-48E134D8894F}"/>
+          </ac:spMkLst>
+        </pc:spChg>
+        <pc:spChg chg="add mod">
+          <ac:chgData name="byron dodd" userId="5f8f3b5ac755099a" providerId="LiveId" clId="{62296B02-FF6D-4E03-834C-A905267B6D21}" dt="2024-03-24T14:14:39.136" v="2083" actId="20577"/>
+          <ac:spMkLst>
+            <pc:docMk/>
+            <pc:sldMk cId="1148910802" sldId="271"/>
+            <ac:spMk id="90" creationId="{2E47C568-AF2F-3A15-CFAE-E5C37E6D82C6}"/>
+          </ac:spMkLst>
+        </pc:spChg>
+        <pc:spChg chg="add mod">
+          <ac:chgData name="byron dodd" userId="5f8f3b5ac755099a" providerId="LiveId" clId="{62296B02-FF6D-4E03-834C-A905267B6D21}" dt="2024-03-24T14:15:48.945" v="2157" actId="5793"/>
+          <ac:spMkLst>
+            <pc:docMk/>
+            <pc:sldMk cId="1148910802" sldId="271"/>
+            <ac:spMk id="91" creationId="{7862F4D3-EE0D-5859-E3E1-0B0A7F61F6DF}"/>
+          </ac:spMkLst>
+        </pc:spChg>
+        <pc:spChg chg="add mod">
+          <ac:chgData name="byron dodd" userId="5f8f3b5ac755099a" providerId="LiveId" clId="{62296B02-FF6D-4E03-834C-A905267B6D21}" dt="2024-03-24T14:42:39.898" v="2174" actId="1076"/>
+          <ac:spMkLst>
+            <pc:docMk/>
+            <pc:sldMk cId="1148910802" sldId="271"/>
+            <ac:spMk id="110" creationId="{E617E735-E1C3-79DB-C5BD-2957C8A3E67C}"/>
+          </ac:spMkLst>
+        </pc:spChg>
+        <pc:spChg chg="add mod">
+          <ac:chgData name="byron dodd" userId="5f8f3b5ac755099a" providerId="LiveId" clId="{62296B02-FF6D-4E03-834C-A905267B6D21}" dt="2024-03-24T14:42:53.189" v="2177" actId="1076"/>
+          <ac:spMkLst>
+            <pc:docMk/>
+            <pc:sldMk cId="1148910802" sldId="271"/>
+            <ac:spMk id="112" creationId="{806D8DD3-D019-30CC-F010-BABD710E4B3B}"/>
+          </ac:spMkLst>
+        </pc:spChg>
+        <pc:cxnChg chg="add mod">
+          <ac:chgData name="byron dodd" userId="5f8f3b5ac755099a" providerId="LiveId" clId="{62296B02-FF6D-4E03-834C-A905267B6D21}" dt="2024-03-24T13:09:40.403" v="1691" actId="1076"/>
+          <ac:cxnSpMkLst>
+            <pc:docMk/>
+            <pc:sldMk cId="1148910802" sldId="271"/>
+            <ac:cxnSpMk id="8" creationId="{0502E72E-D8C5-C41E-403C-4F1EBB4347F6}"/>
+          </ac:cxnSpMkLst>
+        </pc:cxnChg>
+        <pc:cxnChg chg="add mod">
+          <ac:chgData name="byron dodd" userId="5f8f3b5ac755099a" providerId="LiveId" clId="{62296B02-FF6D-4E03-834C-A905267B6D21}" dt="2024-03-24T13:09:40.403" v="1691" actId="1076"/>
+          <ac:cxnSpMkLst>
+            <pc:docMk/>
+            <pc:sldMk cId="1148910802" sldId="271"/>
+            <ac:cxnSpMk id="10" creationId="{743DB54D-4351-BE22-2305-A9ECC0EAB8C6}"/>
+          </ac:cxnSpMkLst>
+        </pc:cxnChg>
+        <pc:cxnChg chg="add mod">
+          <ac:chgData name="byron dodd" userId="5f8f3b5ac755099a" providerId="LiveId" clId="{62296B02-FF6D-4E03-834C-A905267B6D21}" dt="2024-03-24T13:09:40.403" v="1691" actId="1076"/>
+          <ac:cxnSpMkLst>
+            <pc:docMk/>
+            <pc:sldMk cId="1148910802" sldId="271"/>
+            <ac:cxnSpMk id="12" creationId="{105C5D18-4AD0-BDD3-B955-93FF621E2880}"/>
+          </ac:cxnSpMkLst>
+        </pc:cxnChg>
+        <pc:cxnChg chg="add mod">
+          <ac:chgData name="byron dodd" userId="5f8f3b5ac755099a" providerId="LiveId" clId="{62296B02-FF6D-4E03-834C-A905267B6D21}" dt="2024-03-24T13:09:40.403" v="1691" actId="1076"/>
+          <ac:cxnSpMkLst>
+            <pc:docMk/>
+            <pc:sldMk cId="1148910802" sldId="271"/>
+            <ac:cxnSpMk id="17" creationId="{F8B4946C-5274-20F4-A510-99BD151F1467}"/>
+          </ac:cxnSpMkLst>
+        </pc:cxnChg>
+        <pc:cxnChg chg="add">
+          <ac:chgData name="byron dodd" userId="5f8f3b5ac755099a" providerId="LiveId" clId="{62296B02-FF6D-4E03-834C-A905267B6D21}" dt="2024-03-24T13:10:06.176" v="1701" actId="11529"/>
+          <ac:cxnSpMkLst>
+            <pc:docMk/>
+            <pc:sldMk cId="1148910802" sldId="271"/>
+            <ac:cxnSpMk id="22" creationId="{A9467053-A2CC-C299-EED8-56D194F5297D}"/>
+          </ac:cxnSpMkLst>
+        </pc:cxnChg>
+        <pc:cxnChg chg="add mod">
+          <ac:chgData name="byron dodd" userId="5f8f3b5ac755099a" providerId="LiveId" clId="{62296B02-FF6D-4E03-834C-A905267B6D21}" dt="2024-03-24T13:16:03.541" v="1835" actId="14100"/>
+          <ac:cxnSpMkLst>
+            <pc:docMk/>
+            <pc:sldMk cId="1148910802" sldId="271"/>
+            <ac:cxnSpMk id="25" creationId="{E19E4586-B766-EAB3-FBEF-AB7469F886BC}"/>
+          </ac:cxnSpMkLst>
+        </pc:cxnChg>
+        <pc:cxnChg chg="add mod">
+          <ac:chgData name="byron dodd" userId="5f8f3b5ac755099a" providerId="LiveId" clId="{62296B02-FF6D-4E03-834C-A905267B6D21}" dt="2024-03-24T13:16:07.483" v="1836" actId="14100"/>
+          <ac:cxnSpMkLst>
+            <pc:docMk/>
+            <pc:sldMk cId="1148910802" sldId="271"/>
+            <ac:cxnSpMk id="27" creationId="{B13A83CA-0ACE-6151-EFED-A8FF0B337020}"/>
+          </ac:cxnSpMkLst>
+        </pc:cxnChg>
+        <pc:cxnChg chg="add mod">
+          <ac:chgData name="byron dodd" userId="5f8f3b5ac755099a" providerId="LiveId" clId="{62296B02-FF6D-4E03-834C-A905267B6D21}" dt="2024-03-24T13:15:53.597" v="1833" actId="1076"/>
+          <ac:cxnSpMkLst>
+            <pc:docMk/>
+            <pc:sldMk cId="1148910802" sldId="271"/>
+            <ac:cxnSpMk id="33" creationId="{99667446-2DB7-025D-3BD0-5A552662AFAB}"/>
+          </ac:cxnSpMkLst>
+        </pc:cxnChg>
+        <pc:cxnChg chg="add mod">
+          <ac:chgData name="byron dodd" userId="5f8f3b5ac755099a" providerId="LiveId" clId="{62296B02-FF6D-4E03-834C-A905267B6D21}" dt="2024-03-24T13:15:53.597" v="1833" actId="1076"/>
+          <ac:cxnSpMkLst>
+            <pc:docMk/>
+            <pc:sldMk cId="1148910802" sldId="271"/>
+            <ac:cxnSpMk id="34" creationId="{AC64D075-70D1-D232-793F-786C54FA9837}"/>
+          </ac:cxnSpMkLst>
+        </pc:cxnChg>
+        <pc:cxnChg chg="add mod">
+          <ac:chgData name="byron dodd" userId="5f8f3b5ac755099a" providerId="LiveId" clId="{62296B02-FF6D-4E03-834C-A905267B6D21}" dt="2024-03-24T13:16:50.602" v="1841" actId="14100"/>
+          <ac:cxnSpMkLst>
+            <pc:docMk/>
+            <pc:sldMk cId="1148910802" sldId="271"/>
+            <ac:cxnSpMk id="35" creationId="{9C1B7565-F309-9B65-74E7-9A2C8C9DE6CA}"/>
+          </ac:cxnSpMkLst>
+        </pc:cxnChg>
+        <pc:cxnChg chg="add del mod">
+          <ac:chgData name="byron dodd" userId="5f8f3b5ac755099a" providerId="LiveId" clId="{62296B02-FF6D-4E03-834C-A905267B6D21}" dt="2024-03-24T13:13:43.568" v="1791" actId="478"/>
+          <ac:cxnSpMkLst>
+            <pc:docMk/>
+            <pc:sldMk cId="1148910802" sldId="271"/>
+            <ac:cxnSpMk id="36" creationId="{9CA49D33-4E21-968B-F87D-F95B12447521}"/>
+          </ac:cxnSpMkLst>
+        </pc:cxnChg>
+        <pc:cxnChg chg="add mod">
+          <ac:chgData name="byron dodd" userId="5f8f3b5ac755099a" providerId="LiveId" clId="{62296B02-FF6D-4E03-834C-A905267B6D21}" dt="2024-03-24T13:15:53.597" v="1833" actId="1076"/>
+          <ac:cxnSpMkLst>
+            <pc:docMk/>
+            <pc:sldMk cId="1148910802" sldId="271"/>
+            <ac:cxnSpMk id="40" creationId="{3C9B8B74-EDCA-D5B8-C7DB-5471F389BCA1}"/>
+          </ac:cxnSpMkLst>
+        </pc:cxnChg>
+        <pc:cxnChg chg="add mod">
+          <ac:chgData name="byron dodd" userId="5f8f3b5ac755099a" providerId="LiveId" clId="{62296B02-FF6D-4E03-834C-A905267B6D21}" dt="2024-03-24T13:14:41.671" v="1810" actId="14100"/>
+          <ac:cxnSpMkLst>
+            <pc:docMk/>
+            <pc:sldMk cId="1148910802" sldId="271"/>
+            <ac:cxnSpMk id="41" creationId="{9A61841D-A631-B16A-F88F-EC4069F3A084}"/>
+          </ac:cxnSpMkLst>
+        </pc:cxnChg>
+        <pc:cxnChg chg="add">
+          <ac:chgData name="byron dodd" userId="5f8f3b5ac755099a" providerId="LiveId" clId="{62296B02-FF6D-4E03-834C-A905267B6D21}" dt="2024-03-24T13:16:25.135" v="1838" actId="11529"/>
+          <ac:cxnSpMkLst>
+            <pc:docMk/>
+            <pc:sldMk cId="1148910802" sldId="271"/>
+            <ac:cxnSpMk id="50" creationId="{B792EEA0-BB1C-3EC2-E938-1ED97BA27A86}"/>
+          </ac:cxnSpMkLst>
+        </pc:cxnChg>
+        <pc:cxnChg chg="add">
+          <ac:chgData name="byron dodd" userId="5f8f3b5ac755099a" providerId="LiveId" clId="{62296B02-FF6D-4E03-834C-A905267B6D21}" dt="2024-03-24T13:16:29.440" v="1839" actId="11529"/>
+          <ac:cxnSpMkLst>
+            <pc:docMk/>
+            <pc:sldMk cId="1148910802" sldId="271"/>
+            <ac:cxnSpMk id="52" creationId="{DF06F2F2-7FF9-5274-9D60-918290D1053C}"/>
+          </ac:cxnSpMkLst>
+        </pc:cxnChg>
+        <pc:cxnChg chg="add">
+          <ac:chgData name="byron dodd" userId="5f8f3b5ac755099a" providerId="LiveId" clId="{62296B02-FF6D-4E03-834C-A905267B6D21}" dt="2024-03-24T13:16:57.193" v="1842" actId="11529"/>
+          <ac:cxnSpMkLst>
+            <pc:docMk/>
+            <pc:sldMk cId="1148910802" sldId="271"/>
+            <ac:cxnSpMk id="55" creationId="{AB03A1D7-460A-0059-654F-86CCC526FAF6}"/>
+          </ac:cxnSpMkLst>
+        </pc:cxnChg>
+        <pc:cxnChg chg="add mod">
+          <ac:chgData name="byron dodd" userId="5f8f3b5ac755099a" providerId="LiveId" clId="{62296B02-FF6D-4E03-834C-A905267B6D21}" dt="2024-03-24T13:21:08.706" v="1915" actId="1076"/>
+          <ac:cxnSpMkLst>
+            <pc:docMk/>
+            <pc:sldMk cId="1148910802" sldId="271"/>
+            <ac:cxnSpMk id="61" creationId="{C2338A78-CA7A-A025-388D-716B67775B42}"/>
+          </ac:cxnSpMkLst>
+        </pc:cxnChg>
+        <pc:cxnChg chg="add mod">
+          <ac:chgData name="byron dodd" userId="5f8f3b5ac755099a" providerId="LiveId" clId="{62296B02-FF6D-4E03-834C-A905267B6D21}" dt="2024-03-24T13:21:08.706" v="1915" actId="1076"/>
+          <ac:cxnSpMkLst>
+            <pc:docMk/>
+            <pc:sldMk cId="1148910802" sldId="271"/>
+            <ac:cxnSpMk id="62" creationId="{E33CB9F4-404C-E03B-48D3-98D9E9587452}"/>
+          </ac:cxnSpMkLst>
+        </pc:cxnChg>
+        <pc:cxnChg chg="add mod">
+          <ac:chgData name="byron dodd" userId="5f8f3b5ac755099a" providerId="LiveId" clId="{62296B02-FF6D-4E03-834C-A905267B6D21}" dt="2024-03-24T13:21:08.706" v="1915" actId="1076"/>
+          <ac:cxnSpMkLst>
+            <pc:docMk/>
+            <pc:sldMk cId="1148910802" sldId="271"/>
+            <ac:cxnSpMk id="63" creationId="{B17D238F-7913-112C-2E19-39E5BA6C22D0}"/>
+          </ac:cxnSpMkLst>
+        </pc:cxnChg>
+        <pc:cxnChg chg="add del mod">
+          <ac:chgData name="byron dodd" userId="5f8f3b5ac755099a" providerId="LiveId" clId="{62296B02-FF6D-4E03-834C-A905267B6D21}" dt="2024-03-24T13:21:01.203" v="1913" actId="478"/>
+          <ac:cxnSpMkLst>
+            <pc:docMk/>
+            <pc:sldMk cId="1148910802" sldId="271"/>
+            <ac:cxnSpMk id="64" creationId="{E19E809D-4B98-E486-7B63-BB908FF7EC94}"/>
+          </ac:cxnSpMkLst>
+        </pc:cxnChg>
+        <pc:cxnChg chg="add mod">
+          <ac:chgData name="byron dodd" userId="5f8f3b5ac755099a" providerId="LiveId" clId="{62296B02-FF6D-4E03-834C-A905267B6D21}" dt="2024-03-24T13:21:08.706" v="1915" actId="1076"/>
+          <ac:cxnSpMkLst>
+            <pc:docMk/>
+            <pc:sldMk cId="1148910802" sldId="271"/>
+            <ac:cxnSpMk id="65" creationId="{499F66C1-DEFA-F9E8-5BD9-F085B5C7B428}"/>
+          </ac:cxnSpMkLst>
+        </pc:cxnChg>
+        <pc:cxnChg chg="add mod">
+          <ac:chgData name="byron dodd" userId="5f8f3b5ac755099a" providerId="LiveId" clId="{62296B02-FF6D-4E03-834C-A905267B6D21}" dt="2024-03-24T13:21:08.706" v="1915" actId="1076"/>
+          <ac:cxnSpMkLst>
+            <pc:docMk/>
+            <pc:sldMk cId="1148910802" sldId="271"/>
+            <ac:cxnSpMk id="67" creationId="{A419E059-758F-B99D-0561-6A245342CCE8}"/>
+          </ac:cxnSpMkLst>
+        </pc:cxnChg>
+        <pc:cxnChg chg="add mod">
+          <ac:chgData name="byron dodd" userId="5f8f3b5ac755099a" providerId="LiveId" clId="{62296B02-FF6D-4E03-834C-A905267B6D21}" dt="2024-03-24T13:21:08.706" v="1915" actId="1076"/>
+          <ac:cxnSpMkLst>
+            <pc:docMk/>
+            <pc:sldMk cId="1148910802" sldId="271"/>
+            <ac:cxnSpMk id="68" creationId="{BB8583EB-DA5B-70D4-FA3B-8BB6A73CC975}"/>
+          </ac:cxnSpMkLst>
+        </pc:cxnChg>
+        <pc:cxnChg chg="add mod">
+          <ac:chgData name="byron dodd" userId="5f8f3b5ac755099a" providerId="LiveId" clId="{62296B02-FF6D-4E03-834C-A905267B6D21}" dt="2024-03-24T13:21:08.706" v="1915" actId="1076"/>
+          <ac:cxnSpMkLst>
+            <pc:docMk/>
+            <pc:sldMk cId="1148910802" sldId="271"/>
+            <ac:cxnSpMk id="69" creationId="{53BC106B-7525-D1EF-39CD-BAAB69108755}"/>
+          </ac:cxnSpMkLst>
+        </pc:cxnChg>
+        <pc:cxnChg chg="add mod">
+          <ac:chgData name="byron dodd" userId="5f8f3b5ac755099a" providerId="LiveId" clId="{62296B02-FF6D-4E03-834C-A905267B6D21}" dt="2024-03-24T13:38:31.888" v="2018" actId="1076"/>
+          <ac:cxnSpMkLst>
+            <pc:docMk/>
+            <pc:sldMk cId="1148910802" sldId="271"/>
+            <ac:cxnSpMk id="78" creationId="{1D30E20D-7E82-5458-6911-A6A8AB0C3164}"/>
+          </ac:cxnSpMkLst>
+        </pc:cxnChg>
+        <pc:cxnChg chg="add mod">
+          <ac:chgData name="byron dodd" userId="5f8f3b5ac755099a" providerId="LiveId" clId="{62296B02-FF6D-4E03-834C-A905267B6D21}" dt="2024-03-24T13:38:31.888" v="2018" actId="1076"/>
+          <ac:cxnSpMkLst>
+            <pc:docMk/>
+            <pc:sldMk cId="1148910802" sldId="271"/>
+            <ac:cxnSpMk id="80" creationId="{12A48F5F-80A3-21FB-C98C-FA7C6407DD0A}"/>
+          </ac:cxnSpMkLst>
+        </pc:cxnChg>
+        <pc:cxnChg chg="add mod">
+          <ac:chgData name="byron dodd" userId="5f8f3b5ac755099a" providerId="LiveId" clId="{62296B02-FF6D-4E03-834C-A905267B6D21}" dt="2024-03-24T13:38:31.888" v="2018" actId="1076"/>
+          <ac:cxnSpMkLst>
+            <pc:docMk/>
+            <pc:sldMk cId="1148910802" sldId="271"/>
+            <ac:cxnSpMk id="82" creationId="{8F2C22B8-31FF-5801-6C07-1251B40E2A2D}"/>
+          </ac:cxnSpMkLst>
+        </pc:cxnChg>
+        <pc:cxnChg chg="add mod">
+          <ac:chgData name="byron dodd" userId="5f8f3b5ac755099a" providerId="LiveId" clId="{62296B02-FF6D-4E03-834C-A905267B6D21}" dt="2024-03-24T13:38:31.888" v="2018" actId="1076"/>
+          <ac:cxnSpMkLst>
+            <pc:docMk/>
+            <pc:sldMk cId="1148910802" sldId="271"/>
+            <ac:cxnSpMk id="84" creationId="{92D4A13F-8ACF-0559-CF02-8126EEC2BD2C}"/>
+          </ac:cxnSpMkLst>
+        </pc:cxnChg>
+        <pc:cxnChg chg="add">
+          <ac:chgData name="byron dodd" userId="5f8f3b5ac755099a" providerId="LiveId" clId="{62296B02-FF6D-4E03-834C-A905267B6D21}" dt="2024-03-24T13:38:57.689" v="2039" actId="11529"/>
+          <ac:cxnSpMkLst>
+            <pc:docMk/>
+            <pc:sldMk cId="1148910802" sldId="271"/>
+            <ac:cxnSpMk id="86" creationId="{48315883-292E-59FC-8E8B-47EACAB542DC}"/>
+          </ac:cxnSpMkLst>
+        </pc:cxnChg>
+        <pc:cxnChg chg="add">
+          <ac:chgData name="byron dodd" userId="5f8f3b5ac755099a" providerId="LiveId" clId="{62296B02-FF6D-4E03-834C-A905267B6D21}" dt="2024-03-24T13:39:02.420" v="2040" actId="11529"/>
+          <ac:cxnSpMkLst>
+            <pc:docMk/>
+            <pc:sldMk cId="1148910802" sldId="271"/>
+            <ac:cxnSpMk id="88" creationId="{7AFF5187-6B64-BC04-3A5A-BE8FB9C50D02}"/>
+          </ac:cxnSpMkLst>
+        </pc:cxnChg>
+        <pc:cxnChg chg="add">
+          <ac:chgData name="byron dodd" userId="5f8f3b5ac755099a" providerId="LiveId" clId="{62296B02-FF6D-4E03-834C-A905267B6D21}" dt="2024-03-24T14:16:00.670" v="2158" actId="11529"/>
+          <ac:cxnSpMkLst>
+            <pc:docMk/>
+            <pc:sldMk cId="1148910802" sldId="271"/>
+            <ac:cxnSpMk id="93" creationId="{5E06B807-603C-8D95-AC39-3175549A9678}"/>
+          </ac:cxnSpMkLst>
+        </pc:cxnChg>
+        <pc:cxnChg chg="add">
+          <ac:chgData name="byron dodd" userId="5f8f3b5ac755099a" providerId="LiveId" clId="{62296B02-FF6D-4E03-834C-A905267B6D21}" dt="2024-03-24T14:16:06.625" v="2159" actId="11529"/>
+          <ac:cxnSpMkLst>
+            <pc:docMk/>
+            <pc:sldMk cId="1148910802" sldId="271"/>
+            <ac:cxnSpMk id="95" creationId="{39E3B15B-B944-E6D4-D848-6170FA4C6B1C}"/>
+          </ac:cxnSpMkLst>
+        </pc:cxnChg>
+        <pc:cxnChg chg="add">
+          <ac:chgData name="byron dodd" userId="5f8f3b5ac755099a" providerId="LiveId" clId="{62296B02-FF6D-4E03-834C-A905267B6D21}" dt="2024-03-24T14:16:13.927" v="2160" actId="11529"/>
+          <ac:cxnSpMkLst>
+            <pc:docMk/>
+            <pc:sldMk cId="1148910802" sldId="271"/>
+            <ac:cxnSpMk id="97" creationId="{BFD6AD9F-D7B3-711A-7063-E2C6EFECB9B3}"/>
+          </ac:cxnSpMkLst>
+        </pc:cxnChg>
+        <pc:cxnChg chg="add">
+          <ac:chgData name="byron dodd" userId="5f8f3b5ac755099a" providerId="LiveId" clId="{62296B02-FF6D-4E03-834C-A905267B6D21}" dt="2024-03-24T14:16:18.515" v="2161" actId="11529"/>
+          <ac:cxnSpMkLst>
+            <pc:docMk/>
+            <pc:sldMk cId="1148910802" sldId="271"/>
+            <ac:cxnSpMk id="99" creationId="{988E151A-42C3-03FB-00F3-A994FCDFF9CA}"/>
+          </ac:cxnSpMkLst>
+        </pc:cxnChg>
+        <pc:cxnChg chg="add del">
+          <ac:chgData name="byron dodd" userId="5f8f3b5ac755099a" providerId="LiveId" clId="{62296B02-FF6D-4E03-834C-A905267B6D21}" dt="2024-03-24T14:16:22.177" v="2163" actId="478"/>
+          <ac:cxnSpMkLst>
+            <pc:docMk/>
+            <pc:sldMk cId="1148910802" sldId="271"/>
+            <ac:cxnSpMk id="101" creationId="{E255A598-5BBD-74AA-673D-205216D92304}"/>
+          </ac:cxnSpMkLst>
+        </pc:cxnChg>
+        <pc:cxnChg chg="add">
+          <ac:chgData name="byron dodd" userId="5f8f3b5ac755099a" providerId="LiveId" clId="{62296B02-FF6D-4E03-834C-A905267B6D21}" dt="2024-03-24T14:16:30.412" v="2164" actId="11529"/>
+          <ac:cxnSpMkLst>
+            <pc:docMk/>
+            <pc:sldMk cId="1148910802" sldId="271"/>
+            <ac:cxnSpMk id="103" creationId="{A0733CD2-370E-3327-5C0F-40DC89498755}"/>
+          </ac:cxnSpMkLst>
+        </pc:cxnChg>
+        <pc:cxnChg chg="add mod">
+          <ac:chgData name="byron dodd" userId="5f8f3b5ac755099a" providerId="LiveId" clId="{62296B02-FF6D-4E03-834C-A905267B6D21}" dt="2024-03-24T14:37:00.762" v="2171" actId="14100"/>
+          <ac:cxnSpMkLst>
+            <pc:docMk/>
+            <pc:sldMk cId="1148910802" sldId="271"/>
+            <ac:cxnSpMk id="104" creationId="{5279ACB2-B0FC-B453-8ACC-935D7F902EC5}"/>
+          </ac:cxnSpMkLst>
+        </pc:cxnChg>
+        <pc:cxnChg chg="add del">
+          <ac:chgData name="byron dodd" userId="5f8f3b5ac755099a" providerId="LiveId" clId="{62296B02-FF6D-4E03-834C-A905267B6D21}" dt="2024-03-24T14:36:05.660" v="2169" actId="11529"/>
+          <ac:cxnSpMkLst>
+            <pc:docMk/>
+            <pc:sldMk cId="1148910802" sldId="271"/>
+            <ac:cxnSpMk id="108" creationId="{9638DF27-8A82-7103-4BF3-4DF47FA0B024}"/>
+          </ac:cxnSpMkLst>
+        </pc:cxnChg>
+        <pc:cxnChg chg="add mod">
+          <ac:chgData name="byron dodd" userId="5f8f3b5ac755099a" providerId="LiveId" clId="{62296B02-FF6D-4E03-834C-A905267B6D21}" dt="2024-03-24T14:42:58.744" v="2180" actId="14100"/>
+          <ac:cxnSpMkLst>
+            <pc:docMk/>
+            <pc:sldMk cId="1148910802" sldId="271"/>
+            <ac:cxnSpMk id="113" creationId="{217F3CC7-30E5-607B-0F7A-B59578E257BF}"/>
+          </ac:cxnSpMkLst>
+        </pc:cxnChg>
       </pc:sldChg>
     </pc:docChg>
   </pc:docChgLst>
@@ -2442,7 +3128,7 @@
           <a:p>
             <a:fld id="{EF65BAF8-CD10-4897-980A-0A7E77145E05}" type="datetimeFigureOut">
               <a:rPr lang="en-GB" smtClean="0"/>
-              <a:t>09/03/2024</a:t>
+              <a:t>24/03/2024</a:t>
             </a:fld>
             <a:endParaRPr lang="en-GB"/>
           </a:p>
@@ -2642,7 +3328,7 @@
           <a:p>
             <a:fld id="{EF65BAF8-CD10-4897-980A-0A7E77145E05}" type="datetimeFigureOut">
               <a:rPr lang="en-GB" smtClean="0"/>
-              <a:t>09/03/2024</a:t>
+              <a:t>24/03/2024</a:t>
             </a:fld>
             <a:endParaRPr lang="en-GB"/>
           </a:p>
@@ -2852,7 +3538,7 @@
           <a:p>
             <a:fld id="{EF65BAF8-CD10-4897-980A-0A7E77145E05}" type="datetimeFigureOut">
               <a:rPr lang="en-GB" smtClean="0"/>
-              <a:t>09/03/2024</a:t>
+              <a:t>24/03/2024</a:t>
             </a:fld>
             <a:endParaRPr lang="en-GB"/>
           </a:p>
@@ -3052,7 +3738,7 @@
           <a:p>
             <a:fld id="{EF65BAF8-CD10-4897-980A-0A7E77145E05}" type="datetimeFigureOut">
               <a:rPr lang="en-GB" smtClean="0"/>
-              <a:t>09/03/2024</a:t>
+              <a:t>24/03/2024</a:t>
             </a:fld>
             <a:endParaRPr lang="en-GB"/>
           </a:p>
@@ -3328,7 +4014,7 @@
           <a:p>
             <a:fld id="{EF65BAF8-CD10-4897-980A-0A7E77145E05}" type="datetimeFigureOut">
               <a:rPr lang="en-GB" smtClean="0"/>
-              <a:t>09/03/2024</a:t>
+              <a:t>24/03/2024</a:t>
             </a:fld>
             <a:endParaRPr lang="en-GB"/>
           </a:p>
@@ -3596,7 +4282,7 @@
           <a:p>
             <a:fld id="{EF65BAF8-CD10-4897-980A-0A7E77145E05}" type="datetimeFigureOut">
               <a:rPr lang="en-GB" smtClean="0"/>
-              <a:t>09/03/2024</a:t>
+              <a:t>24/03/2024</a:t>
             </a:fld>
             <a:endParaRPr lang="en-GB"/>
           </a:p>
@@ -4011,7 +4697,7 @@
           <a:p>
             <a:fld id="{EF65BAF8-CD10-4897-980A-0A7E77145E05}" type="datetimeFigureOut">
               <a:rPr lang="en-GB" smtClean="0"/>
-              <a:t>09/03/2024</a:t>
+              <a:t>24/03/2024</a:t>
             </a:fld>
             <a:endParaRPr lang="en-GB"/>
           </a:p>
@@ -4153,7 +4839,7 @@
           <a:p>
             <a:fld id="{EF65BAF8-CD10-4897-980A-0A7E77145E05}" type="datetimeFigureOut">
               <a:rPr lang="en-GB" smtClean="0"/>
-              <a:t>09/03/2024</a:t>
+              <a:t>24/03/2024</a:t>
             </a:fld>
             <a:endParaRPr lang="en-GB"/>
           </a:p>
@@ -4266,7 +4952,7 @@
           <a:p>
             <a:fld id="{EF65BAF8-CD10-4897-980A-0A7E77145E05}" type="datetimeFigureOut">
               <a:rPr lang="en-GB" smtClean="0"/>
-              <a:t>09/03/2024</a:t>
+              <a:t>24/03/2024</a:t>
             </a:fld>
             <a:endParaRPr lang="en-GB"/>
           </a:p>
@@ -4579,7 +5265,7 @@
           <a:p>
             <a:fld id="{EF65BAF8-CD10-4897-980A-0A7E77145E05}" type="datetimeFigureOut">
               <a:rPr lang="en-GB" smtClean="0"/>
-              <a:t>09/03/2024</a:t>
+              <a:t>24/03/2024</a:t>
             </a:fld>
             <a:endParaRPr lang="en-GB"/>
           </a:p>
@@ -4868,7 +5554,7 @@
           <a:p>
             <a:fld id="{EF65BAF8-CD10-4897-980A-0A7E77145E05}" type="datetimeFigureOut">
               <a:rPr lang="en-GB" smtClean="0"/>
-              <a:t>09/03/2024</a:t>
+              <a:t>24/03/2024</a:t>
             </a:fld>
             <a:endParaRPr lang="en-GB"/>
           </a:p>
@@ -5111,7 +5797,7 @@
           <a:p>
             <a:fld id="{EF65BAF8-CD10-4897-980A-0A7E77145E05}" type="datetimeFigureOut">
               <a:rPr lang="en-GB" smtClean="0"/>
-              <a:t>09/03/2024</a:t>
+              <a:t>24/03/2024</a:t>
             </a:fld>
             <a:endParaRPr lang="en-GB"/>
           </a:p>
@@ -8433,6 +9119,47 @@
           </a:fontRef>
         </p:style>
       </p:cxnSp>
+      <p:cxnSp>
+        <p:nvCxnSpPr>
+          <p:cNvPr id="2" name="Straight Arrow Connector 1">
+            <a:extLst>
+              <a:ext uri="{FF2B5EF4-FFF2-40B4-BE49-F238E27FC236}">
+                <a16:creationId xmlns:a16="http://schemas.microsoft.com/office/drawing/2014/main" id="{7F0435F9-689F-A272-0F3B-7C63F4028B65}"/>
+              </a:ext>
+            </a:extLst>
+          </p:cNvPr>
+          <p:cNvCxnSpPr>
+            <a:cxnSpLocks/>
+          </p:cNvCxnSpPr>
+          <p:nvPr/>
+        </p:nvCxnSpPr>
+        <p:spPr>
+          <a:xfrm flipV="1">
+            <a:off x="7289910" y="2975845"/>
+            <a:ext cx="1260764" cy="47312"/>
+          </a:xfrm>
+          <a:prstGeom prst="straightConnector1">
+            <a:avLst/>
+          </a:prstGeom>
+          <a:ln>
+            <a:tailEnd type="triangle"/>
+          </a:ln>
+        </p:spPr>
+        <p:style>
+          <a:lnRef idx="2">
+            <a:schemeClr val="dk1"/>
+          </a:lnRef>
+          <a:fillRef idx="0">
+            <a:schemeClr val="dk1"/>
+          </a:fillRef>
+          <a:effectRef idx="1">
+            <a:schemeClr val="dk1"/>
+          </a:effectRef>
+          <a:fontRef idx="minor">
+            <a:schemeClr val="tx1"/>
+          </a:fontRef>
+        </p:style>
+      </p:cxnSp>
     </p:spTree>
     <p:extLst>
       <p:ext uri="{BB962C8B-B14F-4D97-AF65-F5344CB8AC3E}">
@@ -8477,8 +9204,8 @@
         </p:nvSpPr>
         <p:spPr>
           <a:xfrm>
-            <a:off x="3045041" y="1686757"/>
-            <a:ext cx="5495277" cy="369332"/>
+            <a:off x="1482571" y="603681"/>
+            <a:ext cx="1313895" cy="369332"/>
           </a:xfrm>
           <a:prstGeom prst="rect">
             <a:avLst/>
@@ -8493,15 +9220,2988 @@
           <a:p>
             <a:r>
               <a:rPr lang="en-GB" dirty="0"/>
-              <a:t>Jacket stuff </a:t>
-            </a:r>
-          </a:p>
-        </p:txBody>
-      </p:sp>
+              <a:t>If jacketed</a:t>
+            </a:r>
+          </a:p>
+        </p:txBody>
+      </p:sp>
+      <p:sp>
+        <p:nvSpPr>
+          <p:cNvPr id="2" name="TextBox 1">
+            <a:extLst>
+              <a:ext uri="{FF2B5EF4-FFF2-40B4-BE49-F238E27FC236}">
+                <a16:creationId xmlns:a16="http://schemas.microsoft.com/office/drawing/2014/main" id="{B7A12954-7D35-8755-902F-1A85B45F300C}"/>
+              </a:ext>
+            </a:extLst>
+          </p:cNvPr>
+          <p:cNvSpPr txBox="1"/>
+          <p:nvPr/>
+        </p:nvSpPr>
+        <p:spPr>
+          <a:xfrm>
+            <a:off x="1162975" y="1269507"/>
+            <a:ext cx="1402672" cy="1477328"/>
+          </a:xfrm>
+          <a:prstGeom prst="rect">
+            <a:avLst/>
+          </a:prstGeom>
+          <a:noFill/>
+        </p:spPr>
+        <p:txBody>
+          <a:bodyPr wrap="square" rtlCol="0">
+            <a:spAutoFit/>
+          </a:bodyPr>
+          <a:lstStyle/>
+          <a:p>
+            <a:r>
+              <a:rPr lang="en-GB" dirty="0"/>
+              <a:t>F </a:t>
+            </a:r>
+            <a:r>
+              <a:rPr lang="en-GB" dirty="0" err="1"/>
+              <a:t>uin</a:t>
+            </a:r>
+            <a:endParaRPr lang="en-GB" dirty="0"/>
+          </a:p>
+          <a:p>
+            <a:endParaRPr lang="en-GB" dirty="0"/>
+          </a:p>
+          <a:p>
+            <a:r>
+              <a:rPr lang="en-GB" dirty="0"/>
+              <a:t>T </a:t>
+            </a:r>
+            <a:r>
+              <a:rPr lang="en-GB" dirty="0" err="1"/>
+              <a:t>uin</a:t>
+            </a:r>
+            <a:endParaRPr lang="en-GB" dirty="0"/>
+          </a:p>
+          <a:p>
+            <a:endParaRPr lang="en-GB" dirty="0"/>
+          </a:p>
+          <a:p>
+            <a:r>
+              <a:rPr lang="en-GB" dirty="0"/>
+              <a:t>P </a:t>
+            </a:r>
+            <a:r>
+              <a:rPr lang="en-GB" dirty="0" err="1"/>
+              <a:t>uin</a:t>
+            </a:r>
+            <a:endParaRPr lang="en-GB" dirty="0"/>
+          </a:p>
+        </p:txBody>
+      </p:sp>
+      <p:sp>
+        <p:nvSpPr>
+          <p:cNvPr id="3" name="TextBox 2">
+            <a:extLst>
+              <a:ext uri="{FF2B5EF4-FFF2-40B4-BE49-F238E27FC236}">
+                <a16:creationId xmlns:a16="http://schemas.microsoft.com/office/drawing/2014/main" id="{363A7D98-ED3B-B1A5-93E5-B6BB2DC9E106}"/>
+              </a:ext>
+            </a:extLst>
+          </p:cNvPr>
+          <p:cNvSpPr txBox="1"/>
+          <p:nvPr/>
+        </p:nvSpPr>
+        <p:spPr>
+          <a:xfrm>
+            <a:off x="4271639" y="1269507"/>
+            <a:ext cx="1402672" cy="1477328"/>
+          </a:xfrm>
+          <a:prstGeom prst="rect">
+            <a:avLst/>
+          </a:prstGeom>
+          <a:noFill/>
+        </p:spPr>
+        <p:txBody>
+          <a:bodyPr wrap="square" rtlCol="0">
+            <a:spAutoFit/>
+          </a:bodyPr>
+          <a:lstStyle/>
+          <a:p>
+            <a:r>
+              <a:rPr lang="en-GB" dirty="0"/>
+              <a:t>F </a:t>
+            </a:r>
+            <a:r>
+              <a:rPr lang="en-GB" dirty="0" err="1"/>
+              <a:t>uout</a:t>
+            </a:r>
+            <a:endParaRPr lang="en-GB" dirty="0"/>
+          </a:p>
+          <a:p>
+            <a:endParaRPr lang="en-GB" dirty="0"/>
+          </a:p>
+          <a:p>
+            <a:r>
+              <a:rPr lang="en-GB" dirty="0"/>
+              <a:t>T </a:t>
+            </a:r>
+            <a:r>
+              <a:rPr lang="en-GB" dirty="0" err="1"/>
+              <a:t>uout</a:t>
+            </a:r>
+            <a:endParaRPr lang="en-GB" dirty="0"/>
+          </a:p>
+          <a:p>
+            <a:endParaRPr lang="en-GB" dirty="0"/>
+          </a:p>
+          <a:p>
+            <a:r>
+              <a:rPr lang="en-GB" dirty="0"/>
+              <a:t>P </a:t>
+            </a:r>
+            <a:r>
+              <a:rPr lang="en-GB" dirty="0" err="1"/>
+              <a:t>uout</a:t>
+            </a:r>
+            <a:endParaRPr lang="en-GB" dirty="0"/>
+          </a:p>
+        </p:txBody>
+      </p:sp>
+      <p:sp>
+        <p:nvSpPr>
+          <p:cNvPr id="5" name="TextBox 4">
+            <a:extLst>
+              <a:ext uri="{FF2B5EF4-FFF2-40B4-BE49-F238E27FC236}">
+                <a16:creationId xmlns:a16="http://schemas.microsoft.com/office/drawing/2014/main" id="{67ACF857-897D-5B76-73DF-5F28B9A03C09}"/>
+              </a:ext>
+            </a:extLst>
+          </p:cNvPr>
+          <p:cNvSpPr txBox="1"/>
+          <p:nvPr/>
+        </p:nvSpPr>
+        <p:spPr>
+          <a:xfrm>
+            <a:off x="2654425" y="3026377"/>
+            <a:ext cx="914400" cy="369332"/>
+          </a:xfrm>
+          <a:prstGeom prst="rect">
+            <a:avLst/>
+          </a:prstGeom>
+          <a:noFill/>
+        </p:spPr>
+        <p:txBody>
+          <a:bodyPr wrap="square" rtlCol="0">
+            <a:spAutoFit/>
+          </a:bodyPr>
+          <a:lstStyle/>
+          <a:p>
+            <a:r>
+              <a:rPr lang="en-GB" dirty="0"/>
+              <a:t>T unit</a:t>
+            </a:r>
+          </a:p>
+        </p:txBody>
+      </p:sp>
+      <p:cxnSp>
+        <p:nvCxnSpPr>
+          <p:cNvPr id="7" name="Straight Arrow Connector 6">
+            <a:extLst>
+              <a:ext uri="{FF2B5EF4-FFF2-40B4-BE49-F238E27FC236}">
+                <a16:creationId xmlns:a16="http://schemas.microsoft.com/office/drawing/2014/main" id="{73C60EC8-D1A8-9482-0C77-53AC020DD1AB}"/>
+              </a:ext>
+            </a:extLst>
+          </p:cNvPr>
+          <p:cNvCxnSpPr/>
+          <p:nvPr/>
+        </p:nvCxnSpPr>
+        <p:spPr>
+          <a:xfrm>
+            <a:off x="1793289" y="1473693"/>
+            <a:ext cx="2478350" cy="0"/>
+          </a:xfrm>
+          <a:prstGeom prst="straightConnector1">
+            <a:avLst/>
+          </a:prstGeom>
+          <a:ln>
+            <a:tailEnd type="triangle"/>
+          </a:ln>
+        </p:spPr>
+        <p:style>
+          <a:lnRef idx="2">
+            <a:schemeClr val="accent1"/>
+          </a:lnRef>
+          <a:fillRef idx="0">
+            <a:schemeClr val="accent1"/>
+          </a:fillRef>
+          <a:effectRef idx="1">
+            <a:schemeClr val="accent1"/>
+          </a:effectRef>
+          <a:fontRef idx="minor">
+            <a:schemeClr val="tx1"/>
+          </a:fontRef>
+        </p:style>
+      </p:cxnSp>
+      <p:cxnSp>
+        <p:nvCxnSpPr>
+          <p:cNvPr id="9" name="Straight Arrow Connector 8">
+            <a:extLst>
+              <a:ext uri="{FF2B5EF4-FFF2-40B4-BE49-F238E27FC236}">
+                <a16:creationId xmlns:a16="http://schemas.microsoft.com/office/drawing/2014/main" id="{DD10D43A-6379-B3ED-E1EA-D80F3BBBB098}"/>
+              </a:ext>
+            </a:extLst>
+          </p:cNvPr>
+          <p:cNvCxnSpPr/>
+          <p:nvPr/>
+        </p:nvCxnSpPr>
+        <p:spPr>
+          <a:xfrm>
+            <a:off x="1864311" y="2008171"/>
+            <a:ext cx="1074198" cy="1018206"/>
+          </a:xfrm>
+          <a:prstGeom prst="straightConnector1">
+            <a:avLst/>
+          </a:prstGeom>
+          <a:ln>
+            <a:tailEnd type="triangle"/>
+          </a:ln>
+        </p:spPr>
+        <p:style>
+          <a:lnRef idx="2">
+            <a:schemeClr val="accent1"/>
+          </a:lnRef>
+          <a:fillRef idx="0">
+            <a:schemeClr val="accent1"/>
+          </a:fillRef>
+          <a:effectRef idx="1">
+            <a:schemeClr val="accent1"/>
+          </a:effectRef>
+          <a:fontRef idx="minor">
+            <a:schemeClr val="tx1"/>
+          </a:fontRef>
+        </p:style>
+      </p:cxnSp>
+      <p:cxnSp>
+        <p:nvCxnSpPr>
+          <p:cNvPr id="10" name="Straight Arrow Connector 9">
+            <a:extLst>
+              <a:ext uri="{FF2B5EF4-FFF2-40B4-BE49-F238E27FC236}">
+                <a16:creationId xmlns:a16="http://schemas.microsoft.com/office/drawing/2014/main" id="{6AE6E463-F137-1E7F-B7A9-E8E0D1782402}"/>
+              </a:ext>
+            </a:extLst>
+          </p:cNvPr>
+          <p:cNvCxnSpPr/>
+          <p:nvPr/>
+        </p:nvCxnSpPr>
+        <p:spPr>
+          <a:xfrm>
+            <a:off x="1793289" y="2517274"/>
+            <a:ext cx="2478350" cy="0"/>
+          </a:xfrm>
+          <a:prstGeom prst="straightConnector1">
+            <a:avLst/>
+          </a:prstGeom>
+          <a:ln>
+            <a:tailEnd type="triangle"/>
+          </a:ln>
+        </p:spPr>
+        <p:style>
+          <a:lnRef idx="2">
+            <a:schemeClr val="accent1"/>
+          </a:lnRef>
+          <a:fillRef idx="0">
+            <a:schemeClr val="accent1"/>
+          </a:fillRef>
+          <a:effectRef idx="1">
+            <a:schemeClr val="accent1"/>
+          </a:effectRef>
+          <a:fontRef idx="minor">
+            <a:schemeClr val="tx1"/>
+          </a:fontRef>
+        </p:style>
+      </p:cxnSp>
+      <p:cxnSp>
+        <p:nvCxnSpPr>
+          <p:cNvPr id="12" name="Straight Arrow Connector 11">
+            <a:extLst>
+              <a:ext uri="{FF2B5EF4-FFF2-40B4-BE49-F238E27FC236}">
+                <a16:creationId xmlns:a16="http://schemas.microsoft.com/office/drawing/2014/main" id="{8379ED2B-19A1-D5F7-C2F4-F329B4F996C9}"/>
+              </a:ext>
+            </a:extLst>
+          </p:cNvPr>
+          <p:cNvCxnSpPr>
+            <a:stCxn id="5" idx="0"/>
+            <a:endCxn id="3" idx="1"/>
+          </p:cNvCxnSpPr>
+          <p:nvPr/>
+        </p:nvCxnSpPr>
+        <p:spPr>
+          <a:xfrm flipV="1">
+            <a:off x="3111625" y="2008171"/>
+            <a:ext cx="1160014" cy="1018206"/>
+          </a:xfrm>
+          <a:prstGeom prst="straightConnector1">
+            <a:avLst/>
+          </a:prstGeom>
+          <a:ln>
+            <a:tailEnd type="triangle"/>
+          </a:ln>
+        </p:spPr>
+        <p:style>
+          <a:lnRef idx="2">
+            <a:schemeClr val="accent1"/>
+          </a:lnRef>
+          <a:fillRef idx="0">
+            <a:schemeClr val="accent1"/>
+          </a:fillRef>
+          <a:effectRef idx="1">
+            <a:schemeClr val="accent1"/>
+          </a:effectRef>
+          <a:fontRef idx="minor">
+            <a:schemeClr val="tx1"/>
+          </a:fontRef>
+        </p:style>
+      </p:cxnSp>
+      <p:cxnSp>
+        <p:nvCxnSpPr>
+          <p:cNvPr id="16" name="Straight Arrow Connector 15">
+            <a:extLst>
+              <a:ext uri="{FF2B5EF4-FFF2-40B4-BE49-F238E27FC236}">
+                <a16:creationId xmlns:a16="http://schemas.microsoft.com/office/drawing/2014/main" id="{CCEE3DE2-0AAB-3AE1-157B-026EDD2B791D}"/>
+              </a:ext>
+            </a:extLst>
+          </p:cNvPr>
+          <p:cNvCxnSpPr/>
+          <p:nvPr/>
+        </p:nvCxnSpPr>
+        <p:spPr>
+          <a:xfrm>
+            <a:off x="4722920" y="2112885"/>
+            <a:ext cx="0" cy="328474"/>
+          </a:xfrm>
+          <a:prstGeom prst="straightConnector1">
+            <a:avLst/>
+          </a:prstGeom>
+          <a:ln>
+            <a:tailEnd type="triangle"/>
+          </a:ln>
+        </p:spPr>
+        <p:style>
+          <a:lnRef idx="2">
+            <a:schemeClr val="accent1"/>
+          </a:lnRef>
+          <a:fillRef idx="0">
+            <a:schemeClr val="accent1"/>
+          </a:fillRef>
+          <a:effectRef idx="1">
+            <a:schemeClr val="accent1"/>
+          </a:effectRef>
+          <a:fontRef idx="minor">
+            <a:schemeClr val="tx1"/>
+          </a:fontRef>
+        </p:style>
+      </p:cxnSp>
     </p:spTree>
     <p:extLst>
       <p:ext uri="{BB962C8B-B14F-4D97-AF65-F5344CB8AC3E}">
         <p14:creationId xmlns:p14="http://schemas.microsoft.com/office/powerpoint/2010/main" val="416268104"/>
+      </p:ext>
+    </p:extLst>
+  </p:cSld>
+  <p:clrMapOvr>
+    <a:masterClrMapping/>
+  </p:clrMapOvr>
+</p:sld>
+</file>
+
+<file path=ppt/slides/slide14.xml><?xml version="1.0" encoding="utf-8"?>
+<p:sld xmlns:a="http://schemas.openxmlformats.org/drawingml/2006/main" xmlns:r="http://schemas.openxmlformats.org/officeDocument/2006/relationships" xmlns:p="http://schemas.openxmlformats.org/presentationml/2006/main">
+  <p:cSld>
+    <p:spTree>
+      <p:nvGrpSpPr>
+        <p:cNvPr id="1" name=""/>
+        <p:cNvGrpSpPr/>
+        <p:nvPr/>
+      </p:nvGrpSpPr>
+      <p:grpSpPr>
+        <a:xfrm>
+          <a:off x="0" y="0"/>
+          <a:ext cx="0" cy="0"/>
+          <a:chOff x="0" y="0"/>
+          <a:chExt cx="0" cy="0"/>
+        </a:xfrm>
+      </p:grpSpPr>
+      <p:sp>
+        <p:nvSpPr>
+          <p:cNvPr id="4" name="TextBox 3">
+            <a:extLst>
+              <a:ext uri="{FF2B5EF4-FFF2-40B4-BE49-F238E27FC236}">
+                <a16:creationId xmlns:a16="http://schemas.microsoft.com/office/drawing/2014/main" id="{2991220B-FC51-3C40-E596-FC763D47AF10}"/>
+              </a:ext>
+            </a:extLst>
+          </p:cNvPr>
+          <p:cNvSpPr txBox="1"/>
+          <p:nvPr/>
+        </p:nvSpPr>
+        <p:spPr>
+          <a:xfrm>
+            <a:off x="2737282" y="2024108"/>
+            <a:ext cx="6551720" cy="584775"/>
+          </a:xfrm>
+          <a:prstGeom prst="rect">
+            <a:avLst/>
+          </a:prstGeom>
+          <a:noFill/>
+        </p:spPr>
+        <p:txBody>
+          <a:bodyPr wrap="square" rtlCol="0">
+            <a:spAutoFit/>
+          </a:bodyPr>
+          <a:lstStyle/>
+          <a:p>
+            <a:pPr algn="ctr"/>
+            <a:r>
+              <a:rPr lang="en-GB" sz="3200" dirty="0"/>
+              <a:t>Distillation column</a:t>
+            </a:r>
+          </a:p>
+        </p:txBody>
+      </p:sp>
+    </p:spTree>
+    <p:extLst>
+      <p:ext uri="{BB962C8B-B14F-4D97-AF65-F5344CB8AC3E}">
+        <p14:creationId xmlns:p14="http://schemas.microsoft.com/office/powerpoint/2010/main" val="1667024621"/>
+      </p:ext>
+    </p:extLst>
+  </p:cSld>
+  <p:clrMapOvr>
+    <a:masterClrMapping/>
+  </p:clrMapOvr>
+</p:sld>
+</file>
+
+<file path=ppt/slides/slide15.xml><?xml version="1.0" encoding="utf-8"?>
+<p:sld xmlns:a="http://schemas.openxmlformats.org/drawingml/2006/main" xmlns:r="http://schemas.openxmlformats.org/officeDocument/2006/relationships" xmlns:p="http://schemas.openxmlformats.org/presentationml/2006/main">
+  <p:cSld>
+    <p:spTree>
+      <p:nvGrpSpPr>
+        <p:cNvPr id="1" name=""/>
+        <p:cNvGrpSpPr/>
+        <p:nvPr/>
+      </p:nvGrpSpPr>
+      <p:grpSpPr>
+        <a:xfrm>
+          <a:off x="0" y="0"/>
+          <a:ext cx="0" cy="0"/>
+          <a:chOff x="0" y="0"/>
+          <a:chExt cx="0" cy="0"/>
+        </a:xfrm>
+      </p:grpSpPr>
+      <p:sp>
+        <p:nvSpPr>
+          <p:cNvPr id="4" name="TextBox 3">
+            <a:extLst>
+              <a:ext uri="{FF2B5EF4-FFF2-40B4-BE49-F238E27FC236}">
+                <a16:creationId xmlns:a16="http://schemas.microsoft.com/office/drawing/2014/main" id="{0FC03B4C-1DFA-E49A-360A-408EC8C9BCF4}"/>
+              </a:ext>
+            </a:extLst>
+          </p:cNvPr>
+          <p:cNvSpPr txBox="1"/>
+          <p:nvPr/>
+        </p:nvSpPr>
+        <p:spPr>
+          <a:xfrm>
+            <a:off x="1269506" y="97654"/>
+            <a:ext cx="932155" cy="1477328"/>
+          </a:xfrm>
+          <a:prstGeom prst="rect">
+            <a:avLst/>
+          </a:prstGeom>
+          <a:noFill/>
+        </p:spPr>
+        <p:txBody>
+          <a:bodyPr wrap="square" rtlCol="0">
+            <a:spAutoFit/>
+          </a:bodyPr>
+          <a:lstStyle/>
+          <a:p>
+            <a:r>
+              <a:rPr lang="en-GB" dirty="0"/>
+              <a:t>F feed</a:t>
+            </a:r>
+          </a:p>
+          <a:p>
+            <a:endParaRPr lang="en-GB" dirty="0"/>
+          </a:p>
+          <a:p>
+            <a:r>
+              <a:rPr lang="en-GB" dirty="0"/>
+              <a:t>P feed</a:t>
+            </a:r>
+          </a:p>
+          <a:p>
+            <a:endParaRPr lang="en-GB" dirty="0"/>
+          </a:p>
+          <a:p>
+            <a:r>
+              <a:rPr lang="en-GB" dirty="0"/>
+              <a:t>X feed</a:t>
+            </a:r>
+          </a:p>
+        </p:txBody>
+      </p:sp>
+      <p:sp>
+        <p:nvSpPr>
+          <p:cNvPr id="5" name="TextBox 4">
+            <a:extLst>
+              <a:ext uri="{FF2B5EF4-FFF2-40B4-BE49-F238E27FC236}">
+                <a16:creationId xmlns:a16="http://schemas.microsoft.com/office/drawing/2014/main" id="{8ECAAAC3-A086-E8E7-8085-E3A1D4019E91}"/>
+              </a:ext>
+            </a:extLst>
+          </p:cNvPr>
+          <p:cNvSpPr txBox="1"/>
+          <p:nvPr/>
+        </p:nvSpPr>
+        <p:spPr>
+          <a:xfrm>
+            <a:off x="2380694" y="374653"/>
+            <a:ext cx="932155" cy="369332"/>
+          </a:xfrm>
+          <a:prstGeom prst="rect">
+            <a:avLst/>
+          </a:prstGeom>
+          <a:noFill/>
+        </p:spPr>
+        <p:txBody>
+          <a:bodyPr wrap="square" rtlCol="0">
+            <a:spAutoFit/>
+          </a:bodyPr>
+          <a:lstStyle/>
+          <a:p>
+            <a:r>
+              <a:rPr lang="en-GB" dirty="0"/>
+              <a:t>P unit </a:t>
+            </a:r>
+            <a:r>
+              <a:rPr lang="en-GB" dirty="0" err="1"/>
+              <a:t>i</a:t>
+            </a:r>
+            <a:endParaRPr lang="en-GB" dirty="0"/>
+          </a:p>
+        </p:txBody>
+      </p:sp>
+      <p:sp>
+        <p:nvSpPr>
+          <p:cNvPr id="6" name="TextBox 5">
+            <a:extLst>
+              <a:ext uri="{FF2B5EF4-FFF2-40B4-BE49-F238E27FC236}">
+                <a16:creationId xmlns:a16="http://schemas.microsoft.com/office/drawing/2014/main" id="{D362B4BE-AA48-C931-1484-4EC8BDDCC1AB}"/>
+              </a:ext>
+            </a:extLst>
+          </p:cNvPr>
+          <p:cNvSpPr txBox="1"/>
+          <p:nvPr/>
+        </p:nvSpPr>
+        <p:spPr>
+          <a:xfrm>
+            <a:off x="3491882" y="88828"/>
+            <a:ext cx="932155" cy="1477328"/>
+          </a:xfrm>
+          <a:prstGeom prst="rect">
+            <a:avLst/>
+          </a:prstGeom>
+          <a:noFill/>
+        </p:spPr>
+        <p:txBody>
+          <a:bodyPr wrap="square" rtlCol="0">
+            <a:spAutoFit/>
+          </a:bodyPr>
+          <a:lstStyle/>
+          <a:p>
+            <a:r>
+              <a:rPr lang="en-GB" dirty="0"/>
+              <a:t>P top</a:t>
+            </a:r>
+          </a:p>
+          <a:p>
+            <a:endParaRPr lang="en-GB" dirty="0"/>
+          </a:p>
+          <a:p>
+            <a:r>
+              <a:rPr lang="en-GB" dirty="0"/>
+              <a:t>F top</a:t>
+            </a:r>
+          </a:p>
+          <a:p>
+            <a:endParaRPr lang="en-GB" dirty="0"/>
+          </a:p>
+          <a:p>
+            <a:r>
+              <a:rPr lang="en-GB" dirty="0"/>
+              <a:t>X top </a:t>
+            </a:r>
+          </a:p>
+        </p:txBody>
+      </p:sp>
+      <p:cxnSp>
+        <p:nvCxnSpPr>
+          <p:cNvPr id="8" name="Straight Arrow Connector 7">
+            <a:extLst>
+              <a:ext uri="{FF2B5EF4-FFF2-40B4-BE49-F238E27FC236}">
+                <a16:creationId xmlns:a16="http://schemas.microsoft.com/office/drawing/2014/main" id="{0502E72E-D8C5-C41E-403C-4F1EBB4347F6}"/>
+              </a:ext>
+            </a:extLst>
+          </p:cNvPr>
+          <p:cNvCxnSpPr/>
+          <p:nvPr/>
+        </p:nvCxnSpPr>
+        <p:spPr>
+          <a:xfrm flipV="1">
+            <a:off x="2077374" y="674703"/>
+            <a:ext cx="408373" cy="159798"/>
+          </a:xfrm>
+          <a:prstGeom prst="straightConnector1">
+            <a:avLst/>
+          </a:prstGeom>
+          <a:ln>
+            <a:tailEnd type="triangle"/>
+          </a:ln>
+        </p:spPr>
+        <p:style>
+          <a:lnRef idx="2">
+            <a:schemeClr val="accent1"/>
+          </a:lnRef>
+          <a:fillRef idx="0">
+            <a:schemeClr val="accent1"/>
+          </a:fillRef>
+          <a:effectRef idx="1">
+            <a:schemeClr val="accent1"/>
+          </a:effectRef>
+          <a:fontRef idx="minor">
+            <a:schemeClr val="tx1"/>
+          </a:fontRef>
+        </p:style>
+      </p:cxnSp>
+      <p:cxnSp>
+        <p:nvCxnSpPr>
+          <p:cNvPr id="10" name="Straight Arrow Connector 9">
+            <a:extLst>
+              <a:ext uri="{FF2B5EF4-FFF2-40B4-BE49-F238E27FC236}">
+                <a16:creationId xmlns:a16="http://schemas.microsoft.com/office/drawing/2014/main" id="{743DB54D-4351-BE22-2305-A9ECC0EAB8C6}"/>
+              </a:ext>
+            </a:extLst>
+          </p:cNvPr>
+          <p:cNvCxnSpPr/>
+          <p:nvPr/>
+        </p:nvCxnSpPr>
+        <p:spPr>
+          <a:xfrm>
+            <a:off x="1988597" y="301841"/>
+            <a:ext cx="532660" cy="150920"/>
+          </a:xfrm>
+          <a:prstGeom prst="straightConnector1">
+            <a:avLst/>
+          </a:prstGeom>
+          <a:ln>
+            <a:tailEnd type="triangle"/>
+          </a:ln>
+        </p:spPr>
+        <p:style>
+          <a:lnRef idx="2">
+            <a:schemeClr val="accent1"/>
+          </a:lnRef>
+          <a:fillRef idx="0">
+            <a:schemeClr val="accent1"/>
+          </a:fillRef>
+          <a:effectRef idx="1">
+            <a:schemeClr val="accent1"/>
+          </a:effectRef>
+          <a:fontRef idx="minor">
+            <a:schemeClr val="tx1"/>
+          </a:fontRef>
+        </p:style>
+      </p:cxnSp>
+      <p:cxnSp>
+        <p:nvCxnSpPr>
+          <p:cNvPr id="12" name="Straight Arrow Connector 11">
+            <a:extLst>
+              <a:ext uri="{FF2B5EF4-FFF2-40B4-BE49-F238E27FC236}">
+                <a16:creationId xmlns:a16="http://schemas.microsoft.com/office/drawing/2014/main" id="{105C5D18-4AD0-BDD3-B955-93FF621E2880}"/>
+              </a:ext>
+            </a:extLst>
+          </p:cNvPr>
+          <p:cNvCxnSpPr>
+            <a:cxnSpLocks/>
+          </p:cNvCxnSpPr>
+          <p:nvPr/>
+        </p:nvCxnSpPr>
+        <p:spPr>
+          <a:xfrm flipV="1">
+            <a:off x="3195961" y="273494"/>
+            <a:ext cx="295921" cy="179267"/>
+          </a:xfrm>
+          <a:prstGeom prst="straightConnector1">
+            <a:avLst/>
+          </a:prstGeom>
+          <a:ln>
+            <a:tailEnd type="triangle"/>
+          </a:ln>
+        </p:spPr>
+        <p:style>
+          <a:lnRef idx="2">
+            <a:schemeClr val="accent1"/>
+          </a:lnRef>
+          <a:fillRef idx="0">
+            <a:schemeClr val="accent1"/>
+          </a:fillRef>
+          <a:effectRef idx="1">
+            <a:schemeClr val="accent1"/>
+          </a:effectRef>
+          <a:fontRef idx="minor">
+            <a:schemeClr val="tx1"/>
+          </a:fontRef>
+        </p:style>
+      </p:cxnSp>
+      <p:cxnSp>
+        <p:nvCxnSpPr>
+          <p:cNvPr id="17" name="Straight Arrow Connector 16">
+            <a:extLst>
+              <a:ext uri="{FF2B5EF4-FFF2-40B4-BE49-F238E27FC236}">
+                <a16:creationId xmlns:a16="http://schemas.microsoft.com/office/drawing/2014/main" id="{F8B4946C-5274-20F4-A510-99BD151F1467}"/>
+              </a:ext>
+            </a:extLst>
+          </p:cNvPr>
+          <p:cNvCxnSpPr>
+            <a:cxnSpLocks/>
+          </p:cNvCxnSpPr>
+          <p:nvPr/>
+        </p:nvCxnSpPr>
+        <p:spPr>
+          <a:xfrm>
+            <a:off x="3098306" y="674703"/>
+            <a:ext cx="393576" cy="142094"/>
+          </a:xfrm>
+          <a:prstGeom prst="straightConnector1">
+            <a:avLst/>
+          </a:prstGeom>
+          <a:ln>
+            <a:tailEnd type="triangle"/>
+          </a:ln>
+        </p:spPr>
+        <p:style>
+          <a:lnRef idx="2">
+            <a:schemeClr val="accent1"/>
+          </a:lnRef>
+          <a:fillRef idx="0">
+            <a:schemeClr val="accent1"/>
+          </a:fillRef>
+          <a:effectRef idx="1">
+            <a:schemeClr val="accent1"/>
+          </a:effectRef>
+          <a:fontRef idx="minor">
+            <a:schemeClr val="tx1"/>
+          </a:fontRef>
+        </p:style>
+      </p:cxnSp>
+      <p:sp>
+        <p:nvSpPr>
+          <p:cNvPr id="20" name="TextBox 19">
+            <a:extLst>
+              <a:ext uri="{FF2B5EF4-FFF2-40B4-BE49-F238E27FC236}">
+                <a16:creationId xmlns:a16="http://schemas.microsoft.com/office/drawing/2014/main" id="{4A927AF0-9B37-5EF7-E86C-A41924686BAD}"/>
+              </a:ext>
+            </a:extLst>
+          </p:cNvPr>
+          <p:cNvSpPr txBox="1"/>
+          <p:nvPr/>
+        </p:nvSpPr>
+        <p:spPr>
+          <a:xfrm>
+            <a:off x="261891" y="385270"/>
+            <a:ext cx="932155" cy="369332"/>
+          </a:xfrm>
+          <a:prstGeom prst="rect">
+            <a:avLst/>
+          </a:prstGeom>
+          <a:noFill/>
+        </p:spPr>
+        <p:txBody>
+          <a:bodyPr wrap="square" rtlCol="0">
+            <a:spAutoFit/>
+          </a:bodyPr>
+          <a:lstStyle/>
+          <a:p>
+            <a:r>
+              <a:rPr lang="en-GB" dirty="0"/>
+              <a:t>L unit</a:t>
+            </a:r>
+          </a:p>
+        </p:txBody>
+      </p:sp>
+      <p:cxnSp>
+        <p:nvCxnSpPr>
+          <p:cNvPr id="22" name="Straight Arrow Connector 21">
+            <a:extLst>
+              <a:ext uri="{FF2B5EF4-FFF2-40B4-BE49-F238E27FC236}">
+                <a16:creationId xmlns:a16="http://schemas.microsoft.com/office/drawing/2014/main" id="{A9467053-A2CC-C299-EED8-56D194F5297D}"/>
+              </a:ext>
+            </a:extLst>
+          </p:cNvPr>
+          <p:cNvCxnSpPr/>
+          <p:nvPr/>
+        </p:nvCxnSpPr>
+        <p:spPr>
+          <a:xfrm flipH="1">
+            <a:off x="932155" y="273494"/>
+            <a:ext cx="337351" cy="179267"/>
+          </a:xfrm>
+          <a:prstGeom prst="straightConnector1">
+            <a:avLst/>
+          </a:prstGeom>
+          <a:ln>
+            <a:tailEnd type="triangle"/>
+          </a:ln>
+        </p:spPr>
+        <p:style>
+          <a:lnRef idx="2">
+            <a:schemeClr val="accent1"/>
+          </a:lnRef>
+          <a:fillRef idx="0">
+            <a:schemeClr val="accent1"/>
+          </a:fillRef>
+          <a:effectRef idx="1">
+            <a:schemeClr val="accent1"/>
+          </a:effectRef>
+          <a:fontRef idx="minor">
+            <a:schemeClr val="tx1"/>
+          </a:fontRef>
+        </p:style>
+      </p:cxnSp>
+      <p:sp>
+        <p:nvSpPr>
+          <p:cNvPr id="23" name="TextBox 22">
+            <a:extLst>
+              <a:ext uri="{FF2B5EF4-FFF2-40B4-BE49-F238E27FC236}">
+                <a16:creationId xmlns:a16="http://schemas.microsoft.com/office/drawing/2014/main" id="{F6BCE33F-433A-0225-F274-CD20EE390F2C}"/>
+              </a:ext>
+            </a:extLst>
+          </p:cNvPr>
+          <p:cNvSpPr txBox="1"/>
+          <p:nvPr/>
+        </p:nvSpPr>
+        <p:spPr>
+          <a:xfrm>
+            <a:off x="102090" y="1686575"/>
+            <a:ext cx="1633493" cy="369332"/>
+          </a:xfrm>
+          <a:prstGeom prst="rect">
+            <a:avLst/>
+          </a:prstGeom>
+          <a:noFill/>
+        </p:spPr>
+        <p:txBody>
+          <a:bodyPr wrap="square" rtlCol="0">
+            <a:spAutoFit/>
+          </a:bodyPr>
+          <a:lstStyle/>
+          <a:p>
+            <a:r>
+              <a:rPr lang="en-GB" dirty="0"/>
+              <a:t>F bot	P bot</a:t>
+            </a:r>
+          </a:p>
+        </p:txBody>
+      </p:sp>
+      <p:cxnSp>
+        <p:nvCxnSpPr>
+          <p:cNvPr id="25" name="Straight Arrow Connector 24">
+            <a:extLst>
+              <a:ext uri="{FF2B5EF4-FFF2-40B4-BE49-F238E27FC236}">
+                <a16:creationId xmlns:a16="http://schemas.microsoft.com/office/drawing/2014/main" id="{E19E4586-B766-EAB3-FBEF-AB7469F886BC}"/>
+              </a:ext>
+            </a:extLst>
+          </p:cNvPr>
+          <p:cNvCxnSpPr>
+            <a:cxnSpLocks/>
+          </p:cNvCxnSpPr>
+          <p:nvPr/>
+        </p:nvCxnSpPr>
+        <p:spPr>
+          <a:xfrm flipH="1">
+            <a:off x="393574" y="764323"/>
+            <a:ext cx="32554" cy="967056"/>
+          </a:xfrm>
+          <a:prstGeom prst="straightConnector1">
+            <a:avLst/>
+          </a:prstGeom>
+          <a:ln>
+            <a:tailEnd type="triangle"/>
+          </a:ln>
+        </p:spPr>
+        <p:style>
+          <a:lnRef idx="2">
+            <a:schemeClr val="accent1"/>
+          </a:lnRef>
+          <a:fillRef idx="0">
+            <a:schemeClr val="accent1"/>
+          </a:fillRef>
+          <a:effectRef idx="1">
+            <a:schemeClr val="accent1"/>
+          </a:effectRef>
+          <a:fontRef idx="minor">
+            <a:schemeClr val="tx1"/>
+          </a:fontRef>
+        </p:style>
+      </p:cxnSp>
+      <p:cxnSp>
+        <p:nvCxnSpPr>
+          <p:cNvPr id="27" name="Straight Arrow Connector 26">
+            <a:extLst>
+              <a:ext uri="{FF2B5EF4-FFF2-40B4-BE49-F238E27FC236}">
+                <a16:creationId xmlns:a16="http://schemas.microsoft.com/office/drawing/2014/main" id="{B13A83CA-0ACE-6151-EFED-A8FF0B337020}"/>
+              </a:ext>
+            </a:extLst>
+          </p:cNvPr>
+          <p:cNvCxnSpPr>
+            <a:cxnSpLocks/>
+            <a:stCxn id="20" idx="2"/>
+          </p:cNvCxnSpPr>
+          <p:nvPr/>
+        </p:nvCxnSpPr>
+        <p:spPr>
+          <a:xfrm>
+            <a:off x="727969" y="754602"/>
+            <a:ext cx="326994" cy="1056430"/>
+          </a:xfrm>
+          <a:prstGeom prst="straightConnector1">
+            <a:avLst/>
+          </a:prstGeom>
+          <a:ln>
+            <a:tailEnd type="triangle"/>
+          </a:ln>
+        </p:spPr>
+        <p:style>
+          <a:lnRef idx="2">
+            <a:schemeClr val="accent1"/>
+          </a:lnRef>
+          <a:fillRef idx="0">
+            <a:schemeClr val="accent1"/>
+          </a:fillRef>
+          <a:effectRef idx="1">
+            <a:schemeClr val="accent1"/>
+          </a:effectRef>
+          <a:fontRef idx="minor">
+            <a:schemeClr val="tx1"/>
+          </a:fontRef>
+        </p:style>
+      </p:cxnSp>
+      <p:sp>
+        <p:nvSpPr>
+          <p:cNvPr id="28" name="TextBox 27">
+            <a:extLst>
+              <a:ext uri="{FF2B5EF4-FFF2-40B4-BE49-F238E27FC236}">
+                <a16:creationId xmlns:a16="http://schemas.microsoft.com/office/drawing/2014/main" id="{E07DA3DA-4307-94C1-1AF1-E08422B8AEB1}"/>
+              </a:ext>
+            </a:extLst>
+          </p:cNvPr>
+          <p:cNvSpPr txBox="1"/>
+          <p:nvPr/>
+        </p:nvSpPr>
+        <p:spPr>
+          <a:xfrm>
+            <a:off x="261889" y="2135806"/>
+            <a:ext cx="3136775" cy="369332"/>
+          </a:xfrm>
+          <a:prstGeom prst="rect">
+            <a:avLst/>
+          </a:prstGeom>
+          <a:noFill/>
+        </p:spPr>
+        <p:txBody>
+          <a:bodyPr wrap="square" rtlCol="0">
+            <a:spAutoFit/>
+          </a:bodyPr>
+          <a:lstStyle/>
+          <a:p>
+            <a:r>
+              <a:rPr lang="en-GB" dirty="0"/>
+              <a:t>If there's a reflux system</a:t>
+            </a:r>
+          </a:p>
+        </p:txBody>
+      </p:sp>
+      <p:sp>
+        <p:nvSpPr>
+          <p:cNvPr id="29" name="TextBox 28">
+            <a:extLst>
+              <a:ext uri="{FF2B5EF4-FFF2-40B4-BE49-F238E27FC236}">
+                <a16:creationId xmlns:a16="http://schemas.microsoft.com/office/drawing/2014/main" id="{20AC8B69-4764-E7DF-73A9-0FB4B5F40AAC}"/>
+              </a:ext>
+            </a:extLst>
+          </p:cNvPr>
+          <p:cNvSpPr txBox="1"/>
+          <p:nvPr/>
+        </p:nvSpPr>
+        <p:spPr>
+          <a:xfrm>
+            <a:off x="1194044" y="2623740"/>
+            <a:ext cx="932155" cy="923330"/>
+          </a:xfrm>
+          <a:prstGeom prst="rect">
+            <a:avLst/>
+          </a:prstGeom>
+          <a:noFill/>
+        </p:spPr>
+        <p:txBody>
+          <a:bodyPr wrap="square" rtlCol="0">
+            <a:spAutoFit/>
+          </a:bodyPr>
+          <a:lstStyle/>
+          <a:p>
+            <a:r>
+              <a:rPr lang="en-GB" dirty="0"/>
+              <a:t>F reflux</a:t>
+            </a:r>
+          </a:p>
+          <a:p>
+            <a:endParaRPr lang="en-GB" dirty="0"/>
+          </a:p>
+          <a:p>
+            <a:r>
+              <a:rPr lang="en-GB" dirty="0"/>
+              <a:t>T reflux</a:t>
+            </a:r>
+          </a:p>
+        </p:txBody>
+      </p:sp>
+      <p:sp>
+        <p:nvSpPr>
+          <p:cNvPr id="30" name="TextBox 29">
+            <a:extLst>
+              <a:ext uri="{FF2B5EF4-FFF2-40B4-BE49-F238E27FC236}">
+                <a16:creationId xmlns:a16="http://schemas.microsoft.com/office/drawing/2014/main" id="{8F97C6A7-A233-EF15-B062-D82E60830F77}"/>
+              </a:ext>
+            </a:extLst>
+          </p:cNvPr>
+          <p:cNvSpPr txBox="1"/>
+          <p:nvPr/>
+        </p:nvSpPr>
+        <p:spPr>
+          <a:xfrm>
+            <a:off x="186429" y="2900739"/>
+            <a:ext cx="932155" cy="369332"/>
+          </a:xfrm>
+          <a:prstGeom prst="rect">
+            <a:avLst/>
+          </a:prstGeom>
+          <a:noFill/>
+        </p:spPr>
+        <p:txBody>
+          <a:bodyPr wrap="square" rtlCol="0">
+            <a:spAutoFit/>
+          </a:bodyPr>
+          <a:lstStyle/>
+          <a:p>
+            <a:r>
+              <a:rPr lang="en-GB" dirty="0"/>
+              <a:t>L unit</a:t>
+            </a:r>
+          </a:p>
+        </p:txBody>
+      </p:sp>
+      <p:sp>
+        <p:nvSpPr>
+          <p:cNvPr id="31" name="TextBox 30">
+            <a:extLst>
+              <a:ext uri="{FF2B5EF4-FFF2-40B4-BE49-F238E27FC236}">
+                <a16:creationId xmlns:a16="http://schemas.microsoft.com/office/drawing/2014/main" id="{1232EACC-3D25-7625-F295-AA76E5D46FCF}"/>
+              </a:ext>
+            </a:extLst>
+          </p:cNvPr>
+          <p:cNvSpPr txBox="1"/>
+          <p:nvPr/>
+        </p:nvSpPr>
+        <p:spPr>
+          <a:xfrm>
+            <a:off x="2436915" y="2909565"/>
+            <a:ext cx="932155" cy="369332"/>
+          </a:xfrm>
+          <a:prstGeom prst="rect">
+            <a:avLst/>
+          </a:prstGeom>
+          <a:noFill/>
+        </p:spPr>
+        <p:txBody>
+          <a:bodyPr wrap="square" rtlCol="0">
+            <a:spAutoFit/>
+          </a:bodyPr>
+          <a:lstStyle/>
+          <a:p>
+            <a:r>
+              <a:rPr lang="en-GB" dirty="0"/>
+              <a:t>T unit </a:t>
+            </a:r>
+            <a:r>
+              <a:rPr lang="en-GB" dirty="0" err="1"/>
+              <a:t>i</a:t>
+            </a:r>
+            <a:endParaRPr lang="en-GB" dirty="0"/>
+          </a:p>
+        </p:txBody>
+      </p:sp>
+      <p:sp>
+        <p:nvSpPr>
+          <p:cNvPr id="32" name="TextBox 31">
+            <a:extLst>
+              <a:ext uri="{FF2B5EF4-FFF2-40B4-BE49-F238E27FC236}">
+                <a16:creationId xmlns:a16="http://schemas.microsoft.com/office/drawing/2014/main" id="{A80E79CE-8021-E9D6-6C91-382C93242E6A}"/>
+              </a:ext>
+            </a:extLst>
+          </p:cNvPr>
+          <p:cNvSpPr txBox="1"/>
+          <p:nvPr/>
+        </p:nvSpPr>
+        <p:spPr>
+          <a:xfrm>
+            <a:off x="3548103" y="2623740"/>
+            <a:ext cx="932155" cy="923330"/>
+          </a:xfrm>
+          <a:prstGeom prst="rect">
+            <a:avLst/>
+          </a:prstGeom>
+          <a:noFill/>
+        </p:spPr>
+        <p:txBody>
+          <a:bodyPr wrap="square" rtlCol="0">
+            <a:spAutoFit/>
+          </a:bodyPr>
+          <a:lstStyle/>
+          <a:p>
+            <a:r>
+              <a:rPr lang="en-GB" dirty="0"/>
+              <a:t>T bot</a:t>
+            </a:r>
+          </a:p>
+          <a:p>
+            <a:endParaRPr lang="en-GB" dirty="0"/>
+          </a:p>
+          <a:p>
+            <a:r>
+              <a:rPr lang="en-GB" dirty="0"/>
+              <a:t>X bot</a:t>
+            </a:r>
+          </a:p>
+        </p:txBody>
+      </p:sp>
+      <p:cxnSp>
+        <p:nvCxnSpPr>
+          <p:cNvPr id="33" name="Straight Arrow Connector 32">
+            <a:extLst>
+              <a:ext uri="{FF2B5EF4-FFF2-40B4-BE49-F238E27FC236}">
+                <a16:creationId xmlns:a16="http://schemas.microsoft.com/office/drawing/2014/main" id="{99667446-2DB7-025D-3BD0-5A552662AFAB}"/>
+              </a:ext>
+            </a:extLst>
+          </p:cNvPr>
+          <p:cNvCxnSpPr/>
+          <p:nvPr/>
+        </p:nvCxnSpPr>
+        <p:spPr>
+          <a:xfrm flipV="1">
+            <a:off x="2133595" y="3209615"/>
+            <a:ext cx="408373" cy="159798"/>
+          </a:xfrm>
+          <a:prstGeom prst="straightConnector1">
+            <a:avLst/>
+          </a:prstGeom>
+          <a:ln>
+            <a:tailEnd type="triangle"/>
+          </a:ln>
+        </p:spPr>
+        <p:style>
+          <a:lnRef idx="2">
+            <a:schemeClr val="accent1"/>
+          </a:lnRef>
+          <a:fillRef idx="0">
+            <a:schemeClr val="accent1"/>
+          </a:fillRef>
+          <a:effectRef idx="1">
+            <a:schemeClr val="accent1"/>
+          </a:effectRef>
+          <a:fontRef idx="minor">
+            <a:schemeClr val="tx1"/>
+          </a:fontRef>
+        </p:style>
+      </p:cxnSp>
+      <p:cxnSp>
+        <p:nvCxnSpPr>
+          <p:cNvPr id="34" name="Straight Arrow Connector 33">
+            <a:extLst>
+              <a:ext uri="{FF2B5EF4-FFF2-40B4-BE49-F238E27FC236}">
+                <a16:creationId xmlns:a16="http://schemas.microsoft.com/office/drawing/2014/main" id="{AC64D075-70D1-D232-793F-786C54FA9837}"/>
+              </a:ext>
+            </a:extLst>
+          </p:cNvPr>
+          <p:cNvCxnSpPr/>
+          <p:nvPr/>
+        </p:nvCxnSpPr>
+        <p:spPr>
+          <a:xfrm>
+            <a:off x="2044818" y="2836753"/>
+            <a:ext cx="532660" cy="150920"/>
+          </a:xfrm>
+          <a:prstGeom prst="straightConnector1">
+            <a:avLst/>
+          </a:prstGeom>
+          <a:ln>
+            <a:tailEnd type="triangle"/>
+          </a:ln>
+        </p:spPr>
+        <p:style>
+          <a:lnRef idx="2">
+            <a:schemeClr val="accent1"/>
+          </a:lnRef>
+          <a:fillRef idx="0">
+            <a:schemeClr val="accent1"/>
+          </a:fillRef>
+          <a:effectRef idx="1">
+            <a:schemeClr val="accent1"/>
+          </a:effectRef>
+          <a:fontRef idx="minor">
+            <a:schemeClr val="tx1"/>
+          </a:fontRef>
+        </p:style>
+      </p:cxnSp>
+      <p:cxnSp>
+        <p:nvCxnSpPr>
+          <p:cNvPr id="35" name="Straight Arrow Connector 34">
+            <a:extLst>
+              <a:ext uri="{FF2B5EF4-FFF2-40B4-BE49-F238E27FC236}">
+                <a16:creationId xmlns:a16="http://schemas.microsoft.com/office/drawing/2014/main" id="{9C1B7565-F309-9B65-74E7-9A2C8C9DE6CA}"/>
+              </a:ext>
+            </a:extLst>
+          </p:cNvPr>
+          <p:cNvCxnSpPr>
+            <a:cxnSpLocks/>
+          </p:cNvCxnSpPr>
+          <p:nvPr/>
+        </p:nvCxnSpPr>
+        <p:spPr>
+          <a:xfrm>
+            <a:off x="3231466" y="3220361"/>
+            <a:ext cx="316637" cy="208639"/>
+          </a:xfrm>
+          <a:prstGeom prst="straightConnector1">
+            <a:avLst/>
+          </a:prstGeom>
+          <a:ln>
+            <a:tailEnd type="triangle"/>
+          </a:ln>
+        </p:spPr>
+        <p:style>
+          <a:lnRef idx="2">
+            <a:schemeClr val="accent1"/>
+          </a:lnRef>
+          <a:fillRef idx="0">
+            <a:schemeClr val="accent1"/>
+          </a:fillRef>
+          <a:effectRef idx="1">
+            <a:schemeClr val="accent1"/>
+          </a:effectRef>
+          <a:fontRef idx="minor">
+            <a:schemeClr val="tx1"/>
+          </a:fontRef>
+        </p:style>
+      </p:cxnSp>
+      <p:cxnSp>
+        <p:nvCxnSpPr>
+          <p:cNvPr id="40" name="Straight Arrow Connector 39">
+            <a:extLst>
+              <a:ext uri="{FF2B5EF4-FFF2-40B4-BE49-F238E27FC236}">
+                <a16:creationId xmlns:a16="http://schemas.microsoft.com/office/drawing/2014/main" id="{3C9B8B74-EDCA-D5B8-C7DB-5471F389BCA1}"/>
+              </a:ext>
+            </a:extLst>
+          </p:cNvPr>
+          <p:cNvCxnSpPr/>
+          <p:nvPr/>
+        </p:nvCxnSpPr>
+        <p:spPr>
+          <a:xfrm flipH="1">
+            <a:off x="852254" y="2836753"/>
+            <a:ext cx="341790" cy="150920"/>
+          </a:xfrm>
+          <a:prstGeom prst="straightConnector1">
+            <a:avLst/>
+          </a:prstGeom>
+          <a:ln>
+            <a:tailEnd type="triangle"/>
+          </a:ln>
+        </p:spPr>
+        <p:style>
+          <a:lnRef idx="2">
+            <a:schemeClr val="accent1"/>
+          </a:lnRef>
+          <a:fillRef idx="0">
+            <a:schemeClr val="accent1"/>
+          </a:fillRef>
+          <a:effectRef idx="1">
+            <a:schemeClr val="accent1"/>
+          </a:effectRef>
+          <a:fontRef idx="minor">
+            <a:schemeClr val="tx1"/>
+          </a:fontRef>
+        </p:style>
+      </p:cxnSp>
+      <p:cxnSp>
+        <p:nvCxnSpPr>
+          <p:cNvPr id="41" name="Straight Arrow Connector 40">
+            <a:extLst>
+              <a:ext uri="{FF2B5EF4-FFF2-40B4-BE49-F238E27FC236}">
+                <a16:creationId xmlns:a16="http://schemas.microsoft.com/office/drawing/2014/main" id="{9A61841D-A631-B16A-F88F-EC4069F3A084}"/>
+              </a:ext>
+            </a:extLst>
+          </p:cNvPr>
+          <p:cNvCxnSpPr>
+            <a:cxnSpLocks/>
+          </p:cNvCxnSpPr>
+          <p:nvPr/>
+        </p:nvCxnSpPr>
+        <p:spPr>
+          <a:xfrm>
+            <a:off x="3009529" y="658660"/>
+            <a:ext cx="538576" cy="655106"/>
+          </a:xfrm>
+          <a:prstGeom prst="straightConnector1">
+            <a:avLst/>
+          </a:prstGeom>
+          <a:ln>
+            <a:tailEnd type="triangle"/>
+          </a:ln>
+        </p:spPr>
+        <p:style>
+          <a:lnRef idx="2">
+            <a:schemeClr val="accent1"/>
+          </a:lnRef>
+          <a:fillRef idx="0">
+            <a:schemeClr val="accent1"/>
+          </a:fillRef>
+          <a:effectRef idx="1">
+            <a:schemeClr val="accent1"/>
+          </a:effectRef>
+          <a:fontRef idx="minor">
+            <a:schemeClr val="tx1"/>
+          </a:fontRef>
+        </p:style>
+      </p:cxnSp>
+      <p:cxnSp>
+        <p:nvCxnSpPr>
+          <p:cNvPr id="50" name="Straight Arrow Connector 49">
+            <a:extLst>
+              <a:ext uri="{FF2B5EF4-FFF2-40B4-BE49-F238E27FC236}">
+                <a16:creationId xmlns:a16="http://schemas.microsoft.com/office/drawing/2014/main" id="{B792EEA0-BB1C-3EC2-E938-1ED97BA27A86}"/>
+              </a:ext>
+            </a:extLst>
+          </p:cNvPr>
+          <p:cNvCxnSpPr/>
+          <p:nvPr/>
+        </p:nvCxnSpPr>
+        <p:spPr>
+          <a:xfrm flipV="1">
+            <a:off x="1988597" y="674703"/>
+            <a:ext cx="719092" cy="701336"/>
+          </a:xfrm>
+          <a:prstGeom prst="straightConnector1">
+            <a:avLst/>
+          </a:prstGeom>
+          <a:ln>
+            <a:tailEnd type="triangle"/>
+          </a:ln>
+        </p:spPr>
+        <p:style>
+          <a:lnRef idx="2">
+            <a:schemeClr val="accent1"/>
+          </a:lnRef>
+          <a:fillRef idx="0">
+            <a:schemeClr val="accent1"/>
+          </a:fillRef>
+          <a:effectRef idx="1">
+            <a:schemeClr val="accent1"/>
+          </a:effectRef>
+          <a:fontRef idx="minor">
+            <a:schemeClr val="tx1"/>
+          </a:fontRef>
+        </p:style>
+      </p:cxnSp>
+      <p:cxnSp>
+        <p:nvCxnSpPr>
+          <p:cNvPr id="52" name="Straight Arrow Connector 51">
+            <a:extLst>
+              <a:ext uri="{FF2B5EF4-FFF2-40B4-BE49-F238E27FC236}">
+                <a16:creationId xmlns:a16="http://schemas.microsoft.com/office/drawing/2014/main" id="{DF06F2F2-7FF9-5274-9D60-918290D1053C}"/>
+              </a:ext>
+            </a:extLst>
+          </p:cNvPr>
+          <p:cNvCxnSpPr/>
+          <p:nvPr/>
+        </p:nvCxnSpPr>
+        <p:spPr>
+          <a:xfrm flipH="1" flipV="1">
+            <a:off x="891466" y="687864"/>
+            <a:ext cx="391357" cy="616945"/>
+          </a:xfrm>
+          <a:prstGeom prst="straightConnector1">
+            <a:avLst/>
+          </a:prstGeom>
+          <a:ln>
+            <a:tailEnd type="triangle"/>
+          </a:ln>
+        </p:spPr>
+        <p:style>
+          <a:lnRef idx="2">
+            <a:schemeClr val="accent1"/>
+          </a:lnRef>
+          <a:fillRef idx="0">
+            <a:schemeClr val="accent1"/>
+          </a:fillRef>
+          <a:effectRef idx="1">
+            <a:schemeClr val="accent1"/>
+          </a:effectRef>
+          <a:fontRef idx="minor">
+            <a:schemeClr val="tx1"/>
+          </a:fontRef>
+        </p:style>
+      </p:cxnSp>
+      <p:cxnSp>
+        <p:nvCxnSpPr>
+          <p:cNvPr id="55" name="Straight Arrow Connector 54">
+            <a:extLst>
+              <a:ext uri="{FF2B5EF4-FFF2-40B4-BE49-F238E27FC236}">
+                <a16:creationId xmlns:a16="http://schemas.microsoft.com/office/drawing/2014/main" id="{AB03A1D7-460A-0059-654F-86CCC526FAF6}"/>
+              </a:ext>
+            </a:extLst>
+          </p:cNvPr>
+          <p:cNvCxnSpPr/>
+          <p:nvPr/>
+        </p:nvCxnSpPr>
+        <p:spPr>
+          <a:xfrm flipV="1">
+            <a:off x="3278817" y="2909565"/>
+            <a:ext cx="393573" cy="78108"/>
+          </a:xfrm>
+          <a:prstGeom prst="straightConnector1">
+            <a:avLst/>
+          </a:prstGeom>
+          <a:ln>
+            <a:tailEnd type="triangle"/>
+          </a:ln>
+        </p:spPr>
+        <p:style>
+          <a:lnRef idx="2">
+            <a:schemeClr val="accent1"/>
+          </a:lnRef>
+          <a:fillRef idx="0">
+            <a:schemeClr val="accent1"/>
+          </a:fillRef>
+          <a:effectRef idx="1">
+            <a:schemeClr val="accent1"/>
+          </a:effectRef>
+          <a:fontRef idx="minor">
+            <a:schemeClr val="tx1"/>
+          </a:fontRef>
+        </p:style>
+      </p:cxnSp>
+      <p:sp>
+        <p:nvSpPr>
+          <p:cNvPr id="56" name="TextBox 55">
+            <a:extLst>
+              <a:ext uri="{FF2B5EF4-FFF2-40B4-BE49-F238E27FC236}">
+                <a16:creationId xmlns:a16="http://schemas.microsoft.com/office/drawing/2014/main" id="{BE8C561F-0F7B-2886-4559-C5A460B87952}"/>
+              </a:ext>
+            </a:extLst>
+          </p:cNvPr>
+          <p:cNvSpPr txBox="1"/>
+          <p:nvPr/>
+        </p:nvSpPr>
+        <p:spPr>
+          <a:xfrm>
+            <a:off x="261889" y="3769063"/>
+            <a:ext cx="3136775" cy="369332"/>
+          </a:xfrm>
+          <a:prstGeom prst="rect">
+            <a:avLst/>
+          </a:prstGeom>
+          <a:noFill/>
+        </p:spPr>
+        <p:txBody>
+          <a:bodyPr wrap="square" rtlCol="0">
+            <a:spAutoFit/>
+          </a:bodyPr>
+          <a:lstStyle/>
+          <a:p>
+            <a:r>
+              <a:rPr lang="en-GB" dirty="0"/>
+              <a:t>If there's a </a:t>
+            </a:r>
+            <a:r>
+              <a:rPr lang="en-GB" dirty="0" err="1"/>
+              <a:t>reboil</a:t>
+            </a:r>
+            <a:r>
+              <a:rPr lang="en-GB" dirty="0"/>
+              <a:t> system</a:t>
+            </a:r>
+          </a:p>
+        </p:txBody>
+      </p:sp>
+      <p:sp>
+        <p:nvSpPr>
+          <p:cNvPr id="57" name="TextBox 56">
+            <a:extLst>
+              <a:ext uri="{FF2B5EF4-FFF2-40B4-BE49-F238E27FC236}">
+                <a16:creationId xmlns:a16="http://schemas.microsoft.com/office/drawing/2014/main" id="{DF2E920F-E729-E5D5-F47F-524185E004BB}"/>
+              </a:ext>
+            </a:extLst>
+          </p:cNvPr>
+          <p:cNvSpPr txBox="1"/>
+          <p:nvPr/>
+        </p:nvSpPr>
+        <p:spPr>
+          <a:xfrm>
+            <a:off x="261889" y="4360388"/>
+            <a:ext cx="932155" cy="1477328"/>
+          </a:xfrm>
+          <a:prstGeom prst="rect">
+            <a:avLst/>
+          </a:prstGeom>
+          <a:noFill/>
+        </p:spPr>
+        <p:txBody>
+          <a:bodyPr wrap="square" rtlCol="0">
+            <a:spAutoFit/>
+          </a:bodyPr>
+          <a:lstStyle/>
+          <a:p>
+            <a:r>
+              <a:rPr lang="en-GB" dirty="0"/>
+              <a:t>P </a:t>
+            </a:r>
+            <a:r>
+              <a:rPr lang="en-GB" dirty="0" err="1"/>
+              <a:t>reboil</a:t>
+            </a:r>
+            <a:endParaRPr lang="en-GB" dirty="0"/>
+          </a:p>
+          <a:p>
+            <a:endParaRPr lang="en-GB" dirty="0"/>
+          </a:p>
+          <a:p>
+            <a:r>
+              <a:rPr lang="en-GB" dirty="0"/>
+              <a:t>F </a:t>
+            </a:r>
+            <a:r>
+              <a:rPr lang="en-GB" dirty="0" err="1"/>
+              <a:t>reboil</a:t>
+            </a:r>
+            <a:endParaRPr lang="en-GB" dirty="0"/>
+          </a:p>
+          <a:p>
+            <a:endParaRPr lang="en-GB" dirty="0"/>
+          </a:p>
+          <a:p>
+            <a:r>
+              <a:rPr lang="en-GB" dirty="0"/>
+              <a:t>T </a:t>
+            </a:r>
+            <a:r>
+              <a:rPr lang="en-GB" dirty="0" err="1"/>
+              <a:t>reboil</a:t>
+            </a:r>
+            <a:endParaRPr lang="en-GB" dirty="0"/>
+          </a:p>
+        </p:txBody>
+      </p:sp>
+      <p:sp>
+        <p:nvSpPr>
+          <p:cNvPr id="59" name="TextBox 58">
+            <a:extLst>
+              <a:ext uri="{FF2B5EF4-FFF2-40B4-BE49-F238E27FC236}">
+                <a16:creationId xmlns:a16="http://schemas.microsoft.com/office/drawing/2014/main" id="{32B942D2-E5B5-51B1-EB3D-54028B7D8B44}"/>
+              </a:ext>
+            </a:extLst>
+          </p:cNvPr>
+          <p:cNvSpPr txBox="1"/>
+          <p:nvPr/>
+        </p:nvSpPr>
+        <p:spPr>
+          <a:xfrm>
+            <a:off x="1538792" y="5133033"/>
+            <a:ext cx="932155" cy="369332"/>
+          </a:xfrm>
+          <a:prstGeom prst="rect">
+            <a:avLst/>
+          </a:prstGeom>
+          <a:noFill/>
+        </p:spPr>
+        <p:txBody>
+          <a:bodyPr wrap="square" rtlCol="0">
+            <a:spAutoFit/>
+          </a:bodyPr>
+          <a:lstStyle/>
+          <a:p>
+            <a:r>
+              <a:rPr lang="en-GB" dirty="0"/>
+              <a:t>T unit </a:t>
+            </a:r>
+            <a:r>
+              <a:rPr lang="en-GB" dirty="0" err="1"/>
+              <a:t>i</a:t>
+            </a:r>
+            <a:endParaRPr lang="en-GB" dirty="0"/>
+          </a:p>
+        </p:txBody>
+      </p:sp>
+      <p:sp>
+        <p:nvSpPr>
+          <p:cNvPr id="60" name="TextBox 59">
+            <a:extLst>
+              <a:ext uri="{FF2B5EF4-FFF2-40B4-BE49-F238E27FC236}">
+                <a16:creationId xmlns:a16="http://schemas.microsoft.com/office/drawing/2014/main" id="{AFF3F93F-801D-C5BE-BDD7-7FFB96FACB28}"/>
+              </a:ext>
+            </a:extLst>
+          </p:cNvPr>
+          <p:cNvSpPr txBox="1"/>
+          <p:nvPr/>
+        </p:nvSpPr>
+        <p:spPr>
+          <a:xfrm>
+            <a:off x="2719520" y="4971418"/>
+            <a:ext cx="932155" cy="923330"/>
+          </a:xfrm>
+          <a:prstGeom prst="rect">
+            <a:avLst/>
+          </a:prstGeom>
+          <a:noFill/>
+        </p:spPr>
+        <p:txBody>
+          <a:bodyPr wrap="square" rtlCol="0">
+            <a:spAutoFit/>
+          </a:bodyPr>
+          <a:lstStyle/>
+          <a:p>
+            <a:r>
+              <a:rPr lang="en-GB" dirty="0"/>
+              <a:t>T top</a:t>
+            </a:r>
+          </a:p>
+          <a:p>
+            <a:endParaRPr lang="en-GB" dirty="0"/>
+          </a:p>
+          <a:p>
+            <a:r>
+              <a:rPr lang="en-GB" dirty="0"/>
+              <a:t>X top</a:t>
+            </a:r>
+          </a:p>
+        </p:txBody>
+      </p:sp>
+      <p:cxnSp>
+        <p:nvCxnSpPr>
+          <p:cNvPr id="61" name="Straight Arrow Connector 60">
+            <a:extLst>
+              <a:ext uri="{FF2B5EF4-FFF2-40B4-BE49-F238E27FC236}">
+                <a16:creationId xmlns:a16="http://schemas.microsoft.com/office/drawing/2014/main" id="{C2338A78-CA7A-A025-388D-716B67775B42}"/>
+              </a:ext>
+            </a:extLst>
+          </p:cNvPr>
+          <p:cNvCxnSpPr/>
+          <p:nvPr/>
+        </p:nvCxnSpPr>
+        <p:spPr>
+          <a:xfrm flipV="1">
+            <a:off x="1235472" y="5433083"/>
+            <a:ext cx="408373" cy="159798"/>
+          </a:xfrm>
+          <a:prstGeom prst="straightConnector1">
+            <a:avLst/>
+          </a:prstGeom>
+          <a:ln>
+            <a:tailEnd type="triangle"/>
+          </a:ln>
+        </p:spPr>
+        <p:style>
+          <a:lnRef idx="2">
+            <a:schemeClr val="accent1"/>
+          </a:lnRef>
+          <a:fillRef idx="0">
+            <a:schemeClr val="accent1"/>
+          </a:fillRef>
+          <a:effectRef idx="1">
+            <a:schemeClr val="accent1"/>
+          </a:effectRef>
+          <a:fontRef idx="minor">
+            <a:schemeClr val="tx1"/>
+          </a:fontRef>
+        </p:style>
+      </p:cxnSp>
+      <p:cxnSp>
+        <p:nvCxnSpPr>
+          <p:cNvPr id="62" name="Straight Arrow Connector 61">
+            <a:extLst>
+              <a:ext uri="{FF2B5EF4-FFF2-40B4-BE49-F238E27FC236}">
+                <a16:creationId xmlns:a16="http://schemas.microsoft.com/office/drawing/2014/main" id="{E33CB9F4-404C-E03B-48D3-98D9E9587452}"/>
+              </a:ext>
+            </a:extLst>
+          </p:cNvPr>
+          <p:cNvCxnSpPr/>
+          <p:nvPr/>
+        </p:nvCxnSpPr>
+        <p:spPr>
+          <a:xfrm>
+            <a:off x="1146695" y="5060221"/>
+            <a:ext cx="532660" cy="150920"/>
+          </a:xfrm>
+          <a:prstGeom prst="straightConnector1">
+            <a:avLst/>
+          </a:prstGeom>
+          <a:ln>
+            <a:tailEnd type="triangle"/>
+          </a:ln>
+        </p:spPr>
+        <p:style>
+          <a:lnRef idx="2">
+            <a:schemeClr val="accent1"/>
+          </a:lnRef>
+          <a:fillRef idx="0">
+            <a:schemeClr val="accent1"/>
+          </a:fillRef>
+          <a:effectRef idx="1">
+            <a:schemeClr val="accent1"/>
+          </a:effectRef>
+          <a:fontRef idx="minor">
+            <a:schemeClr val="tx1"/>
+          </a:fontRef>
+        </p:style>
+      </p:cxnSp>
+      <p:cxnSp>
+        <p:nvCxnSpPr>
+          <p:cNvPr id="63" name="Straight Arrow Connector 62">
+            <a:extLst>
+              <a:ext uri="{FF2B5EF4-FFF2-40B4-BE49-F238E27FC236}">
+                <a16:creationId xmlns:a16="http://schemas.microsoft.com/office/drawing/2014/main" id="{B17D238F-7913-112C-2E19-39E5BA6C22D0}"/>
+              </a:ext>
+            </a:extLst>
+          </p:cNvPr>
+          <p:cNvCxnSpPr>
+            <a:cxnSpLocks/>
+          </p:cNvCxnSpPr>
+          <p:nvPr/>
+        </p:nvCxnSpPr>
+        <p:spPr>
+          <a:xfrm>
+            <a:off x="2333343" y="5443829"/>
+            <a:ext cx="316637" cy="208639"/>
+          </a:xfrm>
+          <a:prstGeom prst="straightConnector1">
+            <a:avLst/>
+          </a:prstGeom>
+          <a:ln>
+            <a:tailEnd type="triangle"/>
+          </a:ln>
+        </p:spPr>
+        <p:style>
+          <a:lnRef idx="2">
+            <a:schemeClr val="accent1"/>
+          </a:lnRef>
+          <a:fillRef idx="0">
+            <a:schemeClr val="accent1"/>
+          </a:fillRef>
+          <a:effectRef idx="1">
+            <a:schemeClr val="accent1"/>
+          </a:effectRef>
+          <a:fontRef idx="minor">
+            <a:schemeClr val="tx1"/>
+          </a:fontRef>
+        </p:style>
+      </p:cxnSp>
+      <p:cxnSp>
+        <p:nvCxnSpPr>
+          <p:cNvPr id="65" name="Straight Arrow Connector 64">
+            <a:extLst>
+              <a:ext uri="{FF2B5EF4-FFF2-40B4-BE49-F238E27FC236}">
+                <a16:creationId xmlns:a16="http://schemas.microsoft.com/office/drawing/2014/main" id="{499F66C1-DEFA-F9E8-5BD9-F085B5C7B428}"/>
+              </a:ext>
+            </a:extLst>
+          </p:cNvPr>
+          <p:cNvCxnSpPr/>
+          <p:nvPr/>
+        </p:nvCxnSpPr>
+        <p:spPr>
+          <a:xfrm flipV="1">
+            <a:off x="2380694" y="5133033"/>
+            <a:ext cx="393573" cy="78108"/>
+          </a:xfrm>
+          <a:prstGeom prst="straightConnector1">
+            <a:avLst/>
+          </a:prstGeom>
+          <a:ln>
+            <a:tailEnd type="triangle"/>
+          </a:ln>
+        </p:spPr>
+        <p:style>
+          <a:lnRef idx="2">
+            <a:schemeClr val="accent1"/>
+          </a:lnRef>
+          <a:fillRef idx="0">
+            <a:schemeClr val="accent1"/>
+          </a:fillRef>
+          <a:effectRef idx="1">
+            <a:schemeClr val="accent1"/>
+          </a:effectRef>
+          <a:fontRef idx="minor">
+            <a:schemeClr val="tx1"/>
+          </a:fontRef>
+        </p:style>
+      </p:cxnSp>
+      <p:sp>
+        <p:nvSpPr>
+          <p:cNvPr id="66" name="TextBox 65">
+            <a:extLst>
+              <a:ext uri="{FF2B5EF4-FFF2-40B4-BE49-F238E27FC236}">
+                <a16:creationId xmlns:a16="http://schemas.microsoft.com/office/drawing/2014/main" id="{58344319-60CB-D581-E90B-A2B353D8707F}"/>
+              </a:ext>
+            </a:extLst>
+          </p:cNvPr>
+          <p:cNvSpPr txBox="1"/>
+          <p:nvPr/>
+        </p:nvSpPr>
+        <p:spPr>
+          <a:xfrm>
+            <a:off x="1489968" y="4584331"/>
+            <a:ext cx="932155" cy="369332"/>
+          </a:xfrm>
+          <a:prstGeom prst="rect">
+            <a:avLst/>
+          </a:prstGeom>
+          <a:noFill/>
+        </p:spPr>
+        <p:txBody>
+          <a:bodyPr wrap="square" rtlCol="0">
+            <a:spAutoFit/>
+          </a:bodyPr>
+          <a:lstStyle/>
+          <a:p>
+            <a:r>
+              <a:rPr lang="en-GB" dirty="0"/>
+              <a:t>P unit </a:t>
+            </a:r>
+            <a:r>
+              <a:rPr lang="en-GB" dirty="0" err="1"/>
+              <a:t>i</a:t>
+            </a:r>
+            <a:endParaRPr lang="en-GB" dirty="0"/>
+          </a:p>
+        </p:txBody>
+      </p:sp>
+      <p:cxnSp>
+        <p:nvCxnSpPr>
+          <p:cNvPr id="67" name="Straight Arrow Connector 66">
+            <a:extLst>
+              <a:ext uri="{FF2B5EF4-FFF2-40B4-BE49-F238E27FC236}">
+                <a16:creationId xmlns:a16="http://schemas.microsoft.com/office/drawing/2014/main" id="{A419E059-758F-B99D-0561-6A245342CCE8}"/>
+              </a:ext>
+            </a:extLst>
+          </p:cNvPr>
+          <p:cNvCxnSpPr/>
+          <p:nvPr/>
+        </p:nvCxnSpPr>
+        <p:spPr>
+          <a:xfrm flipV="1">
+            <a:off x="1186648" y="4884381"/>
+            <a:ext cx="408373" cy="159798"/>
+          </a:xfrm>
+          <a:prstGeom prst="straightConnector1">
+            <a:avLst/>
+          </a:prstGeom>
+          <a:ln>
+            <a:tailEnd type="triangle"/>
+          </a:ln>
+        </p:spPr>
+        <p:style>
+          <a:lnRef idx="2">
+            <a:schemeClr val="accent1"/>
+          </a:lnRef>
+          <a:fillRef idx="0">
+            <a:schemeClr val="accent1"/>
+          </a:fillRef>
+          <a:effectRef idx="1">
+            <a:schemeClr val="accent1"/>
+          </a:effectRef>
+          <a:fontRef idx="minor">
+            <a:schemeClr val="tx1"/>
+          </a:fontRef>
+        </p:style>
+      </p:cxnSp>
+      <p:cxnSp>
+        <p:nvCxnSpPr>
+          <p:cNvPr id="68" name="Straight Arrow Connector 67">
+            <a:extLst>
+              <a:ext uri="{FF2B5EF4-FFF2-40B4-BE49-F238E27FC236}">
+                <a16:creationId xmlns:a16="http://schemas.microsoft.com/office/drawing/2014/main" id="{BB8583EB-DA5B-70D4-FA3B-8BB6A73CC975}"/>
+              </a:ext>
+            </a:extLst>
+          </p:cNvPr>
+          <p:cNvCxnSpPr/>
+          <p:nvPr/>
+        </p:nvCxnSpPr>
+        <p:spPr>
+          <a:xfrm>
+            <a:off x="1097871" y="4511519"/>
+            <a:ext cx="532660" cy="150920"/>
+          </a:xfrm>
+          <a:prstGeom prst="straightConnector1">
+            <a:avLst/>
+          </a:prstGeom>
+          <a:ln>
+            <a:tailEnd type="triangle"/>
+          </a:ln>
+        </p:spPr>
+        <p:style>
+          <a:lnRef idx="2">
+            <a:schemeClr val="accent1"/>
+          </a:lnRef>
+          <a:fillRef idx="0">
+            <a:schemeClr val="accent1"/>
+          </a:fillRef>
+          <a:effectRef idx="1">
+            <a:schemeClr val="accent1"/>
+          </a:effectRef>
+          <a:fontRef idx="minor">
+            <a:schemeClr val="tx1"/>
+          </a:fontRef>
+        </p:style>
+      </p:cxnSp>
+      <p:cxnSp>
+        <p:nvCxnSpPr>
+          <p:cNvPr id="69" name="Straight Arrow Connector 68">
+            <a:extLst>
+              <a:ext uri="{FF2B5EF4-FFF2-40B4-BE49-F238E27FC236}">
+                <a16:creationId xmlns:a16="http://schemas.microsoft.com/office/drawing/2014/main" id="{53BC106B-7525-D1EF-39CD-BAAB69108755}"/>
+              </a:ext>
+            </a:extLst>
+          </p:cNvPr>
+          <p:cNvCxnSpPr>
+            <a:cxnSpLocks/>
+          </p:cNvCxnSpPr>
+          <p:nvPr/>
+        </p:nvCxnSpPr>
+        <p:spPr>
+          <a:xfrm flipV="1">
+            <a:off x="2283043" y="4389879"/>
+            <a:ext cx="435004" cy="297078"/>
+          </a:xfrm>
+          <a:prstGeom prst="straightConnector1">
+            <a:avLst/>
+          </a:prstGeom>
+          <a:ln>
+            <a:tailEnd type="triangle"/>
+          </a:ln>
+        </p:spPr>
+        <p:style>
+          <a:lnRef idx="2">
+            <a:schemeClr val="accent1"/>
+          </a:lnRef>
+          <a:fillRef idx="0">
+            <a:schemeClr val="accent1"/>
+          </a:fillRef>
+          <a:effectRef idx="1">
+            <a:schemeClr val="accent1"/>
+          </a:effectRef>
+          <a:fontRef idx="minor">
+            <a:schemeClr val="tx1"/>
+          </a:fontRef>
+        </p:style>
+      </p:cxnSp>
+      <p:sp>
+        <p:nvSpPr>
+          <p:cNvPr id="72" name="TextBox 71">
+            <a:extLst>
+              <a:ext uri="{FF2B5EF4-FFF2-40B4-BE49-F238E27FC236}">
+                <a16:creationId xmlns:a16="http://schemas.microsoft.com/office/drawing/2014/main" id="{B5626447-F07F-B7F7-5C7F-E4E914866165}"/>
+              </a:ext>
+            </a:extLst>
+          </p:cNvPr>
+          <p:cNvSpPr txBox="1"/>
+          <p:nvPr/>
+        </p:nvSpPr>
+        <p:spPr>
+          <a:xfrm>
+            <a:off x="2718047" y="4155292"/>
+            <a:ext cx="1380486" cy="646331"/>
+          </a:xfrm>
+          <a:prstGeom prst="rect">
+            <a:avLst/>
+          </a:prstGeom>
+          <a:noFill/>
+        </p:spPr>
+        <p:txBody>
+          <a:bodyPr wrap="square" rtlCol="0">
+            <a:spAutoFit/>
+          </a:bodyPr>
+          <a:lstStyle/>
+          <a:p>
+            <a:r>
+              <a:rPr lang="en-GB" dirty="0"/>
+              <a:t>P unit above feed</a:t>
+            </a:r>
+          </a:p>
+        </p:txBody>
+      </p:sp>
+      <p:sp>
+        <p:nvSpPr>
+          <p:cNvPr id="73" name="TextBox 72">
+            <a:extLst>
+              <a:ext uri="{FF2B5EF4-FFF2-40B4-BE49-F238E27FC236}">
+                <a16:creationId xmlns:a16="http://schemas.microsoft.com/office/drawing/2014/main" id="{ECD73BBC-9E19-8958-93A4-11C102C6701D}"/>
+              </a:ext>
+            </a:extLst>
+          </p:cNvPr>
+          <p:cNvSpPr txBox="1"/>
+          <p:nvPr/>
+        </p:nvSpPr>
+        <p:spPr>
+          <a:xfrm>
+            <a:off x="5900689" y="189987"/>
+            <a:ext cx="3136775" cy="369332"/>
+          </a:xfrm>
+          <a:prstGeom prst="rect">
+            <a:avLst/>
+          </a:prstGeom>
+          <a:noFill/>
+        </p:spPr>
+        <p:txBody>
+          <a:bodyPr wrap="square" rtlCol="0">
+            <a:spAutoFit/>
+          </a:bodyPr>
+          <a:lstStyle/>
+          <a:p>
+            <a:r>
+              <a:rPr lang="en-GB" dirty="0"/>
+              <a:t>If there’s no reflux or </a:t>
+            </a:r>
+            <a:r>
+              <a:rPr lang="en-GB" dirty="0" err="1"/>
+              <a:t>reboil</a:t>
+            </a:r>
+            <a:endParaRPr lang="en-GB" dirty="0"/>
+          </a:p>
+        </p:txBody>
+      </p:sp>
+      <p:sp>
+        <p:nvSpPr>
+          <p:cNvPr id="74" name="TextBox 73">
+            <a:extLst>
+              <a:ext uri="{FF2B5EF4-FFF2-40B4-BE49-F238E27FC236}">
+                <a16:creationId xmlns:a16="http://schemas.microsoft.com/office/drawing/2014/main" id="{FB9DCE32-8CB7-6785-F480-1BF2A7534831}"/>
+              </a:ext>
+            </a:extLst>
+          </p:cNvPr>
+          <p:cNvSpPr txBox="1"/>
+          <p:nvPr/>
+        </p:nvSpPr>
+        <p:spPr>
+          <a:xfrm>
+            <a:off x="5900689" y="1400813"/>
+            <a:ext cx="932155" cy="369332"/>
+          </a:xfrm>
+          <a:prstGeom prst="rect">
+            <a:avLst/>
+          </a:prstGeom>
+          <a:noFill/>
+        </p:spPr>
+        <p:txBody>
+          <a:bodyPr wrap="square" rtlCol="0">
+            <a:spAutoFit/>
+          </a:bodyPr>
+          <a:lstStyle/>
+          <a:p>
+            <a:r>
+              <a:rPr lang="en-GB" dirty="0"/>
+              <a:t>T feed</a:t>
+            </a:r>
+          </a:p>
+        </p:txBody>
+      </p:sp>
+      <p:sp>
+        <p:nvSpPr>
+          <p:cNvPr id="75" name="TextBox 74">
+            <a:extLst>
+              <a:ext uri="{FF2B5EF4-FFF2-40B4-BE49-F238E27FC236}">
+                <a16:creationId xmlns:a16="http://schemas.microsoft.com/office/drawing/2014/main" id="{27E4B88E-C343-E9F3-F820-7A3A5D788E05}"/>
+              </a:ext>
+            </a:extLst>
+          </p:cNvPr>
+          <p:cNvSpPr txBox="1"/>
+          <p:nvPr/>
+        </p:nvSpPr>
+        <p:spPr>
+          <a:xfrm>
+            <a:off x="7002998" y="1155653"/>
+            <a:ext cx="932155" cy="923330"/>
+          </a:xfrm>
+          <a:prstGeom prst="rect">
+            <a:avLst/>
+          </a:prstGeom>
+          <a:noFill/>
+        </p:spPr>
+        <p:txBody>
+          <a:bodyPr wrap="square" rtlCol="0">
+            <a:spAutoFit/>
+          </a:bodyPr>
+          <a:lstStyle/>
+          <a:p>
+            <a:r>
+              <a:rPr lang="en-GB" dirty="0"/>
+              <a:t>T unit </a:t>
+            </a:r>
+            <a:r>
+              <a:rPr lang="en-GB" dirty="0" err="1"/>
+              <a:t>i</a:t>
+            </a:r>
+            <a:endParaRPr lang="en-GB" dirty="0"/>
+          </a:p>
+          <a:p>
+            <a:endParaRPr lang="en-GB" dirty="0"/>
+          </a:p>
+          <a:p>
+            <a:r>
+              <a:rPr lang="en-GB" dirty="0"/>
+              <a:t>T unit </a:t>
+            </a:r>
+            <a:r>
+              <a:rPr lang="en-GB" dirty="0" err="1"/>
+              <a:t>i</a:t>
+            </a:r>
+            <a:r>
+              <a:rPr lang="en-GB" dirty="0"/>
+              <a:t> </a:t>
+            </a:r>
+          </a:p>
+        </p:txBody>
+      </p:sp>
+      <p:sp>
+        <p:nvSpPr>
+          <p:cNvPr id="76" name="TextBox 75">
+            <a:extLst>
+              <a:ext uri="{FF2B5EF4-FFF2-40B4-BE49-F238E27FC236}">
+                <a16:creationId xmlns:a16="http://schemas.microsoft.com/office/drawing/2014/main" id="{EB79F545-8EF5-E797-DF2D-C262C64249F9}"/>
+              </a:ext>
+            </a:extLst>
+          </p:cNvPr>
+          <p:cNvSpPr txBox="1"/>
+          <p:nvPr/>
+        </p:nvSpPr>
+        <p:spPr>
+          <a:xfrm>
+            <a:off x="8200001" y="601655"/>
+            <a:ext cx="932155" cy="2031325"/>
+          </a:xfrm>
+          <a:prstGeom prst="rect">
+            <a:avLst/>
+          </a:prstGeom>
+          <a:noFill/>
+        </p:spPr>
+        <p:txBody>
+          <a:bodyPr wrap="square" rtlCol="0">
+            <a:spAutoFit/>
+          </a:bodyPr>
+          <a:lstStyle/>
+          <a:p>
+            <a:r>
+              <a:rPr lang="en-GB" dirty="0"/>
+              <a:t>X top</a:t>
+            </a:r>
+          </a:p>
+          <a:p>
+            <a:endParaRPr lang="en-GB" dirty="0"/>
+          </a:p>
+          <a:p>
+            <a:r>
+              <a:rPr lang="en-GB" dirty="0"/>
+              <a:t>T top</a:t>
+            </a:r>
+          </a:p>
+          <a:p>
+            <a:endParaRPr lang="en-GB" dirty="0"/>
+          </a:p>
+          <a:p>
+            <a:r>
+              <a:rPr lang="en-GB" dirty="0"/>
+              <a:t>T bot</a:t>
+            </a:r>
+          </a:p>
+          <a:p>
+            <a:endParaRPr lang="en-GB" dirty="0"/>
+          </a:p>
+          <a:p>
+            <a:r>
+              <a:rPr lang="en-GB" dirty="0"/>
+              <a:t>X bot</a:t>
+            </a:r>
+          </a:p>
+        </p:txBody>
+      </p:sp>
+      <p:cxnSp>
+        <p:nvCxnSpPr>
+          <p:cNvPr id="78" name="Straight Arrow Connector 77">
+            <a:extLst>
+              <a:ext uri="{FF2B5EF4-FFF2-40B4-BE49-F238E27FC236}">
+                <a16:creationId xmlns:a16="http://schemas.microsoft.com/office/drawing/2014/main" id="{1D30E20D-7E82-5458-6911-A6A8AB0C3164}"/>
+              </a:ext>
+            </a:extLst>
+          </p:cNvPr>
+          <p:cNvCxnSpPr/>
+          <p:nvPr/>
+        </p:nvCxnSpPr>
+        <p:spPr>
+          <a:xfrm flipV="1">
+            <a:off x="6613864" y="1322642"/>
+            <a:ext cx="389134" cy="262837"/>
+          </a:xfrm>
+          <a:prstGeom prst="straightConnector1">
+            <a:avLst/>
+          </a:prstGeom>
+          <a:ln>
+            <a:tailEnd type="triangle"/>
+          </a:ln>
+        </p:spPr>
+        <p:style>
+          <a:lnRef idx="2">
+            <a:schemeClr val="accent1"/>
+          </a:lnRef>
+          <a:fillRef idx="0">
+            <a:schemeClr val="accent1"/>
+          </a:fillRef>
+          <a:effectRef idx="1">
+            <a:schemeClr val="accent1"/>
+          </a:effectRef>
+          <a:fontRef idx="minor">
+            <a:schemeClr val="tx1"/>
+          </a:fontRef>
+        </p:style>
+      </p:cxnSp>
+      <p:cxnSp>
+        <p:nvCxnSpPr>
+          <p:cNvPr id="80" name="Straight Arrow Connector 79">
+            <a:extLst>
+              <a:ext uri="{FF2B5EF4-FFF2-40B4-BE49-F238E27FC236}">
+                <a16:creationId xmlns:a16="http://schemas.microsoft.com/office/drawing/2014/main" id="{12A48F5F-80A3-21FB-C98C-FA7C6407DD0A}"/>
+              </a:ext>
+            </a:extLst>
+          </p:cNvPr>
+          <p:cNvCxnSpPr/>
+          <p:nvPr/>
+        </p:nvCxnSpPr>
+        <p:spPr>
+          <a:xfrm>
+            <a:off x="6631619" y="1617318"/>
+            <a:ext cx="415768" cy="246862"/>
+          </a:xfrm>
+          <a:prstGeom prst="straightConnector1">
+            <a:avLst/>
+          </a:prstGeom>
+          <a:ln>
+            <a:tailEnd type="triangle"/>
+          </a:ln>
+        </p:spPr>
+        <p:style>
+          <a:lnRef idx="2">
+            <a:schemeClr val="accent1"/>
+          </a:lnRef>
+          <a:fillRef idx="0">
+            <a:schemeClr val="accent1"/>
+          </a:fillRef>
+          <a:effectRef idx="1">
+            <a:schemeClr val="accent1"/>
+          </a:effectRef>
+          <a:fontRef idx="minor">
+            <a:schemeClr val="tx1"/>
+          </a:fontRef>
+        </p:style>
+      </p:cxnSp>
+      <p:cxnSp>
+        <p:nvCxnSpPr>
+          <p:cNvPr id="82" name="Straight Arrow Connector 81">
+            <a:extLst>
+              <a:ext uri="{FF2B5EF4-FFF2-40B4-BE49-F238E27FC236}">
+                <a16:creationId xmlns:a16="http://schemas.microsoft.com/office/drawing/2014/main" id="{8F2C22B8-31FF-5801-6C07-1251B40E2A2D}"/>
+              </a:ext>
+            </a:extLst>
+          </p:cNvPr>
+          <p:cNvCxnSpPr/>
+          <p:nvPr/>
+        </p:nvCxnSpPr>
+        <p:spPr>
+          <a:xfrm>
+            <a:off x="7767965" y="1322642"/>
+            <a:ext cx="381731" cy="0"/>
+          </a:xfrm>
+          <a:prstGeom prst="straightConnector1">
+            <a:avLst/>
+          </a:prstGeom>
+          <a:ln>
+            <a:tailEnd type="triangle"/>
+          </a:ln>
+        </p:spPr>
+        <p:style>
+          <a:lnRef idx="2">
+            <a:schemeClr val="accent1"/>
+          </a:lnRef>
+          <a:fillRef idx="0">
+            <a:schemeClr val="accent1"/>
+          </a:fillRef>
+          <a:effectRef idx="1">
+            <a:schemeClr val="accent1"/>
+          </a:effectRef>
+          <a:fontRef idx="minor">
+            <a:schemeClr val="tx1"/>
+          </a:fontRef>
+        </p:style>
+      </p:cxnSp>
+      <p:cxnSp>
+        <p:nvCxnSpPr>
+          <p:cNvPr id="84" name="Straight Arrow Connector 83">
+            <a:extLst>
+              <a:ext uri="{FF2B5EF4-FFF2-40B4-BE49-F238E27FC236}">
+                <a16:creationId xmlns:a16="http://schemas.microsoft.com/office/drawing/2014/main" id="{92D4A13F-8ACF-0559-CF02-8126EEC2BD2C}"/>
+              </a:ext>
+            </a:extLst>
+          </p:cNvPr>
+          <p:cNvCxnSpPr/>
+          <p:nvPr/>
+        </p:nvCxnSpPr>
+        <p:spPr>
+          <a:xfrm>
+            <a:off x="7803472" y="1944079"/>
+            <a:ext cx="346224" cy="0"/>
+          </a:xfrm>
+          <a:prstGeom prst="straightConnector1">
+            <a:avLst/>
+          </a:prstGeom>
+          <a:ln>
+            <a:tailEnd type="triangle"/>
+          </a:ln>
+        </p:spPr>
+        <p:style>
+          <a:lnRef idx="2">
+            <a:schemeClr val="accent1"/>
+          </a:lnRef>
+          <a:fillRef idx="0">
+            <a:schemeClr val="accent1"/>
+          </a:fillRef>
+          <a:effectRef idx="1">
+            <a:schemeClr val="accent1"/>
+          </a:effectRef>
+          <a:fontRef idx="minor">
+            <a:schemeClr val="tx1"/>
+          </a:fontRef>
+        </p:style>
+      </p:cxnSp>
+      <p:cxnSp>
+        <p:nvCxnSpPr>
+          <p:cNvPr id="86" name="Straight Arrow Connector 85">
+            <a:extLst>
+              <a:ext uri="{FF2B5EF4-FFF2-40B4-BE49-F238E27FC236}">
+                <a16:creationId xmlns:a16="http://schemas.microsoft.com/office/drawing/2014/main" id="{48315883-292E-59FC-8E8B-47EACAB542DC}"/>
+              </a:ext>
+            </a:extLst>
+          </p:cNvPr>
+          <p:cNvCxnSpPr/>
+          <p:nvPr/>
+        </p:nvCxnSpPr>
+        <p:spPr>
+          <a:xfrm flipV="1">
+            <a:off x="7767965" y="834501"/>
+            <a:ext cx="432036" cy="321152"/>
+          </a:xfrm>
+          <a:prstGeom prst="straightConnector1">
+            <a:avLst/>
+          </a:prstGeom>
+          <a:ln>
+            <a:tailEnd type="triangle"/>
+          </a:ln>
+        </p:spPr>
+        <p:style>
+          <a:lnRef idx="2">
+            <a:schemeClr val="accent1"/>
+          </a:lnRef>
+          <a:fillRef idx="0">
+            <a:schemeClr val="accent1"/>
+          </a:fillRef>
+          <a:effectRef idx="1">
+            <a:schemeClr val="accent1"/>
+          </a:effectRef>
+          <a:fontRef idx="minor">
+            <a:schemeClr val="tx1"/>
+          </a:fontRef>
+        </p:style>
+      </p:cxnSp>
+      <p:cxnSp>
+        <p:nvCxnSpPr>
+          <p:cNvPr id="88" name="Straight Arrow Connector 87">
+            <a:extLst>
+              <a:ext uri="{FF2B5EF4-FFF2-40B4-BE49-F238E27FC236}">
+                <a16:creationId xmlns:a16="http://schemas.microsoft.com/office/drawing/2014/main" id="{7AFF5187-6B64-BC04-3A5A-BE8FB9C50D02}"/>
+              </a:ext>
+            </a:extLst>
+          </p:cNvPr>
+          <p:cNvCxnSpPr/>
+          <p:nvPr/>
+        </p:nvCxnSpPr>
+        <p:spPr>
+          <a:xfrm>
+            <a:off x="7753162" y="1986416"/>
+            <a:ext cx="446839" cy="410555"/>
+          </a:xfrm>
+          <a:prstGeom prst="straightConnector1">
+            <a:avLst/>
+          </a:prstGeom>
+          <a:ln>
+            <a:tailEnd type="triangle"/>
+          </a:ln>
+        </p:spPr>
+        <p:style>
+          <a:lnRef idx="2">
+            <a:schemeClr val="accent1"/>
+          </a:lnRef>
+          <a:fillRef idx="0">
+            <a:schemeClr val="accent1"/>
+          </a:fillRef>
+          <a:effectRef idx="1">
+            <a:schemeClr val="accent1"/>
+          </a:effectRef>
+          <a:fontRef idx="minor">
+            <a:schemeClr val="tx1"/>
+          </a:fontRef>
+        </p:style>
+      </p:cxnSp>
+      <p:sp>
+        <p:nvSpPr>
+          <p:cNvPr id="89" name="TextBox 88">
+            <a:extLst>
+              <a:ext uri="{FF2B5EF4-FFF2-40B4-BE49-F238E27FC236}">
+                <a16:creationId xmlns:a16="http://schemas.microsoft.com/office/drawing/2014/main" id="{A5DB48B7-BC60-24FE-DB55-48E134D8894F}"/>
+              </a:ext>
+            </a:extLst>
+          </p:cNvPr>
+          <p:cNvSpPr txBox="1"/>
+          <p:nvPr/>
+        </p:nvSpPr>
+        <p:spPr>
+          <a:xfrm>
+            <a:off x="6301622" y="4076753"/>
+            <a:ext cx="1562476" cy="923330"/>
+          </a:xfrm>
+          <a:prstGeom prst="rect">
+            <a:avLst/>
+          </a:prstGeom>
+          <a:noFill/>
+        </p:spPr>
+        <p:txBody>
+          <a:bodyPr wrap="square" rtlCol="0">
+            <a:spAutoFit/>
+          </a:bodyPr>
+          <a:lstStyle/>
+          <a:p>
+            <a:r>
+              <a:rPr lang="en-GB" dirty="0"/>
+              <a:t>T unit closest</a:t>
+            </a:r>
+          </a:p>
+          <a:p>
+            <a:endParaRPr lang="en-GB" dirty="0"/>
+          </a:p>
+          <a:p>
+            <a:r>
+              <a:rPr lang="en-GB" dirty="0"/>
+              <a:t>P unit closest</a:t>
+            </a:r>
+          </a:p>
+        </p:txBody>
+      </p:sp>
+      <p:sp>
+        <p:nvSpPr>
+          <p:cNvPr id="90" name="TextBox 89">
+            <a:extLst>
+              <a:ext uri="{FF2B5EF4-FFF2-40B4-BE49-F238E27FC236}">
+                <a16:creationId xmlns:a16="http://schemas.microsoft.com/office/drawing/2014/main" id="{2E47C568-AF2F-3A15-CFAE-E5C37E6D82C6}"/>
+              </a:ext>
+            </a:extLst>
+          </p:cNvPr>
+          <p:cNvSpPr txBox="1"/>
+          <p:nvPr/>
+        </p:nvSpPr>
+        <p:spPr>
+          <a:xfrm>
+            <a:off x="5995381" y="3112087"/>
+            <a:ext cx="3136775" cy="369332"/>
+          </a:xfrm>
+          <a:prstGeom prst="rect">
+            <a:avLst/>
+          </a:prstGeom>
+          <a:noFill/>
+        </p:spPr>
+        <p:txBody>
+          <a:bodyPr wrap="square" rtlCol="0">
+            <a:spAutoFit/>
+          </a:bodyPr>
+          <a:lstStyle/>
+          <a:p>
+            <a:r>
+              <a:rPr lang="en-GB" dirty="0"/>
+              <a:t>For every product stream</a:t>
+            </a:r>
+          </a:p>
+        </p:txBody>
+      </p:sp>
+      <p:sp>
+        <p:nvSpPr>
+          <p:cNvPr id="91" name="TextBox 90">
+            <a:extLst>
+              <a:ext uri="{FF2B5EF4-FFF2-40B4-BE49-F238E27FC236}">
+                <a16:creationId xmlns:a16="http://schemas.microsoft.com/office/drawing/2014/main" id="{7862F4D3-EE0D-5859-E3E1-0B0A7F61F6DF}"/>
+              </a:ext>
+            </a:extLst>
+          </p:cNvPr>
+          <p:cNvSpPr txBox="1"/>
+          <p:nvPr/>
+        </p:nvSpPr>
+        <p:spPr>
+          <a:xfrm>
+            <a:off x="8680867" y="3481657"/>
+            <a:ext cx="932155" cy="2031325"/>
+          </a:xfrm>
+          <a:prstGeom prst="rect">
+            <a:avLst/>
+          </a:prstGeom>
+          <a:noFill/>
+        </p:spPr>
+        <p:txBody>
+          <a:bodyPr wrap="square" rtlCol="0">
+            <a:spAutoFit/>
+          </a:bodyPr>
+          <a:lstStyle/>
+          <a:p>
+            <a:r>
+              <a:rPr lang="en-GB" dirty="0"/>
+              <a:t>T prod </a:t>
+            </a:r>
+            <a:r>
+              <a:rPr lang="en-GB" dirty="0" err="1"/>
+              <a:t>i</a:t>
+            </a:r>
+            <a:r>
+              <a:rPr lang="en-GB" dirty="0"/>
+              <a:t> </a:t>
+            </a:r>
+          </a:p>
+          <a:p>
+            <a:endParaRPr lang="en-GB" dirty="0"/>
+          </a:p>
+          <a:p>
+            <a:r>
+              <a:rPr lang="en-GB" dirty="0"/>
+              <a:t>F prod </a:t>
+            </a:r>
+            <a:r>
+              <a:rPr lang="en-GB" dirty="0" err="1"/>
+              <a:t>i</a:t>
+            </a:r>
+            <a:r>
+              <a:rPr lang="en-GB" dirty="0"/>
+              <a:t> </a:t>
+            </a:r>
+          </a:p>
+          <a:p>
+            <a:endParaRPr lang="en-GB" dirty="0"/>
+          </a:p>
+          <a:p>
+            <a:r>
+              <a:rPr lang="en-GB" dirty="0"/>
+              <a:t>P prod </a:t>
+            </a:r>
+            <a:r>
+              <a:rPr lang="en-GB" dirty="0" err="1"/>
+              <a:t>i</a:t>
+            </a:r>
+            <a:r>
+              <a:rPr lang="en-GB" dirty="0"/>
+              <a:t> </a:t>
+            </a:r>
+          </a:p>
+          <a:p>
+            <a:endParaRPr lang="en-GB" dirty="0"/>
+          </a:p>
+          <a:p>
+            <a:r>
+              <a:rPr lang="en-GB" dirty="0"/>
+              <a:t>X prod </a:t>
+            </a:r>
+            <a:r>
+              <a:rPr lang="en-GB" dirty="0" err="1"/>
+              <a:t>i</a:t>
+            </a:r>
+            <a:r>
+              <a:rPr lang="en-GB" dirty="0"/>
+              <a:t> </a:t>
+            </a:r>
+          </a:p>
+        </p:txBody>
+      </p:sp>
+      <p:cxnSp>
+        <p:nvCxnSpPr>
+          <p:cNvPr id="93" name="Straight Arrow Connector 92">
+            <a:extLst>
+              <a:ext uri="{FF2B5EF4-FFF2-40B4-BE49-F238E27FC236}">
+                <a16:creationId xmlns:a16="http://schemas.microsoft.com/office/drawing/2014/main" id="{5E06B807-603C-8D95-AC39-3175549A9678}"/>
+              </a:ext>
+            </a:extLst>
+          </p:cNvPr>
+          <p:cNvCxnSpPr/>
+          <p:nvPr/>
+        </p:nvCxnSpPr>
+        <p:spPr>
+          <a:xfrm flipV="1">
+            <a:off x="7753162" y="3769063"/>
+            <a:ext cx="927705" cy="386229"/>
+          </a:xfrm>
+          <a:prstGeom prst="straightConnector1">
+            <a:avLst/>
+          </a:prstGeom>
+          <a:ln>
+            <a:tailEnd type="triangle"/>
+          </a:ln>
+        </p:spPr>
+        <p:style>
+          <a:lnRef idx="2">
+            <a:schemeClr val="accent1"/>
+          </a:lnRef>
+          <a:fillRef idx="0">
+            <a:schemeClr val="accent1"/>
+          </a:fillRef>
+          <a:effectRef idx="1">
+            <a:schemeClr val="accent1"/>
+          </a:effectRef>
+          <a:fontRef idx="minor">
+            <a:schemeClr val="tx1"/>
+          </a:fontRef>
+        </p:style>
+      </p:cxnSp>
+      <p:cxnSp>
+        <p:nvCxnSpPr>
+          <p:cNvPr id="95" name="Straight Arrow Connector 94">
+            <a:extLst>
+              <a:ext uri="{FF2B5EF4-FFF2-40B4-BE49-F238E27FC236}">
+                <a16:creationId xmlns:a16="http://schemas.microsoft.com/office/drawing/2014/main" id="{39E3B15B-B944-E6D4-D848-6170FA4C6B1C}"/>
+              </a:ext>
+            </a:extLst>
+          </p:cNvPr>
+          <p:cNvCxnSpPr/>
+          <p:nvPr/>
+        </p:nvCxnSpPr>
+        <p:spPr>
+          <a:xfrm flipV="1">
+            <a:off x="7767965" y="4196535"/>
+            <a:ext cx="912902" cy="133561"/>
+          </a:xfrm>
+          <a:prstGeom prst="straightConnector1">
+            <a:avLst/>
+          </a:prstGeom>
+          <a:ln>
+            <a:tailEnd type="triangle"/>
+          </a:ln>
+        </p:spPr>
+        <p:style>
+          <a:lnRef idx="2">
+            <a:schemeClr val="accent1"/>
+          </a:lnRef>
+          <a:fillRef idx="0">
+            <a:schemeClr val="accent1"/>
+          </a:fillRef>
+          <a:effectRef idx="1">
+            <a:schemeClr val="accent1"/>
+          </a:effectRef>
+          <a:fontRef idx="minor">
+            <a:schemeClr val="tx1"/>
+          </a:fontRef>
+        </p:style>
+      </p:cxnSp>
+      <p:cxnSp>
+        <p:nvCxnSpPr>
+          <p:cNvPr id="97" name="Straight Arrow Connector 96">
+            <a:extLst>
+              <a:ext uri="{FF2B5EF4-FFF2-40B4-BE49-F238E27FC236}">
+                <a16:creationId xmlns:a16="http://schemas.microsoft.com/office/drawing/2014/main" id="{BFD6AD9F-D7B3-711A-7063-E2C6EFECB9B3}"/>
+              </a:ext>
+            </a:extLst>
+          </p:cNvPr>
+          <p:cNvCxnSpPr/>
+          <p:nvPr/>
+        </p:nvCxnSpPr>
+        <p:spPr>
+          <a:xfrm>
+            <a:off x="7816032" y="4389879"/>
+            <a:ext cx="864835" cy="821262"/>
+          </a:xfrm>
+          <a:prstGeom prst="straightConnector1">
+            <a:avLst/>
+          </a:prstGeom>
+          <a:ln>
+            <a:tailEnd type="triangle"/>
+          </a:ln>
+        </p:spPr>
+        <p:style>
+          <a:lnRef idx="2">
+            <a:schemeClr val="accent1"/>
+          </a:lnRef>
+          <a:fillRef idx="0">
+            <a:schemeClr val="accent1"/>
+          </a:fillRef>
+          <a:effectRef idx="1">
+            <a:schemeClr val="accent1"/>
+          </a:effectRef>
+          <a:fontRef idx="minor">
+            <a:schemeClr val="tx1"/>
+          </a:fontRef>
+        </p:style>
+      </p:cxnSp>
+      <p:cxnSp>
+        <p:nvCxnSpPr>
+          <p:cNvPr id="99" name="Straight Arrow Connector 98">
+            <a:extLst>
+              <a:ext uri="{FF2B5EF4-FFF2-40B4-BE49-F238E27FC236}">
+                <a16:creationId xmlns:a16="http://schemas.microsoft.com/office/drawing/2014/main" id="{988E151A-42C3-03FB-00F3-A994FCDFF9CA}"/>
+              </a:ext>
+            </a:extLst>
+          </p:cNvPr>
+          <p:cNvCxnSpPr/>
+          <p:nvPr/>
+        </p:nvCxnSpPr>
+        <p:spPr>
+          <a:xfrm>
+            <a:off x="7767965" y="4884381"/>
+            <a:ext cx="912902" cy="433318"/>
+          </a:xfrm>
+          <a:prstGeom prst="straightConnector1">
+            <a:avLst/>
+          </a:prstGeom>
+          <a:ln>
+            <a:tailEnd type="triangle"/>
+          </a:ln>
+        </p:spPr>
+        <p:style>
+          <a:lnRef idx="2">
+            <a:schemeClr val="accent1"/>
+          </a:lnRef>
+          <a:fillRef idx="0">
+            <a:schemeClr val="accent1"/>
+          </a:fillRef>
+          <a:effectRef idx="1">
+            <a:schemeClr val="accent1"/>
+          </a:effectRef>
+          <a:fontRef idx="minor">
+            <a:schemeClr val="tx1"/>
+          </a:fontRef>
+        </p:style>
+      </p:cxnSp>
+      <p:cxnSp>
+        <p:nvCxnSpPr>
+          <p:cNvPr id="103" name="Straight Arrow Connector 102">
+            <a:extLst>
+              <a:ext uri="{FF2B5EF4-FFF2-40B4-BE49-F238E27FC236}">
+                <a16:creationId xmlns:a16="http://schemas.microsoft.com/office/drawing/2014/main" id="{A0733CD2-370E-3327-5C0F-40DC89498755}"/>
+              </a:ext>
+            </a:extLst>
+          </p:cNvPr>
+          <p:cNvCxnSpPr/>
+          <p:nvPr/>
+        </p:nvCxnSpPr>
+        <p:spPr>
+          <a:xfrm flipV="1">
+            <a:off x="7816032" y="4360388"/>
+            <a:ext cx="981739" cy="440122"/>
+          </a:xfrm>
+          <a:prstGeom prst="straightConnector1">
+            <a:avLst/>
+          </a:prstGeom>
+          <a:ln>
+            <a:tailEnd type="triangle"/>
+          </a:ln>
+        </p:spPr>
+        <p:style>
+          <a:lnRef idx="2">
+            <a:schemeClr val="accent1"/>
+          </a:lnRef>
+          <a:fillRef idx="0">
+            <a:schemeClr val="accent1"/>
+          </a:fillRef>
+          <a:effectRef idx="1">
+            <a:schemeClr val="accent1"/>
+          </a:effectRef>
+          <a:fontRef idx="minor">
+            <a:schemeClr val="tx1"/>
+          </a:fontRef>
+        </p:style>
+      </p:cxnSp>
+      <p:cxnSp>
+        <p:nvCxnSpPr>
+          <p:cNvPr id="104" name="Straight Arrow Connector 103">
+            <a:extLst>
+              <a:ext uri="{FF2B5EF4-FFF2-40B4-BE49-F238E27FC236}">
+                <a16:creationId xmlns:a16="http://schemas.microsoft.com/office/drawing/2014/main" id="{5279ACB2-B0FC-B453-8ACC-935D7F902EC5}"/>
+              </a:ext>
+            </a:extLst>
+          </p:cNvPr>
+          <p:cNvCxnSpPr>
+            <a:cxnSpLocks/>
+          </p:cNvCxnSpPr>
+          <p:nvPr/>
+        </p:nvCxnSpPr>
+        <p:spPr>
+          <a:xfrm flipV="1">
+            <a:off x="7803472" y="4768997"/>
+            <a:ext cx="973528" cy="61004"/>
+          </a:xfrm>
+          <a:prstGeom prst="straightConnector1">
+            <a:avLst/>
+          </a:prstGeom>
+          <a:ln>
+            <a:tailEnd type="triangle"/>
+          </a:ln>
+        </p:spPr>
+        <p:style>
+          <a:lnRef idx="2">
+            <a:schemeClr val="accent1"/>
+          </a:lnRef>
+          <a:fillRef idx="0">
+            <a:schemeClr val="accent1"/>
+          </a:fillRef>
+          <a:effectRef idx="1">
+            <a:schemeClr val="accent1"/>
+          </a:effectRef>
+          <a:fontRef idx="minor">
+            <a:schemeClr val="tx1"/>
+          </a:fontRef>
+        </p:style>
+      </p:cxnSp>
+      <p:sp>
+        <p:nvSpPr>
+          <p:cNvPr id="110" name="TextBox 109">
+            <a:extLst>
+              <a:ext uri="{FF2B5EF4-FFF2-40B4-BE49-F238E27FC236}">
+                <a16:creationId xmlns:a16="http://schemas.microsoft.com/office/drawing/2014/main" id="{E617E735-E1C3-79DB-C5BD-2957C8A3E67C}"/>
+              </a:ext>
+            </a:extLst>
+          </p:cNvPr>
+          <p:cNvSpPr txBox="1"/>
+          <p:nvPr/>
+        </p:nvSpPr>
+        <p:spPr>
+          <a:xfrm>
+            <a:off x="2238280" y="1676789"/>
+            <a:ext cx="1533618" cy="369332"/>
+          </a:xfrm>
+          <a:prstGeom prst="rect">
+            <a:avLst/>
+          </a:prstGeom>
+          <a:noFill/>
+        </p:spPr>
+        <p:txBody>
+          <a:bodyPr wrap="square">
+            <a:spAutoFit/>
+          </a:bodyPr>
+          <a:lstStyle/>
+          <a:p>
+            <a:r>
+              <a:rPr lang="en-GB" dirty="0"/>
+              <a:t>P unit closest</a:t>
+            </a:r>
+          </a:p>
+        </p:txBody>
+      </p:sp>
+      <p:sp>
+        <p:nvSpPr>
+          <p:cNvPr id="112" name="TextBox 111">
+            <a:extLst>
+              <a:ext uri="{FF2B5EF4-FFF2-40B4-BE49-F238E27FC236}">
+                <a16:creationId xmlns:a16="http://schemas.microsoft.com/office/drawing/2014/main" id="{806D8DD3-D019-30CC-F010-BABD710E4B3B}"/>
+              </a:ext>
+            </a:extLst>
+          </p:cNvPr>
+          <p:cNvSpPr txBox="1"/>
+          <p:nvPr/>
+        </p:nvSpPr>
+        <p:spPr>
+          <a:xfrm>
+            <a:off x="3993460" y="1685601"/>
+            <a:ext cx="724638" cy="369332"/>
+          </a:xfrm>
+          <a:prstGeom prst="rect">
+            <a:avLst/>
+          </a:prstGeom>
+          <a:noFill/>
+        </p:spPr>
+        <p:txBody>
+          <a:bodyPr wrap="square">
+            <a:spAutoFit/>
+          </a:bodyPr>
+          <a:lstStyle/>
+          <a:p>
+            <a:r>
+              <a:rPr lang="en-GB" dirty="0"/>
+              <a:t>X bot</a:t>
+            </a:r>
+          </a:p>
+        </p:txBody>
+      </p:sp>
+      <p:cxnSp>
+        <p:nvCxnSpPr>
+          <p:cNvPr id="113" name="Straight Arrow Connector 112">
+            <a:extLst>
+              <a:ext uri="{FF2B5EF4-FFF2-40B4-BE49-F238E27FC236}">
+                <a16:creationId xmlns:a16="http://schemas.microsoft.com/office/drawing/2014/main" id="{217F3CC7-30E5-607B-0F7A-B59578E257BF}"/>
+              </a:ext>
+            </a:extLst>
+          </p:cNvPr>
+          <p:cNvCxnSpPr>
+            <a:cxnSpLocks/>
+            <a:endCxn id="112" idx="1"/>
+          </p:cNvCxnSpPr>
+          <p:nvPr/>
+        </p:nvCxnSpPr>
+        <p:spPr>
+          <a:xfrm>
+            <a:off x="3767456" y="1855784"/>
+            <a:ext cx="226004" cy="14483"/>
+          </a:xfrm>
+          <a:prstGeom prst="straightConnector1">
+            <a:avLst/>
+          </a:prstGeom>
+          <a:ln>
+            <a:tailEnd type="triangle"/>
+          </a:ln>
+        </p:spPr>
+        <p:style>
+          <a:lnRef idx="2">
+            <a:schemeClr val="accent1"/>
+          </a:lnRef>
+          <a:fillRef idx="0">
+            <a:schemeClr val="accent1"/>
+          </a:fillRef>
+          <a:effectRef idx="1">
+            <a:schemeClr val="accent1"/>
+          </a:effectRef>
+          <a:fontRef idx="minor">
+            <a:schemeClr val="tx1"/>
+          </a:fontRef>
+        </p:style>
+      </p:cxnSp>
+    </p:spTree>
+    <p:extLst>
+      <p:ext uri="{BB962C8B-B14F-4D97-AF65-F5344CB8AC3E}">
+        <p14:creationId xmlns:p14="http://schemas.microsoft.com/office/powerpoint/2010/main" val="1148910802"/>
       </p:ext>
     </p:extLst>
   </p:cSld>
@@ -8926,47 +12626,6 @@
           </a:p>
         </p:txBody>
       </p:sp>
-      <p:cxnSp>
-        <p:nvCxnSpPr>
-          <p:cNvPr id="48" name="Straight Arrow Connector 47">
-            <a:extLst>
-              <a:ext uri="{FF2B5EF4-FFF2-40B4-BE49-F238E27FC236}">
-                <a16:creationId xmlns:a16="http://schemas.microsoft.com/office/drawing/2014/main" id="{8BFFCC9F-B973-5AA9-DACA-DDD56A15FD67}"/>
-              </a:ext>
-            </a:extLst>
-          </p:cNvPr>
-          <p:cNvCxnSpPr>
-            <a:cxnSpLocks/>
-          </p:cNvCxnSpPr>
-          <p:nvPr/>
-        </p:nvCxnSpPr>
-        <p:spPr>
-          <a:xfrm>
-            <a:off x="2399930" y="3464963"/>
-            <a:ext cx="1753773" cy="0"/>
-          </a:xfrm>
-          <a:prstGeom prst="straightConnector1">
-            <a:avLst/>
-          </a:prstGeom>
-          <a:ln>
-            <a:tailEnd type="triangle"/>
-          </a:ln>
-        </p:spPr>
-        <p:style>
-          <a:lnRef idx="2">
-            <a:schemeClr val="accent1"/>
-          </a:lnRef>
-          <a:fillRef idx="0">
-            <a:schemeClr val="accent1"/>
-          </a:fillRef>
-          <a:effectRef idx="1">
-            <a:schemeClr val="accent1"/>
-          </a:effectRef>
-          <a:fontRef idx="minor">
-            <a:schemeClr val="tx1"/>
-          </a:fontRef>
-        </p:style>
-      </p:cxnSp>
       <p:sp>
         <p:nvSpPr>
           <p:cNvPr id="50" name="TextBox 49">
@@ -9744,47 +13403,6 @@
       </p:sp>
       <p:cxnSp>
         <p:nvCxnSpPr>
-          <p:cNvPr id="23" name="Straight Arrow Connector 22">
-            <a:extLst>
-              <a:ext uri="{FF2B5EF4-FFF2-40B4-BE49-F238E27FC236}">
-                <a16:creationId xmlns:a16="http://schemas.microsoft.com/office/drawing/2014/main" id="{0CD63032-4821-F855-5397-3DC98D3E2595}"/>
-              </a:ext>
-            </a:extLst>
-          </p:cNvPr>
-          <p:cNvCxnSpPr>
-            <a:cxnSpLocks/>
-          </p:cNvCxnSpPr>
-          <p:nvPr/>
-        </p:nvCxnSpPr>
-        <p:spPr>
-          <a:xfrm>
-            <a:off x="2399930" y="3464963"/>
-            <a:ext cx="1753773" cy="0"/>
-          </a:xfrm>
-          <a:prstGeom prst="straightConnector1">
-            <a:avLst/>
-          </a:prstGeom>
-          <a:ln>
-            <a:tailEnd type="triangle"/>
-          </a:ln>
-        </p:spPr>
-        <p:style>
-          <a:lnRef idx="2">
-            <a:schemeClr val="accent1"/>
-          </a:lnRef>
-          <a:fillRef idx="0">
-            <a:schemeClr val="accent1"/>
-          </a:fillRef>
-          <a:effectRef idx="1">
-            <a:schemeClr val="accent1"/>
-          </a:effectRef>
-          <a:fontRef idx="minor">
-            <a:schemeClr val="tx1"/>
-          </a:fontRef>
-        </p:style>
-      </p:cxnSp>
-      <p:cxnSp>
-        <p:nvCxnSpPr>
           <p:cNvPr id="26" name="Straight Arrow Connector 25">
             <a:extLst>
               <a:ext uri="{FF2B5EF4-FFF2-40B4-BE49-F238E27FC236}">
@@ -11093,45 +14711,6 @@
       </p:sp>
       <p:cxnSp>
         <p:nvCxnSpPr>
-          <p:cNvPr id="51" name="Straight Arrow Connector 50">
-            <a:extLst>
-              <a:ext uri="{FF2B5EF4-FFF2-40B4-BE49-F238E27FC236}">
-                <a16:creationId xmlns:a16="http://schemas.microsoft.com/office/drawing/2014/main" id="{05753921-370A-C65F-1B5C-9D2324E8E9DC}"/>
-              </a:ext>
-            </a:extLst>
-          </p:cNvPr>
-          <p:cNvCxnSpPr/>
-          <p:nvPr/>
-        </p:nvCxnSpPr>
-        <p:spPr>
-          <a:xfrm flipH="1">
-            <a:off x="8469299" y="2626025"/>
-            <a:ext cx="1509202" cy="0"/>
-          </a:xfrm>
-          <a:prstGeom prst="straightConnector1">
-            <a:avLst/>
-          </a:prstGeom>
-          <a:ln>
-            <a:tailEnd type="triangle"/>
-          </a:ln>
-        </p:spPr>
-        <p:style>
-          <a:lnRef idx="2">
-            <a:schemeClr val="accent1"/>
-          </a:lnRef>
-          <a:fillRef idx="0">
-            <a:schemeClr val="accent1"/>
-          </a:fillRef>
-          <a:effectRef idx="1">
-            <a:schemeClr val="accent1"/>
-          </a:effectRef>
-          <a:fontRef idx="minor">
-            <a:schemeClr val="tx1"/>
-          </a:fontRef>
-        </p:style>
-      </p:cxnSp>
-      <p:cxnSp>
-        <p:nvCxnSpPr>
           <p:cNvPr id="53" name="Straight Arrow Connector 52">
             <a:extLst>
               <a:ext uri="{FF2B5EF4-FFF2-40B4-BE49-F238E27FC236}">
@@ -12293,45 +15872,6 @@
           </a:p>
         </p:txBody>
       </p:sp>
-      <p:cxnSp>
-        <p:nvCxnSpPr>
-          <p:cNvPr id="77" name="Straight Arrow Connector 76">
-            <a:extLst>
-              <a:ext uri="{FF2B5EF4-FFF2-40B4-BE49-F238E27FC236}">
-                <a16:creationId xmlns:a16="http://schemas.microsoft.com/office/drawing/2014/main" id="{CBD9B6E7-A44E-ABFB-2068-2CDB6EC2F6EC}"/>
-              </a:ext>
-            </a:extLst>
-          </p:cNvPr>
-          <p:cNvCxnSpPr/>
-          <p:nvPr/>
-        </p:nvCxnSpPr>
-        <p:spPr>
-          <a:xfrm flipH="1">
-            <a:off x="8831804" y="4289680"/>
-            <a:ext cx="1509202" cy="0"/>
-          </a:xfrm>
-          <a:prstGeom prst="straightConnector1">
-            <a:avLst/>
-          </a:prstGeom>
-          <a:ln>
-            <a:tailEnd type="triangle"/>
-          </a:ln>
-        </p:spPr>
-        <p:style>
-          <a:lnRef idx="2">
-            <a:schemeClr val="accent1"/>
-          </a:lnRef>
-          <a:fillRef idx="0">
-            <a:schemeClr val="accent1"/>
-          </a:fillRef>
-          <a:effectRef idx="1">
-            <a:schemeClr val="accent1"/>
-          </a:effectRef>
-          <a:fontRef idx="minor">
-            <a:schemeClr val="tx1"/>
-          </a:fontRef>
-        </p:style>
-      </p:cxnSp>
       <p:sp>
         <p:nvSpPr>
           <p:cNvPr id="78" name="TextBox 77">
@@ -12402,45 +15942,6 @@
           </a:p>
         </p:txBody>
       </p:sp>
-      <p:cxnSp>
-        <p:nvCxnSpPr>
-          <p:cNvPr id="80" name="Straight Arrow Connector 79">
-            <a:extLst>
-              <a:ext uri="{FF2B5EF4-FFF2-40B4-BE49-F238E27FC236}">
-                <a16:creationId xmlns:a16="http://schemas.microsoft.com/office/drawing/2014/main" id="{C7CB16BF-DB75-4CD2-ACB0-E8250BE955C3}"/>
-              </a:ext>
-            </a:extLst>
-          </p:cNvPr>
-          <p:cNvCxnSpPr/>
-          <p:nvPr/>
-        </p:nvCxnSpPr>
-        <p:spPr>
-          <a:xfrm flipH="1">
-            <a:off x="8848082" y="5143416"/>
-            <a:ext cx="1509202" cy="0"/>
-          </a:xfrm>
-          <a:prstGeom prst="straightConnector1">
-            <a:avLst/>
-          </a:prstGeom>
-          <a:ln>
-            <a:tailEnd type="triangle"/>
-          </a:ln>
-        </p:spPr>
-        <p:style>
-          <a:lnRef idx="2">
-            <a:schemeClr val="accent1"/>
-          </a:lnRef>
-          <a:fillRef idx="0">
-            <a:schemeClr val="accent1"/>
-          </a:fillRef>
-          <a:effectRef idx="1">
-            <a:schemeClr val="accent1"/>
-          </a:effectRef>
-          <a:fontRef idx="minor">
-            <a:schemeClr val="tx1"/>
-          </a:fontRef>
-        </p:style>
-      </p:cxnSp>
     </p:spTree>
     <p:extLst>
       <p:ext uri="{BB962C8B-B14F-4D97-AF65-F5344CB8AC3E}">

--- a/Latent Subgraphs.pptx
+++ b/Latent Subgraphs.pptx
@@ -7,19 +7,21 @@
   <p:sldIdLst>
     <p:sldId id="261" r:id="rId2"/>
     <p:sldId id="256" r:id="rId3"/>
-    <p:sldId id="262" r:id="rId4"/>
-    <p:sldId id="257" r:id="rId5"/>
-    <p:sldId id="263" r:id="rId6"/>
-    <p:sldId id="258" r:id="rId7"/>
-    <p:sldId id="264" r:id="rId8"/>
-    <p:sldId id="259" r:id="rId9"/>
-    <p:sldId id="265" r:id="rId10"/>
-    <p:sldId id="260" r:id="rId11"/>
-    <p:sldId id="266" r:id="rId12"/>
-    <p:sldId id="267" r:id="rId13"/>
-    <p:sldId id="268" r:id="rId14"/>
-    <p:sldId id="270" r:id="rId15"/>
-    <p:sldId id="271" r:id="rId16"/>
+    <p:sldId id="273" r:id="rId4"/>
+    <p:sldId id="262" r:id="rId5"/>
+    <p:sldId id="257" r:id="rId6"/>
+    <p:sldId id="274" r:id="rId7"/>
+    <p:sldId id="263" r:id="rId8"/>
+    <p:sldId id="258" r:id="rId9"/>
+    <p:sldId id="264" r:id="rId10"/>
+    <p:sldId id="259" r:id="rId11"/>
+    <p:sldId id="265" r:id="rId12"/>
+    <p:sldId id="260" r:id="rId13"/>
+    <p:sldId id="266" r:id="rId14"/>
+    <p:sldId id="267" r:id="rId15"/>
+    <p:sldId id="268" r:id="rId16"/>
+    <p:sldId id="270" r:id="rId17"/>
+    <p:sldId id="271" r:id="rId18"/>
   </p:sldIdLst>
   <p:sldSz cx="12192000" cy="6858000"/>
   <p:notesSz cx="6858000" cy="9144000"/>
@@ -129,7 +131,7 @@
 <file path=ppt/revisionInfo.xml><?xml version="1.0" encoding="utf-8"?>
 <p1510:revInfo xmlns:a="http://schemas.openxmlformats.org/drawingml/2006/main" xmlns:r="http://schemas.openxmlformats.org/officeDocument/2006/relationships" xmlns:p1510="http://schemas.microsoft.com/office/powerpoint/2015/10/main">
   <p1510:revLst>
-    <p1510:client id="{62296B02-FF6D-4E03-834C-A905267B6D21}" v="104" dt="2024-03-24T14:42:55.282"/>
+    <p1510:client id="{62296B02-FF6D-4E03-834C-A905267B6D21}" v="107" dt="2024-03-26T20:58:39.235"/>
   </p1510:revLst>
 </p1510:revInfo>
 </file>
@@ -139,7 +141,7 @@
   <pc:docChgLst>
     <pc:chgData name="byron dodd" userId="5f8f3b5ac755099a" providerId="LiveId" clId="{62296B02-FF6D-4E03-834C-A905267B6D21}"/>
     <pc:docChg chg="undo redo custSel addSld delSld modSld">
-      <pc:chgData name="byron dodd" userId="5f8f3b5ac755099a" providerId="LiveId" clId="{62296B02-FF6D-4E03-834C-A905267B6D21}" dt="2024-03-24T15:50:26.251" v="2185" actId="478"/>
+      <pc:chgData name="byron dodd" userId="5f8f3b5ac755099a" providerId="LiveId" clId="{62296B02-FF6D-4E03-834C-A905267B6D21}" dt="2024-03-26T20:59:25.042" v="2218" actId="11529"/>
       <pc:docMkLst>
         <pc:docMk/>
       </pc:docMkLst>
@@ -2971,6 +2973,131 @@
             <pc:docMk/>
             <pc:sldMk cId="1148910802" sldId="271"/>
             <ac:cxnSpMk id="113" creationId="{217F3CC7-30E5-607B-0F7A-B59578E257BF}"/>
+          </ac:cxnSpMkLst>
+        </pc:cxnChg>
+      </pc:sldChg>
+      <pc:sldChg chg="new del">
+        <pc:chgData name="byron dodd" userId="5f8f3b5ac755099a" providerId="LiveId" clId="{62296B02-FF6D-4E03-834C-A905267B6D21}" dt="2024-03-26T20:56:01.283" v="2188" actId="47"/>
+        <pc:sldMkLst>
+          <pc:docMk/>
+          <pc:sldMk cId="4035424054" sldId="272"/>
+        </pc:sldMkLst>
+      </pc:sldChg>
+      <pc:sldChg chg="modSp add mod">
+        <pc:chgData name="byron dodd" userId="5f8f3b5ac755099a" providerId="LiveId" clId="{62296B02-FF6D-4E03-834C-A905267B6D21}" dt="2024-03-26T20:57:06.915" v="2202" actId="14100"/>
+        <pc:sldMkLst>
+          <pc:docMk/>
+          <pc:sldMk cId="1931581640" sldId="273"/>
+        </pc:sldMkLst>
+        <pc:spChg chg="mod">
+          <ac:chgData name="byron dodd" userId="5f8f3b5ac755099a" providerId="LiveId" clId="{62296B02-FF6D-4E03-834C-A905267B6D21}" dt="2024-03-26T20:57:03.953" v="2201" actId="1076"/>
+          <ac:spMkLst>
+            <pc:docMk/>
+            <pc:sldMk cId="1931581640" sldId="273"/>
+            <ac:spMk id="9" creationId="{A34FC2E9-791B-1BCA-8DF7-852BB9A7FC94}"/>
+          </ac:spMkLst>
+        </pc:spChg>
+        <pc:spChg chg="mod">
+          <ac:chgData name="byron dodd" userId="5f8f3b5ac755099a" providerId="LiveId" clId="{62296B02-FF6D-4E03-834C-A905267B6D21}" dt="2024-03-26T20:56:11.896" v="2190" actId="20577"/>
+          <ac:spMkLst>
+            <pc:docMk/>
+            <pc:sldMk cId="1931581640" sldId="273"/>
+            <ac:spMk id="50" creationId="{5B513961-8217-C0C3-D6AA-05C54A7E0A83}"/>
+          </ac:spMkLst>
+        </pc:spChg>
+        <pc:cxnChg chg="mod">
+          <ac:chgData name="byron dodd" userId="5f8f3b5ac755099a" providerId="LiveId" clId="{62296B02-FF6D-4E03-834C-A905267B6D21}" dt="2024-03-26T20:56:59.290" v="2200" actId="14100"/>
+          <ac:cxnSpMkLst>
+            <pc:docMk/>
+            <pc:sldMk cId="1931581640" sldId="273"/>
+            <ac:cxnSpMk id="3" creationId="{61C55F86-6F97-83A4-689A-58112C96EBB3}"/>
+          </ac:cxnSpMkLst>
+        </pc:cxnChg>
+        <pc:cxnChg chg="mod">
+          <ac:chgData name="byron dodd" userId="5f8f3b5ac755099a" providerId="LiveId" clId="{62296B02-FF6D-4E03-834C-A905267B6D21}" dt="2024-03-26T20:57:06.915" v="2202" actId="14100"/>
+          <ac:cxnSpMkLst>
+            <pc:docMk/>
+            <pc:sldMk cId="1931581640" sldId="273"/>
+            <ac:cxnSpMk id="24" creationId="{7991D60F-90D1-2778-0ACB-3FF27B8376EE}"/>
+          </ac:cxnSpMkLst>
+        </pc:cxnChg>
+      </pc:sldChg>
+      <pc:sldChg chg="addSp delSp modSp add mod">
+        <pc:chgData name="byron dodd" userId="5f8f3b5ac755099a" providerId="LiveId" clId="{62296B02-FF6D-4E03-834C-A905267B6D21}" dt="2024-03-26T20:59:25.042" v="2218" actId="11529"/>
+        <pc:sldMkLst>
+          <pc:docMk/>
+          <pc:sldMk cId="1694503147" sldId="274"/>
+        </pc:sldMkLst>
+        <pc:spChg chg="mod">
+          <ac:chgData name="byron dodd" userId="5f8f3b5ac755099a" providerId="LiveId" clId="{62296B02-FF6D-4E03-834C-A905267B6D21}" dt="2024-03-26T20:58:02.600" v="2205" actId="20577"/>
+          <ac:spMkLst>
+            <pc:docMk/>
+            <pc:sldMk cId="1694503147" sldId="274"/>
+            <ac:spMk id="4" creationId="{A48D7CBE-5AD5-4B7E-A0AD-03646A8A1A30}"/>
+          </ac:spMkLst>
+        </pc:spChg>
+        <pc:spChg chg="mod">
+          <ac:chgData name="byron dodd" userId="5f8f3b5ac755099a" providerId="LiveId" clId="{62296B02-FF6D-4E03-834C-A905267B6D21}" dt="2024-03-26T20:58:25.796" v="2211" actId="1076"/>
+          <ac:spMkLst>
+            <pc:docMk/>
+            <pc:sldMk cId="1694503147" sldId="274"/>
+            <ac:spMk id="5" creationId="{F91B2C44-4419-F36F-4DEC-42C574EA251E}"/>
+          </ac:spMkLst>
+        </pc:spChg>
+        <pc:spChg chg="mod">
+          <ac:chgData name="byron dodd" userId="5f8f3b5ac755099a" providerId="LiveId" clId="{62296B02-FF6D-4E03-834C-A905267B6D21}" dt="2024-03-26T20:58:17.495" v="2208" actId="1076"/>
+          <ac:spMkLst>
+            <pc:docMk/>
+            <pc:sldMk cId="1694503147" sldId="274"/>
+            <ac:spMk id="10" creationId="{A2A4CEA4-37D6-27EB-513D-5DB433892F9F}"/>
+          </ac:spMkLst>
+        </pc:spChg>
+        <pc:cxnChg chg="mod">
+          <ac:chgData name="byron dodd" userId="5f8f3b5ac755099a" providerId="LiveId" clId="{62296B02-FF6D-4E03-834C-A905267B6D21}" dt="2024-03-26T20:58:29.470" v="2212" actId="14100"/>
+          <ac:cxnSpMkLst>
+            <pc:docMk/>
+            <pc:sldMk cId="1694503147" sldId="274"/>
+            <ac:cxnSpMk id="18" creationId="{B0018FC7-8A98-9FE9-9CF5-277A28D662E0}"/>
+          </ac:cxnSpMkLst>
+        </pc:cxnChg>
+        <pc:cxnChg chg="add mod">
+          <ac:chgData name="byron dodd" userId="5f8f3b5ac755099a" providerId="LiveId" clId="{62296B02-FF6D-4E03-834C-A905267B6D21}" dt="2024-03-26T20:58:43.245" v="2217" actId="14100"/>
+          <ac:cxnSpMkLst>
+            <pc:docMk/>
+            <pc:sldMk cId="1694503147" sldId="274"/>
+            <ac:cxnSpMk id="19" creationId="{CA3A6401-24A8-2DBB-3F09-BF521D81FF63}"/>
+          </ac:cxnSpMkLst>
+        </pc:cxnChg>
+        <pc:cxnChg chg="add">
+          <ac:chgData name="byron dodd" userId="5f8f3b5ac755099a" providerId="LiveId" clId="{62296B02-FF6D-4E03-834C-A905267B6D21}" dt="2024-03-26T20:59:25.042" v="2218" actId="11529"/>
+          <ac:cxnSpMkLst>
+            <pc:docMk/>
+            <pc:sldMk cId="1694503147" sldId="274"/>
+            <ac:cxnSpMk id="24" creationId="{F98EBD67-D49C-4BE9-8DA7-05218AA0F3FD}"/>
+          </ac:cxnSpMkLst>
+        </pc:cxnChg>
+        <pc:cxnChg chg="mod">
+          <ac:chgData name="byron dodd" userId="5f8f3b5ac755099a" providerId="LiveId" clId="{62296B02-FF6D-4E03-834C-A905267B6D21}" dt="2024-03-26T20:58:37.657" v="2214" actId="14100"/>
+          <ac:cxnSpMkLst>
+            <pc:docMk/>
+            <pc:sldMk cId="1694503147" sldId="274"/>
+            <ac:cxnSpMk id="26" creationId="{FAE58AB7-EEBE-3F1D-CFC1-B2F8B3D9DC85}"/>
+          </ac:cxnSpMkLst>
+        </pc:cxnChg>
+        <pc:cxnChg chg="del mod">
+          <ac:chgData name="byron dodd" userId="5f8f3b5ac755099a" providerId="LiveId" clId="{62296B02-FF6D-4E03-834C-A905267B6D21}" dt="2024-03-26T20:58:13.260" v="2207" actId="478"/>
+          <ac:cxnSpMkLst>
+            <pc:docMk/>
+            <pc:sldMk cId="1694503147" sldId="274"/>
+            <ac:cxnSpMk id="39" creationId="{7A379C2D-6199-A262-C77A-00F6C80A4F50}"/>
+          </ac:cxnSpMkLst>
+        </pc:cxnChg>
+        <pc:cxnChg chg="del mod">
+          <ac:chgData name="byron dodd" userId="5f8f3b5ac755099a" providerId="LiveId" clId="{62296B02-FF6D-4E03-834C-A905267B6D21}" dt="2024-03-26T20:58:19.624" v="2209" actId="478"/>
+          <ac:cxnSpMkLst>
+            <pc:docMk/>
+            <pc:sldMk cId="1694503147" sldId="274"/>
+            <ac:cxnSpMk id="41" creationId="{05859186-4CFC-A836-948F-DC2DB179F799}"/>
           </ac:cxnSpMkLst>
         </pc:cxnChg>
       </pc:sldChg>
@@ -3128,7 +3255,7 @@
           <a:p>
             <a:fld id="{EF65BAF8-CD10-4897-980A-0A7E77145E05}" type="datetimeFigureOut">
               <a:rPr lang="en-GB" smtClean="0"/>
-              <a:t>24/03/2024</a:t>
+              <a:t>25/03/2024</a:t>
             </a:fld>
             <a:endParaRPr lang="en-GB"/>
           </a:p>
@@ -3328,7 +3455,7 @@
           <a:p>
             <a:fld id="{EF65BAF8-CD10-4897-980A-0A7E77145E05}" type="datetimeFigureOut">
               <a:rPr lang="en-GB" smtClean="0"/>
-              <a:t>24/03/2024</a:t>
+              <a:t>25/03/2024</a:t>
             </a:fld>
             <a:endParaRPr lang="en-GB"/>
           </a:p>
@@ -3538,7 +3665,7 @@
           <a:p>
             <a:fld id="{EF65BAF8-CD10-4897-980A-0A7E77145E05}" type="datetimeFigureOut">
               <a:rPr lang="en-GB" smtClean="0"/>
-              <a:t>24/03/2024</a:t>
+              <a:t>25/03/2024</a:t>
             </a:fld>
             <a:endParaRPr lang="en-GB"/>
           </a:p>
@@ -3738,7 +3865,7 @@
           <a:p>
             <a:fld id="{EF65BAF8-CD10-4897-980A-0A7E77145E05}" type="datetimeFigureOut">
               <a:rPr lang="en-GB" smtClean="0"/>
-              <a:t>24/03/2024</a:t>
+              <a:t>25/03/2024</a:t>
             </a:fld>
             <a:endParaRPr lang="en-GB"/>
           </a:p>
@@ -4014,7 +4141,7 @@
           <a:p>
             <a:fld id="{EF65BAF8-CD10-4897-980A-0A7E77145E05}" type="datetimeFigureOut">
               <a:rPr lang="en-GB" smtClean="0"/>
-              <a:t>24/03/2024</a:t>
+              <a:t>25/03/2024</a:t>
             </a:fld>
             <a:endParaRPr lang="en-GB"/>
           </a:p>
@@ -4282,7 +4409,7 @@
           <a:p>
             <a:fld id="{EF65BAF8-CD10-4897-980A-0A7E77145E05}" type="datetimeFigureOut">
               <a:rPr lang="en-GB" smtClean="0"/>
-              <a:t>24/03/2024</a:t>
+              <a:t>25/03/2024</a:t>
             </a:fld>
             <a:endParaRPr lang="en-GB"/>
           </a:p>
@@ -4697,7 +4824,7 @@
           <a:p>
             <a:fld id="{EF65BAF8-CD10-4897-980A-0A7E77145E05}" type="datetimeFigureOut">
               <a:rPr lang="en-GB" smtClean="0"/>
-              <a:t>24/03/2024</a:t>
+              <a:t>25/03/2024</a:t>
             </a:fld>
             <a:endParaRPr lang="en-GB"/>
           </a:p>
@@ -4839,7 +4966,7 @@
           <a:p>
             <a:fld id="{EF65BAF8-CD10-4897-980A-0A7E77145E05}" type="datetimeFigureOut">
               <a:rPr lang="en-GB" smtClean="0"/>
-              <a:t>24/03/2024</a:t>
+              <a:t>25/03/2024</a:t>
             </a:fld>
             <a:endParaRPr lang="en-GB"/>
           </a:p>
@@ -4952,7 +5079,7 @@
           <a:p>
             <a:fld id="{EF65BAF8-CD10-4897-980A-0A7E77145E05}" type="datetimeFigureOut">
               <a:rPr lang="en-GB" smtClean="0"/>
-              <a:t>24/03/2024</a:t>
+              <a:t>25/03/2024</a:t>
             </a:fld>
             <a:endParaRPr lang="en-GB"/>
           </a:p>
@@ -5265,7 +5392,7 @@
           <a:p>
             <a:fld id="{EF65BAF8-CD10-4897-980A-0A7E77145E05}" type="datetimeFigureOut">
               <a:rPr lang="en-GB" smtClean="0"/>
-              <a:t>24/03/2024</a:t>
+              <a:t>25/03/2024</a:t>
             </a:fld>
             <a:endParaRPr lang="en-GB"/>
           </a:p>
@@ -5554,7 +5681,7 @@
           <a:p>
             <a:fld id="{EF65BAF8-CD10-4897-980A-0A7E77145E05}" type="datetimeFigureOut">
               <a:rPr lang="en-GB" smtClean="0"/>
-              <a:t>24/03/2024</a:t>
+              <a:t>25/03/2024</a:t>
             </a:fld>
             <a:endParaRPr lang="en-GB"/>
           </a:p>
@@ -5797,7 +5924,7 @@
           <a:p>
             <a:fld id="{EF65BAF8-CD10-4897-980A-0A7E77145E05}" type="datetimeFigureOut">
               <a:rPr lang="en-GB" smtClean="0"/>
-              <a:t>24/03/2024</a:t>
+              <a:t>25/03/2024</a:t>
             </a:fld>
             <a:endParaRPr lang="en-GB"/>
           </a:p>
@@ -6375,7 +6502,7 @@
           <a:p>
             <a:r>
               <a:rPr lang="en-GB" dirty="0"/>
-              <a:t>T gas</a:t>
+              <a:t>T out</a:t>
             </a:r>
           </a:p>
           <a:p>
@@ -6390,7 +6517,7 @@
           <a:p>
             <a:r>
               <a:rPr lang="en-GB" dirty="0"/>
-              <a:t>P gas </a:t>
+              <a:t>P out </a:t>
             </a:r>
           </a:p>
           <a:p>
@@ -6405,7 +6532,7 @@
           <a:p>
             <a:r>
               <a:rPr lang="en-GB" dirty="0"/>
-              <a:t>F gas </a:t>
+              <a:t>F out </a:t>
             </a:r>
           </a:p>
         </p:txBody>
@@ -6440,8 +6567,29 @@
           <a:p>
             <a:r>
               <a:rPr lang="en-GB" dirty="0"/>
-              <a:t>T unit	   P unit	       L unit</a:t>
-            </a:r>
+              <a:t>T </a:t>
+            </a:r>
+            <a:r>
+              <a:rPr lang="en-GB" dirty="0" err="1"/>
+              <a:t>uin</a:t>
+            </a:r>
+            <a:r>
+              <a:rPr lang="en-GB" dirty="0"/>
+              <a:t>	   P </a:t>
+            </a:r>
+            <a:r>
+              <a:rPr lang="en-GB" dirty="0" err="1"/>
+              <a:t>uin</a:t>
+            </a:r>
+            <a:r>
+              <a:rPr lang="en-GB" dirty="0"/>
+              <a:t>	       F </a:t>
+            </a:r>
+            <a:r>
+              <a:rPr lang="en-GB" dirty="0" err="1"/>
+              <a:t>uin</a:t>
+            </a:r>
+            <a:endParaRPr lang="en-GB" dirty="0"/>
           </a:p>
         </p:txBody>
       </p:sp>
@@ -6479,7 +6627,7 @@
             </a:r>
             <a:r>
               <a:rPr lang="en-GB" dirty="0" err="1"/>
-              <a:t>liq</a:t>
+              <a:t>uout</a:t>
             </a:r>
             <a:r>
               <a:rPr lang="en-GB" dirty="0"/>
@@ -6487,7 +6635,7 @@
             </a:r>
             <a:r>
               <a:rPr lang="en-GB" dirty="0" err="1"/>
-              <a:t>liq</a:t>
+              <a:t>uout</a:t>
             </a:r>
             <a:r>
               <a:rPr lang="en-GB" dirty="0"/>
@@ -6495,7 +6643,7 @@
             </a:r>
             <a:r>
               <a:rPr lang="en-GB" dirty="0" err="1"/>
-              <a:t>liq</a:t>
+              <a:t>uout</a:t>
             </a:r>
             <a:endParaRPr lang="en-GB" dirty="0"/>
           </a:p>
@@ -6531,17 +6679,17 @@
           <a:p>
             <a:r>
               <a:rPr lang="en-GB" dirty="0"/>
-              <a:t>C1</a:t>
+              <a:t>SV1</a:t>
             </a:r>
           </a:p>
         </p:txBody>
       </p:sp>
       <p:cxnSp>
         <p:nvCxnSpPr>
-          <p:cNvPr id="3" name="Straight Arrow Connector 2">
-            <a:extLst>
-              <a:ext uri="{FF2B5EF4-FFF2-40B4-BE49-F238E27FC236}">
-                <a16:creationId xmlns:a16="http://schemas.microsoft.com/office/drawing/2014/main" id="{D7CCDBD8-288E-99CA-BFFB-F6E19CBAA33F}"/>
+          <p:cNvPr id="33" name="Straight Arrow Connector 32">
+            <a:extLst>
+              <a:ext uri="{FF2B5EF4-FFF2-40B4-BE49-F238E27FC236}">
+                <a16:creationId xmlns:a16="http://schemas.microsoft.com/office/drawing/2014/main" id="{12B96AFA-2AE5-4904-DA74-C7A235CDBE7C}"/>
               </a:ext>
             </a:extLst>
           </p:cNvPr>
@@ -6549,9 +6697,9 @@
           <p:nvPr/>
         </p:nvCxnSpPr>
         <p:spPr>
-          <a:xfrm flipV="1">
-            <a:off x="1713390" y="1645055"/>
-            <a:ext cx="1091954" cy="574362"/>
+          <a:xfrm>
+            <a:off x="2982897" y="1645055"/>
+            <a:ext cx="0" cy="3060110"/>
           </a:xfrm>
           <a:prstGeom prst="straightConnector1">
             <a:avLst/>
@@ -6577,10 +6725,10 @@
       </p:cxnSp>
       <p:cxnSp>
         <p:nvCxnSpPr>
-          <p:cNvPr id="5" name="Straight Arrow Connector 4">
-            <a:extLst>
-              <a:ext uri="{FF2B5EF4-FFF2-40B4-BE49-F238E27FC236}">
-                <a16:creationId xmlns:a16="http://schemas.microsoft.com/office/drawing/2014/main" id="{437E0203-95B0-4651-D490-D2B4C5CC5D8C}"/>
+          <p:cNvPr id="34" name="Straight Arrow Connector 33">
+            <a:extLst>
+              <a:ext uri="{FF2B5EF4-FFF2-40B4-BE49-F238E27FC236}">
+                <a16:creationId xmlns:a16="http://schemas.microsoft.com/office/drawing/2014/main" id="{F344EA75-3C6B-A2F7-3063-C0A2308D1C99}"/>
               </a:ext>
             </a:extLst>
           </p:cNvPr>
@@ -6589,8 +6737,8 @@
         </p:nvCxnSpPr>
         <p:spPr>
           <a:xfrm>
-            <a:off x="3009530" y="1645055"/>
-            <a:ext cx="0" cy="3192094"/>
+            <a:off x="4094086" y="1645055"/>
+            <a:ext cx="0" cy="3060110"/>
           </a:xfrm>
           <a:prstGeom prst="straightConnector1">
             <a:avLst/>
@@ -6616,22 +6764,20 @@
       </p:cxnSp>
       <p:cxnSp>
         <p:nvCxnSpPr>
-          <p:cNvPr id="6" name="Straight Arrow Connector 5">
-            <a:extLst>
-              <a:ext uri="{FF2B5EF4-FFF2-40B4-BE49-F238E27FC236}">
-                <a16:creationId xmlns:a16="http://schemas.microsoft.com/office/drawing/2014/main" id="{2EB2C06C-0038-0CCE-0D30-29E5C87A845B}"/>
-              </a:ext>
-            </a:extLst>
-          </p:cNvPr>
-          <p:cNvCxnSpPr>
-            <a:cxnSpLocks/>
-          </p:cNvCxnSpPr>
+          <p:cNvPr id="35" name="Straight Arrow Connector 34">
+            <a:extLst>
+              <a:ext uri="{FF2B5EF4-FFF2-40B4-BE49-F238E27FC236}">
+                <a16:creationId xmlns:a16="http://schemas.microsoft.com/office/drawing/2014/main" id="{E2467746-3BD7-8C6B-96C8-F5075F67AA48}"/>
+              </a:ext>
+            </a:extLst>
+          </p:cNvPr>
+          <p:cNvCxnSpPr/>
           <p:nvPr/>
         </p:nvCxnSpPr>
         <p:spPr>
           <a:xfrm>
-            <a:off x="3187083" y="1651519"/>
-            <a:ext cx="3117541" cy="567898"/>
+            <a:off x="5160886" y="1645055"/>
+            <a:ext cx="0" cy="3060110"/>
           </a:xfrm>
           <a:prstGeom prst="straightConnector1">
             <a:avLst/>
@@ -6657,22 +6803,20 @@
       </p:cxnSp>
       <p:cxnSp>
         <p:nvCxnSpPr>
-          <p:cNvPr id="9" name="Straight Arrow Connector 8">
-            <a:extLst>
-              <a:ext uri="{FF2B5EF4-FFF2-40B4-BE49-F238E27FC236}">
-                <a16:creationId xmlns:a16="http://schemas.microsoft.com/office/drawing/2014/main" id="{1106B00C-B2E2-B094-6B82-5EBF4DE7ACEB}"/>
-              </a:ext>
-            </a:extLst>
-          </p:cNvPr>
-          <p:cNvCxnSpPr>
-            <a:cxnSpLocks/>
-          </p:cNvCxnSpPr>
+          <p:cNvPr id="37" name="Straight Arrow Connector 36">
+            <a:extLst>
+              <a:ext uri="{FF2B5EF4-FFF2-40B4-BE49-F238E27FC236}">
+                <a16:creationId xmlns:a16="http://schemas.microsoft.com/office/drawing/2014/main" id="{0ED43509-FDF0-B1D9-74DD-7AF0E19DC2FD}"/>
+              </a:ext>
+            </a:extLst>
+          </p:cNvPr>
+          <p:cNvCxnSpPr/>
           <p:nvPr/>
         </p:nvCxnSpPr>
         <p:spPr>
-          <a:xfrm flipV="1">
-            <a:off x="1668261" y="1651519"/>
-            <a:ext cx="2442839" cy="1651726"/>
+          <a:xfrm>
+            <a:off x="1873189" y="2175029"/>
+            <a:ext cx="4431435" cy="0"/>
           </a:xfrm>
           <a:prstGeom prst="straightConnector1">
             <a:avLst/>
@@ -6698,22 +6842,20 @@
       </p:cxnSp>
       <p:cxnSp>
         <p:nvCxnSpPr>
-          <p:cNvPr id="12" name="Straight Arrow Connector 11">
-            <a:extLst>
-              <a:ext uri="{FF2B5EF4-FFF2-40B4-BE49-F238E27FC236}">
-                <a16:creationId xmlns:a16="http://schemas.microsoft.com/office/drawing/2014/main" id="{B9264382-3AE0-7565-8392-4074A51E9524}"/>
-              </a:ext>
-            </a:extLst>
-          </p:cNvPr>
-          <p:cNvCxnSpPr>
-            <a:cxnSpLocks/>
-          </p:cNvCxnSpPr>
+          <p:cNvPr id="38" name="Straight Arrow Connector 37">
+            <a:extLst>
+              <a:ext uri="{FF2B5EF4-FFF2-40B4-BE49-F238E27FC236}">
+                <a16:creationId xmlns:a16="http://schemas.microsoft.com/office/drawing/2014/main" id="{583BFD43-9164-F860-D542-C1303CDC349F}"/>
+              </a:ext>
+            </a:extLst>
+          </p:cNvPr>
+          <p:cNvCxnSpPr/>
           <p:nvPr/>
         </p:nvCxnSpPr>
         <p:spPr>
-          <a:xfrm flipH="1">
-            <a:off x="4111100" y="1651519"/>
-            <a:ext cx="860395" cy="3185630"/>
+          <a:xfrm>
+            <a:off x="1873189" y="3303972"/>
+            <a:ext cx="4431435" cy="0"/>
           </a:xfrm>
           <a:prstGeom prst="straightConnector1">
             <a:avLst/>
@@ -6739,22 +6881,20 @@
       </p:cxnSp>
       <p:cxnSp>
         <p:nvCxnSpPr>
-          <p:cNvPr id="13" name="Straight Arrow Connector 12">
-            <a:extLst>
-              <a:ext uri="{FF2B5EF4-FFF2-40B4-BE49-F238E27FC236}">
-                <a16:creationId xmlns:a16="http://schemas.microsoft.com/office/drawing/2014/main" id="{9463AFE4-2171-885E-59F7-4785BDAE7CE6}"/>
-              </a:ext>
-            </a:extLst>
-          </p:cNvPr>
-          <p:cNvCxnSpPr>
-            <a:cxnSpLocks/>
-          </p:cNvCxnSpPr>
+          <p:cNvPr id="39" name="Straight Arrow Connector 38">
+            <a:extLst>
+              <a:ext uri="{FF2B5EF4-FFF2-40B4-BE49-F238E27FC236}">
+                <a16:creationId xmlns:a16="http://schemas.microsoft.com/office/drawing/2014/main" id="{B7FEC19E-E9E3-1F6C-5079-84EFD611040D}"/>
+              </a:ext>
+            </a:extLst>
+          </p:cNvPr>
+          <p:cNvCxnSpPr/>
           <p:nvPr/>
         </p:nvCxnSpPr>
         <p:spPr>
-          <a:xfrm flipH="1">
-            <a:off x="5157926" y="1645055"/>
-            <a:ext cx="106532" cy="3192094"/>
+          <a:xfrm>
+            <a:off x="1873189" y="4397405"/>
+            <a:ext cx="4431435" cy="0"/>
           </a:xfrm>
           <a:prstGeom prst="straightConnector1">
             <a:avLst/>
@@ -6780,22 +6920,20 @@
       </p:cxnSp>
       <p:cxnSp>
         <p:nvCxnSpPr>
-          <p:cNvPr id="20" name="Straight Arrow Connector 19">
-            <a:extLst>
-              <a:ext uri="{FF2B5EF4-FFF2-40B4-BE49-F238E27FC236}">
-                <a16:creationId xmlns:a16="http://schemas.microsoft.com/office/drawing/2014/main" id="{7A7F22AC-2AB4-F4DB-FBA5-40B2473D6153}"/>
-              </a:ext>
-            </a:extLst>
-          </p:cNvPr>
-          <p:cNvCxnSpPr>
-            <a:stCxn id="28" idx="2"/>
-          </p:cNvCxnSpPr>
+          <p:cNvPr id="41" name="Straight Arrow Connector 40">
+            <a:extLst>
+              <a:ext uri="{FF2B5EF4-FFF2-40B4-BE49-F238E27FC236}">
+                <a16:creationId xmlns:a16="http://schemas.microsoft.com/office/drawing/2014/main" id="{477B52F5-040A-7169-C38D-141C085457A1}"/>
+              </a:ext>
+            </a:extLst>
+          </p:cNvPr>
+          <p:cNvCxnSpPr/>
           <p:nvPr/>
         </p:nvCxnSpPr>
         <p:spPr>
           <a:xfrm>
-            <a:off x="4242044" y="1645055"/>
-            <a:ext cx="2062580" cy="1542028"/>
+            <a:off x="1740023" y="2343705"/>
+            <a:ext cx="1145220" cy="2423604"/>
           </a:xfrm>
           <a:prstGeom prst="straightConnector1">
             <a:avLst/>
@@ -6821,23 +6959,20 @@
       </p:cxnSp>
       <p:cxnSp>
         <p:nvCxnSpPr>
-          <p:cNvPr id="21" name="Straight Arrow Connector 20">
-            <a:extLst>
-              <a:ext uri="{FF2B5EF4-FFF2-40B4-BE49-F238E27FC236}">
-                <a16:creationId xmlns:a16="http://schemas.microsoft.com/office/drawing/2014/main" id="{5C7B4657-754D-2990-2C45-6BDD329A6EC4}"/>
-              </a:ext>
-            </a:extLst>
-          </p:cNvPr>
-          <p:cNvCxnSpPr>
-            <a:cxnSpLocks/>
-            <a:stCxn id="28" idx="2"/>
-          </p:cNvCxnSpPr>
+          <p:cNvPr id="47" name="Straight Arrow Connector 46">
+            <a:extLst>
+              <a:ext uri="{FF2B5EF4-FFF2-40B4-BE49-F238E27FC236}">
+                <a16:creationId xmlns:a16="http://schemas.microsoft.com/office/drawing/2014/main" id="{A90A89CB-3ED4-218C-D4FD-01778238A75F}"/>
+              </a:ext>
+            </a:extLst>
+          </p:cNvPr>
+          <p:cNvCxnSpPr/>
           <p:nvPr/>
         </p:nvCxnSpPr>
         <p:spPr>
           <a:xfrm>
-            <a:off x="4242044" y="1645055"/>
-            <a:ext cx="2034472" cy="2605746"/>
+            <a:off x="1740023" y="4474346"/>
+            <a:ext cx="868528" cy="362803"/>
           </a:xfrm>
           <a:prstGeom prst="straightConnector1">
             <a:avLst/>
@@ -6863,10 +6998,10 @@
       </p:cxnSp>
       <p:cxnSp>
         <p:nvCxnSpPr>
-          <p:cNvPr id="25" name="Straight Arrow Connector 24">
-            <a:extLst>
-              <a:ext uri="{FF2B5EF4-FFF2-40B4-BE49-F238E27FC236}">
-                <a16:creationId xmlns:a16="http://schemas.microsoft.com/office/drawing/2014/main" id="{8E8DEEE3-A4BE-A016-D6BA-3C2F2C09BF89}"/>
+          <p:cNvPr id="49" name="Straight Arrow Connector 48">
+            <a:extLst>
+              <a:ext uri="{FF2B5EF4-FFF2-40B4-BE49-F238E27FC236}">
+                <a16:creationId xmlns:a16="http://schemas.microsoft.com/office/drawing/2014/main" id="{30CA707A-6079-BB54-F86F-CE4CF4A39C08}"/>
               </a:ext>
             </a:extLst>
           </p:cNvPr>
@@ -6874,9 +7009,9 @@
           <p:nvPr/>
         </p:nvCxnSpPr>
         <p:spPr>
-          <a:xfrm flipV="1">
-            <a:off x="1713390" y="1651519"/>
-            <a:ext cx="2237173" cy="2698539"/>
+          <a:xfrm flipH="1">
+            <a:off x="3178206" y="1651519"/>
+            <a:ext cx="1828803" cy="3115790"/>
           </a:xfrm>
           <a:prstGeom prst="straightConnector1">
             <a:avLst/>
@@ -6902,10 +7037,10 @@
       </p:cxnSp>
       <p:cxnSp>
         <p:nvCxnSpPr>
-          <p:cNvPr id="43" name="Straight Arrow Connector 42">
-            <a:extLst>
-              <a:ext uri="{FF2B5EF4-FFF2-40B4-BE49-F238E27FC236}">
-                <a16:creationId xmlns:a16="http://schemas.microsoft.com/office/drawing/2014/main" id="{A13A174E-083E-C11D-0FEF-7302EC745AF8}"/>
+          <p:cNvPr id="51" name="Straight Arrow Connector 50">
+            <a:extLst>
+              <a:ext uri="{FF2B5EF4-FFF2-40B4-BE49-F238E27FC236}">
+                <a16:creationId xmlns:a16="http://schemas.microsoft.com/office/drawing/2014/main" id="{435CA067-DBAE-592E-5CF9-FFC4F1CD7623}"/>
               </a:ext>
             </a:extLst>
           </p:cNvPr>
@@ -6913,85 +7048,9 @@
           <p:nvPr/>
         </p:nvCxnSpPr>
         <p:spPr>
-          <a:xfrm flipV="1">
-            <a:off x="1713390" y="1645055"/>
-            <a:ext cx="3471169" cy="2705003"/>
-          </a:xfrm>
-          <a:prstGeom prst="straightConnector1">
-            <a:avLst/>
-          </a:prstGeom>
-          <a:ln>
-            <a:tailEnd type="triangle"/>
-          </a:ln>
-        </p:spPr>
-        <p:style>
-          <a:lnRef idx="2">
-            <a:schemeClr val="accent1"/>
-          </a:lnRef>
-          <a:fillRef idx="0">
-            <a:schemeClr val="accent1"/>
-          </a:fillRef>
-          <a:effectRef idx="1">
-            <a:schemeClr val="accent1"/>
-          </a:effectRef>
-          <a:fontRef idx="minor">
-            <a:schemeClr val="tx1"/>
-          </a:fontRef>
-        </p:style>
-      </p:cxnSp>
-      <p:sp>
-        <p:nvSpPr>
-          <p:cNvPr id="2" name="TextBox 1">
-            <a:extLst>
-              <a:ext uri="{FF2B5EF4-FFF2-40B4-BE49-F238E27FC236}">
-                <a16:creationId xmlns:a16="http://schemas.microsoft.com/office/drawing/2014/main" id="{51174590-1E45-1F7F-6586-C09927B4A971}"/>
-              </a:ext>
-            </a:extLst>
-          </p:cNvPr>
-          <p:cNvSpPr txBox="1"/>
-          <p:nvPr/>
-        </p:nvSpPr>
-        <p:spPr>
-          <a:xfrm>
-            <a:off x="763480" y="310718"/>
-            <a:ext cx="949910" cy="369332"/>
-          </a:xfrm>
-          <a:prstGeom prst="rect">
-            <a:avLst/>
-          </a:prstGeom>
-          <a:noFill/>
-        </p:spPr>
-        <p:txBody>
-          <a:bodyPr wrap="square" rtlCol="0">
-            <a:spAutoFit/>
-          </a:bodyPr>
-          <a:lstStyle/>
-          <a:p>
-            <a:r>
-              <a:rPr lang="en-GB" dirty="0"/>
-              <a:t>X in</a:t>
-            </a:r>
-          </a:p>
-        </p:txBody>
-      </p:sp>
-      <p:cxnSp>
-        <p:nvCxnSpPr>
-          <p:cNvPr id="4" name="Straight Arrow Connector 3">
-            <a:extLst>
-              <a:ext uri="{FF2B5EF4-FFF2-40B4-BE49-F238E27FC236}">
-                <a16:creationId xmlns:a16="http://schemas.microsoft.com/office/drawing/2014/main" id="{BD507C62-BD1F-ECD9-EF42-FC267F6546F9}"/>
-              </a:ext>
-            </a:extLst>
-          </p:cNvPr>
-          <p:cNvCxnSpPr>
-            <a:cxnSpLocks/>
-          </p:cNvCxnSpPr>
-          <p:nvPr/>
-        </p:nvCxnSpPr>
-        <p:spPr>
-          <a:xfrm>
-            <a:off x="1327212" y="630177"/>
-            <a:ext cx="2454675" cy="652010"/>
+          <a:xfrm>
+            <a:off x="5495278" y="1645055"/>
+            <a:ext cx="809346" cy="370175"/>
           </a:xfrm>
           <a:prstGeom prst="straightConnector1">
             <a:avLst/>
@@ -7017,10 +7076,10 @@
       </p:cxnSp>
       <p:cxnSp>
         <p:nvCxnSpPr>
-          <p:cNvPr id="8" name="Straight Arrow Connector 7">
-            <a:extLst>
-              <a:ext uri="{FF2B5EF4-FFF2-40B4-BE49-F238E27FC236}">
-                <a16:creationId xmlns:a16="http://schemas.microsoft.com/office/drawing/2014/main" id="{5C76AC0D-B5A8-DB80-671D-9BE4FA51ECF3}"/>
+          <p:cNvPr id="53" name="Straight Arrow Connector 52">
+            <a:extLst>
+              <a:ext uri="{FF2B5EF4-FFF2-40B4-BE49-F238E27FC236}">
+                <a16:creationId xmlns:a16="http://schemas.microsoft.com/office/drawing/2014/main" id="{A5516800-68D0-D668-FA0C-FE7CCF44FC1E}"/>
               </a:ext>
             </a:extLst>
           </p:cNvPr>
@@ -7031,125 +7090,8 @@
         </p:nvCxnSpPr>
         <p:spPr>
           <a:xfrm>
-            <a:off x="1277646" y="507261"/>
-            <a:ext cx="3625047" cy="815021"/>
-          </a:xfrm>
-          <a:prstGeom prst="straightConnector1">
-            <a:avLst/>
-          </a:prstGeom>
-          <a:ln>
-            <a:tailEnd type="triangle"/>
-          </a:ln>
-        </p:spPr>
-        <p:style>
-          <a:lnRef idx="2">
-            <a:schemeClr val="accent1"/>
-          </a:lnRef>
-          <a:fillRef idx="0">
-            <a:schemeClr val="accent1"/>
-          </a:fillRef>
-          <a:effectRef idx="1">
-            <a:schemeClr val="accent1"/>
-          </a:effectRef>
-          <a:fontRef idx="minor">
-            <a:schemeClr val="tx1"/>
-          </a:fontRef>
-        </p:style>
-      </p:cxnSp>
-      <p:sp>
-        <p:nvSpPr>
-          <p:cNvPr id="11" name="TextBox 10">
-            <a:extLst>
-              <a:ext uri="{FF2B5EF4-FFF2-40B4-BE49-F238E27FC236}">
-                <a16:creationId xmlns:a16="http://schemas.microsoft.com/office/drawing/2014/main" id="{D38AB345-9E23-6F6A-7E35-FEBF688B78AD}"/>
-              </a:ext>
-            </a:extLst>
-          </p:cNvPr>
-          <p:cNvSpPr txBox="1"/>
-          <p:nvPr/>
-        </p:nvSpPr>
-        <p:spPr>
-          <a:xfrm>
-            <a:off x="6526567" y="137929"/>
-            <a:ext cx="949910" cy="369332"/>
-          </a:xfrm>
-          <a:prstGeom prst="rect">
-            <a:avLst/>
-          </a:prstGeom>
-          <a:noFill/>
-        </p:spPr>
-        <p:txBody>
-          <a:bodyPr wrap="square" rtlCol="0">
-            <a:spAutoFit/>
-          </a:bodyPr>
-          <a:lstStyle/>
-          <a:p>
-            <a:r>
-              <a:rPr lang="en-GB" dirty="0"/>
-              <a:t>X gas</a:t>
-            </a:r>
-          </a:p>
-        </p:txBody>
-      </p:sp>
-      <p:sp>
-        <p:nvSpPr>
-          <p:cNvPr id="14" name="TextBox 13">
-            <a:extLst>
-              <a:ext uri="{FF2B5EF4-FFF2-40B4-BE49-F238E27FC236}">
-                <a16:creationId xmlns:a16="http://schemas.microsoft.com/office/drawing/2014/main" id="{F69D3F75-28C3-3D3D-E2D1-32E4C2DD07CD}"/>
-              </a:ext>
-            </a:extLst>
-          </p:cNvPr>
-          <p:cNvSpPr txBox="1"/>
-          <p:nvPr/>
-        </p:nvSpPr>
-        <p:spPr>
-          <a:xfrm>
-            <a:off x="6526567" y="750974"/>
-            <a:ext cx="949910" cy="369332"/>
-          </a:xfrm>
-          <a:prstGeom prst="rect">
-            <a:avLst/>
-          </a:prstGeom>
-          <a:noFill/>
-        </p:spPr>
-        <p:txBody>
-          <a:bodyPr wrap="square" rtlCol="0">
-            <a:spAutoFit/>
-          </a:bodyPr>
-          <a:lstStyle/>
-          <a:p>
-            <a:r>
-              <a:rPr lang="en-GB" dirty="0"/>
-              <a:t>X </a:t>
-            </a:r>
-            <a:r>
-              <a:rPr lang="en-GB" dirty="0" err="1"/>
-              <a:t>liq</a:t>
-            </a:r>
-            <a:endParaRPr lang="en-GB" dirty="0"/>
-          </a:p>
-        </p:txBody>
-      </p:sp>
-      <p:cxnSp>
-        <p:nvCxnSpPr>
-          <p:cNvPr id="15" name="Straight Arrow Connector 14">
-            <a:extLst>
-              <a:ext uri="{FF2B5EF4-FFF2-40B4-BE49-F238E27FC236}">
-                <a16:creationId xmlns:a16="http://schemas.microsoft.com/office/drawing/2014/main" id="{35DB7D8C-13FA-B5B6-11B0-0909E3C60CFC}"/>
-              </a:ext>
-            </a:extLst>
-          </p:cNvPr>
-          <p:cNvCxnSpPr>
-            <a:cxnSpLocks/>
-            <a:stCxn id="28" idx="0"/>
-          </p:cNvCxnSpPr>
-          <p:nvPr/>
-        </p:nvCxnSpPr>
-        <p:spPr>
-          <a:xfrm flipV="1">
-            <a:off x="4242044" y="985310"/>
-            <a:ext cx="2126944" cy="290413"/>
+            <a:off x="3136775" y="1645055"/>
+            <a:ext cx="3167849" cy="458952"/>
           </a:xfrm>
           <a:prstGeom prst="straightConnector1">
             <a:avLst/>
@@ -7175,23 +7117,20 @@
       </p:cxnSp>
       <p:cxnSp>
         <p:nvCxnSpPr>
-          <p:cNvPr id="19" name="Straight Arrow Connector 18">
-            <a:extLst>
-              <a:ext uri="{FF2B5EF4-FFF2-40B4-BE49-F238E27FC236}">
-                <a16:creationId xmlns:a16="http://schemas.microsoft.com/office/drawing/2014/main" id="{7E792D36-18C4-FD75-BBF9-D50F74895A24}"/>
-              </a:ext>
-            </a:extLst>
-          </p:cNvPr>
-          <p:cNvCxnSpPr>
-            <a:cxnSpLocks/>
-            <a:endCxn id="11" idx="1"/>
-          </p:cNvCxnSpPr>
+          <p:cNvPr id="55" name="Straight Arrow Connector 54">
+            <a:extLst>
+              <a:ext uri="{FF2B5EF4-FFF2-40B4-BE49-F238E27FC236}">
+                <a16:creationId xmlns:a16="http://schemas.microsoft.com/office/drawing/2014/main" id="{E489BEC4-5F3C-7629-6F5F-BA695B88CF76}"/>
+              </a:ext>
+            </a:extLst>
+          </p:cNvPr>
+          <p:cNvCxnSpPr/>
           <p:nvPr/>
         </p:nvCxnSpPr>
         <p:spPr>
           <a:xfrm flipV="1">
-            <a:off x="4099266" y="322595"/>
-            <a:ext cx="2427301" cy="984493"/>
+            <a:off x="1740018" y="2281561"/>
+            <a:ext cx="4469910" cy="2041864"/>
           </a:xfrm>
           <a:prstGeom prst="straightConnector1">
             <a:avLst/>
@@ -7215,10 +7154,320 @@
           </a:fontRef>
         </p:style>
       </p:cxnSp>
+      <p:cxnSp>
+        <p:nvCxnSpPr>
+          <p:cNvPr id="61" name="Straight Connector 60">
+            <a:extLst>
+              <a:ext uri="{FF2B5EF4-FFF2-40B4-BE49-F238E27FC236}">
+                <a16:creationId xmlns:a16="http://schemas.microsoft.com/office/drawing/2014/main" id="{B98AE542-EE85-49C5-0F59-DBD18C697D1B}"/>
+              </a:ext>
+            </a:extLst>
+          </p:cNvPr>
+          <p:cNvCxnSpPr>
+            <a:cxnSpLocks/>
+          </p:cNvCxnSpPr>
+          <p:nvPr/>
+        </p:nvCxnSpPr>
+        <p:spPr>
+          <a:xfrm>
+            <a:off x="3136775" y="5206481"/>
+            <a:ext cx="378782" cy="369332"/>
+          </a:xfrm>
+          <a:prstGeom prst="line">
+            <a:avLst/>
+          </a:prstGeom>
+        </p:spPr>
+        <p:style>
+          <a:lnRef idx="2">
+            <a:schemeClr val="accent1"/>
+          </a:lnRef>
+          <a:fillRef idx="0">
+            <a:schemeClr val="accent1"/>
+          </a:fillRef>
+          <a:effectRef idx="1">
+            <a:schemeClr val="accent1"/>
+          </a:effectRef>
+          <a:fontRef idx="minor">
+            <a:schemeClr val="tx1"/>
+          </a:fontRef>
+        </p:style>
+      </p:cxnSp>
+      <p:cxnSp>
+        <p:nvCxnSpPr>
+          <p:cNvPr id="66" name="Straight Arrow Connector 65">
+            <a:extLst>
+              <a:ext uri="{FF2B5EF4-FFF2-40B4-BE49-F238E27FC236}">
+                <a16:creationId xmlns:a16="http://schemas.microsoft.com/office/drawing/2014/main" id="{D4C9ABA6-66CB-0BD9-3BA1-C32465153229}"/>
+              </a:ext>
+            </a:extLst>
+          </p:cNvPr>
+          <p:cNvCxnSpPr/>
+          <p:nvPr/>
+        </p:nvCxnSpPr>
+        <p:spPr>
+          <a:xfrm flipV="1">
+            <a:off x="3524435" y="5212945"/>
+            <a:ext cx="470516" cy="362868"/>
+          </a:xfrm>
+          <a:prstGeom prst="straightConnector1">
+            <a:avLst/>
+          </a:prstGeom>
+          <a:ln>
+            <a:tailEnd type="triangle"/>
+          </a:ln>
+        </p:spPr>
+        <p:style>
+          <a:lnRef idx="2">
+            <a:schemeClr val="accent1"/>
+          </a:lnRef>
+          <a:fillRef idx="0">
+            <a:schemeClr val="accent1"/>
+          </a:fillRef>
+          <a:effectRef idx="1">
+            <a:schemeClr val="accent1"/>
+          </a:effectRef>
+          <a:fontRef idx="minor">
+            <a:schemeClr val="tx1"/>
+          </a:fontRef>
+        </p:style>
+      </p:cxnSp>
+      <p:cxnSp>
+        <p:nvCxnSpPr>
+          <p:cNvPr id="70" name="Straight Connector 69">
+            <a:extLst>
+              <a:ext uri="{FF2B5EF4-FFF2-40B4-BE49-F238E27FC236}">
+                <a16:creationId xmlns:a16="http://schemas.microsoft.com/office/drawing/2014/main" id="{B7BF56AF-2A8A-6685-2CF8-9D15B02D7F53}"/>
+              </a:ext>
+            </a:extLst>
+          </p:cNvPr>
+          <p:cNvCxnSpPr/>
+          <p:nvPr/>
+        </p:nvCxnSpPr>
+        <p:spPr>
+          <a:xfrm>
+            <a:off x="7004482" y="2281561"/>
+            <a:ext cx="550415" cy="479394"/>
+          </a:xfrm>
+          <a:prstGeom prst="line">
+            <a:avLst/>
+          </a:prstGeom>
+        </p:spPr>
+        <p:style>
+          <a:lnRef idx="2">
+            <a:schemeClr val="accent1"/>
+          </a:lnRef>
+          <a:fillRef idx="0">
+            <a:schemeClr val="accent1"/>
+          </a:fillRef>
+          <a:effectRef idx="1">
+            <a:schemeClr val="accent1"/>
+          </a:effectRef>
+          <a:fontRef idx="minor">
+            <a:schemeClr val="tx1"/>
+          </a:fontRef>
+        </p:style>
+      </p:cxnSp>
+      <p:cxnSp>
+        <p:nvCxnSpPr>
+          <p:cNvPr id="72" name="Straight Arrow Connector 71">
+            <a:extLst>
+              <a:ext uri="{FF2B5EF4-FFF2-40B4-BE49-F238E27FC236}">
+                <a16:creationId xmlns:a16="http://schemas.microsoft.com/office/drawing/2014/main" id="{EE32DE65-ABF8-3BF1-2B69-486AABEE9CE1}"/>
+              </a:ext>
+            </a:extLst>
+          </p:cNvPr>
+          <p:cNvCxnSpPr>
+            <a:cxnSpLocks/>
+          </p:cNvCxnSpPr>
+          <p:nvPr/>
+        </p:nvCxnSpPr>
+        <p:spPr>
+          <a:xfrm flipH="1">
+            <a:off x="7004482" y="2760955"/>
+            <a:ext cx="550415" cy="543017"/>
+          </a:xfrm>
+          <a:prstGeom prst="straightConnector1">
+            <a:avLst/>
+          </a:prstGeom>
+          <a:ln>
+            <a:tailEnd type="triangle"/>
+          </a:ln>
+        </p:spPr>
+        <p:style>
+          <a:lnRef idx="2">
+            <a:schemeClr val="accent1"/>
+          </a:lnRef>
+          <a:fillRef idx="0">
+            <a:schemeClr val="accent1"/>
+          </a:fillRef>
+          <a:effectRef idx="1">
+            <a:schemeClr val="accent1"/>
+          </a:effectRef>
+          <a:fontRef idx="minor">
+            <a:schemeClr val="tx1"/>
+          </a:fontRef>
+        </p:style>
+      </p:cxnSp>
+      <p:sp>
+        <p:nvSpPr>
+          <p:cNvPr id="75" name="TextBox 74">
+            <a:extLst>
+              <a:ext uri="{FF2B5EF4-FFF2-40B4-BE49-F238E27FC236}">
+                <a16:creationId xmlns:a16="http://schemas.microsoft.com/office/drawing/2014/main" id="{EEF414F8-D4C2-5C0B-0CFF-2796697A4298}"/>
+              </a:ext>
+            </a:extLst>
+          </p:cNvPr>
+          <p:cNvSpPr txBox="1"/>
+          <p:nvPr/>
+        </p:nvSpPr>
+        <p:spPr>
+          <a:xfrm>
+            <a:off x="8035770" y="4105014"/>
+            <a:ext cx="884809" cy="369332"/>
+          </a:xfrm>
+          <a:prstGeom prst="rect">
+            <a:avLst/>
+          </a:prstGeom>
+          <a:noFill/>
+        </p:spPr>
+        <p:txBody>
+          <a:bodyPr wrap="square" rtlCol="0">
+            <a:spAutoFit/>
+          </a:bodyPr>
+          <a:lstStyle/>
+          <a:p>
+            <a:r>
+              <a:rPr lang="en-GB" dirty="0"/>
+              <a:t>X </a:t>
+            </a:r>
+            <a:r>
+              <a:rPr lang="en-GB" dirty="0" err="1"/>
+              <a:t>uout</a:t>
+            </a:r>
+            <a:r>
+              <a:rPr lang="en-GB" dirty="0"/>
+              <a:t> </a:t>
+            </a:r>
+          </a:p>
+        </p:txBody>
+      </p:sp>
+      <p:sp>
+        <p:nvSpPr>
+          <p:cNvPr id="76" name="TextBox 75">
+            <a:extLst>
+              <a:ext uri="{FF2B5EF4-FFF2-40B4-BE49-F238E27FC236}">
+                <a16:creationId xmlns:a16="http://schemas.microsoft.com/office/drawing/2014/main" id="{57B6E2BF-5F5C-C87F-B4DB-30D2F76BC6F0}"/>
+              </a:ext>
+            </a:extLst>
+          </p:cNvPr>
+          <p:cNvSpPr txBox="1"/>
+          <p:nvPr/>
+        </p:nvSpPr>
+        <p:spPr>
+          <a:xfrm>
+            <a:off x="10389831" y="4092094"/>
+            <a:ext cx="884809" cy="369332"/>
+          </a:xfrm>
+          <a:prstGeom prst="rect">
+            <a:avLst/>
+          </a:prstGeom>
+          <a:noFill/>
+        </p:spPr>
+        <p:txBody>
+          <a:bodyPr wrap="square" rtlCol="0">
+            <a:spAutoFit/>
+          </a:bodyPr>
+          <a:lstStyle/>
+          <a:p>
+            <a:r>
+              <a:rPr lang="en-GB" dirty="0"/>
+              <a:t>X </a:t>
+            </a:r>
+            <a:r>
+              <a:rPr lang="en-GB" dirty="0" err="1"/>
+              <a:t>uin</a:t>
+            </a:r>
+            <a:r>
+              <a:rPr lang="en-GB" dirty="0"/>
+              <a:t> </a:t>
+            </a:r>
+          </a:p>
+        </p:txBody>
+      </p:sp>
+      <p:sp>
+        <p:nvSpPr>
+          <p:cNvPr id="78" name="TextBox 77">
+            <a:extLst>
+              <a:ext uri="{FF2B5EF4-FFF2-40B4-BE49-F238E27FC236}">
+                <a16:creationId xmlns:a16="http://schemas.microsoft.com/office/drawing/2014/main" id="{9161D0F8-8EAC-E67D-BBDC-9AAA82196F0C}"/>
+              </a:ext>
+            </a:extLst>
+          </p:cNvPr>
+          <p:cNvSpPr txBox="1"/>
+          <p:nvPr/>
+        </p:nvSpPr>
+        <p:spPr>
+          <a:xfrm>
+            <a:off x="8052048" y="4958750"/>
+            <a:ext cx="884809" cy="369332"/>
+          </a:xfrm>
+          <a:prstGeom prst="rect">
+            <a:avLst/>
+          </a:prstGeom>
+          <a:noFill/>
+        </p:spPr>
+        <p:txBody>
+          <a:bodyPr wrap="square" rtlCol="0">
+            <a:spAutoFit/>
+          </a:bodyPr>
+          <a:lstStyle/>
+          <a:p>
+            <a:r>
+              <a:rPr lang="en-GB" dirty="0"/>
+              <a:t>X out </a:t>
+            </a:r>
+          </a:p>
+        </p:txBody>
+      </p:sp>
+      <p:sp>
+        <p:nvSpPr>
+          <p:cNvPr id="79" name="TextBox 78">
+            <a:extLst>
+              <a:ext uri="{FF2B5EF4-FFF2-40B4-BE49-F238E27FC236}">
+                <a16:creationId xmlns:a16="http://schemas.microsoft.com/office/drawing/2014/main" id="{1A326F35-68A3-8BE2-085F-130496EC8E72}"/>
+              </a:ext>
+            </a:extLst>
+          </p:cNvPr>
+          <p:cNvSpPr txBox="1"/>
+          <p:nvPr/>
+        </p:nvSpPr>
+        <p:spPr>
+          <a:xfrm>
+            <a:off x="10406109" y="4945830"/>
+            <a:ext cx="884809" cy="369332"/>
+          </a:xfrm>
+          <a:prstGeom prst="rect">
+            <a:avLst/>
+          </a:prstGeom>
+          <a:noFill/>
+        </p:spPr>
+        <p:txBody>
+          <a:bodyPr wrap="square" rtlCol="0">
+            <a:spAutoFit/>
+          </a:bodyPr>
+          <a:lstStyle/>
+          <a:p>
+            <a:r>
+              <a:rPr lang="en-GB" dirty="0"/>
+              <a:t>X in </a:t>
+            </a:r>
+          </a:p>
+        </p:txBody>
+      </p:sp>
     </p:spTree>
     <p:extLst>
       <p:ext uri="{BB962C8B-B14F-4D97-AF65-F5344CB8AC3E}">
-        <p14:creationId xmlns:p14="http://schemas.microsoft.com/office/powerpoint/2010/main" val="559934091"/>
+        <p14:creationId xmlns:p14="http://schemas.microsoft.com/office/powerpoint/2010/main" val="2721401281"/>
       </p:ext>
     </p:extLst>
   </p:cSld>
@@ -7250,6 +7499,1037 @@
           <p:cNvPr id="4" name="TextBox 3">
             <a:extLst>
               <a:ext uri="{FF2B5EF4-FFF2-40B4-BE49-F238E27FC236}">
+                <a16:creationId xmlns:a16="http://schemas.microsoft.com/office/drawing/2014/main" id="{E398BAD2-DB9E-8B00-8733-FC775775F8F3}"/>
+              </a:ext>
+            </a:extLst>
+          </p:cNvPr>
+          <p:cNvSpPr txBox="1"/>
+          <p:nvPr/>
+        </p:nvSpPr>
+        <p:spPr>
+          <a:xfrm>
+            <a:off x="2737282" y="2024108"/>
+            <a:ext cx="6551720" cy="584775"/>
+          </a:xfrm>
+          <a:prstGeom prst="rect">
+            <a:avLst/>
+          </a:prstGeom>
+          <a:noFill/>
+        </p:spPr>
+        <p:txBody>
+          <a:bodyPr wrap="square" rtlCol="0">
+            <a:spAutoFit/>
+          </a:bodyPr>
+          <a:lstStyle/>
+          <a:p>
+            <a:pPr algn="ctr"/>
+            <a:r>
+              <a:rPr lang="en-GB" sz="3200" dirty="0"/>
+              <a:t>Flash</a:t>
+            </a:r>
+          </a:p>
+        </p:txBody>
+      </p:sp>
+    </p:spTree>
+    <p:extLst>
+      <p:ext uri="{BB962C8B-B14F-4D97-AF65-F5344CB8AC3E}">
+        <p14:creationId xmlns:p14="http://schemas.microsoft.com/office/powerpoint/2010/main" val="1613699915"/>
+      </p:ext>
+    </p:extLst>
+  </p:cSld>
+  <p:clrMapOvr>
+    <a:masterClrMapping/>
+  </p:clrMapOvr>
+</p:sld>
+</file>
+
+<file path=ppt/slides/slide12.xml><?xml version="1.0" encoding="utf-8"?>
+<p:sld xmlns:a="http://schemas.openxmlformats.org/drawingml/2006/main" xmlns:r="http://schemas.openxmlformats.org/officeDocument/2006/relationships" xmlns:p="http://schemas.openxmlformats.org/presentationml/2006/main">
+  <p:cSld>
+    <p:spTree>
+      <p:nvGrpSpPr>
+        <p:cNvPr id="1" name=""/>
+        <p:cNvGrpSpPr/>
+        <p:nvPr/>
+      </p:nvGrpSpPr>
+      <p:grpSpPr>
+        <a:xfrm>
+          <a:off x="0" y="0"/>
+          <a:ext cx="0" cy="0"/>
+          <a:chOff x="0" y="0"/>
+          <a:chExt cx="0" cy="0"/>
+        </a:xfrm>
+      </p:grpSpPr>
+      <p:sp>
+        <p:nvSpPr>
+          <p:cNvPr id="16" name="TextBox 15">
+            <a:extLst>
+              <a:ext uri="{FF2B5EF4-FFF2-40B4-BE49-F238E27FC236}">
+                <a16:creationId xmlns:a16="http://schemas.microsoft.com/office/drawing/2014/main" id="{01EC3734-0E68-F1D3-6429-CB621E6E3579}"/>
+              </a:ext>
+            </a:extLst>
+          </p:cNvPr>
+          <p:cNvSpPr txBox="1"/>
+          <p:nvPr/>
+        </p:nvSpPr>
+        <p:spPr>
+          <a:xfrm>
+            <a:off x="1100831" y="2015230"/>
+            <a:ext cx="772358" cy="2585323"/>
+          </a:xfrm>
+          <a:prstGeom prst="rect">
+            <a:avLst/>
+          </a:prstGeom>
+          <a:noFill/>
+        </p:spPr>
+        <p:txBody>
+          <a:bodyPr wrap="square" rtlCol="0">
+            <a:spAutoFit/>
+          </a:bodyPr>
+          <a:lstStyle/>
+          <a:p>
+            <a:r>
+              <a:rPr lang="en-GB" dirty="0"/>
+              <a:t>T in</a:t>
+            </a:r>
+          </a:p>
+          <a:p>
+            <a:endParaRPr lang="en-GB" dirty="0"/>
+          </a:p>
+          <a:p>
+            <a:endParaRPr lang="en-GB" dirty="0"/>
+          </a:p>
+          <a:p>
+            <a:endParaRPr lang="en-GB" dirty="0"/>
+          </a:p>
+          <a:p>
+            <a:r>
+              <a:rPr lang="en-GB" dirty="0"/>
+              <a:t>P in </a:t>
+            </a:r>
+          </a:p>
+          <a:p>
+            <a:endParaRPr lang="en-GB" dirty="0"/>
+          </a:p>
+          <a:p>
+            <a:endParaRPr lang="en-GB" dirty="0"/>
+          </a:p>
+          <a:p>
+            <a:endParaRPr lang="en-GB" dirty="0"/>
+          </a:p>
+          <a:p>
+            <a:r>
+              <a:rPr lang="en-GB" dirty="0"/>
+              <a:t>F in </a:t>
+            </a:r>
+          </a:p>
+        </p:txBody>
+      </p:sp>
+      <p:sp>
+        <p:nvSpPr>
+          <p:cNvPr id="17" name="TextBox 16">
+            <a:extLst>
+              <a:ext uri="{FF2B5EF4-FFF2-40B4-BE49-F238E27FC236}">
+                <a16:creationId xmlns:a16="http://schemas.microsoft.com/office/drawing/2014/main" id="{0CC0023F-D546-037A-7BB7-667FD9FD70D5}"/>
+              </a:ext>
+            </a:extLst>
+          </p:cNvPr>
+          <p:cNvSpPr txBox="1"/>
+          <p:nvPr/>
+        </p:nvSpPr>
+        <p:spPr>
+          <a:xfrm>
+            <a:off x="6304624" y="2015230"/>
+            <a:ext cx="868533" cy="2585323"/>
+          </a:xfrm>
+          <a:prstGeom prst="rect">
+            <a:avLst/>
+          </a:prstGeom>
+          <a:noFill/>
+        </p:spPr>
+        <p:txBody>
+          <a:bodyPr wrap="square" rtlCol="0">
+            <a:spAutoFit/>
+          </a:bodyPr>
+          <a:lstStyle/>
+          <a:p>
+            <a:r>
+              <a:rPr lang="en-GB" dirty="0"/>
+              <a:t>T gas</a:t>
+            </a:r>
+          </a:p>
+          <a:p>
+            <a:endParaRPr lang="en-GB" dirty="0"/>
+          </a:p>
+          <a:p>
+            <a:endParaRPr lang="en-GB" dirty="0"/>
+          </a:p>
+          <a:p>
+            <a:endParaRPr lang="en-GB" dirty="0"/>
+          </a:p>
+          <a:p>
+            <a:r>
+              <a:rPr lang="en-GB" dirty="0"/>
+              <a:t>P gas </a:t>
+            </a:r>
+          </a:p>
+          <a:p>
+            <a:endParaRPr lang="en-GB" dirty="0"/>
+          </a:p>
+          <a:p>
+            <a:endParaRPr lang="en-GB" dirty="0"/>
+          </a:p>
+          <a:p>
+            <a:endParaRPr lang="en-GB" dirty="0"/>
+          </a:p>
+          <a:p>
+            <a:r>
+              <a:rPr lang="en-GB" dirty="0"/>
+              <a:t>F gas </a:t>
+            </a:r>
+          </a:p>
+        </p:txBody>
+      </p:sp>
+      <p:sp>
+        <p:nvSpPr>
+          <p:cNvPr id="28" name="TextBox 27">
+            <a:extLst>
+              <a:ext uri="{FF2B5EF4-FFF2-40B4-BE49-F238E27FC236}">
+                <a16:creationId xmlns:a16="http://schemas.microsoft.com/office/drawing/2014/main" id="{C4A6F438-835D-762B-C1F2-2E37D7CD5086}"/>
+              </a:ext>
+            </a:extLst>
+          </p:cNvPr>
+          <p:cNvSpPr txBox="1"/>
+          <p:nvPr/>
+        </p:nvSpPr>
+        <p:spPr>
+          <a:xfrm>
+            <a:off x="2608551" y="1275723"/>
+            <a:ext cx="3266986" cy="369332"/>
+          </a:xfrm>
+          <a:prstGeom prst="rect">
+            <a:avLst/>
+          </a:prstGeom>
+          <a:noFill/>
+        </p:spPr>
+        <p:txBody>
+          <a:bodyPr wrap="square" rtlCol="0">
+            <a:spAutoFit/>
+          </a:bodyPr>
+          <a:lstStyle/>
+          <a:p>
+            <a:r>
+              <a:rPr lang="en-GB" dirty="0"/>
+              <a:t>T unit	   P unit	       L unit</a:t>
+            </a:r>
+          </a:p>
+        </p:txBody>
+      </p:sp>
+      <p:sp>
+        <p:nvSpPr>
+          <p:cNvPr id="30" name="TextBox 29">
+            <a:extLst>
+              <a:ext uri="{FF2B5EF4-FFF2-40B4-BE49-F238E27FC236}">
+                <a16:creationId xmlns:a16="http://schemas.microsoft.com/office/drawing/2014/main" id="{DF45C446-EE10-B21E-1662-0B7DE3571BF9}"/>
+              </a:ext>
+            </a:extLst>
+          </p:cNvPr>
+          <p:cNvSpPr txBox="1"/>
+          <p:nvPr/>
+        </p:nvSpPr>
+        <p:spPr>
+          <a:xfrm>
+            <a:off x="2608551" y="4837149"/>
+            <a:ext cx="3266986" cy="369332"/>
+          </a:xfrm>
+          <a:prstGeom prst="rect">
+            <a:avLst/>
+          </a:prstGeom>
+          <a:noFill/>
+        </p:spPr>
+        <p:txBody>
+          <a:bodyPr wrap="square" rtlCol="0">
+            <a:spAutoFit/>
+          </a:bodyPr>
+          <a:lstStyle/>
+          <a:p>
+            <a:r>
+              <a:rPr lang="en-GB" dirty="0"/>
+              <a:t>T </a:t>
+            </a:r>
+            <a:r>
+              <a:rPr lang="en-GB" dirty="0" err="1"/>
+              <a:t>liq</a:t>
+            </a:r>
+            <a:r>
+              <a:rPr lang="en-GB" dirty="0"/>
+              <a:t>	   P </a:t>
+            </a:r>
+            <a:r>
+              <a:rPr lang="en-GB" dirty="0" err="1"/>
+              <a:t>liq</a:t>
+            </a:r>
+            <a:r>
+              <a:rPr lang="en-GB" dirty="0"/>
+              <a:t>	       F </a:t>
+            </a:r>
+            <a:r>
+              <a:rPr lang="en-GB" dirty="0" err="1"/>
+              <a:t>liq</a:t>
+            </a:r>
+            <a:endParaRPr lang="en-GB" dirty="0"/>
+          </a:p>
+        </p:txBody>
+      </p:sp>
+      <p:sp>
+        <p:nvSpPr>
+          <p:cNvPr id="31" name="TextBox 30">
+            <a:extLst>
+              <a:ext uri="{FF2B5EF4-FFF2-40B4-BE49-F238E27FC236}">
+                <a16:creationId xmlns:a16="http://schemas.microsoft.com/office/drawing/2014/main" id="{BC216585-9EDB-0617-02E8-FDD012A67CE3}"/>
+              </a:ext>
+            </a:extLst>
+          </p:cNvPr>
+          <p:cNvSpPr txBox="1"/>
+          <p:nvPr/>
+        </p:nvSpPr>
+        <p:spPr>
+          <a:xfrm>
+            <a:off x="8478175" y="675495"/>
+            <a:ext cx="1731145" cy="369332"/>
+          </a:xfrm>
+          <a:prstGeom prst="rect">
+            <a:avLst/>
+          </a:prstGeom>
+          <a:noFill/>
+        </p:spPr>
+        <p:txBody>
+          <a:bodyPr wrap="square" rtlCol="0">
+            <a:spAutoFit/>
+          </a:bodyPr>
+          <a:lstStyle/>
+          <a:p>
+            <a:r>
+              <a:rPr lang="en-GB" dirty="0"/>
+              <a:t>C1</a:t>
+            </a:r>
+          </a:p>
+        </p:txBody>
+      </p:sp>
+      <p:cxnSp>
+        <p:nvCxnSpPr>
+          <p:cNvPr id="3" name="Straight Arrow Connector 2">
+            <a:extLst>
+              <a:ext uri="{FF2B5EF4-FFF2-40B4-BE49-F238E27FC236}">
+                <a16:creationId xmlns:a16="http://schemas.microsoft.com/office/drawing/2014/main" id="{D7CCDBD8-288E-99CA-BFFB-F6E19CBAA33F}"/>
+              </a:ext>
+            </a:extLst>
+          </p:cNvPr>
+          <p:cNvCxnSpPr/>
+          <p:nvPr/>
+        </p:nvCxnSpPr>
+        <p:spPr>
+          <a:xfrm flipV="1">
+            <a:off x="1713390" y="1645055"/>
+            <a:ext cx="1091954" cy="574362"/>
+          </a:xfrm>
+          <a:prstGeom prst="straightConnector1">
+            <a:avLst/>
+          </a:prstGeom>
+          <a:ln>
+            <a:tailEnd type="triangle"/>
+          </a:ln>
+        </p:spPr>
+        <p:style>
+          <a:lnRef idx="2">
+            <a:schemeClr val="accent1"/>
+          </a:lnRef>
+          <a:fillRef idx="0">
+            <a:schemeClr val="accent1"/>
+          </a:fillRef>
+          <a:effectRef idx="1">
+            <a:schemeClr val="accent1"/>
+          </a:effectRef>
+          <a:fontRef idx="minor">
+            <a:schemeClr val="tx1"/>
+          </a:fontRef>
+        </p:style>
+      </p:cxnSp>
+      <p:cxnSp>
+        <p:nvCxnSpPr>
+          <p:cNvPr id="5" name="Straight Arrow Connector 4">
+            <a:extLst>
+              <a:ext uri="{FF2B5EF4-FFF2-40B4-BE49-F238E27FC236}">
+                <a16:creationId xmlns:a16="http://schemas.microsoft.com/office/drawing/2014/main" id="{437E0203-95B0-4651-D490-D2B4C5CC5D8C}"/>
+              </a:ext>
+            </a:extLst>
+          </p:cNvPr>
+          <p:cNvCxnSpPr/>
+          <p:nvPr/>
+        </p:nvCxnSpPr>
+        <p:spPr>
+          <a:xfrm>
+            <a:off x="3009530" y="1645055"/>
+            <a:ext cx="0" cy="3192094"/>
+          </a:xfrm>
+          <a:prstGeom prst="straightConnector1">
+            <a:avLst/>
+          </a:prstGeom>
+          <a:ln>
+            <a:tailEnd type="triangle"/>
+          </a:ln>
+        </p:spPr>
+        <p:style>
+          <a:lnRef idx="2">
+            <a:schemeClr val="accent1"/>
+          </a:lnRef>
+          <a:fillRef idx="0">
+            <a:schemeClr val="accent1"/>
+          </a:fillRef>
+          <a:effectRef idx="1">
+            <a:schemeClr val="accent1"/>
+          </a:effectRef>
+          <a:fontRef idx="minor">
+            <a:schemeClr val="tx1"/>
+          </a:fontRef>
+        </p:style>
+      </p:cxnSp>
+      <p:cxnSp>
+        <p:nvCxnSpPr>
+          <p:cNvPr id="6" name="Straight Arrow Connector 5">
+            <a:extLst>
+              <a:ext uri="{FF2B5EF4-FFF2-40B4-BE49-F238E27FC236}">
+                <a16:creationId xmlns:a16="http://schemas.microsoft.com/office/drawing/2014/main" id="{2EB2C06C-0038-0CCE-0D30-29E5C87A845B}"/>
+              </a:ext>
+            </a:extLst>
+          </p:cNvPr>
+          <p:cNvCxnSpPr>
+            <a:cxnSpLocks/>
+          </p:cNvCxnSpPr>
+          <p:nvPr/>
+        </p:nvCxnSpPr>
+        <p:spPr>
+          <a:xfrm>
+            <a:off x="3187083" y="1651519"/>
+            <a:ext cx="3117541" cy="567898"/>
+          </a:xfrm>
+          <a:prstGeom prst="straightConnector1">
+            <a:avLst/>
+          </a:prstGeom>
+          <a:ln>
+            <a:tailEnd type="triangle"/>
+          </a:ln>
+        </p:spPr>
+        <p:style>
+          <a:lnRef idx="2">
+            <a:schemeClr val="accent1"/>
+          </a:lnRef>
+          <a:fillRef idx="0">
+            <a:schemeClr val="accent1"/>
+          </a:fillRef>
+          <a:effectRef idx="1">
+            <a:schemeClr val="accent1"/>
+          </a:effectRef>
+          <a:fontRef idx="minor">
+            <a:schemeClr val="tx1"/>
+          </a:fontRef>
+        </p:style>
+      </p:cxnSp>
+      <p:cxnSp>
+        <p:nvCxnSpPr>
+          <p:cNvPr id="9" name="Straight Arrow Connector 8">
+            <a:extLst>
+              <a:ext uri="{FF2B5EF4-FFF2-40B4-BE49-F238E27FC236}">
+                <a16:creationId xmlns:a16="http://schemas.microsoft.com/office/drawing/2014/main" id="{1106B00C-B2E2-B094-6B82-5EBF4DE7ACEB}"/>
+              </a:ext>
+            </a:extLst>
+          </p:cNvPr>
+          <p:cNvCxnSpPr>
+            <a:cxnSpLocks/>
+          </p:cNvCxnSpPr>
+          <p:nvPr/>
+        </p:nvCxnSpPr>
+        <p:spPr>
+          <a:xfrm flipV="1">
+            <a:off x="1668261" y="1651519"/>
+            <a:ext cx="2442839" cy="1651726"/>
+          </a:xfrm>
+          <a:prstGeom prst="straightConnector1">
+            <a:avLst/>
+          </a:prstGeom>
+          <a:ln>
+            <a:tailEnd type="triangle"/>
+          </a:ln>
+        </p:spPr>
+        <p:style>
+          <a:lnRef idx="2">
+            <a:schemeClr val="accent1"/>
+          </a:lnRef>
+          <a:fillRef idx="0">
+            <a:schemeClr val="accent1"/>
+          </a:fillRef>
+          <a:effectRef idx="1">
+            <a:schemeClr val="accent1"/>
+          </a:effectRef>
+          <a:fontRef idx="minor">
+            <a:schemeClr val="tx1"/>
+          </a:fontRef>
+        </p:style>
+      </p:cxnSp>
+      <p:cxnSp>
+        <p:nvCxnSpPr>
+          <p:cNvPr id="12" name="Straight Arrow Connector 11">
+            <a:extLst>
+              <a:ext uri="{FF2B5EF4-FFF2-40B4-BE49-F238E27FC236}">
+                <a16:creationId xmlns:a16="http://schemas.microsoft.com/office/drawing/2014/main" id="{B9264382-3AE0-7565-8392-4074A51E9524}"/>
+              </a:ext>
+            </a:extLst>
+          </p:cNvPr>
+          <p:cNvCxnSpPr>
+            <a:cxnSpLocks/>
+          </p:cNvCxnSpPr>
+          <p:nvPr/>
+        </p:nvCxnSpPr>
+        <p:spPr>
+          <a:xfrm flipH="1">
+            <a:off x="4111100" y="1651519"/>
+            <a:ext cx="860395" cy="3185630"/>
+          </a:xfrm>
+          <a:prstGeom prst="straightConnector1">
+            <a:avLst/>
+          </a:prstGeom>
+          <a:ln>
+            <a:tailEnd type="triangle"/>
+          </a:ln>
+        </p:spPr>
+        <p:style>
+          <a:lnRef idx="2">
+            <a:schemeClr val="accent1"/>
+          </a:lnRef>
+          <a:fillRef idx="0">
+            <a:schemeClr val="accent1"/>
+          </a:fillRef>
+          <a:effectRef idx="1">
+            <a:schemeClr val="accent1"/>
+          </a:effectRef>
+          <a:fontRef idx="minor">
+            <a:schemeClr val="tx1"/>
+          </a:fontRef>
+        </p:style>
+      </p:cxnSp>
+      <p:cxnSp>
+        <p:nvCxnSpPr>
+          <p:cNvPr id="13" name="Straight Arrow Connector 12">
+            <a:extLst>
+              <a:ext uri="{FF2B5EF4-FFF2-40B4-BE49-F238E27FC236}">
+                <a16:creationId xmlns:a16="http://schemas.microsoft.com/office/drawing/2014/main" id="{9463AFE4-2171-885E-59F7-4785BDAE7CE6}"/>
+              </a:ext>
+            </a:extLst>
+          </p:cNvPr>
+          <p:cNvCxnSpPr>
+            <a:cxnSpLocks/>
+          </p:cNvCxnSpPr>
+          <p:nvPr/>
+        </p:nvCxnSpPr>
+        <p:spPr>
+          <a:xfrm flipH="1">
+            <a:off x="5157926" y="1645055"/>
+            <a:ext cx="106532" cy="3192094"/>
+          </a:xfrm>
+          <a:prstGeom prst="straightConnector1">
+            <a:avLst/>
+          </a:prstGeom>
+          <a:ln>
+            <a:tailEnd type="triangle"/>
+          </a:ln>
+        </p:spPr>
+        <p:style>
+          <a:lnRef idx="2">
+            <a:schemeClr val="accent1"/>
+          </a:lnRef>
+          <a:fillRef idx="0">
+            <a:schemeClr val="accent1"/>
+          </a:fillRef>
+          <a:effectRef idx="1">
+            <a:schemeClr val="accent1"/>
+          </a:effectRef>
+          <a:fontRef idx="minor">
+            <a:schemeClr val="tx1"/>
+          </a:fontRef>
+        </p:style>
+      </p:cxnSp>
+      <p:cxnSp>
+        <p:nvCxnSpPr>
+          <p:cNvPr id="20" name="Straight Arrow Connector 19">
+            <a:extLst>
+              <a:ext uri="{FF2B5EF4-FFF2-40B4-BE49-F238E27FC236}">
+                <a16:creationId xmlns:a16="http://schemas.microsoft.com/office/drawing/2014/main" id="{7A7F22AC-2AB4-F4DB-FBA5-40B2473D6153}"/>
+              </a:ext>
+            </a:extLst>
+          </p:cNvPr>
+          <p:cNvCxnSpPr>
+            <a:stCxn id="28" idx="2"/>
+          </p:cNvCxnSpPr>
+          <p:nvPr/>
+        </p:nvCxnSpPr>
+        <p:spPr>
+          <a:xfrm>
+            <a:off x="4242044" y="1645055"/>
+            <a:ext cx="2062580" cy="1542028"/>
+          </a:xfrm>
+          <a:prstGeom prst="straightConnector1">
+            <a:avLst/>
+          </a:prstGeom>
+          <a:ln>
+            <a:tailEnd type="triangle"/>
+          </a:ln>
+        </p:spPr>
+        <p:style>
+          <a:lnRef idx="2">
+            <a:schemeClr val="accent1"/>
+          </a:lnRef>
+          <a:fillRef idx="0">
+            <a:schemeClr val="accent1"/>
+          </a:fillRef>
+          <a:effectRef idx="1">
+            <a:schemeClr val="accent1"/>
+          </a:effectRef>
+          <a:fontRef idx="minor">
+            <a:schemeClr val="tx1"/>
+          </a:fontRef>
+        </p:style>
+      </p:cxnSp>
+      <p:cxnSp>
+        <p:nvCxnSpPr>
+          <p:cNvPr id="21" name="Straight Arrow Connector 20">
+            <a:extLst>
+              <a:ext uri="{FF2B5EF4-FFF2-40B4-BE49-F238E27FC236}">
+                <a16:creationId xmlns:a16="http://schemas.microsoft.com/office/drawing/2014/main" id="{5C7B4657-754D-2990-2C45-6BDD329A6EC4}"/>
+              </a:ext>
+            </a:extLst>
+          </p:cNvPr>
+          <p:cNvCxnSpPr>
+            <a:cxnSpLocks/>
+            <a:stCxn id="28" idx="2"/>
+          </p:cNvCxnSpPr>
+          <p:nvPr/>
+        </p:nvCxnSpPr>
+        <p:spPr>
+          <a:xfrm>
+            <a:off x="4242044" y="1645055"/>
+            <a:ext cx="2034472" cy="2605746"/>
+          </a:xfrm>
+          <a:prstGeom prst="straightConnector1">
+            <a:avLst/>
+          </a:prstGeom>
+          <a:ln>
+            <a:tailEnd type="triangle"/>
+          </a:ln>
+        </p:spPr>
+        <p:style>
+          <a:lnRef idx="2">
+            <a:schemeClr val="accent1"/>
+          </a:lnRef>
+          <a:fillRef idx="0">
+            <a:schemeClr val="accent1"/>
+          </a:fillRef>
+          <a:effectRef idx="1">
+            <a:schemeClr val="accent1"/>
+          </a:effectRef>
+          <a:fontRef idx="minor">
+            <a:schemeClr val="tx1"/>
+          </a:fontRef>
+        </p:style>
+      </p:cxnSp>
+      <p:cxnSp>
+        <p:nvCxnSpPr>
+          <p:cNvPr id="25" name="Straight Arrow Connector 24">
+            <a:extLst>
+              <a:ext uri="{FF2B5EF4-FFF2-40B4-BE49-F238E27FC236}">
+                <a16:creationId xmlns:a16="http://schemas.microsoft.com/office/drawing/2014/main" id="{8E8DEEE3-A4BE-A016-D6BA-3C2F2C09BF89}"/>
+              </a:ext>
+            </a:extLst>
+          </p:cNvPr>
+          <p:cNvCxnSpPr/>
+          <p:nvPr/>
+        </p:nvCxnSpPr>
+        <p:spPr>
+          <a:xfrm flipV="1">
+            <a:off x="1713390" y="1651519"/>
+            <a:ext cx="2237173" cy="2698539"/>
+          </a:xfrm>
+          <a:prstGeom prst="straightConnector1">
+            <a:avLst/>
+          </a:prstGeom>
+          <a:ln>
+            <a:tailEnd type="triangle"/>
+          </a:ln>
+        </p:spPr>
+        <p:style>
+          <a:lnRef idx="2">
+            <a:schemeClr val="accent1"/>
+          </a:lnRef>
+          <a:fillRef idx="0">
+            <a:schemeClr val="accent1"/>
+          </a:fillRef>
+          <a:effectRef idx="1">
+            <a:schemeClr val="accent1"/>
+          </a:effectRef>
+          <a:fontRef idx="minor">
+            <a:schemeClr val="tx1"/>
+          </a:fontRef>
+        </p:style>
+      </p:cxnSp>
+      <p:cxnSp>
+        <p:nvCxnSpPr>
+          <p:cNvPr id="43" name="Straight Arrow Connector 42">
+            <a:extLst>
+              <a:ext uri="{FF2B5EF4-FFF2-40B4-BE49-F238E27FC236}">
+                <a16:creationId xmlns:a16="http://schemas.microsoft.com/office/drawing/2014/main" id="{A13A174E-083E-C11D-0FEF-7302EC745AF8}"/>
+              </a:ext>
+            </a:extLst>
+          </p:cNvPr>
+          <p:cNvCxnSpPr/>
+          <p:nvPr/>
+        </p:nvCxnSpPr>
+        <p:spPr>
+          <a:xfrm flipV="1">
+            <a:off x="1713390" y="1645055"/>
+            <a:ext cx="3471169" cy="2705003"/>
+          </a:xfrm>
+          <a:prstGeom prst="straightConnector1">
+            <a:avLst/>
+          </a:prstGeom>
+          <a:ln>
+            <a:tailEnd type="triangle"/>
+          </a:ln>
+        </p:spPr>
+        <p:style>
+          <a:lnRef idx="2">
+            <a:schemeClr val="accent1"/>
+          </a:lnRef>
+          <a:fillRef idx="0">
+            <a:schemeClr val="accent1"/>
+          </a:fillRef>
+          <a:effectRef idx="1">
+            <a:schemeClr val="accent1"/>
+          </a:effectRef>
+          <a:fontRef idx="minor">
+            <a:schemeClr val="tx1"/>
+          </a:fontRef>
+        </p:style>
+      </p:cxnSp>
+      <p:sp>
+        <p:nvSpPr>
+          <p:cNvPr id="2" name="TextBox 1">
+            <a:extLst>
+              <a:ext uri="{FF2B5EF4-FFF2-40B4-BE49-F238E27FC236}">
+                <a16:creationId xmlns:a16="http://schemas.microsoft.com/office/drawing/2014/main" id="{51174590-1E45-1F7F-6586-C09927B4A971}"/>
+              </a:ext>
+            </a:extLst>
+          </p:cNvPr>
+          <p:cNvSpPr txBox="1"/>
+          <p:nvPr/>
+        </p:nvSpPr>
+        <p:spPr>
+          <a:xfrm>
+            <a:off x="763480" y="310718"/>
+            <a:ext cx="949910" cy="369332"/>
+          </a:xfrm>
+          <a:prstGeom prst="rect">
+            <a:avLst/>
+          </a:prstGeom>
+          <a:noFill/>
+        </p:spPr>
+        <p:txBody>
+          <a:bodyPr wrap="square" rtlCol="0">
+            <a:spAutoFit/>
+          </a:bodyPr>
+          <a:lstStyle/>
+          <a:p>
+            <a:r>
+              <a:rPr lang="en-GB" dirty="0"/>
+              <a:t>X in</a:t>
+            </a:r>
+          </a:p>
+        </p:txBody>
+      </p:sp>
+      <p:cxnSp>
+        <p:nvCxnSpPr>
+          <p:cNvPr id="4" name="Straight Arrow Connector 3">
+            <a:extLst>
+              <a:ext uri="{FF2B5EF4-FFF2-40B4-BE49-F238E27FC236}">
+                <a16:creationId xmlns:a16="http://schemas.microsoft.com/office/drawing/2014/main" id="{BD507C62-BD1F-ECD9-EF42-FC267F6546F9}"/>
+              </a:ext>
+            </a:extLst>
+          </p:cNvPr>
+          <p:cNvCxnSpPr>
+            <a:cxnSpLocks/>
+          </p:cNvCxnSpPr>
+          <p:nvPr/>
+        </p:nvCxnSpPr>
+        <p:spPr>
+          <a:xfrm>
+            <a:off x="1327212" y="630177"/>
+            <a:ext cx="2454675" cy="652010"/>
+          </a:xfrm>
+          <a:prstGeom prst="straightConnector1">
+            <a:avLst/>
+          </a:prstGeom>
+          <a:ln>
+            <a:tailEnd type="triangle"/>
+          </a:ln>
+        </p:spPr>
+        <p:style>
+          <a:lnRef idx="2">
+            <a:schemeClr val="accent1"/>
+          </a:lnRef>
+          <a:fillRef idx="0">
+            <a:schemeClr val="accent1"/>
+          </a:fillRef>
+          <a:effectRef idx="1">
+            <a:schemeClr val="accent1"/>
+          </a:effectRef>
+          <a:fontRef idx="minor">
+            <a:schemeClr val="tx1"/>
+          </a:fontRef>
+        </p:style>
+      </p:cxnSp>
+      <p:cxnSp>
+        <p:nvCxnSpPr>
+          <p:cNvPr id="8" name="Straight Arrow Connector 7">
+            <a:extLst>
+              <a:ext uri="{FF2B5EF4-FFF2-40B4-BE49-F238E27FC236}">
+                <a16:creationId xmlns:a16="http://schemas.microsoft.com/office/drawing/2014/main" id="{5C76AC0D-B5A8-DB80-671D-9BE4FA51ECF3}"/>
+              </a:ext>
+            </a:extLst>
+          </p:cNvPr>
+          <p:cNvCxnSpPr>
+            <a:cxnSpLocks/>
+          </p:cNvCxnSpPr>
+          <p:nvPr/>
+        </p:nvCxnSpPr>
+        <p:spPr>
+          <a:xfrm>
+            <a:off x="1277646" y="507261"/>
+            <a:ext cx="3625047" cy="815021"/>
+          </a:xfrm>
+          <a:prstGeom prst="straightConnector1">
+            <a:avLst/>
+          </a:prstGeom>
+          <a:ln>
+            <a:tailEnd type="triangle"/>
+          </a:ln>
+        </p:spPr>
+        <p:style>
+          <a:lnRef idx="2">
+            <a:schemeClr val="accent1"/>
+          </a:lnRef>
+          <a:fillRef idx="0">
+            <a:schemeClr val="accent1"/>
+          </a:fillRef>
+          <a:effectRef idx="1">
+            <a:schemeClr val="accent1"/>
+          </a:effectRef>
+          <a:fontRef idx="minor">
+            <a:schemeClr val="tx1"/>
+          </a:fontRef>
+        </p:style>
+      </p:cxnSp>
+      <p:sp>
+        <p:nvSpPr>
+          <p:cNvPr id="11" name="TextBox 10">
+            <a:extLst>
+              <a:ext uri="{FF2B5EF4-FFF2-40B4-BE49-F238E27FC236}">
+                <a16:creationId xmlns:a16="http://schemas.microsoft.com/office/drawing/2014/main" id="{D38AB345-9E23-6F6A-7E35-FEBF688B78AD}"/>
+              </a:ext>
+            </a:extLst>
+          </p:cNvPr>
+          <p:cNvSpPr txBox="1"/>
+          <p:nvPr/>
+        </p:nvSpPr>
+        <p:spPr>
+          <a:xfrm>
+            <a:off x="6526567" y="137929"/>
+            <a:ext cx="949910" cy="369332"/>
+          </a:xfrm>
+          <a:prstGeom prst="rect">
+            <a:avLst/>
+          </a:prstGeom>
+          <a:noFill/>
+        </p:spPr>
+        <p:txBody>
+          <a:bodyPr wrap="square" rtlCol="0">
+            <a:spAutoFit/>
+          </a:bodyPr>
+          <a:lstStyle/>
+          <a:p>
+            <a:r>
+              <a:rPr lang="en-GB" dirty="0"/>
+              <a:t>X gas</a:t>
+            </a:r>
+          </a:p>
+        </p:txBody>
+      </p:sp>
+      <p:sp>
+        <p:nvSpPr>
+          <p:cNvPr id="14" name="TextBox 13">
+            <a:extLst>
+              <a:ext uri="{FF2B5EF4-FFF2-40B4-BE49-F238E27FC236}">
+                <a16:creationId xmlns:a16="http://schemas.microsoft.com/office/drawing/2014/main" id="{F69D3F75-28C3-3D3D-E2D1-32E4C2DD07CD}"/>
+              </a:ext>
+            </a:extLst>
+          </p:cNvPr>
+          <p:cNvSpPr txBox="1"/>
+          <p:nvPr/>
+        </p:nvSpPr>
+        <p:spPr>
+          <a:xfrm>
+            <a:off x="6526567" y="750974"/>
+            <a:ext cx="949910" cy="369332"/>
+          </a:xfrm>
+          <a:prstGeom prst="rect">
+            <a:avLst/>
+          </a:prstGeom>
+          <a:noFill/>
+        </p:spPr>
+        <p:txBody>
+          <a:bodyPr wrap="square" rtlCol="0">
+            <a:spAutoFit/>
+          </a:bodyPr>
+          <a:lstStyle/>
+          <a:p>
+            <a:r>
+              <a:rPr lang="en-GB" dirty="0"/>
+              <a:t>X </a:t>
+            </a:r>
+            <a:r>
+              <a:rPr lang="en-GB" dirty="0" err="1"/>
+              <a:t>liq</a:t>
+            </a:r>
+            <a:endParaRPr lang="en-GB" dirty="0"/>
+          </a:p>
+        </p:txBody>
+      </p:sp>
+      <p:cxnSp>
+        <p:nvCxnSpPr>
+          <p:cNvPr id="15" name="Straight Arrow Connector 14">
+            <a:extLst>
+              <a:ext uri="{FF2B5EF4-FFF2-40B4-BE49-F238E27FC236}">
+                <a16:creationId xmlns:a16="http://schemas.microsoft.com/office/drawing/2014/main" id="{35DB7D8C-13FA-B5B6-11B0-0909E3C60CFC}"/>
+              </a:ext>
+            </a:extLst>
+          </p:cNvPr>
+          <p:cNvCxnSpPr>
+            <a:cxnSpLocks/>
+            <a:stCxn id="28" idx="0"/>
+          </p:cNvCxnSpPr>
+          <p:nvPr/>
+        </p:nvCxnSpPr>
+        <p:spPr>
+          <a:xfrm flipV="1">
+            <a:off x="4242044" y="985310"/>
+            <a:ext cx="2126944" cy="290413"/>
+          </a:xfrm>
+          <a:prstGeom prst="straightConnector1">
+            <a:avLst/>
+          </a:prstGeom>
+          <a:ln>
+            <a:tailEnd type="triangle"/>
+          </a:ln>
+        </p:spPr>
+        <p:style>
+          <a:lnRef idx="2">
+            <a:schemeClr val="accent1"/>
+          </a:lnRef>
+          <a:fillRef idx="0">
+            <a:schemeClr val="accent1"/>
+          </a:fillRef>
+          <a:effectRef idx="1">
+            <a:schemeClr val="accent1"/>
+          </a:effectRef>
+          <a:fontRef idx="minor">
+            <a:schemeClr val="tx1"/>
+          </a:fontRef>
+        </p:style>
+      </p:cxnSp>
+      <p:cxnSp>
+        <p:nvCxnSpPr>
+          <p:cNvPr id="19" name="Straight Arrow Connector 18">
+            <a:extLst>
+              <a:ext uri="{FF2B5EF4-FFF2-40B4-BE49-F238E27FC236}">
+                <a16:creationId xmlns:a16="http://schemas.microsoft.com/office/drawing/2014/main" id="{7E792D36-18C4-FD75-BBF9-D50F74895A24}"/>
+              </a:ext>
+            </a:extLst>
+          </p:cNvPr>
+          <p:cNvCxnSpPr>
+            <a:cxnSpLocks/>
+            <a:endCxn id="11" idx="1"/>
+          </p:cNvCxnSpPr>
+          <p:nvPr/>
+        </p:nvCxnSpPr>
+        <p:spPr>
+          <a:xfrm flipV="1">
+            <a:off x="4099266" y="322595"/>
+            <a:ext cx="2427301" cy="984493"/>
+          </a:xfrm>
+          <a:prstGeom prst="straightConnector1">
+            <a:avLst/>
+          </a:prstGeom>
+          <a:ln>
+            <a:tailEnd type="triangle"/>
+          </a:ln>
+        </p:spPr>
+        <p:style>
+          <a:lnRef idx="2">
+            <a:schemeClr val="accent1"/>
+          </a:lnRef>
+          <a:fillRef idx="0">
+            <a:schemeClr val="accent1"/>
+          </a:fillRef>
+          <a:effectRef idx="1">
+            <a:schemeClr val="accent1"/>
+          </a:effectRef>
+          <a:fontRef idx="minor">
+            <a:schemeClr val="tx1"/>
+          </a:fontRef>
+        </p:style>
+      </p:cxnSp>
+    </p:spTree>
+    <p:extLst>
+      <p:ext uri="{BB962C8B-B14F-4D97-AF65-F5344CB8AC3E}">
+        <p14:creationId xmlns:p14="http://schemas.microsoft.com/office/powerpoint/2010/main" val="559934091"/>
+      </p:ext>
+    </p:extLst>
+  </p:cSld>
+  <p:clrMapOvr>
+    <a:masterClrMapping/>
+  </p:clrMapOvr>
+</p:sld>
+</file>
+
+<file path=ppt/slides/slide13.xml><?xml version="1.0" encoding="utf-8"?>
+<p:sld xmlns:a="http://schemas.openxmlformats.org/drawingml/2006/main" xmlns:r="http://schemas.openxmlformats.org/officeDocument/2006/relationships" xmlns:p="http://schemas.openxmlformats.org/presentationml/2006/main">
+  <p:cSld>
+    <p:spTree>
+      <p:nvGrpSpPr>
+        <p:cNvPr id="1" name=""/>
+        <p:cNvGrpSpPr/>
+        <p:nvPr/>
+      </p:nvGrpSpPr>
+      <p:grpSpPr>
+        <a:xfrm>
+          <a:off x="0" y="0"/>
+          <a:ext cx="0" cy="0"/>
+          <a:chOff x="0" y="0"/>
+          <a:chExt cx="0" cy="0"/>
+        </a:xfrm>
+      </p:grpSpPr>
+      <p:sp>
+        <p:nvSpPr>
+          <p:cNvPr id="4" name="TextBox 3">
+            <a:extLst>
+              <a:ext uri="{FF2B5EF4-FFF2-40B4-BE49-F238E27FC236}">
                 <a16:creationId xmlns:a16="http://schemas.microsoft.com/office/drawing/2014/main" id="{2991220B-FC51-3C40-E596-FC763D47AF10}"/>
               </a:ext>
             </a:extLst>
@@ -7294,7 +8574,7 @@
 </p:sld>
 </file>
 
-<file path=ppt/slides/slide12.xml><?xml version="1.0" encoding="utf-8"?>
+<file path=ppt/slides/slide14.xml><?xml version="1.0" encoding="utf-8"?>
 <p:sld xmlns:a="http://schemas.openxmlformats.org/drawingml/2006/main" xmlns:r="http://schemas.openxmlformats.org/officeDocument/2006/relationships" xmlns:p="http://schemas.openxmlformats.org/presentationml/2006/main">
   <p:cSld>
     <p:spTree>
@@ -9173,7 +10453,7 @@
 </p:sld>
 </file>
 
-<file path=ppt/slides/slide13.xml><?xml version="1.0" encoding="utf-8"?>
+<file path=ppt/slides/slide15.xml><?xml version="1.0" encoding="utf-8"?>
 <p:sld xmlns:a="http://schemas.openxmlformats.org/drawingml/2006/main" xmlns:r="http://schemas.openxmlformats.org/officeDocument/2006/relationships" xmlns:p="http://schemas.openxmlformats.org/presentationml/2006/main">
   <p:cSld>
     <p:spTree>
@@ -9607,7 +10887,7 @@
 </p:sld>
 </file>
 
-<file path=ppt/slides/slide14.xml><?xml version="1.0" encoding="utf-8"?>
+<file path=ppt/slides/slide16.xml><?xml version="1.0" encoding="utf-8"?>
 <p:sld xmlns:a="http://schemas.openxmlformats.org/drawingml/2006/main" xmlns:r="http://schemas.openxmlformats.org/officeDocument/2006/relationships" xmlns:p="http://schemas.openxmlformats.org/presentationml/2006/main">
   <p:cSld>
     <p:spTree>
@@ -9673,7 +10953,7 @@
 </p:sld>
 </file>
 
-<file path=ppt/slides/slide15.xml><?xml version="1.0" encoding="utf-8"?>
+<file path=ppt/slides/slide17.xml><?xml version="1.0" encoding="utf-8"?>
 <p:sld xmlns:a="http://schemas.openxmlformats.org/drawingml/2006/main" xmlns:r="http://schemas.openxmlformats.org/officeDocument/2006/relationships" xmlns:p="http://schemas.openxmlformats.org/presentationml/2006/main">
   <p:cSld>
     <p:spTree>
@@ -12824,7 +14104,7 @@
           <p:cNvPr id="4" name="TextBox 3">
             <a:extLst>
               <a:ext uri="{FF2B5EF4-FFF2-40B4-BE49-F238E27FC236}">
-                <a16:creationId xmlns:a16="http://schemas.microsoft.com/office/drawing/2014/main" id="{E398BAD2-DB9E-8B00-8733-FC775775F8F3}"/>
+                <a16:creationId xmlns:a16="http://schemas.microsoft.com/office/drawing/2014/main" id="{F42F9336-7388-77C5-4A65-1DC70E8EB262}"/>
               </a:ext>
             </a:extLst>
           </p:cNvPr>
@@ -12833,8 +14113,8 @@
         </p:nvSpPr>
         <p:spPr>
           <a:xfrm>
-            <a:off x="2737282" y="2024108"/>
-            <a:ext cx="6551720" cy="584775"/>
+            <a:off x="870012" y="1473693"/>
+            <a:ext cx="790112" cy="369332"/>
           </a:xfrm>
           <a:prstGeom prst="rect">
             <a:avLst/>
@@ -12847,18 +14127,541 @@
           </a:bodyPr>
           <a:lstStyle/>
           <a:p>
-            <a:pPr algn="ctr"/>
-            <a:r>
-              <a:rPr lang="en-GB" sz="3200" dirty="0"/>
-              <a:t>Control valve </a:t>
-            </a:r>
-          </a:p>
-        </p:txBody>
-      </p:sp>
+            <a:r>
+              <a:rPr lang="en-GB" dirty="0"/>
+              <a:t>T1</a:t>
+            </a:r>
+          </a:p>
+        </p:txBody>
+      </p:sp>
+      <p:sp>
+        <p:nvSpPr>
+          <p:cNvPr id="5" name="TextBox 4">
+            <a:extLst>
+              <a:ext uri="{FF2B5EF4-FFF2-40B4-BE49-F238E27FC236}">
+                <a16:creationId xmlns:a16="http://schemas.microsoft.com/office/drawing/2014/main" id="{7AB1EC9D-5FCD-1B4B-858C-C59518794A96}"/>
+              </a:ext>
+            </a:extLst>
+          </p:cNvPr>
+          <p:cNvSpPr txBox="1"/>
+          <p:nvPr/>
+        </p:nvSpPr>
+        <p:spPr>
+          <a:xfrm>
+            <a:off x="1417468" y="2354062"/>
+            <a:ext cx="790112" cy="369332"/>
+          </a:xfrm>
+          <a:prstGeom prst="rect">
+            <a:avLst/>
+          </a:prstGeom>
+          <a:noFill/>
+        </p:spPr>
+        <p:txBody>
+          <a:bodyPr wrap="square" rtlCol="0">
+            <a:spAutoFit/>
+          </a:bodyPr>
+          <a:lstStyle/>
+          <a:p>
+            <a:r>
+              <a:rPr lang="en-GB" dirty="0"/>
+              <a:t>F1</a:t>
+            </a:r>
+          </a:p>
+        </p:txBody>
+      </p:sp>
+      <p:sp>
+        <p:nvSpPr>
+          <p:cNvPr id="6" name="TextBox 5">
+            <a:extLst>
+              <a:ext uri="{FF2B5EF4-FFF2-40B4-BE49-F238E27FC236}">
+                <a16:creationId xmlns:a16="http://schemas.microsoft.com/office/drawing/2014/main" id="{F58A8B83-5EBA-2526-90D9-517719F87385}"/>
+              </a:ext>
+            </a:extLst>
+          </p:cNvPr>
+          <p:cNvSpPr txBox="1"/>
+          <p:nvPr/>
+        </p:nvSpPr>
+        <p:spPr>
+          <a:xfrm>
+            <a:off x="1899082" y="1509373"/>
+            <a:ext cx="790112" cy="369332"/>
+          </a:xfrm>
+          <a:prstGeom prst="rect">
+            <a:avLst/>
+          </a:prstGeom>
+          <a:noFill/>
+        </p:spPr>
+        <p:txBody>
+          <a:bodyPr wrap="square" rtlCol="0">
+            <a:spAutoFit/>
+          </a:bodyPr>
+          <a:lstStyle/>
+          <a:p>
+            <a:r>
+              <a:rPr lang="en-GB" dirty="0"/>
+              <a:t>P1</a:t>
+            </a:r>
+          </a:p>
+        </p:txBody>
+      </p:sp>
+      <p:sp>
+        <p:nvSpPr>
+          <p:cNvPr id="7" name="TextBox 6">
+            <a:extLst>
+              <a:ext uri="{FF2B5EF4-FFF2-40B4-BE49-F238E27FC236}">
+                <a16:creationId xmlns:a16="http://schemas.microsoft.com/office/drawing/2014/main" id="{CF8BF53C-8CB2-468D-FC1A-C956BE36342E}"/>
+              </a:ext>
+            </a:extLst>
+          </p:cNvPr>
+          <p:cNvSpPr txBox="1"/>
+          <p:nvPr/>
+        </p:nvSpPr>
+        <p:spPr>
+          <a:xfrm>
+            <a:off x="2459115" y="942915"/>
+            <a:ext cx="790112" cy="369332"/>
+          </a:xfrm>
+          <a:prstGeom prst="rect">
+            <a:avLst/>
+          </a:prstGeom>
+          <a:noFill/>
+        </p:spPr>
+        <p:txBody>
+          <a:bodyPr wrap="square" rtlCol="0">
+            <a:spAutoFit/>
+          </a:bodyPr>
+          <a:lstStyle/>
+          <a:p>
+            <a:r>
+              <a:rPr lang="en-GB" dirty="0"/>
+              <a:t>W</a:t>
+            </a:r>
+          </a:p>
+        </p:txBody>
+      </p:sp>
+      <p:sp>
+        <p:nvSpPr>
+          <p:cNvPr id="8" name="TextBox 7">
+            <a:extLst>
+              <a:ext uri="{FF2B5EF4-FFF2-40B4-BE49-F238E27FC236}">
+                <a16:creationId xmlns:a16="http://schemas.microsoft.com/office/drawing/2014/main" id="{BD082F9B-1049-C6CA-7571-0A0C6255177A}"/>
+              </a:ext>
+            </a:extLst>
+          </p:cNvPr>
+          <p:cNvSpPr txBox="1"/>
+          <p:nvPr/>
+        </p:nvSpPr>
+        <p:spPr>
+          <a:xfrm>
+            <a:off x="3038384" y="1505503"/>
+            <a:ext cx="790112" cy="369332"/>
+          </a:xfrm>
+          <a:prstGeom prst="rect">
+            <a:avLst/>
+          </a:prstGeom>
+          <a:noFill/>
+        </p:spPr>
+        <p:txBody>
+          <a:bodyPr wrap="square" rtlCol="0">
+            <a:spAutoFit/>
+          </a:bodyPr>
+          <a:lstStyle/>
+          <a:p>
+            <a:r>
+              <a:rPr lang="en-GB" dirty="0"/>
+              <a:t>P2</a:t>
+            </a:r>
+          </a:p>
+        </p:txBody>
+      </p:sp>
+      <p:sp>
+        <p:nvSpPr>
+          <p:cNvPr id="9" name="TextBox 8">
+            <a:extLst>
+              <a:ext uri="{FF2B5EF4-FFF2-40B4-BE49-F238E27FC236}">
+                <a16:creationId xmlns:a16="http://schemas.microsoft.com/office/drawing/2014/main" id="{A34FC2E9-791B-1BCA-8DF7-852BB9A7FC94}"/>
+              </a:ext>
+            </a:extLst>
+          </p:cNvPr>
+          <p:cNvSpPr txBox="1"/>
+          <p:nvPr/>
+        </p:nvSpPr>
+        <p:spPr>
+          <a:xfrm>
+            <a:off x="3249227" y="565162"/>
+            <a:ext cx="540799" cy="369332"/>
+          </a:xfrm>
+          <a:prstGeom prst="rect">
+            <a:avLst/>
+          </a:prstGeom>
+          <a:noFill/>
+        </p:spPr>
+        <p:txBody>
+          <a:bodyPr wrap="square" rtlCol="0">
+            <a:spAutoFit/>
+          </a:bodyPr>
+          <a:lstStyle/>
+          <a:p>
+            <a:r>
+              <a:rPr lang="en-GB" dirty="0"/>
+              <a:t>T2</a:t>
+            </a:r>
+          </a:p>
+        </p:txBody>
+      </p:sp>
+      <p:sp>
+        <p:nvSpPr>
+          <p:cNvPr id="10" name="TextBox 9">
+            <a:extLst>
+              <a:ext uri="{FF2B5EF4-FFF2-40B4-BE49-F238E27FC236}">
+                <a16:creationId xmlns:a16="http://schemas.microsoft.com/office/drawing/2014/main" id="{F6E75630-1796-04FA-7D71-F04E5B95FA64}"/>
+              </a:ext>
+            </a:extLst>
+          </p:cNvPr>
+          <p:cNvSpPr txBox="1"/>
+          <p:nvPr/>
+        </p:nvSpPr>
+        <p:spPr>
+          <a:xfrm>
+            <a:off x="4369295" y="2354062"/>
+            <a:ext cx="790112" cy="369332"/>
+          </a:xfrm>
+          <a:prstGeom prst="rect">
+            <a:avLst/>
+          </a:prstGeom>
+          <a:noFill/>
+        </p:spPr>
+        <p:txBody>
+          <a:bodyPr wrap="square" rtlCol="0">
+            <a:spAutoFit/>
+          </a:bodyPr>
+          <a:lstStyle/>
+          <a:p>
+            <a:r>
+              <a:rPr lang="en-GB" dirty="0"/>
+              <a:t>F2</a:t>
+            </a:r>
+          </a:p>
+        </p:txBody>
+      </p:sp>
+      <p:cxnSp>
+        <p:nvCxnSpPr>
+          <p:cNvPr id="22" name="Straight Arrow Connector 21">
+            <a:extLst>
+              <a:ext uri="{FF2B5EF4-FFF2-40B4-BE49-F238E27FC236}">
+                <a16:creationId xmlns:a16="http://schemas.microsoft.com/office/drawing/2014/main" id="{3A725855-4B46-0F4E-F20F-A90731CA7162}"/>
+              </a:ext>
+            </a:extLst>
+          </p:cNvPr>
+          <p:cNvCxnSpPr>
+            <a:endCxn id="10" idx="1"/>
+          </p:cNvCxnSpPr>
+          <p:nvPr/>
+        </p:nvCxnSpPr>
+        <p:spPr>
+          <a:xfrm>
+            <a:off x="1927194" y="2538728"/>
+            <a:ext cx="2442101" cy="0"/>
+          </a:xfrm>
+          <a:prstGeom prst="straightConnector1">
+            <a:avLst/>
+          </a:prstGeom>
+          <a:ln>
+            <a:tailEnd type="triangle"/>
+          </a:ln>
+        </p:spPr>
+        <p:style>
+          <a:lnRef idx="2">
+            <a:schemeClr val="accent1"/>
+          </a:lnRef>
+          <a:fillRef idx="0">
+            <a:schemeClr val="accent1"/>
+          </a:fillRef>
+          <a:effectRef idx="1">
+            <a:schemeClr val="accent1"/>
+          </a:effectRef>
+          <a:fontRef idx="minor">
+            <a:schemeClr val="tx1"/>
+          </a:fontRef>
+        </p:style>
+      </p:cxnSp>
+      <p:cxnSp>
+        <p:nvCxnSpPr>
+          <p:cNvPr id="24" name="Straight Arrow Connector 23">
+            <a:extLst>
+              <a:ext uri="{FF2B5EF4-FFF2-40B4-BE49-F238E27FC236}">
+                <a16:creationId xmlns:a16="http://schemas.microsoft.com/office/drawing/2014/main" id="{7991D60F-90D1-2778-0ACB-3FF27B8376EE}"/>
+              </a:ext>
+            </a:extLst>
+          </p:cNvPr>
+          <p:cNvCxnSpPr>
+            <a:cxnSpLocks/>
+            <a:endCxn id="9" idx="1"/>
+          </p:cNvCxnSpPr>
+          <p:nvPr/>
+        </p:nvCxnSpPr>
+        <p:spPr>
+          <a:xfrm flipV="1">
+            <a:off x="2894120" y="749828"/>
+            <a:ext cx="355107" cy="325129"/>
+          </a:xfrm>
+          <a:prstGeom prst="straightConnector1">
+            <a:avLst/>
+          </a:prstGeom>
+          <a:ln>
+            <a:tailEnd type="triangle"/>
+          </a:ln>
+        </p:spPr>
+        <p:style>
+          <a:lnRef idx="2">
+            <a:schemeClr val="accent1"/>
+          </a:lnRef>
+          <a:fillRef idx="0">
+            <a:schemeClr val="accent1"/>
+          </a:fillRef>
+          <a:effectRef idx="1">
+            <a:schemeClr val="accent1"/>
+          </a:effectRef>
+          <a:fontRef idx="minor">
+            <a:schemeClr val="tx1"/>
+          </a:fontRef>
+        </p:style>
+      </p:cxnSp>
+      <p:sp>
+        <p:nvSpPr>
+          <p:cNvPr id="46" name="TextBox 45">
+            <a:extLst>
+              <a:ext uri="{FF2B5EF4-FFF2-40B4-BE49-F238E27FC236}">
+                <a16:creationId xmlns:a16="http://schemas.microsoft.com/office/drawing/2014/main" id="{A5CF54D8-8E1B-7A16-2B1C-7AD714DAFD73}"/>
+              </a:ext>
+            </a:extLst>
+          </p:cNvPr>
+          <p:cNvSpPr txBox="1"/>
+          <p:nvPr/>
+        </p:nvSpPr>
+        <p:spPr>
+          <a:xfrm>
+            <a:off x="1927194" y="3280297"/>
+            <a:ext cx="790112" cy="369332"/>
+          </a:xfrm>
+          <a:prstGeom prst="rect">
+            <a:avLst/>
+          </a:prstGeom>
+          <a:noFill/>
+        </p:spPr>
+        <p:txBody>
+          <a:bodyPr wrap="square" rtlCol="0">
+            <a:spAutoFit/>
+          </a:bodyPr>
+          <a:lstStyle/>
+          <a:p>
+            <a:r>
+              <a:rPr lang="en-GB" dirty="0"/>
+              <a:t>X1</a:t>
+            </a:r>
+          </a:p>
+        </p:txBody>
+      </p:sp>
+      <p:sp>
+        <p:nvSpPr>
+          <p:cNvPr id="47" name="TextBox 46">
+            <a:extLst>
+              <a:ext uri="{FF2B5EF4-FFF2-40B4-BE49-F238E27FC236}">
+                <a16:creationId xmlns:a16="http://schemas.microsoft.com/office/drawing/2014/main" id="{019DDCE3-01DC-F4C7-13BB-C3097B43FD86}"/>
+              </a:ext>
+            </a:extLst>
+          </p:cNvPr>
+          <p:cNvSpPr txBox="1"/>
+          <p:nvPr/>
+        </p:nvSpPr>
+        <p:spPr>
+          <a:xfrm>
+            <a:off x="4369295" y="3280297"/>
+            <a:ext cx="790112" cy="369332"/>
+          </a:xfrm>
+          <a:prstGeom prst="rect">
+            <a:avLst/>
+          </a:prstGeom>
+          <a:noFill/>
+        </p:spPr>
+        <p:txBody>
+          <a:bodyPr wrap="square" rtlCol="0">
+            <a:spAutoFit/>
+          </a:bodyPr>
+          <a:lstStyle/>
+          <a:p>
+            <a:r>
+              <a:rPr lang="en-GB" dirty="0"/>
+              <a:t>X2</a:t>
+            </a:r>
+          </a:p>
+        </p:txBody>
+      </p:sp>
+      <p:sp>
+        <p:nvSpPr>
+          <p:cNvPr id="50" name="TextBox 49">
+            <a:extLst>
+              <a:ext uri="{FF2B5EF4-FFF2-40B4-BE49-F238E27FC236}">
+                <a16:creationId xmlns:a16="http://schemas.microsoft.com/office/drawing/2014/main" id="{5B513961-8217-C0C3-D6AA-05C54A7E0A83}"/>
+              </a:ext>
+            </a:extLst>
+          </p:cNvPr>
+          <p:cNvSpPr txBox="1"/>
+          <p:nvPr/>
+        </p:nvSpPr>
+        <p:spPr>
+          <a:xfrm>
+            <a:off x="7785717" y="1180730"/>
+            <a:ext cx="3061316" cy="369332"/>
+          </a:xfrm>
+          <a:prstGeom prst="rect">
+            <a:avLst/>
+          </a:prstGeom>
+          <a:noFill/>
+        </p:spPr>
+        <p:txBody>
+          <a:bodyPr wrap="square" rtlCol="0">
+            <a:spAutoFit/>
+          </a:bodyPr>
+          <a:lstStyle/>
+          <a:p>
+            <a:r>
+              <a:rPr lang="en-GB" dirty="0"/>
+              <a:t>SV2</a:t>
+            </a:r>
+          </a:p>
+        </p:txBody>
+      </p:sp>
+      <p:cxnSp>
+        <p:nvCxnSpPr>
+          <p:cNvPr id="3" name="Connector: Curved 2">
+            <a:extLst>
+              <a:ext uri="{FF2B5EF4-FFF2-40B4-BE49-F238E27FC236}">
+                <a16:creationId xmlns:a16="http://schemas.microsoft.com/office/drawing/2014/main" id="{61C55F86-6F97-83A4-689A-58112C96EBB3}"/>
+              </a:ext>
+            </a:extLst>
+          </p:cNvPr>
+          <p:cNvCxnSpPr>
+            <a:cxnSpLocks/>
+          </p:cNvCxnSpPr>
+          <p:nvPr/>
+        </p:nvCxnSpPr>
+        <p:spPr>
+          <a:xfrm flipV="1">
+            <a:off x="1065320" y="685971"/>
+            <a:ext cx="2152281" cy="787722"/>
+          </a:xfrm>
+          <a:prstGeom prst="curvedConnector3">
+            <a:avLst>
+              <a:gd name="adj1" fmla="val 50000"/>
+            </a:avLst>
+          </a:prstGeom>
+          <a:ln>
+            <a:tailEnd type="triangle"/>
+          </a:ln>
+        </p:spPr>
+        <p:style>
+          <a:lnRef idx="2">
+            <a:schemeClr val="accent1"/>
+          </a:lnRef>
+          <a:fillRef idx="0">
+            <a:schemeClr val="accent1"/>
+          </a:fillRef>
+          <a:effectRef idx="1">
+            <a:schemeClr val="accent1"/>
+          </a:effectRef>
+          <a:fontRef idx="minor">
+            <a:schemeClr val="tx1"/>
+          </a:fontRef>
+        </p:style>
+      </p:cxnSp>
+      <p:cxnSp>
+        <p:nvCxnSpPr>
+          <p:cNvPr id="14" name="Straight Arrow Connector 13">
+            <a:extLst>
+              <a:ext uri="{FF2B5EF4-FFF2-40B4-BE49-F238E27FC236}">
+                <a16:creationId xmlns:a16="http://schemas.microsoft.com/office/drawing/2014/main" id="{92219C4D-1258-A929-A29B-F3E998DB10E4}"/>
+              </a:ext>
+            </a:extLst>
+          </p:cNvPr>
+          <p:cNvCxnSpPr>
+            <a:stCxn id="6" idx="0"/>
+          </p:cNvCxnSpPr>
+          <p:nvPr/>
+        </p:nvCxnSpPr>
+        <p:spPr>
+          <a:xfrm flipV="1">
+            <a:off x="2294138" y="1242874"/>
+            <a:ext cx="262631" cy="266499"/>
+          </a:xfrm>
+          <a:prstGeom prst="straightConnector1">
+            <a:avLst/>
+          </a:prstGeom>
+          <a:ln>
+            <a:tailEnd type="triangle"/>
+          </a:ln>
+        </p:spPr>
+        <p:style>
+          <a:lnRef idx="2">
+            <a:schemeClr val="accent1"/>
+          </a:lnRef>
+          <a:fillRef idx="0">
+            <a:schemeClr val="accent1"/>
+          </a:fillRef>
+          <a:effectRef idx="1">
+            <a:schemeClr val="accent1"/>
+          </a:effectRef>
+          <a:fontRef idx="minor">
+            <a:schemeClr val="tx1"/>
+          </a:fontRef>
+        </p:style>
+      </p:cxnSp>
+      <p:cxnSp>
+        <p:nvCxnSpPr>
+          <p:cNvPr id="19" name="Straight Arrow Connector 18">
+            <a:extLst>
+              <a:ext uri="{FF2B5EF4-FFF2-40B4-BE49-F238E27FC236}">
+                <a16:creationId xmlns:a16="http://schemas.microsoft.com/office/drawing/2014/main" id="{C1D796CB-823C-2829-883E-D6B22E700242}"/>
+              </a:ext>
+            </a:extLst>
+          </p:cNvPr>
+          <p:cNvCxnSpPr>
+            <a:cxnSpLocks/>
+          </p:cNvCxnSpPr>
+          <p:nvPr/>
+        </p:nvCxnSpPr>
+        <p:spPr>
+          <a:xfrm>
+            <a:off x="2735986" y="1183195"/>
+            <a:ext cx="481615" cy="355642"/>
+          </a:xfrm>
+          <a:prstGeom prst="straightConnector1">
+            <a:avLst/>
+          </a:prstGeom>
+          <a:ln>
+            <a:headEnd type="triangle"/>
+            <a:tailEnd type="triangle"/>
+          </a:ln>
+        </p:spPr>
+        <p:style>
+          <a:lnRef idx="2">
+            <a:schemeClr val="accent1"/>
+          </a:lnRef>
+          <a:fillRef idx="0">
+            <a:schemeClr val="accent1"/>
+          </a:fillRef>
+          <a:effectRef idx="1">
+            <a:schemeClr val="accent1"/>
+          </a:effectRef>
+          <a:fontRef idx="minor">
+            <a:schemeClr val="tx1"/>
+          </a:fontRef>
+        </p:style>
+      </p:cxnSp>
     </p:spTree>
     <p:extLst>
       <p:ext uri="{BB962C8B-B14F-4D97-AF65-F5344CB8AC3E}">
-        <p14:creationId xmlns:p14="http://schemas.microsoft.com/office/powerpoint/2010/main" val="4232521461"/>
+        <p14:creationId xmlns:p14="http://schemas.microsoft.com/office/powerpoint/2010/main" val="1931581640"/>
       </p:ext>
     </p:extLst>
   </p:cSld>
@@ -12890,7 +14693,7 @@
           <p:cNvPr id="4" name="TextBox 3">
             <a:extLst>
               <a:ext uri="{FF2B5EF4-FFF2-40B4-BE49-F238E27FC236}">
-                <a16:creationId xmlns:a16="http://schemas.microsoft.com/office/drawing/2014/main" id="{A48D7CBE-5AD5-4B7E-A0AD-03646A8A1A30}"/>
+                <a16:creationId xmlns:a16="http://schemas.microsoft.com/office/drawing/2014/main" id="{E398BAD2-DB9E-8B00-8733-FC775775F8F3}"/>
               </a:ext>
             </a:extLst>
           </p:cNvPr>
@@ -12899,8 +14702,8 @@
         </p:nvSpPr>
         <p:spPr>
           <a:xfrm>
-            <a:off x="7785717" y="1180730"/>
-            <a:ext cx="3061316" cy="369332"/>
+            <a:off x="2737282" y="2024108"/>
+            <a:ext cx="6551720" cy="584775"/>
           </a:xfrm>
           <a:prstGeom prst="rect">
             <a:avLst/>
@@ -12913,712 +14716,18 @@
           </a:bodyPr>
           <a:lstStyle/>
           <a:p>
-            <a:r>
-              <a:rPr lang="en-GB" dirty="0"/>
-              <a:t>SV1</a:t>
-            </a:r>
-          </a:p>
-        </p:txBody>
-      </p:sp>
-      <p:sp>
-        <p:nvSpPr>
-          <p:cNvPr id="5" name="TextBox 4">
-            <a:extLst>
-              <a:ext uri="{FF2B5EF4-FFF2-40B4-BE49-F238E27FC236}">
-                <a16:creationId xmlns:a16="http://schemas.microsoft.com/office/drawing/2014/main" id="{F91B2C44-4419-F36F-4DEC-42C574EA251E}"/>
-              </a:ext>
-            </a:extLst>
-          </p:cNvPr>
-          <p:cNvSpPr txBox="1"/>
-          <p:nvPr/>
-        </p:nvSpPr>
-        <p:spPr>
-          <a:xfrm>
-            <a:off x="870012" y="1473693"/>
-            <a:ext cx="790112" cy="369332"/>
-          </a:xfrm>
-          <a:prstGeom prst="rect">
-            <a:avLst/>
-          </a:prstGeom>
-          <a:noFill/>
-        </p:spPr>
-        <p:txBody>
-          <a:bodyPr wrap="square" rtlCol="0">
-            <a:spAutoFit/>
-          </a:bodyPr>
-          <a:lstStyle/>
-          <a:p>
-            <a:r>
-              <a:rPr lang="en-GB" dirty="0"/>
-              <a:t>T1</a:t>
-            </a:r>
-          </a:p>
-        </p:txBody>
-      </p:sp>
-      <p:sp>
-        <p:nvSpPr>
-          <p:cNvPr id="6" name="TextBox 5">
-            <a:extLst>
-              <a:ext uri="{FF2B5EF4-FFF2-40B4-BE49-F238E27FC236}">
-                <a16:creationId xmlns:a16="http://schemas.microsoft.com/office/drawing/2014/main" id="{3E518BFA-C283-CA19-4D0C-81BE9D03A109}"/>
-              </a:ext>
-            </a:extLst>
-          </p:cNvPr>
-          <p:cNvSpPr txBox="1"/>
-          <p:nvPr/>
-        </p:nvSpPr>
-        <p:spPr>
-          <a:xfrm>
-            <a:off x="1417468" y="2354062"/>
-            <a:ext cx="790112" cy="369332"/>
-          </a:xfrm>
-          <a:prstGeom prst="rect">
-            <a:avLst/>
-          </a:prstGeom>
-          <a:noFill/>
-        </p:spPr>
-        <p:txBody>
-          <a:bodyPr wrap="square" rtlCol="0">
-            <a:spAutoFit/>
-          </a:bodyPr>
-          <a:lstStyle/>
-          <a:p>
-            <a:r>
-              <a:rPr lang="en-GB" dirty="0"/>
-              <a:t>F1</a:t>
-            </a:r>
-          </a:p>
-        </p:txBody>
-      </p:sp>
-      <p:sp>
-        <p:nvSpPr>
-          <p:cNvPr id="7" name="TextBox 6">
-            <a:extLst>
-              <a:ext uri="{FF2B5EF4-FFF2-40B4-BE49-F238E27FC236}">
-                <a16:creationId xmlns:a16="http://schemas.microsoft.com/office/drawing/2014/main" id="{0DD3E957-DE5C-5AA6-E624-69B627C94228}"/>
-              </a:ext>
-            </a:extLst>
-          </p:cNvPr>
-          <p:cNvSpPr txBox="1"/>
-          <p:nvPr/>
-        </p:nvSpPr>
-        <p:spPr>
-          <a:xfrm>
-            <a:off x="1901301" y="1473693"/>
-            <a:ext cx="790112" cy="369332"/>
-          </a:xfrm>
-          <a:prstGeom prst="rect">
-            <a:avLst/>
-          </a:prstGeom>
-          <a:noFill/>
-        </p:spPr>
-        <p:txBody>
-          <a:bodyPr wrap="square" rtlCol="0">
-            <a:spAutoFit/>
-          </a:bodyPr>
-          <a:lstStyle/>
-          <a:p>
-            <a:r>
-              <a:rPr lang="en-GB" dirty="0"/>
-              <a:t>P1</a:t>
-            </a:r>
-          </a:p>
-        </p:txBody>
-      </p:sp>
-      <p:sp>
-        <p:nvSpPr>
-          <p:cNvPr id="8" name="TextBox 7">
-            <a:extLst>
-              <a:ext uri="{FF2B5EF4-FFF2-40B4-BE49-F238E27FC236}">
-                <a16:creationId xmlns:a16="http://schemas.microsoft.com/office/drawing/2014/main" id="{F355E964-7F0E-990E-5778-13136080D1DA}"/>
-              </a:ext>
-            </a:extLst>
-          </p:cNvPr>
-          <p:cNvSpPr txBox="1"/>
-          <p:nvPr/>
-        </p:nvSpPr>
-        <p:spPr>
-          <a:xfrm>
-            <a:off x="3204101" y="1473693"/>
-            <a:ext cx="790112" cy="369332"/>
-          </a:xfrm>
-          <a:prstGeom prst="rect">
-            <a:avLst/>
-          </a:prstGeom>
-          <a:noFill/>
-        </p:spPr>
-        <p:txBody>
-          <a:bodyPr wrap="square" rtlCol="0">
-            <a:spAutoFit/>
-          </a:bodyPr>
-          <a:lstStyle/>
-          <a:p>
-            <a:r>
-              <a:rPr lang="en-GB" dirty="0" err="1"/>
-              <a:t>Vpos</a:t>
-            </a:r>
-            <a:endParaRPr lang="en-GB" dirty="0"/>
-          </a:p>
-        </p:txBody>
-      </p:sp>
-      <p:sp>
-        <p:nvSpPr>
-          <p:cNvPr id="9" name="TextBox 8">
-            <a:extLst>
-              <a:ext uri="{FF2B5EF4-FFF2-40B4-BE49-F238E27FC236}">
-                <a16:creationId xmlns:a16="http://schemas.microsoft.com/office/drawing/2014/main" id="{A83903E8-7450-FF37-AB67-08525F5E1348}"/>
-              </a:ext>
-            </a:extLst>
-          </p:cNvPr>
-          <p:cNvSpPr txBox="1"/>
-          <p:nvPr/>
-        </p:nvSpPr>
-        <p:spPr>
-          <a:xfrm>
-            <a:off x="4670395" y="1473693"/>
-            <a:ext cx="790112" cy="369332"/>
-          </a:xfrm>
-          <a:prstGeom prst="rect">
-            <a:avLst/>
-          </a:prstGeom>
-          <a:noFill/>
-        </p:spPr>
-        <p:txBody>
-          <a:bodyPr wrap="square" rtlCol="0">
-            <a:spAutoFit/>
-          </a:bodyPr>
-          <a:lstStyle/>
-          <a:p>
-            <a:r>
-              <a:rPr lang="en-GB" dirty="0"/>
-              <a:t>P2</a:t>
-            </a:r>
-          </a:p>
-        </p:txBody>
-      </p:sp>
-      <p:sp>
-        <p:nvSpPr>
-          <p:cNvPr id="10" name="TextBox 9">
-            <a:extLst>
-              <a:ext uri="{FF2B5EF4-FFF2-40B4-BE49-F238E27FC236}">
-                <a16:creationId xmlns:a16="http://schemas.microsoft.com/office/drawing/2014/main" id="{A2A4CEA4-37D6-27EB-513D-5DB433892F9F}"/>
-              </a:ext>
-            </a:extLst>
-          </p:cNvPr>
-          <p:cNvSpPr txBox="1"/>
-          <p:nvPr/>
-        </p:nvSpPr>
-        <p:spPr>
-          <a:xfrm>
-            <a:off x="5460507" y="1473693"/>
-            <a:ext cx="790112" cy="369332"/>
-          </a:xfrm>
-          <a:prstGeom prst="rect">
-            <a:avLst/>
-          </a:prstGeom>
-          <a:noFill/>
-        </p:spPr>
-        <p:txBody>
-          <a:bodyPr wrap="square" rtlCol="0">
-            <a:spAutoFit/>
-          </a:bodyPr>
-          <a:lstStyle/>
-          <a:p>
-            <a:r>
-              <a:rPr lang="en-GB" dirty="0"/>
-              <a:t>T2</a:t>
-            </a:r>
-          </a:p>
-        </p:txBody>
-      </p:sp>
-      <p:sp>
-        <p:nvSpPr>
-          <p:cNvPr id="11" name="TextBox 10">
-            <a:extLst>
-              <a:ext uri="{FF2B5EF4-FFF2-40B4-BE49-F238E27FC236}">
-                <a16:creationId xmlns:a16="http://schemas.microsoft.com/office/drawing/2014/main" id="{24F1D201-02F2-CD3E-37F4-CD78701B0008}"/>
-              </a:ext>
-            </a:extLst>
-          </p:cNvPr>
-          <p:cNvSpPr txBox="1"/>
-          <p:nvPr/>
-        </p:nvSpPr>
-        <p:spPr>
-          <a:xfrm>
-            <a:off x="4369295" y="2354062"/>
-            <a:ext cx="790112" cy="369332"/>
-          </a:xfrm>
-          <a:prstGeom prst="rect">
-            <a:avLst/>
-          </a:prstGeom>
-          <a:noFill/>
-        </p:spPr>
-        <p:txBody>
-          <a:bodyPr wrap="square" rtlCol="0">
-            <a:spAutoFit/>
-          </a:bodyPr>
-          <a:lstStyle/>
-          <a:p>
-            <a:r>
-              <a:rPr lang="en-GB" dirty="0"/>
-              <a:t>F2</a:t>
-            </a:r>
-          </a:p>
-        </p:txBody>
-      </p:sp>
-      <p:cxnSp>
-        <p:nvCxnSpPr>
-          <p:cNvPr id="15" name="Straight Arrow Connector 14">
-            <a:extLst>
-              <a:ext uri="{FF2B5EF4-FFF2-40B4-BE49-F238E27FC236}">
-                <a16:creationId xmlns:a16="http://schemas.microsoft.com/office/drawing/2014/main" id="{056D271D-50DE-A16E-7FFE-2EB66F7E6F44}"/>
-              </a:ext>
-            </a:extLst>
-          </p:cNvPr>
-          <p:cNvCxnSpPr>
-            <a:cxnSpLocks/>
-          </p:cNvCxnSpPr>
-          <p:nvPr/>
-        </p:nvCxnSpPr>
-        <p:spPr>
-          <a:xfrm flipH="1">
-            <a:off x="2459115" y="1658359"/>
-            <a:ext cx="577048" cy="0"/>
-          </a:xfrm>
-          <a:prstGeom prst="straightConnector1">
-            <a:avLst/>
-          </a:prstGeom>
-          <a:ln>
-            <a:tailEnd type="triangle"/>
-          </a:ln>
-        </p:spPr>
-        <p:style>
-          <a:lnRef idx="2">
-            <a:schemeClr val="accent1"/>
-          </a:lnRef>
-          <a:fillRef idx="0">
-            <a:schemeClr val="accent1"/>
-          </a:fillRef>
-          <a:effectRef idx="1">
-            <a:schemeClr val="accent1"/>
-          </a:effectRef>
-          <a:fontRef idx="minor">
-            <a:schemeClr val="tx1"/>
-          </a:fontRef>
-        </p:style>
-      </p:cxnSp>
-      <p:cxnSp>
-        <p:nvCxnSpPr>
-          <p:cNvPr id="16" name="Straight Arrow Connector 15">
-            <a:extLst>
-              <a:ext uri="{FF2B5EF4-FFF2-40B4-BE49-F238E27FC236}">
-                <a16:creationId xmlns:a16="http://schemas.microsoft.com/office/drawing/2014/main" id="{F20A9663-12ED-7D34-A5F7-4D3651939AE6}"/>
-              </a:ext>
-            </a:extLst>
-          </p:cNvPr>
-          <p:cNvCxnSpPr>
-            <a:endCxn id="9" idx="1"/>
-          </p:cNvCxnSpPr>
-          <p:nvPr/>
-        </p:nvCxnSpPr>
-        <p:spPr>
-          <a:xfrm>
-            <a:off x="3967578" y="1658359"/>
-            <a:ext cx="702817" cy="0"/>
-          </a:xfrm>
-          <a:prstGeom prst="straightConnector1">
-            <a:avLst/>
-          </a:prstGeom>
-          <a:ln>
-            <a:tailEnd type="triangle"/>
-          </a:ln>
-        </p:spPr>
-        <p:style>
-          <a:lnRef idx="2">
-            <a:schemeClr val="accent1"/>
-          </a:lnRef>
-          <a:fillRef idx="0">
-            <a:schemeClr val="accent1"/>
-          </a:fillRef>
-          <a:effectRef idx="1">
-            <a:schemeClr val="accent1"/>
-          </a:effectRef>
-          <a:fontRef idx="minor">
-            <a:schemeClr val="tx1"/>
-          </a:fontRef>
-        </p:style>
-      </p:cxnSp>
-      <p:cxnSp>
-        <p:nvCxnSpPr>
-          <p:cNvPr id="17" name="Straight Arrow Connector 16">
-            <a:extLst>
-              <a:ext uri="{FF2B5EF4-FFF2-40B4-BE49-F238E27FC236}">
-                <a16:creationId xmlns:a16="http://schemas.microsoft.com/office/drawing/2014/main" id="{AC86F235-EFB6-EFC5-97B7-1DC0F04CB867}"/>
-              </a:ext>
-            </a:extLst>
-          </p:cNvPr>
-          <p:cNvCxnSpPr>
-            <a:endCxn id="11" idx="1"/>
-          </p:cNvCxnSpPr>
-          <p:nvPr/>
-        </p:nvCxnSpPr>
-        <p:spPr>
-          <a:xfrm>
-            <a:off x="1927194" y="2538728"/>
-            <a:ext cx="2442101" cy="0"/>
-          </a:xfrm>
-          <a:prstGeom prst="straightConnector1">
-            <a:avLst/>
-          </a:prstGeom>
-          <a:ln>
-            <a:tailEnd type="triangle"/>
-          </a:ln>
-        </p:spPr>
-        <p:style>
-          <a:lnRef idx="2">
-            <a:schemeClr val="accent1"/>
-          </a:lnRef>
-          <a:fillRef idx="0">
-            <a:schemeClr val="accent1"/>
-          </a:fillRef>
-          <a:effectRef idx="1">
-            <a:schemeClr val="accent1"/>
-          </a:effectRef>
-          <a:fontRef idx="minor">
-            <a:schemeClr val="tx1"/>
-          </a:fontRef>
-        </p:style>
-      </p:cxnSp>
-      <p:cxnSp>
-        <p:nvCxnSpPr>
-          <p:cNvPr id="18" name="Straight Arrow Connector 17">
-            <a:extLst>
-              <a:ext uri="{FF2B5EF4-FFF2-40B4-BE49-F238E27FC236}">
-                <a16:creationId xmlns:a16="http://schemas.microsoft.com/office/drawing/2014/main" id="{B0018FC7-8A98-9FE9-9CF5-277A28D662E0}"/>
-              </a:ext>
-            </a:extLst>
-          </p:cNvPr>
-          <p:cNvCxnSpPr>
-            <a:cxnSpLocks/>
-            <a:endCxn id="10" idx="1"/>
-          </p:cNvCxnSpPr>
-          <p:nvPr/>
-        </p:nvCxnSpPr>
-        <p:spPr>
-          <a:xfrm>
-            <a:off x="5130552" y="1658359"/>
-            <a:ext cx="329955" cy="0"/>
-          </a:xfrm>
-          <a:prstGeom prst="straightConnector1">
-            <a:avLst/>
-          </a:prstGeom>
-          <a:ln>
-            <a:tailEnd type="triangle"/>
-          </a:ln>
-        </p:spPr>
-        <p:style>
-          <a:lnRef idx="2">
-            <a:schemeClr val="accent1"/>
-          </a:lnRef>
-          <a:fillRef idx="0">
-            <a:schemeClr val="accent1"/>
-          </a:fillRef>
-          <a:effectRef idx="1">
-            <a:schemeClr val="accent1"/>
-          </a:effectRef>
-          <a:fontRef idx="minor">
-            <a:schemeClr val="tx1"/>
-          </a:fontRef>
-        </p:style>
-      </p:cxnSp>
-      <p:sp>
-        <p:nvSpPr>
-          <p:cNvPr id="21" name="TextBox 20">
-            <a:extLst>
-              <a:ext uri="{FF2B5EF4-FFF2-40B4-BE49-F238E27FC236}">
-                <a16:creationId xmlns:a16="http://schemas.microsoft.com/office/drawing/2014/main" id="{E4EDECA9-9653-07BC-C8F5-931D3D50694B}"/>
-              </a:ext>
-            </a:extLst>
-          </p:cNvPr>
-          <p:cNvSpPr txBox="1"/>
-          <p:nvPr/>
-        </p:nvSpPr>
-        <p:spPr>
-          <a:xfrm>
-            <a:off x="1927194" y="3280297"/>
-            <a:ext cx="790112" cy="369332"/>
-          </a:xfrm>
-          <a:prstGeom prst="rect">
-            <a:avLst/>
-          </a:prstGeom>
-          <a:noFill/>
-        </p:spPr>
-        <p:txBody>
-          <a:bodyPr wrap="square" rtlCol="0">
-            <a:spAutoFit/>
-          </a:bodyPr>
-          <a:lstStyle/>
-          <a:p>
-            <a:r>
-              <a:rPr lang="en-GB" dirty="0"/>
-              <a:t>X1</a:t>
-            </a:r>
-          </a:p>
-        </p:txBody>
-      </p:sp>
-      <p:sp>
-        <p:nvSpPr>
-          <p:cNvPr id="22" name="TextBox 21">
-            <a:extLst>
-              <a:ext uri="{FF2B5EF4-FFF2-40B4-BE49-F238E27FC236}">
-                <a16:creationId xmlns:a16="http://schemas.microsoft.com/office/drawing/2014/main" id="{5B89A478-C26E-B97C-C729-A007003B38AB}"/>
-              </a:ext>
-            </a:extLst>
-          </p:cNvPr>
-          <p:cNvSpPr txBox="1"/>
-          <p:nvPr/>
-        </p:nvSpPr>
-        <p:spPr>
-          <a:xfrm>
-            <a:off x="4369295" y="3280297"/>
-            <a:ext cx="790112" cy="369332"/>
-          </a:xfrm>
-          <a:prstGeom prst="rect">
-            <a:avLst/>
-          </a:prstGeom>
-          <a:noFill/>
-        </p:spPr>
-        <p:txBody>
-          <a:bodyPr wrap="square" rtlCol="0">
-            <a:spAutoFit/>
-          </a:bodyPr>
-          <a:lstStyle/>
-          <a:p>
-            <a:r>
-              <a:rPr lang="en-GB" dirty="0"/>
-              <a:t>X2</a:t>
-            </a:r>
-          </a:p>
-        </p:txBody>
-      </p:sp>
-      <p:cxnSp>
-        <p:nvCxnSpPr>
-          <p:cNvPr id="26" name="Straight Arrow Connector 25">
-            <a:extLst>
-              <a:ext uri="{FF2B5EF4-FFF2-40B4-BE49-F238E27FC236}">
-                <a16:creationId xmlns:a16="http://schemas.microsoft.com/office/drawing/2014/main" id="{FAE58AB7-EEBE-3F1D-CFC1-B2F8B3D9DC85}"/>
-              </a:ext>
-            </a:extLst>
-          </p:cNvPr>
-          <p:cNvCxnSpPr>
-            <a:cxnSpLocks/>
-          </p:cNvCxnSpPr>
-          <p:nvPr/>
-        </p:nvCxnSpPr>
-        <p:spPr>
-          <a:xfrm flipH="1">
-            <a:off x="1305018" y="1658359"/>
-            <a:ext cx="577048" cy="0"/>
-          </a:xfrm>
-          <a:prstGeom prst="straightConnector1">
-            <a:avLst/>
-          </a:prstGeom>
-          <a:ln>
-            <a:tailEnd type="triangle"/>
-          </a:ln>
-        </p:spPr>
-        <p:style>
-          <a:lnRef idx="2">
-            <a:schemeClr val="accent1"/>
-          </a:lnRef>
-          <a:fillRef idx="0">
-            <a:schemeClr val="accent1"/>
-          </a:fillRef>
-          <a:effectRef idx="1">
-            <a:schemeClr val="accent1"/>
-          </a:effectRef>
-          <a:fontRef idx="minor">
-            <a:schemeClr val="tx1"/>
-          </a:fontRef>
-        </p:style>
-      </p:cxnSp>
-      <p:cxnSp>
-        <p:nvCxnSpPr>
-          <p:cNvPr id="27" name="Straight Arrow Connector 26">
-            <a:extLst>
-              <a:ext uri="{FF2B5EF4-FFF2-40B4-BE49-F238E27FC236}">
-                <a16:creationId xmlns:a16="http://schemas.microsoft.com/office/drawing/2014/main" id="{6B4EFFA7-3C00-B788-1576-402D5059D648}"/>
-              </a:ext>
-            </a:extLst>
-          </p:cNvPr>
-          <p:cNvCxnSpPr>
-            <a:cxnSpLocks/>
-            <a:endCxn id="6" idx="0"/>
-          </p:cNvCxnSpPr>
-          <p:nvPr/>
-        </p:nvCxnSpPr>
-        <p:spPr>
-          <a:xfrm flipH="1">
-            <a:off x="1812524" y="1843025"/>
-            <a:ext cx="255973" cy="511037"/>
-          </a:xfrm>
-          <a:prstGeom prst="straightConnector1">
-            <a:avLst/>
-          </a:prstGeom>
-          <a:ln>
-            <a:tailEnd type="triangle"/>
-          </a:ln>
-        </p:spPr>
-        <p:style>
-          <a:lnRef idx="2">
-            <a:schemeClr val="accent1"/>
-          </a:lnRef>
-          <a:fillRef idx="0">
-            <a:schemeClr val="accent1"/>
-          </a:fillRef>
-          <a:effectRef idx="1">
-            <a:schemeClr val="accent1"/>
-          </a:effectRef>
-          <a:fontRef idx="minor">
-            <a:schemeClr val="tx1"/>
-          </a:fontRef>
-        </p:style>
-      </p:cxnSp>
-      <p:cxnSp>
-        <p:nvCxnSpPr>
-          <p:cNvPr id="30" name="Straight Arrow Connector 29">
-            <a:extLst>
-              <a:ext uri="{FF2B5EF4-FFF2-40B4-BE49-F238E27FC236}">
-                <a16:creationId xmlns:a16="http://schemas.microsoft.com/office/drawing/2014/main" id="{55619323-02CE-7C1D-D714-4342777845CC}"/>
-              </a:ext>
-            </a:extLst>
-          </p:cNvPr>
-          <p:cNvCxnSpPr>
-            <a:cxnSpLocks/>
-            <a:endCxn id="11" idx="0"/>
-          </p:cNvCxnSpPr>
-          <p:nvPr/>
-        </p:nvCxnSpPr>
-        <p:spPr>
-          <a:xfrm flipH="1">
-            <a:off x="4764351" y="1843025"/>
-            <a:ext cx="73979" cy="511037"/>
-          </a:xfrm>
-          <a:prstGeom prst="straightConnector1">
-            <a:avLst/>
-          </a:prstGeom>
-          <a:ln>
-            <a:tailEnd type="triangle"/>
-          </a:ln>
-        </p:spPr>
-        <p:style>
-          <a:lnRef idx="2">
-            <a:schemeClr val="accent1"/>
-          </a:lnRef>
-          <a:fillRef idx="0">
-            <a:schemeClr val="accent1"/>
-          </a:fillRef>
-          <a:effectRef idx="1">
-            <a:schemeClr val="accent1"/>
-          </a:effectRef>
-          <a:fontRef idx="minor">
-            <a:schemeClr val="tx1"/>
-          </a:fontRef>
-        </p:style>
-      </p:cxnSp>
-      <p:cxnSp>
-        <p:nvCxnSpPr>
-          <p:cNvPr id="39" name="Connector: Curved 38">
-            <a:extLst>
-              <a:ext uri="{FF2B5EF4-FFF2-40B4-BE49-F238E27FC236}">
-                <a16:creationId xmlns:a16="http://schemas.microsoft.com/office/drawing/2014/main" id="{7A379C2D-6199-A262-C77A-00F6C80A4F50}"/>
-              </a:ext>
-            </a:extLst>
-          </p:cNvPr>
-          <p:cNvCxnSpPr>
-            <a:stCxn id="7" idx="0"/>
-            <a:endCxn id="9" idx="0"/>
-          </p:cNvCxnSpPr>
-          <p:nvPr/>
-        </p:nvCxnSpPr>
-        <p:spPr>
-          <a:xfrm rot="5400000" flipH="1" flipV="1">
-            <a:off x="3680904" y="89146"/>
-            <a:ext cx="12700" cy="2769094"/>
-          </a:xfrm>
-          <a:prstGeom prst="curvedConnector3">
-            <a:avLst>
-              <a:gd name="adj1" fmla="val 1800000"/>
-            </a:avLst>
-          </a:prstGeom>
-          <a:ln>
-            <a:tailEnd type="triangle"/>
-          </a:ln>
-        </p:spPr>
-        <p:style>
-          <a:lnRef idx="2">
-            <a:schemeClr val="accent1"/>
-          </a:lnRef>
-          <a:fillRef idx="0">
-            <a:schemeClr val="accent1"/>
-          </a:fillRef>
-          <a:effectRef idx="1">
-            <a:schemeClr val="accent1"/>
-          </a:effectRef>
-          <a:fontRef idx="minor">
-            <a:schemeClr val="tx1"/>
-          </a:fontRef>
-        </p:style>
-      </p:cxnSp>
-      <p:cxnSp>
-        <p:nvCxnSpPr>
-          <p:cNvPr id="41" name="Connector: Curved 40">
-            <a:extLst>
-              <a:ext uri="{FF2B5EF4-FFF2-40B4-BE49-F238E27FC236}">
-                <a16:creationId xmlns:a16="http://schemas.microsoft.com/office/drawing/2014/main" id="{05859186-4CFC-A836-948F-DC2DB179F799}"/>
-              </a:ext>
-            </a:extLst>
-          </p:cNvPr>
-          <p:cNvCxnSpPr>
-            <a:cxnSpLocks/>
-            <a:stCxn id="5" idx="0"/>
-            <a:endCxn id="10" idx="0"/>
-          </p:cNvCxnSpPr>
-          <p:nvPr/>
-        </p:nvCxnSpPr>
-        <p:spPr>
-          <a:xfrm rot="5400000" flipH="1" flipV="1">
-            <a:off x="3560315" y="-821554"/>
-            <a:ext cx="12700" cy="4590495"/>
-          </a:xfrm>
-          <a:prstGeom prst="curvedConnector3">
-            <a:avLst>
-              <a:gd name="adj1" fmla="val 3897087"/>
-            </a:avLst>
-          </a:prstGeom>
-          <a:ln>
-            <a:tailEnd type="triangle"/>
-          </a:ln>
-        </p:spPr>
-        <p:style>
-          <a:lnRef idx="2">
-            <a:schemeClr val="accent1"/>
-          </a:lnRef>
-          <a:fillRef idx="0">
-            <a:schemeClr val="accent1"/>
-          </a:fillRef>
-          <a:effectRef idx="1">
-            <a:schemeClr val="accent1"/>
-          </a:effectRef>
-          <a:fontRef idx="minor">
-            <a:schemeClr val="tx1"/>
-          </a:fontRef>
-        </p:style>
-      </p:cxnSp>
+            <a:pPr algn="ctr"/>
+            <a:r>
+              <a:rPr lang="en-GB" sz="3200" dirty="0"/>
+              <a:t>Control valve </a:t>
+            </a:r>
+          </a:p>
+        </p:txBody>
+      </p:sp>
     </p:spTree>
     <p:extLst>
       <p:ext uri="{BB962C8B-B14F-4D97-AF65-F5344CB8AC3E}">
-        <p14:creationId xmlns:p14="http://schemas.microsoft.com/office/powerpoint/2010/main" val="490602433"/>
+        <p14:creationId xmlns:p14="http://schemas.microsoft.com/office/powerpoint/2010/main" val="4232521461"/>
       </p:ext>
     </p:extLst>
   </p:cSld>
@@ -13650,7 +14759,7 @@
           <p:cNvPr id="4" name="TextBox 3">
             <a:extLst>
               <a:ext uri="{FF2B5EF4-FFF2-40B4-BE49-F238E27FC236}">
-                <a16:creationId xmlns:a16="http://schemas.microsoft.com/office/drawing/2014/main" id="{E398BAD2-DB9E-8B00-8733-FC775775F8F3}"/>
+                <a16:creationId xmlns:a16="http://schemas.microsoft.com/office/drawing/2014/main" id="{A48D7CBE-5AD5-4B7E-A0AD-03646A8A1A30}"/>
               </a:ext>
             </a:extLst>
           </p:cNvPr>
@@ -13659,8 +14768,8 @@
         </p:nvSpPr>
         <p:spPr>
           <a:xfrm>
-            <a:off x="2737282" y="2024108"/>
-            <a:ext cx="6551720" cy="584775"/>
+            <a:off x="7785717" y="1180730"/>
+            <a:ext cx="3061316" cy="369332"/>
           </a:xfrm>
           <a:prstGeom prst="rect">
             <a:avLst/>
@@ -13673,18 +14782,712 @@
           </a:bodyPr>
           <a:lstStyle/>
           <a:p>
-            <a:pPr algn="ctr"/>
-            <a:r>
-              <a:rPr lang="en-GB" sz="3200" dirty="0"/>
-              <a:t>Furnace </a:t>
-            </a:r>
-          </a:p>
-        </p:txBody>
-      </p:sp>
+            <a:r>
+              <a:rPr lang="en-GB" dirty="0"/>
+              <a:t>SV1</a:t>
+            </a:r>
+          </a:p>
+        </p:txBody>
+      </p:sp>
+      <p:sp>
+        <p:nvSpPr>
+          <p:cNvPr id="5" name="TextBox 4">
+            <a:extLst>
+              <a:ext uri="{FF2B5EF4-FFF2-40B4-BE49-F238E27FC236}">
+                <a16:creationId xmlns:a16="http://schemas.microsoft.com/office/drawing/2014/main" id="{F91B2C44-4419-F36F-4DEC-42C574EA251E}"/>
+              </a:ext>
+            </a:extLst>
+          </p:cNvPr>
+          <p:cNvSpPr txBox="1"/>
+          <p:nvPr/>
+        </p:nvSpPr>
+        <p:spPr>
+          <a:xfrm>
+            <a:off x="870012" y="1473693"/>
+            <a:ext cx="790112" cy="369332"/>
+          </a:xfrm>
+          <a:prstGeom prst="rect">
+            <a:avLst/>
+          </a:prstGeom>
+          <a:noFill/>
+        </p:spPr>
+        <p:txBody>
+          <a:bodyPr wrap="square" rtlCol="0">
+            <a:spAutoFit/>
+          </a:bodyPr>
+          <a:lstStyle/>
+          <a:p>
+            <a:r>
+              <a:rPr lang="en-GB" dirty="0"/>
+              <a:t>T1</a:t>
+            </a:r>
+          </a:p>
+        </p:txBody>
+      </p:sp>
+      <p:sp>
+        <p:nvSpPr>
+          <p:cNvPr id="6" name="TextBox 5">
+            <a:extLst>
+              <a:ext uri="{FF2B5EF4-FFF2-40B4-BE49-F238E27FC236}">
+                <a16:creationId xmlns:a16="http://schemas.microsoft.com/office/drawing/2014/main" id="{3E518BFA-C283-CA19-4D0C-81BE9D03A109}"/>
+              </a:ext>
+            </a:extLst>
+          </p:cNvPr>
+          <p:cNvSpPr txBox="1"/>
+          <p:nvPr/>
+        </p:nvSpPr>
+        <p:spPr>
+          <a:xfrm>
+            <a:off x="1417468" y="2354062"/>
+            <a:ext cx="790112" cy="369332"/>
+          </a:xfrm>
+          <a:prstGeom prst="rect">
+            <a:avLst/>
+          </a:prstGeom>
+          <a:noFill/>
+        </p:spPr>
+        <p:txBody>
+          <a:bodyPr wrap="square" rtlCol="0">
+            <a:spAutoFit/>
+          </a:bodyPr>
+          <a:lstStyle/>
+          <a:p>
+            <a:r>
+              <a:rPr lang="en-GB" dirty="0"/>
+              <a:t>F1</a:t>
+            </a:r>
+          </a:p>
+        </p:txBody>
+      </p:sp>
+      <p:sp>
+        <p:nvSpPr>
+          <p:cNvPr id="7" name="TextBox 6">
+            <a:extLst>
+              <a:ext uri="{FF2B5EF4-FFF2-40B4-BE49-F238E27FC236}">
+                <a16:creationId xmlns:a16="http://schemas.microsoft.com/office/drawing/2014/main" id="{0DD3E957-DE5C-5AA6-E624-69B627C94228}"/>
+              </a:ext>
+            </a:extLst>
+          </p:cNvPr>
+          <p:cNvSpPr txBox="1"/>
+          <p:nvPr/>
+        </p:nvSpPr>
+        <p:spPr>
+          <a:xfrm>
+            <a:off x="1901301" y="1473693"/>
+            <a:ext cx="790112" cy="369332"/>
+          </a:xfrm>
+          <a:prstGeom prst="rect">
+            <a:avLst/>
+          </a:prstGeom>
+          <a:noFill/>
+        </p:spPr>
+        <p:txBody>
+          <a:bodyPr wrap="square" rtlCol="0">
+            <a:spAutoFit/>
+          </a:bodyPr>
+          <a:lstStyle/>
+          <a:p>
+            <a:r>
+              <a:rPr lang="en-GB" dirty="0"/>
+              <a:t>P1</a:t>
+            </a:r>
+          </a:p>
+        </p:txBody>
+      </p:sp>
+      <p:sp>
+        <p:nvSpPr>
+          <p:cNvPr id="8" name="TextBox 7">
+            <a:extLst>
+              <a:ext uri="{FF2B5EF4-FFF2-40B4-BE49-F238E27FC236}">
+                <a16:creationId xmlns:a16="http://schemas.microsoft.com/office/drawing/2014/main" id="{F355E964-7F0E-990E-5778-13136080D1DA}"/>
+              </a:ext>
+            </a:extLst>
+          </p:cNvPr>
+          <p:cNvSpPr txBox="1"/>
+          <p:nvPr/>
+        </p:nvSpPr>
+        <p:spPr>
+          <a:xfrm>
+            <a:off x="3204101" y="1473693"/>
+            <a:ext cx="790112" cy="369332"/>
+          </a:xfrm>
+          <a:prstGeom prst="rect">
+            <a:avLst/>
+          </a:prstGeom>
+          <a:noFill/>
+        </p:spPr>
+        <p:txBody>
+          <a:bodyPr wrap="square" rtlCol="0">
+            <a:spAutoFit/>
+          </a:bodyPr>
+          <a:lstStyle/>
+          <a:p>
+            <a:r>
+              <a:rPr lang="en-GB" dirty="0" err="1"/>
+              <a:t>Vpos</a:t>
+            </a:r>
+            <a:endParaRPr lang="en-GB" dirty="0"/>
+          </a:p>
+        </p:txBody>
+      </p:sp>
+      <p:sp>
+        <p:nvSpPr>
+          <p:cNvPr id="9" name="TextBox 8">
+            <a:extLst>
+              <a:ext uri="{FF2B5EF4-FFF2-40B4-BE49-F238E27FC236}">
+                <a16:creationId xmlns:a16="http://schemas.microsoft.com/office/drawing/2014/main" id="{A83903E8-7450-FF37-AB67-08525F5E1348}"/>
+              </a:ext>
+            </a:extLst>
+          </p:cNvPr>
+          <p:cNvSpPr txBox="1"/>
+          <p:nvPr/>
+        </p:nvSpPr>
+        <p:spPr>
+          <a:xfrm>
+            <a:off x="4670395" y="1473693"/>
+            <a:ext cx="790112" cy="369332"/>
+          </a:xfrm>
+          <a:prstGeom prst="rect">
+            <a:avLst/>
+          </a:prstGeom>
+          <a:noFill/>
+        </p:spPr>
+        <p:txBody>
+          <a:bodyPr wrap="square" rtlCol="0">
+            <a:spAutoFit/>
+          </a:bodyPr>
+          <a:lstStyle/>
+          <a:p>
+            <a:r>
+              <a:rPr lang="en-GB" dirty="0"/>
+              <a:t>P2</a:t>
+            </a:r>
+          </a:p>
+        </p:txBody>
+      </p:sp>
+      <p:sp>
+        <p:nvSpPr>
+          <p:cNvPr id="10" name="TextBox 9">
+            <a:extLst>
+              <a:ext uri="{FF2B5EF4-FFF2-40B4-BE49-F238E27FC236}">
+                <a16:creationId xmlns:a16="http://schemas.microsoft.com/office/drawing/2014/main" id="{A2A4CEA4-37D6-27EB-513D-5DB433892F9F}"/>
+              </a:ext>
+            </a:extLst>
+          </p:cNvPr>
+          <p:cNvSpPr txBox="1"/>
+          <p:nvPr/>
+        </p:nvSpPr>
+        <p:spPr>
+          <a:xfrm>
+            <a:off x="5460507" y="1473693"/>
+            <a:ext cx="790112" cy="369332"/>
+          </a:xfrm>
+          <a:prstGeom prst="rect">
+            <a:avLst/>
+          </a:prstGeom>
+          <a:noFill/>
+        </p:spPr>
+        <p:txBody>
+          <a:bodyPr wrap="square" rtlCol="0">
+            <a:spAutoFit/>
+          </a:bodyPr>
+          <a:lstStyle/>
+          <a:p>
+            <a:r>
+              <a:rPr lang="en-GB" dirty="0"/>
+              <a:t>T2</a:t>
+            </a:r>
+          </a:p>
+        </p:txBody>
+      </p:sp>
+      <p:sp>
+        <p:nvSpPr>
+          <p:cNvPr id="11" name="TextBox 10">
+            <a:extLst>
+              <a:ext uri="{FF2B5EF4-FFF2-40B4-BE49-F238E27FC236}">
+                <a16:creationId xmlns:a16="http://schemas.microsoft.com/office/drawing/2014/main" id="{24F1D201-02F2-CD3E-37F4-CD78701B0008}"/>
+              </a:ext>
+            </a:extLst>
+          </p:cNvPr>
+          <p:cNvSpPr txBox="1"/>
+          <p:nvPr/>
+        </p:nvSpPr>
+        <p:spPr>
+          <a:xfrm>
+            <a:off x="4369295" y="2354062"/>
+            <a:ext cx="790112" cy="369332"/>
+          </a:xfrm>
+          <a:prstGeom prst="rect">
+            <a:avLst/>
+          </a:prstGeom>
+          <a:noFill/>
+        </p:spPr>
+        <p:txBody>
+          <a:bodyPr wrap="square" rtlCol="0">
+            <a:spAutoFit/>
+          </a:bodyPr>
+          <a:lstStyle/>
+          <a:p>
+            <a:r>
+              <a:rPr lang="en-GB" dirty="0"/>
+              <a:t>F2</a:t>
+            </a:r>
+          </a:p>
+        </p:txBody>
+      </p:sp>
+      <p:cxnSp>
+        <p:nvCxnSpPr>
+          <p:cNvPr id="15" name="Straight Arrow Connector 14">
+            <a:extLst>
+              <a:ext uri="{FF2B5EF4-FFF2-40B4-BE49-F238E27FC236}">
+                <a16:creationId xmlns:a16="http://schemas.microsoft.com/office/drawing/2014/main" id="{056D271D-50DE-A16E-7FFE-2EB66F7E6F44}"/>
+              </a:ext>
+            </a:extLst>
+          </p:cNvPr>
+          <p:cNvCxnSpPr>
+            <a:cxnSpLocks/>
+          </p:cNvCxnSpPr>
+          <p:nvPr/>
+        </p:nvCxnSpPr>
+        <p:spPr>
+          <a:xfrm flipH="1">
+            <a:off x="2459115" y="1658359"/>
+            <a:ext cx="577048" cy="0"/>
+          </a:xfrm>
+          <a:prstGeom prst="straightConnector1">
+            <a:avLst/>
+          </a:prstGeom>
+          <a:ln>
+            <a:tailEnd type="triangle"/>
+          </a:ln>
+        </p:spPr>
+        <p:style>
+          <a:lnRef idx="2">
+            <a:schemeClr val="accent1"/>
+          </a:lnRef>
+          <a:fillRef idx="0">
+            <a:schemeClr val="accent1"/>
+          </a:fillRef>
+          <a:effectRef idx="1">
+            <a:schemeClr val="accent1"/>
+          </a:effectRef>
+          <a:fontRef idx="minor">
+            <a:schemeClr val="tx1"/>
+          </a:fontRef>
+        </p:style>
+      </p:cxnSp>
+      <p:cxnSp>
+        <p:nvCxnSpPr>
+          <p:cNvPr id="16" name="Straight Arrow Connector 15">
+            <a:extLst>
+              <a:ext uri="{FF2B5EF4-FFF2-40B4-BE49-F238E27FC236}">
+                <a16:creationId xmlns:a16="http://schemas.microsoft.com/office/drawing/2014/main" id="{F20A9663-12ED-7D34-A5F7-4D3651939AE6}"/>
+              </a:ext>
+            </a:extLst>
+          </p:cNvPr>
+          <p:cNvCxnSpPr>
+            <a:endCxn id="9" idx="1"/>
+          </p:cNvCxnSpPr>
+          <p:nvPr/>
+        </p:nvCxnSpPr>
+        <p:spPr>
+          <a:xfrm>
+            <a:off x="3967578" y="1658359"/>
+            <a:ext cx="702817" cy="0"/>
+          </a:xfrm>
+          <a:prstGeom prst="straightConnector1">
+            <a:avLst/>
+          </a:prstGeom>
+          <a:ln>
+            <a:tailEnd type="triangle"/>
+          </a:ln>
+        </p:spPr>
+        <p:style>
+          <a:lnRef idx="2">
+            <a:schemeClr val="accent1"/>
+          </a:lnRef>
+          <a:fillRef idx="0">
+            <a:schemeClr val="accent1"/>
+          </a:fillRef>
+          <a:effectRef idx="1">
+            <a:schemeClr val="accent1"/>
+          </a:effectRef>
+          <a:fontRef idx="minor">
+            <a:schemeClr val="tx1"/>
+          </a:fontRef>
+        </p:style>
+      </p:cxnSp>
+      <p:cxnSp>
+        <p:nvCxnSpPr>
+          <p:cNvPr id="17" name="Straight Arrow Connector 16">
+            <a:extLst>
+              <a:ext uri="{FF2B5EF4-FFF2-40B4-BE49-F238E27FC236}">
+                <a16:creationId xmlns:a16="http://schemas.microsoft.com/office/drawing/2014/main" id="{AC86F235-EFB6-EFC5-97B7-1DC0F04CB867}"/>
+              </a:ext>
+            </a:extLst>
+          </p:cNvPr>
+          <p:cNvCxnSpPr>
+            <a:endCxn id="11" idx="1"/>
+          </p:cNvCxnSpPr>
+          <p:nvPr/>
+        </p:nvCxnSpPr>
+        <p:spPr>
+          <a:xfrm>
+            <a:off x="1927194" y="2538728"/>
+            <a:ext cx="2442101" cy="0"/>
+          </a:xfrm>
+          <a:prstGeom prst="straightConnector1">
+            <a:avLst/>
+          </a:prstGeom>
+          <a:ln>
+            <a:tailEnd type="triangle"/>
+          </a:ln>
+        </p:spPr>
+        <p:style>
+          <a:lnRef idx="2">
+            <a:schemeClr val="accent1"/>
+          </a:lnRef>
+          <a:fillRef idx="0">
+            <a:schemeClr val="accent1"/>
+          </a:fillRef>
+          <a:effectRef idx="1">
+            <a:schemeClr val="accent1"/>
+          </a:effectRef>
+          <a:fontRef idx="minor">
+            <a:schemeClr val="tx1"/>
+          </a:fontRef>
+        </p:style>
+      </p:cxnSp>
+      <p:cxnSp>
+        <p:nvCxnSpPr>
+          <p:cNvPr id="18" name="Straight Arrow Connector 17">
+            <a:extLst>
+              <a:ext uri="{FF2B5EF4-FFF2-40B4-BE49-F238E27FC236}">
+                <a16:creationId xmlns:a16="http://schemas.microsoft.com/office/drawing/2014/main" id="{B0018FC7-8A98-9FE9-9CF5-277A28D662E0}"/>
+              </a:ext>
+            </a:extLst>
+          </p:cNvPr>
+          <p:cNvCxnSpPr>
+            <a:cxnSpLocks/>
+            <a:endCxn id="10" idx="1"/>
+          </p:cNvCxnSpPr>
+          <p:nvPr/>
+        </p:nvCxnSpPr>
+        <p:spPr>
+          <a:xfrm>
+            <a:off x="5130552" y="1658359"/>
+            <a:ext cx="329955" cy="0"/>
+          </a:xfrm>
+          <a:prstGeom prst="straightConnector1">
+            <a:avLst/>
+          </a:prstGeom>
+          <a:ln>
+            <a:tailEnd type="triangle"/>
+          </a:ln>
+        </p:spPr>
+        <p:style>
+          <a:lnRef idx="2">
+            <a:schemeClr val="accent1"/>
+          </a:lnRef>
+          <a:fillRef idx="0">
+            <a:schemeClr val="accent1"/>
+          </a:fillRef>
+          <a:effectRef idx="1">
+            <a:schemeClr val="accent1"/>
+          </a:effectRef>
+          <a:fontRef idx="minor">
+            <a:schemeClr val="tx1"/>
+          </a:fontRef>
+        </p:style>
+      </p:cxnSp>
+      <p:sp>
+        <p:nvSpPr>
+          <p:cNvPr id="21" name="TextBox 20">
+            <a:extLst>
+              <a:ext uri="{FF2B5EF4-FFF2-40B4-BE49-F238E27FC236}">
+                <a16:creationId xmlns:a16="http://schemas.microsoft.com/office/drawing/2014/main" id="{E4EDECA9-9653-07BC-C8F5-931D3D50694B}"/>
+              </a:ext>
+            </a:extLst>
+          </p:cNvPr>
+          <p:cNvSpPr txBox="1"/>
+          <p:nvPr/>
+        </p:nvSpPr>
+        <p:spPr>
+          <a:xfrm>
+            <a:off x="1927194" y="3280297"/>
+            <a:ext cx="790112" cy="369332"/>
+          </a:xfrm>
+          <a:prstGeom prst="rect">
+            <a:avLst/>
+          </a:prstGeom>
+          <a:noFill/>
+        </p:spPr>
+        <p:txBody>
+          <a:bodyPr wrap="square" rtlCol="0">
+            <a:spAutoFit/>
+          </a:bodyPr>
+          <a:lstStyle/>
+          <a:p>
+            <a:r>
+              <a:rPr lang="en-GB" dirty="0"/>
+              <a:t>X1</a:t>
+            </a:r>
+          </a:p>
+        </p:txBody>
+      </p:sp>
+      <p:sp>
+        <p:nvSpPr>
+          <p:cNvPr id="22" name="TextBox 21">
+            <a:extLst>
+              <a:ext uri="{FF2B5EF4-FFF2-40B4-BE49-F238E27FC236}">
+                <a16:creationId xmlns:a16="http://schemas.microsoft.com/office/drawing/2014/main" id="{5B89A478-C26E-B97C-C729-A007003B38AB}"/>
+              </a:ext>
+            </a:extLst>
+          </p:cNvPr>
+          <p:cNvSpPr txBox="1"/>
+          <p:nvPr/>
+        </p:nvSpPr>
+        <p:spPr>
+          <a:xfrm>
+            <a:off x="4369295" y="3280297"/>
+            <a:ext cx="790112" cy="369332"/>
+          </a:xfrm>
+          <a:prstGeom prst="rect">
+            <a:avLst/>
+          </a:prstGeom>
+          <a:noFill/>
+        </p:spPr>
+        <p:txBody>
+          <a:bodyPr wrap="square" rtlCol="0">
+            <a:spAutoFit/>
+          </a:bodyPr>
+          <a:lstStyle/>
+          <a:p>
+            <a:r>
+              <a:rPr lang="en-GB" dirty="0"/>
+              <a:t>X2</a:t>
+            </a:r>
+          </a:p>
+        </p:txBody>
+      </p:sp>
+      <p:cxnSp>
+        <p:nvCxnSpPr>
+          <p:cNvPr id="26" name="Straight Arrow Connector 25">
+            <a:extLst>
+              <a:ext uri="{FF2B5EF4-FFF2-40B4-BE49-F238E27FC236}">
+                <a16:creationId xmlns:a16="http://schemas.microsoft.com/office/drawing/2014/main" id="{FAE58AB7-EEBE-3F1D-CFC1-B2F8B3D9DC85}"/>
+              </a:ext>
+            </a:extLst>
+          </p:cNvPr>
+          <p:cNvCxnSpPr>
+            <a:cxnSpLocks/>
+          </p:cNvCxnSpPr>
+          <p:nvPr/>
+        </p:nvCxnSpPr>
+        <p:spPr>
+          <a:xfrm flipH="1">
+            <a:off x="1305018" y="1658359"/>
+            <a:ext cx="577048" cy="0"/>
+          </a:xfrm>
+          <a:prstGeom prst="straightConnector1">
+            <a:avLst/>
+          </a:prstGeom>
+          <a:ln>
+            <a:tailEnd type="triangle"/>
+          </a:ln>
+        </p:spPr>
+        <p:style>
+          <a:lnRef idx="2">
+            <a:schemeClr val="accent1"/>
+          </a:lnRef>
+          <a:fillRef idx="0">
+            <a:schemeClr val="accent1"/>
+          </a:fillRef>
+          <a:effectRef idx="1">
+            <a:schemeClr val="accent1"/>
+          </a:effectRef>
+          <a:fontRef idx="minor">
+            <a:schemeClr val="tx1"/>
+          </a:fontRef>
+        </p:style>
+      </p:cxnSp>
+      <p:cxnSp>
+        <p:nvCxnSpPr>
+          <p:cNvPr id="27" name="Straight Arrow Connector 26">
+            <a:extLst>
+              <a:ext uri="{FF2B5EF4-FFF2-40B4-BE49-F238E27FC236}">
+                <a16:creationId xmlns:a16="http://schemas.microsoft.com/office/drawing/2014/main" id="{6B4EFFA7-3C00-B788-1576-402D5059D648}"/>
+              </a:ext>
+            </a:extLst>
+          </p:cNvPr>
+          <p:cNvCxnSpPr>
+            <a:cxnSpLocks/>
+            <a:endCxn id="6" idx="0"/>
+          </p:cNvCxnSpPr>
+          <p:nvPr/>
+        </p:nvCxnSpPr>
+        <p:spPr>
+          <a:xfrm flipH="1">
+            <a:off x="1812524" y="1843025"/>
+            <a:ext cx="255973" cy="511037"/>
+          </a:xfrm>
+          <a:prstGeom prst="straightConnector1">
+            <a:avLst/>
+          </a:prstGeom>
+          <a:ln>
+            <a:tailEnd type="triangle"/>
+          </a:ln>
+        </p:spPr>
+        <p:style>
+          <a:lnRef idx="2">
+            <a:schemeClr val="accent1"/>
+          </a:lnRef>
+          <a:fillRef idx="0">
+            <a:schemeClr val="accent1"/>
+          </a:fillRef>
+          <a:effectRef idx="1">
+            <a:schemeClr val="accent1"/>
+          </a:effectRef>
+          <a:fontRef idx="minor">
+            <a:schemeClr val="tx1"/>
+          </a:fontRef>
+        </p:style>
+      </p:cxnSp>
+      <p:cxnSp>
+        <p:nvCxnSpPr>
+          <p:cNvPr id="30" name="Straight Arrow Connector 29">
+            <a:extLst>
+              <a:ext uri="{FF2B5EF4-FFF2-40B4-BE49-F238E27FC236}">
+                <a16:creationId xmlns:a16="http://schemas.microsoft.com/office/drawing/2014/main" id="{55619323-02CE-7C1D-D714-4342777845CC}"/>
+              </a:ext>
+            </a:extLst>
+          </p:cNvPr>
+          <p:cNvCxnSpPr>
+            <a:cxnSpLocks/>
+            <a:endCxn id="11" idx="0"/>
+          </p:cNvCxnSpPr>
+          <p:nvPr/>
+        </p:nvCxnSpPr>
+        <p:spPr>
+          <a:xfrm flipH="1">
+            <a:off x="4764351" y="1843025"/>
+            <a:ext cx="73979" cy="511037"/>
+          </a:xfrm>
+          <a:prstGeom prst="straightConnector1">
+            <a:avLst/>
+          </a:prstGeom>
+          <a:ln>
+            <a:tailEnd type="triangle"/>
+          </a:ln>
+        </p:spPr>
+        <p:style>
+          <a:lnRef idx="2">
+            <a:schemeClr val="accent1"/>
+          </a:lnRef>
+          <a:fillRef idx="0">
+            <a:schemeClr val="accent1"/>
+          </a:fillRef>
+          <a:effectRef idx="1">
+            <a:schemeClr val="accent1"/>
+          </a:effectRef>
+          <a:fontRef idx="minor">
+            <a:schemeClr val="tx1"/>
+          </a:fontRef>
+        </p:style>
+      </p:cxnSp>
+      <p:cxnSp>
+        <p:nvCxnSpPr>
+          <p:cNvPr id="39" name="Connector: Curved 38">
+            <a:extLst>
+              <a:ext uri="{FF2B5EF4-FFF2-40B4-BE49-F238E27FC236}">
+                <a16:creationId xmlns:a16="http://schemas.microsoft.com/office/drawing/2014/main" id="{7A379C2D-6199-A262-C77A-00F6C80A4F50}"/>
+              </a:ext>
+            </a:extLst>
+          </p:cNvPr>
+          <p:cNvCxnSpPr>
+            <a:stCxn id="7" idx="0"/>
+            <a:endCxn id="9" idx="0"/>
+          </p:cNvCxnSpPr>
+          <p:nvPr/>
+        </p:nvCxnSpPr>
+        <p:spPr>
+          <a:xfrm rot="5400000" flipH="1" flipV="1">
+            <a:off x="3680904" y="89146"/>
+            <a:ext cx="12700" cy="2769094"/>
+          </a:xfrm>
+          <a:prstGeom prst="curvedConnector3">
+            <a:avLst>
+              <a:gd name="adj1" fmla="val 1800000"/>
+            </a:avLst>
+          </a:prstGeom>
+          <a:ln>
+            <a:tailEnd type="triangle"/>
+          </a:ln>
+        </p:spPr>
+        <p:style>
+          <a:lnRef idx="2">
+            <a:schemeClr val="accent1"/>
+          </a:lnRef>
+          <a:fillRef idx="0">
+            <a:schemeClr val="accent1"/>
+          </a:fillRef>
+          <a:effectRef idx="1">
+            <a:schemeClr val="accent1"/>
+          </a:effectRef>
+          <a:fontRef idx="minor">
+            <a:schemeClr val="tx1"/>
+          </a:fontRef>
+        </p:style>
+      </p:cxnSp>
+      <p:cxnSp>
+        <p:nvCxnSpPr>
+          <p:cNvPr id="41" name="Connector: Curved 40">
+            <a:extLst>
+              <a:ext uri="{FF2B5EF4-FFF2-40B4-BE49-F238E27FC236}">
+                <a16:creationId xmlns:a16="http://schemas.microsoft.com/office/drawing/2014/main" id="{05859186-4CFC-A836-948F-DC2DB179F799}"/>
+              </a:ext>
+            </a:extLst>
+          </p:cNvPr>
+          <p:cNvCxnSpPr>
+            <a:cxnSpLocks/>
+            <a:stCxn id="5" idx="0"/>
+            <a:endCxn id="10" idx="0"/>
+          </p:cNvCxnSpPr>
+          <p:nvPr/>
+        </p:nvCxnSpPr>
+        <p:spPr>
+          <a:xfrm rot="5400000" flipH="1" flipV="1">
+            <a:off x="3560315" y="-821554"/>
+            <a:ext cx="12700" cy="4590495"/>
+          </a:xfrm>
+          <a:prstGeom prst="curvedConnector3">
+            <a:avLst>
+              <a:gd name="adj1" fmla="val 3897087"/>
+            </a:avLst>
+          </a:prstGeom>
+          <a:ln>
+            <a:tailEnd type="triangle"/>
+          </a:ln>
+        </p:spPr>
+        <p:style>
+          <a:lnRef idx="2">
+            <a:schemeClr val="accent1"/>
+          </a:lnRef>
+          <a:fillRef idx="0">
+            <a:schemeClr val="accent1"/>
+          </a:fillRef>
+          <a:effectRef idx="1">
+            <a:schemeClr val="accent1"/>
+          </a:effectRef>
+          <a:fontRef idx="minor">
+            <a:schemeClr val="tx1"/>
+          </a:fontRef>
+        </p:style>
+      </p:cxnSp>
     </p:spTree>
     <p:extLst>
       <p:ext uri="{BB962C8B-B14F-4D97-AF65-F5344CB8AC3E}">
-        <p14:creationId xmlns:p14="http://schemas.microsoft.com/office/powerpoint/2010/main" val="953593045"/>
+        <p14:creationId xmlns:p14="http://schemas.microsoft.com/office/powerpoint/2010/main" val="490602433"/>
       </p:ext>
     </p:extLst>
   </p:cSld>
@@ -13716,7 +15519,7 @@
           <p:cNvPr id="4" name="TextBox 3">
             <a:extLst>
               <a:ext uri="{FF2B5EF4-FFF2-40B4-BE49-F238E27FC236}">
-                <a16:creationId xmlns:a16="http://schemas.microsoft.com/office/drawing/2014/main" id="{349397C4-EAE2-7959-DC83-BD29117951DF}"/>
+                <a16:creationId xmlns:a16="http://schemas.microsoft.com/office/drawing/2014/main" id="{A48D7CBE-5AD5-4B7E-A0AD-03646A8A1A30}"/>
               </a:ext>
             </a:extLst>
           </p:cNvPr>
@@ -13725,8 +15528,8 @@
         </p:nvSpPr>
         <p:spPr>
           <a:xfrm>
-            <a:off x="8478175" y="675495"/>
-            <a:ext cx="1731145" cy="369332"/>
+            <a:off x="7785717" y="1180730"/>
+            <a:ext cx="3061316" cy="369332"/>
           </a:xfrm>
           <a:prstGeom prst="rect">
             <a:avLst/>
@@ -13741,7 +15544,7 @@
           <a:p>
             <a:r>
               <a:rPr lang="en-GB" dirty="0"/>
-              <a:t>SV1 C1</a:t>
+              <a:t>SV2</a:t>
             </a:r>
           </a:p>
         </p:txBody>
@@ -13751,7 +15554,7 @@
           <p:cNvPr id="5" name="TextBox 4">
             <a:extLst>
               <a:ext uri="{FF2B5EF4-FFF2-40B4-BE49-F238E27FC236}">
-                <a16:creationId xmlns:a16="http://schemas.microsoft.com/office/drawing/2014/main" id="{A22FB9AC-B8A5-AF1F-ED5E-25903B18BBBE}"/>
+                <a16:creationId xmlns:a16="http://schemas.microsoft.com/office/drawing/2014/main" id="{F91B2C44-4419-F36F-4DEC-42C574EA251E}"/>
               </a:ext>
             </a:extLst>
           </p:cNvPr>
@@ -13760,8 +15563,8 @@
         </p:nvSpPr>
         <p:spPr>
           <a:xfrm>
-            <a:off x="1100830" y="2015230"/>
-            <a:ext cx="1216241" cy="2585323"/>
+            <a:off x="2541602" y="1938433"/>
+            <a:ext cx="790112" cy="369332"/>
           </a:xfrm>
           <a:prstGeom prst="rect">
             <a:avLst/>
@@ -13776,47 +15579,17 @@
           <a:p>
             <a:r>
               <a:rPr lang="en-GB" dirty="0"/>
-              <a:t>T fuel</a:t>
-            </a:r>
-          </a:p>
-          <a:p>
-            <a:endParaRPr lang="en-GB" dirty="0"/>
-          </a:p>
-          <a:p>
-            <a:endParaRPr lang="en-GB" dirty="0"/>
-          </a:p>
-          <a:p>
-            <a:endParaRPr lang="en-GB" dirty="0"/>
-          </a:p>
-          <a:p>
-            <a:r>
-              <a:rPr lang="en-GB" dirty="0"/>
-              <a:t>P fuel </a:t>
-            </a:r>
-          </a:p>
-          <a:p>
-            <a:endParaRPr lang="en-GB" dirty="0"/>
-          </a:p>
-          <a:p>
-            <a:endParaRPr lang="en-GB" dirty="0"/>
-          </a:p>
-          <a:p>
-            <a:endParaRPr lang="en-GB" dirty="0"/>
-          </a:p>
-          <a:p>
-            <a:r>
-              <a:rPr lang="en-GB" dirty="0"/>
-              <a:t>F fuel </a:t>
-            </a:r>
-          </a:p>
-        </p:txBody>
-      </p:sp>
-      <p:sp>
-        <p:nvSpPr>
-          <p:cNvPr id="7" name="TextBox 6">
-            <a:extLst>
-              <a:ext uri="{FF2B5EF4-FFF2-40B4-BE49-F238E27FC236}">
-                <a16:creationId xmlns:a16="http://schemas.microsoft.com/office/drawing/2014/main" id="{0DD8A2C9-8662-C874-5437-C86F584B1213}"/>
+              <a:t>T1</a:t>
+            </a:r>
+          </a:p>
+        </p:txBody>
+      </p:sp>
+      <p:sp>
+        <p:nvSpPr>
+          <p:cNvPr id="6" name="TextBox 5">
+            <a:extLst>
+              <a:ext uri="{FF2B5EF4-FFF2-40B4-BE49-F238E27FC236}">
+                <a16:creationId xmlns:a16="http://schemas.microsoft.com/office/drawing/2014/main" id="{3E518BFA-C283-CA19-4D0C-81BE9D03A109}"/>
               </a:ext>
             </a:extLst>
           </p:cNvPr>
@@ -13825,8 +15598,8 @@
         </p:nvSpPr>
         <p:spPr>
           <a:xfrm>
-            <a:off x="6304624" y="2015230"/>
-            <a:ext cx="1216241" cy="2585323"/>
+            <a:off x="1417468" y="2354062"/>
+            <a:ext cx="790112" cy="369332"/>
           </a:xfrm>
           <a:prstGeom prst="rect">
             <a:avLst/>
@@ -13841,47 +15614,17 @@
           <a:p>
             <a:r>
               <a:rPr lang="en-GB" dirty="0"/>
-              <a:t>T gas</a:t>
-            </a:r>
-          </a:p>
-          <a:p>
-            <a:endParaRPr lang="en-GB" dirty="0"/>
-          </a:p>
-          <a:p>
-            <a:endParaRPr lang="en-GB" dirty="0"/>
-          </a:p>
-          <a:p>
-            <a:endParaRPr lang="en-GB" dirty="0"/>
-          </a:p>
-          <a:p>
-            <a:r>
-              <a:rPr lang="en-GB" dirty="0"/>
-              <a:t>P gas </a:t>
-            </a:r>
-          </a:p>
-          <a:p>
-            <a:endParaRPr lang="en-GB" dirty="0"/>
-          </a:p>
-          <a:p>
-            <a:endParaRPr lang="en-GB" dirty="0"/>
-          </a:p>
-          <a:p>
-            <a:endParaRPr lang="en-GB" dirty="0"/>
-          </a:p>
-          <a:p>
-            <a:r>
-              <a:rPr lang="en-GB" dirty="0"/>
-              <a:t>F gas </a:t>
-            </a:r>
-          </a:p>
-        </p:txBody>
-      </p:sp>
-      <p:sp>
-        <p:nvSpPr>
-          <p:cNvPr id="9" name="TextBox 8">
-            <a:extLst>
-              <a:ext uri="{FF2B5EF4-FFF2-40B4-BE49-F238E27FC236}">
-                <a16:creationId xmlns:a16="http://schemas.microsoft.com/office/drawing/2014/main" id="{9FD803DD-E0A9-223F-6629-6034EBC67532}"/>
+              <a:t>F1</a:t>
+            </a:r>
+          </a:p>
+        </p:txBody>
+      </p:sp>
+      <p:sp>
+        <p:nvSpPr>
+          <p:cNvPr id="7" name="TextBox 6">
+            <a:extLst>
+              <a:ext uri="{FF2B5EF4-FFF2-40B4-BE49-F238E27FC236}">
+                <a16:creationId xmlns:a16="http://schemas.microsoft.com/office/drawing/2014/main" id="{0DD3E957-DE5C-5AA6-E624-69B627C94228}"/>
               </a:ext>
             </a:extLst>
           </p:cNvPr>
@@ -13890,8 +15633,8 @@
         </p:nvSpPr>
         <p:spPr>
           <a:xfrm>
-            <a:off x="2740237" y="5017662"/>
-            <a:ext cx="3266986" cy="369332"/>
+            <a:off x="1901301" y="1473693"/>
+            <a:ext cx="790112" cy="369332"/>
           </a:xfrm>
           <a:prstGeom prst="rect">
             <a:avLst/>
@@ -13906,40 +15649,170 @@
           <a:p>
             <a:r>
               <a:rPr lang="en-GB" dirty="0"/>
-              <a:t>T </a:t>
-            </a:r>
+              <a:t>P1</a:t>
+            </a:r>
+          </a:p>
+        </p:txBody>
+      </p:sp>
+      <p:sp>
+        <p:nvSpPr>
+          <p:cNvPr id="8" name="TextBox 7">
+            <a:extLst>
+              <a:ext uri="{FF2B5EF4-FFF2-40B4-BE49-F238E27FC236}">
+                <a16:creationId xmlns:a16="http://schemas.microsoft.com/office/drawing/2014/main" id="{F355E964-7F0E-990E-5778-13136080D1DA}"/>
+              </a:ext>
+            </a:extLst>
+          </p:cNvPr>
+          <p:cNvSpPr txBox="1"/>
+          <p:nvPr/>
+        </p:nvSpPr>
+        <p:spPr>
+          <a:xfrm>
+            <a:off x="3204101" y="1473693"/>
+            <a:ext cx="790112" cy="369332"/>
+          </a:xfrm>
+          <a:prstGeom prst="rect">
+            <a:avLst/>
+          </a:prstGeom>
+          <a:noFill/>
+        </p:spPr>
+        <p:txBody>
+          <a:bodyPr wrap="square" rtlCol="0">
+            <a:spAutoFit/>
+          </a:bodyPr>
+          <a:lstStyle/>
+          <a:p>
             <a:r>
               <a:rPr lang="en-GB" dirty="0" err="1"/>
-              <a:t>furn</a:t>
-            </a:r>
-            <a:r>
-              <a:rPr lang="en-GB" dirty="0"/>
-              <a:t>		P </a:t>
-            </a:r>
-            <a:r>
-              <a:rPr lang="en-GB" dirty="0" err="1"/>
-              <a:t>furn</a:t>
+              <a:t>Vpos</a:t>
             </a:r>
             <a:endParaRPr lang="en-GB" dirty="0"/>
+          </a:p>
+        </p:txBody>
+      </p:sp>
+      <p:sp>
+        <p:nvSpPr>
+          <p:cNvPr id="9" name="TextBox 8">
+            <a:extLst>
+              <a:ext uri="{FF2B5EF4-FFF2-40B4-BE49-F238E27FC236}">
+                <a16:creationId xmlns:a16="http://schemas.microsoft.com/office/drawing/2014/main" id="{A83903E8-7450-FF37-AB67-08525F5E1348}"/>
+              </a:ext>
+            </a:extLst>
+          </p:cNvPr>
+          <p:cNvSpPr txBox="1"/>
+          <p:nvPr/>
+        </p:nvSpPr>
+        <p:spPr>
+          <a:xfrm>
+            <a:off x="4670395" y="1473693"/>
+            <a:ext cx="790112" cy="369332"/>
+          </a:xfrm>
+          <a:prstGeom prst="rect">
+            <a:avLst/>
+          </a:prstGeom>
+          <a:noFill/>
+        </p:spPr>
+        <p:txBody>
+          <a:bodyPr wrap="square" rtlCol="0">
+            <a:spAutoFit/>
+          </a:bodyPr>
+          <a:lstStyle/>
+          <a:p>
+            <a:r>
+              <a:rPr lang="en-GB" dirty="0"/>
+              <a:t>P2</a:t>
+            </a:r>
+          </a:p>
+        </p:txBody>
+      </p:sp>
+      <p:sp>
+        <p:nvSpPr>
+          <p:cNvPr id="10" name="TextBox 9">
+            <a:extLst>
+              <a:ext uri="{FF2B5EF4-FFF2-40B4-BE49-F238E27FC236}">
+                <a16:creationId xmlns:a16="http://schemas.microsoft.com/office/drawing/2014/main" id="{A2A4CEA4-37D6-27EB-513D-5DB433892F9F}"/>
+              </a:ext>
+            </a:extLst>
+          </p:cNvPr>
+          <p:cNvSpPr txBox="1"/>
+          <p:nvPr/>
+        </p:nvSpPr>
+        <p:spPr>
+          <a:xfrm>
+            <a:off x="3773748" y="1984730"/>
+            <a:ext cx="790112" cy="369332"/>
+          </a:xfrm>
+          <a:prstGeom prst="rect">
+            <a:avLst/>
+          </a:prstGeom>
+          <a:noFill/>
+        </p:spPr>
+        <p:txBody>
+          <a:bodyPr wrap="square" rtlCol="0">
+            <a:spAutoFit/>
+          </a:bodyPr>
+          <a:lstStyle/>
+          <a:p>
+            <a:r>
+              <a:rPr lang="en-GB" dirty="0"/>
+              <a:t>T2</a:t>
+            </a:r>
+          </a:p>
+        </p:txBody>
+      </p:sp>
+      <p:sp>
+        <p:nvSpPr>
+          <p:cNvPr id="11" name="TextBox 10">
+            <a:extLst>
+              <a:ext uri="{FF2B5EF4-FFF2-40B4-BE49-F238E27FC236}">
+                <a16:creationId xmlns:a16="http://schemas.microsoft.com/office/drawing/2014/main" id="{24F1D201-02F2-CD3E-37F4-CD78701B0008}"/>
+              </a:ext>
+            </a:extLst>
+          </p:cNvPr>
+          <p:cNvSpPr txBox="1"/>
+          <p:nvPr/>
+        </p:nvSpPr>
+        <p:spPr>
+          <a:xfrm>
+            <a:off x="4369295" y="2354062"/>
+            <a:ext cx="790112" cy="369332"/>
+          </a:xfrm>
+          <a:prstGeom prst="rect">
+            <a:avLst/>
+          </a:prstGeom>
+          <a:noFill/>
+        </p:spPr>
+        <p:txBody>
+          <a:bodyPr wrap="square" rtlCol="0">
+            <a:spAutoFit/>
+          </a:bodyPr>
+          <a:lstStyle/>
+          <a:p>
+            <a:r>
+              <a:rPr lang="en-GB" dirty="0"/>
+              <a:t>F2</a:t>
+            </a:r>
           </a:p>
         </p:txBody>
       </p:sp>
       <p:cxnSp>
         <p:nvCxnSpPr>
-          <p:cNvPr id="11" name="Straight Arrow Connector 10">
-            <a:extLst>
-              <a:ext uri="{FF2B5EF4-FFF2-40B4-BE49-F238E27FC236}">
-                <a16:creationId xmlns:a16="http://schemas.microsoft.com/office/drawing/2014/main" id="{36968F70-AC92-41D9-476B-8E4B842F01B8}"/>
-              </a:ext>
-            </a:extLst>
-          </p:cNvPr>
-          <p:cNvCxnSpPr/>
+          <p:cNvPr id="15" name="Straight Arrow Connector 14">
+            <a:extLst>
+              <a:ext uri="{FF2B5EF4-FFF2-40B4-BE49-F238E27FC236}">
+                <a16:creationId xmlns:a16="http://schemas.microsoft.com/office/drawing/2014/main" id="{056D271D-50DE-A16E-7FFE-2EB66F7E6F44}"/>
+              </a:ext>
+            </a:extLst>
+          </p:cNvPr>
+          <p:cNvCxnSpPr>
+            <a:cxnSpLocks/>
+          </p:cNvCxnSpPr>
           <p:nvPr/>
         </p:nvCxnSpPr>
         <p:spPr>
-          <a:xfrm>
-            <a:off x="1864311" y="4492101"/>
-            <a:ext cx="964703" cy="525561"/>
+          <a:xfrm flipH="1">
+            <a:off x="2459115" y="1658359"/>
+            <a:ext cx="577048" cy="0"/>
           </a:xfrm>
           <a:prstGeom prst="straightConnector1">
             <a:avLst/>
@@ -13965,59 +15838,22 @@
       </p:cxnSp>
       <p:cxnSp>
         <p:nvCxnSpPr>
-          <p:cNvPr id="13" name="Straight Arrow Connector 12">
-            <a:extLst>
-              <a:ext uri="{FF2B5EF4-FFF2-40B4-BE49-F238E27FC236}">
-                <a16:creationId xmlns:a16="http://schemas.microsoft.com/office/drawing/2014/main" id="{721CE80D-0F3F-7626-22BA-A99430A90341}"/>
-              </a:ext>
-            </a:extLst>
-          </p:cNvPr>
-          <p:cNvCxnSpPr/>
+          <p:cNvPr id="16" name="Straight Arrow Connector 15">
+            <a:extLst>
+              <a:ext uri="{FF2B5EF4-FFF2-40B4-BE49-F238E27FC236}">
+                <a16:creationId xmlns:a16="http://schemas.microsoft.com/office/drawing/2014/main" id="{F20A9663-12ED-7D34-A5F7-4D3651939AE6}"/>
+              </a:ext>
+            </a:extLst>
+          </p:cNvPr>
+          <p:cNvCxnSpPr>
+            <a:endCxn id="9" idx="1"/>
+          </p:cNvCxnSpPr>
           <p:nvPr/>
         </p:nvCxnSpPr>
         <p:spPr>
           <a:xfrm>
-            <a:off x="1890944" y="4367814"/>
-            <a:ext cx="2787588" cy="649848"/>
-          </a:xfrm>
-          <a:prstGeom prst="straightConnector1">
-            <a:avLst/>
-          </a:prstGeom>
-          <a:ln>
-            <a:tailEnd type="triangle"/>
-          </a:ln>
-        </p:spPr>
-        <p:style>
-          <a:lnRef idx="2">
-            <a:schemeClr val="accent1"/>
-          </a:lnRef>
-          <a:fillRef idx="0">
-            <a:schemeClr val="accent1"/>
-          </a:fillRef>
-          <a:effectRef idx="1">
-            <a:schemeClr val="accent1"/>
-          </a:effectRef>
-          <a:fontRef idx="minor">
-            <a:schemeClr val="tx1"/>
-          </a:fontRef>
-        </p:style>
-      </p:cxnSp>
-      <p:cxnSp>
-        <p:nvCxnSpPr>
-          <p:cNvPr id="15" name="Straight Arrow Connector 14">
-            <a:extLst>
-              <a:ext uri="{FF2B5EF4-FFF2-40B4-BE49-F238E27FC236}">
-                <a16:creationId xmlns:a16="http://schemas.microsoft.com/office/drawing/2014/main" id="{42813115-D5C0-A8FF-16B6-586477F24BDD}"/>
-              </a:ext>
-            </a:extLst>
-          </p:cNvPr>
-          <p:cNvCxnSpPr/>
-          <p:nvPr/>
-        </p:nvCxnSpPr>
-        <p:spPr>
-          <a:xfrm flipH="1">
-            <a:off x="3275860" y="1656893"/>
-            <a:ext cx="1704513" cy="3360769"/>
+            <a:off x="3967578" y="1658359"/>
+            <a:ext cx="702817" cy="0"/>
           </a:xfrm>
           <a:prstGeom prst="straightConnector1">
             <a:avLst/>
@@ -14046,17 +15882,257 @@
           <p:cNvPr id="17" name="Straight Arrow Connector 16">
             <a:extLst>
               <a:ext uri="{FF2B5EF4-FFF2-40B4-BE49-F238E27FC236}">
-                <a16:creationId xmlns:a16="http://schemas.microsoft.com/office/drawing/2014/main" id="{533A7A9C-984F-094F-91DC-D618D1F3A5BD}"/>
-              </a:ext>
-            </a:extLst>
-          </p:cNvPr>
-          <p:cNvCxnSpPr/>
+                <a16:creationId xmlns:a16="http://schemas.microsoft.com/office/drawing/2014/main" id="{AC86F235-EFB6-EFC5-97B7-1DC0F04CB867}"/>
+              </a:ext>
+            </a:extLst>
+          </p:cNvPr>
+          <p:cNvCxnSpPr>
+            <a:endCxn id="11" idx="1"/>
+          </p:cNvCxnSpPr>
           <p:nvPr/>
         </p:nvCxnSpPr>
         <p:spPr>
           <a:xfrm>
-            <a:off x="5015883" y="1656893"/>
-            <a:ext cx="0" cy="3360769"/>
+            <a:off x="1927194" y="2538728"/>
+            <a:ext cx="2442101" cy="0"/>
+          </a:xfrm>
+          <a:prstGeom prst="straightConnector1">
+            <a:avLst/>
+          </a:prstGeom>
+          <a:ln>
+            <a:tailEnd type="triangle"/>
+          </a:ln>
+        </p:spPr>
+        <p:style>
+          <a:lnRef idx="2">
+            <a:schemeClr val="accent1"/>
+          </a:lnRef>
+          <a:fillRef idx="0">
+            <a:schemeClr val="accent1"/>
+          </a:fillRef>
+          <a:effectRef idx="1">
+            <a:schemeClr val="accent1"/>
+          </a:effectRef>
+          <a:fontRef idx="minor">
+            <a:schemeClr val="tx1"/>
+          </a:fontRef>
+        </p:style>
+      </p:cxnSp>
+      <p:cxnSp>
+        <p:nvCxnSpPr>
+          <p:cNvPr id="18" name="Straight Arrow Connector 17">
+            <a:extLst>
+              <a:ext uri="{FF2B5EF4-FFF2-40B4-BE49-F238E27FC236}">
+                <a16:creationId xmlns:a16="http://schemas.microsoft.com/office/drawing/2014/main" id="{B0018FC7-8A98-9FE9-9CF5-277A28D662E0}"/>
+              </a:ext>
+            </a:extLst>
+          </p:cNvPr>
+          <p:cNvCxnSpPr>
+            <a:cxnSpLocks/>
+            <a:endCxn id="10" idx="1"/>
+          </p:cNvCxnSpPr>
+          <p:nvPr/>
+        </p:nvCxnSpPr>
+        <p:spPr>
+          <a:xfrm>
+            <a:off x="3036163" y="2123098"/>
+            <a:ext cx="737585" cy="46298"/>
+          </a:xfrm>
+          <a:prstGeom prst="straightConnector1">
+            <a:avLst/>
+          </a:prstGeom>
+          <a:ln>
+            <a:tailEnd type="triangle"/>
+          </a:ln>
+        </p:spPr>
+        <p:style>
+          <a:lnRef idx="2">
+            <a:schemeClr val="accent1"/>
+          </a:lnRef>
+          <a:fillRef idx="0">
+            <a:schemeClr val="accent1"/>
+          </a:fillRef>
+          <a:effectRef idx="1">
+            <a:schemeClr val="accent1"/>
+          </a:effectRef>
+          <a:fontRef idx="minor">
+            <a:schemeClr val="tx1"/>
+          </a:fontRef>
+        </p:style>
+      </p:cxnSp>
+      <p:sp>
+        <p:nvSpPr>
+          <p:cNvPr id="21" name="TextBox 20">
+            <a:extLst>
+              <a:ext uri="{FF2B5EF4-FFF2-40B4-BE49-F238E27FC236}">
+                <a16:creationId xmlns:a16="http://schemas.microsoft.com/office/drawing/2014/main" id="{E4EDECA9-9653-07BC-C8F5-931D3D50694B}"/>
+              </a:ext>
+            </a:extLst>
+          </p:cNvPr>
+          <p:cNvSpPr txBox="1"/>
+          <p:nvPr/>
+        </p:nvSpPr>
+        <p:spPr>
+          <a:xfrm>
+            <a:off x="1927194" y="3280297"/>
+            <a:ext cx="790112" cy="369332"/>
+          </a:xfrm>
+          <a:prstGeom prst="rect">
+            <a:avLst/>
+          </a:prstGeom>
+          <a:noFill/>
+        </p:spPr>
+        <p:txBody>
+          <a:bodyPr wrap="square" rtlCol="0">
+            <a:spAutoFit/>
+          </a:bodyPr>
+          <a:lstStyle/>
+          <a:p>
+            <a:r>
+              <a:rPr lang="en-GB" dirty="0"/>
+              <a:t>X1</a:t>
+            </a:r>
+          </a:p>
+        </p:txBody>
+      </p:sp>
+      <p:sp>
+        <p:nvSpPr>
+          <p:cNvPr id="22" name="TextBox 21">
+            <a:extLst>
+              <a:ext uri="{FF2B5EF4-FFF2-40B4-BE49-F238E27FC236}">
+                <a16:creationId xmlns:a16="http://schemas.microsoft.com/office/drawing/2014/main" id="{5B89A478-C26E-B97C-C729-A007003B38AB}"/>
+              </a:ext>
+            </a:extLst>
+          </p:cNvPr>
+          <p:cNvSpPr txBox="1"/>
+          <p:nvPr/>
+        </p:nvSpPr>
+        <p:spPr>
+          <a:xfrm>
+            <a:off x="4369295" y="3280297"/>
+            <a:ext cx="790112" cy="369332"/>
+          </a:xfrm>
+          <a:prstGeom prst="rect">
+            <a:avLst/>
+          </a:prstGeom>
+          <a:noFill/>
+        </p:spPr>
+        <p:txBody>
+          <a:bodyPr wrap="square" rtlCol="0">
+            <a:spAutoFit/>
+          </a:bodyPr>
+          <a:lstStyle/>
+          <a:p>
+            <a:r>
+              <a:rPr lang="en-GB" dirty="0"/>
+              <a:t>X2</a:t>
+            </a:r>
+          </a:p>
+        </p:txBody>
+      </p:sp>
+      <p:cxnSp>
+        <p:nvCxnSpPr>
+          <p:cNvPr id="26" name="Straight Arrow Connector 25">
+            <a:extLst>
+              <a:ext uri="{FF2B5EF4-FFF2-40B4-BE49-F238E27FC236}">
+                <a16:creationId xmlns:a16="http://schemas.microsoft.com/office/drawing/2014/main" id="{FAE58AB7-EEBE-3F1D-CFC1-B2F8B3D9DC85}"/>
+              </a:ext>
+            </a:extLst>
+          </p:cNvPr>
+          <p:cNvCxnSpPr>
+            <a:cxnSpLocks/>
+            <a:endCxn id="5" idx="0"/>
+          </p:cNvCxnSpPr>
+          <p:nvPr/>
+        </p:nvCxnSpPr>
+        <p:spPr>
+          <a:xfrm flipH="1">
+            <a:off x="2936658" y="1805749"/>
+            <a:ext cx="331803" cy="132684"/>
+          </a:xfrm>
+          <a:prstGeom prst="straightConnector1">
+            <a:avLst/>
+          </a:prstGeom>
+          <a:ln>
+            <a:tailEnd type="triangle"/>
+          </a:ln>
+        </p:spPr>
+        <p:style>
+          <a:lnRef idx="2">
+            <a:schemeClr val="accent1"/>
+          </a:lnRef>
+          <a:fillRef idx="0">
+            <a:schemeClr val="accent1"/>
+          </a:fillRef>
+          <a:effectRef idx="1">
+            <a:schemeClr val="accent1"/>
+          </a:effectRef>
+          <a:fontRef idx="minor">
+            <a:schemeClr val="tx1"/>
+          </a:fontRef>
+        </p:style>
+      </p:cxnSp>
+      <p:cxnSp>
+        <p:nvCxnSpPr>
+          <p:cNvPr id="27" name="Straight Arrow Connector 26">
+            <a:extLst>
+              <a:ext uri="{FF2B5EF4-FFF2-40B4-BE49-F238E27FC236}">
+                <a16:creationId xmlns:a16="http://schemas.microsoft.com/office/drawing/2014/main" id="{6B4EFFA7-3C00-B788-1576-402D5059D648}"/>
+              </a:ext>
+            </a:extLst>
+          </p:cNvPr>
+          <p:cNvCxnSpPr>
+            <a:cxnSpLocks/>
+            <a:endCxn id="6" idx="0"/>
+          </p:cNvCxnSpPr>
+          <p:nvPr/>
+        </p:nvCxnSpPr>
+        <p:spPr>
+          <a:xfrm flipH="1">
+            <a:off x="1812524" y="1843025"/>
+            <a:ext cx="255973" cy="511037"/>
+          </a:xfrm>
+          <a:prstGeom prst="straightConnector1">
+            <a:avLst/>
+          </a:prstGeom>
+          <a:ln>
+            <a:tailEnd type="triangle"/>
+          </a:ln>
+        </p:spPr>
+        <p:style>
+          <a:lnRef idx="2">
+            <a:schemeClr val="accent1"/>
+          </a:lnRef>
+          <a:fillRef idx="0">
+            <a:schemeClr val="accent1"/>
+          </a:fillRef>
+          <a:effectRef idx="1">
+            <a:schemeClr val="accent1"/>
+          </a:effectRef>
+          <a:fontRef idx="minor">
+            <a:schemeClr val="tx1"/>
+          </a:fontRef>
+        </p:style>
+      </p:cxnSp>
+      <p:cxnSp>
+        <p:nvCxnSpPr>
+          <p:cNvPr id="30" name="Straight Arrow Connector 29">
+            <a:extLst>
+              <a:ext uri="{FF2B5EF4-FFF2-40B4-BE49-F238E27FC236}">
+                <a16:creationId xmlns:a16="http://schemas.microsoft.com/office/drawing/2014/main" id="{55619323-02CE-7C1D-D714-4342777845CC}"/>
+              </a:ext>
+            </a:extLst>
+          </p:cNvPr>
+          <p:cNvCxnSpPr>
+            <a:cxnSpLocks/>
+            <a:endCxn id="11" idx="0"/>
+          </p:cNvCxnSpPr>
+          <p:nvPr/>
+        </p:nvCxnSpPr>
+        <p:spPr>
+          <a:xfrm flipH="1">
+            <a:off x="4764351" y="1843025"/>
+            <a:ext cx="73979" cy="511037"/>
           </a:xfrm>
           <a:prstGeom prst="straightConnector1">
             <a:avLst/>
@@ -14085,17 +16161,19 @@
           <p:cNvPr id="19" name="Straight Arrow Connector 18">
             <a:extLst>
               <a:ext uri="{FF2B5EF4-FFF2-40B4-BE49-F238E27FC236}">
-                <a16:creationId xmlns:a16="http://schemas.microsoft.com/office/drawing/2014/main" id="{BB3D9F49-F966-732C-649F-16BEB7AADB09}"/>
-              </a:ext>
-            </a:extLst>
-          </p:cNvPr>
-          <p:cNvCxnSpPr/>
+                <a16:creationId xmlns:a16="http://schemas.microsoft.com/office/drawing/2014/main" id="{CA3A6401-24A8-2DBB-3F09-BF521D81FF63}"/>
+              </a:ext>
+            </a:extLst>
+          </p:cNvPr>
+          <p:cNvCxnSpPr>
+            <a:cxnSpLocks/>
+          </p:cNvCxnSpPr>
           <p:nvPr/>
         </p:nvCxnSpPr>
         <p:spPr>
-          <a:xfrm flipV="1">
-            <a:off x="3409025" y="2334827"/>
-            <a:ext cx="2831977" cy="2682835"/>
+          <a:xfrm>
+            <a:off x="3747671" y="1832246"/>
+            <a:ext cx="219907" cy="195444"/>
           </a:xfrm>
           <a:prstGeom prst="straightConnector1">
             <a:avLst/>
@@ -14121,654 +16199,28 @@
       </p:cxnSp>
       <p:cxnSp>
         <p:nvCxnSpPr>
-          <p:cNvPr id="21" name="Straight Arrow Connector 20">
-            <a:extLst>
-              <a:ext uri="{FF2B5EF4-FFF2-40B4-BE49-F238E27FC236}">
-                <a16:creationId xmlns:a16="http://schemas.microsoft.com/office/drawing/2014/main" id="{3F56C11A-FBBA-FD9D-E130-033F2FAC3B20}"/>
-              </a:ext>
-            </a:extLst>
-          </p:cNvPr>
-          <p:cNvCxnSpPr/>
+          <p:cNvPr id="24" name="Connector: Curved 23">
+            <a:extLst>
+              <a:ext uri="{FF2B5EF4-FFF2-40B4-BE49-F238E27FC236}">
+                <a16:creationId xmlns:a16="http://schemas.microsoft.com/office/drawing/2014/main" id="{F98EBD67-D49C-4BE9-8DA7-05218AA0F3FD}"/>
+              </a:ext>
+            </a:extLst>
+          </p:cNvPr>
+          <p:cNvCxnSpPr>
+            <a:stCxn id="7" idx="0"/>
+            <a:endCxn id="9" idx="0"/>
+          </p:cNvCxnSpPr>
           <p:nvPr/>
         </p:nvCxnSpPr>
         <p:spPr>
-          <a:xfrm flipV="1">
-            <a:off x="5193437" y="3497802"/>
-            <a:ext cx="1111187" cy="1519860"/>
-          </a:xfrm>
-          <a:prstGeom prst="straightConnector1">
-            <a:avLst/>
-          </a:prstGeom>
-          <a:ln>
-            <a:tailEnd type="triangle"/>
-          </a:ln>
-        </p:spPr>
-        <p:style>
-          <a:lnRef idx="2">
-            <a:schemeClr val="accent1"/>
-          </a:lnRef>
-          <a:fillRef idx="0">
-            <a:schemeClr val="accent1"/>
-          </a:fillRef>
-          <a:effectRef idx="1">
-            <a:schemeClr val="accent1"/>
-          </a:effectRef>
-          <a:fontRef idx="minor">
-            <a:schemeClr val="tx1"/>
-          </a:fontRef>
-        </p:style>
-      </p:cxnSp>
-      <p:cxnSp>
-        <p:nvCxnSpPr>
-          <p:cNvPr id="23" name="Straight Arrow Connector 22">
-            <a:extLst>
-              <a:ext uri="{FF2B5EF4-FFF2-40B4-BE49-F238E27FC236}">
-                <a16:creationId xmlns:a16="http://schemas.microsoft.com/office/drawing/2014/main" id="{8CFC6723-1C7A-7867-86A8-2DCC8F2C1355}"/>
-              </a:ext>
-            </a:extLst>
-          </p:cNvPr>
-          <p:cNvCxnSpPr/>
-          <p:nvPr/>
-        </p:nvCxnSpPr>
-        <p:spPr>
-          <a:xfrm>
-            <a:off x="4048217" y="1656893"/>
-            <a:ext cx="776796" cy="3360769"/>
-          </a:xfrm>
-          <a:prstGeom prst="straightConnector1">
-            <a:avLst/>
-          </a:prstGeom>
-          <a:ln>
-            <a:tailEnd type="triangle"/>
-          </a:ln>
-        </p:spPr>
-        <p:style>
-          <a:lnRef idx="2">
-            <a:schemeClr val="accent1"/>
-          </a:lnRef>
-          <a:fillRef idx="0">
-            <a:schemeClr val="accent1"/>
-          </a:fillRef>
-          <a:effectRef idx="1">
-            <a:schemeClr val="accent1"/>
-          </a:effectRef>
-          <a:fontRef idx="minor">
-            <a:schemeClr val="tx1"/>
-          </a:fontRef>
-        </p:style>
-      </p:cxnSp>
-      <p:cxnSp>
-        <p:nvCxnSpPr>
-          <p:cNvPr id="25" name="Straight Arrow Connector 24">
-            <a:extLst>
-              <a:ext uri="{FF2B5EF4-FFF2-40B4-BE49-F238E27FC236}">
-                <a16:creationId xmlns:a16="http://schemas.microsoft.com/office/drawing/2014/main" id="{19AC24E2-0D04-2523-EDA2-B139A25905BF}"/>
-              </a:ext>
-            </a:extLst>
-          </p:cNvPr>
-          <p:cNvCxnSpPr/>
-          <p:nvPr/>
-        </p:nvCxnSpPr>
-        <p:spPr>
-          <a:xfrm>
-            <a:off x="3080552" y="1656893"/>
-            <a:ext cx="26633" cy="3360769"/>
-          </a:xfrm>
-          <a:prstGeom prst="straightConnector1">
-            <a:avLst/>
-          </a:prstGeom>
-          <a:ln>
-            <a:tailEnd type="triangle"/>
-          </a:ln>
-        </p:spPr>
-        <p:style>
-          <a:lnRef idx="2">
-            <a:schemeClr val="accent1"/>
-          </a:lnRef>
-          <a:fillRef idx="0">
-            <a:schemeClr val="accent1"/>
-          </a:fillRef>
-          <a:effectRef idx="1">
-            <a:schemeClr val="accent1"/>
-          </a:effectRef>
-          <a:fontRef idx="minor">
-            <a:schemeClr val="tx1"/>
-          </a:fontRef>
-        </p:style>
-      </p:cxnSp>
-      <p:sp>
-        <p:nvSpPr>
-          <p:cNvPr id="28" name="TextBox 27">
-            <a:extLst>
-              <a:ext uri="{FF2B5EF4-FFF2-40B4-BE49-F238E27FC236}">
-                <a16:creationId xmlns:a16="http://schemas.microsoft.com/office/drawing/2014/main" id="{BC5A4827-4C5D-DF58-27BD-454290382A0B}"/>
-              </a:ext>
-            </a:extLst>
-          </p:cNvPr>
-          <p:cNvSpPr txBox="1"/>
-          <p:nvPr/>
-        </p:nvSpPr>
-        <p:spPr>
-          <a:xfrm>
-            <a:off x="7673265" y="3978675"/>
-            <a:ext cx="1216241" cy="2585323"/>
-          </a:xfrm>
-          <a:prstGeom prst="rect">
-            <a:avLst/>
-          </a:prstGeom>
-          <a:noFill/>
-        </p:spPr>
-        <p:txBody>
-          <a:bodyPr wrap="square" rtlCol="0">
-            <a:spAutoFit/>
-          </a:bodyPr>
-          <a:lstStyle/>
-          <a:p>
-            <a:r>
-              <a:rPr lang="en-GB" dirty="0"/>
-              <a:t>T prod</a:t>
-            </a:r>
-          </a:p>
-          <a:p>
-            <a:endParaRPr lang="en-GB" dirty="0"/>
-          </a:p>
-          <a:p>
-            <a:endParaRPr lang="en-GB" dirty="0"/>
-          </a:p>
-          <a:p>
-            <a:endParaRPr lang="en-GB" dirty="0"/>
-          </a:p>
-          <a:p>
-            <a:r>
-              <a:rPr lang="en-GB" dirty="0"/>
-              <a:t>P prod </a:t>
-            </a:r>
-          </a:p>
-          <a:p>
-            <a:endParaRPr lang="en-GB" dirty="0"/>
-          </a:p>
-          <a:p>
-            <a:endParaRPr lang="en-GB" dirty="0"/>
-          </a:p>
-          <a:p>
-            <a:endParaRPr lang="en-GB" dirty="0"/>
-          </a:p>
-          <a:p>
-            <a:r>
-              <a:rPr lang="en-GB" dirty="0"/>
-              <a:t>F prod </a:t>
-            </a:r>
-          </a:p>
-        </p:txBody>
-      </p:sp>
-      <p:sp>
-        <p:nvSpPr>
-          <p:cNvPr id="29" name="TextBox 28">
-            <a:extLst>
-              <a:ext uri="{FF2B5EF4-FFF2-40B4-BE49-F238E27FC236}">
-                <a16:creationId xmlns:a16="http://schemas.microsoft.com/office/drawing/2014/main" id="{D83DCD06-1163-D85E-0F91-002F88F6A4A9}"/>
-              </a:ext>
-            </a:extLst>
-          </p:cNvPr>
-          <p:cNvSpPr txBox="1"/>
-          <p:nvPr/>
-        </p:nvSpPr>
-        <p:spPr>
-          <a:xfrm>
-            <a:off x="10067276" y="3978675"/>
-            <a:ext cx="1216241" cy="2585323"/>
-          </a:xfrm>
-          <a:prstGeom prst="rect">
-            <a:avLst/>
-          </a:prstGeom>
-          <a:noFill/>
-        </p:spPr>
-        <p:txBody>
-          <a:bodyPr wrap="square" rtlCol="0">
-            <a:spAutoFit/>
-          </a:bodyPr>
-          <a:lstStyle/>
-          <a:p>
-            <a:r>
-              <a:rPr lang="en-GB" dirty="0"/>
-              <a:t>T feed</a:t>
-            </a:r>
-          </a:p>
-          <a:p>
-            <a:endParaRPr lang="en-GB" dirty="0"/>
-          </a:p>
-          <a:p>
-            <a:endParaRPr lang="en-GB" dirty="0"/>
-          </a:p>
-          <a:p>
-            <a:endParaRPr lang="en-GB" dirty="0"/>
-          </a:p>
-          <a:p>
-            <a:r>
-              <a:rPr lang="en-GB" dirty="0"/>
-              <a:t>P feed </a:t>
-            </a:r>
-          </a:p>
-          <a:p>
-            <a:endParaRPr lang="en-GB" dirty="0"/>
-          </a:p>
-          <a:p>
-            <a:endParaRPr lang="en-GB" dirty="0"/>
-          </a:p>
-          <a:p>
-            <a:endParaRPr lang="en-GB" dirty="0"/>
-          </a:p>
-          <a:p>
-            <a:r>
-              <a:rPr lang="en-GB" dirty="0"/>
-              <a:t>F feed </a:t>
-            </a:r>
-          </a:p>
-        </p:txBody>
-      </p:sp>
-      <p:cxnSp>
-        <p:nvCxnSpPr>
-          <p:cNvPr id="32" name="Straight Arrow Connector 31">
-            <a:extLst>
-              <a:ext uri="{FF2B5EF4-FFF2-40B4-BE49-F238E27FC236}">
-                <a16:creationId xmlns:a16="http://schemas.microsoft.com/office/drawing/2014/main" id="{D8008876-258B-60CE-BAE5-F4802D965BC5}"/>
-              </a:ext>
-            </a:extLst>
-          </p:cNvPr>
-          <p:cNvCxnSpPr/>
-          <p:nvPr/>
-        </p:nvCxnSpPr>
-        <p:spPr>
-          <a:xfrm flipH="1">
-            <a:off x="8558074" y="4181383"/>
-            <a:ext cx="1509202" cy="0"/>
-          </a:xfrm>
-          <a:prstGeom prst="straightConnector1">
-            <a:avLst/>
-          </a:prstGeom>
-          <a:ln>
-            <a:tailEnd type="triangle"/>
-          </a:ln>
-        </p:spPr>
-        <p:style>
-          <a:lnRef idx="2">
-            <a:schemeClr val="accent1"/>
-          </a:lnRef>
-          <a:fillRef idx="0">
-            <a:schemeClr val="accent1"/>
-          </a:fillRef>
-          <a:effectRef idx="1">
-            <a:schemeClr val="accent1"/>
-          </a:effectRef>
-          <a:fontRef idx="minor">
-            <a:schemeClr val="tx1"/>
-          </a:fontRef>
-        </p:style>
-      </p:cxnSp>
-      <p:cxnSp>
-        <p:nvCxnSpPr>
-          <p:cNvPr id="34" name="Straight Arrow Connector 33">
-            <a:extLst>
-              <a:ext uri="{FF2B5EF4-FFF2-40B4-BE49-F238E27FC236}">
-                <a16:creationId xmlns:a16="http://schemas.microsoft.com/office/drawing/2014/main" id="{0495B3FB-4B9E-A6B4-375E-4628E384F7B0}"/>
-              </a:ext>
-            </a:extLst>
-          </p:cNvPr>
-          <p:cNvCxnSpPr/>
-          <p:nvPr/>
-        </p:nvCxnSpPr>
-        <p:spPr>
-          <a:xfrm flipH="1">
-            <a:off x="8558074" y="6320901"/>
-            <a:ext cx="1420427" cy="0"/>
-          </a:xfrm>
-          <a:prstGeom prst="straightConnector1">
-            <a:avLst/>
-          </a:prstGeom>
-          <a:ln>
-            <a:tailEnd type="triangle"/>
-          </a:ln>
-        </p:spPr>
-        <p:style>
-          <a:lnRef idx="2">
-            <a:schemeClr val="accent1"/>
-          </a:lnRef>
-          <a:fillRef idx="0">
-            <a:schemeClr val="accent1"/>
-          </a:fillRef>
-          <a:effectRef idx="1">
-            <a:schemeClr val="accent1"/>
-          </a:effectRef>
-          <a:fontRef idx="minor">
-            <a:schemeClr val="tx1"/>
-          </a:fontRef>
-        </p:style>
-      </p:cxnSp>
-      <p:cxnSp>
-        <p:nvCxnSpPr>
-          <p:cNvPr id="36" name="Straight Arrow Connector 35">
-            <a:extLst>
-              <a:ext uri="{FF2B5EF4-FFF2-40B4-BE49-F238E27FC236}">
-                <a16:creationId xmlns:a16="http://schemas.microsoft.com/office/drawing/2014/main" id="{04A16DB4-39B5-21E5-38AF-161823BD6AA0}"/>
-              </a:ext>
-            </a:extLst>
-          </p:cNvPr>
-          <p:cNvCxnSpPr/>
-          <p:nvPr/>
-        </p:nvCxnSpPr>
-        <p:spPr>
-          <a:xfrm flipH="1" flipV="1">
-            <a:off x="8478175" y="4367814"/>
-            <a:ext cx="1589101" cy="1784411"/>
-          </a:xfrm>
-          <a:prstGeom prst="straightConnector1">
-            <a:avLst/>
-          </a:prstGeom>
-          <a:ln>
-            <a:tailEnd type="triangle"/>
-          </a:ln>
-        </p:spPr>
-        <p:style>
-          <a:lnRef idx="2">
-            <a:schemeClr val="accent1"/>
-          </a:lnRef>
-          <a:fillRef idx="0">
-            <a:schemeClr val="accent1"/>
-          </a:fillRef>
-          <a:effectRef idx="1">
-            <a:schemeClr val="accent1"/>
-          </a:effectRef>
-          <a:fontRef idx="minor">
-            <a:schemeClr val="tx1"/>
-          </a:fontRef>
-        </p:style>
-      </p:cxnSp>
-      <p:cxnSp>
-        <p:nvCxnSpPr>
-          <p:cNvPr id="38" name="Straight Arrow Connector 37">
-            <a:extLst>
-              <a:ext uri="{FF2B5EF4-FFF2-40B4-BE49-F238E27FC236}">
-                <a16:creationId xmlns:a16="http://schemas.microsoft.com/office/drawing/2014/main" id="{B2F757B6-5FF1-C8C8-C3C8-EC7154F21E9D}"/>
-              </a:ext>
-            </a:extLst>
-          </p:cNvPr>
-          <p:cNvCxnSpPr>
-            <a:cxnSpLocks/>
-            <a:stCxn id="29" idx="1"/>
-          </p:cNvCxnSpPr>
-          <p:nvPr/>
-        </p:nvCxnSpPr>
-        <p:spPr>
-          <a:xfrm flipH="1" flipV="1">
-            <a:off x="8478175" y="5255581"/>
-            <a:ext cx="1589101" cy="15756"/>
-          </a:xfrm>
-          <a:prstGeom prst="straightConnector1">
-            <a:avLst/>
-          </a:prstGeom>
-          <a:ln>
-            <a:tailEnd type="triangle"/>
-          </a:ln>
-        </p:spPr>
-        <p:style>
-          <a:lnRef idx="2">
-            <a:schemeClr val="accent1"/>
-          </a:lnRef>
-          <a:fillRef idx="0">
-            <a:schemeClr val="accent1"/>
-          </a:fillRef>
-          <a:effectRef idx="1">
-            <a:schemeClr val="accent1"/>
-          </a:effectRef>
-          <a:fontRef idx="minor">
-            <a:schemeClr val="tx1"/>
-          </a:fontRef>
-        </p:style>
-      </p:cxnSp>
-      <p:cxnSp>
-        <p:nvCxnSpPr>
-          <p:cNvPr id="41" name="Straight Connector 40">
-            <a:extLst>
-              <a:ext uri="{FF2B5EF4-FFF2-40B4-BE49-F238E27FC236}">
-                <a16:creationId xmlns:a16="http://schemas.microsoft.com/office/drawing/2014/main" id="{094359DE-5709-F35C-D35A-A0272BD80298}"/>
-              </a:ext>
-            </a:extLst>
-          </p:cNvPr>
-          <p:cNvCxnSpPr>
-            <a:cxnSpLocks/>
-          </p:cNvCxnSpPr>
-          <p:nvPr/>
-        </p:nvCxnSpPr>
-        <p:spPr>
-          <a:xfrm>
-            <a:off x="3468206" y="5386994"/>
-            <a:ext cx="1547677" cy="862886"/>
-          </a:xfrm>
-          <a:prstGeom prst="line">
-            <a:avLst/>
-          </a:prstGeom>
-        </p:spPr>
-        <p:style>
-          <a:lnRef idx="2">
-            <a:schemeClr val="accent1"/>
-          </a:lnRef>
-          <a:fillRef idx="0">
-            <a:schemeClr val="accent1"/>
-          </a:fillRef>
-          <a:effectRef idx="1">
-            <a:schemeClr val="accent1"/>
-          </a:effectRef>
-          <a:fontRef idx="minor">
-            <a:schemeClr val="tx1"/>
-          </a:fontRef>
-        </p:style>
-      </p:cxnSp>
-      <p:cxnSp>
-        <p:nvCxnSpPr>
-          <p:cNvPr id="45" name="Straight Arrow Connector 44">
-            <a:extLst>
-              <a:ext uri="{FF2B5EF4-FFF2-40B4-BE49-F238E27FC236}">
-                <a16:creationId xmlns:a16="http://schemas.microsoft.com/office/drawing/2014/main" id="{7C0389AB-91F0-8573-5C1E-C0DC41B42EA5}"/>
-              </a:ext>
-            </a:extLst>
-          </p:cNvPr>
-          <p:cNvCxnSpPr>
-            <a:cxnSpLocks/>
-          </p:cNvCxnSpPr>
-          <p:nvPr/>
-        </p:nvCxnSpPr>
-        <p:spPr>
-          <a:xfrm flipV="1">
-            <a:off x="5015883" y="4367814"/>
-            <a:ext cx="2657382" cy="1882066"/>
-          </a:xfrm>
-          <a:prstGeom prst="straightConnector1">
-            <a:avLst/>
-          </a:prstGeom>
-          <a:ln>
-            <a:tailEnd type="triangle"/>
-          </a:ln>
-        </p:spPr>
-        <p:style>
-          <a:lnRef idx="2">
-            <a:schemeClr val="accent1"/>
-          </a:lnRef>
-          <a:fillRef idx="0">
-            <a:schemeClr val="accent1"/>
-          </a:fillRef>
-          <a:effectRef idx="1">
-            <a:schemeClr val="accent1"/>
-          </a:effectRef>
-          <a:fontRef idx="minor">
-            <a:schemeClr val="tx1"/>
-          </a:fontRef>
-        </p:style>
-      </p:cxnSp>
-      <p:sp>
-        <p:nvSpPr>
-          <p:cNvPr id="48" name="TextBox 47">
-            <a:extLst>
-              <a:ext uri="{FF2B5EF4-FFF2-40B4-BE49-F238E27FC236}">
-                <a16:creationId xmlns:a16="http://schemas.microsoft.com/office/drawing/2014/main" id="{CE735E3B-5242-E8ED-2166-57C98093BFC1}"/>
-              </a:ext>
-            </a:extLst>
-          </p:cNvPr>
-          <p:cNvSpPr txBox="1"/>
-          <p:nvPr/>
-        </p:nvSpPr>
-        <p:spPr>
-          <a:xfrm>
-            <a:off x="2608551" y="1275723"/>
-            <a:ext cx="3266986" cy="369332"/>
-          </a:xfrm>
-          <a:prstGeom prst="rect">
-            <a:avLst/>
-          </a:prstGeom>
-          <a:noFill/>
-        </p:spPr>
-        <p:txBody>
-          <a:bodyPr wrap="square" rtlCol="0">
-            <a:spAutoFit/>
-          </a:bodyPr>
-          <a:lstStyle/>
-          <a:p>
-            <a:r>
-              <a:rPr lang="en-GB" dirty="0"/>
-              <a:t>T air	   P air	       F air</a:t>
-            </a:r>
-          </a:p>
-        </p:txBody>
-      </p:sp>
-      <p:sp>
-        <p:nvSpPr>
-          <p:cNvPr id="49" name="TextBox 48">
-            <a:extLst>
-              <a:ext uri="{FF2B5EF4-FFF2-40B4-BE49-F238E27FC236}">
-                <a16:creationId xmlns:a16="http://schemas.microsoft.com/office/drawing/2014/main" id="{85E90DB8-E2A0-C3D5-572C-2E67ABF136BC}"/>
-              </a:ext>
-            </a:extLst>
-          </p:cNvPr>
-          <p:cNvSpPr txBox="1"/>
-          <p:nvPr/>
-        </p:nvSpPr>
-        <p:spPr>
-          <a:xfrm>
-            <a:off x="7673265" y="2441359"/>
-            <a:ext cx="884809" cy="369332"/>
-          </a:xfrm>
-          <a:prstGeom prst="rect">
-            <a:avLst/>
-          </a:prstGeom>
-          <a:noFill/>
-        </p:spPr>
-        <p:txBody>
-          <a:bodyPr wrap="square" rtlCol="0">
-            <a:spAutoFit/>
-          </a:bodyPr>
-          <a:lstStyle/>
-          <a:p>
-            <a:r>
-              <a:rPr lang="en-GB" dirty="0"/>
-              <a:t>X prod </a:t>
-            </a:r>
-          </a:p>
-        </p:txBody>
-      </p:sp>
-      <p:sp>
-        <p:nvSpPr>
-          <p:cNvPr id="50" name="TextBox 49">
-            <a:extLst>
-              <a:ext uri="{FF2B5EF4-FFF2-40B4-BE49-F238E27FC236}">
-                <a16:creationId xmlns:a16="http://schemas.microsoft.com/office/drawing/2014/main" id="{FAC42C8A-475B-386D-05AD-FADF899438C3}"/>
-              </a:ext>
-            </a:extLst>
-          </p:cNvPr>
-          <p:cNvSpPr txBox="1"/>
-          <p:nvPr/>
-        </p:nvSpPr>
-        <p:spPr>
-          <a:xfrm>
-            <a:off x="10027326" y="2428439"/>
-            <a:ext cx="884809" cy="369332"/>
-          </a:xfrm>
-          <a:prstGeom prst="rect">
-            <a:avLst/>
-          </a:prstGeom>
-          <a:noFill/>
-        </p:spPr>
-        <p:txBody>
-          <a:bodyPr wrap="square" rtlCol="0">
-            <a:spAutoFit/>
-          </a:bodyPr>
-          <a:lstStyle/>
-          <a:p>
-            <a:r>
-              <a:rPr lang="en-GB" dirty="0"/>
-              <a:t>X feed </a:t>
-            </a:r>
-          </a:p>
-        </p:txBody>
-      </p:sp>
-      <p:cxnSp>
-        <p:nvCxnSpPr>
-          <p:cNvPr id="53" name="Straight Arrow Connector 52">
-            <a:extLst>
-              <a:ext uri="{FF2B5EF4-FFF2-40B4-BE49-F238E27FC236}">
-                <a16:creationId xmlns:a16="http://schemas.microsoft.com/office/drawing/2014/main" id="{AD0327CA-1FCD-EFD0-BEB3-3D54A6F305B6}"/>
-              </a:ext>
-            </a:extLst>
-          </p:cNvPr>
-          <p:cNvCxnSpPr/>
-          <p:nvPr/>
-        </p:nvCxnSpPr>
-        <p:spPr>
-          <a:xfrm>
-            <a:off x="8060924" y="4367814"/>
-            <a:ext cx="0" cy="736846"/>
-          </a:xfrm>
-          <a:prstGeom prst="straightConnector1">
-            <a:avLst/>
-          </a:prstGeom>
-          <a:ln>
-            <a:tailEnd type="triangle"/>
-          </a:ln>
-        </p:spPr>
-        <p:style>
-          <a:lnRef idx="2">
-            <a:schemeClr val="accent1"/>
-          </a:lnRef>
-          <a:fillRef idx="0">
-            <a:schemeClr val="accent1"/>
-          </a:fillRef>
-          <a:effectRef idx="1">
-            <a:schemeClr val="accent1"/>
-          </a:effectRef>
-          <a:fontRef idx="minor">
-            <a:schemeClr val="tx1"/>
-          </a:fontRef>
-        </p:style>
-      </p:cxnSp>
-      <p:cxnSp>
-        <p:nvCxnSpPr>
-          <p:cNvPr id="54" name="Straight Arrow Connector 53">
-            <a:extLst>
-              <a:ext uri="{FF2B5EF4-FFF2-40B4-BE49-F238E27FC236}">
-                <a16:creationId xmlns:a16="http://schemas.microsoft.com/office/drawing/2014/main" id="{EA9CEFEF-4407-2A62-7F00-763723CE6670}"/>
-              </a:ext>
-            </a:extLst>
-          </p:cNvPr>
-          <p:cNvCxnSpPr>
-            <a:cxnSpLocks/>
-          </p:cNvCxnSpPr>
-          <p:nvPr/>
-        </p:nvCxnSpPr>
-        <p:spPr>
-          <a:xfrm flipV="1">
-            <a:off x="5282214" y="4367814"/>
-            <a:ext cx="1022410" cy="649848"/>
-          </a:xfrm>
-          <a:prstGeom prst="straightConnector1">
-            <a:avLst/>
+          <a:xfrm rot="5400000" flipH="1" flipV="1">
+            <a:off x="3680904" y="89146"/>
+            <a:ext cx="12700" cy="2769094"/>
+          </a:xfrm>
+          <a:prstGeom prst="curvedConnector3">
+            <a:avLst>
+              <a:gd name="adj1" fmla="val 1800000"/>
+            </a:avLst>
           </a:prstGeom>
           <a:ln>
             <a:tailEnd type="triangle"/>
@@ -14792,7 +16244,7 @@
     </p:spTree>
     <p:extLst>
       <p:ext uri="{BB962C8B-B14F-4D97-AF65-F5344CB8AC3E}">
-        <p14:creationId xmlns:p14="http://schemas.microsoft.com/office/powerpoint/2010/main" val="3978740458"/>
+        <p14:creationId xmlns:p14="http://schemas.microsoft.com/office/powerpoint/2010/main" val="1694503147"/>
       </p:ext>
     </p:extLst>
   </p:cSld>
@@ -14850,7 +16302,7 @@
             <a:pPr algn="ctr"/>
             <a:r>
               <a:rPr lang="en-GB" sz="3200" dirty="0"/>
-              <a:t>Hex</a:t>
+              <a:t>Furnace </a:t>
             </a:r>
           </a:p>
         </p:txBody>
@@ -14858,7 +16310,7 @@
     </p:spTree>
     <p:extLst>
       <p:ext uri="{BB962C8B-B14F-4D97-AF65-F5344CB8AC3E}">
-        <p14:creationId xmlns:p14="http://schemas.microsoft.com/office/powerpoint/2010/main" val="876943472"/>
+        <p14:creationId xmlns:p14="http://schemas.microsoft.com/office/powerpoint/2010/main" val="953593045"/>
       </p:ext>
     </p:extLst>
   </p:cSld>
@@ -14887,10 +16339,10 @@
       </p:grpSpPr>
       <p:sp>
         <p:nvSpPr>
-          <p:cNvPr id="16" name="TextBox 15">
-            <a:extLst>
-              <a:ext uri="{FF2B5EF4-FFF2-40B4-BE49-F238E27FC236}">
-                <a16:creationId xmlns:a16="http://schemas.microsoft.com/office/drawing/2014/main" id="{01EC3734-0E68-F1D3-6429-CB621E6E3579}"/>
+          <p:cNvPr id="4" name="TextBox 3">
+            <a:extLst>
+              <a:ext uri="{FF2B5EF4-FFF2-40B4-BE49-F238E27FC236}">
+                <a16:creationId xmlns:a16="http://schemas.microsoft.com/office/drawing/2014/main" id="{349397C4-EAE2-7959-DC83-BD29117951DF}"/>
               </a:ext>
             </a:extLst>
           </p:cNvPr>
@@ -14899,8 +16351,8 @@
         </p:nvSpPr>
         <p:spPr>
           <a:xfrm>
-            <a:off x="1100831" y="2015230"/>
-            <a:ext cx="772358" cy="2585323"/>
+            <a:off x="8478175" y="675495"/>
+            <a:ext cx="1731145" cy="369332"/>
           </a:xfrm>
           <a:prstGeom prst="rect">
             <a:avLst/>
@@ -14915,47 +16367,17 @@
           <a:p>
             <a:r>
               <a:rPr lang="en-GB" dirty="0"/>
-              <a:t>T in</a:t>
-            </a:r>
-          </a:p>
-          <a:p>
-            <a:endParaRPr lang="en-GB" dirty="0"/>
-          </a:p>
-          <a:p>
-            <a:endParaRPr lang="en-GB" dirty="0"/>
-          </a:p>
-          <a:p>
-            <a:endParaRPr lang="en-GB" dirty="0"/>
-          </a:p>
-          <a:p>
-            <a:r>
-              <a:rPr lang="en-GB" dirty="0"/>
-              <a:t>P in </a:t>
-            </a:r>
-          </a:p>
-          <a:p>
-            <a:endParaRPr lang="en-GB" dirty="0"/>
-          </a:p>
-          <a:p>
-            <a:endParaRPr lang="en-GB" dirty="0"/>
-          </a:p>
-          <a:p>
-            <a:endParaRPr lang="en-GB" dirty="0"/>
-          </a:p>
-          <a:p>
-            <a:r>
-              <a:rPr lang="en-GB" dirty="0"/>
-              <a:t>F in </a:t>
-            </a:r>
-          </a:p>
-        </p:txBody>
-      </p:sp>
-      <p:sp>
-        <p:nvSpPr>
-          <p:cNvPr id="17" name="TextBox 16">
-            <a:extLst>
-              <a:ext uri="{FF2B5EF4-FFF2-40B4-BE49-F238E27FC236}">
-                <a16:creationId xmlns:a16="http://schemas.microsoft.com/office/drawing/2014/main" id="{0CC0023F-D546-037A-7BB7-667FD9FD70D5}"/>
+              <a:t>SV1 C1</a:t>
+            </a:r>
+          </a:p>
+        </p:txBody>
+      </p:sp>
+      <p:sp>
+        <p:nvSpPr>
+          <p:cNvPr id="5" name="TextBox 4">
+            <a:extLst>
+              <a:ext uri="{FF2B5EF4-FFF2-40B4-BE49-F238E27FC236}">
+                <a16:creationId xmlns:a16="http://schemas.microsoft.com/office/drawing/2014/main" id="{A22FB9AC-B8A5-AF1F-ED5E-25903B18BBBE}"/>
               </a:ext>
             </a:extLst>
           </p:cNvPr>
@@ -14964,8 +16386,8 @@
         </p:nvSpPr>
         <p:spPr>
           <a:xfrm>
-            <a:off x="6304624" y="2015230"/>
-            <a:ext cx="868533" cy="2585323"/>
+            <a:off x="1100830" y="2015230"/>
+            <a:ext cx="1216241" cy="2585323"/>
           </a:xfrm>
           <a:prstGeom prst="rect">
             <a:avLst/>
@@ -14980,7 +16402,7 @@
           <a:p>
             <a:r>
               <a:rPr lang="en-GB" dirty="0"/>
-              <a:t>T out</a:t>
+              <a:t>T fuel</a:t>
             </a:r>
           </a:p>
           <a:p>
@@ -14995,7 +16417,7 @@
           <a:p>
             <a:r>
               <a:rPr lang="en-GB" dirty="0"/>
-              <a:t>P out </a:t>
+              <a:t>P fuel </a:t>
             </a:r>
           </a:p>
           <a:p>
@@ -15010,17 +16432,17 @@
           <a:p>
             <a:r>
               <a:rPr lang="en-GB" dirty="0"/>
-              <a:t>F out </a:t>
-            </a:r>
-          </a:p>
-        </p:txBody>
-      </p:sp>
-      <p:sp>
-        <p:nvSpPr>
-          <p:cNvPr id="28" name="TextBox 27">
-            <a:extLst>
-              <a:ext uri="{FF2B5EF4-FFF2-40B4-BE49-F238E27FC236}">
-                <a16:creationId xmlns:a16="http://schemas.microsoft.com/office/drawing/2014/main" id="{C4A6F438-835D-762B-C1F2-2E37D7CD5086}"/>
+              <a:t>F fuel </a:t>
+            </a:r>
+          </a:p>
+        </p:txBody>
+      </p:sp>
+      <p:sp>
+        <p:nvSpPr>
+          <p:cNvPr id="7" name="TextBox 6">
+            <a:extLst>
+              <a:ext uri="{FF2B5EF4-FFF2-40B4-BE49-F238E27FC236}">
+                <a16:creationId xmlns:a16="http://schemas.microsoft.com/office/drawing/2014/main" id="{0DD8A2C9-8662-C874-5437-C86F584B1213}"/>
               </a:ext>
             </a:extLst>
           </p:cNvPr>
@@ -15029,8 +16451,8 @@
         </p:nvSpPr>
         <p:spPr>
           <a:xfrm>
-            <a:off x="2608551" y="1275723"/>
-            <a:ext cx="3266986" cy="369332"/>
+            <a:off x="6304624" y="2015230"/>
+            <a:ext cx="1216241" cy="2585323"/>
           </a:xfrm>
           <a:prstGeom prst="rect">
             <a:avLst/>
@@ -15045,38 +16467,47 @@
           <a:p>
             <a:r>
               <a:rPr lang="en-GB" dirty="0"/>
-              <a:t>T </a:t>
-            </a:r>
-            <a:r>
-              <a:rPr lang="en-GB" dirty="0" err="1"/>
-              <a:t>uin</a:t>
-            </a:r>
-            <a:r>
-              <a:rPr lang="en-GB" dirty="0"/>
-              <a:t>	   P </a:t>
-            </a:r>
-            <a:r>
-              <a:rPr lang="en-GB" dirty="0" err="1"/>
-              <a:t>uin</a:t>
-            </a:r>
-            <a:r>
-              <a:rPr lang="en-GB" dirty="0"/>
-              <a:t>	       F </a:t>
-            </a:r>
-            <a:r>
-              <a:rPr lang="en-GB" dirty="0" err="1"/>
-              <a:t>uin</a:t>
-            </a:r>
+              <a:t>T gas</a:t>
+            </a:r>
+          </a:p>
+          <a:p>
             <a:endParaRPr lang="en-GB" dirty="0"/>
           </a:p>
-        </p:txBody>
-      </p:sp>
-      <p:sp>
-        <p:nvSpPr>
-          <p:cNvPr id="30" name="TextBox 29">
-            <a:extLst>
-              <a:ext uri="{FF2B5EF4-FFF2-40B4-BE49-F238E27FC236}">
-                <a16:creationId xmlns:a16="http://schemas.microsoft.com/office/drawing/2014/main" id="{DF45C446-EE10-B21E-1662-0B7DE3571BF9}"/>
+          <a:p>
+            <a:endParaRPr lang="en-GB" dirty="0"/>
+          </a:p>
+          <a:p>
+            <a:endParaRPr lang="en-GB" dirty="0"/>
+          </a:p>
+          <a:p>
+            <a:r>
+              <a:rPr lang="en-GB" dirty="0"/>
+              <a:t>P gas </a:t>
+            </a:r>
+          </a:p>
+          <a:p>
+            <a:endParaRPr lang="en-GB" dirty="0"/>
+          </a:p>
+          <a:p>
+            <a:endParaRPr lang="en-GB" dirty="0"/>
+          </a:p>
+          <a:p>
+            <a:endParaRPr lang="en-GB" dirty="0"/>
+          </a:p>
+          <a:p>
+            <a:r>
+              <a:rPr lang="en-GB" dirty="0"/>
+              <a:t>F gas </a:t>
+            </a:r>
+          </a:p>
+        </p:txBody>
+      </p:sp>
+      <p:sp>
+        <p:nvSpPr>
+          <p:cNvPr id="9" name="TextBox 8">
+            <a:extLst>
+              <a:ext uri="{FF2B5EF4-FFF2-40B4-BE49-F238E27FC236}">
+                <a16:creationId xmlns:a16="http://schemas.microsoft.com/office/drawing/2014/main" id="{9FD803DD-E0A9-223F-6629-6034EBC67532}"/>
               </a:ext>
             </a:extLst>
           </p:cNvPr>
@@ -15085,7 +16516,7 @@
         </p:nvSpPr>
         <p:spPr>
           <a:xfrm>
-            <a:off x="2608551" y="4837149"/>
+            <a:off x="2740237" y="5017662"/>
             <a:ext cx="3266986" cy="369332"/>
           </a:xfrm>
           <a:prstGeom prst="rect">
@@ -15105,34 +16536,338 @@
             </a:r>
             <a:r>
               <a:rPr lang="en-GB" dirty="0" err="1"/>
-              <a:t>uout</a:t>
-            </a:r>
-            <a:r>
-              <a:rPr lang="en-GB" dirty="0"/>
-              <a:t>	   P </a:t>
+              <a:t>furn</a:t>
+            </a:r>
+            <a:r>
+              <a:rPr lang="en-GB" dirty="0"/>
+              <a:t>		P </a:t>
             </a:r>
             <a:r>
               <a:rPr lang="en-GB" dirty="0" err="1"/>
-              <a:t>uout</a:t>
-            </a:r>
-            <a:r>
-              <a:rPr lang="en-GB" dirty="0"/>
-              <a:t>	       F </a:t>
-            </a:r>
-            <a:r>
-              <a:rPr lang="en-GB" dirty="0" err="1"/>
-              <a:t>uout</a:t>
+              <a:t>furn</a:t>
             </a:r>
             <a:endParaRPr lang="en-GB" dirty="0"/>
           </a:p>
         </p:txBody>
       </p:sp>
-      <p:sp>
-        <p:nvSpPr>
-          <p:cNvPr id="31" name="TextBox 30">
-            <a:extLst>
-              <a:ext uri="{FF2B5EF4-FFF2-40B4-BE49-F238E27FC236}">
-                <a16:creationId xmlns:a16="http://schemas.microsoft.com/office/drawing/2014/main" id="{BC216585-9EDB-0617-02E8-FDD012A67CE3}"/>
+      <p:cxnSp>
+        <p:nvCxnSpPr>
+          <p:cNvPr id="11" name="Straight Arrow Connector 10">
+            <a:extLst>
+              <a:ext uri="{FF2B5EF4-FFF2-40B4-BE49-F238E27FC236}">
+                <a16:creationId xmlns:a16="http://schemas.microsoft.com/office/drawing/2014/main" id="{36968F70-AC92-41D9-476B-8E4B842F01B8}"/>
+              </a:ext>
+            </a:extLst>
+          </p:cNvPr>
+          <p:cNvCxnSpPr/>
+          <p:nvPr/>
+        </p:nvCxnSpPr>
+        <p:spPr>
+          <a:xfrm>
+            <a:off x="1864311" y="4492101"/>
+            <a:ext cx="964703" cy="525561"/>
+          </a:xfrm>
+          <a:prstGeom prst="straightConnector1">
+            <a:avLst/>
+          </a:prstGeom>
+          <a:ln>
+            <a:tailEnd type="triangle"/>
+          </a:ln>
+        </p:spPr>
+        <p:style>
+          <a:lnRef idx="2">
+            <a:schemeClr val="accent1"/>
+          </a:lnRef>
+          <a:fillRef idx="0">
+            <a:schemeClr val="accent1"/>
+          </a:fillRef>
+          <a:effectRef idx="1">
+            <a:schemeClr val="accent1"/>
+          </a:effectRef>
+          <a:fontRef idx="minor">
+            <a:schemeClr val="tx1"/>
+          </a:fontRef>
+        </p:style>
+      </p:cxnSp>
+      <p:cxnSp>
+        <p:nvCxnSpPr>
+          <p:cNvPr id="13" name="Straight Arrow Connector 12">
+            <a:extLst>
+              <a:ext uri="{FF2B5EF4-FFF2-40B4-BE49-F238E27FC236}">
+                <a16:creationId xmlns:a16="http://schemas.microsoft.com/office/drawing/2014/main" id="{721CE80D-0F3F-7626-22BA-A99430A90341}"/>
+              </a:ext>
+            </a:extLst>
+          </p:cNvPr>
+          <p:cNvCxnSpPr/>
+          <p:nvPr/>
+        </p:nvCxnSpPr>
+        <p:spPr>
+          <a:xfrm>
+            <a:off x="1890944" y="4367814"/>
+            <a:ext cx="2787588" cy="649848"/>
+          </a:xfrm>
+          <a:prstGeom prst="straightConnector1">
+            <a:avLst/>
+          </a:prstGeom>
+          <a:ln>
+            <a:tailEnd type="triangle"/>
+          </a:ln>
+        </p:spPr>
+        <p:style>
+          <a:lnRef idx="2">
+            <a:schemeClr val="accent1"/>
+          </a:lnRef>
+          <a:fillRef idx="0">
+            <a:schemeClr val="accent1"/>
+          </a:fillRef>
+          <a:effectRef idx="1">
+            <a:schemeClr val="accent1"/>
+          </a:effectRef>
+          <a:fontRef idx="minor">
+            <a:schemeClr val="tx1"/>
+          </a:fontRef>
+        </p:style>
+      </p:cxnSp>
+      <p:cxnSp>
+        <p:nvCxnSpPr>
+          <p:cNvPr id="15" name="Straight Arrow Connector 14">
+            <a:extLst>
+              <a:ext uri="{FF2B5EF4-FFF2-40B4-BE49-F238E27FC236}">
+                <a16:creationId xmlns:a16="http://schemas.microsoft.com/office/drawing/2014/main" id="{42813115-D5C0-A8FF-16B6-586477F24BDD}"/>
+              </a:ext>
+            </a:extLst>
+          </p:cNvPr>
+          <p:cNvCxnSpPr/>
+          <p:nvPr/>
+        </p:nvCxnSpPr>
+        <p:spPr>
+          <a:xfrm flipH="1">
+            <a:off x="3275860" y="1656893"/>
+            <a:ext cx="1704513" cy="3360769"/>
+          </a:xfrm>
+          <a:prstGeom prst="straightConnector1">
+            <a:avLst/>
+          </a:prstGeom>
+          <a:ln>
+            <a:tailEnd type="triangle"/>
+          </a:ln>
+        </p:spPr>
+        <p:style>
+          <a:lnRef idx="2">
+            <a:schemeClr val="accent1"/>
+          </a:lnRef>
+          <a:fillRef idx="0">
+            <a:schemeClr val="accent1"/>
+          </a:fillRef>
+          <a:effectRef idx="1">
+            <a:schemeClr val="accent1"/>
+          </a:effectRef>
+          <a:fontRef idx="minor">
+            <a:schemeClr val="tx1"/>
+          </a:fontRef>
+        </p:style>
+      </p:cxnSp>
+      <p:cxnSp>
+        <p:nvCxnSpPr>
+          <p:cNvPr id="17" name="Straight Arrow Connector 16">
+            <a:extLst>
+              <a:ext uri="{FF2B5EF4-FFF2-40B4-BE49-F238E27FC236}">
+                <a16:creationId xmlns:a16="http://schemas.microsoft.com/office/drawing/2014/main" id="{533A7A9C-984F-094F-91DC-D618D1F3A5BD}"/>
+              </a:ext>
+            </a:extLst>
+          </p:cNvPr>
+          <p:cNvCxnSpPr/>
+          <p:nvPr/>
+        </p:nvCxnSpPr>
+        <p:spPr>
+          <a:xfrm>
+            <a:off x="5015883" y="1656893"/>
+            <a:ext cx="0" cy="3360769"/>
+          </a:xfrm>
+          <a:prstGeom prst="straightConnector1">
+            <a:avLst/>
+          </a:prstGeom>
+          <a:ln>
+            <a:tailEnd type="triangle"/>
+          </a:ln>
+        </p:spPr>
+        <p:style>
+          <a:lnRef idx="2">
+            <a:schemeClr val="accent1"/>
+          </a:lnRef>
+          <a:fillRef idx="0">
+            <a:schemeClr val="accent1"/>
+          </a:fillRef>
+          <a:effectRef idx="1">
+            <a:schemeClr val="accent1"/>
+          </a:effectRef>
+          <a:fontRef idx="minor">
+            <a:schemeClr val="tx1"/>
+          </a:fontRef>
+        </p:style>
+      </p:cxnSp>
+      <p:cxnSp>
+        <p:nvCxnSpPr>
+          <p:cNvPr id="19" name="Straight Arrow Connector 18">
+            <a:extLst>
+              <a:ext uri="{FF2B5EF4-FFF2-40B4-BE49-F238E27FC236}">
+                <a16:creationId xmlns:a16="http://schemas.microsoft.com/office/drawing/2014/main" id="{BB3D9F49-F966-732C-649F-16BEB7AADB09}"/>
+              </a:ext>
+            </a:extLst>
+          </p:cNvPr>
+          <p:cNvCxnSpPr/>
+          <p:nvPr/>
+        </p:nvCxnSpPr>
+        <p:spPr>
+          <a:xfrm flipV="1">
+            <a:off x="3409025" y="2334827"/>
+            <a:ext cx="2831977" cy="2682835"/>
+          </a:xfrm>
+          <a:prstGeom prst="straightConnector1">
+            <a:avLst/>
+          </a:prstGeom>
+          <a:ln>
+            <a:tailEnd type="triangle"/>
+          </a:ln>
+        </p:spPr>
+        <p:style>
+          <a:lnRef idx="2">
+            <a:schemeClr val="accent1"/>
+          </a:lnRef>
+          <a:fillRef idx="0">
+            <a:schemeClr val="accent1"/>
+          </a:fillRef>
+          <a:effectRef idx="1">
+            <a:schemeClr val="accent1"/>
+          </a:effectRef>
+          <a:fontRef idx="minor">
+            <a:schemeClr val="tx1"/>
+          </a:fontRef>
+        </p:style>
+      </p:cxnSp>
+      <p:cxnSp>
+        <p:nvCxnSpPr>
+          <p:cNvPr id="21" name="Straight Arrow Connector 20">
+            <a:extLst>
+              <a:ext uri="{FF2B5EF4-FFF2-40B4-BE49-F238E27FC236}">
+                <a16:creationId xmlns:a16="http://schemas.microsoft.com/office/drawing/2014/main" id="{3F56C11A-FBBA-FD9D-E130-033F2FAC3B20}"/>
+              </a:ext>
+            </a:extLst>
+          </p:cNvPr>
+          <p:cNvCxnSpPr/>
+          <p:nvPr/>
+        </p:nvCxnSpPr>
+        <p:spPr>
+          <a:xfrm flipV="1">
+            <a:off x="5193437" y="3497802"/>
+            <a:ext cx="1111187" cy="1519860"/>
+          </a:xfrm>
+          <a:prstGeom prst="straightConnector1">
+            <a:avLst/>
+          </a:prstGeom>
+          <a:ln>
+            <a:tailEnd type="triangle"/>
+          </a:ln>
+        </p:spPr>
+        <p:style>
+          <a:lnRef idx="2">
+            <a:schemeClr val="accent1"/>
+          </a:lnRef>
+          <a:fillRef idx="0">
+            <a:schemeClr val="accent1"/>
+          </a:fillRef>
+          <a:effectRef idx="1">
+            <a:schemeClr val="accent1"/>
+          </a:effectRef>
+          <a:fontRef idx="minor">
+            <a:schemeClr val="tx1"/>
+          </a:fontRef>
+        </p:style>
+      </p:cxnSp>
+      <p:cxnSp>
+        <p:nvCxnSpPr>
+          <p:cNvPr id="23" name="Straight Arrow Connector 22">
+            <a:extLst>
+              <a:ext uri="{FF2B5EF4-FFF2-40B4-BE49-F238E27FC236}">
+                <a16:creationId xmlns:a16="http://schemas.microsoft.com/office/drawing/2014/main" id="{8CFC6723-1C7A-7867-86A8-2DCC8F2C1355}"/>
+              </a:ext>
+            </a:extLst>
+          </p:cNvPr>
+          <p:cNvCxnSpPr/>
+          <p:nvPr/>
+        </p:nvCxnSpPr>
+        <p:spPr>
+          <a:xfrm>
+            <a:off x="4048217" y="1656893"/>
+            <a:ext cx="776796" cy="3360769"/>
+          </a:xfrm>
+          <a:prstGeom prst="straightConnector1">
+            <a:avLst/>
+          </a:prstGeom>
+          <a:ln>
+            <a:tailEnd type="triangle"/>
+          </a:ln>
+        </p:spPr>
+        <p:style>
+          <a:lnRef idx="2">
+            <a:schemeClr val="accent1"/>
+          </a:lnRef>
+          <a:fillRef idx="0">
+            <a:schemeClr val="accent1"/>
+          </a:fillRef>
+          <a:effectRef idx="1">
+            <a:schemeClr val="accent1"/>
+          </a:effectRef>
+          <a:fontRef idx="minor">
+            <a:schemeClr val="tx1"/>
+          </a:fontRef>
+        </p:style>
+      </p:cxnSp>
+      <p:cxnSp>
+        <p:nvCxnSpPr>
+          <p:cNvPr id="25" name="Straight Arrow Connector 24">
+            <a:extLst>
+              <a:ext uri="{FF2B5EF4-FFF2-40B4-BE49-F238E27FC236}">
+                <a16:creationId xmlns:a16="http://schemas.microsoft.com/office/drawing/2014/main" id="{19AC24E2-0D04-2523-EDA2-B139A25905BF}"/>
+              </a:ext>
+            </a:extLst>
+          </p:cNvPr>
+          <p:cNvCxnSpPr/>
+          <p:nvPr/>
+        </p:nvCxnSpPr>
+        <p:spPr>
+          <a:xfrm>
+            <a:off x="3080552" y="1656893"/>
+            <a:ext cx="26633" cy="3360769"/>
+          </a:xfrm>
+          <a:prstGeom prst="straightConnector1">
+            <a:avLst/>
+          </a:prstGeom>
+          <a:ln>
+            <a:tailEnd type="triangle"/>
+          </a:ln>
+        </p:spPr>
+        <p:style>
+          <a:lnRef idx="2">
+            <a:schemeClr val="accent1"/>
+          </a:lnRef>
+          <a:fillRef idx="0">
+            <a:schemeClr val="accent1"/>
+          </a:fillRef>
+          <a:effectRef idx="1">
+            <a:schemeClr val="accent1"/>
+          </a:effectRef>
+          <a:fontRef idx="minor">
+            <a:schemeClr val="tx1"/>
+          </a:fontRef>
+        </p:style>
+      </p:cxnSp>
+      <p:sp>
+        <p:nvSpPr>
+          <p:cNvPr id="28" name="TextBox 27">
+            <a:extLst>
+              <a:ext uri="{FF2B5EF4-FFF2-40B4-BE49-F238E27FC236}">
+                <a16:creationId xmlns:a16="http://schemas.microsoft.com/office/drawing/2014/main" id="{BC5A4827-4C5D-DF58-27BD-454290382A0B}"/>
               </a:ext>
             </a:extLst>
           </p:cNvPr>
@@ -15141,8 +16876,8 @@
         </p:nvSpPr>
         <p:spPr>
           <a:xfrm>
-            <a:off x="8478175" y="675495"/>
-            <a:ext cx="1731145" cy="369332"/>
+            <a:off x="7673265" y="3978675"/>
+            <a:ext cx="1216241" cy="2585323"/>
           </a:xfrm>
           <a:prstGeom prst="rect">
             <a:avLst/>
@@ -15157,17 +16892,112 @@
           <a:p>
             <a:r>
               <a:rPr lang="en-GB" dirty="0"/>
-              <a:t>SV1</a:t>
+              <a:t>T prod</a:t>
+            </a:r>
+          </a:p>
+          <a:p>
+            <a:endParaRPr lang="en-GB" dirty="0"/>
+          </a:p>
+          <a:p>
+            <a:endParaRPr lang="en-GB" dirty="0"/>
+          </a:p>
+          <a:p>
+            <a:endParaRPr lang="en-GB" dirty="0"/>
+          </a:p>
+          <a:p>
+            <a:r>
+              <a:rPr lang="en-GB" dirty="0"/>
+              <a:t>P prod </a:t>
+            </a:r>
+          </a:p>
+          <a:p>
+            <a:endParaRPr lang="en-GB" dirty="0"/>
+          </a:p>
+          <a:p>
+            <a:endParaRPr lang="en-GB" dirty="0"/>
+          </a:p>
+          <a:p>
+            <a:endParaRPr lang="en-GB" dirty="0"/>
+          </a:p>
+          <a:p>
+            <a:r>
+              <a:rPr lang="en-GB" dirty="0"/>
+              <a:t>F prod </a:t>
+            </a:r>
+          </a:p>
+        </p:txBody>
+      </p:sp>
+      <p:sp>
+        <p:nvSpPr>
+          <p:cNvPr id="29" name="TextBox 28">
+            <a:extLst>
+              <a:ext uri="{FF2B5EF4-FFF2-40B4-BE49-F238E27FC236}">
+                <a16:creationId xmlns:a16="http://schemas.microsoft.com/office/drawing/2014/main" id="{D83DCD06-1163-D85E-0F91-002F88F6A4A9}"/>
+              </a:ext>
+            </a:extLst>
+          </p:cNvPr>
+          <p:cNvSpPr txBox="1"/>
+          <p:nvPr/>
+        </p:nvSpPr>
+        <p:spPr>
+          <a:xfrm>
+            <a:off x="10067276" y="3978675"/>
+            <a:ext cx="1216241" cy="2585323"/>
+          </a:xfrm>
+          <a:prstGeom prst="rect">
+            <a:avLst/>
+          </a:prstGeom>
+          <a:noFill/>
+        </p:spPr>
+        <p:txBody>
+          <a:bodyPr wrap="square" rtlCol="0">
+            <a:spAutoFit/>
+          </a:bodyPr>
+          <a:lstStyle/>
+          <a:p>
+            <a:r>
+              <a:rPr lang="en-GB" dirty="0"/>
+              <a:t>T feed</a:t>
+            </a:r>
+          </a:p>
+          <a:p>
+            <a:endParaRPr lang="en-GB" dirty="0"/>
+          </a:p>
+          <a:p>
+            <a:endParaRPr lang="en-GB" dirty="0"/>
+          </a:p>
+          <a:p>
+            <a:endParaRPr lang="en-GB" dirty="0"/>
+          </a:p>
+          <a:p>
+            <a:r>
+              <a:rPr lang="en-GB" dirty="0"/>
+              <a:t>P feed </a:t>
+            </a:r>
+          </a:p>
+          <a:p>
+            <a:endParaRPr lang="en-GB" dirty="0"/>
+          </a:p>
+          <a:p>
+            <a:endParaRPr lang="en-GB" dirty="0"/>
+          </a:p>
+          <a:p>
+            <a:endParaRPr lang="en-GB" dirty="0"/>
+          </a:p>
+          <a:p>
+            <a:r>
+              <a:rPr lang="en-GB" dirty="0"/>
+              <a:t>F feed </a:t>
             </a:r>
           </a:p>
         </p:txBody>
       </p:sp>
       <p:cxnSp>
         <p:nvCxnSpPr>
-          <p:cNvPr id="33" name="Straight Arrow Connector 32">
-            <a:extLst>
-              <a:ext uri="{FF2B5EF4-FFF2-40B4-BE49-F238E27FC236}">
-                <a16:creationId xmlns:a16="http://schemas.microsoft.com/office/drawing/2014/main" id="{12B96AFA-2AE5-4904-DA74-C7A235CDBE7C}"/>
+          <p:cNvPr id="32" name="Straight Arrow Connector 31">
+            <a:extLst>
+              <a:ext uri="{FF2B5EF4-FFF2-40B4-BE49-F238E27FC236}">
+                <a16:creationId xmlns:a16="http://schemas.microsoft.com/office/drawing/2014/main" id="{D8008876-258B-60CE-BAE5-F4802D965BC5}"/>
               </a:ext>
             </a:extLst>
           </p:cNvPr>
@@ -15175,9 +17005,9 @@
           <p:nvPr/>
         </p:nvCxnSpPr>
         <p:spPr>
-          <a:xfrm>
-            <a:off x="2982897" y="1645055"/>
-            <a:ext cx="0" cy="3060110"/>
+          <a:xfrm flipH="1">
+            <a:off x="8558074" y="4181383"/>
+            <a:ext cx="1509202" cy="0"/>
           </a:xfrm>
           <a:prstGeom prst="straightConnector1">
             <a:avLst/>
@@ -15206,7 +17036,7 @@
           <p:cNvPr id="34" name="Straight Arrow Connector 33">
             <a:extLst>
               <a:ext uri="{FF2B5EF4-FFF2-40B4-BE49-F238E27FC236}">
-                <a16:creationId xmlns:a16="http://schemas.microsoft.com/office/drawing/2014/main" id="{F344EA75-3C6B-A2F7-3063-C0A2308D1C99}"/>
+                <a16:creationId xmlns:a16="http://schemas.microsoft.com/office/drawing/2014/main" id="{0495B3FB-4B9E-A6B4-375E-4628E384F7B0}"/>
               </a:ext>
             </a:extLst>
           </p:cNvPr>
@@ -15214,9 +17044,9 @@
           <p:nvPr/>
         </p:nvCxnSpPr>
         <p:spPr>
-          <a:xfrm>
-            <a:off x="4094086" y="1645055"/>
-            <a:ext cx="0" cy="3060110"/>
+          <a:xfrm flipH="1">
+            <a:off x="8558074" y="6320901"/>
+            <a:ext cx="1420427" cy="0"/>
           </a:xfrm>
           <a:prstGeom prst="straightConnector1">
             <a:avLst/>
@@ -15242,10 +17072,10 @@
       </p:cxnSp>
       <p:cxnSp>
         <p:nvCxnSpPr>
-          <p:cNvPr id="35" name="Straight Arrow Connector 34">
-            <a:extLst>
-              <a:ext uri="{FF2B5EF4-FFF2-40B4-BE49-F238E27FC236}">
-                <a16:creationId xmlns:a16="http://schemas.microsoft.com/office/drawing/2014/main" id="{E2467746-3BD7-8C6B-96C8-F5075F67AA48}"/>
+          <p:cNvPr id="36" name="Straight Arrow Connector 35">
+            <a:extLst>
+              <a:ext uri="{FF2B5EF4-FFF2-40B4-BE49-F238E27FC236}">
+                <a16:creationId xmlns:a16="http://schemas.microsoft.com/office/drawing/2014/main" id="{04A16DB4-39B5-21E5-38AF-161823BD6AA0}"/>
               </a:ext>
             </a:extLst>
           </p:cNvPr>
@@ -15253,48 +17083,9 @@
           <p:nvPr/>
         </p:nvCxnSpPr>
         <p:spPr>
-          <a:xfrm>
-            <a:off x="5160886" y="1645055"/>
-            <a:ext cx="0" cy="3060110"/>
-          </a:xfrm>
-          <a:prstGeom prst="straightConnector1">
-            <a:avLst/>
-          </a:prstGeom>
-          <a:ln>
-            <a:tailEnd type="triangle"/>
-          </a:ln>
-        </p:spPr>
-        <p:style>
-          <a:lnRef idx="2">
-            <a:schemeClr val="accent1"/>
-          </a:lnRef>
-          <a:fillRef idx="0">
-            <a:schemeClr val="accent1"/>
-          </a:fillRef>
-          <a:effectRef idx="1">
-            <a:schemeClr val="accent1"/>
-          </a:effectRef>
-          <a:fontRef idx="minor">
-            <a:schemeClr val="tx1"/>
-          </a:fontRef>
-        </p:style>
-      </p:cxnSp>
-      <p:cxnSp>
-        <p:nvCxnSpPr>
-          <p:cNvPr id="37" name="Straight Arrow Connector 36">
-            <a:extLst>
-              <a:ext uri="{FF2B5EF4-FFF2-40B4-BE49-F238E27FC236}">
-                <a16:creationId xmlns:a16="http://schemas.microsoft.com/office/drawing/2014/main" id="{0ED43509-FDF0-B1D9-74DD-7AF0E19DC2FD}"/>
-              </a:ext>
-            </a:extLst>
-          </p:cNvPr>
-          <p:cNvCxnSpPr/>
-          <p:nvPr/>
-        </p:nvCxnSpPr>
-        <p:spPr>
-          <a:xfrm>
-            <a:off x="1873189" y="2175029"/>
-            <a:ext cx="4431435" cy="0"/>
+          <a:xfrm flipH="1" flipV="1">
+            <a:off x="8478175" y="4367814"/>
+            <a:ext cx="1589101" cy="1784411"/>
           </a:xfrm>
           <a:prstGeom prst="straightConnector1">
             <a:avLst/>
@@ -15323,17 +17114,20 @@
           <p:cNvPr id="38" name="Straight Arrow Connector 37">
             <a:extLst>
               <a:ext uri="{FF2B5EF4-FFF2-40B4-BE49-F238E27FC236}">
-                <a16:creationId xmlns:a16="http://schemas.microsoft.com/office/drawing/2014/main" id="{583BFD43-9164-F860-D542-C1303CDC349F}"/>
-              </a:ext>
-            </a:extLst>
-          </p:cNvPr>
-          <p:cNvCxnSpPr/>
+                <a16:creationId xmlns:a16="http://schemas.microsoft.com/office/drawing/2014/main" id="{B2F757B6-5FF1-C8C8-C3C8-EC7154F21E9D}"/>
+              </a:ext>
+            </a:extLst>
+          </p:cNvPr>
+          <p:cNvCxnSpPr>
+            <a:cxnSpLocks/>
+            <a:stCxn id="29" idx="1"/>
+          </p:cNvCxnSpPr>
           <p:nvPr/>
         </p:nvCxnSpPr>
         <p:spPr>
-          <a:xfrm>
-            <a:off x="1873189" y="3303972"/>
-            <a:ext cx="4431435" cy="0"/>
+          <a:xfrm flipH="1" flipV="1">
+            <a:off x="8478175" y="5255581"/>
+            <a:ext cx="1589101" cy="15756"/>
           </a:xfrm>
           <a:prstGeom prst="straightConnector1">
             <a:avLst/>
@@ -15359,27 +17153,26 @@
       </p:cxnSp>
       <p:cxnSp>
         <p:nvCxnSpPr>
-          <p:cNvPr id="39" name="Straight Arrow Connector 38">
-            <a:extLst>
-              <a:ext uri="{FF2B5EF4-FFF2-40B4-BE49-F238E27FC236}">
-                <a16:creationId xmlns:a16="http://schemas.microsoft.com/office/drawing/2014/main" id="{B7FEC19E-E9E3-1F6C-5079-84EFD611040D}"/>
-              </a:ext>
-            </a:extLst>
-          </p:cNvPr>
-          <p:cNvCxnSpPr/>
+          <p:cNvPr id="41" name="Straight Connector 40">
+            <a:extLst>
+              <a:ext uri="{FF2B5EF4-FFF2-40B4-BE49-F238E27FC236}">
+                <a16:creationId xmlns:a16="http://schemas.microsoft.com/office/drawing/2014/main" id="{094359DE-5709-F35C-D35A-A0272BD80298}"/>
+              </a:ext>
+            </a:extLst>
+          </p:cNvPr>
+          <p:cNvCxnSpPr>
+            <a:cxnSpLocks/>
+          </p:cNvCxnSpPr>
           <p:nvPr/>
         </p:nvCxnSpPr>
         <p:spPr>
           <a:xfrm>
-            <a:off x="1873189" y="4397405"/>
-            <a:ext cx="4431435" cy="0"/>
-          </a:xfrm>
-          <a:prstGeom prst="straightConnector1">
-            <a:avLst/>
-          </a:prstGeom>
-          <a:ln>
-            <a:tailEnd type="triangle"/>
-          </a:ln>
+            <a:off x="3468206" y="5386994"/>
+            <a:ext cx="1547677" cy="862886"/>
+          </a:xfrm>
+          <a:prstGeom prst="line">
+            <a:avLst/>
+          </a:prstGeom>
         </p:spPr>
         <p:style>
           <a:lnRef idx="2">
@@ -15398,10 +17191,156 @@
       </p:cxnSp>
       <p:cxnSp>
         <p:nvCxnSpPr>
-          <p:cNvPr id="41" name="Straight Arrow Connector 40">
-            <a:extLst>
-              <a:ext uri="{FF2B5EF4-FFF2-40B4-BE49-F238E27FC236}">
-                <a16:creationId xmlns:a16="http://schemas.microsoft.com/office/drawing/2014/main" id="{477B52F5-040A-7169-C38D-141C085457A1}"/>
+          <p:cNvPr id="45" name="Straight Arrow Connector 44">
+            <a:extLst>
+              <a:ext uri="{FF2B5EF4-FFF2-40B4-BE49-F238E27FC236}">
+                <a16:creationId xmlns:a16="http://schemas.microsoft.com/office/drawing/2014/main" id="{7C0389AB-91F0-8573-5C1E-C0DC41B42EA5}"/>
+              </a:ext>
+            </a:extLst>
+          </p:cNvPr>
+          <p:cNvCxnSpPr>
+            <a:cxnSpLocks/>
+          </p:cNvCxnSpPr>
+          <p:nvPr/>
+        </p:nvCxnSpPr>
+        <p:spPr>
+          <a:xfrm flipV="1">
+            <a:off x="5015883" y="4367814"/>
+            <a:ext cx="2657382" cy="1882066"/>
+          </a:xfrm>
+          <a:prstGeom prst="straightConnector1">
+            <a:avLst/>
+          </a:prstGeom>
+          <a:ln>
+            <a:tailEnd type="triangle"/>
+          </a:ln>
+        </p:spPr>
+        <p:style>
+          <a:lnRef idx="2">
+            <a:schemeClr val="accent1"/>
+          </a:lnRef>
+          <a:fillRef idx="0">
+            <a:schemeClr val="accent1"/>
+          </a:fillRef>
+          <a:effectRef idx="1">
+            <a:schemeClr val="accent1"/>
+          </a:effectRef>
+          <a:fontRef idx="minor">
+            <a:schemeClr val="tx1"/>
+          </a:fontRef>
+        </p:style>
+      </p:cxnSp>
+      <p:sp>
+        <p:nvSpPr>
+          <p:cNvPr id="48" name="TextBox 47">
+            <a:extLst>
+              <a:ext uri="{FF2B5EF4-FFF2-40B4-BE49-F238E27FC236}">
+                <a16:creationId xmlns:a16="http://schemas.microsoft.com/office/drawing/2014/main" id="{CE735E3B-5242-E8ED-2166-57C98093BFC1}"/>
+              </a:ext>
+            </a:extLst>
+          </p:cNvPr>
+          <p:cNvSpPr txBox="1"/>
+          <p:nvPr/>
+        </p:nvSpPr>
+        <p:spPr>
+          <a:xfrm>
+            <a:off x="2608551" y="1275723"/>
+            <a:ext cx="3266986" cy="369332"/>
+          </a:xfrm>
+          <a:prstGeom prst="rect">
+            <a:avLst/>
+          </a:prstGeom>
+          <a:noFill/>
+        </p:spPr>
+        <p:txBody>
+          <a:bodyPr wrap="square" rtlCol="0">
+            <a:spAutoFit/>
+          </a:bodyPr>
+          <a:lstStyle/>
+          <a:p>
+            <a:r>
+              <a:rPr lang="en-GB" dirty="0"/>
+              <a:t>T air	   P air	       F air</a:t>
+            </a:r>
+          </a:p>
+        </p:txBody>
+      </p:sp>
+      <p:sp>
+        <p:nvSpPr>
+          <p:cNvPr id="49" name="TextBox 48">
+            <a:extLst>
+              <a:ext uri="{FF2B5EF4-FFF2-40B4-BE49-F238E27FC236}">
+                <a16:creationId xmlns:a16="http://schemas.microsoft.com/office/drawing/2014/main" id="{85E90DB8-E2A0-C3D5-572C-2E67ABF136BC}"/>
+              </a:ext>
+            </a:extLst>
+          </p:cNvPr>
+          <p:cNvSpPr txBox="1"/>
+          <p:nvPr/>
+        </p:nvSpPr>
+        <p:spPr>
+          <a:xfrm>
+            <a:off x="7673265" y="2441359"/>
+            <a:ext cx="884809" cy="369332"/>
+          </a:xfrm>
+          <a:prstGeom prst="rect">
+            <a:avLst/>
+          </a:prstGeom>
+          <a:noFill/>
+        </p:spPr>
+        <p:txBody>
+          <a:bodyPr wrap="square" rtlCol="0">
+            <a:spAutoFit/>
+          </a:bodyPr>
+          <a:lstStyle/>
+          <a:p>
+            <a:r>
+              <a:rPr lang="en-GB" dirty="0"/>
+              <a:t>X prod </a:t>
+            </a:r>
+          </a:p>
+        </p:txBody>
+      </p:sp>
+      <p:sp>
+        <p:nvSpPr>
+          <p:cNvPr id="50" name="TextBox 49">
+            <a:extLst>
+              <a:ext uri="{FF2B5EF4-FFF2-40B4-BE49-F238E27FC236}">
+                <a16:creationId xmlns:a16="http://schemas.microsoft.com/office/drawing/2014/main" id="{FAC42C8A-475B-386D-05AD-FADF899438C3}"/>
+              </a:ext>
+            </a:extLst>
+          </p:cNvPr>
+          <p:cNvSpPr txBox="1"/>
+          <p:nvPr/>
+        </p:nvSpPr>
+        <p:spPr>
+          <a:xfrm>
+            <a:off x="10027326" y="2428439"/>
+            <a:ext cx="884809" cy="369332"/>
+          </a:xfrm>
+          <a:prstGeom prst="rect">
+            <a:avLst/>
+          </a:prstGeom>
+          <a:noFill/>
+        </p:spPr>
+        <p:txBody>
+          <a:bodyPr wrap="square" rtlCol="0">
+            <a:spAutoFit/>
+          </a:bodyPr>
+          <a:lstStyle/>
+          <a:p>
+            <a:r>
+              <a:rPr lang="en-GB" dirty="0"/>
+              <a:t>X feed </a:t>
+            </a:r>
+          </a:p>
+        </p:txBody>
+      </p:sp>
+      <p:cxnSp>
+        <p:nvCxnSpPr>
+          <p:cNvPr id="53" name="Straight Arrow Connector 52">
+            <a:extLst>
+              <a:ext uri="{FF2B5EF4-FFF2-40B4-BE49-F238E27FC236}">
+                <a16:creationId xmlns:a16="http://schemas.microsoft.com/office/drawing/2014/main" id="{AD0327CA-1FCD-EFD0-BEB3-3D54A6F305B6}"/>
               </a:ext>
             </a:extLst>
           </p:cNvPr>
@@ -15410,8 +17349,8 @@
         </p:nvCxnSpPr>
         <p:spPr>
           <a:xfrm>
-            <a:off x="1740023" y="2343705"/>
-            <a:ext cx="1145220" cy="2423604"/>
+            <a:off x="8060924" y="4367814"/>
+            <a:ext cx="0" cy="736846"/>
           </a:xfrm>
           <a:prstGeom prst="straightConnector1">
             <a:avLst/>
@@ -15437,20 +17376,22 @@
       </p:cxnSp>
       <p:cxnSp>
         <p:nvCxnSpPr>
-          <p:cNvPr id="47" name="Straight Arrow Connector 46">
-            <a:extLst>
-              <a:ext uri="{FF2B5EF4-FFF2-40B4-BE49-F238E27FC236}">
-                <a16:creationId xmlns:a16="http://schemas.microsoft.com/office/drawing/2014/main" id="{A90A89CB-3ED4-218C-D4FD-01778238A75F}"/>
-              </a:ext>
-            </a:extLst>
-          </p:cNvPr>
-          <p:cNvCxnSpPr/>
+          <p:cNvPr id="54" name="Straight Arrow Connector 53">
+            <a:extLst>
+              <a:ext uri="{FF2B5EF4-FFF2-40B4-BE49-F238E27FC236}">
+                <a16:creationId xmlns:a16="http://schemas.microsoft.com/office/drawing/2014/main" id="{EA9CEFEF-4407-2A62-7F00-763723CE6670}"/>
+              </a:ext>
+            </a:extLst>
+          </p:cNvPr>
+          <p:cNvCxnSpPr>
+            <a:cxnSpLocks/>
+          </p:cNvCxnSpPr>
           <p:nvPr/>
         </p:nvCxnSpPr>
         <p:spPr>
-          <a:xfrm>
-            <a:off x="1740023" y="4474346"/>
-            <a:ext cx="868528" cy="362803"/>
+          <a:xfrm flipV="1">
+            <a:off x="5282214" y="4367814"/>
+            <a:ext cx="1022410" cy="649848"/>
           </a:xfrm>
           <a:prstGeom prst="straightConnector1">
             <a:avLst/>
@@ -15474,478 +17415,10 @@
           </a:fontRef>
         </p:style>
       </p:cxnSp>
-      <p:cxnSp>
-        <p:nvCxnSpPr>
-          <p:cNvPr id="49" name="Straight Arrow Connector 48">
-            <a:extLst>
-              <a:ext uri="{FF2B5EF4-FFF2-40B4-BE49-F238E27FC236}">
-                <a16:creationId xmlns:a16="http://schemas.microsoft.com/office/drawing/2014/main" id="{30CA707A-6079-BB54-F86F-CE4CF4A39C08}"/>
-              </a:ext>
-            </a:extLst>
-          </p:cNvPr>
-          <p:cNvCxnSpPr/>
-          <p:nvPr/>
-        </p:nvCxnSpPr>
-        <p:spPr>
-          <a:xfrm flipH="1">
-            <a:off x="3178206" y="1651519"/>
-            <a:ext cx="1828803" cy="3115790"/>
-          </a:xfrm>
-          <a:prstGeom prst="straightConnector1">
-            <a:avLst/>
-          </a:prstGeom>
-          <a:ln>
-            <a:tailEnd type="triangle"/>
-          </a:ln>
-        </p:spPr>
-        <p:style>
-          <a:lnRef idx="2">
-            <a:schemeClr val="accent1"/>
-          </a:lnRef>
-          <a:fillRef idx="0">
-            <a:schemeClr val="accent1"/>
-          </a:fillRef>
-          <a:effectRef idx="1">
-            <a:schemeClr val="accent1"/>
-          </a:effectRef>
-          <a:fontRef idx="minor">
-            <a:schemeClr val="tx1"/>
-          </a:fontRef>
-        </p:style>
-      </p:cxnSp>
-      <p:cxnSp>
-        <p:nvCxnSpPr>
-          <p:cNvPr id="51" name="Straight Arrow Connector 50">
-            <a:extLst>
-              <a:ext uri="{FF2B5EF4-FFF2-40B4-BE49-F238E27FC236}">
-                <a16:creationId xmlns:a16="http://schemas.microsoft.com/office/drawing/2014/main" id="{435CA067-DBAE-592E-5CF9-FFC4F1CD7623}"/>
-              </a:ext>
-            </a:extLst>
-          </p:cNvPr>
-          <p:cNvCxnSpPr/>
-          <p:nvPr/>
-        </p:nvCxnSpPr>
-        <p:spPr>
-          <a:xfrm>
-            <a:off x="5495278" y="1645055"/>
-            <a:ext cx="809346" cy="370175"/>
-          </a:xfrm>
-          <a:prstGeom prst="straightConnector1">
-            <a:avLst/>
-          </a:prstGeom>
-          <a:ln>
-            <a:tailEnd type="triangle"/>
-          </a:ln>
-        </p:spPr>
-        <p:style>
-          <a:lnRef idx="2">
-            <a:schemeClr val="accent1"/>
-          </a:lnRef>
-          <a:fillRef idx="0">
-            <a:schemeClr val="accent1"/>
-          </a:fillRef>
-          <a:effectRef idx="1">
-            <a:schemeClr val="accent1"/>
-          </a:effectRef>
-          <a:fontRef idx="minor">
-            <a:schemeClr val="tx1"/>
-          </a:fontRef>
-        </p:style>
-      </p:cxnSp>
-      <p:cxnSp>
-        <p:nvCxnSpPr>
-          <p:cNvPr id="53" name="Straight Arrow Connector 52">
-            <a:extLst>
-              <a:ext uri="{FF2B5EF4-FFF2-40B4-BE49-F238E27FC236}">
-                <a16:creationId xmlns:a16="http://schemas.microsoft.com/office/drawing/2014/main" id="{A5516800-68D0-D668-FA0C-FE7CCF44FC1E}"/>
-              </a:ext>
-            </a:extLst>
-          </p:cNvPr>
-          <p:cNvCxnSpPr>
-            <a:cxnSpLocks/>
-          </p:cNvCxnSpPr>
-          <p:nvPr/>
-        </p:nvCxnSpPr>
-        <p:spPr>
-          <a:xfrm>
-            <a:off x="3136775" y="1645055"/>
-            <a:ext cx="3167849" cy="458952"/>
-          </a:xfrm>
-          <a:prstGeom prst="straightConnector1">
-            <a:avLst/>
-          </a:prstGeom>
-          <a:ln>
-            <a:tailEnd type="triangle"/>
-          </a:ln>
-        </p:spPr>
-        <p:style>
-          <a:lnRef idx="2">
-            <a:schemeClr val="accent1"/>
-          </a:lnRef>
-          <a:fillRef idx="0">
-            <a:schemeClr val="accent1"/>
-          </a:fillRef>
-          <a:effectRef idx="1">
-            <a:schemeClr val="accent1"/>
-          </a:effectRef>
-          <a:fontRef idx="minor">
-            <a:schemeClr val="tx1"/>
-          </a:fontRef>
-        </p:style>
-      </p:cxnSp>
-      <p:cxnSp>
-        <p:nvCxnSpPr>
-          <p:cNvPr id="55" name="Straight Arrow Connector 54">
-            <a:extLst>
-              <a:ext uri="{FF2B5EF4-FFF2-40B4-BE49-F238E27FC236}">
-                <a16:creationId xmlns:a16="http://schemas.microsoft.com/office/drawing/2014/main" id="{E489BEC4-5F3C-7629-6F5F-BA695B88CF76}"/>
-              </a:ext>
-            </a:extLst>
-          </p:cNvPr>
-          <p:cNvCxnSpPr/>
-          <p:nvPr/>
-        </p:nvCxnSpPr>
-        <p:spPr>
-          <a:xfrm flipV="1">
-            <a:off x="1740018" y="2281561"/>
-            <a:ext cx="4469910" cy="2041864"/>
-          </a:xfrm>
-          <a:prstGeom prst="straightConnector1">
-            <a:avLst/>
-          </a:prstGeom>
-          <a:ln>
-            <a:tailEnd type="triangle"/>
-          </a:ln>
-        </p:spPr>
-        <p:style>
-          <a:lnRef idx="2">
-            <a:schemeClr val="accent1"/>
-          </a:lnRef>
-          <a:fillRef idx="0">
-            <a:schemeClr val="accent1"/>
-          </a:fillRef>
-          <a:effectRef idx="1">
-            <a:schemeClr val="accent1"/>
-          </a:effectRef>
-          <a:fontRef idx="minor">
-            <a:schemeClr val="tx1"/>
-          </a:fontRef>
-        </p:style>
-      </p:cxnSp>
-      <p:cxnSp>
-        <p:nvCxnSpPr>
-          <p:cNvPr id="61" name="Straight Connector 60">
-            <a:extLst>
-              <a:ext uri="{FF2B5EF4-FFF2-40B4-BE49-F238E27FC236}">
-                <a16:creationId xmlns:a16="http://schemas.microsoft.com/office/drawing/2014/main" id="{B98AE542-EE85-49C5-0F59-DBD18C697D1B}"/>
-              </a:ext>
-            </a:extLst>
-          </p:cNvPr>
-          <p:cNvCxnSpPr>
-            <a:cxnSpLocks/>
-          </p:cNvCxnSpPr>
-          <p:nvPr/>
-        </p:nvCxnSpPr>
-        <p:spPr>
-          <a:xfrm>
-            <a:off x="3136775" y="5206481"/>
-            <a:ext cx="378782" cy="369332"/>
-          </a:xfrm>
-          <a:prstGeom prst="line">
-            <a:avLst/>
-          </a:prstGeom>
-        </p:spPr>
-        <p:style>
-          <a:lnRef idx="2">
-            <a:schemeClr val="accent1"/>
-          </a:lnRef>
-          <a:fillRef idx="0">
-            <a:schemeClr val="accent1"/>
-          </a:fillRef>
-          <a:effectRef idx="1">
-            <a:schemeClr val="accent1"/>
-          </a:effectRef>
-          <a:fontRef idx="minor">
-            <a:schemeClr val="tx1"/>
-          </a:fontRef>
-        </p:style>
-      </p:cxnSp>
-      <p:cxnSp>
-        <p:nvCxnSpPr>
-          <p:cNvPr id="66" name="Straight Arrow Connector 65">
-            <a:extLst>
-              <a:ext uri="{FF2B5EF4-FFF2-40B4-BE49-F238E27FC236}">
-                <a16:creationId xmlns:a16="http://schemas.microsoft.com/office/drawing/2014/main" id="{D4C9ABA6-66CB-0BD9-3BA1-C32465153229}"/>
-              </a:ext>
-            </a:extLst>
-          </p:cNvPr>
-          <p:cNvCxnSpPr/>
-          <p:nvPr/>
-        </p:nvCxnSpPr>
-        <p:spPr>
-          <a:xfrm flipV="1">
-            <a:off x="3524435" y="5212945"/>
-            <a:ext cx="470516" cy="362868"/>
-          </a:xfrm>
-          <a:prstGeom prst="straightConnector1">
-            <a:avLst/>
-          </a:prstGeom>
-          <a:ln>
-            <a:tailEnd type="triangle"/>
-          </a:ln>
-        </p:spPr>
-        <p:style>
-          <a:lnRef idx="2">
-            <a:schemeClr val="accent1"/>
-          </a:lnRef>
-          <a:fillRef idx="0">
-            <a:schemeClr val="accent1"/>
-          </a:fillRef>
-          <a:effectRef idx="1">
-            <a:schemeClr val="accent1"/>
-          </a:effectRef>
-          <a:fontRef idx="minor">
-            <a:schemeClr val="tx1"/>
-          </a:fontRef>
-        </p:style>
-      </p:cxnSp>
-      <p:cxnSp>
-        <p:nvCxnSpPr>
-          <p:cNvPr id="70" name="Straight Connector 69">
-            <a:extLst>
-              <a:ext uri="{FF2B5EF4-FFF2-40B4-BE49-F238E27FC236}">
-                <a16:creationId xmlns:a16="http://schemas.microsoft.com/office/drawing/2014/main" id="{B7BF56AF-2A8A-6685-2CF8-9D15B02D7F53}"/>
-              </a:ext>
-            </a:extLst>
-          </p:cNvPr>
-          <p:cNvCxnSpPr/>
-          <p:nvPr/>
-        </p:nvCxnSpPr>
-        <p:spPr>
-          <a:xfrm>
-            <a:off x="7004482" y="2281561"/>
-            <a:ext cx="550415" cy="479394"/>
-          </a:xfrm>
-          <a:prstGeom prst="line">
-            <a:avLst/>
-          </a:prstGeom>
-        </p:spPr>
-        <p:style>
-          <a:lnRef idx="2">
-            <a:schemeClr val="accent1"/>
-          </a:lnRef>
-          <a:fillRef idx="0">
-            <a:schemeClr val="accent1"/>
-          </a:fillRef>
-          <a:effectRef idx="1">
-            <a:schemeClr val="accent1"/>
-          </a:effectRef>
-          <a:fontRef idx="minor">
-            <a:schemeClr val="tx1"/>
-          </a:fontRef>
-        </p:style>
-      </p:cxnSp>
-      <p:cxnSp>
-        <p:nvCxnSpPr>
-          <p:cNvPr id="72" name="Straight Arrow Connector 71">
-            <a:extLst>
-              <a:ext uri="{FF2B5EF4-FFF2-40B4-BE49-F238E27FC236}">
-                <a16:creationId xmlns:a16="http://schemas.microsoft.com/office/drawing/2014/main" id="{EE32DE65-ABF8-3BF1-2B69-486AABEE9CE1}"/>
-              </a:ext>
-            </a:extLst>
-          </p:cNvPr>
-          <p:cNvCxnSpPr>
-            <a:cxnSpLocks/>
-          </p:cNvCxnSpPr>
-          <p:nvPr/>
-        </p:nvCxnSpPr>
-        <p:spPr>
-          <a:xfrm flipH="1">
-            <a:off x="7004482" y="2760955"/>
-            <a:ext cx="550415" cy="543017"/>
-          </a:xfrm>
-          <a:prstGeom prst="straightConnector1">
-            <a:avLst/>
-          </a:prstGeom>
-          <a:ln>
-            <a:tailEnd type="triangle"/>
-          </a:ln>
-        </p:spPr>
-        <p:style>
-          <a:lnRef idx="2">
-            <a:schemeClr val="accent1"/>
-          </a:lnRef>
-          <a:fillRef idx="0">
-            <a:schemeClr val="accent1"/>
-          </a:fillRef>
-          <a:effectRef idx="1">
-            <a:schemeClr val="accent1"/>
-          </a:effectRef>
-          <a:fontRef idx="minor">
-            <a:schemeClr val="tx1"/>
-          </a:fontRef>
-        </p:style>
-      </p:cxnSp>
-      <p:sp>
-        <p:nvSpPr>
-          <p:cNvPr id="75" name="TextBox 74">
-            <a:extLst>
-              <a:ext uri="{FF2B5EF4-FFF2-40B4-BE49-F238E27FC236}">
-                <a16:creationId xmlns:a16="http://schemas.microsoft.com/office/drawing/2014/main" id="{EEF414F8-D4C2-5C0B-0CFF-2796697A4298}"/>
-              </a:ext>
-            </a:extLst>
-          </p:cNvPr>
-          <p:cNvSpPr txBox="1"/>
-          <p:nvPr/>
-        </p:nvSpPr>
-        <p:spPr>
-          <a:xfrm>
-            <a:off x="8035770" y="4105014"/>
-            <a:ext cx="884809" cy="369332"/>
-          </a:xfrm>
-          <a:prstGeom prst="rect">
-            <a:avLst/>
-          </a:prstGeom>
-          <a:noFill/>
-        </p:spPr>
-        <p:txBody>
-          <a:bodyPr wrap="square" rtlCol="0">
-            <a:spAutoFit/>
-          </a:bodyPr>
-          <a:lstStyle/>
-          <a:p>
-            <a:r>
-              <a:rPr lang="en-GB" dirty="0"/>
-              <a:t>X </a:t>
-            </a:r>
-            <a:r>
-              <a:rPr lang="en-GB" dirty="0" err="1"/>
-              <a:t>uout</a:t>
-            </a:r>
-            <a:r>
-              <a:rPr lang="en-GB" dirty="0"/>
-              <a:t> </a:t>
-            </a:r>
-          </a:p>
-        </p:txBody>
-      </p:sp>
-      <p:sp>
-        <p:nvSpPr>
-          <p:cNvPr id="76" name="TextBox 75">
-            <a:extLst>
-              <a:ext uri="{FF2B5EF4-FFF2-40B4-BE49-F238E27FC236}">
-                <a16:creationId xmlns:a16="http://schemas.microsoft.com/office/drawing/2014/main" id="{57B6E2BF-5F5C-C87F-B4DB-30D2F76BC6F0}"/>
-              </a:ext>
-            </a:extLst>
-          </p:cNvPr>
-          <p:cNvSpPr txBox="1"/>
-          <p:nvPr/>
-        </p:nvSpPr>
-        <p:spPr>
-          <a:xfrm>
-            <a:off x="10389831" y="4092094"/>
-            <a:ext cx="884809" cy="369332"/>
-          </a:xfrm>
-          <a:prstGeom prst="rect">
-            <a:avLst/>
-          </a:prstGeom>
-          <a:noFill/>
-        </p:spPr>
-        <p:txBody>
-          <a:bodyPr wrap="square" rtlCol="0">
-            <a:spAutoFit/>
-          </a:bodyPr>
-          <a:lstStyle/>
-          <a:p>
-            <a:r>
-              <a:rPr lang="en-GB" dirty="0"/>
-              <a:t>X </a:t>
-            </a:r>
-            <a:r>
-              <a:rPr lang="en-GB" dirty="0" err="1"/>
-              <a:t>uin</a:t>
-            </a:r>
-            <a:r>
-              <a:rPr lang="en-GB" dirty="0"/>
-              <a:t> </a:t>
-            </a:r>
-          </a:p>
-        </p:txBody>
-      </p:sp>
-      <p:sp>
-        <p:nvSpPr>
-          <p:cNvPr id="78" name="TextBox 77">
-            <a:extLst>
-              <a:ext uri="{FF2B5EF4-FFF2-40B4-BE49-F238E27FC236}">
-                <a16:creationId xmlns:a16="http://schemas.microsoft.com/office/drawing/2014/main" id="{9161D0F8-8EAC-E67D-BBDC-9AAA82196F0C}"/>
-              </a:ext>
-            </a:extLst>
-          </p:cNvPr>
-          <p:cNvSpPr txBox="1"/>
-          <p:nvPr/>
-        </p:nvSpPr>
-        <p:spPr>
-          <a:xfrm>
-            <a:off x="8052048" y="4958750"/>
-            <a:ext cx="884809" cy="369332"/>
-          </a:xfrm>
-          <a:prstGeom prst="rect">
-            <a:avLst/>
-          </a:prstGeom>
-          <a:noFill/>
-        </p:spPr>
-        <p:txBody>
-          <a:bodyPr wrap="square" rtlCol="0">
-            <a:spAutoFit/>
-          </a:bodyPr>
-          <a:lstStyle/>
-          <a:p>
-            <a:r>
-              <a:rPr lang="en-GB" dirty="0"/>
-              <a:t>X out </a:t>
-            </a:r>
-          </a:p>
-        </p:txBody>
-      </p:sp>
-      <p:sp>
-        <p:nvSpPr>
-          <p:cNvPr id="79" name="TextBox 78">
-            <a:extLst>
-              <a:ext uri="{FF2B5EF4-FFF2-40B4-BE49-F238E27FC236}">
-                <a16:creationId xmlns:a16="http://schemas.microsoft.com/office/drawing/2014/main" id="{1A326F35-68A3-8BE2-085F-130496EC8E72}"/>
-              </a:ext>
-            </a:extLst>
-          </p:cNvPr>
-          <p:cNvSpPr txBox="1"/>
-          <p:nvPr/>
-        </p:nvSpPr>
-        <p:spPr>
-          <a:xfrm>
-            <a:off x="10406109" y="4945830"/>
-            <a:ext cx="884809" cy="369332"/>
-          </a:xfrm>
-          <a:prstGeom prst="rect">
-            <a:avLst/>
-          </a:prstGeom>
-          <a:noFill/>
-        </p:spPr>
-        <p:txBody>
-          <a:bodyPr wrap="square" rtlCol="0">
-            <a:spAutoFit/>
-          </a:bodyPr>
-          <a:lstStyle/>
-          <a:p>
-            <a:r>
-              <a:rPr lang="en-GB" dirty="0"/>
-              <a:t>X in </a:t>
-            </a:r>
-          </a:p>
-        </p:txBody>
-      </p:sp>
     </p:spTree>
     <p:extLst>
       <p:ext uri="{BB962C8B-B14F-4D97-AF65-F5344CB8AC3E}">
-        <p14:creationId xmlns:p14="http://schemas.microsoft.com/office/powerpoint/2010/main" val="2721401281"/>
+        <p14:creationId xmlns:p14="http://schemas.microsoft.com/office/powerpoint/2010/main" val="3978740458"/>
       </p:ext>
     </p:extLst>
   </p:cSld>
@@ -16003,7 +17476,7 @@
             <a:pPr algn="ctr"/>
             <a:r>
               <a:rPr lang="en-GB" sz="3200" dirty="0"/>
-              <a:t>Flash</a:t>
+              <a:t>Hex</a:t>
             </a:r>
           </a:p>
         </p:txBody>
@@ -16011,7 +17484,7 @@
     </p:spTree>
     <p:extLst>
       <p:ext uri="{BB962C8B-B14F-4D97-AF65-F5344CB8AC3E}">
-        <p14:creationId xmlns:p14="http://schemas.microsoft.com/office/powerpoint/2010/main" val="1613699915"/>
+        <p14:creationId xmlns:p14="http://schemas.microsoft.com/office/powerpoint/2010/main" val="876943472"/>
       </p:ext>
     </p:extLst>
   </p:cSld>
